--- a/Defense.pptx
+++ b/Defense.pptx
@@ -2,15 +2,42 @@
 <file path=ppt/presentation.xml><?xml version="1.0" encoding="utf-8"?>
 <p:presentation xmlns:a="http://schemas.openxmlformats.org/drawingml/2006/main" xmlns:r="http://schemas.openxmlformats.org/officeDocument/2006/relationships" xmlns:p="http://schemas.openxmlformats.org/presentationml/2006/main" saveSubsetFonts="1" autoCompressPictures="0">
   <p:sldMasterIdLst>
-    <p:sldMasterId id="2147483912" r:id="rId1"/>
+    <p:sldMasterId id="2147483924" r:id="rId1"/>
   </p:sldMasterIdLst>
   <p:notesMasterIdLst>
-    <p:notesMasterId r:id="rId5"/>
+    <p:notesMasterId r:id="rId32"/>
   </p:notesMasterIdLst>
   <p:sldIdLst>
     <p:sldId id="256" r:id="rId2"/>
     <p:sldId id="257" r:id="rId3"/>
-    <p:sldId id="258" r:id="rId4"/>
+    <p:sldId id="263" r:id="rId4"/>
+    <p:sldId id="258" r:id="rId5"/>
+    <p:sldId id="259" r:id="rId6"/>
+    <p:sldId id="262" r:id="rId7"/>
+    <p:sldId id="261" r:id="rId8"/>
+    <p:sldId id="264" r:id="rId9"/>
+    <p:sldId id="265" r:id="rId10"/>
+    <p:sldId id="271" r:id="rId11"/>
+    <p:sldId id="272" r:id="rId12"/>
+    <p:sldId id="273" r:id="rId13"/>
+    <p:sldId id="274" r:id="rId14"/>
+    <p:sldId id="275" r:id="rId15"/>
+    <p:sldId id="276" r:id="rId16"/>
+    <p:sldId id="266" r:id="rId17"/>
+    <p:sldId id="270" r:id="rId18"/>
+    <p:sldId id="269" r:id="rId19"/>
+    <p:sldId id="277" r:id="rId20"/>
+    <p:sldId id="279" r:id="rId21"/>
+    <p:sldId id="280" r:id="rId22"/>
+    <p:sldId id="281" r:id="rId23"/>
+    <p:sldId id="282" r:id="rId24"/>
+    <p:sldId id="267" r:id="rId25"/>
+    <p:sldId id="283" r:id="rId26"/>
+    <p:sldId id="284" r:id="rId27"/>
+    <p:sldId id="285" r:id="rId28"/>
+    <p:sldId id="286" r:id="rId29"/>
+    <p:sldId id="278" r:id="rId30"/>
+    <p:sldId id="268" r:id="rId31"/>
   </p:sldIdLst>
   <p:sldSz cx="12192000" cy="6858000"/>
   <p:notesSz cx="6858000" cy="9144000"/>
@@ -109,6 +136,11 @@
       </a:defRPr>
     </a:lvl9pPr>
   </p:defaultTextStyle>
+  <p:extLst>
+    <p:ext uri="{EFAFB233-063F-42B5-8137-9DF3F51BA10A}">
+      <p15:sldGuideLst xmlns:p15="http://schemas.microsoft.com/office/powerpoint/2012/main"/>
+    </p:ext>
+  </p:extLst>
 </p:presentation>
 </file>
 
@@ -194,7 +226,7 @@
           <a:p>
             <a:fld id="{BDC86BDB-CC9A-ED40-9AF5-E71DD20094E1}" type="datetimeFigureOut">
               <a:rPr lang="en-US" smtClean="0"/>
-              <a:t>5/8/17</a:t>
+              <a:t>5/14/17</a:t>
             </a:fld>
             <a:endParaRPr lang="en-US"/>
           </a:p>
@@ -527,7 +559,7 @@
           <a:p>
             <a:fld id="{FA96522B-57BD-D24F-8B23-FEC206FF4124}" type="slidenum">
               <a:rPr lang="en-US" smtClean="0"/>
-              <a:t>3</a:t>
+              <a:t>4</a:t>
             </a:fld>
             <a:endParaRPr lang="en-US"/>
           </a:p>
@@ -546,8 +578,260 @@
 </p:notes>
 </file>
 
+<file path=ppt/notesSlides/notesSlide2.xml><?xml version="1.0" encoding="utf-8"?>
+<p:notes xmlns:a="http://schemas.openxmlformats.org/drawingml/2006/main" xmlns:r="http://schemas.openxmlformats.org/officeDocument/2006/relationships" xmlns:p="http://schemas.openxmlformats.org/presentationml/2006/main">
+  <p:cSld>
+    <p:spTree>
+      <p:nvGrpSpPr>
+        <p:cNvPr id="1" name=""/>
+        <p:cNvGrpSpPr/>
+        <p:nvPr/>
+      </p:nvGrpSpPr>
+      <p:grpSpPr>
+        <a:xfrm>
+          <a:off x="0" y="0"/>
+          <a:ext cx="0" cy="0"/>
+          <a:chOff x="0" y="0"/>
+          <a:chExt cx="0" cy="0"/>
+        </a:xfrm>
+      </p:grpSpPr>
+      <p:sp>
+        <p:nvSpPr>
+          <p:cNvPr id="2" name="Slide Image Placeholder 1"/>
+          <p:cNvSpPr>
+            <a:spLocks noGrp="1" noRot="1" noChangeAspect="1"/>
+          </p:cNvSpPr>
+          <p:nvPr>
+            <p:ph type="sldImg"/>
+          </p:nvPr>
+        </p:nvSpPr>
+        <p:spPr/>
+      </p:sp>
+      <p:sp>
+        <p:nvSpPr>
+          <p:cNvPr id="3" name="Notes Placeholder 2"/>
+          <p:cNvSpPr>
+            <a:spLocks noGrp="1"/>
+          </p:cNvSpPr>
+          <p:nvPr>
+            <p:ph type="body" idx="1"/>
+          </p:nvPr>
+        </p:nvSpPr>
+        <p:spPr/>
+        <p:txBody>
+          <a:bodyPr/>
+          <a:lstStyle/>
+          <a:p>
+            <a:endParaRPr lang="en-US" dirty="0"/>
+          </a:p>
+        </p:txBody>
+      </p:sp>
+      <p:sp>
+        <p:nvSpPr>
+          <p:cNvPr id="4" name="Slide Number Placeholder 3"/>
+          <p:cNvSpPr>
+            <a:spLocks noGrp="1"/>
+          </p:cNvSpPr>
+          <p:nvPr>
+            <p:ph type="sldNum" sz="quarter" idx="10"/>
+          </p:nvPr>
+        </p:nvSpPr>
+        <p:spPr/>
+        <p:txBody>
+          <a:bodyPr/>
+          <a:lstStyle/>
+          <a:p>
+            <a:fld id="{FA96522B-57BD-D24F-8B23-FEC206FF4124}" type="slidenum">
+              <a:rPr lang="en-US" smtClean="0"/>
+              <a:t>6</a:t>
+            </a:fld>
+            <a:endParaRPr lang="en-US"/>
+          </a:p>
+        </p:txBody>
+      </p:sp>
+    </p:spTree>
+    <p:extLst>
+      <p:ext uri="{BB962C8B-B14F-4D97-AF65-F5344CB8AC3E}">
+        <p14:creationId xmlns:p14="http://schemas.microsoft.com/office/powerpoint/2010/main" val="2111088726"/>
+      </p:ext>
+    </p:extLst>
+  </p:cSld>
+  <p:clrMapOvr>
+    <a:masterClrMapping/>
+  </p:clrMapOvr>
+</p:notes>
+</file>
+
+<file path=ppt/notesSlides/notesSlide3.xml><?xml version="1.0" encoding="utf-8"?>
+<p:notes xmlns:a="http://schemas.openxmlformats.org/drawingml/2006/main" xmlns:r="http://schemas.openxmlformats.org/officeDocument/2006/relationships" xmlns:p="http://schemas.openxmlformats.org/presentationml/2006/main">
+  <p:cSld>
+    <p:spTree>
+      <p:nvGrpSpPr>
+        <p:cNvPr id="1" name=""/>
+        <p:cNvGrpSpPr/>
+        <p:nvPr/>
+      </p:nvGrpSpPr>
+      <p:grpSpPr>
+        <a:xfrm>
+          <a:off x="0" y="0"/>
+          <a:ext cx="0" cy="0"/>
+          <a:chOff x="0" y="0"/>
+          <a:chExt cx="0" cy="0"/>
+        </a:xfrm>
+      </p:grpSpPr>
+      <p:sp>
+        <p:nvSpPr>
+          <p:cNvPr id="2" name="Slide Image Placeholder 1"/>
+          <p:cNvSpPr>
+            <a:spLocks noGrp="1" noRot="1" noChangeAspect="1"/>
+          </p:cNvSpPr>
+          <p:nvPr>
+            <p:ph type="sldImg"/>
+          </p:nvPr>
+        </p:nvSpPr>
+        <p:spPr/>
+      </p:sp>
+      <p:sp>
+        <p:nvSpPr>
+          <p:cNvPr id="3" name="Notes Placeholder 2"/>
+          <p:cNvSpPr>
+            <a:spLocks noGrp="1"/>
+          </p:cNvSpPr>
+          <p:nvPr>
+            <p:ph type="body" idx="1"/>
+          </p:nvPr>
+        </p:nvSpPr>
+        <p:spPr/>
+        <p:txBody>
+          <a:bodyPr/>
+          <a:lstStyle/>
+          <a:p>
+            <a:endParaRPr lang="en-US" dirty="0"/>
+          </a:p>
+        </p:txBody>
+      </p:sp>
+      <p:sp>
+        <p:nvSpPr>
+          <p:cNvPr id="4" name="Slide Number Placeholder 3"/>
+          <p:cNvSpPr>
+            <a:spLocks noGrp="1"/>
+          </p:cNvSpPr>
+          <p:nvPr>
+            <p:ph type="sldNum" sz="quarter" idx="10"/>
+          </p:nvPr>
+        </p:nvSpPr>
+        <p:spPr/>
+        <p:txBody>
+          <a:bodyPr/>
+          <a:lstStyle/>
+          <a:p>
+            <a:fld id="{FA96522B-57BD-D24F-8B23-FEC206FF4124}" type="slidenum">
+              <a:rPr lang="en-US" smtClean="0"/>
+              <a:t>7</a:t>
+            </a:fld>
+            <a:endParaRPr lang="en-US"/>
+          </a:p>
+        </p:txBody>
+      </p:sp>
+    </p:spTree>
+    <p:extLst>
+      <p:ext uri="{BB962C8B-B14F-4D97-AF65-F5344CB8AC3E}">
+        <p14:creationId xmlns:p14="http://schemas.microsoft.com/office/powerpoint/2010/main" val="1698014135"/>
+      </p:ext>
+    </p:extLst>
+  </p:cSld>
+  <p:clrMapOvr>
+    <a:masterClrMapping/>
+  </p:clrMapOvr>
+</p:notes>
+</file>
+
+<file path=ppt/notesSlides/notesSlide4.xml><?xml version="1.0" encoding="utf-8"?>
+<p:notes xmlns:a="http://schemas.openxmlformats.org/drawingml/2006/main" xmlns:r="http://schemas.openxmlformats.org/officeDocument/2006/relationships" xmlns:p="http://schemas.openxmlformats.org/presentationml/2006/main">
+  <p:cSld>
+    <p:spTree>
+      <p:nvGrpSpPr>
+        <p:cNvPr id="1" name=""/>
+        <p:cNvGrpSpPr/>
+        <p:nvPr/>
+      </p:nvGrpSpPr>
+      <p:grpSpPr>
+        <a:xfrm>
+          <a:off x="0" y="0"/>
+          <a:ext cx="0" cy="0"/>
+          <a:chOff x="0" y="0"/>
+          <a:chExt cx="0" cy="0"/>
+        </a:xfrm>
+      </p:grpSpPr>
+      <p:sp>
+        <p:nvSpPr>
+          <p:cNvPr id="2" name="Slide Image Placeholder 1"/>
+          <p:cNvSpPr>
+            <a:spLocks noGrp="1" noRot="1" noChangeAspect="1"/>
+          </p:cNvSpPr>
+          <p:nvPr>
+            <p:ph type="sldImg"/>
+          </p:nvPr>
+        </p:nvSpPr>
+        <p:spPr/>
+      </p:sp>
+      <p:sp>
+        <p:nvSpPr>
+          <p:cNvPr id="3" name="Notes Placeholder 2"/>
+          <p:cNvSpPr>
+            <a:spLocks noGrp="1"/>
+          </p:cNvSpPr>
+          <p:nvPr>
+            <p:ph type="body" idx="1"/>
+          </p:nvPr>
+        </p:nvSpPr>
+        <p:spPr/>
+        <p:txBody>
+          <a:bodyPr/>
+          <a:lstStyle/>
+          <a:p>
+            <a:endParaRPr lang="en-US" dirty="0"/>
+          </a:p>
+        </p:txBody>
+      </p:sp>
+      <p:sp>
+        <p:nvSpPr>
+          <p:cNvPr id="4" name="Slide Number Placeholder 3"/>
+          <p:cNvSpPr>
+            <a:spLocks noGrp="1"/>
+          </p:cNvSpPr>
+          <p:nvPr>
+            <p:ph type="sldNum" sz="quarter" idx="10"/>
+          </p:nvPr>
+        </p:nvSpPr>
+        <p:spPr/>
+        <p:txBody>
+          <a:bodyPr/>
+          <a:lstStyle/>
+          <a:p>
+            <a:fld id="{FA96522B-57BD-D24F-8B23-FEC206FF4124}" type="slidenum">
+              <a:rPr lang="en-US" smtClean="0"/>
+              <a:t>21</a:t>
+            </a:fld>
+            <a:endParaRPr lang="en-US"/>
+          </a:p>
+        </p:txBody>
+      </p:sp>
+    </p:spTree>
+    <p:extLst>
+      <p:ext uri="{BB962C8B-B14F-4D97-AF65-F5344CB8AC3E}">
+        <p14:creationId xmlns:p14="http://schemas.microsoft.com/office/powerpoint/2010/main" val="74853187"/>
+      </p:ext>
+    </p:extLst>
+  </p:cSld>
+  <p:clrMapOvr>
+    <a:masterClrMapping/>
+  </p:clrMapOvr>
+</p:notes>
+</file>
+
 <file path=ppt/slideLayouts/slideLayout1.xml><?xml version="1.0" encoding="utf-8"?>
-<p:sldLayout xmlns:a="http://schemas.openxmlformats.org/drawingml/2006/main" xmlns:r="http://schemas.openxmlformats.org/officeDocument/2006/relationships" xmlns:p="http://schemas.openxmlformats.org/presentationml/2006/main" showMasterSp="0" type="title" preserve="1">
+<p:sldLayout xmlns:a="http://schemas.openxmlformats.org/drawingml/2006/main" xmlns:r="http://schemas.openxmlformats.org/officeDocument/2006/relationships" xmlns:p="http://schemas.openxmlformats.org/presentationml/2006/main" type="title" preserve="1">
   <p:cSld name="Title Slide">
     <p:spTree>
       <p:nvGrpSpPr>
@@ -565,185 +849,90 @@
       </p:grpSpPr>
       <p:sp>
         <p:nvSpPr>
-          <p:cNvPr id="7" name="Rectangle 6"/>
-          <p:cNvSpPr/>
-          <p:nvPr/>
+          <p:cNvPr id="2" name="Title 1"/>
+          <p:cNvSpPr>
+            <a:spLocks noGrp="1"/>
+          </p:cNvSpPr>
+          <p:nvPr>
+            <p:ph type="ctrTitle"/>
+          </p:nvPr>
         </p:nvSpPr>
         <p:spPr>
           <a:xfrm>
-            <a:off x="3175" y="6400800"/>
-            <a:ext cx="12188825" cy="457200"/>
+            <a:off x="1524000" y="1122363"/>
+            <a:ext cx="9144000" cy="2387600"/>
           </a:xfrm>
-          <a:prstGeom prst="rect">
-            <a:avLst/>
-          </a:prstGeom>
-          <a:solidFill>
-            <a:schemeClr val="accent2"/>
-          </a:solidFill>
-          <a:ln>
-            <a:noFill/>
-          </a:ln>
         </p:spPr>
-        <p:style>
-          <a:lnRef idx="2">
-            <a:schemeClr val="accent1">
-              <a:shade val="50000"/>
-            </a:schemeClr>
-          </a:lnRef>
-          <a:fillRef idx="1">
-            <a:schemeClr val="accent1"/>
-          </a:fillRef>
-          <a:effectRef idx="0">
-            <a:schemeClr val="accent1"/>
-          </a:effectRef>
-          <a:fontRef idx="minor">
-            <a:schemeClr val="lt1"/>
-          </a:fontRef>
-        </p:style>
-      </p:sp>
-      <p:sp>
-        <p:nvSpPr>
-          <p:cNvPr id="8" name="Rectangle 7"/>
-          <p:cNvSpPr/>
-          <p:nvPr/>
+        <p:txBody>
+          <a:bodyPr anchor="b"/>
+          <a:lstStyle>
+            <a:lvl1pPr algn="ctr">
+              <a:defRPr sz="6000"/>
+            </a:lvl1pPr>
+          </a:lstStyle>
+          <a:p>
+            <a:r>
+              <a:rPr lang="en-US" smtClean="0"/>
+              <a:t>Click to edit Master title style</a:t>
+            </a:r>
+            <a:endParaRPr lang="en-US"/>
+          </a:p>
+        </p:txBody>
+      </p:sp>
+      <p:sp>
+        <p:nvSpPr>
+          <p:cNvPr id="3" name="Subtitle 2"/>
+          <p:cNvSpPr>
+            <a:spLocks noGrp="1"/>
+          </p:cNvSpPr>
+          <p:nvPr>
+            <p:ph type="subTitle" idx="1"/>
+          </p:nvPr>
         </p:nvSpPr>
         <p:spPr>
           <a:xfrm>
-            <a:off x="15" y="6334316"/>
-            <a:ext cx="12188825" cy="64008"/>
-          </a:xfrm>
-          <a:prstGeom prst="rect">
-            <a:avLst/>
-          </a:prstGeom>
-          <a:solidFill>
-            <a:schemeClr val="accent1"/>
-          </a:solidFill>
-          <a:ln>
-            <a:noFill/>
-          </a:ln>
-        </p:spPr>
-        <p:style>
-          <a:lnRef idx="2">
-            <a:schemeClr val="accent1">
-              <a:shade val="50000"/>
-            </a:schemeClr>
-          </a:lnRef>
-          <a:fillRef idx="1">
-            <a:schemeClr val="accent1"/>
-          </a:fillRef>
-          <a:effectRef idx="0">
-            <a:schemeClr val="accent1"/>
-          </a:effectRef>
-          <a:fontRef idx="minor">
-            <a:schemeClr val="lt1"/>
-          </a:fontRef>
-        </p:style>
-      </p:sp>
-      <p:sp>
-        <p:nvSpPr>
-          <p:cNvPr id="2" name="Title 1"/>
-          <p:cNvSpPr>
-            <a:spLocks noGrp="1"/>
-          </p:cNvSpPr>
-          <p:nvPr>
-            <p:ph type="ctrTitle"/>
-          </p:nvPr>
-        </p:nvSpPr>
-        <p:spPr>
-          <a:xfrm>
-            <a:off x="1097280" y="758952"/>
-            <a:ext cx="10058400" cy="3566160"/>
+            <a:off x="1524000" y="3602038"/>
+            <a:ext cx="9144000" cy="1655762"/>
           </a:xfrm>
         </p:spPr>
         <p:txBody>
-          <a:bodyPr anchor="b">
-            <a:normAutofit/>
-          </a:bodyPr>
+          <a:bodyPr/>
           <a:lstStyle>
-            <a:lvl1pPr algn="l">
-              <a:lnSpc>
-                <a:spcPct val="85000"/>
-              </a:lnSpc>
-              <a:defRPr sz="8000" spc="-50" baseline="0">
-                <a:solidFill>
-                  <a:schemeClr val="tx1">
-                    <a:lumMod val="85000"/>
-                    <a:lumOff val="15000"/>
-                  </a:schemeClr>
-                </a:solidFill>
-              </a:defRPr>
-            </a:lvl1pPr>
-          </a:lstStyle>
-          <a:p>
-            <a:r>
-              <a:rPr lang="en-US" smtClean="0"/>
-              <a:t>Click to edit Master title style</a:t>
-            </a:r>
-            <a:endParaRPr lang="en-US" dirty="0"/>
-          </a:p>
-        </p:txBody>
-      </p:sp>
-      <p:sp>
-        <p:nvSpPr>
-          <p:cNvPr id="3" name="Subtitle 2"/>
-          <p:cNvSpPr>
-            <a:spLocks noGrp="1"/>
-          </p:cNvSpPr>
-          <p:nvPr>
-            <p:ph type="subTitle" idx="1"/>
-          </p:nvPr>
-        </p:nvSpPr>
-        <p:spPr>
-          <a:xfrm>
-            <a:off x="1100051" y="4455621"/>
-            <a:ext cx="10058400" cy="1143000"/>
-          </a:xfrm>
-        </p:spPr>
-        <p:txBody>
-          <a:bodyPr lIns="91440" rIns="91440">
-            <a:normAutofit/>
-          </a:bodyPr>
-          <a:lstStyle>
-            <a:lvl1pPr marL="0" indent="0" algn="l">
-              <a:buNone/>
-              <a:defRPr sz="2400" cap="all" spc="200" baseline="0">
-                <a:solidFill>
-                  <a:schemeClr val="tx2"/>
-                </a:solidFill>
-                <a:latin typeface="+mj-lt"/>
-              </a:defRPr>
+            <a:lvl1pPr marL="0" indent="0" algn="ctr">
+              <a:buNone/>
+              <a:defRPr sz="2400"/>
             </a:lvl1pPr>
             <a:lvl2pPr marL="457200" indent="0" algn="ctr">
               <a:buNone/>
-              <a:defRPr sz="2400"/>
+              <a:defRPr sz="2000"/>
             </a:lvl2pPr>
             <a:lvl3pPr marL="914400" indent="0" algn="ctr">
               <a:buNone/>
-              <a:defRPr sz="2400"/>
+              <a:defRPr sz="1800"/>
             </a:lvl3pPr>
             <a:lvl4pPr marL="1371600" indent="0" algn="ctr">
               <a:buNone/>
-              <a:defRPr sz="2000"/>
+              <a:defRPr sz="1600"/>
             </a:lvl4pPr>
             <a:lvl5pPr marL="1828800" indent="0" algn="ctr">
               <a:buNone/>
-              <a:defRPr sz="2000"/>
+              <a:defRPr sz="1600"/>
             </a:lvl5pPr>
             <a:lvl6pPr marL="2286000" indent="0" algn="ctr">
               <a:buNone/>
-              <a:defRPr sz="2000"/>
+              <a:defRPr sz="1600"/>
             </a:lvl6pPr>
             <a:lvl7pPr marL="2743200" indent="0" algn="ctr">
               <a:buNone/>
-              <a:defRPr sz="2000"/>
+              <a:defRPr sz="1600"/>
             </a:lvl7pPr>
             <a:lvl8pPr marL="3200400" indent="0" algn="ctr">
               <a:buNone/>
-              <a:defRPr sz="2000"/>
+              <a:defRPr sz="1600"/>
             </a:lvl8pPr>
             <a:lvl9pPr marL="3657600" indent="0" algn="ctr">
               <a:buNone/>
-              <a:defRPr sz="2000"/>
+              <a:defRPr sz="1600"/>
             </a:lvl9pPr>
           </a:lstStyle>
           <a:p>
@@ -751,7 +940,7 @@
               <a:rPr lang="en-US" smtClean="0"/>
               <a:t>Click to edit Master subtitle style</a:t>
             </a:r>
-            <a:endParaRPr lang="en-US" dirty="0"/>
+            <a:endParaRPr lang="en-US"/>
           </a:p>
         </p:txBody>
       </p:sp>
@@ -772,7 +961,7 @@
           <a:p>
             <a:fld id="{0DED1650-8D0E-F34D-899B-DA25D073FCB6}" type="datetimeFigureOut">
               <a:rPr lang="en-US" smtClean="0"/>
-              <a:t>5/8/17</a:t>
+              <a:t>5/14/17</a:t>
             </a:fld>
             <a:endParaRPr lang="en-US"/>
           </a:p>
@@ -820,48 +1009,10 @@
           </a:p>
         </p:txBody>
       </p:sp>
-      <p:cxnSp>
-        <p:nvCxnSpPr>
-          <p:cNvPr id="9" name="Straight Connector 8"/>
-          <p:cNvCxnSpPr/>
-          <p:nvPr/>
-        </p:nvCxnSpPr>
-        <p:spPr>
-          <a:xfrm>
-            <a:off x="1207658" y="4343400"/>
-            <a:ext cx="9875520" cy="0"/>
-          </a:xfrm>
-          <a:prstGeom prst="line">
-            <a:avLst/>
-          </a:prstGeom>
-          <a:ln w="6350">
-            <a:solidFill>
-              <a:schemeClr val="tx1">
-                <a:lumMod val="50000"/>
-                <a:lumOff val="50000"/>
-              </a:schemeClr>
-            </a:solidFill>
-          </a:ln>
-        </p:spPr>
-        <p:style>
-          <a:lnRef idx="1">
-            <a:schemeClr val="accent1"/>
-          </a:lnRef>
-          <a:fillRef idx="0">
-            <a:schemeClr val="accent1"/>
-          </a:fillRef>
-          <a:effectRef idx="0">
-            <a:schemeClr val="accent1"/>
-          </a:effectRef>
-          <a:fontRef idx="minor">
-            <a:schemeClr val="tx1"/>
-          </a:fontRef>
-        </p:style>
-      </p:cxnSp>
     </p:spTree>
     <p:extLst>
       <p:ext uri="{BB962C8B-B14F-4D97-AF65-F5344CB8AC3E}">
-        <p14:creationId xmlns:p14="http://schemas.microsoft.com/office/powerpoint/2010/main" val="605057273"/>
+        <p14:creationId xmlns:p14="http://schemas.microsoft.com/office/powerpoint/2010/main" val="736140115"/>
       </p:ext>
     </p:extLst>
   </p:cSld>
@@ -912,7 +1063,7 @@
               <a:rPr lang="en-US" smtClean="0"/>
               <a:t>Click to edit Master title style</a:t>
             </a:r>
-            <a:endParaRPr lang="en-US" dirty="0"/>
+            <a:endParaRPr lang="en-US"/>
           </a:p>
         </p:txBody>
       </p:sp>
@@ -928,7 +1079,7 @@
         </p:nvSpPr>
         <p:spPr/>
         <p:txBody>
-          <a:bodyPr vert="eaVert" lIns="45720" tIns="0" rIns="45720" bIns="0"/>
+          <a:bodyPr vert="eaVert"/>
           <a:lstStyle/>
           <a:p>
             <a:pPr lvl="0"/>
@@ -964,7 +1115,7 @@
               <a:rPr lang="en-US" smtClean="0"/>
               <a:t>Fifth level</a:t>
             </a:r>
-            <a:endParaRPr lang="en-US" dirty="0"/>
+            <a:endParaRPr lang="en-US"/>
           </a:p>
         </p:txBody>
       </p:sp>
@@ -985,7 +1136,7 @@
           <a:p>
             <a:fld id="{0DED1650-8D0E-F34D-899B-DA25D073FCB6}" type="datetimeFigureOut">
               <a:rPr lang="en-US" smtClean="0"/>
-              <a:t>5/8/17</a:t>
+              <a:t>5/14/17</a:t>
             </a:fld>
             <a:endParaRPr lang="en-US"/>
           </a:p>
@@ -1036,7 +1187,7 @@
     </p:spTree>
     <p:extLst>
       <p:ext uri="{BB962C8B-B14F-4D97-AF65-F5344CB8AC3E}">
-        <p14:creationId xmlns:p14="http://schemas.microsoft.com/office/powerpoint/2010/main" val="1877334169"/>
+        <p14:creationId xmlns:p14="http://schemas.microsoft.com/office/powerpoint/2010/main" val="669264047"/>
       </p:ext>
     </p:extLst>
   </p:cSld>
@@ -1047,7 +1198,7 @@
 </file>
 
 <file path=ppt/slideLayouts/slideLayout11.xml><?xml version="1.0" encoding="utf-8"?>
-<p:sldLayout xmlns:a="http://schemas.openxmlformats.org/drawingml/2006/main" xmlns:r="http://schemas.openxmlformats.org/officeDocument/2006/relationships" xmlns:p="http://schemas.openxmlformats.org/presentationml/2006/main" showMasterSp="0" type="vertTitleAndTx" preserve="1">
+<p:sldLayout xmlns:a="http://schemas.openxmlformats.org/drawingml/2006/main" xmlns:r="http://schemas.openxmlformats.org/officeDocument/2006/relationships" xmlns:p="http://schemas.openxmlformats.org/presentationml/2006/main" type="vertTitleAndTx" preserve="1">
   <p:cSld name="Vertical Title and Text">
     <p:spTree>
       <p:nvGrpSpPr>
@@ -1065,128 +1216,52 @@
       </p:grpSpPr>
       <p:sp>
         <p:nvSpPr>
-          <p:cNvPr id="7" name="Rectangle 6"/>
-          <p:cNvSpPr/>
-          <p:nvPr/>
+          <p:cNvPr id="2" name="Vertical Title 1"/>
+          <p:cNvSpPr>
+            <a:spLocks noGrp="1"/>
+          </p:cNvSpPr>
+          <p:nvPr>
+            <p:ph type="title" orient="vert"/>
+          </p:nvPr>
         </p:nvSpPr>
         <p:spPr>
           <a:xfrm>
-            <a:off x="3175" y="6400800"/>
-            <a:ext cx="12188825" cy="457200"/>
+            <a:off x="8724900" y="365125"/>
+            <a:ext cx="2628900" cy="5811838"/>
           </a:xfrm>
-          <a:prstGeom prst="rect">
-            <a:avLst/>
-          </a:prstGeom>
-          <a:solidFill>
-            <a:schemeClr val="accent2"/>
-          </a:solidFill>
-          <a:ln>
-            <a:noFill/>
-          </a:ln>
         </p:spPr>
-        <p:style>
-          <a:lnRef idx="2">
-            <a:schemeClr val="accent1">
-              <a:shade val="50000"/>
-            </a:schemeClr>
-          </a:lnRef>
-          <a:fillRef idx="1">
-            <a:schemeClr val="accent1"/>
-          </a:fillRef>
-          <a:effectRef idx="0">
-            <a:schemeClr val="accent1"/>
-          </a:effectRef>
-          <a:fontRef idx="minor">
-            <a:schemeClr val="lt1"/>
-          </a:fontRef>
-        </p:style>
-      </p:sp>
-      <p:sp>
-        <p:nvSpPr>
-          <p:cNvPr id="8" name="Rectangle 7"/>
-          <p:cNvSpPr/>
-          <p:nvPr/>
+        <p:txBody>
+          <a:bodyPr vert="eaVert"/>
+          <a:lstStyle/>
+          <a:p>
+            <a:r>
+              <a:rPr lang="en-US" smtClean="0"/>
+              <a:t>Click to edit Master title style</a:t>
+            </a:r>
+            <a:endParaRPr lang="en-US"/>
+          </a:p>
+        </p:txBody>
+      </p:sp>
+      <p:sp>
+        <p:nvSpPr>
+          <p:cNvPr id="3" name="Vertical Text Placeholder 2"/>
+          <p:cNvSpPr>
+            <a:spLocks noGrp="1"/>
+          </p:cNvSpPr>
+          <p:nvPr>
+            <p:ph type="body" orient="vert" idx="1"/>
+          </p:nvPr>
         </p:nvSpPr>
         <p:spPr>
           <a:xfrm>
-            <a:off x="15" y="6334316"/>
-            <a:ext cx="12188825" cy="64008"/>
-          </a:xfrm>
-          <a:prstGeom prst="rect">
-            <a:avLst/>
-          </a:prstGeom>
-          <a:solidFill>
-            <a:schemeClr val="accent1"/>
-          </a:solidFill>
-          <a:ln>
-            <a:noFill/>
-          </a:ln>
-        </p:spPr>
-        <p:style>
-          <a:lnRef idx="2">
-            <a:schemeClr val="accent1">
-              <a:shade val="50000"/>
-            </a:schemeClr>
-          </a:lnRef>
-          <a:fillRef idx="1">
-            <a:schemeClr val="accent1"/>
-          </a:fillRef>
-          <a:effectRef idx="0">
-            <a:schemeClr val="accent1"/>
-          </a:effectRef>
-          <a:fontRef idx="minor">
-            <a:schemeClr val="lt1"/>
-          </a:fontRef>
-        </p:style>
-      </p:sp>
-      <p:sp>
-        <p:nvSpPr>
-          <p:cNvPr id="2" name="Vertical Title 1"/>
-          <p:cNvSpPr>
-            <a:spLocks noGrp="1"/>
-          </p:cNvSpPr>
-          <p:nvPr>
-            <p:ph type="title" orient="vert"/>
-          </p:nvPr>
-        </p:nvSpPr>
-        <p:spPr>
-          <a:xfrm>
-            <a:off x="8724900" y="412302"/>
-            <a:ext cx="2628900" cy="5759898"/>
+            <a:off x="838200" y="365125"/>
+            <a:ext cx="7734300" cy="5811838"/>
           </a:xfrm>
         </p:spPr>
         <p:txBody>
           <a:bodyPr vert="eaVert"/>
           <a:lstStyle/>
           <a:p>
-            <a:r>
-              <a:rPr lang="en-US" smtClean="0"/>
-              <a:t>Click to edit Master title style</a:t>
-            </a:r>
-            <a:endParaRPr lang="en-US" dirty="0"/>
-          </a:p>
-        </p:txBody>
-      </p:sp>
-      <p:sp>
-        <p:nvSpPr>
-          <p:cNvPr id="3" name="Vertical Text Placeholder 2"/>
-          <p:cNvSpPr>
-            <a:spLocks noGrp="1"/>
-          </p:cNvSpPr>
-          <p:nvPr>
-            <p:ph type="body" orient="vert" idx="1"/>
-          </p:nvPr>
-        </p:nvSpPr>
-        <p:spPr>
-          <a:xfrm>
-            <a:off x="838200" y="412302"/>
-            <a:ext cx="7734300" cy="5759898"/>
-          </a:xfrm>
-        </p:spPr>
-        <p:txBody>
-          <a:bodyPr vert="eaVert" lIns="45720" tIns="0" rIns="45720" bIns="0"/>
-          <a:lstStyle/>
-          <a:p>
             <a:pPr lvl="0"/>
             <a:r>
               <a:rPr lang="en-US" smtClean="0"/>
@@ -1220,7 +1295,7 @@
               <a:rPr lang="en-US" smtClean="0"/>
               <a:t>Fifth level</a:t>
             </a:r>
-            <a:endParaRPr lang="en-US" dirty="0"/>
+            <a:endParaRPr lang="en-US"/>
           </a:p>
         </p:txBody>
       </p:sp>
@@ -1241,7 +1316,7 @@
           <a:p>
             <a:fld id="{0DED1650-8D0E-F34D-899B-DA25D073FCB6}" type="datetimeFigureOut">
               <a:rPr lang="en-US" smtClean="0"/>
-              <a:t>5/8/17</a:t>
+              <a:t>5/14/17</a:t>
             </a:fld>
             <a:endParaRPr lang="en-US"/>
           </a:p>
@@ -1292,7 +1367,7 @@
     </p:spTree>
     <p:extLst>
       <p:ext uri="{BB962C8B-B14F-4D97-AF65-F5344CB8AC3E}">
-        <p14:creationId xmlns:p14="http://schemas.microsoft.com/office/powerpoint/2010/main" val="1525636659"/>
+        <p14:creationId xmlns:p14="http://schemas.microsoft.com/office/powerpoint/2010/main" val="1948978590"/>
       </p:ext>
     </p:extLst>
   </p:cSld>
@@ -1343,7 +1418,7 @@
               <a:rPr lang="en-US" smtClean="0"/>
               <a:t>Click to edit Master title style</a:t>
             </a:r>
-            <a:endParaRPr lang="en-US" dirty="0"/>
+            <a:endParaRPr lang="en-US"/>
           </a:p>
         </p:txBody>
       </p:sp>
@@ -1395,7 +1470,7 @@
               <a:rPr lang="en-US" smtClean="0"/>
               <a:t>Fifth level</a:t>
             </a:r>
-            <a:endParaRPr lang="en-US" dirty="0"/>
+            <a:endParaRPr lang="en-US"/>
           </a:p>
         </p:txBody>
       </p:sp>
@@ -1416,7 +1491,7 @@
           <a:p>
             <a:fld id="{0DED1650-8D0E-F34D-899B-DA25D073FCB6}" type="datetimeFigureOut">
               <a:rPr lang="en-US" smtClean="0"/>
-              <a:t>5/8/17</a:t>
+              <a:t>5/14/17</a:t>
             </a:fld>
             <a:endParaRPr lang="en-US"/>
           </a:p>
@@ -1467,7 +1542,7 @@
     </p:spTree>
     <p:extLst>
       <p:ext uri="{BB962C8B-B14F-4D97-AF65-F5344CB8AC3E}">
-        <p14:creationId xmlns:p14="http://schemas.microsoft.com/office/powerpoint/2010/main" val="862518766"/>
+        <p14:creationId xmlns:p14="http://schemas.microsoft.com/office/powerpoint/2010/main" val="653622438"/>
       </p:ext>
     </p:extLst>
   </p:cSld>
@@ -1478,16 +1553,8 @@
 </file>
 
 <file path=ppt/slideLayouts/slideLayout3.xml><?xml version="1.0" encoding="utf-8"?>
-<p:sldLayout xmlns:a="http://schemas.openxmlformats.org/drawingml/2006/main" xmlns:r="http://schemas.openxmlformats.org/officeDocument/2006/relationships" xmlns:p="http://schemas.openxmlformats.org/presentationml/2006/main" showMasterSp="0" type="secHead" preserve="1">
+<p:sldLayout xmlns:a="http://schemas.openxmlformats.org/drawingml/2006/main" xmlns:r="http://schemas.openxmlformats.org/officeDocument/2006/relationships" xmlns:p="http://schemas.openxmlformats.org/presentationml/2006/main" type="secHead" preserve="1">
   <p:cSld name="Section Header">
-    <p:bg>
-      <p:bgPr>
-        <a:solidFill>
-          <a:schemeClr val="bg1"/>
-        </a:solidFill>
-        <a:effectLst/>
-      </p:bgPr>
-    </p:bg>
     <p:spTree>
       <p:nvGrpSpPr>
         <p:cNvPr id="1" name=""/>
@@ -1504,157 +1571,68 @@
       </p:grpSpPr>
       <p:sp>
         <p:nvSpPr>
-          <p:cNvPr id="7" name="Rectangle 6"/>
-          <p:cNvSpPr/>
-          <p:nvPr/>
+          <p:cNvPr id="2" name="Title 1"/>
+          <p:cNvSpPr>
+            <a:spLocks noGrp="1"/>
+          </p:cNvSpPr>
+          <p:nvPr>
+            <p:ph type="title"/>
+          </p:nvPr>
         </p:nvSpPr>
         <p:spPr>
           <a:xfrm>
-            <a:off x="3175" y="6400800"/>
-            <a:ext cx="12188825" cy="457200"/>
+            <a:off x="831850" y="1709738"/>
+            <a:ext cx="10515600" cy="2852737"/>
           </a:xfrm>
-          <a:prstGeom prst="rect">
-            <a:avLst/>
-          </a:prstGeom>
-          <a:solidFill>
-            <a:schemeClr val="accent2"/>
-          </a:solidFill>
-          <a:ln>
-            <a:noFill/>
-          </a:ln>
         </p:spPr>
-        <p:style>
-          <a:lnRef idx="2">
-            <a:schemeClr val="accent1">
-              <a:shade val="50000"/>
-            </a:schemeClr>
-          </a:lnRef>
-          <a:fillRef idx="1">
-            <a:schemeClr val="accent1"/>
-          </a:fillRef>
-          <a:effectRef idx="0">
-            <a:schemeClr val="accent1"/>
-          </a:effectRef>
-          <a:fontRef idx="minor">
-            <a:schemeClr val="lt1"/>
-          </a:fontRef>
-        </p:style>
-      </p:sp>
-      <p:sp>
-        <p:nvSpPr>
-          <p:cNvPr id="8" name="Rectangle 7"/>
-          <p:cNvSpPr/>
-          <p:nvPr/>
+        <p:txBody>
+          <a:bodyPr anchor="b"/>
+          <a:lstStyle>
+            <a:lvl1pPr>
+              <a:defRPr sz="6000"/>
+            </a:lvl1pPr>
+          </a:lstStyle>
+          <a:p>
+            <a:r>
+              <a:rPr lang="en-US" smtClean="0"/>
+              <a:t>Click to edit Master title style</a:t>
+            </a:r>
+            <a:endParaRPr lang="en-US"/>
+          </a:p>
+        </p:txBody>
+      </p:sp>
+      <p:sp>
+        <p:nvSpPr>
+          <p:cNvPr id="3" name="Text Placeholder 2"/>
+          <p:cNvSpPr>
+            <a:spLocks noGrp="1"/>
+          </p:cNvSpPr>
+          <p:nvPr>
+            <p:ph type="body" idx="1"/>
+          </p:nvPr>
         </p:nvSpPr>
         <p:spPr>
           <a:xfrm>
-            <a:off x="15" y="6334316"/>
-            <a:ext cx="12188825" cy="64008"/>
-          </a:xfrm>
-          <a:prstGeom prst="rect">
-            <a:avLst/>
-          </a:prstGeom>
-          <a:solidFill>
-            <a:schemeClr val="accent1"/>
-          </a:solidFill>
-          <a:ln>
-            <a:noFill/>
-          </a:ln>
-        </p:spPr>
-        <p:style>
-          <a:lnRef idx="2">
-            <a:schemeClr val="accent1">
-              <a:shade val="50000"/>
-            </a:schemeClr>
-          </a:lnRef>
-          <a:fillRef idx="1">
-            <a:schemeClr val="accent1"/>
-          </a:fillRef>
-          <a:effectRef idx="0">
-            <a:schemeClr val="accent1"/>
-          </a:effectRef>
-          <a:fontRef idx="minor">
-            <a:schemeClr val="lt1"/>
-          </a:fontRef>
-        </p:style>
-      </p:sp>
-      <p:sp>
-        <p:nvSpPr>
-          <p:cNvPr id="2" name="Title 1"/>
-          <p:cNvSpPr>
-            <a:spLocks noGrp="1"/>
-          </p:cNvSpPr>
-          <p:nvPr>
-            <p:ph type="title"/>
-          </p:nvPr>
-        </p:nvSpPr>
-        <p:spPr>
-          <a:xfrm>
-            <a:off x="1097280" y="758952"/>
-            <a:ext cx="10058400" cy="3566160"/>
+            <a:off x="831850" y="4589463"/>
+            <a:ext cx="10515600" cy="1500187"/>
           </a:xfrm>
         </p:spPr>
         <p:txBody>
-          <a:bodyPr anchor="b" anchorCtr="0">
-            <a:normAutofit/>
-          </a:bodyPr>
+          <a:bodyPr/>
           <a:lstStyle>
-            <a:lvl1pPr>
-              <a:lnSpc>
-                <a:spcPct val="85000"/>
-              </a:lnSpc>
-              <a:defRPr sz="8000" b="0">
+            <a:lvl1pPr marL="0" indent="0">
+              <a:buNone/>
+              <a:defRPr sz="2400">
                 <a:solidFill>
                   <a:schemeClr val="tx1">
-                    <a:lumMod val="85000"/>
-                    <a:lumOff val="15000"/>
+                    <a:tint val="75000"/>
                   </a:schemeClr>
                 </a:solidFill>
               </a:defRPr>
             </a:lvl1pPr>
-          </a:lstStyle>
-          <a:p>
-            <a:r>
-              <a:rPr lang="en-US" smtClean="0"/>
-              <a:t>Click to edit Master title style</a:t>
-            </a:r>
-            <a:endParaRPr lang="en-US" dirty="0"/>
-          </a:p>
-        </p:txBody>
-      </p:sp>
-      <p:sp>
-        <p:nvSpPr>
-          <p:cNvPr id="3" name="Text Placeholder 2"/>
-          <p:cNvSpPr>
-            <a:spLocks noGrp="1"/>
-          </p:cNvSpPr>
-          <p:nvPr>
-            <p:ph type="body" idx="1"/>
-          </p:nvPr>
-        </p:nvSpPr>
-        <p:spPr>
-          <a:xfrm>
-            <a:off x="1097280" y="4453128"/>
-            <a:ext cx="10058400" cy="1143000"/>
-          </a:xfrm>
-        </p:spPr>
-        <p:txBody>
-          <a:bodyPr lIns="91440" rIns="91440" anchor="t" anchorCtr="0">
-            <a:normAutofit/>
-          </a:bodyPr>
-          <a:lstStyle>
-            <a:lvl1pPr marL="0" indent="0">
-              <a:buNone/>
-              <a:defRPr sz="2400" cap="all" spc="200" baseline="0">
-                <a:solidFill>
-                  <a:schemeClr val="tx2"/>
-                </a:solidFill>
-                <a:latin typeface="+mj-lt"/>
-              </a:defRPr>
-            </a:lvl1pPr>
             <a:lvl2pPr marL="457200" indent="0">
               <a:buNone/>
-              <a:defRPr sz="1800">
+              <a:defRPr sz="2000">
                 <a:solidFill>
                   <a:schemeClr val="tx1">
                     <a:tint val="75000"/>
@@ -1664,7 +1642,7 @@
             </a:lvl2pPr>
             <a:lvl3pPr marL="914400" indent="0">
               <a:buNone/>
-              <a:defRPr sz="1600">
+              <a:defRPr sz="1800">
                 <a:solidFill>
                   <a:schemeClr val="tx1">
                     <a:tint val="75000"/>
@@ -1674,7 +1652,7 @@
             </a:lvl3pPr>
             <a:lvl4pPr marL="1371600" indent="0">
               <a:buNone/>
-              <a:defRPr sz="1400">
+              <a:defRPr sz="1600">
                 <a:solidFill>
                   <a:schemeClr val="tx1">
                     <a:tint val="75000"/>
@@ -1684,7 +1662,7 @@
             </a:lvl4pPr>
             <a:lvl5pPr marL="1828800" indent="0">
               <a:buNone/>
-              <a:defRPr sz="1400">
+              <a:defRPr sz="1600">
                 <a:solidFill>
                   <a:schemeClr val="tx1">
                     <a:tint val="75000"/>
@@ -1694,7 +1672,7 @@
             </a:lvl5pPr>
             <a:lvl6pPr marL="2286000" indent="0">
               <a:buNone/>
-              <a:defRPr sz="1400">
+              <a:defRPr sz="1600">
                 <a:solidFill>
                   <a:schemeClr val="tx1">
                     <a:tint val="75000"/>
@@ -1704,7 +1682,7 @@
             </a:lvl6pPr>
             <a:lvl7pPr marL="2743200" indent="0">
               <a:buNone/>
-              <a:defRPr sz="1400">
+              <a:defRPr sz="1600">
                 <a:solidFill>
                   <a:schemeClr val="tx1">
                     <a:tint val="75000"/>
@@ -1714,7 +1692,7 @@
             </a:lvl7pPr>
             <a:lvl8pPr marL="3200400" indent="0">
               <a:buNone/>
-              <a:defRPr sz="1400">
+              <a:defRPr sz="1600">
                 <a:solidFill>
                   <a:schemeClr val="tx1">
                     <a:tint val="75000"/>
@@ -1724,7 +1702,7 @@
             </a:lvl8pPr>
             <a:lvl9pPr marL="3657600" indent="0">
               <a:buNone/>
-              <a:defRPr sz="1400">
+              <a:defRPr sz="1600">
                 <a:solidFill>
                   <a:schemeClr val="tx1">
                     <a:tint val="75000"/>
@@ -1759,7 +1737,7 @@
           <a:p>
             <a:fld id="{0DED1650-8D0E-F34D-899B-DA25D073FCB6}" type="datetimeFigureOut">
               <a:rPr lang="en-US" smtClean="0"/>
-              <a:t>5/8/17</a:t>
+              <a:t>5/14/17</a:t>
             </a:fld>
             <a:endParaRPr lang="en-US"/>
           </a:p>
@@ -1807,48 +1785,10 @@
           </a:p>
         </p:txBody>
       </p:sp>
-      <p:cxnSp>
-        <p:nvCxnSpPr>
-          <p:cNvPr id="9" name="Straight Connector 8"/>
-          <p:cNvCxnSpPr/>
-          <p:nvPr/>
-        </p:nvCxnSpPr>
-        <p:spPr>
-          <a:xfrm>
-            <a:off x="1207658" y="4343400"/>
-            <a:ext cx="9875520" cy="0"/>
-          </a:xfrm>
-          <a:prstGeom prst="line">
-            <a:avLst/>
-          </a:prstGeom>
-          <a:ln w="6350">
-            <a:solidFill>
-              <a:schemeClr val="tx1">
-                <a:lumMod val="50000"/>
-                <a:lumOff val="50000"/>
-              </a:schemeClr>
-            </a:solidFill>
-          </a:ln>
-        </p:spPr>
-        <p:style>
-          <a:lnRef idx="1">
-            <a:schemeClr val="accent1"/>
-          </a:lnRef>
-          <a:fillRef idx="0">
-            <a:schemeClr val="accent1"/>
-          </a:fillRef>
-          <a:effectRef idx="0">
-            <a:schemeClr val="accent1"/>
-          </a:effectRef>
-          <a:fontRef idx="minor">
-            <a:schemeClr val="tx1"/>
-          </a:fontRef>
-        </p:style>
-      </p:cxnSp>
     </p:spTree>
     <p:extLst>
       <p:ext uri="{BB962C8B-B14F-4D97-AF65-F5344CB8AC3E}">
-        <p14:creationId xmlns:p14="http://schemas.microsoft.com/office/powerpoint/2010/main" val="838282912"/>
+        <p14:creationId xmlns:p14="http://schemas.microsoft.com/office/powerpoint/2010/main" val="1053461061"/>
       </p:ext>
     </p:extLst>
   </p:cSld>
@@ -1882,46 +1822,98 @@
       </p:grpSpPr>
       <p:sp>
         <p:nvSpPr>
-          <p:cNvPr id="8" name="Title 7"/>
+          <p:cNvPr id="2" name="Title 1"/>
           <p:cNvSpPr>
             <a:spLocks noGrp="1"/>
           </p:cNvSpPr>
           <p:nvPr>
             <p:ph type="title"/>
+          </p:nvPr>
+        </p:nvSpPr>
+        <p:spPr/>
+        <p:txBody>
+          <a:bodyPr/>
+          <a:lstStyle/>
+          <a:p>
+            <a:r>
+              <a:rPr lang="en-US" smtClean="0"/>
+              <a:t>Click to edit Master title style</a:t>
+            </a:r>
+            <a:endParaRPr lang="en-US"/>
+          </a:p>
+        </p:txBody>
+      </p:sp>
+      <p:sp>
+        <p:nvSpPr>
+          <p:cNvPr id="3" name="Content Placeholder 2"/>
+          <p:cNvSpPr>
+            <a:spLocks noGrp="1"/>
+          </p:cNvSpPr>
+          <p:nvPr>
+            <p:ph sz="half" idx="1"/>
           </p:nvPr>
         </p:nvSpPr>
         <p:spPr>
           <a:xfrm>
-            <a:off x="1097280" y="286603"/>
-            <a:ext cx="10058400" cy="1450757"/>
+            <a:off x="838200" y="1825625"/>
+            <a:ext cx="5181600" cy="4351338"/>
           </a:xfrm>
         </p:spPr>
         <p:txBody>
           <a:bodyPr/>
           <a:lstStyle/>
           <a:p>
+            <a:pPr lvl="0"/>
             <a:r>
               <a:rPr lang="en-US" smtClean="0"/>
-              <a:t>Click to edit Master title style</a:t>
-            </a:r>
-            <a:endParaRPr lang="en-US" dirty="0"/>
-          </a:p>
-        </p:txBody>
-      </p:sp>
-      <p:sp>
-        <p:nvSpPr>
-          <p:cNvPr id="3" name="Content Placeholder 2"/>
-          <p:cNvSpPr>
-            <a:spLocks noGrp="1"/>
-          </p:cNvSpPr>
-          <p:nvPr>
-            <p:ph sz="half" idx="1"/>
+              <a:t>Click to edit Master text styles</a:t>
+            </a:r>
+          </a:p>
+          <a:p>
+            <a:pPr lvl="1"/>
+            <a:r>
+              <a:rPr lang="en-US" smtClean="0"/>
+              <a:t>Second level</a:t>
+            </a:r>
+          </a:p>
+          <a:p>
+            <a:pPr lvl="2"/>
+            <a:r>
+              <a:rPr lang="en-US" smtClean="0"/>
+              <a:t>Third level</a:t>
+            </a:r>
+          </a:p>
+          <a:p>
+            <a:pPr lvl="3"/>
+            <a:r>
+              <a:rPr lang="en-US" smtClean="0"/>
+              <a:t>Fourth level</a:t>
+            </a:r>
+          </a:p>
+          <a:p>
+            <a:pPr lvl="4"/>
+            <a:r>
+              <a:rPr lang="en-US" smtClean="0"/>
+              <a:t>Fifth level</a:t>
+            </a:r>
+            <a:endParaRPr lang="en-US"/>
+          </a:p>
+        </p:txBody>
+      </p:sp>
+      <p:sp>
+        <p:nvSpPr>
+          <p:cNvPr id="4" name="Content Placeholder 3"/>
+          <p:cNvSpPr>
+            <a:spLocks noGrp="1"/>
+          </p:cNvSpPr>
+          <p:nvPr>
+            <p:ph sz="half" idx="2"/>
           </p:nvPr>
         </p:nvSpPr>
         <p:spPr>
           <a:xfrm>
-            <a:off x="1097278" y="1845734"/>
-            <a:ext cx="4937760" cy="4023360"/>
+            <a:off x="6172200" y="1825625"/>
+            <a:ext cx="5181600" cy="4351338"/>
           </a:xfrm>
         </p:spPr>
         <p:txBody>
@@ -1961,64 +1953,7 @@
               <a:rPr lang="en-US" smtClean="0"/>
               <a:t>Fifth level</a:t>
             </a:r>
-            <a:endParaRPr lang="en-US" dirty="0"/>
-          </a:p>
-        </p:txBody>
-      </p:sp>
-      <p:sp>
-        <p:nvSpPr>
-          <p:cNvPr id="4" name="Content Placeholder 3"/>
-          <p:cNvSpPr>
-            <a:spLocks noGrp="1"/>
-          </p:cNvSpPr>
-          <p:nvPr>
-            <p:ph sz="half" idx="2"/>
-          </p:nvPr>
-        </p:nvSpPr>
-        <p:spPr>
-          <a:xfrm>
-            <a:off x="6217920" y="1845735"/>
-            <a:ext cx="4937760" cy="4023360"/>
-          </a:xfrm>
-        </p:spPr>
-        <p:txBody>
-          <a:bodyPr/>
-          <a:lstStyle/>
-          <a:p>
-            <a:pPr lvl="0"/>
-            <a:r>
-              <a:rPr lang="en-US" smtClean="0"/>
-              <a:t>Click to edit Master text styles</a:t>
-            </a:r>
-          </a:p>
-          <a:p>
-            <a:pPr lvl="1"/>
-            <a:r>
-              <a:rPr lang="en-US" smtClean="0"/>
-              <a:t>Second level</a:t>
-            </a:r>
-          </a:p>
-          <a:p>
-            <a:pPr lvl="2"/>
-            <a:r>
-              <a:rPr lang="en-US" smtClean="0"/>
-              <a:t>Third level</a:t>
-            </a:r>
-          </a:p>
-          <a:p>
-            <a:pPr lvl="3"/>
-            <a:r>
-              <a:rPr lang="en-US" smtClean="0"/>
-              <a:t>Fourth level</a:t>
-            </a:r>
-          </a:p>
-          <a:p>
-            <a:pPr lvl="4"/>
-            <a:r>
-              <a:rPr lang="en-US" smtClean="0"/>
-              <a:t>Fifth level</a:t>
-            </a:r>
-            <a:endParaRPr lang="en-US" dirty="0"/>
+            <a:endParaRPr lang="en-US"/>
           </a:p>
         </p:txBody>
       </p:sp>
@@ -2039,7 +1974,7 @@
           <a:p>
             <a:fld id="{0DED1650-8D0E-F34D-899B-DA25D073FCB6}" type="datetimeFigureOut">
               <a:rPr lang="en-US" smtClean="0"/>
-              <a:t>5/8/17</a:t>
+              <a:t>5/14/17</a:t>
             </a:fld>
             <a:endParaRPr lang="en-US"/>
           </a:p>
@@ -2090,7 +2025,7 @@
     </p:spTree>
     <p:extLst>
       <p:ext uri="{BB962C8B-B14F-4D97-AF65-F5344CB8AC3E}">
-        <p14:creationId xmlns:p14="http://schemas.microsoft.com/office/powerpoint/2010/main" val="1528177664"/>
+        <p14:creationId xmlns:p14="http://schemas.microsoft.com/office/powerpoint/2010/main" val="1664866359"/>
       </p:ext>
     </p:extLst>
   </p:cSld>
@@ -2119,7 +2054,7 @@
       </p:grpSpPr>
       <p:sp>
         <p:nvSpPr>
-          <p:cNvPr id="10" name="Title 9"/>
+          <p:cNvPr id="2" name="Title 1"/>
           <p:cNvSpPr>
             <a:spLocks noGrp="1"/>
           </p:cNvSpPr>
@@ -2129,8 +2064,8 @@
         </p:nvSpPr>
         <p:spPr>
           <a:xfrm>
-            <a:off x="1097280" y="286603"/>
-            <a:ext cx="10058400" cy="1450757"/>
+            <a:off x="839788" y="365125"/>
+            <a:ext cx="10515600" cy="1325563"/>
           </a:xfrm>
         </p:spPr>
         <p:txBody>
@@ -2141,7 +2076,7 @@
               <a:rPr lang="en-US" smtClean="0"/>
               <a:t>Click to edit Master title style</a:t>
             </a:r>
-            <a:endParaRPr lang="en-US" dirty="0"/>
+            <a:endParaRPr lang="en-US"/>
           </a:p>
         </p:txBody>
       </p:sp>
@@ -2157,22 +2092,16 @@
         </p:nvSpPr>
         <p:spPr>
           <a:xfrm>
-            <a:off x="1097280" y="1846052"/>
-            <a:ext cx="4937760" cy="736282"/>
+            <a:off x="839788" y="1681163"/>
+            <a:ext cx="5157787" cy="823912"/>
           </a:xfrm>
         </p:spPr>
         <p:txBody>
-          <a:bodyPr lIns="91440" rIns="91440" anchor="ctr">
-            <a:normAutofit/>
-          </a:bodyPr>
+          <a:bodyPr anchor="b"/>
           <a:lstStyle>
             <a:lvl1pPr marL="0" indent="0">
               <a:buNone/>
-              <a:defRPr sz="2000" b="0" cap="all" baseline="0">
-                <a:solidFill>
-                  <a:schemeClr val="tx2"/>
-                </a:solidFill>
-              </a:defRPr>
+              <a:defRPr sz="2400" b="1"/>
             </a:lvl1pPr>
             <a:lvl2pPr marL="457200" indent="0">
               <a:buNone/>
@@ -2228,8 +2157,8 @@
         </p:nvSpPr>
         <p:spPr>
           <a:xfrm>
-            <a:off x="1097280" y="2582334"/>
-            <a:ext cx="4937760" cy="3378200"/>
+            <a:off x="839788" y="2505075"/>
+            <a:ext cx="5157787" cy="3684588"/>
           </a:xfrm>
         </p:spPr>
         <p:txBody>
@@ -2269,7 +2198,7 @@
               <a:rPr lang="en-US" smtClean="0"/>
               <a:t>Fifth level</a:t>
             </a:r>
-            <a:endParaRPr lang="en-US" dirty="0"/>
+            <a:endParaRPr lang="en-US"/>
           </a:p>
         </p:txBody>
       </p:sp>
@@ -2285,22 +2214,16 @@
         </p:nvSpPr>
         <p:spPr>
           <a:xfrm>
-            <a:off x="6217920" y="1846052"/>
-            <a:ext cx="4937760" cy="736282"/>
+            <a:off x="6172200" y="1681163"/>
+            <a:ext cx="5183188" cy="823912"/>
           </a:xfrm>
         </p:spPr>
         <p:txBody>
-          <a:bodyPr lIns="91440" rIns="91440" anchor="ctr">
-            <a:normAutofit/>
-          </a:bodyPr>
+          <a:bodyPr anchor="b"/>
           <a:lstStyle>
             <a:lvl1pPr marL="0" indent="0">
               <a:buNone/>
-              <a:defRPr sz="2000" b="0" cap="all" baseline="0">
-                <a:solidFill>
-                  <a:schemeClr val="tx2"/>
-                </a:solidFill>
-              </a:defRPr>
+              <a:defRPr sz="2400" b="1"/>
             </a:lvl1pPr>
             <a:lvl2pPr marL="457200" indent="0">
               <a:buNone/>
@@ -2356,8 +2279,8 @@
         </p:nvSpPr>
         <p:spPr>
           <a:xfrm>
-            <a:off x="6217920" y="2582334"/>
-            <a:ext cx="4937760" cy="3378200"/>
+            <a:off x="6172200" y="2505075"/>
+            <a:ext cx="5183188" cy="3684588"/>
           </a:xfrm>
         </p:spPr>
         <p:txBody>
@@ -2397,7 +2320,7 @@
               <a:rPr lang="en-US" smtClean="0"/>
               <a:t>Fifth level</a:t>
             </a:r>
-            <a:endParaRPr lang="en-US" dirty="0"/>
+            <a:endParaRPr lang="en-US"/>
           </a:p>
         </p:txBody>
       </p:sp>
@@ -2418,7 +2341,7 @@
           <a:p>
             <a:fld id="{0DED1650-8D0E-F34D-899B-DA25D073FCB6}" type="datetimeFigureOut">
               <a:rPr lang="en-US" smtClean="0"/>
-              <a:t>5/8/17</a:t>
+              <a:t>5/14/17</a:t>
             </a:fld>
             <a:endParaRPr lang="en-US"/>
           </a:p>
@@ -2469,7 +2392,7 @@
     </p:spTree>
     <p:extLst>
       <p:ext uri="{BB962C8B-B14F-4D97-AF65-F5344CB8AC3E}">
-        <p14:creationId xmlns:p14="http://schemas.microsoft.com/office/powerpoint/2010/main" val="177580728"/>
+        <p14:creationId xmlns:p14="http://schemas.microsoft.com/office/powerpoint/2010/main" val="1844458950"/>
       </p:ext>
     </p:extLst>
   </p:cSld>
@@ -2515,7 +2438,7 @@
               <a:rPr lang="en-US" smtClean="0"/>
               <a:t>Click to edit Master title style</a:t>
             </a:r>
-            <a:endParaRPr lang="en-US" dirty="0"/>
+            <a:endParaRPr lang="en-US"/>
           </a:p>
         </p:txBody>
       </p:sp>
@@ -2536,7 +2459,7 @@
           <a:p>
             <a:fld id="{0DED1650-8D0E-F34D-899B-DA25D073FCB6}" type="datetimeFigureOut">
               <a:rPr lang="en-US" smtClean="0"/>
-              <a:t>5/8/17</a:t>
+              <a:t>5/14/17</a:t>
             </a:fld>
             <a:endParaRPr lang="en-US"/>
           </a:p>
@@ -2587,7 +2510,7 @@
     </p:spTree>
     <p:extLst>
       <p:ext uri="{BB962C8B-B14F-4D97-AF65-F5344CB8AC3E}">
-        <p14:creationId xmlns:p14="http://schemas.microsoft.com/office/powerpoint/2010/main" val="1744509813"/>
+        <p14:creationId xmlns:p14="http://schemas.microsoft.com/office/powerpoint/2010/main" val="895128205"/>
       </p:ext>
     </p:extLst>
   </p:cSld>
@@ -2598,7 +2521,7 @@
 </file>
 
 <file path=ppt/slideLayouts/slideLayout7.xml><?xml version="1.0" encoding="utf-8"?>
-<p:sldLayout xmlns:a="http://schemas.openxmlformats.org/drawingml/2006/main" xmlns:r="http://schemas.openxmlformats.org/officeDocument/2006/relationships" xmlns:p="http://schemas.openxmlformats.org/presentationml/2006/main" showMasterSp="0" type="blank" preserve="1">
+<p:sldLayout xmlns:a="http://schemas.openxmlformats.org/drawingml/2006/main" xmlns:r="http://schemas.openxmlformats.org/officeDocument/2006/relationships" xmlns:p="http://schemas.openxmlformats.org/presentationml/2006/main" type="blank" preserve="1">
   <p:cSld name="Blank">
     <p:spTree>
       <p:nvGrpSpPr>
@@ -2616,83 +2539,7 @@
       </p:grpSpPr>
       <p:sp>
         <p:nvSpPr>
-          <p:cNvPr id="5" name="Rectangle 4"/>
-          <p:cNvSpPr/>
-          <p:nvPr/>
-        </p:nvSpPr>
-        <p:spPr>
-          <a:xfrm>
-            <a:off x="3175" y="6400800"/>
-            <a:ext cx="12188825" cy="457200"/>
-          </a:xfrm>
-          <a:prstGeom prst="rect">
-            <a:avLst/>
-          </a:prstGeom>
-          <a:solidFill>
-            <a:schemeClr val="accent2"/>
-          </a:solidFill>
-          <a:ln>
-            <a:noFill/>
-          </a:ln>
-        </p:spPr>
-        <p:style>
-          <a:lnRef idx="2">
-            <a:schemeClr val="accent1">
-              <a:shade val="50000"/>
-            </a:schemeClr>
-          </a:lnRef>
-          <a:fillRef idx="1">
-            <a:schemeClr val="accent1"/>
-          </a:fillRef>
-          <a:effectRef idx="0">
-            <a:schemeClr val="accent1"/>
-          </a:effectRef>
-          <a:fontRef idx="minor">
-            <a:schemeClr val="lt1"/>
-          </a:fontRef>
-        </p:style>
-      </p:sp>
-      <p:sp>
-        <p:nvSpPr>
-          <p:cNvPr id="6" name="Rectangle 5"/>
-          <p:cNvSpPr/>
-          <p:nvPr/>
-        </p:nvSpPr>
-        <p:spPr>
-          <a:xfrm>
-            <a:off x="15" y="6334316"/>
-            <a:ext cx="12188825" cy="64008"/>
-          </a:xfrm>
-          <a:prstGeom prst="rect">
-            <a:avLst/>
-          </a:prstGeom>
-          <a:solidFill>
-            <a:schemeClr val="accent1"/>
-          </a:solidFill>
-          <a:ln>
-            <a:noFill/>
-          </a:ln>
-        </p:spPr>
-        <p:style>
-          <a:lnRef idx="2">
-            <a:schemeClr val="accent1">
-              <a:shade val="50000"/>
-            </a:schemeClr>
-          </a:lnRef>
-          <a:fillRef idx="1">
-            <a:schemeClr val="accent1"/>
-          </a:fillRef>
-          <a:effectRef idx="0">
-            <a:schemeClr val="accent1"/>
-          </a:effectRef>
-          <a:fontRef idx="minor">
-            <a:schemeClr val="lt1"/>
-          </a:fontRef>
-        </p:style>
-      </p:sp>
-      <p:sp>
-        <p:nvSpPr>
-          <p:cNvPr id="7" name="Date Placeholder 6"/>
+          <p:cNvPr id="2" name="Date Placeholder 1"/>
           <p:cNvSpPr>
             <a:spLocks noGrp="1"/>
           </p:cNvSpPr>
@@ -2707,7 +2554,7 @@
           <a:p>
             <a:fld id="{0DED1650-8D0E-F34D-899B-DA25D073FCB6}" type="datetimeFigureOut">
               <a:rPr lang="en-US" smtClean="0"/>
-              <a:t>5/8/17</a:t>
+              <a:t>5/14/17</a:t>
             </a:fld>
             <a:endParaRPr lang="en-US"/>
           </a:p>
@@ -2715,7 +2562,7 @@
       </p:sp>
       <p:sp>
         <p:nvSpPr>
-          <p:cNvPr id="8" name="Footer Placeholder 7"/>
+          <p:cNvPr id="3" name="Footer Placeholder 2"/>
           <p:cNvSpPr>
             <a:spLocks noGrp="1"/>
           </p:cNvSpPr>
@@ -2726,15 +2573,7 @@
         <p:spPr/>
         <p:txBody>
           <a:bodyPr/>
-          <a:lstStyle>
-            <a:lvl1pPr>
-              <a:defRPr>
-                <a:solidFill>
-                  <a:srgbClr val="FFFFFF"/>
-                </a:solidFill>
-              </a:defRPr>
-            </a:lvl1pPr>
-          </a:lstStyle>
+          <a:lstStyle/>
           <a:p>
             <a:endParaRPr lang="en-US"/>
           </a:p>
@@ -2742,7 +2581,7 @@
       </p:sp>
       <p:sp>
         <p:nvSpPr>
-          <p:cNvPr id="9" name="Slide Number Placeholder 8"/>
+          <p:cNvPr id="4" name="Slide Number Placeholder 3"/>
           <p:cNvSpPr>
             <a:spLocks noGrp="1"/>
           </p:cNvSpPr>
@@ -2766,7 +2605,7 @@
     </p:spTree>
     <p:extLst>
       <p:ext uri="{BB962C8B-B14F-4D97-AF65-F5344CB8AC3E}">
-        <p14:creationId xmlns:p14="http://schemas.microsoft.com/office/powerpoint/2010/main" val="382194600"/>
+        <p14:creationId xmlns:p14="http://schemas.microsoft.com/office/powerpoint/2010/main" val="1296794200"/>
       </p:ext>
     </p:extLst>
   </p:cSld>
@@ -2777,7 +2616,7 @@
 </file>
 
 <file path=ppt/slideLayouts/slideLayout8.xml><?xml version="1.0" encoding="utf-8"?>
-<p:sldLayout xmlns:a="http://schemas.openxmlformats.org/drawingml/2006/main" xmlns:r="http://schemas.openxmlformats.org/officeDocument/2006/relationships" xmlns:p="http://schemas.openxmlformats.org/presentationml/2006/main" showMasterSp="0" type="objTx" preserve="1">
+<p:sldLayout xmlns:a="http://schemas.openxmlformats.org/drawingml/2006/main" xmlns:r="http://schemas.openxmlformats.org/officeDocument/2006/relationships" xmlns:p="http://schemas.openxmlformats.org/presentationml/2006/main" type="objTx" preserve="1">
   <p:cSld name="Content with Caption">
     <p:spTree>
       <p:nvGrpSpPr>
@@ -2795,332 +2634,242 @@
       </p:grpSpPr>
       <p:sp>
         <p:nvSpPr>
-          <p:cNvPr id="8" name="Rectangle 7"/>
-          <p:cNvSpPr/>
-          <p:nvPr/>
+          <p:cNvPr id="2" name="Title 1"/>
+          <p:cNvSpPr>
+            <a:spLocks noGrp="1"/>
+          </p:cNvSpPr>
+          <p:nvPr>
+            <p:ph type="title"/>
+          </p:nvPr>
         </p:nvSpPr>
         <p:spPr>
           <a:xfrm>
-            <a:off x="16" y="0"/>
-            <a:ext cx="4050791" cy="6858000"/>
+            <a:off x="839788" y="457200"/>
+            <a:ext cx="3932237" cy="1600200"/>
           </a:xfrm>
-          <a:prstGeom prst="rect">
-            <a:avLst/>
-          </a:prstGeom>
-          <a:solidFill>
-            <a:schemeClr val="accent2"/>
-          </a:solidFill>
-          <a:ln>
-            <a:noFill/>
-          </a:ln>
         </p:spPr>
-        <p:style>
-          <a:lnRef idx="2">
-            <a:schemeClr val="accent1">
-              <a:shade val="50000"/>
-            </a:schemeClr>
-          </a:lnRef>
-          <a:fillRef idx="1">
-            <a:schemeClr val="accent1"/>
-          </a:fillRef>
-          <a:effectRef idx="0">
-            <a:schemeClr val="accent1"/>
-          </a:effectRef>
-          <a:fontRef idx="minor">
-            <a:schemeClr val="lt1"/>
-          </a:fontRef>
-        </p:style>
-      </p:sp>
-      <p:sp>
-        <p:nvSpPr>
-          <p:cNvPr id="9" name="Rectangle 8"/>
-          <p:cNvSpPr/>
-          <p:nvPr/>
+        <p:txBody>
+          <a:bodyPr anchor="b"/>
+          <a:lstStyle>
+            <a:lvl1pPr>
+              <a:defRPr sz="3200"/>
+            </a:lvl1pPr>
+          </a:lstStyle>
+          <a:p>
+            <a:r>
+              <a:rPr lang="en-US" smtClean="0"/>
+              <a:t>Click to edit Master title style</a:t>
+            </a:r>
+            <a:endParaRPr lang="en-US"/>
+          </a:p>
+        </p:txBody>
+      </p:sp>
+      <p:sp>
+        <p:nvSpPr>
+          <p:cNvPr id="3" name="Content Placeholder 2"/>
+          <p:cNvSpPr>
+            <a:spLocks noGrp="1"/>
+          </p:cNvSpPr>
+          <p:nvPr>
+            <p:ph idx="1"/>
+          </p:nvPr>
         </p:nvSpPr>
         <p:spPr>
           <a:xfrm>
-            <a:off x="4040071" y="0"/>
-            <a:ext cx="64008" cy="6858000"/>
-          </a:xfrm>
-          <a:prstGeom prst="rect">
-            <a:avLst/>
-          </a:prstGeom>
-          <a:solidFill>
-            <a:schemeClr val="accent1"/>
-          </a:solidFill>
-          <a:ln>
-            <a:noFill/>
-          </a:ln>
-        </p:spPr>
-        <p:style>
-          <a:lnRef idx="2">
-            <a:schemeClr val="accent1">
-              <a:shade val="50000"/>
-            </a:schemeClr>
-          </a:lnRef>
-          <a:fillRef idx="1">
-            <a:schemeClr val="accent1"/>
-          </a:fillRef>
-          <a:effectRef idx="0">
-            <a:schemeClr val="accent1"/>
-          </a:effectRef>
-          <a:fontRef idx="minor">
-            <a:schemeClr val="lt1"/>
-          </a:fontRef>
-        </p:style>
-      </p:sp>
-      <p:sp>
-        <p:nvSpPr>
-          <p:cNvPr id="2" name="Title 1"/>
-          <p:cNvSpPr>
-            <a:spLocks noGrp="1"/>
-          </p:cNvSpPr>
-          <p:nvPr>
-            <p:ph type="title"/>
-          </p:nvPr>
-        </p:nvSpPr>
-        <p:spPr>
-          <a:xfrm>
-            <a:off x="457200" y="594359"/>
-            <a:ext cx="3200400" cy="2286000"/>
+            <a:off x="5183188" y="987425"/>
+            <a:ext cx="6172200" cy="4873625"/>
           </a:xfrm>
         </p:spPr>
-        <p:txBody>
-          <a:bodyPr anchor="b">
-            <a:normAutofit/>
-          </a:bodyPr>
-          <a:lstStyle>
-            <a:lvl1pPr>
-              <a:defRPr sz="3600" b="0">
-                <a:solidFill>
-                  <a:srgbClr val="FFFFFF"/>
-                </a:solidFill>
-              </a:defRPr>
-            </a:lvl1pPr>
-          </a:lstStyle>
-          <a:p>
-            <a:r>
-              <a:rPr lang="en-US" smtClean="0"/>
-              <a:t>Click to edit Master title style</a:t>
-            </a:r>
-            <a:endParaRPr lang="en-US" dirty="0"/>
-          </a:p>
-        </p:txBody>
-      </p:sp>
-      <p:sp>
-        <p:nvSpPr>
-          <p:cNvPr id="3" name="Content Placeholder 2"/>
-          <p:cNvSpPr>
-            <a:spLocks noGrp="1"/>
-          </p:cNvSpPr>
-          <p:nvPr>
-            <p:ph idx="1"/>
-          </p:nvPr>
-        </p:nvSpPr>
-        <p:spPr>
-          <a:xfrm>
-            <a:off x="4800600" y="731520"/>
-            <a:ext cx="6492240" cy="5257800"/>
-          </a:xfrm>
-        </p:spPr>
-        <p:txBody>
-          <a:bodyPr/>
-          <a:lstStyle/>
-          <a:p>
-            <a:pPr lvl="0"/>
-            <a:r>
-              <a:rPr lang="en-US" smtClean="0"/>
-              <a:t>Click to edit Master text styles</a:t>
-            </a:r>
-          </a:p>
-          <a:p>
-            <a:pPr lvl="1"/>
-            <a:r>
-              <a:rPr lang="en-US" smtClean="0"/>
-              <a:t>Second level</a:t>
-            </a:r>
-          </a:p>
-          <a:p>
-            <a:pPr lvl="2"/>
-            <a:r>
-              <a:rPr lang="en-US" smtClean="0"/>
-              <a:t>Third level</a:t>
-            </a:r>
-          </a:p>
-          <a:p>
-            <a:pPr lvl="3"/>
-            <a:r>
-              <a:rPr lang="en-US" smtClean="0"/>
-              <a:t>Fourth level</a:t>
-            </a:r>
-          </a:p>
-          <a:p>
-            <a:pPr lvl="4"/>
-            <a:r>
-              <a:rPr lang="en-US" smtClean="0"/>
-              <a:t>Fifth level</a:t>
-            </a:r>
-            <a:endParaRPr lang="en-US" dirty="0"/>
-          </a:p>
-        </p:txBody>
-      </p:sp>
-      <p:sp>
-        <p:nvSpPr>
-          <p:cNvPr id="4" name="Text Placeholder 3"/>
-          <p:cNvSpPr>
-            <a:spLocks noGrp="1"/>
-          </p:cNvSpPr>
-          <p:nvPr>
-            <p:ph type="body" sz="half" idx="2"/>
-          </p:nvPr>
-        </p:nvSpPr>
-        <p:spPr>
-          <a:xfrm>
-            <a:off x="457200" y="2926080"/>
-            <a:ext cx="3200400" cy="3379124"/>
-          </a:xfrm>
-        </p:spPr>
-        <p:txBody>
-          <a:bodyPr lIns="91440" rIns="91440">
-            <a:normAutofit/>
-          </a:bodyPr>
-          <a:lstStyle>
-            <a:lvl1pPr marL="0" indent="0">
-              <a:buNone/>
-              <a:defRPr sz="1500">
-                <a:solidFill>
-                  <a:srgbClr val="FFFFFF"/>
-                </a:solidFill>
-              </a:defRPr>
-            </a:lvl1pPr>
-            <a:lvl2pPr marL="457200" indent="0">
-              <a:buNone/>
-              <a:defRPr sz="1200"/>
-            </a:lvl2pPr>
-            <a:lvl3pPr marL="914400" indent="0">
-              <a:buNone/>
-              <a:defRPr sz="1000"/>
-            </a:lvl3pPr>
-            <a:lvl4pPr marL="1371600" indent="0">
-              <a:buNone/>
-              <a:defRPr sz="900"/>
-            </a:lvl4pPr>
-            <a:lvl5pPr marL="1828800" indent="0">
-              <a:buNone/>
-              <a:defRPr sz="900"/>
-            </a:lvl5pPr>
-            <a:lvl6pPr marL="2286000" indent="0">
-              <a:buNone/>
-              <a:defRPr sz="900"/>
-            </a:lvl6pPr>
-            <a:lvl7pPr marL="2743200" indent="0">
-              <a:buNone/>
-              <a:defRPr sz="900"/>
-            </a:lvl7pPr>
-            <a:lvl8pPr marL="3200400" indent="0">
-              <a:buNone/>
-              <a:defRPr sz="900"/>
-            </a:lvl8pPr>
-            <a:lvl9pPr marL="3657600" indent="0">
-              <a:buNone/>
-              <a:defRPr sz="900"/>
-            </a:lvl9pPr>
-          </a:lstStyle>
-          <a:p>
-            <a:pPr lvl="0"/>
-            <a:r>
-              <a:rPr lang="en-US" smtClean="0"/>
-              <a:t>Click to edit Master text styles</a:t>
-            </a:r>
-          </a:p>
-        </p:txBody>
-      </p:sp>
-      <p:sp>
-        <p:nvSpPr>
-          <p:cNvPr id="5" name="Date Placeholder 4"/>
-          <p:cNvSpPr>
-            <a:spLocks noGrp="1"/>
-          </p:cNvSpPr>
-          <p:nvPr>
-            <p:ph type="dt" sz="half" idx="10"/>
-          </p:nvPr>
-        </p:nvSpPr>
-        <p:spPr>
-          <a:xfrm>
-            <a:off x="465512" y="6459785"/>
-            <a:ext cx="2618510" cy="365125"/>
-          </a:xfrm>
-        </p:spPr>
-        <p:txBody>
-          <a:bodyPr/>
-          <a:lstStyle>
-            <a:lvl1pPr algn="l">
-              <a:defRPr/>
-            </a:lvl1pPr>
-          </a:lstStyle>
-          <a:p>
-            <a:fld id="{0DED1650-8D0E-F34D-899B-DA25D073FCB6}" type="datetimeFigureOut">
-              <a:rPr lang="en-US" smtClean="0"/>
-              <a:t>5/8/17</a:t>
-            </a:fld>
-            <a:endParaRPr lang="en-US"/>
-          </a:p>
-        </p:txBody>
-      </p:sp>
-      <p:sp>
-        <p:nvSpPr>
-          <p:cNvPr id="6" name="Footer Placeholder 5"/>
-          <p:cNvSpPr>
-            <a:spLocks noGrp="1"/>
-          </p:cNvSpPr>
-          <p:nvPr>
-            <p:ph type="ftr" sz="quarter" idx="11"/>
-          </p:nvPr>
-        </p:nvSpPr>
-        <p:spPr>
-          <a:xfrm>
-            <a:off x="4800600" y="6459785"/>
-            <a:ext cx="4648200" cy="365125"/>
-          </a:xfrm>
-        </p:spPr>
-        <p:txBody>
-          <a:bodyPr/>
-          <a:lstStyle>
-            <a:lvl1pPr algn="l">
-              <a:defRPr>
-                <a:solidFill>
-                  <a:schemeClr val="tx2"/>
-                </a:solidFill>
-              </a:defRPr>
-            </a:lvl1pPr>
-          </a:lstStyle>
-          <a:p>
-            <a:endParaRPr lang="en-US"/>
-          </a:p>
-        </p:txBody>
-      </p:sp>
-      <p:sp>
-        <p:nvSpPr>
-          <p:cNvPr id="7" name="Slide Number Placeholder 6"/>
-          <p:cNvSpPr>
-            <a:spLocks noGrp="1"/>
-          </p:cNvSpPr>
-          <p:nvPr>
-            <p:ph type="sldNum" sz="quarter" idx="12"/>
-          </p:nvPr>
-        </p:nvSpPr>
-        <p:spPr/>
         <p:txBody>
           <a:bodyPr/>
           <a:lstStyle>
             <a:lvl1pPr>
-              <a:defRPr>
-                <a:solidFill>
-                  <a:schemeClr val="tx2"/>
-                </a:solidFill>
-              </a:defRPr>
+              <a:defRPr sz="3200"/>
             </a:lvl1pPr>
+            <a:lvl2pPr>
+              <a:defRPr sz="2800"/>
+            </a:lvl2pPr>
+            <a:lvl3pPr>
+              <a:defRPr sz="2400"/>
+            </a:lvl3pPr>
+            <a:lvl4pPr>
+              <a:defRPr sz="2000"/>
+            </a:lvl4pPr>
+            <a:lvl5pPr>
+              <a:defRPr sz="2000"/>
+            </a:lvl5pPr>
+            <a:lvl6pPr>
+              <a:defRPr sz="2000"/>
+            </a:lvl6pPr>
+            <a:lvl7pPr>
+              <a:defRPr sz="2000"/>
+            </a:lvl7pPr>
+            <a:lvl8pPr>
+              <a:defRPr sz="2000"/>
+            </a:lvl8pPr>
+            <a:lvl9pPr>
+              <a:defRPr sz="2000"/>
+            </a:lvl9pPr>
           </a:lstStyle>
+          <a:p>
+            <a:pPr lvl="0"/>
+            <a:r>
+              <a:rPr lang="en-US" smtClean="0"/>
+              <a:t>Click to edit Master text styles</a:t>
+            </a:r>
+          </a:p>
+          <a:p>
+            <a:pPr lvl="1"/>
+            <a:r>
+              <a:rPr lang="en-US" smtClean="0"/>
+              <a:t>Second level</a:t>
+            </a:r>
+          </a:p>
+          <a:p>
+            <a:pPr lvl="2"/>
+            <a:r>
+              <a:rPr lang="en-US" smtClean="0"/>
+              <a:t>Third level</a:t>
+            </a:r>
+          </a:p>
+          <a:p>
+            <a:pPr lvl="3"/>
+            <a:r>
+              <a:rPr lang="en-US" smtClean="0"/>
+              <a:t>Fourth level</a:t>
+            </a:r>
+          </a:p>
+          <a:p>
+            <a:pPr lvl="4"/>
+            <a:r>
+              <a:rPr lang="en-US" smtClean="0"/>
+              <a:t>Fifth level</a:t>
+            </a:r>
+            <a:endParaRPr lang="en-US"/>
+          </a:p>
+        </p:txBody>
+      </p:sp>
+      <p:sp>
+        <p:nvSpPr>
+          <p:cNvPr id="4" name="Text Placeholder 3"/>
+          <p:cNvSpPr>
+            <a:spLocks noGrp="1"/>
+          </p:cNvSpPr>
+          <p:nvPr>
+            <p:ph type="body" sz="half" idx="2"/>
+          </p:nvPr>
+        </p:nvSpPr>
+        <p:spPr>
+          <a:xfrm>
+            <a:off x="839788" y="2057400"/>
+            <a:ext cx="3932237" cy="3811588"/>
+          </a:xfrm>
+        </p:spPr>
+        <p:txBody>
+          <a:bodyPr/>
+          <a:lstStyle>
+            <a:lvl1pPr marL="0" indent="0">
+              <a:buNone/>
+              <a:defRPr sz="1600"/>
+            </a:lvl1pPr>
+            <a:lvl2pPr marL="457200" indent="0">
+              <a:buNone/>
+              <a:defRPr sz="1400"/>
+            </a:lvl2pPr>
+            <a:lvl3pPr marL="914400" indent="0">
+              <a:buNone/>
+              <a:defRPr sz="1200"/>
+            </a:lvl3pPr>
+            <a:lvl4pPr marL="1371600" indent="0">
+              <a:buNone/>
+              <a:defRPr sz="1000"/>
+            </a:lvl4pPr>
+            <a:lvl5pPr marL="1828800" indent="0">
+              <a:buNone/>
+              <a:defRPr sz="1000"/>
+            </a:lvl5pPr>
+            <a:lvl6pPr marL="2286000" indent="0">
+              <a:buNone/>
+              <a:defRPr sz="1000"/>
+            </a:lvl6pPr>
+            <a:lvl7pPr marL="2743200" indent="0">
+              <a:buNone/>
+              <a:defRPr sz="1000"/>
+            </a:lvl7pPr>
+            <a:lvl8pPr marL="3200400" indent="0">
+              <a:buNone/>
+              <a:defRPr sz="1000"/>
+            </a:lvl8pPr>
+            <a:lvl9pPr marL="3657600" indent="0">
+              <a:buNone/>
+              <a:defRPr sz="1000"/>
+            </a:lvl9pPr>
+          </a:lstStyle>
+          <a:p>
+            <a:pPr lvl="0"/>
+            <a:r>
+              <a:rPr lang="en-US" smtClean="0"/>
+              <a:t>Click to edit Master text styles</a:t>
+            </a:r>
+          </a:p>
+        </p:txBody>
+      </p:sp>
+      <p:sp>
+        <p:nvSpPr>
+          <p:cNvPr id="5" name="Date Placeholder 4"/>
+          <p:cNvSpPr>
+            <a:spLocks noGrp="1"/>
+          </p:cNvSpPr>
+          <p:nvPr>
+            <p:ph type="dt" sz="half" idx="10"/>
+          </p:nvPr>
+        </p:nvSpPr>
+        <p:spPr/>
+        <p:txBody>
+          <a:bodyPr/>
+          <a:lstStyle/>
+          <a:p>
+            <a:fld id="{0DED1650-8D0E-F34D-899B-DA25D073FCB6}" type="datetimeFigureOut">
+              <a:rPr lang="en-US" smtClean="0"/>
+              <a:t>5/14/17</a:t>
+            </a:fld>
+            <a:endParaRPr lang="en-US"/>
+          </a:p>
+        </p:txBody>
+      </p:sp>
+      <p:sp>
+        <p:nvSpPr>
+          <p:cNvPr id="6" name="Footer Placeholder 5"/>
+          <p:cNvSpPr>
+            <a:spLocks noGrp="1"/>
+          </p:cNvSpPr>
+          <p:nvPr>
+            <p:ph type="ftr" sz="quarter" idx="11"/>
+          </p:nvPr>
+        </p:nvSpPr>
+        <p:spPr/>
+        <p:txBody>
+          <a:bodyPr/>
+          <a:lstStyle/>
+          <a:p>
+            <a:endParaRPr lang="en-US"/>
+          </a:p>
+        </p:txBody>
+      </p:sp>
+      <p:sp>
+        <p:nvSpPr>
+          <p:cNvPr id="7" name="Slide Number Placeholder 6"/>
+          <p:cNvSpPr>
+            <a:spLocks noGrp="1"/>
+          </p:cNvSpPr>
+          <p:nvPr>
+            <p:ph type="sldNum" sz="quarter" idx="12"/>
+          </p:nvPr>
+        </p:nvSpPr>
+        <p:spPr/>
+        <p:txBody>
+          <a:bodyPr/>
+          <a:lstStyle/>
           <a:p>
             <a:fld id="{AACBF523-CAC3-EE44-8BBD-5F2889CBAE8D}" type="slidenum">
               <a:rPr lang="en-US" smtClean="0"/>
@@ -3133,7 +2882,7 @@
     </p:spTree>
     <p:extLst>
       <p:ext uri="{BB962C8B-B14F-4D97-AF65-F5344CB8AC3E}">
-        <p14:creationId xmlns:p14="http://schemas.microsoft.com/office/powerpoint/2010/main" val="421054023"/>
+        <p14:creationId xmlns:p14="http://schemas.microsoft.com/office/powerpoint/2010/main" val="408585997"/>
       </p:ext>
     </p:extLst>
   </p:cSld>
@@ -3144,7 +2893,7 @@
 </file>
 
 <file path=ppt/slideLayouts/slideLayout9.xml><?xml version="1.0" encoding="utf-8"?>
-<p:sldLayout xmlns:a="http://schemas.openxmlformats.org/drawingml/2006/main" xmlns:r="http://schemas.openxmlformats.org/officeDocument/2006/relationships" xmlns:p="http://schemas.openxmlformats.org/presentationml/2006/main" showMasterSp="0" type="picTx" preserve="1">
+<p:sldLayout xmlns:a="http://schemas.openxmlformats.org/drawingml/2006/main" xmlns:r="http://schemas.openxmlformats.org/officeDocument/2006/relationships" xmlns:p="http://schemas.openxmlformats.org/presentationml/2006/main" type="picTx" preserve="1">
   <p:cSld name="Picture with Caption">
     <p:spTree>
       <p:nvGrpSpPr>
@@ -3162,141 +2911,54 @@
       </p:grpSpPr>
       <p:sp>
         <p:nvSpPr>
-          <p:cNvPr id="8" name="Rectangle 7"/>
-          <p:cNvSpPr/>
-          <p:nvPr/>
+          <p:cNvPr id="2" name="Title 1"/>
+          <p:cNvSpPr>
+            <a:spLocks noGrp="1"/>
+          </p:cNvSpPr>
+          <p:nvPr>
+            <p:ph type="title"/>
+          </p:nvPr>
         </p:nvSpPr>
         <p:spPr>
           <a:xfrm>
-            <a:off x="0" y="4953000"/>
-            <a:ext cx="12188825" cy="1905000"/>
+            <a:off x="839788" y="457200"/>
+            <a:ext cx="3932237" cy="1600200"/>
           </a:xfrm>
-          <a:prstGeom prst="rect">
-            <a:avLst/>
-          </a:prstGeom>
-          <a:solidFill>
-            <a:schemeClr val="accent2"/>
-          </a:solidFill>
-          <a:ln>
-            <a:noFill/>
-          </a:ln>
         </p:spPr>
-        <p:style>
-          <a:lnRef idx="2">
-            <a:schemeClr val="accent1">
-              <a:shade val="50000"/>
-            </a:schemeClr>
-          </a:lnRef>
-          <a:fillRef idx="1">
-            <a:schemeClr val="accent1"/>
-          </a:fillRef>
-          <a:effectRef idx="0">
-            <a:schemeClr val="accent1"/>
-          </a:effectRef>
-          <a:fontRef idx="minor">
-            <a:schemeClr val="lt1"/>
-          </a:fontRef>
-        </p:style>
-      </p:sp>
-      <p:sp>
-        <p:nvSpPr>
-          <p:cNvPr id="9" name="Rectangle 8"/>
-          <p:cNvSpPr/>
-          <p:nvPr/>
+        <p:txBody>
+          <a:bodyPr anchor="b"/>
+          <a:lstStyle>
+            <a:lvl1pPr>
+              <a:defRPr sz="3200"/>
+            </a:lvl1pPr>
+          </a:lstStyle>
+          <a:p>
+            <a:r>
+              <a:rPr lang="en-US" smtClean="0"/>
+              <a:t>Click to edit Master title style</a:t>
+            </a:r>
+            <a:endParaRPr lang="en-US"/>
+          </a:p>
+        </p:txBody>
+      </p:sp>
+      <p:sp>
+        <p:nvSpPr>
+          <p:cNvPr id="3" name="Picture Placeholder 2"/>
+          <p:cNvSpPr>
+            <a:spLocks noGrp="1"/>
+          </p:cNvSpPr>
+          <p:nvPr>
+            <p:ph type="pic" idx="1"/>
+          </p:nvPr>
         </p:nvSpPr>
         <p:spPr>
           <a:xfrm>
-            <a:off x="15" y="4915076"/>
-            <a:ext cx="12188825" cy="64008"/>
-          </a:xfrm>
-          <a:prstGeom prst="rect">
-            <a:avLst/>
-          </a:prstGeom>
-          <a:solidFill>
-            <a:schemeClr val="accent1"/>
-          </a:solidFill>
-          <a:ln>
-            <a:noFill/>
-          </a:ln>
-        </p:spPr>
-        <p:style>
-          <a:lnRef idx="2">
-            <a:schemeClr val="accent1">
-              <a:shade val="50000"/>
-            </a:schemeClr>
-          </a:lnRef>
-          <a:fillRef idx="1">
-            <a:schemeClr val="accent1"/>
-          </a:fillRef>
-          <a:effectRef idx="0">
-            <a:schemeClr val="accent1"/>
-          </a:effectRef>
-          <a:fontRef idx="minor">
-            <a:schemeClr val="lt1"/>
-          </a:fontRef>
-        </p:style>
-      </p:sp>
-      <p:sp>
-        <p:nvSpPr>
-          <p:cNvPr id="2" name="Title 1"/>
-          <p:cNvSpPr>
-            <a:spLocks noGrp="1"/>
-          </p:cNvSpPr>
-          <p:nvPr>
-            <p:ph type="title"/>
-          </p:nvPr>
-        </p:nvSpPr>
-        <p:spPr>
-          <a:xfrm>
-            <a:off x="1097280" y="5074920"/>
-            <a:ext cx="10113645" cy="822960"/>
+            <a:off x="5183188" y="987425"/>
+            <a:ext cx="6172200" cy="4873625"/>
           </a:xfrm>
         </p:spPr>
         <p:txBody>
-          <a:bodyPr lIns="91440" tIns="0" rIns="91440" bIns="0" anchor="b">
-            <a:noAutofit/>
-          </a:bodyPr>
-          <a:lstStyle>
-            <a:lvl1pPr>
-              <a:defRPr sz="3600" b="0">
-                <a:solidFill>
-                  <a:srgbClr val="FFFFFF"/>
-                </a:solidFill>
-              </a:defRPr>
-            </a:lvl1pPr>
-          </a:lstStyle>
-          <a:p>
-            <a:r>
-              <a:rPr lang="en-US" smtClean="0"/>
-              <a:t>Click to edit Master title style</a:t>
-            </a:r>
-            <a:endParaRPr lang="en-US" dirty="0"/>
-          </a:p>
-        </p:txBody>
-      </p:sp>
-      <p:sp>
-        <p:nvSpPr>
-          <p:cNvPr id="3" name="Picture Placeholder 2"/>
-          <p:cNvSpPr>
-            <a:spLocks noGrp="1" noChangeAspect="1"/>
-          </p:cNvSpPr>
-          <p:nvPr>
-            <p:ph type="pic" idx="1"/>
-          </p:nvPr>
-        </p:nvSpPr>
-        <p:spPr>
-          <a:xfrm>
-            <a:off x="15" y="0"/>
-            <a:ext cx="12191985" cy="4915076"/>
-          </a:xfrm>
-          <a:solidFill>
-            <a:schemeClr val="bg2">
-              <a:lumMod val="90000"/>
-            </a:schemeClr>
-          </a:solidFill>
-        </p:spPr>
-        <p:txBody>
-          <a:bodyPr lIns="457200" tIns="457200" anchor="t"/>
+          <a:bodyPr/>
           <a:lstStyle>
             <a:lvl1pPr marL="0" indent="0">
               <a:buNone/>
@@ -3336,11 +2998,7 @@
             </a:lvl9pPr>
           </a:lstStyle>
           <a:p>
-            <a:r>
-              <a:rPr lang="en-US" smtClean="0"/>
-              <a:t>Drag picture to placeholder or click icon to add</a:t>
-            </a:r>
-            <a:endParaRPr lang="en-US" dirty="0"/>
+            <a:endParaRPr lang="en-US"/>
           </a:p>
         </p:txBody>
       </p:sp>
@@ -3356,60 +3014,48 @@
         </p:nvSpPr>
         <p:spPr>
           <a:xfrm>
-            <a:off x="1097280" y="5907024"/>
-            <a:ext cx="10113264" cy="594360"/>
+            <a:off x="839788" y="2057400"/>
+            <a:ext cx="3932237" cy="3811588"/>
           </a:xfrm>
         </p:spPr>
         <p:txBody>
-          <a:bodyPr lIns="91440" tIns="0" rIns="91440" bIns="0">
-            <a:normAutofit/>
-          </a:bodyPr>
+          <a:bodyPr/>
           <a:lstStyle>
             <a:lvl1pPr marL="0" indent="0">
-              <a:spcBef>
-                <a:spcPts val="0"/>
-              </a:spcBef>
-              <a:spcAft>
-                <a:spcPts val="600"/>
-              </a:spcAft>
-              <a:buNone/>
-              <a:defRPr sz="1500">
-                <a:solidFill>
-                  <a:srgbClr val="FFFFFF"/>
-                </a:solidFill>
-              </a:defRPr>
+              <a:buNone/>
+              <a:defRPr sz="1600"/>
             </a:lvl1pPr>
             <a:lvl2pPr marL="457200" indent="0">
               <a:buNone/>
-              <a:defRPr sz="1200"/>
+              <a:defRPr sz="1400"/>
             </a:lvl2pPr>
             <a:lvl3pPr marL="914400" indent="0">
               <a:buNone/>
-              <a:defRPr sz="1000"/>
+              <a:defRPr sz="1200"/>
             </a:lvl3pPr>
             <a:lvl4pPr marL="1371600" indent="0">
               <a:buNone/>
-              <a:defRPr sz="900"/>
+              <a:defRPr sz="1000"/>
             </a:lvl4pPr>
             <a:lvl5pPr marL="1828800" indent="0">
               <a:buNone/>
-              <a:defRPr sz="900"/>
+              <a:defRPr sz="1000"/>
             </a:lvl5pPr>
             <a:lvl6pPr marL="2286000" indent="0">
               <a:buNone/>
-              <a:defRPr sz="900"/>
+              <a:defRPr sz="1000"/>
             </a:lvl6pPr>
             <a:lvl7pPr marL="2743200" indent="0">
               <a:buNone/>
-              <a:defRPr sz="900"/>
+              <a:defRPr sz="1000"/>
             </a:lvl7pPr>
             <a:lvl8pPr marL="3200400" indent="0">
               <a:buNone/>
-              <a:defRPr sz="900"/>
+              <a:defRPr sz="1000"/>
             </a:lvl8pPr>
             <a:lvl9pPr marL="3657600" indent="0">
               <a:buNone/>
-              <a:defRPr sz="900"/>
+              <a:defRPr sz="1000"/>
             </a:lvl9pPr>
           </a:lstStyle>
           <a:p>
@@ -3438,7 +3084,7 @@
           <a:p>
             <a:fld id="{0DED1650-8D0E-F34D-899B-DA25D073FCB6}" type="datetimeFigureOut">
               <a:rPr lang="en-US" smtClean="0"/>
-              <a:t>5/8/17</a:t>
+              <a:t>5/14/17</a:t>
             </a:fld>
             <a:endParaRPr lang="en-US"/>
           </a:p>
@@ -3494,7 +3140,7 @@
     </p:spTree>
     <p:extLst>
       <p:ext uri="{BB962C8B-B14F-4D97-AF65-F5344CB8AC3E}">
-        <p14:creationId xmlns:p14="http://schemas.microsoft.com/office/powerpoint/2010/main" val="696347696"/>
+        <p14:creationId xmlns:p14="http://schemas.microsoft.com/office/powerpoint/2010/main" val="1599632120"/>
       </p:ext>
     </p:extLst>
   </p:cSld>
@@ -3528,101 +3174,25 @@
       </p:grpSpPr>
       <p:sp>
         <p:nvSpPr>
-          <p:cNvPr id="7" name="Rectangle 6"/>
-          <p:cNvSpPr/>
-          <p:nvPr/>
+          <p:cNvPr id="2" name="Title Placeholder 1"/>
+          <p:cNvSpPr>
+            <a:spLocks noGrp="1"/>
+          </p:cNvSpPr>
+          <p:nvPr>
+            <p:ph type="title"/>
+          </p:nvPr>
         </p:nvSpPr>
         <p:spPr>
           <a:xfrm>
-            <a:off x="1" y="6400800"/>
-            <a:ext cx="12192000" cy="457200"/>
-          </a:xfrm>
-          <a:prstGeom prst="rect">
-            <a:avLst/>
-          </a:prstGeom>
-          <a:solidFill>
-            <a:schemeClr val="accent2"/>
-          </a:solidFill>
-          <a:ln>
-            <a:noFill/>
-          </a:ln>
-        </p:spPr>
-        <p:style>
-          <a:lnRef idx="2">
-            <a:schemeClr val="accent1">
-              <a:shade val="50000"/>
-            </a:schemeClr>
-          </a:lnRef>
-          <a:fillRef idx="1">
-            <a:schemeClr val="accent1"/>
-          </a:fillRef>
-          <a:effectRef idx="0">
-            <a:schemeClr val="accent1"/>
-          </a:effectRef>
-          <a:fontRef idx="minor">
-            <a:schemeClr val="lt1"/>
-          </a:fontRef>
-        </p:style>
-      </p:sp>
-      <p:sp>
-        <p:nvSpPr>
-          <p:cNvPr id="9" name="Rectangle 8"/>
-          <p:cNvSpPr/>
-          <p:nvPr/>
-        </p:nvSpPr>
-        <p:spPr>
-          <a:xfrm>
-            <a:off x="15" y="6334316"/>
-            <a:ext cx="12191985" cy="66484"/>
-          </a:xfrm>
-          <a:prstGeom prst="rect">
-            <a:avLst/>
-          </a:prstGeom>
-          <a:solidFill>
-            <a:schemeClr val="accent1"/>
-          </a:solidFill>
-          <a:ln>
-            <a:noFill/>
-          </a:ln>
-        </p:spPr>
-        <p:style>
-          <a:lnRef idx="2">
-            <a:schemeClr val="accent1">
-              <a:shade val="50000"/>
-            </a:schemeClr>
-          </a:lnRef>
-          <a:fillRef idx="1">
-            <a:schemeClr val="accent1"/>
-          </a:fillRef>
-          <a:effectRef idx="0">
-            <a:schemeClr val="accent1"/>
-          </a:effectRef>
-          <a:fontRef idx="minor">
-            <a:schemeClr val="lt1"/>
-          </a:fontRef>
-        </p:style>
-      </p:sp>
-      <p:sp>
-        <p:nvSpPr>
-          <p:cNvPr id="2" name="Title Placeholder 1"/>
-          <p:cNvSpPr>
-            <a:spLocks noGrp="1"/>
-          </p:cNvSpPr>
-          <p:nvPr>
-            <p:ph type="title"/>
-          </p:nvPr>
-        </p:nvSpPr>
-        <p:spPr>
-          <a:xfrm>
-            <a:off x="1097280" y="286603"/>
-            <a:ext cx="10058400" cy="1450757"/>
+            <a:off x="838200" y="365125"/>
+            <a:ext cx="10515600" cy="1325563"/>
           </a:xfrm>
           <a:prstGeom prst="rect">
             <a:avLst/>
           </a:prstGeom>
         </p:spPr>
         <p:txBody>
-          <a:bodyPr vert="horz" lIns="91440" tIns="45720" rIns="91440" bIns="45720" rtlCol="0" anchor="b">
+          <a:bodyPr vert="horz" lIns="91440" tIns="45720" rIns="91440" bIns="45720" rtlCol="0" anchor="ctr">
             <a:normAutofit/>
           </a:bodyPr>
           <a:lstStyle/>
@@ -3631,7 +3201,7 @@
               <a:rPr lang="en-US" smtClean="0"/>
               <a:t>Click to edit Master title style</a:t>
             </a:r>
-            <a:endParaRPr lang="en-US" dirty="0"/>
+            <a:endParaRPr lang="en-US"/>
           </a:p>
         </p:txBody>
       </p:sp>
@@ -3647,15 +3217,15 @@
         </p:nvSpPr>
         <p:spPr>
           <a:xfrm>
-            <a:off x="1097280" y="1845734"/>
-            <a:ext cx="10058400" cy="4023360"/>
+            <a:off x="838200" y="1825625"/>
+            <a:ext cx="10515600" cy="4351338"/>
           </a:xfrm>
           <a:prstGeom prst="rect">
             <a:avLst/>
           </a:prstGeom>
         </p:spPr>
         <p:txBody>
-          <a:bodyPr vert="horz" lIns="0" tIns="45720" rIns="0" bIns="45720" rtlCol="0">
+          <a:bodyPr vert="horz" lIns="91440" tIns="45720" rIns="91440" bIns="45720" rtlCol="0">
             <a:normAutofit/>
           </a:bodyPr>
           <a:lstStyle/>
@@ -3693,7 +3263,7 @@
               <a:rPr lang="en-US" smtClean="0"/>
               <a:t>Fifth level</a:t>
             </a:r>
-            <a:endParaRPr lang="en-US" dirty="0"/>
+            <a:endParaRPr lang="en-US"/>
           </a:p>
         </p:txBody>
       </p:sp>
@@ -3709,8 +3279,8 @@
         </p:nvSpPr>
         <p:spPr>
           <a:xfrm>
-            <a:off x="1097280" y="6459785"/>
-            <a:ext cx="2472271" cy="365125"/>
+            <a:off x="838200" y="6356350"/>
+            <a:ext cx="2743200" cy="365125"/>
           </a:xfrm>
           <a:prstGeom prst="rect">
             <a:avLst/>
@@ -3720,9 +3290,11 @@
           <a:bodyPr vert="horz" lIns="91440" tIns="45720" rIns="91440" bIns="45720" rtlCol="0" anchor="ctr"/>
           <a:lstStyle>
             <a:lvl1pPr algn="l">
-              <a:defRPr sz="900">
+              <a:defRPr sz="1200">
                 <a:solidFill>
-                  <a:srgbClr val="FFFFFF"/>
+                  <a:schemeClr val="tx1">
+                    <a:tint val="75000"/>
+                  </a:schemeClr>
                 </a:solidFill>
               </a:defRPr>
             </a:lvl1pPr>
@@ -3730,7 +3302,7 @@
           <a:p>
             <a:fld id="{0DED1650-8D0E-F34D-899B-DA25D073FCB6}" type="datetimeFigureOut">
               <a:rPr lang="en-US" smtClean="0"/>
-              <a:t>5/8/17</a:t>
+              <a:t>5/14/17</a:t>
             </a:fld>
             <a:endParaRPr lang="en-US"/>
           </a:p>
@@ -3748,8 +3320,8 @@
         </p:nvSpPr>
         <p:spPr>
           <a:xfrm>
-            <a:off x="3686185" y="6459785"/>
-            <a:ext cx="4822804" cy="365125"/>
+            <a:off x="4038600" y="6356350"/>
+            <a:ext cx="4114800" cy="365125"/>
           </a:xfrm>
           <a:prstGeom prst="rect">
             <a:avLst/>
@@ -3759,9 +3331,11 @@
           <a:bodyPr vert="horz" lIns="91440" tIns="45720" rIns="91440" bIns="45720" rtlCol="0" anchor="ctr"/>
           <a:lstStyle>
             <a:lvl1pPr algn="ctr">
-              <a:defRPr sz="900" cap="all" baseline="0">
+              <a:defRPr sz="1200">
                 <a:solidFill>
-                  <a:srgbClr val="FFFFFF"/>
+                  <a:schemeClr val="tx1">
+                    <a:tint val="75000"/>
+                  </a:schemeClr>
                 </a:solidFill>
               </a:defRPr>
             </a:lvl1pPr>
@@ -3783,8 +3357,8 @@
         </p:nvSpPr>
         <p:spPr>
           <a:xfrm>
-            <a:off x="9900458" y="6459785"/>
-            <a:ext cx="1312025" cy="365125"/>
+            <a:off x="8610600" y="6356350"/>
+            <a:ext cx="2743200" cy="365125"/>
           </a:xfrm>
           <a:prstGeom prst="rect">
             <a:avLst/>
@@ -3794,9 +3368,11 @@
           <a:bodyPr vert="horz" lIns="91440" tIns="45720" rIns="91440" bIns="45720" rtlCol="0" anchor="ctr"/>
           <a:lstStyle>
             <a:lvl1pPr algn="r">
-              <a:defRPr sz="1050">
+              <a:defRPr sz="1200">
                 <a:solidFill>
-                  <a:srgbClr val="FFFFFF"/>
+                  <a:schemeClr val="tx1">
+                    <a:tint val="75000"/>
+                  </a:schemeClr>
                 </a:solidFill>
               </a:defRPr>
             </a:lvl1pPr>
@@ -3810,81 +3386,40 @@
           </a:p>
         </p:txBody>
       </p:sp>
-      <p:cxnSp>
-        <p:nvCxnSpPr>
-          <p:cNvPr id="10" name="Straight Connector 9"/>
-          <p:cNvCxnSpPr/>
-          <p:nvPr/>
-        </p:nvCxnSpPr>
-        <p:spPr>
-          <a:xfrm>
-            <a:off x="1193532" y="1737845"/>
-            <a:ext cx="9966960" cy="0"/>
-          </a:xfrm>
-          <a:prstGeom prst="line">
-            <a:avLst/>
-          </a:prstGeom>
-          <a:ln w="6350">
-            <a:solidFill>
-              <a:schemeClr val="tx1">
-                <a:lumMod val="50000"/>
-                <a:lumOff val="50000"/>
-              </a:schemeClr>
-            </a:solidFill>
-          </a:ln>
-        </p:spPr>
-        <p:style>
-          <a:lnRef idx="1">
-            <a:schemeClr val="accent1"/>
-          </a:lnRef>
-          <a:fillRef idx="0">
-            <a:schemeClr val="accent1"/>
-          </a:fillRef>
-          <a:effectRef idx="0">
-            <a:schemeClr val="accent1"/>
-          </a:effectRef>
-          <a:fontRef idx="minor">
-            <a:schemeClr val="tx1"/>
-          </a:fontRef>
-        </p:style>
-      </p:cxnSp>
     </p:spTree>
     <p:extLst>
       <p:ext uri="{BB962C8B-B14F-4D97-AF65-F5344CB8AC3E}">
-        <p14:creationId xmlns:p14="http://schemas.microsoft.com/office/powerpoint/2010/main" val="977372968"/>
+        <p14:creationId xmlns:p14="http://schemas.microsoft.com/office/powerpoint/2010/main" val="167682197"/>
       </p:ext>
     </p:extLst>
   </p:cSld>
   <p:clrMap bg1="lt1" tx1="dk1" bg2="lt2" tx2="dk2" accent1="accent1" accent2="accent2" accent3="accent3" accent4="accent4" accent5="accent5" accent6="accent6" hlink="hlink" folHlink="folHlink"/>
   <p:sldLayoutIdLst>
-    <p:sldLayoutId id="2147483913" r:id="rId1"/>
-    <p:sldLayoutId id="2147483914" r:id="rId2"/>
-    <p:sldLayoutId id="2147483915" r:id="rId3"/>
-    <p:sldLayoutId id="2147483916" r:id="rId4"/>
-    <p:sldLayoutId id="2147483917" r:id="rId5"/>
-    <p:sldLayoutId id="2147483918" r:id="rId6"/>
-    <p:sldLayoutId id="2147483919" r:id="rId7"/>
-    <p:sldLayoutId id="2147483920" r:id="rId8"/>
-    <p:sldLayoutId id="2147483921" r:id="rId9"/>
-    <p:sldLayoutId id="2147483922" r:id="rId10"/>
-    <p:sldLayoutId id="2147483923" r:id="rId11"/>
+    <p:sldLayoutId id="2147483925" r:id="rId1"/>
+    <p:sldLayoutId id="2147483926" r:id="rId2"/>
+    <p:sldLayoutId id="2147483927" r:id="rId3"/>
+    <p:sldLayoutId id="2147483928" r:id="rId4"/>
+    <p:sldLayoutId id="2147483929" r:id="rId5"/>
+    <p:sldLayoutId id="2147483930" r:id="rId6"/>
+    <p:sldLayoutId id="2147483931" r:id="rId7"/>
+    <p:sldLayoutId id="2147483932" r:id="rId8"/>
+    <p:sldLayoutId id="2147483933" r:id="rId9"/>
+    <p:sldLayoutId id="2147483934" r:id="rId10"/>
+    <p:sldLayoutId id="2147483935" r:id="rId11"/>
   </p:sldLayoutIdLst>
   <p:txStyles>
     <p:titleStyle>
       <a:lvl1pPr algn="l" defTabSz="914400" rtl="0" eaLnBrk="1" latinLnBrk="0" hangingPunct="1">
         <a:lnSpc>
-          <a:spcPct val="85000"/>
+          <a:spcPct val="90000"/>
         </a:lnSpc>
         <a:spcBef>
           <a:spcPct val="0"/>
         </a:spcBef>
         <a:buNone/>
-        <a:defRPr sz="4800" kern="1200" spc="-50" baseline="0">
+        <a:defRPr sz="4400" kern="1200">
           <a:solidFill>
-            <a:schemeClr val="tx1">
-              <a:lumMod val="75000"/>
-              <a:lumOff val="25000"/>
-            </a:schemeClr>
+            <a:schemeClr val="tx1"/>
           </a:solidFill>
           <a:latin typeface="+mj-lt"/>
           <a:ea typeface="+mj-ea"/>
@@ -3893,244 +3428,162 @@
       </a:lvl1pPr>
     </p:titleStyle>
     <p:bodyStyle>
-      <a:lvl1pPr marL="91440" indent="-91440" algn="l" defTabSz="914400" rtl="0" eaLnBrk="1" latinLnBrk="0" hangingPunct="1">
+      <a:lvl1pPr marL="228600" indent="-228600" algn="l" defTabSz="914400" rtl="0" eaLnBrk="1" latinLnBrk="0" hangingPunct="1">
         <a:lnSpc>
           <a:spcPct val="90000"/>
         </a:lnSpc>
         <a:spcBef>
-          <a:spcPts val="1200"/>
+          <a:spcPts val="1000"/>
         </a:spcBef>
-        <a:spcAft>
-          <a:spcPts val="200"/>
-        </a:spcAft>
-        <a:buClr>
-          <a:schemeClr val="accent1"/>
-        </a:buClr>
-        <a:buSzPct val="100000"/>
-        <a:buFont typeface="Calibri" panose="020F0502020204030204" pitchFamily="34" charset="0"/>
-        <a:buChar char=" "/>
-        <a:defRPr sz="2000" kern="1200">
+        <a:buFont typeface="Arial"/>
+        <a:buChar char="•"/>
+        <a:defRPr sz="2800" kern="1200">
           <a:solidFill>
-            <a:schemeClr val="tx1">
-              <a:lumMod val="75000"/>
-              <a:lumOff val="25000"/>
-            </a:schemeClr>
+            <a:schemeClr val="tx1"/>
           </a:solidFill>
           <a:latin typeface="+mn-lt"/>
           <a:ea typeface="+mn-ea"/>
           <a:cs typeface="+mn-cs"/>
         </a:defRPr>
       </a:lvl1pPr>
-      <a:lvl2pPr marL="384048" indent="-182880" algn="l" defTabSz="914400" rtl="0" eaLnBrk="1" latinLnBrk="0" hangingPunct="1">
+      <a:lvl2pPr marL="685800" indent="-228600" algn="l" defTabSz="914400" rtl="0" eaLnBrk="1" latinLnBrk="0" hangingPunct="1">
         <a:lnSpc>
           <a:spcPct val="90000"/>
         </a:lnSpc>
         <a:spcBef>
-          <a:spcPts val="200"/>
+          <a:spcPts val="500"/>
         </a:spcBef>
-        <a:spcAft>
-          <a:spcPts val="400"/>
-        </a:spcAft>
-        <a:buClr>
-          <a:schemeClr val="accent1"/>
-        </a:buClr>
-        <a:buFont typeface="Calibri" pitchFamily="34" charset="0"/>
-        <a:buChar char="◦"/>
-        <a:defRPr sz="1800" kern="1200">
+        <a:buFont typeface="Arial"/>
+        <a:buChar char="•"/>
+        <a:defRPr sz="2400" kern="1200">
           <a:solidFill>
-            <a:schemeClr val="tx1">
-              <a:lumMod val="75000"/>
-              <a:lumOff val="25000"/>
-            </a:schemeClr>
+            <a:schemeClr val="tx1"/>
           </a:solidFill>
           <a:latin typeface="+mn-lt"/>
           <a:ea typeface="+mn-ea"/>
           <a:cs typeface="+mn-cs"/>
         </a:defRPr>
       </a:lvl2pPr>
-      <a:lvl3pPr marL="566928" indent="-182880" algn="l" defTabSz="914400" rtl="0" eaLnBrk="1" latinLnBrk="0" hangingPunct="1">
+      <a:lvl3pPr marL="1143000" indent="-228600" algn="l" defTabSz="914400" rtl="0" eaLnBrk="1" latinLnBrk="0" hangingPunct="1">
         <a:lnSpc>
           <a:spcPct val="90000"/>
         </a:lnSpc>
         <a:spcBef>
-          <a:spcPts val="200"/>
+          <a:spcPts val="500"/>
         </a:spcBef>
-        <a:spcAft>
-          <a:spcPts val="400"/>
-        </a:spcAft>
-        <a:buClr>
-          <a:schemeClr val="accent1"/>
-        </a:buClr>
-        <a:buFont typeface="Calibri" pitchFamily="34" charset="0"/>
-        <a:buChar char="◦"/>
-        <a:defRPr sz="1400" kern="1200">
+        <a:buFont typeface="Arial"/>
+        <a:buChar char="•"/>
+        <a:defRPr sz="2000" kern="1200">
           <a:solidFill>
-            <a:schemeClr val="tx1">
-              <a:lumMod val="75000"/>
-              <a:lumOff val="25000"/>
-            </a:schemeClr>
+            <a:schemeClr val="tx1"/>
           </a:solidFill>
           <a:latin typeface="+mn-lt"/>
           <a:ea typeface="+mn-ea"/>
           <a:cs typeface="+mn-cs"/>
         </a:defRPr>
       </a:lvl3pPr>
-      <a:lvl4pPr marL="749808" indent="-182880" algn="l" defTabSz="914400" rtl="0" eaLnBrk="1" latinLnBrk="0" hangingPunct="1">
+      <a:lvl4pPr marL="1600200" indent="-228600" algn="l" defTabSz="914400" rtl="0" eaLnBrk="1" latinLnBrk="0" hangingPunct="1">
         <a:lnSpc>
           <a:spcPct val="90000"/>
         </a:lnSpc>
         <a:spcBef>
-          <a:spcPts val="200"/>
+          <a:spcPts val="500"/>
         </a:spcBef>
-        <a:spcAft>
-          <a:spcPts val="400"/>
-        </a:spcAft>
-        <a:buClr>
-          <a:schemeClr val="accent1"/>
-        </a:buClr>
-        <a:buFont typeface="Calibri" pitchFamily="34" charset="0"/>
-        <a:buChar char="◦"/>
-        <a:defRPr sz="1400" kern="1200">
+        <a:buFont typeface="Arial"/>
+        <a:buChar char="•"/>
+        <a:defRPr sz="1800" kern="1200">
           <a:solidFill>
-            <a:schemeClr val="tx1">
-              <a:lumMod val="75000"/>
-              <a:lumOff val="25000"/>
-            </a:schemeClr>
+            <a:schemeClr val="tx1"/>
           </a:solidFill>
           <a:latin typeface="+mn-lt"/>
           <a:ea typeface="+mn-ea"/>
           <a:cs typeface="+mn-cs"/>
         </a:defRPr>
       </a:lvl4pPr>
-      <a:lvl5pPr marL="932688" indent="-182880" algn="l" defTabSz="914400" rtl="0" eaLnBrk="1" latinLnBrk="0" hangingPunct="1">
+      <a:lvl5pPr marL="2057400" indent="-228600" algn="l" defTabSz="914400" rtl="0" eaLnBrk="1" latinLnBrk="0" hangingPunct="1">
         <a:lnSpc>
           <a:spcPct val="90000"/>
         </a:lnSpc>
         <a:spcBef>
-          <a:spcPts val="200"/>
+          <a:spcPts val="500"/>
         </a:spcBef>
-        <a:spcAft>
-          <a:spcPts val="400"/>
-        </a:spcAft>
-        <a:buClr>
-          <a:schemeClr val="accent1"/>
-        </a:buClr>
-        <a:buFont typeface="Calibri" pitchFamily="34" charset="0"/>
-        <a:buChar char="◦"/>
-        <a:defRPr sz="1400" kern="1200">
+        <a:buFont typeface="Arial"/>
+        <a:buChar char="•"/>
+        <a:defRPr sz="1800" kern="1200">
           <a:solidFill>
-            <a:schemeClr val="tx1">
-              <a:lumMod val="75000"/>
-              <a:lumOff val="25000"/>
-            </a:schemeClr>
+            <a:schemeClr val="tx1"/>
           </a:solidFill>
           <a:latin typeface="+mn-lt"/>
           <a:ea typeface="+mn-ea"/>
           <a:cs typeface="+mn-cs"/>
         </a:defRPr>
       </a:lvl5pPr>
-      <a:lvl6pPr marL="1100000" indent="-228600" algn="l" defTabSz="914400" rtl="0" eaLnBrk="1" latinLnBrk="0" hangingPunct="1">
+      <a:lvl6pPr marL="2514600" indent="-228600" algn="l" defTabSz="914400" rtl="0" eaLnBrk="1" latinLnBrk="0" hangingPunct="1">
         <a:lnSpc>
           <a:spcPct val="90000"/>
         </a:lnSpc>
         <a:spcBef>
-          <a:spcPts val="200"/>
+          <a:spcPts val="500"/>
         </a:spcBef>
-        <a:spcAft>
-          <a:spcPts val="400"/>
-        </a:spcAft>
-        <a:buClr>
-          <a:schemeClr val="accent1"/>
-        </a:buClr>
-        <a:buFont typeface="Calibri" pitchFamily="34" charset="0"/>
-        <a:buChar char="◦"/>
-        <a:defRPr sz="1400" kern="1200">
+        <a:buFont typeface="Arial"/>
+        <a:buChar char="•"/>
+        <a:defRPr sz="1800" kern="1200">
           <a:solidFill>
-            <a:schemeClr val="tx1">
-              <a:lumMod val="75000"/>
-              <a:lumOff val="25000"/>
-            </a:schemeClr>
+            <a:schemeClr val="tx1"/>
           </a:solidFill>
           <a:latin typeface="+mn-lt"/>
           <a:ea typeface="+mn-ea"/>
           <a:cs typeface="+mn-cs"/>
         </a:defRPr>
       </a:lvl6pPr>
-      <a:lvl7pPr marL="1300000" indent="-228600" algn="l" defTabSz="914400" rtl="0" eaLnBrk="1" latinLnBrk="0" hangingPunct="1">
+      <a:lvl7pPr marL="2971800" indent="-228600" algn="l" defTabSz="914400" rtl="0" eaLnBrk="1" latinLnBrk="0" hangingPunct="1">
         <a:lnSpc>
           <a:spcPct val="90000"/>
         </a:lnSpc>
         <a:spcBef>
-          <a:spcPts val="200"/>
+          <a:spcPts val="500"/>
         </a:spcBef>
-        <a:spcAft>
-          <a:spcPts val="400"/>
-        </a:spcAft>
-        <a:buClr>
-          <a:schemeClr val="accent1"/>
-        </a:buClr>
-        <a:buFont typeface="Calibri" pitchFamily="34" charset="0"/>
-        <a:buChar char="◦"/>
-        <a:defRPr sz="1400" kern="1200">
+        <a:buFont typeface="Arial"/>
+        <a:buChar char="•"/>
+        <a:defRPr sz="1800" kern="1200">
           <a:solidFill>
-            <a:schemeClr val="tx1">
-              <a:lumMod val="75000"/>
-              <a:lumOff val="25000"/>
-            </a:schemeClr>
+            <a:schemeClr val="tx1"/>
           </a:solidFill>
           <a:latin typeface="+mn-lt"/>
           <a:ea typeface="+mn-ea"/>
           <a:cs typeface="+mn-cs"/>
         </a:defRPr>
       </a:lvl7pPr>
-      <a:lvl8pPr marL="1500000" indent="-228600" algn="l" defTabSz="914400" rtl="0" eaLnBrk="1" latinLnBrk="0" hangingPunct="1">
+      <a:lvl8pPr marL="3429000" indent="-228600" algn="l" defTabSz="914400" rtl="0" eaLnBrk="1" latinLnBrk="0" hangingPunct="1">
         <a:lnSpc>
           <a:spcPct val="90000"/>
         </a:lnSpc>
         <a:spcBef>
-          <a:spcPts val="200"/>
+          <a:spcPts val="500"/>
         </a:spcBef>
-        <a:spcAft>
-          <a:spcPts val="400"/>
-        </a:spcAft>
-        <a:buClr>
-          <a:schemeClr val="accent1"/>
-        </a:buClr>
-        <a:buFont typeface="Calibri" pitchFamily="34" charset="0"/>
-        <a:buChar char="◦"/>
-        <a:defRPr sz="1400" kern="1200">
+        <a:buFont typeface="Arial"/>
+        <a:buChar char="•"/>
+        <a:defRPr sz="1800" kern="1200">
           <a:solidFill>
-            <a:schemeClr val="tx1">
-              <a:lumMod val="75000"/>
-              <a:lumOff val="25000"/>
-            </a:schemeClr>
+            <a:schemeClr val="tx1"/>
           </a:solidFill>
           <a:latin typeface="+mn-lt"/>
           <a:ea typeface="+mn-ea"/>
           <a:cs typeface="+mn-cs"/>
         </a:defRPr>
       </a:lvl8pPr>
-      <a:lvl9pPr marL="1700000" indent="-228600" algn="l" defTabSz="914400" rtl="0" eaLnBrk="1" latinLnBrk="0" hangingPunct="1">
+      <a:lvl9pPr marL="3886200" indent="-228600" algn="l" defTabSz="914400" rtl="0" eaLnBrk="1" latinLnBrk="0" hangingPunct="1">
         <a:lnSpc>
           <a:spcPct val="90000"/>
         </a:lnSpc>
         <a:spcBef>
-          <a:spcPts val="200"/>
+          <a:spcPts val="500"/>
         </a:spcBef>
-        <a:spcAft>
-          <a:spcPts val="400"/>
-        </a:spcAft>
-        <a:buClr>
-          <a:schemeClr val="accent1"/>
-        </a:buClr>
-        <a:buFont typeface="Calibri" pitchFamily="34" charset="0"/>
-        <a:buChar char="◦"/>
-        <a:defRPr sz="1400" kern="1200">
+        <a:buFont typeface="Arial"/>
+        <a:buChar char="•"/>
+        <a:defRPr sz="1800" kern="1200">
           <a:solidFill>
-            <a:schemeClr val="tx1">
-              <a:lumMod val="75000"/>
-              <a:lumOff val="25000"/>
-            </a:schemeClr>
+            <a:schemeClr val="tx1"/>
           </a:solidFill>
           <a:latin typeface="+mn-lt"/>
           <a:ea typeface="+mn-ea"/>
@@ -4272,15 +3725,15 @@
         <p:spPr/>
         <p:txBody>
           <a:bodyPr>
-            <a:normAutofit/>
+            <a:noAutofit/>
           </a:bodyPr>
           <a:lstStyle/>
           <a:p>
             <a:r>
-              <a:rPr lang="en-US" dirty="0" smtClean="0"/>
-              <a:t>Curriculum Simulation Library with Application in Curricular Analytics</a:t>
-            </a:r>
-            <a:endParaRPr lang="en-US" dirty="0"/>
+              <a:rPr lang="en-US" sz="4400" dirty="0" smtClean="0"/>
+              <a:t>Development of a Curriculum Analysis and Simulation Library with Applications in Curricular Analytics</a:t>
+            </a:r>
+            <a:endParaRPr lang="en-US" sz="4400" dirty="0"/>
           </a:p>
         </p:txBody>
       </p:sp>
@@ -4311,6 +3764,2234 @@
     <p:extLst>
       <p:ext uri="{BB962C8B-B14F-4D97-AF65-F5344CB8AC3E}">
         <p14:creationId xmlns:p14="http://schemas.microsoft.com/office/powerpoint/2010/main" val="454237065"/>
+      </p:ext>
+    </p:extLst>
+  </p:cSld>
+  <p:clrMapOvr>
+    <a:masterClrMapping/>
+  </p:clrMapOvr>
+  <p:timing>
+    <p:tnLst>
+      <p:par>
+        <p:cTn id="1" dur="indefinite" restart="never" nodeType="tmRoot"/>
+      </p:par>
+    </p:tnLst>
+  </p:timing>
+</p:sld>
+</file>
+
+<file path=ppt/slides/slide10.xml><?xml version="1.0" encoding="utf-8"?>
+<p:sld xmlns:a="http://schemas.openxmlformats.org/drawingml/2006/main" xmlns:r="http://schemas.openxmlformats.org/officeDocument/2006/relationships" xmlns:p="http://schemas.openxmlformats.org/presentationml/2006/main">
+  <p:cSld>
+    <p:spTree>
+      <p:nvGrpSpPr>
+        <p:cNvPr id="1" name=""/>
+        <p:cNvGrpSpPr/>
+        <p:nvPr/>
+      </p:nvGrpSpPr>
+      <p:grpSpPr>
+        <a:xfrm>
+          <a:off x="0" y="0"/>
+          <a:ext cx="0" cy="0"/>
+          <a:chOff x="0" y="0"/>
+          <a:chExt cx="0" cy="0"/>
+        </a:xfrm>
+      </p:grpSpPr>
+      <p:sp>
+        <p:nvSpPr>
+          <p:cNvPr id="2" name="Title 1"/>
+          <p:cNvSpPr>
+            <a:spLocks noGrp="1"/>
+          </p:cNvSpPr>
+          <p:nvPr>
+            <p:ph type="title"/>
+          </p:nvPr>
+        </p:nvSpPr>
+        <p:spPr/>
+        <p:txBody>
+          <a:bodyPr/>
+          <a:lstStyle/>
+          <a:p>
+            <a:r>
+              <a:rPr lang="en-US" dirty="0" smtClean="0"/>
+              <a:t>Previous Work</a:t>
+            </a:r>
+            <a:endParaRPr lang="en-US" dirty="0"/>
+          </a:p>
+        </p:txBody>
+      </p:sp>
+      <p:sp>
+        <p:nvSpPr>
+          <p:cNvPr id="3" name="Content Placeholder 2"/>
+          <p:cNvSpPr>
+            <a:spLocks noGrp="1"/>
+          </p:cNvSpPr>
+          <p:nvPr>
+            <p:ph idx="1"/>
+          </p:nvPr>
+        </p:nvSpPr>
+        <p:spPr/>
+        <p:txBody>
+          <a:bodyPr/>
+          <a:lstStyle/>
+          <a:p>
+            <a:pPr marL="0" marR="0" lvl="0" indent="0" defTabSz="914400" eaLnBrk="1" fontAlgn="auto" latinLnBrk="0" hangingPunct="1">
+              <a:lnSpc>
+                <a:spcPct val="100000"/>
+              </a:lnSpc>
+              <a:spcBef>
+                <a:spcPts val="0"/>
+              </a:spcBef>
+              <a:spcAft>
+                <a:spcPts val="0"/>
+              </a:spcAft>
+              <a:buClrTx/>
+              <a:buSzTx/>
+              <a:buFontTx/>
+              <a:buNone/>
+              <a:tabLst/>
+              <a:defRPr/>
+            </a:pPr>
+            <a:r>
+              <a:rPr lang="en-US" dirty="0" smtClean="0"/>
+              <a:t>Doctor Slim developed metrics for quantifying the structural complexity of a curriculum with two factors:</a:t>
+            </a:r>
+          </a:p>
+          <a:p>
+            <a:pPr marL="0" marR="0" lvl="0" indent="0" defTabSz="914400" eaLnBrk="1" fontAlgn="auto" latinLnBrk="0" hangingPunct="1">
+              <a:lnSpc>
+                <a:spcPct val="100000"/>
+              </a:lnSpc>
+              <a:spcBef>
+                <a:spcPts val="0"/>
+              </a:spcBef>
+              <a:spcAft>
+                <a:spcPts val="0"/>
+              </a:spcAft>
+              <a:buClrTx/>
+              <a:buSzTx/>
+              <a:buFontTx/>
+              <a:buNone/>
+              <a:tabLst/>
+              <a:defRPr/>
+            </a:pPr>
+            <a:endParaRPr lang="en-US" dirty="0"/>
+          </a:p>
+          <a:p>
+            <a:pPr marL="0" marR="0" lvl="0" indent="0" defTabSz="914400" eaLnBrk="1" fontAlgn="auto" latinLnBrk="0" hangingPunct="1">
+              <a:lnSpc>
+                <a:spcPct val="100000"/>
+              </a:lnSpc>
+              <a:spcBef>
+                <a:spcPts val="0"/>
+              </a:spcBef>
+              <a:spcAft>
+                <a:spcPts val="0"/>
+              </a:spcAft>
+              <a:buClrTx/>
+              <a:buSzTx/>
+              <a:buFontTx/>
+              <a:buNone/>
+              <a:tabLst/>
+              <a:defRPr/>
+            </a:pPr>
+            <a:r>
+              <a:rPr lang="en-US" b="1" dirty="0" smtClean="0"/>
+              <a:t>Delay Factor:</a:t>
+            </a:r>
+            <a:r>
+              <a:rPr lang="en-US" dirty="0" smtClean="0"/>
+              <a:t> characterized by long paths in a curriculum.</a:t>
+            </a:r>
+          </a:p>
+          <a:p>
+            <a:pPr marL="0" marR="0" lvl="0" indent="0" defTabSz="914400" eaLnBrk="1" fontAlgn="auto" latinLnBrk="0" hangingPunct="1">
+              <a:lnSpc>
+                <a:spcPct val="100000"/>
+              </a:lnSpc>
+              <a:spcBef>
+                <a:spcPts val="0"/>
+              </a:spcBef>
+              <a:spcAft>
+                <a:spcPts val="0"/>
+              </a:spcAft>
+              <a:buClrTx/>
+              <a:buSzTx/>
+              <a:buFontTx/>
+              <a:buNone/>
+              <a:tabLst/>
+              <a:defRPr/>
+            </a:pPr>
+            <a:endParaRPr lang="en-US" b="1" dirty="0"/>
+          </a:p>
+          <a:p>
+            <a:pPr marL="0" marR="0" lvl="0" indent="0" defTabSz="914400" eaLnBrk="1" fontAlgn="auto" latinLnBrk="0" hangingPunct="1">
+              <a:lnSpc>
+                <a:spcPct val="100000"/>
+              </a:lnSpc>
+              <a:spcBef>
+                <a:spcPts val="0"/>
+              </a:spcBef>
+              <a:spcAft>
+                <a:spcPts val="0"/>
+              </a:spcAft>
+              <a:buClrTx/>
+              <a:buSzTx/>
+              <a:buFontTx/>
+              <a:buNone/>
+              <a:tabLst/>
+              <a:defRPr/>
+            </a:pPr>
+            <a:r>
+              <a:rPr lang="en-US" b="1" dirty="0" smtClean="0"/>
+              <a:t>Blocking Factor:</a:t>
+            </a:r>
+            <a:r>
+              <a:rPr lang="en-US" dirty="0"/>
+              <a:t> </a:t>
+            </a:r>
+            <a:r>
+              <a:rPr lang="en-US" dirty="0" smtClean="0"/>
+              <a:t>the number of courses that a student cannot take until a certain class has been passed.</a:t>
+            </a:r>
+            <a:endParaRPr lang="en-US" b="1" dirty="0" smtClean="0"/>
+          </a:p>
+        </p:txBody>
+      </p:sp>
+    </p:spTree>
+    <p:extLst>
+      <p:ext uri="{BB962C8B-B14F-4D97-AF65-F5344CB8AC3E}">
+        <p14:creationId xmlns:p14="http://schemas.microsoft.com/office/powerpoint/2010/main" val="926612202"/>
+      </p:ext>
+    </p:extLst>
+  </p:cSld>
+  <p:clrMapOvr>
+    <a:masterClrMapping/>
+  </p:clrMapOvr>
+  <p:timing>
+    <p:tnLst>
+      <p:par>
+        <p:cTn id="1" dur="indefinite" restart="never" nodeType="tmRoot"/>
+      </p:par>
+    </p:tnLst>
+  </p:timing>
+</p:sld>
+</file>
+
+<file path=ppt/slides/slide11.xml><?xml version="1.0" encoding="utf-8"?>
+<p:sld xmlns:a="http://schemas.openxmlformats.org/drawingml/2006/main" xmlns:r="http://schemas.openxmlformats.org/officeDocument/2006/relationships" xmlns:p="http://schemas.openxmlformats.org/presentationml/2006/main">
+  <p:cSld>
+    <p:spTree>
+      <p:nvGrpSpPr>
+        <p:cNvPr id="1" name=""/>
+        <p:cNvGrpSpPr/>
+        <p:nvPr/>
+      </p:nvGrpSpPr>
+      <p:grpSpPr>
+        <a:xfrm>
+          <a:off x="0" y="0"/>
+          <a:ext cx="0" cy="0"/>
+          <a:chOff x="0" y="0"/>
+          <a:chExt cx="0" cy="0"/>
+        </a:xfrm>
+      </p:grpSpPr>
+      <p:sp>
+        <p:nvSpPr>
+          <p:cNvPr id="2" name="Title 1"/>
+          <p:cNvSpPr>
+            <a:spLocks noGrp="1"/>
+          </p:cNvSpPr>
+          <p:nvPr>
+            <p:ph type="title"/>
+          </p:nvPr>
+        </p:nvSpPr>
+        <p:spPr/>
+        <p:txBody>
+          <a:bodyPr/>
+          <a:lstStyle/>
+          <a:p>
+            <a:r>
+              <a:rPr lang="en-US" dirty="0" smtClean="0"/>
+              <a:t>Previous Work</a:t>
+            </a:r>
+            <a:endParaRPr lang="en-US" dirty="0"/>
+          </a:p>
+        </p:txBody>
+      </p:sp>
+      <mc:AlternateContent xmlns:mc="http://schemas.openxmlformats.org/markup-compatibility/2006">
+        <mc:Choice xmlns:a14="http://schemas.microsoft.com/office/drawing/2010/main" Requires="a14">
+          <p:sp>
+            <p:nvSpPr>
+              <p:cNvPr id="3" name="Content Placeholder 2"/>
+              <p:cNvSpPr>
+                <a:spLocks noGrp="1"/>
+              </p:cNvSpPr>
+              <p:nvPr>
+                <p:ph idx="1"/>
+              </p:nvPr>
+            </p:nvSpPr>
+            <p:spPr/>
+            <p:txBody>
+              <a:bodyPr/>
+              <a:lstStyle/>
+              <a:p>
+                <a:pPr marL="0" marR="0" lvl="0" indent="0" defTabSz="914400" eaLnBrk="1" fontAlgn="auto" latinLnBrk="0" hangingPunct="1">
+                  <a:lnSpc>
+                    <a:spcPct val="100000"/>
+                  </a:lnSpc>
+                  <a:spcBef>
+                    <a:spcPts val="0"/>
+                  </a:spcBef>
+                  <a:spcAft>
+                    <a:spcPts val="0"/>
+                  </a:spcAft>
+                  <a:buClrTx/>
+                  <a:buSzTx/>
+                  <a:buFontTx/>
+                  <a:buNone/>
+                  <a:tabLst/>
+                  <a:defRPr/>
+                </a:pPr>
+                <a:r>
+                  <a:rPr lang="en-US" dirty="0" smtClean="0"/>
+                  <a:t>The </a:t>
+                </a:r>
+                <a:r>
+                  <a:rPr lang="en-US" b="1" dirty="0" smtClean="0"/>
+                  <a:t>delay </a:t>
+                </a:r>
+                <a:r>
+                  <a:rPr lang="en-US" b="1" dirty="0"/>
+                  <a:t>f</a:t>
+                </a:r>
+                <a:r>
+                  <a:rPr lang="en-US" b="1" dirty="0" smtClean="0"/>
+                  <a:t>actor </a:t>
+                </a:r>
+                <a:r>
+                  <a:rPr lang="en-US" dirty="0" smtClean="0"/>
+                  <a:t>of course </a:t>
+                </a:r>
+                <a14:m>
+                  <m:oMath xmlns:m="http://schemas.openxmlformats.org/officeDocument/2006/math">
+                    <m:sSub>
+                      <m:sSubPr>
+                        <m:ctrlPr>
+                          <a:rPr lang="en-US" i="1" smtClean="0">
+                            <a:latin typeface="Cambria Math" charset="0"/>
+                          </a:rPr>
+                        </m:ctrlPr>
+                      </m:sSubPr>
+                      <m:e>
+                        <m:r>
+                          <a:rPr lang="en-US" b="0" i="1" smtClean="0">
+                            <a:latin typeface="Cambria Math" charset="0"/>
+                          </a:rPr>
+                          <m:t>𝑣</m:t>
+                        </m:r>
+                      </m:e>
+                      <m:sub>
+                        <m:r>
+                          <a:rPr lang="en-US" b="0" i="1" smtClean="0">
+                            <a:latin typeface="Cambria Math" charset="0"/>
+                          </a:rPr>
+                          <m:t>𝑖</m:t>
+                        </m:r>
+                      </m:sub>
+                    </m:sSub>
+                  </m:oMath>
+                </a14:m>
+                <a:r>
+                  <a:rPr lang="en-US" dirty="0" smtClean="0"/>
+                  <a:t>, denoted </a:t>
+                </a:r>
+                <a14:m>
+                  <m:oMath xmlns:m="http://schemas.openxmlformats.org/officeDocument/2006/math">
+                    <m:r>
+                      <a:rPr lang="en-US" b="0" i="1" smtClean="0">
+                        <a:latin typeface="Cambria Math" charset="0"/>
+                      </a:rPr>
+                      <m:t>𝑑</m:t>
+                    </m:r>
+                    <m:d>
+                      <m:dPr>
+                        <m:ctrlPr>
+                          <a:rPr lang="en-US" b="0" i="1" smtClean="0">
+                            <a:latin typeface="Cambria Math" charset="0"/>
+                          </a:rPr>
+                        </m:ctrlPr>
+                      </m:dPr>
+                      <m:e>
+                        <m:sSub>
+                          <m:sSubPr>
+                            <m:ctrlPr>
+                              <a:rPr lang="en-US" b="0" i="1" smtClean="0">
+                                <a:latin typeface="Cambria Math" charset="0"/>
+                              </a:rPr>
+                            </m:ctrlPr>
+                          </m:sSubPr>
+                          <m:e>
+                            <m:r>
+                              <a:rPr lang="en-US" b="0" i="1" smtClean="0">
+                                <a:latin typeface="Cambria Math" charset="0"/>
+                              </a:rPr>
+                              <m:t>𝑣</m:t>
+                            </m:r>
+                          </m:e>
+                          <m:sub>
+                            <m:r>
+                              <a:rPr lang="en-US" b="0" i="1" smtClean="0">
+                                <a:latin typeface="Cambria Math" charset="0"/>
+                              </a:rPr>
+                              <m:t>𝑖</m:t>
+                            </m:r>
+                          </m:sub>
+                        </m:sSub>
+                      </m:e>
+                    </m:d>
+                  </m:oMath>
+                </a14:m>
+                <a:r>
+                  <a:rPr lang="en-US" dirty="0" smtClean="0"/>
+                  <a:t>, is defined as the number of nodes in the longest path that passes through </a:t>
+                </a:r>
+                <a14:m>
+                  <m:oMath xmlns:m="http://schemas.openxmlformats.org/officeDocument/2006/math">
+                    <m:sSub>
+                      <m:sSubPr>
+                        <m:ctrlPr>
+                          <a:rPr lang="en-US" i="1" smtClean="0">
+                            <a:latin typeface="Cambria Math" charset="0"/>
+                          </a:rPr>
+                        </m:ctrlPr>
+                      </m:sSubPr>
+                      <m:e>
+                        <m:r>
+                          <a:rPr lang="en-US" b="0" i="1" smtClean="0">
+                            <a:latin typeface="Cambria Math" charset="0"/>
+                          </a:rPr>
+                          <m:t>𝑣</m:t>
+                        </m:r>
+                      </m:e>
+                      <m:sub>
+                        <m:r>
+                          <a:rPr lang="en-US" b="0" i="1" smtClean="0">
+                            <a:latin typeface="Cambria Math" charset="0"/>
+                          </a:rPr>
+                          <m:t>𝑖</m:t>
+                        </m:r>
+                      </m:sub>
+                    </m:sSub>
+                    <m:r>
+                      <a:rPr lang="en-US" b="0" i="1" smtClean="0">
+                        <a:latin typeface="Cambria Math" charset="0"/>
+                      </a:rPr>
+                      <m:t>.</m:t>
+                    </m:r>
+                  </m:oMath>
+                </a14:m>
+                <a:endParaRPr lang="en-US" dirty="0" smtClean="0"/>
+              </a:p>
+              <a:p>
+                <a:pPr marL="0" marR="0" lvl="0" indent="0" defTabSz="914400" eaLnBrk="1" fontAlgn="auto" latinLnBrk="0" hangingPunct="1">
+                  <a:lnSpc>
+                    <a:spcPct val="100000"/>
+                  </a:lnSpc>
+                  <a:spcBef>
+                    <a:spcPts val="0"/>
+                  </a:spcBef>
+                  <a:spcAft>
+                    <a:spcPts val="0"/>
+                  </a:spcAft>
+                  <a:buClrTx/>
+                  <a:buSzTx/>
+                  <a:buFontTx/>
+                  <a:buNone/>
+                  <a:tabLst/>
+                  <a:defRPr/>
+                </a:pPr>
+                <a:endParaRPr lang="en-US" dirty="0"/>
+              </a:p>
+              <a:p>
+                <a:pPr marL="0" marR="0" lvl="0" indent="0" defTabSz="914400" eaLnBrk="1" fontAlgn="auto" latinLnBrk="0" hangingPunct="1">
+                  <a:lnSpc>
+                    <a:spcPct val="100000"/>
+                  </a:lnSpc>
+                  <a:spcBef>
+                    <a:spcPts val="0"/>
+                  </a:spcBef>
+                  <a:spcAft>
+                    <a:spcPts val="0"/>
+                  </a:spcAft>
+                  <a:buClrTx/>
+                  <a:buSzTx/>
+                  <a:buFontTx/>
+                  <a:buNone/>
+                  <a:tabLst/>
+                  <a:defRPr/>
+                </a:pPr>
+                <a:r>
+                  <a:rPr lang="en-US" dirty="0" smtClean="0"/>
+                  <a:t>Ex:</a:t>
+                </a:r>
+                <a:endParaRPr lang="en-US" dirty="0"/>
+              </a:p>
+              <a:p>
+                <a:pPr marL="0" marR="0" lvl="0" indent="0" defTabSz="914400" eaLnBrk="1" fontAlgn="auto" latinLnBrk="0" hangingPunct="1">
+                  <a:lnSpc>
+                    <a:spcPct val="100000"/>
+                  </a:lnSpc>
+                  <a:spcBef>
+                    <a:spcPts val="0"/>
+                  </a:spcBef>
+                  <a:spcAft>
+                    <a:spcPts val="0"/>
+                  </a:spcAft>
+                  <a:buClrTx/>
+                  <a:buSzTx/>
+                  <a:buFontTx/>
+                  <a:buNone/>
+                  <a:tabLst/>
+                  <a:defRPr/>
+                </a:pPr>
+                <a:endParaRPr lang="en-US" dirty="0" smtClean="0"/>
+              </a:p>
+            </p:txBody>
+          </p:sp>
+        </mc:Choice>
+        <mc:Fallback>
+          <p:sp>
+            <p:nvSpPr>
+              <p:cNvPr id="3" name="Content Placeholder 2"/>
+              <p:cNvSpPr>
+                <a:spLocks noGrp="1" noRot="1" noChangeAspect="1" noMove="1" noResize="1" noEditPoints="1" noAdjustHandles="1" noChangeArrowheads="1" noChangeShapeType="1" noTextEdit="1"/>
+              </p:cNvSpPr>
+              <p:nvPr>
+                <p:ph idx="1"/>
+              </p:nvPr>
+            </p:nvSpPr>
+            <p:spPr>
+              <a:blipFill rotWithShape="0">
+                <a:blip r:embed="rId2"/>
+                <a:stretch>
+                  <a:fillRect l="-1217" t="-1261" r="-696"/>
+                </a:stretch>
+              </a:blipFill>
+            </p:spPr>
+            <p:txBody>
+              <a:bodyPr/>
+              <a:lstStyle/>
+              <a:p>
+                <a:r>
+                  <a:rPr lang="en-US">
+                    <a:noFill/>
+                  </a:rPr>
+                  <a:t> </a:t>
+                </a:r>
+              </a:p>
+            </p:txBody>
+          </p:sp>
+        </mc:Fallback>
+      </mc:AlternateContent>
+      <p:pic>
+        <p:nvPicPr>
+          <p:cNvPr id="4" name="Picture 3"/>
+          <p:cNvPicPr>
+            <a:picLocks noChangeAspect="1"/>
+          </p:cNvPicPr>
+          <p:nvPr/>
+        </p:nvPicPr>
+        <p:blipFill>
+          <a:blip r:embed="rId3">
+            <a:extLst>
+              <a:ext uri="{28A0092B-C50C-407E-A947-70E740481C1C}">
+                <a14:useLocalDpi xmlns:a14="http://schemas.microsoft.com/office/drawing/2010/main" val="0"/>
+              </a:ext>
+            </a:extLst>
+          </a:blip>
+          <a:stretch>
+            <a:fillRect/>
+          </a:stretch>
+        </p:blipFill>
+        <p:spPr>
+          <a:xfrm>
+            <a:off x="971764" y="3922076"/>
+            <a:ext cx="3012611" cy="2119528"/>
+          </a:xfrm>
+          <a:prstGeom prst="rect">
+            <a:avLst/>
+          </a:prstGeom>
+        </p:spPr>
+      </p:pic>
+    </p:spTree>
+    <p:extLst>
+      <p:ext uri="{BB962C8B-B14F-4D97-AF65-F5344CB8AC3E}">
+        <p14:creationId xmlns:p14="http://schemas.microsoft.com/office/powerpoint/2010/main" val="599548142"/>
+      </p:ext>
+    </p:extLst>
+  </p:cSld>
+  <p:clrMapOvr>
+    <a:masterClrMapping/>
+  </p:clrMapOvr>
+  <p:timing>
+    <p:tnLst>
+      <p:par>
+        <p:cTn id="1" dur="indefinite" restart="never" nodeType="tmRoot"/>
+      </p:par>
+    </p:tnLst>
+  </p:timing>
+</p:sld>
+</file>
+
+<file path=ppt/slides/slide12.xml><?xml version="1.0" encoding="utf-8"?>
+<p:sld xmlns:a="http://schemas.openxmlformats.org/drawingml/2006/main" xmlns:r="http://schemas.openxmlformats.org/officeDocument/2006/relationships" xmlns:p="http://schemas.openxmlformats.org/presentationml/2006/main">
+  <p:cSld>
+    <p:spTree>
+      <p:nvGrpSpPr>
+        <p:cNvPr id="1" name=""/>
+        <p:cNvGrpSpPr/>
+        <p:nvPr/>
+      </p:nvGrpSpPr>
+      <p:grpSpPr>
+        <a:xfrm>
+          <a:off x="0" y="0"/>
+          <a:ext cx="0" cy="0"/>
+          <a:chOff x="0" y="0"/>
+          <a:chExt cx="0" cy="0"/>
+        </a:xfrm>
+      </p:grpSpPr>
+      <p:sp>
+        <p:nvSpPr>
+          <p:cNvPr id="2" name="Title 1"/>
+          <p:cNvSpPr>
+            <a:spLocks noGrp="1"/>
+          </p:cNvSpPr>
+          <p:nvPr>
+            <p:ph type="title"/>
+          </p:nvPr>
+        </p:nvSpPr>
+        <p:spPr/>
+        <p:txBody>
+          <a:bodyPr/>
+          <a:lstStyle/>
+          <a:p>
+            <a:r>
+              <a:rPr lang="en-US" dirty="0" smtClean="0"/>
+              <a:t>Previous Work</a:t>
+            </a:r>
+            <a:endParaRPr lang="en-US" dirty="0"/>
+          </a:p>
+        </p:txBody>
+      </p:sp>
+      <mc:AlternateContent xmlns:mc="http://schemas.openxmlformats.org/markup-compatibility/2006">
+        <mc:Choice xmlns:a14="http://schemas.microsoft.com/office/drawing/2010/main" Requires="a14">
+          <p:sp>
+            <p:nvSpPr>
+              <p:cNvPr id="3" name="Content Placeholder 2"/>
+              <p:cNvSpPr>
+                <a:spLocks noGrp="1"/>
+              </p:cNvSpPr>
+              <p:nvPr>
+                <p:ph idx="1"/>
+              </p:nvPr>
+            </p:nvSpPr>
+            <p:spPr/>
+            <p:txBody>
+              <a:bodyPr/>
+              <a:lstStyle/>
+              <a:p>
+                <a:pPr marL="0" marR="0" lvl="0" indent="0" defTabSz="914400" eaLnBrk="1" fontAlgn="auto" latinLnBrk="0" hangingPunct="1">
+                  <a:lnSpc>
+                    <a:spcPct val="100000"/>
+                  </a:lnSpc>
+                  <a:spcBef>
+                    <a:spcPts val="0"/>
+                  </a:spcBef>
+                  <a:spcAft>
+                    <a:spcPts val="0"/>
+                  </a:spcAft>
+                  <a:buClrTx/>
+                  <a:buSzTx/>
+                  <a:buFontTx/>
+                  <a:buNone/>
+                  <a:tabLst/>
+                  <a:defRPr/>
+                </a:pPr>
+                <a:r>
+                  <a:rPr lang="en-US" dirty="0" smtClean="0"/>
+                  <a:t>The </a:t>
+                </a:r>
+                <a:r>
+                  <a:rPr lang="en-US" b="1" dirty="0" smtClean="0"/>
+                  <a:t>blocking factor </a:t>
+                </a:r>
+                <a:r>
+                  <a:rPr lang="en-US" dirty="0" smtClean="0"/>
+                  <a:t>of course </a:t>
+                </a:r>
+                <a14:m>
+                  <m:oMath xmlns:m="http://schemas.openxmlformats.org/officeDocument/2006/math">
+                    <m:sSub>
+                      <m:sSubPr>
+                        <m:ctrlPr>
+                          <a:rPr lang="en-US" i="1" smtClean="0">
+                            <a:latin typeface="Cambria Math" charset="0"/>
+                          </a:rPr>
+                        </m:ctrlPr>
+                      </m:sSubPr>
+                      <m:e>
+                        <m:r>
+                          <a:rPr lang="en-US" b="0" i="1" smtClean="0">
+                            <a:latin typeface="Cambria Math" charset="0"/>
+                          </a:rPr>
+                          <m:t>𝑣</m:t>
+                        </m:r>
+                      </m:e>
+                      <m:sub>
+                        <m:r>
+                          <a:rPr lang="en-US" b="0" i="1" smtClean="0">
+                            <a:latin typeface="Cambria Math" charset="0"/>
+                          </a:rPr>
+                          <m:t>𝑖</m:t>
+                        </m:r>
+                      </m:sub>
+                    </m:sSub>
+                  </m:oMath>
+                </a14:m>
+                <a:r>
+                  <a:rPr lang="en-US" dirty="0" smtClean="0"/>
+                  <a:t>, denoted b</a:t>
+                </a:r>
+                <a14:m>
+                  <m:oMath xmlns:m="http://schemas.openxmlformats.org/officeDocument/2006/math">
+                    <m:d>
+                      <m:dPr>
+                        <m:ctrlPr>
+                          <a:rPr lang="en-US" b="0" i="1" smtClean="0">
+                            <a:latin typeface="Cambria Math" charset="0"/>
+                          </a:rPr>
+                        </m:ctrlPr>
+                      </m:dPr>
+                      <m:e>
+                        <m:sSub>
+                          <m:sSubPr>
+                            <m:ctrlPr>
+                              <a:rPr lang="en-US" b="0" i="1" smtClean="0">
+                                <a:latin typeface="Cambria Math" charset="0"/>
+                              </a:rPr>
+                            </m:ctrlPr>
+                          </m:sSubPr>
+                          <m:e>
+                            <m:r>
+                              <a:rPr lang="en-US" b="0" i="1" smtClean="0">
+                                <a:latin typeface="Cambria Math" charset="0"/>
+                              </a:rPr>
+                              <m:t>𝑣</m:t>
+                            </m:r>
+                          </m:e>
+                          <m:sub>
+                            <m:r>
+                              <a:rPr lang="en-US" b="0" i="1" smtClean="0">
+                                <a:latin typeface="Cambria Math" charset="0"/>
+                              </a:rPr>
+                              <m:t>𝑖</m:t>
+                            </m:r>
+                          </m:sub>
+                        </m:sSub>
+                      </m:e>
+                    </m:d>
+                  </m:oMath>
+                </a14:m>
+                <a:r>
+                  <a:rPr lang="en-US" dirty="0" smtClean="0"/>
+                  <a:t>, is defined as the number of courses blocked until </a:t>
+                </a:r>
+                <a14:m>
+                  <m:oMath xmlns:m="http://schemas.openxmlformats.org/officeDocument/2006/math">
+                    <m:sSub>
+                      <m:sSubPr>
+                        <m:ctrlPr>
+                          <a:rPr lang="en-US" i="1" smtClean="0">
+                            <a:latin typeface="Cambria Math" charset="0"/>
+                          </a:rPr>
+                        </m:ctrlPr>
+                      </m:sSubPr>
+                      <m:e>
+                        <m:r>
+                          <a:rPr lang="en-US" b="0" i="1" smtClean="0">
+                            <a:latin typeface="Cambria Math" charset="0"/>
+                          </a:rPr>
+                          <m:t>𝑣</m:t>
+                        </m:r>
+                      </m:e>
+                      <m:sub>
+                        <m:r>
+                          <a:rPr lang="en-US" b="0" i="1" smtClean="0">
+                            <a:latin typeface="Cambria Math" charset="0"/>
+                          </a:rPr>
+                          <m:t>𝑖</m:t>
+                        </m:r>
+                      </m:sub>
+                    </m:sSub>
+                  </m:oMath>
+                </a14:m>
+                <a:r>
+                  <a:rPr lang="en-US" dirty="0" smtClean="0"/>
+                  <a:t> is completed.</a:t>
+                </a:r>
+              </a:p>
+              <a:p>
+                <a:pPr marL="0" marR="0" lvl="0" indent="0" defTabSz="914400" eaLnBrk="1" fontAlgn="auto" latinLnBrk="0" hangingPunct="1">
+                  <a:lnSpc>
+                    <a:spcPct val="100000"/>
+                  </a:lnSpc>
+                  <a:spcBef>
+                    <a:spcPts val="0"/>
+                  </a:spcBef>
+                  <a:spcAft>
+                    <a:spcPts val="0"/>
+                  </a:spcAft>
+                  <a:buClrTx/>
+                  <a:buSzTx/>
+                  <a:buFontTx/>
+                  <a:buNone/>
+                  <a:tabLst/>
+                  <a:defRPr/>
+                </a:pPr>
+                <a:endParaRPr lang="en-US" dirty="0"/>
+              </a:p>
+              <a:p>
+                <a:pPr marL="0" marR="0" lvl="0" indent="0" defTabSz="914400" eaLnBrk="1" fontAlgn="auto" latinLnBrk="0" hangingPunct="1">
+                  <a:lnSpc>
+                    <a:spcPct val="100000"/>
+                  </a:lnSpc>
+                  <a:spcBef>
+                    <a:spcPts val="0"/>
+                  </a:spcBef>
+                  <a:spcAft>
+                    <a:spcPts val="0"/>
+                  </a:spcAft>
+                  <a:buClrTx/>
+                  <a:buSzTx/>
+                  <a:buFontTx/>
+                  <a:buNone/>
+                  <a:tabLst/>
+                  <a:defRPr/>
+                </a:pPr>
+                <a:r>
+                  <a:rPr lang="en-US" dirty="0" smtClean="0"/>
+                  <a:t>Ex:</a:t>
+                </a:r>
+                <a:endParaRPr lang="en-US" dirty="0"/>
+              </a:p>
+              <a:p>
+                <a:pPr marL="0" marR="0" lvl="0" indent="0" defTabSz="914400" eaLnBrk="1" fontAlgn="auto" latinLnBrk="0" hangingPunct="1">
+                  <a:lnSpc>
+                    <a:spcPct val="100000"/>
+                  </a:lnSpc>
+                  <a:spcBef>
+                    <a:spcPts val="0"/>
+                  </a:spcBef>
+                  <a:spcAft>
+                    <a:spcPts val="0"/>
+                  </a:spcAft>
+                  <a:buClrTx/>
+                  <a:buSzTx/>
+                  <a:buFontTx/>
+                  <a:buNone/>
+                  <a:tabLst/>
+                  <a:defRPr/>
+                </a:pPr>
+                <a:endParaRPr lang="en-US" dirty="0" smtClean="0"/>
+              </a:p>
+            </p:txBody>
+          </p:sp>
+        </mc:Choice>
+        <mc:Fallback>
+          <p:sp>
+            <p:nvSpPr>
+              <p:cNvPr id="3" name="Content Placeholder 2"/>
+              <p:cNvSpPr>
+                <a:spLocks noGrp="1" noRot="1" noChangeAspect="1" noMove="1" noResize="1" noEditPoints="1" noAdjustHandles="1" noChangeArrowheads="1" noChangeShapeType="1" noTextEdit="1"/>
+              </p:cNvSpPr>
+              <p:nvPr>
+                <p:ph idx="1"/>
+              </p:nvPr>
+            </p:nvSpPr>
+            <p:spPr>
+              <a:blipFill rotWithShape="0">
+                <a:blip r:embed="rId2"/>
+                <a:stretch>
+                  <a:fillRect l="-1217" t="-1261"/>
+                </a:stretch>
+              </a:blipFill>
+            </p:spPr>
+            <p:txBody>
+              <a:bodyPr/>
+              <a:lstStyle/>
+              <a:p>
+                <a:r>
+                  <a:rPr lang="en-US">
+                    <a:noFill/>
+                  </a:rPr>
+                  <a:t> </a:t>
+                </a:r>
+              </a:p>
+            </p:txBody>
+          </p:sp>
+        </mc:Fallback>
+      </mc:AlternateContent>
+      <p:pic>
+        <p:nvPicPr>
+          <p:cNvPr id="5" name="Picture 4"/>
+          <p:cNvPicPr>
+            <a:picLocks noChangeAspect="1"/>
+          </p:cNvPicPr>
+          <p:nvPr/>
+        </p:nvPicPr>
+        <p:blipFill>
+          <a:blip r:embed="rId3">
+            <a:extLst>
+              <a:ext uri="{28A0092B-C50C-407E-A947-70E740481C1C}">
+                <a14:useLocalDpi xmlns:a14="http://schemas.microsoft.com/office/drawing/2010/main" val="0"/>
+              </a:ext>
+            </a:extLst>
+          </a:blip>
+          <a:stretch>
+            <a:fillRect/>
+          </a:stretch>
+        </p:blipFill>
+        <p:spPr>
+          <a:xfrm>
+            <a:off x="838200" y="3789648"/>
+            <a:ext cx="2981789" cy="2097843"/>
+          </a:xfrm>
+          <a:prstGeom prst="rect">
+            <a:avLst/>
+          </a:prstGeom>
+        </p:spPr>
+      </p:pic>
+    </p:spTree>
+    <p:extLst>
+      <p:ext uri="{BB962C8B-B14F-4D97-AF65-F5344CB8AC3E}">
+        <p14:creationId xmlns:p14="http://schemas.microsoft.com/office/powerpoint/2010/main" val="836457905"/>
+      </p:ext>
+    </p:extLst>
+  </p:cSld>
+  <p:clrMapOvr>
+    <a:masterClrMapping/>
+  </p:clrMapOvr>
+  <p:timing>
+    <p:tnLst>
+      <p:par>
+        <p:cTn id="1" dur="indefinite" restart="never" nodeType="tmRoot"/>
+      </p:par>
+    </p:tnLst>
+  </p:timing>
+</p:sld>
+</file>
+
+<file path=ppt/slides/slide13.xml><?xml version="1.0" encoding="utf-8"?>
+<p:sld xmlns:a="http://schemas.openxmlformats.org/drawingml/2006/main" xmlns:r="http://schemas.openxmlformats.org/officeDocument/2006/relationships" xmlns:p="http://schemas.openxmlformats.org/presentationml/2006/main">
+  <p:cSld>
+    <p:spTree>
+      <p:nvGrpSpPr>
+        <p:cNvPr id="1" name=""/>
+        <p:cNvGrpSpPr/>
+        <p:nvPr/>
+      </p:nvGrpSpPr>
+      <p:grpSpPr>
+        <a:xfrm>
+          <a:off x="0" y="0"/>
+          <a:ext cx="0" cy="0"/>
+          <a:chOff x="0" y="0"/>
+          <a:chExt cx="0" cy="0"/>
+        </a:xfrm>
+      </p:grpSpPr>
+      <p:sp>
+        <p:nvSpPr>
+          <p:cNvPr id="2" name="Title 1"/>
+          <p:cNvSpPr>
+            <a:spLocks noGrp="1"/>
+          </p:cNvSpPr>
+          <p:nvPr>
+            <p:ph type="title"/>
+          </p:nvPr>
+        </p:nvSpPr>
+        <p:spPr/>
+        <p:txBody>
+          <a:bodyPr/>
+          <a:lstStyle/>
+          <a:p>
+            <a:r>
+              <a:rPr lang="en-US" dirty="0" smtClean="0"/>
+              <a:t>Previous Work</a:t>
+            </a:r>
+            <a:endParaRPr lang="en-US" dirty="0"/>
+          </a:p>
+        </p:txBody>
+      </p:sp>
+      <mc:AlternateContent xmlns:mc="http://schemas.openxmlformats.org/markup-compatibility/2006">
+        <mc:Choice xmlns:a14="http://schemas.microsoft.com/office/drawing/2010/main" Requires="a14">
+          <p:sp>
+            <p:nvSpPr>
+              <p:cNvPr id="3" name="Content Placeholder 2"/>
+              <p:cNvSpPr>
+                <a:spLocks noGrp="1"/>
+              </p:cNvSpPr>
+              <p:nvPr>
+                <p:ph idx="1"/>
+              </p:nvPr>
+            </p:nvSpPr>
+            <p:spPr/>
+            <p:txBody>
+              <a:bodyPr/>
+              <a:lstStyle/>
+              <a:p>
+                <a:pPr marL="0" marR="0" lvl="0" indent="0" defTabSz="914400" eaLnBrk="1" fontAlgn="auto" latinLnBrk="0" hangingPunct="1">
+                  <a:lnSpc>
+                    <a:spcPct val="100000"/>
+                  </a:lnSpc>
+                  <a:spcBef>
+                    <a:spcPts val="0"/>
+                  </a:spcBef>
+                  <a:spcAft>
+                    <a:spcPts val="0"/>
+                  </a:spcAft>
+                  <a:buClrTx/>
+                  <a:buSzTx/>
+                  <a:buFontTx/>
+                  <a:buNone/>
+                  <a:tabLst/>
+                  <a:defRPr/>
+                </a:pPr>
+                <a:r>
+                  <a:rPr lang="en-US" dirty="0" smtClean="0"/>
+                  <a:t>The delay and blocking factor, together, define the overall complexity of a curriculum </a:t>
+                </a:r>
+                <a14:m>
+                  <m:oMath xmlns:m="http://schemas.openxmlformats.org/officeDocument/2006/math">
+                    <m:sSub>
+                      <m:sSubPr>
+                        <m:ctrlPr>
+                          <a:rPr lang="en-US" i="1" smtClean="0">
+                            <a:latin typeface="Cambria Math" charset="0"/>
+                          </a:rPr>
+                        </m:ctrlPr>
+                      </m:sSubPr>
+                      <m:e>
+                        <m:r>
+                          <a:rPr lang="en-US" b="0" i="1" smtClean="0">
+                            <a:latin typeface="Cambria Math" charset="0"/>
+                          </a:rPr>
+                          <m:t>𝐺</m:t>
+                        </m:r>
+                      </m:e>
+                      <m:sub>
+                        <m:r>
+                          <a:rPr lang="en-US" b="0" i="1" smtClean="0">
+                            <a:latin typeface="Cambria Math" charset="0"/>
+                          </a:rPr>
+                          <m:t>𝐶</m:t>
+                        </m:r>
+                      </m:sub>
+                    </m:sSub>
+                    <m:r>
+                      <a:rPr lang="en-US" b="0" i="1" smtClean="0">
+                        <a:latin typeface="Cambria Math" charset="0"/>
+                      </a:rPr>
+                      <m:t>=(</m:t>
+                    </m:r>
+                    <m:r>
+                      <a:rPr lang="en-US" b="0" i="1" smtClean="0">
+                        <a:latin typeface="Cambria Math" charset="0"/>
+                      </a:rPr>
+                      <m:t>𝑉</m:t>
+                    </m:r>
+                    <m:r>
+                      <a:rPr lang="en-US" b="0" i="1" smtClean="0">
+                        <a:latin typeface="Cambria Math" charset="0"/>
+                      </a:rPr>
+                      <m:t>,</m:t>
+                    </m:r>
+                    <m:r>
+                      <a:rPr lang="en-US" b="0" i="1" smtClean="0">
+                        <a:latin typeface="Cambria Math" charset="0"/>
+                      </a:rPr>
+                      <m:t>𝐸</m:t>
+                    </m:r>
+                    <m:r>
+                      <a:rPr lang="en-US" b="0" i="1" smtClean="0">
+                        <a:latin typeface="Cambria Math" charset="0"/>
+                      </a:rPr>
+                      <m:t>)</m:t>
+                    </m:r>
+                  </m:oMath>
+                </a14:m>
+                <a:r>
+                  <a:rPr lang="en-US" dirty="0" smtClean="0"/>
+                  <a:t>:</a:t>
+                </a:r>
+              </a:p>
+              <a:p>
+                <a:pPr marL="0" marR="0" lvl="0" indent="0" defTabSz="914400" eaLnBrk="1" fontAlgn="auto" latinLnBrk="0" hangingPunct="1">
+                  <a:lnSpc>
+                    <a:spcPct val="100000"/>
+                  </a:lnSpc>
+                  <a:spcBef>
+                    <a:spcPts val="0"/>
+                  </a:spcBef>
+                  <a:spcAft>
+                    <a:spcPts val="0"/>
+                  </a:spcAft>
+                  <a:buClrTx/>
+                  <a:buSzTx/>
+                  <a:buFontTx/>
+                  <a:buNone/>
+                  <a:tabLst/>
+                  <a:defRPr/>
+                </a:pPr>
+                <a:r>
+                  <a:rPr lang="en-US" dirty="0" smtClean="0"/>
+                  <a:t>	</a:t>
+                </a:r>
+              </a:p>
+              <a:p>
+                <a:pPr marL="0" marR="0" lvl="0" indent="0" defTabSz="914400" eaLnBrk="1" fontAlgn="auto" latinLnBrk="0" hangingPunct="1">
+                  <a:lnSpc>
+                    <a:spcPct val="100000"/>
+                  </a:lnSpc>
+                  <a:spcBef>
+                    <a:spcPts val="0"/>
+                  </a:spcBef>
+                  <a:spcAft>
+                    <a:spcPts val="0"/>
+                  </a:spcAft>
+                  <a:buClrTx/>
+                  <a:buSzTx/>
+                  <a:buFontTx/>
+                  <a:buNone/>
+                  <a:tabLst/>
+                  <a:defRPr/>
+                </a:pPr>
+                <a:r>
+                  <a:rPr lang="en-US" dirty="0"/>
+                  <a:t>	</a:t>
+                </a:r>
+                <a14:m>
+                  <m:oMath xmlns:m="http://schemas.openxmlformats.org/officeDocument/2006/math">
+                    <m:sSub>
+                      <m:sSubPr>
+                        <m:ctrlPr>
+                          <a:rPr lang="en-US" i="1" smtClean="0">
+                            <a:latin typeface="Cambria Math" charset="0"/>
+                          </a:rPr>
+                        </m:ctrlPr>
+                      </m:sSubPr>
+                      <m:e>
+                        <m:r>
+                          <a:rPr lang="en-US" b="0" i="1" smtClean="0">
+                            <a:latin typeface="Cambria Math" charset="0"/>
+                          </a:rPr>
+                          <m:t>𝛼</m:t>
+                        </m:r>
+                      </m:e>
+                      <m:sub>
+                        <m:r>
+                          <a:rPr lang="en-US" b="0" i="1" smtClean="0">
+                            <a:latin typeface="Cambria Math" charset="0"/>
+                          </a:rPr>
+                          <m:t>𝐶</m:t>
+                        </m:r>
+                      </m:sub>
+                    </m:sSub>
+                    <m:r>
+                      <a:rPr lang="en-US" b="0" i="1" smtClean="0">
+                        <a:latin typeface="Cambria Math" charset="0"/>
+                      </a:rPr>
+                      <m:t>=</m:t>
+                    </m:r>
+                    <m:nary>
+                      <m:naryPr>
+                        <m:chr m:val="∑"/>
+                        <m:supHide m:val="on"/>
+                        <m:ctrlPr>
+                          <a:rPr lang="en-US" b="0" i="1" smtClean="0">
+                            <a:latin typeface="Cambria Math" charset="0"/>
+                          </a:rPr>
+                        </m:ctrlPr>
+                      </m:naryPr>
+                      <m:sub>
+                        <m:sSub>
+                          <m:sSubPr>
+                            <m:ctrlPr>
+                              <a:rPr lang="en-US" b="0" i="1" smtClean="0">
+                                <a:latin typeface="Cambria Math" charset="0"/>
+                              </a:rPr>
+                            </m:ctrlPr>
+                          </m:sSubPr>
+                          <m:e>
+                            <m:r>
+                              <a:rPr lang="en-US" b="0" i="1" smtClean="0">
+                                <a:latin typeface="Cambria Math" charset="0"/>
+                              </a:rPr>
+                              <m:t>𝑣</m:t>
+                            </m:r>
+                          </m:e>
+                          <m:sub>
+                            <m:r>
+                              <a:rPr lang="en-US" b="0" i="1" smtClean="0">
+                                <a:latin typeface="Cambria Math" charset="0"/>
+                              </a:rPr>
+                              <m:t>𝑖</m:t>
+                            </m:r>
+                          </m:sub>
+                        </m:sSub>
+                        <m:r>
+                          <m:rPr>
+                            <m:brk m:alnAt="7"/>
+                          </m:rPr>
+                          <a:rPr lang="en-US" b="0" i="1" smtClean="0">
+                            <a:latin typeface="Cambria Math" charset="0"/>
+                            <a:ea typeface="Cambria Math" charset="0"/>
+                            <a:cs typeface="Cambria Math" charset="0"/>
+                          </a:rPr>
+                          <m:t>∈</m:t>
+                        </m:r>
+                        <m:r>
+                          <a:rPr lang="en-US" b="0" i="1" smtClean="0">
+                            <a:latin typeface="Cambria Math" charset="0"/>
+                            <a:ea typeface="Cambria Math" charset="0"/>
+                            <a:cs typeface="Cambria Math" charset="0"/>
+                          </a:rPr>
+                          <m:t>𝑉</m:t>
+                        </m:r>
+                      </m:sub>
+                      <m:sup/>
+                      <m:e>
+                        <m:r>
+                          <a:rPr lang="en-US" b="0" i="1" smtClean="0">
+                            <a:latin typeface="Cambria Math" charset="0"/>
+                          </a:rPr>
+                          <m:t>𝑏</m:t>
+                        </m:r>
+                        <m:d>
+                          <m:dPr>
+                            <m:ctrlPr>
+                              <a:rPr lang="en-US" b="0" i="1" smtClean="0">
+                                <a:latin typeface="Cambria Math" charset="0"/>
+                              </a:rPr>
+                            </m:ctrlPr>
+                          </m:dPr>
+                          <m:e>
+                            <m:sSub>
+                              <m:sSubPr>
+                                <m:ctrlPr>
+                                  <a:rPr lang="en-US" b="0" i="1" smtClean="0">
+                                    <a:latin typeface="Cambria Math" charset="0"/>
+                                  </a:rPr>
+                                </m:ctrlPr>
+                              </m:sSubPr>
+                              <m:e>
+                                <m:r>
+                                  <a:rPr lang="en-US" b="0" i="1" smtClean="0">
+                                    <a:latin typeface="Cambria Math" charset="0"/>
+                                  </a:rPr>
+                                  <m:t>𝑣</m:t>
+                                </m:r>
+                              </m:e>
+                              <m:sub>
+                                <m:r>
+                                  <a:rPr lang="en-US" b="0" i="1" smtClean="0">
+                                    <a:latin typeface="Cambria Math" charset="0"/>
+                                  </a:rPr>
+                                  <m:t>𝑖</m:t>
+                                </m:r>
+                              </m:sub>
+                            </m:sSub>
+                          </m:e>
+                        </m:d>
+                        <m:r>
+                          <a:rPr lang="en-US" b="0" i="1" smtClean="0">
+                            <a:latin typeface="Cambria Math" charset="0"/>
+                          </a:rPr>
+                          <m:t>+</m:t>
+                        </m:r>
+                        <m:r>
+                          <a:rPr lang="en-US" b="0" i="1" smtClean="0">
+                            <a:latin typeface="Cambria Math" charset="0"/>
+                          </a:rPr>
+                          <m:t>𝑑</m:t>
+                        </m:r>
+                        <m:r>
+                          <a:rPr lang="en-US" b="0" i="1" smtClean="0">
+                            <a:latin typeface="Cambria Math" charset="0"/>
+                          </a:rPr>
+                          <m:t>(</m:t>
+                        </m:r>
+                        <m:sSub>
+                          <m:sSubPr>
+                            <m:ctrlPr>
+                              <a:rPr lang="en-US" b="0" i="1" smtClean="0">
+                                <a:latin typeface="Cambria Math" charset="0"/>
+                              </a:rPr>
+                            </m:ctrlPr>
+                          </m:sSubPr>
+                          <m:e>
+                            <m:r>
+                              <a:rPr lang="en-US" b="0" i="1" smtClean="0">
+                                <a:latin typeface="Cambria Math" charset="0"/>
+                              </a:rPr>
+                              <m:t>𝑣</m:t>
+                            </m:r>
+                          </m:e>
+                          <m:sub>
+                            <m:r>
+                              <a:rPr lang="en-US" b="0" i="1" smtClean="0">
+                                <a:latin typeface="Cambria Math" charset="0"/>
+                              </a:rPr>
+                              <m:t>𝑖</m:t>
+                            </m:r>
+                          </m:sub>
+                        </m:sSub>
+                        <m:r>
+                          <a:rPr lang="en-US" b="0" i="1" smtClean="0">
+                            <a:latin typeface="Cambria Math" charset="0"/>
+                          </a:rPr>
+                          <m:t>)</m:t>
+                        </m:r>
+                      </m:e>
+                    </m:nary>
+                  </m:oMath>
+                </a14:m>
+                <a:endParaRPr lang="en-US" dirty="0"/>
+              </a:p>
+              <a:p>
+                <a:pPr marL="0" marR="0" lvl="0" indent="0" defTabSz="914400" eaLnBrk="1" fontAlgn="auto" latinLnBrk="0" hangingPunct="1">
+                  <a:lnSpc>
+                    <a:spcPct val="100000"/>
+                  </a:lnSpc>
+                  <a:spcBef>
+                    <a:spcPts val="0"/>
+                  </a:spcBef>
+                  <a:spcAft>
+                    <a:spcPts val="0"/>
+                  </a:spcAft>
+                  <a:buClrTx/>
+                  <a:buSzTx/>
+                  <a:buFontTx/>
+                  <a:buNone/>
+                  <a:tabLst/>
+                  <a:defRPr/>
+                </a:pPr>
+                <a:endParaRPr lang="en-US" dirty="0" smtClean="0"/>
+              </a:p>
+              <a:p>
+                <a:pPr marL="0" marR="0" lvl="0" indent="0" defTabSz="914400" eaLnBrk="1" fontAlgn="auto" latinLnBrk="0" hangingPunct="1">
+                  <a:lnSpc>
+                    <a:spcPct val="100000"/>
+                  </a:lnSpc>
+                  <a:spcBef>
+                    <a:spcPts val="0"/>
+                  </a:spcBef>
+                  <a:spcAft>
+                    <a:spcPts val="0"/>
+                  </a:spcAft>
+                  <a:buClrTx/>
+                  <a:buSzTx/>
+                  <a:buFontTx/>
+                  <a:buNone/>
+                  <a:tabLst/>
+                  <a:defRPr/>
+                </a:pPr>
+                <a:endParaRPr lang="en-US" dirty="0"/>
+              </a:p>
+              <a:p>
+                <a:pPr marL="0" marR="0" lvl="0" indent="0" defTabSz="914400" eaLnBrk="1" fontAlgn="auto" latinLnBrk="0" hangingPunct="1">
+                  <a:lnSpc>
+                    <a:spcPct val="100000"/>
+                  </a:lnSpc>
+                  <a:spcBef>
+                    <a:spcPts val="0"/>
+                  </a:spcBef>
+                  <a:spcAft>
+                    <a:spcPts val="0"/>
+                  </a:spcAft>
+                  <a:buClrTx/>
+                  <a:buSzTx/>
+                  <a:buFontTx/>
+                  <a:buNone/>
+                  <a:tabLst/>
+                  <a:defRPr/>
+                </a:pPr>
+                <a:endParaRPr lang="en-US" dirty="0" smtClean="0"/>
+              </a:p>
+            </p:txBody>
+          </p:sp>
+        </mc:Choice>
+        <mc:Fallback>
+          <p:sp>
+            <p:nvSpPr>
+              <p:cNvPr id="3" name="Content Placeholder 2"/>
+              <p:cNvSpPr>
+                <a:spLocks noGrp="1" noRot="1" noChangeAspect="1" noMove="1" noResize="1" noEditPoints="1" noAdjustHandles="1" noChangeArrowheads="1" noChangeShapeType="1" noTextEdit="1"/>
+              </p:cNvSpPr>
+              <p:nvPr>
+                <p:ph idx="1"/>
+              </p:nvPr>
+            </p:nvSpPr>
+            <p:spPr>
+              <a:blipFill rotWithShape="0">
+                <a:blip r:embed="rId2"/>
+                <a:stretch>
+                  <a:fillRect l="-1217" t="-1261" r="-1681"/>
+                </a:stretch>
+              </a:blipFill>
+            </p:spPr>
+            <p:txBody>
+              <a:bodyPr/>
+              <a:lstStyle/>
+              <a:p>
+                <a:r>
+                  <a:rPr lang="en-US">
+                    <a:noFill/>
+                  </a:rPr>
+                  <a:t> </a:t>
+                </a:r>
+              </a:p>
+            </p:txBody>
+          </p:sp>
+        </mc:Fallback>
+      </mc:AlternateContent>
+    </p:spTree>
+    <p:extLst>
+      <p:ext uri="{BB962C8B-B14F-4D97-AF65-F5344CB8AC3E}">
+        <p14:creationId xmlns:p14="http://schemas.microsoft.com/office/powerpoint/2010/main" val="1787674674"/>
+      </p:ext>
+    </p:extLst>
+  </p:cSld>
+  <p:clrMapOvr>
+    <a:masterClrMapping/>
+  </p:clrMapOvr>
+  <p:timing>
+    <p:tnLst>
+      <p:par>
+        <p:cTn id="1" dur="indefinite" restart="never" nodeType="tmRoot"/>
+      </p:par>
+    </p:tnLst>
+  </p:timing>
+</p:sld>
+</file>
+
+<file path=ppt/slides/slide14.xml><?xml version="1.0" encoding="utf-8"?>
+<p:sld xmlns:a="http://schemas.openxmlformats.org/drawingml/2006/main" xmlns:r="http://schemas.openxmlformats.org/officeDocument/2006/relationships" xmlns:p="http://schemas.openxmlformats.org/presentationml/2006/main">
+  <p:cSld>
+    <p:spTree>
+      <p:nvGrpSpPr>
+        <p:cNvPr id="1" name=""/>
+        <p:cNvGrpSpPr/>
+        <p:nvPr/>
+      </p:nvGrpSpPr>
+      <p:grpSpPr>
+        <a:xfrm>
+          <a:off x="0" y="0"/>
+          <a:ext cx="0" cy="0"/>
+          <a:chOff x="0" y="0"/>
+          <a:chExt cx="0" cy="0"/>
+        </a:xfrm>
+      </p:grpSpPr>
+      <p:sp>
+        <p:nvSpPr>
+          <p:cNvPr id="2" name="Title 1"/>
+          <p:cNvSpPr>
+            <a:spLocks noGrp="1"/>
+          </p:cNvSpPr>
+          <p:nvPr>
+            <p:ph type="title"/>
+          </p:nvPr>
+        </p:nvSpPr>
+        <p:spPr/>
+        <p:txBody>
+          <a:bodyPr/>
+          <a:lstStyle/>
+          <a:p>
+            <a:r>
+              <a:rPr lang="en-US" dirty="0" smtClean="0"/>
+              <a:t>Previous Work</a:t>
+            </a:r>
+            <a:endParaRPr lang="en-US" dirty="0"/>
+          </a:p>
+        </p:txBody>
+      </p:sp>
+      <p:sp>
+        <p:nvSpPr>
+          <p:cNvPr id="3" name="Content Placeholder 2"/>
+          <p:cNvSpPr>
+            <a:spLocks noGrp="1"/>
+          </p:cNvSpPr>
+          <p:nvPr>
+            <p:ph idx="1"/>
+          </p:nvPr>
+        </p:nvSpPr>
+        <p:spPr/>
+        <p:txBody>
+          <a:bodyPr/>
+          <a:lstStyle/>
+          <a:p>
+            <a:pPr marL="0" indent="0">
+              <a:lnSpc>
+                <a:spcPct val="100000"/>
+              </a:lnSpc>
+              <a:spcBef>
+                <a:spcPts val="0"/>
+              </a:spcBef>
+              <a:buNone/>
+            </a:pPr>
+            <a:r>
+              <a:rPr lang="en-US" dirty="0"/>
+              <a:t>Saltzman and Roeder </a:t>
+            </a:r>
+            <a:r>
+              <a:rPr lang="en-US" dirty="0" smtClean="0"/>
+              <a:t>developed simulations to observe how changes to the business curriculum affected graduation rates.</a:t>
+            </a:r>
+          </a:p>
+          <a:p>
+            <a:pPr marL="0" indent="0">
+              <a:lnSpc>
+                <a:spcPct val="100000"/>
+              </a:lnSpc>
+              <a:spcBef>
+                <a:spcPts val="0"/>
+              </a:spcBef>
+              <a:buNone/>
+            </a:pPr>
+            <a:endParaRPr lang="en-US" dirty="0"/>
+          </a:p>
+          <a:p>
+            <a:pPr>
+              <a:lnSpc>
+                <a:spcPct val="100000"/>
+              </a:lnSpc>
+              <a:spcBef>
+                <a:spcPts val="0"/>
+              </a:spcBef>
+            </a:pPr>
+            <a:r>
+              <a:rPr lang="en-US" dirty="0" smtClean="0"/>
+              <a:t>Every semester an influx of students is added.</a:t>
+            </a:r>
+          </a:p>
+          <a:p>
+            <a:pPr>
+              <a:lnSpc>
+                <a:spcPct val="100000"/>
+              </a:lnSpc>
+              <a:spcBef>
+                <a:spcPts val="0"/>
+              </a:spcBef>
+            </a:pPr>
+            <a:r>
+              <a:rPr lang="en-US" dirty="0" smtClean="0"/>
+              <a:t>Students would enroll in classes based on historic course-demand data.</a:t>
+            </a:r>
+          </a:p>
+          <a:p>
+            <a:pPr>
+              <a:lnSpc>
+                <a:spcPct val="100000"/>
+              </a:lnSpc>
+              <a:spcBef>
+                <a:spcPts val="0"/>
+              </a:spcBef>
+            </a:pPr>
+            <a:r>
+              <a:rPr lang="en-US" dirty="0" smtClean="0"/>
+              <a:t>Students would be determined to pass/fail based on course </a:t>
+            </a:r>
+            <a:r>
+              <a:rPr lang="en-US" dirty="0" err="1" smtClean="0"/>
+              <a:t>passrates</a:t>
+            </a:r>
+            <a:r>
+              <a:rPr lang="en-US" dirty="0" smtClean="0"/>
+              <a:t>.</a:t>
+            </a:r>
+          </a:p>
+          <a:p>
+            <a:pPr>
+              <a:lnSpc>
+                <a:spcPct val="100000"/>
+              </a:lnSpc>
+              <a:spcBef>
+                <a:spcPts val="0"/>
+              </a:spcBef>
+            </a:pPr>
+            <a:endParaRPr lang="en-US" dirty="0" smtClean="0"/>
+          </a:p>
+          <a:p>
+            <a:pPr marL="0" marR="0" lvl="0" indent="0" defTabSz="914400" eaLnBrk="1" fontAlgn="auto" latinLnBrk="0" hangingPunct="1">
+              <a:lnSpc>
+                <a:spcPct val="100000"/>
+              </a:lnSpc>
+              <a:spcBef>
+                <a:spcPts val="0"/>
+              </a:spcBef>
+              <a:spcAft>
+                <a:spcPts val="0"/>
+              </a:spcAft>
+              <a:buClrTx/>
+              <a:buSzTx/>
+              <a:buFontTx/>
+              <a:buNone/>
+              <a:tabLst/>
+              <a:defRPr/>
+            </a:pPr>
+            <a:endParaRPr lang="en-US" dirty="0" smtClean="0"/>
+          </a:p>
+        </p:txBody>
+      </p:sp>
+    </p:spTree>
+    <p:extLst>
+      <p:ext uri="{BB962C8B-B14F-4D97-AF65-F5344CB8AC3E}">
+        <p14:creationId xmlns:p14="http://schemas.microsoft.com/office/powerpoint/2010/main" val="1277538453"/>
+      </p:ext>
+    </p:extLst>
+  </p:cSld>
+  <p:clrMapOvr>
+    <a:masterClrMapping/>
+  </p:clrMapOvr>
+  <p:timing>
+    <p:tnLst>
+      <p:par>
+        <p:cTn id="1" dur="indefinite" restart="never" nodeType="tmRoot"/>
+      </p:par>
+    </p:tnLst>
+  </p:timing>
+</p:sld>
+</file>
+
+<file path=ppt/slides/slide15.xml><?xml version="1.0" encoding="utf-8"?>
+<p:sld xmlns:a="http://schemas.openxmlformats.org/drawingml/2006/main" xmlns:r="http://schemas.openxmlformats.org/officeDocument/2006/relationships" xmlns:p="http://schemas.openxmlformats.org/presentationml/2006/main">
+  <p:cSld>
+    <p:spTree>
+      <p:nvGrpSpPr>
+        <p:cNvPr id="1" name=""/>
+        <p:cNvGrpSpPr/>
+        <p:nvPr/>
+      </p:nvGrpSpPr>
+      <p:grpSpPr>
+        <a:xfrm>
+          <a:off x="0" y="0"/>
+          <a:ext cx="0" cy="0"/>
+          <a:chOff x="0" y="0"/>
+          <a:chExt cx="0" cy="0"/>
+        </a:xfrm>
+      </p:grpSpPr>
+      <p:sp>
+        <p:nvSpPr>
+          <p:cNvPr id="2" name="Title 1"/>
+          <p:cNvSpPr>
+            <a:spLocks noGrp="1"/>
+          </p:cNvSpPr>
+          <p:nvPr>
+            <p:ph type="title"/>
+          </p:nvPr>
+        </p:nvSpPr>
+        <p:spPr/>
+        <p:txBody>
+          <a:bodyPr/>
+          <a:lstStyle/>
+          <a:p>
+            <a:r>
+              <a:rPr lang="en-US" dirty="0" smtClean="0"/>
+              <a:t>Previous Work</a:t>
+            </a:r>
+            <a:endParaRPr lang="en-US" dirty="0"/>
+          </a:p>
+        </p:txBody>
+      </p:sp>
+      <p:sp>
+        <p:nvSpPr>
+          <p:cNvPr id="3" name="Content Placeholder 2"/>
+          <p:cNvSpPr>
+            <a:spLocks noGrp="1"/>
+          </p:cNvSpPr>
+          <p:nvPr>
+            <p:ph idx="1"/>
+          </p:nvPr>
+        </p:nvSpPr>
+        <p:spPr/>
+        <p:txBody>
+          <a:bodyPr/>
+          <a:lstStyle/>
+          <a:p>
+            <a:pPr marL="0" indent="0">
+              <a:lnSpc>
+                <a:spcPct val="100000"/>
+              </a:lnSpc>
+              <a:spcBef>
+                <a:spcPts val="0"/>
+              </a:spcBef>
+              <a:buNone/>
+            </a:pPr>
+            <a:r>
+              <a:rPr lang="en-US" dirty="0" smtClean="0"/>
+              <a:t>Limitations of their model:</a:t>
+            </a:r>
+          </a:p>
+          <a:p>
+            <a:pPr>
+              <a:lnSpc>
+                <a:spcPct val="100000"/>
+              </a:lnSpc>
+              <a:spcBef>
+                <a:spcPts val="0"/>
+              </a:spcBef>
+            </a:pPr>
+            <a:r>
+              <a:rPr lang="en-US" dirty="0" smtClean="0"/>
+              <a:t>Implemented in expensive propriety software.</a:t>
+            </a:r>
+          </a:p>
+          <a:p>
+            <a:pPr>
+              <a:lnSpc>
+                <a:spcPct val="100000"/>
+              </a:lnSpc>
+              <a:spcBef>
+                <a:spcPts val="0"/>
+              </a:spcBef>
+            </a:pPr>
+            <a:r>
+              <a:rPr lang="en-US" dirty="0" smtClean="0"/>
+              <a:t>Designed only for the business curriculum.</a:t>
+            </a:r>
+          </a:p>
+          <a:p>
+            <a:pPr>
+              <a:lnSpc>
+                <a:spcPct val="100000"/>
+              </a:lnSpc>
+              <a:spcBef>
+                <a:spcPts val="0"/>
+              </a:spcBef>
+            </a:pPr>
+            <a:r>
+              <a:rPr lang="en-US" dirty="0" smtClean="0"/>
+              <a:t>Student performance was based solely on pass rates with no support for more sophisticated models.</a:t>
+            </a:r>
+          </a:p>
+          <a:p>
+            <a:pPr>
+              <a:lnSpc>
+                <a:spcPct val="100000"/>
+              </a:lnSpc>
+              <a:spcBef>
+                <a:spcPts val="0"/>
+              </a:spcBef>
+            </a:pPr>
+            <a:r>
+              <a:rPr lang="en-US" dirty="0" smtClean="0"/>
+              <a:t>Did not support grad assignments.</a:t>
+            </a:r>
+          </a:p>
+        </p:txBody>
+      </p:sp>
+    </p:spTree>
+    <p:extLst>
+      <p:ext uri="{BB962C8B-B14F-4D97-AF65-F5344CB8AC3E}">
+        <p14:creationId xmlns:p14="http://schemas.microsoft.com/office/powerpoint/2010/main" val="1998131728"/>
+      </p:ext>
+    </p:extLst>
+  </p:cSld>
+  <p:clrMapOvr>
+    <a:masterClrMapping/>
+  </p:clrMapOvr>
+  <p:timing>
+    <p:tnLst>
+      <p:par>
+        <p:cTn id="1" dur="indefinite" restart="never" nodeType="tmRoot"/>
+      </p:par>
+    </p:tnLst>
+  </p:timing>
+</p:sld>
+</file>
+
+<file path=ppt/slides/slide16.xml><?xml version="1.0" encoding="utf-8"?>
+<p:sld xmlns:a="http://schemas.openxmlformats.org/drawingml/2006/main" xmlns:r="http://schemas.openxmlformats.org/officeDocument/2006/relationships" xmlns:p="http://schemas.openxmlformats.org/presentationml/2006/main">
+  <p:cSld>
+    <p:spTree>
+      <p:nvGrpSpPr>
+        <p:cNvPr id="1" name=""/>
+        <p:cNvGrpSpPr/>
+        <p:nvPr/>
+      </p:nvGrpSpPr>
+      <p:grpSpPr>
+        <a:xfrm>
+          <a:off x="0" y="0"/>
+          <a:ext cx="0" cy="0"/>
+          <a:chOff x="0" y="0"/>
+          <a:chExt cx="0" cy="0"/>
+        </a:xfrm>
+      </p:grpSpPr>
+      <p:sp>
+        <p:nvSpPr>
+          <p:cNvPr id="2" name="Title 1"/>
+          <p:cNvSpPr>
+            <a:spLocks noGrp="1"/>
+          </p:cNvSpPr>
+          <p:nvPr>
+            <p:ph type="title"/>
+          </p:nvPr>
+        </p:nvSpPr>
+        <p:spPr/>
+        <p:txBody>
+          <a:bodyPr/>
+          <a:lstStyle/>
+          <a:p>
+            <a:r>
+              <a:rPr lang="en-US" dirty="0" smtClean="0"/>
+              <a:t>Library Design &amp; Implementation</a:t>
+            </a:r>
+            <a:endParaRPr lang="en-US" dirty="0"/>
+          </a:p>
+        </p:txBody>
+      </p:sp>
+      <p:sp>
+        <p:nvSpPr>
+          <p:cNvPr id="3" name="Text Placeholder 2"/>
+          <p:cNvSpPr>
+            <a:spLocks noGrp="1"/>
+          </p:cNvSpPr>
+          <p:nvPr>
+            <p:ph type="body" idx="1"/>
+          </p:nvPr>
+        </p:nvSpPr>
+        <p:spPr/>
+        <p:txBody>
+          <a:bodyPr/>
+          <a:lstStyle/>
+          <a:p>
+            <a:endParaRPr lang="en-US"/>
+          </a:p>
+        </p:txBody>
+      </p:sp>
+    </p:spTree>
+    <p:extLst>
+      <p:ext uri="{BB962C8B-B14F-4D97-AF65-F5344CB8AC3E}">
+        <p14:creationId xmlns:p14="http://schemas.microsoft.com/office/powerpoint/2010/main" val="925526082"/>
+      </p:ext>
+    </p:extLst>
+  </p:cSld>
+  <p:clrMapOvr>
+    <a:masterClrMapping/>
+  </p:clrMapOvr>
+  <p:timing>
+    <p:tnLst>
+      <p:par>
+        <p:cTn id="1" dur="indefinite" restart="never" nodeType="tmRoot"/>
+      </p:par>
+    </p:tnLst>
+  </p:timing>
+</p:sld>
+</file>
+
+<file path=ppt/slides/slide17.xml><?xml version="1.0" encoding="utf-8"?>
+<p:sld xmlns:a="http://schemas.openxmlformats.org/drawingml/2006/main" xmlns:r="http://schemas.openxmlformats.org/officeDocument/2006/relationships" xmlns:p="http://schemas.openxmlformats.org/presentationml/2006/main">
+  <p:cSld>
+    <p:spTree>
+      <p:nvGrpSpPr>
+        <p:cNvPr id="1" name=""/>
+        <p:cNvGrpSpPr/>
+        <p:nvPr/>
+      </p:nvGrpSpPr>
+      <p:grpSpPr>
+        <a:xfrm>
+          <a:off x="0" y="0"/>
+          <a:ext cx="0" cy="0"/>
+          <a:chOff x="0" y="0"/>
+          <a:chExt cx="0" cy="0"/>
+        </a:xfrm>
+      </p:grpSpPr>
+      <p:sp>
+        <p:nvSpPr>
+          <p:cNvPr id="2" name="Title 1"/>
+          <p:cNvSpPr>
+            <a:spLocks noGrp="1"/>
+          </p:cNvSpPr>
+          <p:nvPr>
+            <p:ph type="title"/>
+          </p:nvPr>
+        </p:nvSpPr>
+        <p:spPr/>
+        <p:txBody>
+          <a:bodyPr/>
+          <a:lstStyle/>
+          <a:p>
+            <a:r>
+              <a:rPr lang="en-US" dirty="0" smtClean="0"/>
+              <a:t>Library Design &amp; Implementation</a:t>
+            </a:r>
+            <a:endParaRPr lang="en-US" dirty="0"/>
+          </a:p>
+        </p:txBody>
+      </p:sp>
+      <p:sp>
+        <p:nvSpPr>
+          <p:cNvPr id="3" name="Content Placeholder 2"/>
+          <p:cNvSpPr>
+            <a:spLocks noGrp="1"/>
+          </p:cNvSpPr>
+          <p:nvPr>
+            <p:ph idx="1"/>
+          </p:nvPr>
+        </p:nvSpPr>
+        <p:spPr/>
+        <p:txBody>
+          <a:bodyPr>
+            <a:normAutofit fontScale="85000" lnSpcReduction="20000"/>
+          </a:bodyPr>
+          <a:lstStyle/>
+          <a:p>
+            <a:pPr marL="0" indent="0">
+              <a:buNone/>
+            </a:pPr>
+            <a:r>
+              <a:rPr lang="en-US" dirty="0" smtClean="0"/>
+              <a:t>CASL is developed as a free, open-source Julia module.</a:t>
+            </a:r>
+          </a:p>
+          <a:p>
+            <a:pPr marL="0" indent="0">
+              <a:buNone/>
+            </a:pPr>
+            <a:endParaRPr lang="en-US" dirty="0"/>
+          </a:p>
+          <a:p>
+            <a:pPr marL="0" indent="0">
+              <a:buNone/>
+            </a:pPr>
+            <a:r>
+              <a:rPr lang="en-US" dirty="0" smtClean="0"/>
+              <a:t>Julia is a free, open-source computational language designed for scientific computing as well as general-purpose use.</a:t>
+            </a:r>
+          </a:p>
+          <a:p>
+            <a:pPr marL="0" indent="0">
+              <a:buNone/>
+            </a:pPr>
+            <a:endParaRPr lang="en-US" dirty="0"/>
+          </a:p>
+          <a:p>
+            <a:pPr marL="0" indent="0">
+              <a:buNone/>
+            </a:pPr>
+            <a:r>
+              <a:rPr lang="en-US" dirty="0" smtClean="0"/>
+              <a:t>Reasons for using Julia:</a:t>
+            </a:r>
+          </a:p>
+          <a:p>
+            <a:r>
+              <a:rPr lang="en-US" dirty="0" smtClean="0"/>
+              <a:t>Performance </a:t>
+            </a:r>
+            <a:r>
+              <a:rPr lang="mr-IN" dirty="0" smtClean="0"/>
+              <a:t>–</a:t>
+            </a:r>
+            <a:r>
+              <a:rPr lang="en-US" dirty="0" smtClean="0"/>
+              <a:t> close to C with </a:t>
+            </a:r>
+            <a:r>
+              <a:rPr lang="en-US" dirty="0"/>
+              <a:t>parallelism </a:t>
+            </a:r>
+            <a:r>
+              <a:rPr lang="en-US" dirty="0" smtClean="0"/>
+              <a:t>support</a:t>
+            </a:r>
+          </a:p>
+          <a:p>
+            <a:r>
+              <a:rPr lang="en-US" dirty="0" smtClean="0"/>
+              <a:t>Better scripting capabilities than other languages such as MATLAB</a:t>
+            </a:r>
+          </a:p>
+          <a:p>
+            <a:r>
+              <a:rPr lang="en-US" dirty="0" smtClean="0"/>
+              <a:t>Support for handling various data formats such as CSV and JSON</a:t>
+            </a:r>
+          </a:p>
+          <a:p>
+            <a:r>
+              <a:rPr lang="en-US" dirty="0" smtClean="0"/>
+              <a:t>Type system</a:t>
+            </a:r>
+          </a:p>
+          <a:p>
+            <a:r>
+              <a:rPr lang="en-US" dirty="0" smtClean="0"/>
+              <a:t>Great package system with a wide selection of machine-learning and statistical analysis libraries.</a:t>
+            </a:r>
+          </a:p>
+          <a:p>
+            <a:pPr marL="0" indent="0">
+              <a:buNone/>
+            </a:pPr>
+            <a:endParaRPr lang="en-US" dirty="0" smtClean="0"/>
+          </a:p>
+        </p:txBody>
+      </p:sp>
+    </p:spTree>
+    <p:extLst>
+      <p:ext uri="{BB962C8B-B14F-4D97-AF65-F5344CB8AC3E}">
+        <p14:creationId xmlns:p14="http://schemas.microsoft.com/office/powerpoint/2010/main" val="91673614"/>
+      </p:ext>
+    </p:extLst>
+  </p:cSld>
+  <p:clrMapOvr>
+    <a:masterClrMapping/>
+  </p:clrMapOvr>
+  <p:timing>
+    <p:tnLst>
+      <p:par>
+        <p:cTn id="1" dur="indefinite" restart="never" nodeType="tmRoot"/>
+      </p:par>
+    </p:tnLst>
+  </p:timing>
+</p:sld>
+</file>
+
+<file path=ppt/slides/slide18.xml><?xml version="1.0" encoding="utf-8"?>
+<p:sld xmlns:a="http://schemas.openxmlformats.org/drawingml/2006/main" xmlns:r="http://schemas.openxmlformats.org/officeDocument/2006/relationships" xmlns:p="http://schemas.openxmlformats.org/presentationml/2006/main">
+  <p:cSld>
+    <p:spTree>
+      <p:nvGrpSpPr>
+        <p:cNvPr id="1" name=""/>
+        <p:cNvGrpSpPr/>
+        <p:nvPr/>
+      </p:nvGrpSpPr>
+      <p:grpSpPr>
+        <a:xfrm>
+          <a:off x="0" y="0"/>
+          <a:ext cx="0" cy="0"/>
+          <a:chOff x="0" y="0"/>
+          <a:chExt cx="0" cy="0"/>
+        </a:xfrm>
+      </p:grpSpPr>
+      <p:sp>
+        <p:nvSpPr>
+          <p:cNvPr id="2" name="Title 1"/>
+          <p:cNvSpPr>
+            <a:spLocks noGrp="1"/>
+          </p:cNvSpPr>
+          <p:nvPr>
+            <p:ph type="title"/>
+          </p:nvPr>
+        </p:nvSpPr>
+        <p:spPr/>
+        <p:txBody>
+          <a:bodyPr/>
+          <a:lstStyle/>
+          <a:p>
+            <a:r>
+              <a:rPr lang="en-US" dirty="0" smtClean="0"/>
+              <a:t>Library Design &amp; Implementation</a:t>
+            </a:r>
+            <a:endParaRPr lang="en-US" dirty="0"/>
+          </a:p>
+        </p:txBody>
+      </p:sp>
+      <p:sp>
+        <p:nvSpPr>
+          <p:cNvPr id="3" name="Content Placeholder 2"/>
+          <p:cNvSpPr>
+            <a:spLocks noGrp="1"/>
+          </p:cNvSpPr>
+          <p:nvPr>
+            <p:ph idx="1"/>
+          </p:nvPr>
+        </p:nvSpPr>
+        <p:spPr/>
+        <p:txBody>
+          <a:bodyPr/>
+          <a:lstStyle/>
+          <a:p>
+            <a:r>
+              <a:rPr lang="en-US" dirty="0" smtClean="0"/>
+              <a:t>CASL is comprised of three main components:</a:t>
+            </a:r>
+          </a:p>
+          <a:p>
+            <a:pPr lvl="1"/>
+            <a:r>
+              <a:rPr lang="en-US" dirty="0" smtClean="0"/>
+              <a:t>Curricula-related data types:</a:t>
+            </a:r>
+          </a:p>
+          <a:p>
+            <a:pPr lvl="2"/>
+            <a:r>
+              <a:rPr lang="en-US" dirty="0" smtClean="0"/>
+              <a:t>Courses</a:t>
+            </a:r>
+          </a:p>
+          <a:p>
+            <a:pPr lvl="2"/>
+            <a:r>
+              <a:rPr lang="en-US" dirty="0" smtClean="0"/>
+              <a:t>Terms</a:t>
+            </a:r>
+          </a:p>
+          <a:p>
+            <a:pPr lvl="2"/>
+            <a:r>
+              <a:rPr lang="en-US" dirty="0" smtClean="0"/>
+              <a:t>Curricula</a:t>
+            </a:r>
+          </a:p>
+          <a:p>
+            <a:pPr lvl="2"/>
+            <a:r>
+              <a:rPr lang="en-US" dirty="0" smtClean="0"/>
+              <a:t>Students</a:t>
+            </a:r>
+          </a:p>
+          <a:p>
+            <a:pPr lvl="2"/>
+            <a:r>
+              <a:rPr lang="en-US" dirty="0" smtClean="0"/>
+              <a:t>Simulations</a:t>
+            </a:r>
+          </a:p>
+          <a:p>
+            <a:pPr lvl="1"/>
+            <a:endParaRPr lang="en-US" dirty="0" smtClean="0"/>
+          </a:p>
+          <a:p>
+            <a:pPr lvl="1"/>
+            <a:r>
+              <a:rPr lang="en-US" dirty="0" smtClean="0"/>
+              <a:t>Course performance predictions modules</a:t>
+            </a:r>
+          </a:p>
+          <a:p>
+            <a:pPr lvl="1"/>
+            <a:endParaRPr lang="en-US" dirty="0" smtClean="0"/>
+          </a:p>
+          <a:p>
+            <a:pPr lvl="1"/>
+            <a:r>
+              <a:rPr lang="en-US" dirty="0" smtClean="0"/>
+              <a:t>Simulation method</a:t>
+            </a:r>
+          </a:p>
+          <a:p>
+            <a:pPr marL="914400" lvl="1" indent="-457200">
+              <a:buFont typeface="+mj-lt"/>
+              <a:buAutoNum type="arabicPeriod"/>
+            </a:pPr>
+            <a:endParaRPr lang="en-US" dirty="0"/>
+          </a:p>
+        </p:txBody>
+      </p:sp>
+    </p:spTree>
+    <p:extLst>
+      <p:ext uri="{BB962C8B-B14F-4D97-AF65-F5344CB8AC3E}">
+        <p14:creationId xmlns:p14="http://schemas.microsoft.com/office/powerpoint/2010/main" val="81291498"/>
+      </p:ext>
+    </p:extLst>
+  </p:cSld>
+  <p:clrMapOvr>
+    <a:masterClrMapping/>
+  </p:clrMapOvr>
+  <p:timing>
+    <p:tnLst>
+      <p:par>
+        <p:cTn id="1" dur="indefinite" restart="never" nodeType="tmRoot"/>
+      </p:par>
+    </p:tnLst>
+  </p:timing>
+</p:sld>
+</file>
+
+<file path=ppt/slides/slide19.xml><?xml version="1.0" encoding="utf-8"?>
+<p:sld xmlns:a="http://schemas.openxmlformats.org/drawingml/2006/main" xmlns:r="http://schemas.openxmlformats.org/officeDocument/2006/relationships" xmlns:p="http://schemas.openxmlformats.org/presentationml/2006/main">
+  <p:cSld>
+    <p:spTree>
+      <p:nvGrpSpPr>
+        <p:cNvPr id="1" name=""/>
+        <p:cNvGrpSpPr/>
+        <p:nvPr/>
+      </p:nvGrpSpPr>
+      <p:grpSpPr>
+        <a:xfrm>
+          <a:off x="0" y="0"/>
+          <a:ext cx="0" cy="0"/>
+          <a:chOff x="0" y="0"/>
+          <a:chExt cx="0" cy="0"/>
+        </a:xfrm>
+      </p:grpSpPr>
+      <p:sp>
+        <p:nvSpPr>
+          <p:cNvPr id="2" name="Title 1"/>
+          <p:cNvSpPr>
+            <a:spLocks noGrp="1"/>
+          </p:cNvSpPr>
+          <p:nvPr>
+            <p:ph type="title"/>
+          </p:nvPr>
+        </p:nvSpPr>
+        <p:spPr/>
+        <p:txBody>
+          <a:bodyPr/>
+          <a:lstStyle/>
+          <a:p>
+            <a:r>
+              <a:rPr lang="en-US" dirty="0" smtClean="0"/>
+              <a:t>Library Design &amp; Implementation</a:t>
+            </a:r>
+            <a:endParaRPr lang="en-US" dirty="0"/>
+          </a:p>
+        </p:txBody>
+      </p:sp>
+      <p:pic>
+        <p:nvPicPr>
+          <p:cNvPr id="4" name="Content Placeholder 3"/>
+          <p:cNvPicPr>
+            <a:picLocks noGrp="1" noChangeAspect="1"/>
+          </p:cNvPicPr>
+          <p:nvPr>
+            <p:ph idx="1"/>
+          </p:nvPr>
+        </p:nvPicPr>
+        <p:blipFill>
+          <a:blip r:embed="rId2">
+            <a:extLst>
+              <a:ext uri="{28A0092B-C50C-407E-A947-70E740481C1C}">
+                <a14:useLocalDpi xmlns:a14="http://schemas.microsoft.com/office/drawing/2010/main" val="0"/>
+              </a:ext>
+            </a:extLst>
+          </a:blip>
+          <a:stretch>
+            <a:fillRect/>
+          </a:stretch>
+        </p:blipFill>
+        <p:spPr>
+          <a:xfrm>
+            <a:off x="1280160" y="1834166"/>
+            <a:ext cx="9631680" cy="4334256"/>
+          </a:xfrm>
+        </p:spPr>
+      </p:pic>
+    </p:spTree>
+    <p:extLst>
+      <p:ext uri="{BB962C8B-B14F-4D97-AF65-F5344CB8AC3E}">
+        <p14:creationId xmlns:p14="http://schemas.microsoft.com/office/powerpoint/2010/main" val="1317056825"/>
       </p:ext>
     </p:extLst>
   </p:cSld>
@@ -4396,25 +6077,34 @@
           <a:p>
             <a:r>
               <a:rPr lang="en-US" dirty="0" smtClean="0"/>
-              <a:t>Library Implementation Overview</a:t>
-            </a:r>
-          </a:p>
-          <a:p>
-            <a:r>
-              <a:rPr lang="en-US" dirty="0" smtClean="0"/>
-              <a:t>Simulation Overview</a:t>
-            </a:r>
-          </a:p>
-          <a:p>
-            <a:r>
-              <a:rPr lang="en-US" dirty="0" smtClean="0"/>
-              <a:t>Results &amp; Analytics</a:t>
-            </a:r>
-          </a:p>
-          <a:p>
-            <a:r>
-              <a:rPr lang="en-US" dirty="0" smtClean="0"/>
-              <a:t>Future Work</a:t>
+              <a:t>Library </a:t>
+            </a:r>
+            <a:r>
+              <a:rPr lang="en-US" dirty="0" smtClean="0"/>
+              <a:t>Design &amp; Implementation</a:t>
+            </a:r>
+          </a:p>
+          <a:p>
+            <a:r>
+              <a:rPr lang="en-US" dirty="0" smtClean="0"/>
+              <a:t>Simulation Details</a:t>
+            </a:r>
+            <a:endParaRPr lang="en-US" dirty="0" smtClean="0"/>
+          </a:p>
+          <a:p>
+            <a:r>
+              <a:rPr lang="en-US" dirty="0" smtClean="0"/>
+              <a:t>Applications in Curricular Analytics</a:t>
+            </a:r>
+          </a:p>
+          <a:p>
+            <a:r>
+              <a:rPr lang="en-US" dirty="0" smtClean="0"/>
+              <a:t>Future </a:t>
+            </a:r>
+            <a:r>
+              <a:rPr lang="en-US" dirty="0" smtClean="0"/>
+              <a:t>Work</a:t>
             </a:r>
             <a:endParaRPr lang="en-US" dirty="0"/>
           </a:p>
@@ -4424,6 +6114,1940 @@
     <p:extLst>
       <p:ext uri="{BB962C8B-B14F-4D97-AF65-F5344CB8AC3E}">
         <p14:creationId xmlns:p14="http://schemas.microsoft.com/office/powerpoint/2010/main" val="2092565011"/>
+      </p:ext>
+    </p:extLst>
+  </p:cSld>
+  <p:clrMapOvr>
+    <a:masterClrMapping/>
+  </p:clrMapOvr>
+  <p:timing>
+    <p:tnLst>
+      <p:par>
+        <p:cTn id="1" dur="indefinite" restart="never" nodeType="tmRoot"/>
+      </p:par>
+    </p:tnLst>
+  </p:timing>
+</p:sld>
+</file>
+
+<file path=ppt/slides/slide20.xml><?xml version="1.0" encoding="utf-8"?>
+<p:sld xmlns:a="http://schemas.openxmlformats.org/drawingml/2006/main" xmlns:r="http://schemas.openxmlformats.org/officeDocument/2006/relationships" xmlns:p="http://schemas.openxmlformats.org/presentationml/2006/main">
+  <p:cSld>
+    <p:spTree>
+      <p:nvGrpSpPr>
+        <p:cNvPr id="1" name=""/>
+        <p:cNvGrpSpPr/>
+        <p:nvPr/>
+      </p:nvGrpSpPr>
+      <p:grpSpPr>
+        <a:xfrm>
+          <a:off x="0" y="0"/>
+          <a:ext cx="0" cy="0"/>
+          <a:chOff x="0" y="0"/>
+          <a:chExt cx="0" cy="0"/>
+        </a:xfrm>
+      </p:grpSpPr>
+      <p:sp>
+        <p:nvSpPr>
+          <p:cNvPr id="2" name="Title 1"/>
+          <p:cNvSpPr>
+            <a:spLocks noGrp="1"/>
+          </p:cNvSpPr>
+          <p:nvPr>
+            <p:ph type="title"/>
+          </p:nvPr>
+        </p:nvSpPr>
+        <p:spPr/>
+        <p:txBody>
+          <a:bodyPr/>
+          <a:lstStyle/>
+          <a:p>
+            <a:r>
+              <a:rPr lang="en-US" dirty="0" smtClean="0"/>
+              <a:t>Library Design &amp; Implementation</a:t>
+            </a:r>
+            <a:endParaRPr lang="en-US" dirty="0"/>
+          </a:p>
+        </p:txBody>
+      </p:sp>
+      <p:sp>
+        <p:nvSpPr>
+          <p:cNvPr id="3" name="Content Placeholder 2"/>
+          <p:cNvSpPr>
+            <a:spLocks noGrp="1"/>
+          </p:cNvSpPr>
+          <p:nvPr>
+            <p:ph idx="1"/>
+          </p:nvPr>
+        </p:nvSpPr>
+        <p:spPr/>
+        <p:txBody>
+          <a:bodyPr>
+            <a:normAutofit lnSpcReduction="10000"/>
+          </a:bodyPr>
+          <a:lstStyle/>
+          <a:p>
+            <a:pPr marL="0" indent="0">
+              <a:buNone/>
+            </a:pPr>
+            <a:r>
+              <a:rPr lang="en-US" b="1" dirty="0" smtClean="0"/>
+              <a:t>Custom Data Types</a:t>
+            </a:r>
+            <a:r>
+              <a:rPr lang="en-US" i="1" dirty="0" smtClean="0"/>
+              <a:t>, </a:t>
+            </a:r>
+            <a:r>
+              <a:rPr lang="en-US" dirty="0" smtClean="0"/>
+              <a:t>while note true objects, are entities similar to structures in C in that they encapsulate a set of attributes.</a:t>
+            </a:r>
+            <a:endParaRPr lang="en-US" b="1" dirty="0" smtClean="0"/>
+          </a:p>
+          <a:p>
+            <a:pPr marL="0" indent="0">
+              <a:buNone/>
+            </a:pPr>
+            <a:endParaRPr lang="en-US" dirty="0"/>
+          </a:p>
+          <a:p>
+            <a:pPr marL="0" indent="0">
+              <a:buNone/>
+            </a:pPr>
+            <a:r>
+              <a:rPr lang="en-US" b="1" dirty="0" smtClean="0"/>
+              <a:t>Course </a:t>
+            </a:r>
+            <a:r>
+              <a:rPr lang="mr-IN" b="1" dirty="0" smtClean="0"/>
+              <a:t>–</a:t>
+            </a:r>
+            <a:r>
+              <a:rPr lang="en-US" b="1" dirty="0" smtClean="0"/>
+              <a:t> </a:t>
+            </a:r>
+            <a:r>
+              <a:rPr lang="en-US" dirty="0" smtClean="0"/>
+              <a:t>credit hours, </a:t>
+            </a:r>
+            <a:r>
+              <a:rPr lang="en-US" dirty="0" err="1" smtClean="0"/>
+              <a:t>prereqs</a:t>
+            </a:r>
+            <a:r>
+              <a:rPr lang="en-US" dirty="0" smtClean="0"/>
+              <a:t>, </a:t>
+            </a:r>
+            <a:r>
+              <a:rPr lang="en-US" dirty="0" err="1" smtClean="0"/>
+              <a:t>coreqs</a:t>
+            </a:r>
+            <a:r>
+              <a:rPr lang="en-US" dirty="0" smtClean="0"/>
+              <a:t>, </a:t>
+            </a:r>
+            <a:r>
+              <a:rPr lang="en-US" dirty="0" err="1" smtClean="0"/>
+              <a:t>passrate</a:t>
+            </a:r>
+            <a:r>
+              <a:rPr lang="en-US" dirty="0" smtClean="0"/>
+              <a:t>, complexity measures, simulation statistics, etc.</a:t>
+            </a:r>
+            <a:endParaRPr lang="en-US" b="1" dirty="0" smtClean="0"/>
+          </a:p>
+          <a:p>
+            <a:pPr marL="0" indent="0">
+              <a:buNone/>
+            </a:pPr>
+            <a:r>
+              <a:rPr lang="en-US" b="1" dirty="0" smtClean="0"/>
+              <a:t>Term </a:t>
+            </a:r>
+            <a:r>
+              <a:rPr lang="mr-IN" b="1" dirty="0" smtClean="0"/>
+              <a:t>–</a:t>
+            </a:r>
+            <a:r>
+              <a:rPr lang="en-US" b="1" dirty="0" smtClean="0"/>
+              <a:t> </a:t>
+            </a:r>
+            <a:r>
+              <a:rPr lang="en-US" dirty="0" smtClean="0"/>
+              <a:t>a set of courses, simulation statistics, etc.</a:t>
+            </a:r>
+            <a:endParaRPr lang="en-US" b="1" dirty="0" smtClean="0"/>
+          </a:p>
+          <a:p>
+            <a:pPr marL="0" indent="0">
+              <a:buNone/>
+            </a:pPr>
+            <a:r>
+              <a:rPr lang="en-US" b="1" dirty="0" smtClean="0"/>
+              <a:t>Curriculum </a:t>
+            </a:r>
+            <a:r>
+              <a:rPr lang="mr-IN" b="1" dirty="0" smtClean="0"/>
+              <a:t>–</a:t>
+            </a:r>
+            <a:r>
+              <a:rPr lang="en-US" b="1" dirty="0" smtClean="0"/>
+              <a:t> </a:t>
+            </a:r>
+            <a:r>
+              <a:rPr lang="en-US" dirty="0" smtClean="0"/>
+              <a:t>set of terms, credit hours, complexity measures, etc.</a:t>
+            </a:r>
+          </a:p>
+          <a:p>
+            <a:pPr marL="0" indent="0">
+              <a:buNone/>
+            </a:pPr>
+            <a:r>
+              <a:rPr lang="en-US" b="1" dirty="0" smtClean="0"/>
+              <a:t>Students </a:t>
+            </a:r>
+            <a:r>
+              <a:rPr lang="mr-IN" b="1" dirty="0" smtClean="0"/>
+              <a:t>–</a:t>
+            </a:r>
+            <a:r>
+              <a:rPr lang="en-US" dirty="0" smtClean="0"/>
+              <a:t> attempted credit hours, status, user-defined characteristics (ACT), received grades, GPA, etc.</a:t>
+            </a:r>
+          </a:p>
+          <a:p>
+            <a:pPr marL="0" indent="0">
+              <a:buNone/>
+            </a:pPr>
+            <a:r>
+              <a:rPr lang="en-US" b="1" dirty="0" smtClean="0"/>
+              <a:t>Simulation </a:t>
+            </a:r>
+            <a:r>
+              <a:rPr lang="mr-IN" b="1" dirty="0" smtClean="0"/>
+              <a:t>–</a:t>
+            </a:r>
+            <a:r>
+              <a:rPr lang="en-US" dirty="0" smtClean="0"/>
+              <a:t> simulation results and statistics.</a:t>
+            </a:r>
+            <a:endParaRPr lang="en-US" b="1" dirty="0" smtClean="0"/>
+          </a:p>
+        </p:txBody>
+      </p:sp>
+    </p:spTree>
+    <p:extLst>
+      <p:ext uri="{BB962C8B-B14F-4D97-AF65-F5344CB8AC3E}">
+        <p14:creationId xmlns:p14="http://schemas.microsoft.com/office/powerpoint/2010/main" val="654070923"/>
+      </p:ext>
+    </p:extLst>
+  </p:cSld>
+  <p:clrMapOvr>
+    <a:masterClrMapping/>
+  </p:clrMapOvr>
+  <p:timing>
+    <p:tnLst>
+      <p:par>
+        <p:cTn id="1" dur="indefinite" restart="never" nodeType="tmRoot"/>
+      </p:par>
+    </p:tnLst>
+  </p:timing>
+</p:sld>
+</file>
+
+<file path=ppt/slides/slide21.xml><?xml version="1.0" encoding="utf-8"?>
+<p:sld xmlns:a="http://schemas.openxmlformats.org/drawingml/2006/main" xmlns:r="http://schemas.openxmlformats.org/officeDocument/2006/relationships" xmlns:p="http://schemas.openxmlformats.org/presentationml/2006/main">
+  <p:cSld>
+    <p:spTree>
+      <p:nvGrpSpPr>
+        <p:cNvPr id="1" name=""/>
+        <p:cNvGrpSpPr/>
+        <p:nvPr/>
+      </p:nvGrpSpPr>
+      <p:grpSpPr>
+        <a:xfrm>
+          <a:off x="0" y="0"/>
+          <a:ext cx="0" cy="0"/>
+          <a:chOff x="0" y="0"/>
+          <a:chExt cx="0" cy="0"/>
+        </a:xfrm>
+      </p:grpSpPr>
+      <p:sp>
+        <p:nvSpPr>
+          <p:cNvPr id="2" name="Title 1"/>
+          <p:cNvSpPr>
+            <a:spLocks noGrp="1"/>
+          </p:cNvSpPr>
+          <p:nvPr>
+            <p:ph type="title"/>
+          </p:nvPr>
+        </p:nvSpPr>
+        <p:spPr/>
+        <p:txBody>
+          <a:bodyPr/>
+          <a:lstStyle/>
+          <a:p>
+            <a:r>
+              <a:rPr lang="en-US" dirty="0" smtClean="0"/>
+              <a:t>Library Design &amp; Implementation</a:t>
+            </a:r>
+            <a:endParaRPr lang="en-US" dirty="0"/>
+          </a:p>
+        </p:txBody>
+      </p:sp>
+      <p:sp>
+        <p:nvSpPr>
+          <p:cNvPr id="3" name="Content Placeholder 2"/>
+          <p:cNvSpPr>
+            <a:spLocks noGrp="1"/>
+          </p:cNvSpPr>
+          <p:nvPr>
+            <p:ph idx="1"/>
+          </p:nvPr>
+        </p:nvSpPr>
+        <p:spPr/>
+        <p:txBody>
+          <a:bodyPr>
+            <a:normAutofit/>
+          </a:bodyPr>
+          <a:lstStyle/>
+          <a:p>
+            <a:pPr marL="0" indent="0">
+              <a:buNone/>
+            </a:pPr>
+            <a:r>
+              <a:rPr lang="en-US" b="1" dirty="0" smtClean="0"/>
+              <a:t>Performance Models</a:t>
+            </a:r>
+            <a:r>
+              <a:rPr lang="en-US" dirty="0" smtClean="0"/>
+              <a:t> are </a:t>
+            </a:r>
+            <a:r>
+              <a:rPr lang="en-US" dirty="0"/>
+              <a:t>J</a:t>
+            </a:r>
+            <a:r>
+              <a:rPr lang="en-US" dirty="0" smtClean="0"/>
+              <a:t>ulia modules that are used in simulations to determine how student’s perform in their courses. This gives users flexibility in designing their own simulations.</a:t>
+            </a:r>
+          </a:p>
+          <a:p>
+            <a:r>
+              <a:rPr lang="en-US" i="1" dirty="0" smtClean="0"/>
+              <a:t>train(curriculum) </a:t>
+            </a:r>
+            <a:r>
+              <a:rPr lang="mr-IN" i="1" dirty="0" smtClean="0"/>
+              <a:t>–</a:t>
+            </a:r>
+            <a:r>
+              <a:rPr lang="en-US" i="1" dirty="0" smtClean="0"/>
+              <a:t> </a:t>
+            </a:r>
+            <a:r>
+              <a:rPr lang="en-US" dirty="0" smtClean="0"/>
+              <a:t>called before the simulation and is used to train any models to predict grades for each course. </a:t>
+            </a:r>
+          </a:p>
+          <a:p>
+            <a:r>
+              <a:rPr lang="en-US" i="1" dirty="0" err="1" smtClean="0"/>
+              <a:t>predict_grade</a:t>
+            </a:r>
+            <a:r>
+              <a:rPr lang="en-US" i="1" dirty="0" smtClean="0"/>
+              <a:t>(course, student) </a:t>
+            </a:r>
+            <a:r>
+              <a:rPr lang="mr-IN" i="1" dirty="0" smtClean="0"/>
+              <a:t>–</a:t>
+            </a:r>
+            <a:r>
+              <a:rPr lang="en-US" i="1" dirty="0" smtClean="0"/>
+              <a:t> </a:t>
+            </a:r>
+            <a:r>
+              <a:rPr lang="en-US" dirty="0" smtClean="0"/>
+              <a:t>predicts the received grade for a student in the enrolled course using trained models.</a:t>
+            </a:r>
+          </a:p>
+          <a:p>
+            <a:r>
+              <a:rPr lang="en-US" i="1" dirty="0" err="1" smtClean="0"/>
+              <a:t>predict_stopout</a:t>
+            </a:r>
+            <a:r>
+              <a:rPr lang="en-US" i="1" dirty="0" smtClean="0"/>
+              <a:t>(student, </a:t>
+            </a:r>
+            <a:r>
+              <a:rPr lang="en-US" i="1" dirty="0" err="1" smtClean="0"/>
+              <a:t>current_term</a:t>
+            </a:r>
+            <a:r>
+              <a:rPr lang="en-US" i="1" dirty="0" smtClean="0"/>
+              <a:t>, model) </a:t>
+            </a:r>
+            <a:r>
+              <a:rPr lang="mr-IN" i="1" dirty="0" smtClean="0"/>
+              <a:t>–</a:t>
+            </a:r>
+            <a:r>
+              <a:rPr lang="en-US" i="1" dirty="0" smtClean="0"/>
+              <a:t> predicts whether the student will drop out at the end of each term.</a:t>
+            </a:r>
+          </a:p>
+          <a:p>
+            <a:pPr marL="0" indent="0">
+              <a:buNone/>
+            </a:pPr>
+            <a:endParaRPr lang="en-US" i="1" dirty="0"/>
+          </a:p>
+        </p:txBody>
+      </p:sp>
+    </p:spTree>
+    <p:extLst>
+      <p:ext uri="{BB962C8B-B14F-4D97-AF65-F5344CB8AC3E}">
+        <p14:creationId xmlns:p14="http://schemas.microsoft.com/office/powerpoint/2010/main" val="2081214822"/>
+      </p:ext>
+    </p:extLst>
+  </p:cSld>
+  <p:clrMapOvr>
+    <a:masterClrMapping/>
+  </p:clrMapOvr>
+  <p:timing>
+    <p:tnLst>
+      <p:par>
+        <p:cTn id="1" dur="indefinite" restart="never" nodeType="tmRoot"/>
+      </p:par>
+    </p:tnLst>
+  </p:timing>
+</p:sld>
+</file>
+
+<file path=ppt/slides/slide22.xml><?xml version="1.0" encoding="utf-8"?>
+<p:sld xmlns:a="http://schemas.openxmlformats.org/drawingml/2006/main" xmlns:r="http://schemas.openxmlformats.org/officeDocument/2006/relationships" xmlns:p="http://schemas.openxmlformats.org/presentationml/2006/main">
+  <p:cSld>
+    <p:spTree>
+      <p:nvGrpSpPr>
+        <p:cNvPr id="1" name=""/>
+        <p:cNvGrpSpPr/>
+        <p:nvPr/>
+      </p:nvGrpSpPr>
+      <p:grpSpPr>
+        <a:xfrm>
+          <a:off x="0" y="0"/>
+          <a:ext cx="0" cy="0"/>
+          <a:chOff x="0" y="0"/>
+          <a:chExt cx="0" cy="0"/>
+        </a:xfrm>
+      </p:grpSpPr>
+      <p:sp>
+        <p:nvSpPr>
+          <p:cNvPr id="2" name="Title 1"/>
+          <p:cNvSpPr>
+            <a:spLocks noGrp="1"/>
+          </p:cNvSpPr>
+          <p:nvPr>
+            <p:ph type="title"/>
+          </p:nvPr>
+        </p:nvSpPr>
+        <p:spPr/>
+        <p:txBody>
+          <a:bodyPr/>
+          <a:lstStyle/>
+          <a:p>
+            <a:r>
+              <a:rPr lang="en-US" dirty="0" smtClean="0"/>
+              <a:t>Library Design &amp; Implementation</a:t>
+            </a:r>
+            <a:endParaRPr lang="en-US" dirty="0"/>
+          </a:p>
+        </p:txBody>
+      </p:sp>
+      <p:sp>
+        <p:nvSpPr>
+          <p:cNvPr id="3" name="Content Placeholder 2"/>
+          <p:cNvSpPr>
+            <a:spLocks noGrp="1"/>
+          </p:cNvSpPr>
+          <p:nvPr>
+            <p:ph idx="1"/>
+          </p:nvPr>
+        </p:nvSpPr>
+        <p:spPr/>
+        <p:txBody>
+          <a:bodyPr>
+            <a:normAutofit/>
+          </a:bodyPr>
+          <a:lstStyle/>
+          <a:p>
+            <a:pPr marL="0" indent="0">
+              <a:buNone/>
+            </a:pPr>
+            <a:r>
+              <a:rPr lang="en-US" b="1" i="1" dirty="0" smtClean="0"/>
+              <a:t>Performance Model ex.</a:t>
+            </a:r>
+          </a:p>
+        </p:txBody>
+      </p:sp>
+    </p:spTree>
+    <p:extLst>
+      <p:ext uri="{BB962C8B-B14F-4D97-AF65-F5344CB8AC3E}">
+        <p14:creationId xmlns:p14="http://schemas.microsoft.com/office/powerpoint/2010/main" val="1495952580"/>
+      </p:ext>
+    </p:extLst>
+  </p:cSld>
+  <p:clrMapOvr>
+    <a:masterClrMapping/>
+  </p:clrMapOvr>
+  <p:timing>
+    <p:tnLst>
+      <p:par>
+        <p:cTn id="1" dur="indefinite" restart="never" nodeType="tmRoot"/>
+      </p:par>
+    </p:tnLst>
+  </p:timing>
+</p:sld>
+</file>
+
+<file path=ppt/slides/slide23.xml><?xml version="1.0" encoding="utf-8"?>
+<p:sld xmlns:a="http://schemas.openxmlformats.org/drawingml/2006/main" xmlns:r="http://schemas.openxmlformats.org/officeDocument/2006/relationships" xmlns:p="http://schemas.openxmlformats.org/presentationml/2006/main">
+  <p:cSld>
+    <p:spTree>
+      <p:nvGrpSpPr>
+        <p:cNvPr id="1" name=""/>
+        <p:cNvGrpSpPr/>
+        <p:nvPr/>
+      </p:nvGrpSpPr>
+      <p:grpSpPr>
+        <a:xfrm>
+          <a:off x="0" y="0"/>
+          <a:ext cx="0" cy="0"/>
+          <a:chOff x="0" y="0"/>
+          <a:chExt cx="0" cy="0"/>
+        </a:xfrm>
+      </p:grpSpPr>
+      <p:sp>
+        <p:nvSpPr>
+          <p:cNvPr id="2" name="Title 1"/>
+          <p:cNvSpPr>
+            <a:spLocks noGrp="1"/>
+          </p:cNvSpPr>
+          <p:nvPr>
+            <p:ph type="title"/>
+          </p:nvPr>
+        </p:nvSpPr>
+        <p:spPr/>
+        <p:txBody>
+          <a:bodyPr/>
+          <a:lstStyle/>
+          <a:p>
+            <a:r>
+              <a:rPr lang="en-US" dirty="0" smtClean="0"/>
+              <a:t>Library Design &amp; Implementation</a:t>
+            </a:r>
+            <a:endParaRPr lang="en-US" dirty="0"/>
+          </a:p>
+        </p:txBody>
+      </p:sp>
+      <p:sp>
+        <p:nvSpPr>
+          <p:cNvPr id="3" name="Content Placeholder 2"/>
+          <p:cNvSpPr>
+            <a:spLocks noGrp="1"/>
+          </p:cNvSpPr>
+          <p:nvPr>
+            <p:ph idx="1"/>
+          </p:nvPr>
+        </p:nvSpPr>
+        <p:spPr/>
+        <p:txBody>
+          <a:bodyPr>
+            <a:normAutofit fontScale="92500" lnSpcReduction="10000"/>
+          </a:bodyPr>
+          <a:lstStyle/>
+          <a:p>
+            <a:pPr marL="0" indent="0">
+              <a:buNone/>
+            </a:pPr>
+            <a:r>
+              <a:rPr lang="en-US" dirty="0" smtClean="0"/>
+              <a:t>Finally, everything comes together to simulate students through CASL’s </a:t>
+            </a:r>
+            <a:r>
+              <a:rPr lang="en-US" i="1" dirty="0" smtClean="0"/>
+              <a:t>simulate()</a:t>
+            </a:r>
+            <a:r>
+              <a:rPr lang="en-US" dirty="0" smtClean="0"/>
+              <a:t> method which requires the following arguments:</a:t>
+            </a:r>
+          </a:p>
+          <a:p>
+            <a:r>
+              <a:rPr lang="en-US" dirty="0" smtClean="0"/>
+              <a:t>Curriculum</a:t>
+            </a:r>
+          </a:p>
+          <a:p>
+            <a:r>
+              <a:rPr lang="en-US" dirty="0" smtClean="0"/>
+              <a:t>A set of students</a:t>
+            </a:r>
+          </a:p>
+          <a:p>
+            <a:r>
+              <a:rPr lang="en-US" dirty="0" smtClean="0"/>
+              <a:t>Performance Module (optional) </a:t>
+            </a:r>
+            <a:r>
+              <a:rPr lang="mr-IN" dirty="0" smtClean="0"/>
+              <a:t>–</a:t>
+            </a:r>
+            <a:r>
+              <a:rPr lang="en-US" dirty="0" smtClean="0"/>
+              <a:t> if not supplied a built in model that uses course </a:t>
+            </a:r>
+            <a:r>
+              <a:rPr lang="en-US" dirty="0" err="1" smtClean="0"/>
+              <a:t>passrates</a:t>
+            </a:r>
+            <a:r>
+              <a:rPr lang="en-US" dirty="0" smtClean="0"/>
+              <a:t> is used.</a:t>
+            </a:r>
+          </a:p>
+          <a:p>
+            <a:r>
+              <a:rPr lang="en-US" dirty="0" smtClean="0"/>
+              <a:t>Parameters:</a:t>
+            </a:r>
+          </a:p>
+          <a:p>
+            <a:pPr lvl="1"/>
+            <a:r>
+              <a:rPr lang="en-US" dirty="0"/>
+              <a:t>d</a:t>
+            </a:r>
+            <a:r>
+              <a:rPr lang="en-US" dirty="0" smtClean="0"/>
+              <a:t>uration </a:t>
+            </a:r>
+            <a:r>
+              <a:rPr lang="mr-IN" dirty="0" smtClean="0"/>
+              <a:t>–</a:t>
+            </a:r>
+            <a:r>
+              <a:rPr lang="en-US" dirty="0" smtClean="0"/>
+              <a:t> the number of semesters to run the </a:t>
+            </a:r>
+            <a:r>
+              <a:rPr lang="en-US" dirty="0" err="1" smtClean="0"/>
+              <a:t>simulatio</a:t>
+            </a:r>
+            <a:r>
+              <a:rPr lang="en-US" dirty="0" smtClean="0"/>
+              <a:t> for.</a:t>
+            </a:r>
+          </a:p>
+          <a:p>
+            <a:pPr lvl="1"/>
+            <a:r>
+              <a:rPr lang="en-US" dirty="0" smtClean="0"/>
+              <a:t>max-credits </a:t>
+            </a:r>
+            <a:r>
+              <a:rPr lang="mr-IN" dirty="0" smtClean="0"/>
+              <a:t>–</a:t>
+            </a:r>
+            <a:r>
+              <a:rPr lang="en-US" dirty="0" smtClean="0"/>
+              <a:t> the maximum number of credit hours a student can take in one semester</a:t>
+            </a:r>
+          </a:p>
+          <a:p>
+            <a:pPr lvl="1"/>
+            <a:r>
+              <a:rPr lang="en-US" dirty="0" err="1"/>
+              <a:t>s</a:t>
+            </a:r>
+            <a:r>
+              <a:rPr lang="en-US" dirty="0" err="1" smtClean="0"/>
+              <a:t>topouts</a:t>
+            </a:r>
+            <a:r>
+              <a:rPr lang="en-US" dirty="0" smtClean="0"/>
+              <a:t> </a:t>
+            </a:r>
+            <a:r>
+              <a:rPr lang="mr-IN" dirty="0" smtClean="0"/>
+              <a:t>–</a:t>
+            </a:r>
+            <a:r>
+              <a:rPr lang="en-US" dirty="0" smtClean="0"/>
+              <a:t> a </a:t>
+            </a:r>
+            <a:r>
+              <a:rPr lang="en-US" dirty="0" err="1" smtClean="0"/>
+              <a:t>boolean</a:t>
+            </a:r>
+            <a:r>
+              <a:rPr lang="en-US" dirty="0" smtClean="0"/>
+              <a:t>, that when set to false, will not simulate students stopping out.</a:t>
+            </a:r>
+          </a:p>
+          <a:p>
+            <a:pPr marL="0" indent="0">
+              <a:buNone/>
+            </a:pPr>
+            <a:endParaRPr lang="en-US" dirty="0"/>
+          </a:p>
+          <a:p>
+            <a:pPr marL="0" indent="0">
+              <a:buNone/>
+            </a:pPr>
+            <a:endParaRPr lang="en-US" dirty="0"/>
+          </a:p>
+        </p:txBody>
+      </p:sp>
+    </p:spTree>
+    <p:extLst>
+      <p:ext uri="{BB962C8B-B14F-4D97-AF65-F5344CB8AC3E}">
+        <p14:creationId xmlns:p14="http://schemas.microsoft.com/office/powerpoint/2010/main" val="500128046"/>
+      </p:ext>
+    </p:extLst>
+  </p:cSld>
+  <p:clrMapOvr>
+    <a:masterClrMapping/>
+  </p:clrMapOvr>
+  <p:timing>
+    <p:tnLst>
+      <p:par>
+        <p:cTn id="1" dur="indefinite" restart="never" nodeType="tmRoot"/>
+      </p:par>
+    </p:tnLst>
+  </p:timing>
+</p:sld>
+</file>
+
+<file path=ppt/slides/slide24.xml><?xml version="1.0" encoding="utf-8"?>
+<p:sld xmlns:a="http://schemas.openxmlformats.org/drawingml/2006/main" xmlns:r="http://schemas.openxmlformats.org/officeDocument/2006/relationships" xmlns:p="http://schemas.openxmlformats.org/presentationml/2006/main">
+  <p:cSld>
+    <p:spTree>
+      <p:nvGrpSpPr>
+        <p:cNvPr id="1" name=""/>
+        <p:cNvGrpSpPr/>
+        <p:nvPr/>
+      </p:nvGrpSpPr>
+      <p:grpSpPr>
+        <a:xfrm>
+          <a:off x="0" y="0"/>
+          <a:ext cx="0" cy="0"/>
+          <a:chOff x="0" y="0"/>
+          <a:chExt cx="0" cy="0"/>
+        </a:xfrm>
+      </p:grpSpPr>
+      <p:sp>
+        <p:nvSpPr>
+          <p:cNvPr id="2" name="Title 1"/>
+          <p:cNvSpPr>
+            <a:spLocks noGrp="1"/>
+          </p:cNvSpPr>
+          <p:nvPr>
+            <p:ph type="title"/>
+          </p:nvPr>
+        </p:nvSpPr>
+        <p:spPr/>
+        <p:txBody>
+          <a:bodyPr/>
+          <a:lstStyle/>
+          <a:p>
+            <a:r>
+              <a:rPr lang="en-US" dirty="0" smtClean="0"/>
+              <a:t>Simulation Details</a:t>
+            </a:r>
+            <a:endParaRPr lang="en-US" dirty="0"/>
+          </a:p>
+        </p:txBody>
+      </p:sp>
+      <p:sp>
+        <p:nvSpPr>
+          <p:cNvPr id="3" name="Text Placeholder 2"/>
+          <p:cNvSpPr>
+            <a:spLocks noGrp="1"/>
+          </p:cNvSpPr>
+          <p:nvPr>
+            <p:ph type="body" idx="1"/>
+          </p:nvPr>
+        </p:nvSpPr>
+        <p:spPr/>
+        <p:txBody>
+          <a:bodyPr/>
+          <a:lstStyle/>
+          <a:p>
+            <a:endParaRPr lang="en-US" dirty="0"/>
+          </a:p>
+        </p:txBody>
+      </p:sp>
+    </p:spTree>
+    <p:extLst>
+      <p:ext uri="{BB962C8B-B14F-4D97-AF65-F5344CB8AC3E}">
+        <p14:creationId xmlns:p14="http://schemas.microsoft.com/office/powerpoint/2010/main" val="1922447312"/>
+      </p:ext>
+    </p:extLst>
+  </p:cSld>
+  <p:clrMapOvr>
+    <a:masterClrMapping/>
+  </p:clrMapOvr>
+  <p:timing>
+    <p:tnLst>
+      <p:par>
+        <p:cTn id="1" dur="indefinite" restart="never" nodeType="tmRoot"/>
+      </p:par>
+    </p:tnLst>
+  </p:timing>
+</p:sld>
+</file>
+
+<file path=ppt/slides/slide25.xml><?xml version="1.0" encoding="utf-8"?>
+<p:sld xmlns:a="http://schemas.openxmlformats.org/drawingml/2006/main" xmlns:r="http://schemas.openxmlformats.org/officeDocument/2006/relationships" xmlns:p="http://schemas.openxmlformats.org/presentationml/2006/main">
+  <p:cSld>
+    <p:spTree>
+      <p:nvGrpSpPr>
+        <p:cNvPr id="1" name=""/>
+        <p:cNvGrpSpPr/>
+        <p:nvPr/>
+      </p:nvGrpSpPr>
+      <p:grpSpPr>
+        <a:xfrm>
+          <a:off x="0" y="0"/>
+          <a:ext cx="0" cy="0"/>
+          <a:chOff x="0" y="0"/>
+          <a:chExt cx="0" cy="0"/>
+        </a:xfrm>
+      </p:grpSpPr>
+      <p:sp>
+        <p:nvSpPr>
+          <p:cNvPr id="2" name="Title 1"/>
+          <p:cNvSpPr>
+            <a:spLocks noGrp="1"/>
+          </p:cNvSpPr>
+          <p:nvPr>
+            <p:ph type="title"/>
+          </p:nvPr>
+        </p:nvSpPr>
+        <p:spPr/>
+        <p:txBody>
+          <a:bodyPr/>
+          <a:lstStyle/>
+          <a:p>
+            <a:r>
+              <a:rPr lang="en-US" dirty="0" smtClean="0"/>
+              <a:t>Simulation Details</a:t>
+            </a:r>
+            <a:endParaRPr lang="en-US" dirty="0"/>
+          </a:p>
+        </p:txBody>
+      </p:sp>
+      <p:sp>
+        <p:nvSpPr>
+          <p:cNvPr id="3" name="Content Placeholder 2"/>
+          <p:cNvSpPr>
+            <a:spLocks noGrp="1"/>
+          </p:cNvSpPr>
+          <p:nvPr>
+            <p:ph idx="1"/>
+          </p:nvPr>
+        </p:nvSpPr>
+        <p:spPr/>
+        <p:txBody>
+          <a:bodyPr>
+            <a:normAutofit lnSpcReduction="10000"/>
+          </a:bodyPr>
+          <a:lstStyle/>
+          <a:p>
+            <a:pPr marL="0" indent="0">
+              <a:buNone/>
+            </a:pPr>
+            <a:r>
+              <a:rPr lang="en-US" dirty="0" smtClean="0"/>
+              <a:t>CASL’s simulations are </a:t>
+            </a:r>
+            <a:r>
+              <a:rPr lang="en-US" b="1" dirty="0" smtClean="0"/>
+              <a:t>Discrete-Event Simulations (DES)</a:t>
+            </a:r>
+          </a:p>
+          <a:p>
+            <a:r>
+              <a:rPr lang="en-US" dirty="0" smtClean="0"/>
+              <a:t>Events occur instantaneously at a given point in time.</a:t>
+            </a:r>
+          </a:p>
+          <a:p>
+            <a:r>
+              <a:rPr lang="en-US" dirty="0" smtClean="0"/>
+              <a:t>Events occur sequentially.</a:t>
+            </a:r>
+          </a:p>
+          <a:p>
+            <a:r>
+              <a:rPr lang="en-US" dirty="0" smtClean="0"/>
+              <a:t>Time isn’t continuous, but jumps ahead once certain events take place.</a:t>
+            </a:r>
+          </a:p>
+          <a:p>
+            <a:r>
+              <a:rPr lang="en-US" dirty="0" smtClean="0"/>
+              <a:t>Has the following components:</a:t>
+            </a:r>
+          </a:p>
+          <a:p>
+            <a:pPr lvl="1"/>
+            <a:r>
+              <a:rPr lang="en-US" dirty="0" smtClean="0"/>
+              <a:t>Starting and Ending states</a:t>
+            </a:r>
+          </a:p>
+          <a:p>
+            <a:pPr lvl="1"/>
+            <a:r>
+              <a:rPr lang="en-US" dirty="0" smtClean="0"/>
+              <a:t>Clock</a:t>
+            </a:r>
+          </a:p>
+          <a:p>
+            <a:pPr lvl="1"/>
+            <a:r>
+              <a:rPr lang="en-US" dirty="0" smtClean="0"/>
+              <a:t>List of events</a:t>
+            </a:r>
+          </a:p>
+          <a:p>
+            <a:pPr lvl="1"/>
+            <a:r>
+              <a:rPr lang="en-US" dirty="0" smtClean="0"/>
+              <a:t>Statistics</a:t>
+            </a:r>
+          </a:p>
+          <a:p>
+            <a:pPr lvl="1"/>
+            <a:endParaRPr lang="en-US" dirty="0" smtClean="0"/>
+          </a:p>
+        </p:txBody>
+      </p:sp>
+    </p:spTree>
+    <p:extLst>
+      <p:ext uri="{BB962C8B-B14F-4D97-AF65-F5344CB8AC3E}">
+        <p14:creationId xmlns:p14="http://schemas.microsoft.com/office/powerpoint/2010/main" val="1675672937"/>
+      </p:ext>
+    </p:extLst>
+  </p:cSld>
+  <p:clrMapOvr>
+    <a:masterClrMapping/>
+  </p:clrMapOvr>
+  <p:timing>
+    <p:tnLst>
+      <p:par>
+        <p:cTn id="1" dur="indefinite" restart="never" nodeType="tmRoot"/>
+      </p:par>
+    </p:tnLst>
+  </p:timing>
+</p:sld>
+</file>
+
+<file path=ppt/slides/slide26.xml><?xml version="1.0" encoding="utf-8"?>
+<p:sld xmlns:a="http://schemas.openxmlformats.org/drawingml/2006/main" xmlns:r="http://schemas.openxmlformats.org/officeDocument/2006/relationships" xmlns:p="http://schemas.openxmlformats.org/presentationml/2006/main">
+  <p:cSld>
+    <p:spTree>
+      <p:nvGrpSpPr>
+        <p:cNvPr id="1" name=""/>
+        <p:cNvGrpSpPr/>
+        <p:nvPr/>
+      </p:nvGrpSpPr>
+      <p:grpSpPr>
+        <a:xfrm>
+          <a:off x="0" y="0"/>
+          <a:ext cx="0" cy="0"/>
+          <a:chOff x="0" y="0"/>
+          <a:chExt cx="0" cy="0"/>
+        </a:xfrm>
+      </p:grpSpPr>
+      <p:sp>
+        <p:nvSpPr>
+          <p:cNvPr id="2" name="Title 1"/>
+          <p:cNvSpPr>
+            <a:spLocks noGrp="1"/>
+          </p:cNvSpPr>
+          <p:nvPr>
+            <p:ph type="title"/>
+          </p:nvPr>
+        </p:nvSpPr>
+        <p:spPr/>
+        <p:txBody>
+          <a:bodyPr/>
+          <a:lstStyle/>
+          <a:p>
+            <a:r>
+              <a:rPr lang="en-US" dirty="0" smtClean="0"/>
+              <a:t>Simulation Details</a:t>
+            </a:r>
+            <a:endParaRPr lang="en-US" dirty="0"/>
+          </a:p>
+        </p:txBody>
+      </p:sp>
+      <p:sp>
+        <p:nvSpPr>
+          <p:cNvPr id="3" name="Content Placeholder 2"/>
+          <p:cNvSpPr>
+            <a:spLocks noGrp="1"/>
+          </p:cNvSpPr>
+          <p:nvPr>
+            <p:ph idx="1"/>
+          </p:nvPr>
+        </p:nvSpPr>
+        <p:spPr/>
+        <p:txBody>
+          <a:bodyPr>
+            <a:normAutofit fontScale="92500" lnSpcReduction="10000"/>
+          </a:bodyPr>
+          <a:lstStyle/>
+          <a:p>
+            <a:pPr marL="0" marR="0" lvl="1" indent="0" defTabSz="914400" eaLnBrk="1" fontAlgn="auto" latinLnBrk="0" hangingPunct="1">
+              <a:lnSpc>
+                <a:spcPct val="100000"/>
+              </a:lnSpc>
+              <a:spcBef>
+                <a:spcPts val="0"/>
+              </a:spcBef>
+              <a:spcAft>
+                <a:spcPts val="0"/>
+              </a:spcAft>
+              <a:buClrTx/>
+              <a:buSzTx/>
+              <a:buFontTx/>
+              <a:buNone/>
+              <a:tabLst/>
+              <a:defRPr/>
+            </a:pPr>
+            <a:r>
+              <a:rPr lang="en-US" sz="2800" b="1" dirty="0" smtClean="0"/>
+              <a:t>Discrete Event Simulations</a:t>
+            </a:r>
+            <a:r>
+              <a:rPr lang="en-US" sz="2800" dirty="0" smtClean="0"/>
+              <a:t> provide a good fit for simulating students through a curriculum:</a:t>
+            </a:r>
+          </a:p>
+          <a:p>
+            <a:pPr marL="0" marR="0" lvl="1" indent="0" defTabSz="914400" eaLnBrk="1" fontAlgn="auto" latinLnBrk="0" hangingPunct="1">
+              <a:lnSpc>
+                <a:spcPct val="100000"/>
+              </a:lnSpc>
+              <a:spcBef>
+                <a:spcPts val="0"/>
+              </a:spcBef>
+              <a:spcAft>
+                <a:spcPts val="0"/>
+              </a:spcAft>
+              <a:buClrTx/>
+              <a:buSzTx/>
+              <a:buFontTx/>
+              <a:buNone/>
+              <a:tabLst/>
+              <a:defRPr/>
+            </a:pPr>
+            <a:endParaRPr lang="en-US" sz="2800" b="1" dirty="0" smtClean="0"/>
+          </a:p>
+          <a:p>
+            <a:pPr marL="0" marR="0" lvl="1" indent="0" defTabSz="914400" eaLnBrk="1" fontAlgn="auto" latinLnBrk="0" hangingPunct="1">
+              <a:lnSpc>
+                <a:spcPct val="100000"/>
+              </a:lnSpc>
+              <a:spcBef>
+                <a:spcPts val="0"/>
+              </a:spcBef>
+              <a:spcAft>
+                <a:spcPts val="0"/>
+              </a:spcAft>
+              <a:buClrTx/>
+              <a:buSzTx/>
+              <a:buFontTx/>
+              <a:buNone/>
+              <a:tabLst/>
+              <a:defRPr/>
+            </a:pPr>
+            <a:r>
+              <a:rPr lang="en-US" sz="2800" b="1" dirty="0" smtClean="0"/>
+              <a:t>Events </a:t>
+            </a:r>
+          </a:p>
+          <a:p>
+            <a:pPr marL="914400" lvl="2" indent="-457200">
+              <a:lnSpc>
+                <a:spcPct val="100000"/>
+              </a:lnSpc>
+              <a:spcBef>
+                <a:spcPts val="0"/>
+              </a:spcBef>
+            </a:pPr>
+            <a:r>
+              <a:rPr lang="en-US" dirty="0" smtClean="0"/>
+              <a:t>Student enrolls in the university.</a:t>
+            </a:r>
+          </a:p>
+          <a:p>
+            <a:pPr marL="914400" lvl="2" indent="-457200">
+              <a:lnSpc>
+                <a:spcPct val="100000"/>
+              </a:lnSpc>
+              <a:spcBef>
+                <a:spcPts val="0"/>
+              </a:spcBef>
+            </a:pPr>
+            <a:r>
+              <a:rPr lang="en-US" dirty="0" smtClean="0"/>
+              <a:t>Student enrolls in courses.</a:t>
+            </a:r>
+          </a:p>
+          <a:p>
+            <a:pPr marL="914400" lvl="2" indent="-457200">
+              <a:lnSpc>
+                <a:spcPct val="100000"/>
+              </a:lnSpc>
+              <a:spcBef>
+                <a:spcPts val="0"/>
+              </a:spcBef>
+            </a:pPr>
+            <a:r>
+              <a:rPr lang="en-US" dirty="0" smtClean="0"/>
+              <a:t>Student receive grad.</a:t>
+            </a:r>
+          </a:p>
+          <a:p>
+            <a:pPr marL="914400" lvl="2" indent="-457200">
+              <a:lnSpc>
+                <a:spcPct val="100000"/>
+              </a:lnSpc>
+              <a:spcBef>
+                <a:spcPts val="0"/>
+              </a:spcBef>
+            </a:pPr>
+            <a:r>
+              <a:rPr lang="en-US" dirty="0" smtClean="0"/>
+              <a:t>Students stop out.</a:t>
+            </a:r>
+          </a:p>
+          <a:p>
+            <a:pPr marL="914400" lvl="2" indent="-457200">
+              <a:lnSpc>
+                <a:spcPct val="100000"/>
+              </a:lnSpc>
+              <a:spcBef>
+                <a:spcPts val="0"/>
+              </a:spcBef>
+            </a:pPr>
+            <a:r>
+              <a:rPr lang="en-US" dirty="0" smtClean="0"/>
+              <a:t>Students graduate.</a:t>
+            </a:r>
+          </a:p>
+          <a:p>
+            <a:pPr marL="914400" lvl="2" indent="-457200">
+              <a:lnSpc>
+                <a:spcPct val="100000"/>
+              </a:lnSpc>
+              <a:spcBef>
+                <a:spcPts val="0"/>
+              </a:spcBef>
+            </a:pPr>
+            <a:r>
+              <a:rPr lang="en-US" dirty="0" smtClean="0"/>
+              <a:t>Students remained enrolled.</a:t>
+            </a:r>
+            <a:endParaRPr lang="en-US" dirty="0"/>
+          </a:p>
+          <a:p>
+            <a:pPr marL="0" marR="0" lvl="1" indent="0" defTabSz="914400" eaLnBrk="1" fontAlgn="auto" latinLnBrk="0" hangingPunct="1">
+              <a:lnSpc>
+                <a:spcPct val="100000"/>
+              </a:lnSpc>
+              <a:spcBef>
+                <a:spcPts val="0"/>
+              </a:spcBef>
+              <a:spcAft>
+                <a:spcPts val="0"/>
+              </a:spcAft>
+              <a:buClrTx/>
+              <a:buSzTx/>
+              <a:buFontTx/>
+              <a:buNone/>
+              <a:tabLst/>
+              <a:defRPr/>
+            </a:pPr>
+            <a:endParaRPr lang="en-US" sz="2800" b="1" dirty="0" smtClean="0"/>
+          </a:p>
+          <a:p>
+            <a:pPr marL="0" marR="0" lvl="1" indent="0" defTabSz="914400" eaLnBrk="1" fontAlgn="auto" latinLnBrk="0" hangingPunct="1">
+              <a:lnSpc>
+                <a:spcPct val="100000"/>
+              </a:lnSpc>
+              <a:spcBef>
+                <a:spcPts val="0"/>
+              </a:spcBef>
+              <a:spcAft>
+                <a:spcPts val="0"/>
+              </a:spcAft>
+              <a:buClrTx/>
+              <a:buSzTx/>
+              <a:buFontTx/>
+              <a:buNone/>
+              <a:tabLst/>
+              <a:defRPr/>
+            </a:pPr>
+            <a:r>
+              <a:rPr lang="en-US" sz="2800" b="1" dirty="0" smtClean="0"/>
+              <a:t>Clock </a:t>
+            </a:r>
+            <a:r>
+              <a:rPr lang="mr-IN" sz="2800" b="1" dirty="0" smtClean="0"/>
+              <a:t>–</a:t>
+            </a:r>
+            <a:r>
+              <a:rPr lang="en-US" sz="2800" b="1" dirty="0" smtClean="0"/>
+              <a:t> </a:t>
+            </a:r>
+            <a:r>
+              <a:rPr lang="en-US" sz="2800" dirty="0" smtClean="0"/>
+              <a:t>keeps track of </a:t>
+            </a:r>
+            <a:r>
+              <a:rPr lang="en-US" sz="2800" dirty="0" err="1" smtClean="0"/>
+              <a:t>semsters</a:t>
+            </a:r>
+            <a:r>
+              <a:rPr lang="en-US" sz="2800" dirty="0" smtClean="0"/>
+              <a:t> and jumps from one to the next once semester events take place.</a:t>
+            </a:r>
+          </a:p>
+          <a:p>
+            <a:pPr marL="914400" lvl="2" indent="-457200">
+              <a:lnSpc>
+                <a:spcPct val="100000"/>
+              </a:lnSpc>
+              <a:spcBef>
+                <a:spcPts val="0"/>
+              </a:spcBef>
+            </a:pPr>
+            <a:endParaRPr lang="en-US" dirty="0"/>
+          </a:p>
+        </p:txBody>
+      </p:sp>
+    </p:spTree>
+    <p:extLst>
+      <p:ext uri="{BB962C8B-B14F-4D97-AF65-F5344CB8AC3E}">
+        <p14:creationId xmlns:p14="http://schemas.microsoft.com/office/powerpoint/2010/main" val="104569696"/>
+      </p:ext>
+    </p:extLst>
+  </p:cSld>
+  <p:clrMapOvr>
+    <a:masterClrMapping/>
+  </p:clrMapOvr>
+  <p:timing>
+    <p:tnLst>
+      <p:par>
+        <p:cTn id="1" dur="indefinite" restart="never" nodeType="tmRoot"/>
+      </p:par>
+    </p:tnLst>
+  </p:timing>
+</p:sld>
+</file>
+
+<file path=ppt/slides/slide27.xml><?xml version="1.0" encoding="utf-8"?>
+<p:sld xmlns:a="http://schemas.openxmlformats.org/drawingml/2006/main" xmlns:r="http://schemas.openxmlformats.org/officeDocument/2006/relationships" xmlns:p="http://schemas.openxmlformats.org/presentationml/2006/main">
+  <p:cSld>
+    <p:spTree>
+      <p:nvGrpSpPr>
+        <p:cNvPr id="1" name=""/>
+        <p:cNvGrpSpPr/>
+        <p:nvPr/>
+      </p:nvGrpSpPr>
+      <p:grpSpPr>
+        <a:xfrm>
+          <a:off x="0" y="0"/>
+          <a:ext cx="0" cy="0"/>
+          <a:chOff x="0" y="0"/>
+          <a:chExt cx="0" cy="0"/>
+        </a:xfrm>
+      </p:grpSpPr>
+      <p:sp>
+        <p:nvSpPr>
+          <p:cNvPr id="2" name="Title 1"/>
+          <p:cNvSpPr>
+            <a:spLocks noGrp="1"/>
+          </p:cNvSpPr>
+          <p:nvPr>
+            <p:ph type="title"/>
+          </p:nvPr>
+        </p:nvSpPr>
+        <p:spPr/>
+        <p:txBody>
+          <a:bodyPr/>
+          <a:lstStyle/>
+          <a:p>
+            <a:r>
+              <a:rPr lang="en-US" dirty="0" smtClean="0"/>
+              <a:t>Simulation Details</a:t>
+            </a:r>
+            <a:endParaRPr lang="en-US" dirty="0"/>
+          </a:p>
+        </p:txBody>
+      </p:sp>
+      <p:sp>
+        <p:nvSpPr>
+          <p:cNvPr id="3" name="Content Placeholder 2"/>
+          <p:cNvSpPr>
+            <a:spLocks noGrp="1"/>
+          </p:cNvSpPr>
+          <p:nvPr>
+            <p:ph idx="1"/>
+          </p:nvPr>
+        </p:nvSpPr>
+        <p:spPr/>
+        <p:txBody>
+          <a:bodyPr>
+            <a:normAutofit/>
+          </a:bodyPr>
+          <a:lstStyle/>
+          <a:p>
+            <a:pPr marL="0" marR="0" lvl="1" indent="0" defTabSz="914400" eaLnBrk="1" fontAlgn="auto" latinLnBrk="0" hangingPunct="1">
+              <a:lnSpc>
+                <a:spcPct val="100000"/>
+              </a:lnSpc>
+              <a:spcBef>
+                <a:spcPts val="0"/>
+              </a:spcBef>
+              <a:spcAft>
+                <a:spcPts val="0"/>
+              </a:spcAft>
+              <a:buClrTx/>
+              <a:buSzTx/>
+              <a:buFontTx/>
+              <a:buNone/>
+              <a:tabLst/>
+              <a:defRPr/>
+            </a:pPr>
+            <a:r>
+              <a:rPr lang="en-US" b="1" dirty="0" smtClean="0"/>
+              <a:t>Starting Condition</a:t>
+            </a:r>
+            <a:r>
+              <a:rPr lang="en-US" dirty="0" smtClean="0"/>
+              <a:t> </a:t>
+            </a:r>
+            <a:r>
+              <a:rPr lang="mr-IN" dirty="0" smtClean="0"/>
+              <a:t>–</a:t>
+            </a:r>
+            <a:r>
+              <a:rPr lang="en-US" dirty="0" smtClean="0"/>
+              <a:t> All </a:t>
+            </a:r>
+            <a:r>
+              <a:rPr lang="en-US" dirty="0"/>
+              <a:t>s</a:t>
+            </a:r>
+            <a:r>
+              <a:rPr lang="en-US" dirty="0" smtClean="0"/>
+              <a:t>tudents enrolled.</a:t>
+            </a:r>
+          </a:p>
+          <a:p>
+            <a:pPr marL="0" marR="0" lvl="1" indent="0" defTabSz="914400" eaLnBrk="1" fontAlgn="auto" latinLnBrk="0" hangingPunct="1">
+              <a:lnSpc>
+                <a:spcPct val="100000"/>
+              </a:lnSpc>
+              <a:spcBef>
+                <a:spcPts val="0"/>
+              </a:spcBef>
+              <a:spcAft>
+                <a:spcPts val="0"/>
+              </a:spcAft>
+              <a:buClrTx/>
+              <a:buSzTx/>
+              <a:buFontTx/>
+              <a:buNone/>
+              <a:tabLst/>
+              <a:defRPr/>
+            </a:pPr>
+            <a:endParaRPr lang="en-US" b="1" dirty="0"/>
+          </a:p>
+          <a:p>
+            <a:pPr marL="0" marR="0" lvl="1" indent="0" defTabSz="914400" eaLnBrk="1" fontAlgn="auto" latinLnBrk="0" hangingPunct="1">
+              <a:lnSpc>
+                <a:spcPct val="100000"/>
+              </a:lnSpc>
+              <a:spcBef>
+                <a:spcPts val="0"/>
+              </a:spcBef>
+              <a:spcAft>
+                <a:spcPts val="0"/>
+              </a:spcAft>
+              <a:buClrTx/>
+              <a:buSzTx/>
+              <a:buFontTx/>
+              <a:buNone/>
+              <a:tabLst/>
+              <a:defRPr/>
+            </a:pPr>
+            <a:r>
+              <a:rPr lang="en-US" b="1" dirty="0" smtClean="0"/>
+              <a:t>Ending Condition </a:t>
+            </a:r>
+            <a:r>
+              <a:rPr lang="mr-IN" b="1" dirty="0" smtClean="0"/>
+              <a:t>–</a:t>
+            </a:r>
+            <a:r>
+              <a:rPr lang="en-US" b="1" dirty="0" smtClean="0"/>
+              <a:t> </a:t>
+            </a:r>
+            <a:r>
+              <a:rPr lang="en-US" dirty="0" smtClean="0"/>
+              <a:t>All students graduate, or duration is reached.</a:t>
+            </a:r>
+          </a:p>
+          <a:p>
+            <a:pPr marL="0" marR="0" lvl="1" indent="0" defTabSz="914400" eaLnBrk="1" fontAlgn="auto" latinLnBrk="0" hangingPunct="1">
+              <a:lnSpc>
+                <a:spcPct val="100000"/>
+              </a:lnSpc>
+              <a:spcBef>
+                <a:spcPts val="0"/>
+              </a:spcBef>
+              <a:spcAft>
+                <a:spcPts val="0"/>
+              </a:spcAft>
+              <a:buClrTx/>
+              <a:buSzTx/>
+              <a:buFontTx/>
+              <a:buNone/>
+              <a:tabLst/>
+              <a:defRPr/>
+            </a:pPr>
+            <a:endParaRPr lang="en-US" b="1" dirty="0"/>
+          </a:p>
+          <a:p>
+            <a:pPr marL="0" marR="0" lvl="1" indent="0" defTabSz="914400" eaLnBrk="1" fontAlgn="auto" latinLnBrk="0" hangingPunct="1">
+              <a:lnSpc>
+                <a:spcPct val="100000"/>
+              </a:lnSpc>
+              <a:spcBef>
+                <a:spcPts val="0"/>
+              </a:spcBef>
+              <a:spcAft>
+                <a:spcPts val="0"/>
+              </a:spcAft>
+              <a:buClrTx/>
+              <a:buSzTx/>
+              <a:buFontTx/>
+              <a:buNone/>
+              <a:tabLst/>
+              <a:defRPr/>
+            </a:pPr>
+            <a:r>
+              <a:rPr lang="en-US" b="1" dirty="0" smtClean="0"/>
+              <a:t>Statistics</a:t>
+            </a:r>
+            <a:endParaRPr lang="en-US" dirty="0"/>
+          </a:p>
+          <a:p>
+            <a:pPr marL="342900" lvl="1" indent="-342900">
+              <a:lnSpc>
+                <a:spcPct val="100000"/>
+              </a:lnSpc>
+              <a:spcBef>
+                <a:spcPts val="0"/>
+              </a:spcBef>
+            </a:pPr>
+            <a:r>
+              <a:rPr lang="en-US" dirty="0" smtClean="0"/>
+              <a:t>Graduation rates at each term</a:t>
+            </a:r>
+          </a:p>
+          <a:p>
+            <a:pPr marL="342900" lvl="1" indent="-342900">
+              <a:lnSpc>
+                <a:spcPct val="100000"/>
+              </a:lnSpc>
+              <a:spcBef>
+                <a:spcPts val="0"/>
+              </a:spcBef>
+            </a:pPr>
+            <a:r>
+              <a:rPr lang="en-US" dirty="0" err="1" smtClean="0"/>
+              <a:t>Stopout</a:t>
+            </a:r>
+            <a:r>
+              <a:rPr lang="en-US" dirty="0" smtClean="0"/>
+              <a:t> rates at each term</a:t>
+            </a:r>
+          </a:p>
+          <a:p>
+            <a:pPr marL="342900" lvl="1" indent="-342900">
+              <a:lnSpc>
+                <a:spcPct val="100000"/>
+              </a:lnSpc>
+              <a:spcBef>
+                <a:spcPts val="0"/>
+              </a:spcBef>
+            </a:pPr>
+            <a:r>
+              <a:rPr lang="en-US" dirty="0" smtClean="0"/>
+              <a:t>Student performance (course grades, GPA, </a:t>
+            </a:r>
+            <a:r>
+              <a:rPr lang="en-US" dirty="0" err="1" smtClean="0"/>
+              <a:t>etc</a:t>
+            </a:r>
+            <a:r>
+              <a:rPr lang="en-US" dirty="0" smtClean="0"/>
+              <a:t>)</a:t>
+            </a:r>
+          </a:p>
+          <a:p>
+            <a:pPr marL="342900" lvl="1" indent="-342900">
+              <a:lnSpc>
+                <a:spcPct val="100000"/>
+              </a:lnSpc>
+              <a:spcBef>
+                <a:spcPts val="0"/>
+              </a:spcBef>
+            </a:pPr>
+            <a:r>
+              <a:rPr lang="en-US" dirty="0" smtClean="0"/>
+              <a:t>Course enrollment by term.</a:t>
+            </a:r>
+          </a:p>
+          <a:p>
+            <a:pPr marL="342900" lvl="1" indent="-342900">
+              <a:lnSpc>
+                <a:spcPct val="100000"/>
+              </a:lnSpc>
+              <a:spcBef>
+                <a:spcPts val="0"/>
+              </a:spcBef>
+            </a:pPr>
+            <a:r>
+              <a:rPr lang="en-US" dirty="0" smtClean="0"/>
+              <a:t>Simulated course pass rates.</a:t>
+            </a:r>
+          </a:p>
+          <a:p>
+            <a:pPr marL="342900" lvl="1" indent="-342900">
+              <a:lnSpc>
+                <a:spcPct val="100000"/>
+              </a:lnSpc>
+              <a:spcBef>
+                <a:spcPts val="0"/>
+              </a:spcBef>
+            </a:pPr>
+            <a:r>
+              <a:rPr lang="en-US" dirty="0" smtClean="0"/>
+              <a:t>Etc.</a:t>
+            </a:r>
+            <a:endParaRPr lang="en-US" dirty="0"/>
+          </a:p>
+        </p:txBody>
+      </p:sp>
+    </p:spTree>
+    <p:extLst>
+      <p:ext uri="{BB962C8B-B14F-4D97-AF65-F5344CB8AC3E}">
+        <p14:creationId xmlns:p14="http://schemas.microsoft.com/office/powerpoint/2010/main" val="1682419689"/>
+      </p:ext>
+    </p:extLst>
+  </p:cSld>
+  <p:clrMapOvr>
+    <a:masterClrMapping/>
+  </p:clrMapOvr>
+  <p:timing>
+    <p:tnLst>
+      <p:par>
+        <p:cTn id="1" dur="indefinite" restart="never" nodeType="tmRoot"/>
+      </p:par>
+    </p:tnLst>
+  </p:timing>
+</p:sld>
+</file>
+
+<file path=ppt/slides/slide28.xml><?xml version="1.0" encoding="utf-8"?>
+<p:sld xmlns:a="http://schemas.openxmlformats.org/drawingml/2006/main" xmlns:r="http://schemas.openxmlformats.org/officeDocument/2006/relationships" xmlns:p="http://schemas.openxmlformats.org/presentationml/2006/main">
+  <p:cSld>
+    <p:spTree>
+      <p:nvGrpSpPr>
+        <p:cNvPr id="1" name=""/>
+        <p:cNvGrpSpPr/>
+        <p:nvPr/>
+      </p:nvGrpSpPr>
+      <p:grpSpPr>
+        <a:xfrm>
+          <a:off x="0" y="0"/>
+          <a:ext cx="0" cy="0"/>
+          <a:chOff x="0" y="0"/>
+          <a:chExt cx="0" cy="0"/>
+        </a:xfrm>
+      </p:grpSpPr>
+      <p:sp>
+        <p:nvSpPr>
+          <p:cNvPr id="2" name="Title 1"/>
+          <p:cNvSpPr>
+            <a:spLocks noGrp="1"/>
+          </p:cNvSpPr>
+          <p:nvPr>
+            <p:ph type="title"/>
+          </p:nvPr>
+        </p:nvSpPr>
+        <p:spPr/>
+        <p:txBody>
+          <a:bodyPr/>
+          <a:lstStyle/>
+          <a:p>
+            <a:r>
+              <a:rPr lang="en-US" dirty="0" smtClean="0"/>
+              <a:t>Simulation Details</a:t>
+            </a:r>
+            <a:endParaRPr lang="en-US" dirty="0"/>
+          </a:p>
+        </p:txBody>
+      </p:sp>
+      <p:sp>
+        <p:nvSpPr>
+          <p:cNvPr id="3" name="Content Placeholder 2"/>
+          <p:cNvSpPr>
+            <a:spLocks noGrp="1"/>
+          </p:cNvSpPr>
+          <p:nvPr>
+            <p:ph idx="1"/>
+          </p:nvPr>
+        </p:nvSpPr>
+        <p:spPr/>
+        <p:txBody>
+          <a:bodyPr>
+            <a:normAutofit fontScale="85000" lnSpcReduction="10000"/>
+          </a:bodyPr>
+          <a:lstStyle/>
+          <a:p>
+            <a:pPr marL="0" marR="0" lvl="1" indent="0" defTabSz="914400" eaLnBrk="1" fontAlgn="auto" latinLnBrk="0" hangingPunct="1">
+              <a:lnSpc>
+                <a:spcPct val="100000"/>
+              </a:lnSpc>
+              <a:spcBef>
+                <a:spcPts val="0"/>
+              </a:spcBef>
+              <a:spcAft>
+                <a:spcPts val="0"/>
+              </a:spcAft>
+              <a:buClrTx/>
+              <a:buSzTx/>
+              <a:buFontTx/>
+              <a:buNone/>
+              <a:tabLst/>
+              <a:defRPr/>
+            </a:pPr>
+            <a:r>
+              <a:rPr lang="en-US" dirty="0" smtClean="0"/>
+              <a:t>Simulating realistic student behavior is impossible </a:t>
+            </a:r>
+            <a:r>
+              <a:rPr lang="mr-IN" dirty="0" smtClean="0"/>
+              <a:t>–</a:t>
+            </a:r>
+            <a:r>
+              <a:rPr lang="en-US" dirty="0" smtClean="0"/>
+              <a:t> there's too many factors to take into account.</a:t>
+            </a:r>
+          </a:p>
+          <a:p>
+            <a:pPr marL="0" marR="0" lvl="1" indent="0" defTabSz="914400" eaLnBrk="1" fontAlgn="auto" latinLnBrk="0" hangingPunct="1">
+              <a:lnSpc>
+                <a:spcPct val="100000"/>
+              </a:lnSpc>
+              <a:spcBef>
+                <a:spcPts val="0"/>
+              </a:spcBef>
+              <a:spcAft>
+                <a:spcPts val="0"/>
+              </a:spcAft>
+              <a:buClrTx/>
+              <a:buSzTx/>
+              <a:buFontTx/>
+              <a:buNone/>
+              <a:tabLst/>
+              <a:defRPr/>
+            </a:pPr>
+            <a:endParaRPr lang="en-US" dirty="0"/>
+          </a:p>
+          <a:p>
+            <a:pPr marL="0" marR="0" lvl="1" indent="0" defTabSz="914400" eaLnBrk="1" fontAlgn="auto" latinLnBrk="0" hangingPunct="1">
+              <a:lnSpc>
+                <a:spcPct val="100000"/>
+              </a:lnSpc>
+              <a:spcBef>
+                <a:spcPts val="0"/>
+              </a:spcBef>
+              <a:spcAft>
+                <a:spcPts val="0"/>
+              </a:spcAft>
+              <a:buClrTx/>
+              <a:buSzTx/>
+              <a:buFontTx/>
+              <a:buNone/>
+              <a:tabLst/>
+              <a:defRPr/>
+            </a:pPr>
+            <a:r>
+              <a:rPr lang="en-US" dirty="0" smtClean="0"/>
+              <a:t>Therefore some assumptions have to be made:</a:t>
+            </a:r>
+          </a:p>
+          <a:p>
+            <a:pPr marL="342900" lvl="1" indent="-342900">
+              <a:lnSpc>
+                <a:spcPct val="100000"/>
+              </a:lnSpc>
+              <a:spcBef>
+                <a:spcPts val="0"/>
+              </a:spcBef>
+            </a:pPr>
+            <a:r>
+              <a:rPr lang="en-US" dirty="0" smtClean="0"/>
+              <a:t>All students are first-time, full-time students.</a:t>
+            </a:r>
+          </a:p>
+          <a:p>
+            <a:pPr marL="342900" lvl="1" indent="-342900">
+              <a:lnSpc>
+                <a:spcPct val="100000"/>
+              </a:lnSpc>
+              <a:spcBef>
+                <a:spcPts val="0"/>
+              </a:spcBef>
+            </a:pPr>
+            <a:r>
+              <a:rPr lang="en-US" dirty="0" smtClean="0"/>
+              <a:t>A new class of students is not added each semester.</a:t>
+            </a:r>
+          </a:p>
+          <a:p>
+            <a:pPr marL="342900" lvl="1" indent="-342900">
+              <a:lnSpc>
+                <a:spcPct val="100000"/>
+              </a:lnSpc>
+              <a:spcBef>
+                <a:spcPts val="0"/>
+              </a:spcBef>
+            </a:pPr>
+            <a:r>
+              <a:rPr lang="en-US" dirty="0" smtClean="0"/>
+              <a:t>Students register for as many courses as they can.</a:t>
+            </a:r>
+          </a:p>
+          <a:p>
+            <a:pPr marL="342900" lvl="1" indent="-342900">
+              <a:lnSpc>
+                <a:spcPct val="100000"/>
+              </a:lnSpc>
+              <a:spcBef>
+                <a:spcPts val="0"/>
+              </a:spcBef>
+            </a:pPr>
+            <a:r>
+              <a:rPr lang="en-US" dirty="0" smtClean="0"/>
+              <a:t>Students can only register for courses defined within the curriculum.</a:t>
+            </a:r>
+          </a:p>
+          <a:p>
+            <a:pPr marL="342900" lvl="1" indent="-342900">
+              <a:lnSpc>
+                <a:spcPct val="100000"/>
+              </a:lnSpc>
+              <a:spcBef>
+                <a:spcPts val="0"/>
+              </a:spcBef>
+            </a:pPr>
+            <a:r>
+              <a:rPr lang="en-US" dirty="0" smtClean="0"/>
+              <a:t>The order in which students is enrolled is defined by the order they appear in the curriculum.</a:t>
+            </a:r>
+          </a:p>
+          <a:p>
+            <a:pPr marL="342900" lvl="1" indent="-342900">
+              <a:lnSpc>
+                <a:spcPct val="100000"/>
+              </a:lnSpc>
+              <a:spcBef>
+                <a:spcPts val="0"/>
+              </a:spcBef>
+            </a:pPr>
+            <a:r>
+              <a:rPr lang="en-US" dirty="0" smtClean="0"/>
+              <a:t>Course enrollment requirements are strictly enforced.</a:t>
+            </a:r>
+          </a:p>
+          <a:p>
+            <a:pPr marL="342900" lvl="1" indent="-342900">
+              <a:lnSpc>
+                <a:spcPct val="100000"/>
+              </a:lnSpc>
+              <a:spcBef>
+                <a:spcPts val="0"/>
+              </a:spcBef>
+            </a:pPr>
+            <a:r>
+              <a:rPr lang="en-US" dirty="0" smtClean="0"/>
+              <a:t>All courses are offered every semester.</a:t>
+            </a:r>
+          </a:p>
+          <a:p>
+            <a:pPr marL="342900" lvl="1" indent="-342900">
+              <a:lnSpc>
+                <a:spcPct val="100000"/>
+              </a:lnSpc>
+              <a:spcBef>
+                <a:spcPts val="0"/>
+              </a:spcBef>
+            </a:pPr>
+            <a:r>
+              <a:rPr lang="en-US" dirty="0" smtClean="0"/>
+              <a:t>Courses have infinite capacity.</a:t>
+            </a:r>
+          </a:p>
+          <a:p>
+            <a:pPr marL="342900" lvl="1" indent="-342900">
+              <a:lnSpc>
+                <a:spcPct val="100000"/>
+              </a:lnSpc>
+              <a:spcBef>
+                <a:spcPts val="0"/>
+              </a:spcBef>
+            </a:pPr>
+            <a:endParaRPr lang="en-US" dirty="0"/>
+          </a:p>
+          <a:p>
+            <a:pPr marL="0" lvl="1" indent="0">
+              <a:lnSpc>
+                <a:spcPct val="100000"/>
+              </a:lnSpc>
+              <a:spcBef>
+                <a:spcPts val="0"/>
+              </a:spcBef>
+              <a:buNone/>
+            </a:pPr>
+            <a:r>
+              <a:rPr lang="en-US" dirty="0" smtClean="0"/>
+              <a:t>These might seem restrictive, but they are made to standardize student behavior and put an emphasis on the structure of curricula, not student behavior.</a:t>
+            </a:r>
+          </a:p>
+          <a:p>
+            <a:pPr marL="342900" lvl="1" indent="-342900">
+              <a:lnSpc>
+                <a:spcPct val="100000"/>
+              </a:lnSpc>
+              <a:spcBef>
+                <a:spcPts val="0"/>
+              </a:spcBef>
+            </a:pPr>
+            <a:endParaRPr lang="en-US" dirty="0" smtClean="0"/>
+          </a:p>
+        </p:txBody>
+      </p:sp>
+    </p:spTree>
+    <p:extLst>
+      <p:ext uri="{BB962C8B-B14F-4D97-AF65-F5344CB8AC3E}">
+        <p14:creationId xmlns:p14="http://schemas.microsoft.com/office/powerpoint/2010/main" val="742033300"/>
+      </p:ext>
+    </p:extLst>
+  </p:cSld>
+  <p:clrMapOvr>
+    <a:masterClrMapping/>
+  </p:clrMapOvr>
+  <p:timing>
+    <p:tnLst>
+      <p:par>
+        <p:cTn id="1" dur="indefinite" restart="never" nodeType="tmRoot"/>
+      </p:par>
+    </p:tnLst>
+  </p:timing>
+</p:sld>
+</file>
+
+<file path=ppt/slides/slide29.xml><?xml version="1.0" encoding="utf-8"?>
+<p:sld xmlns:a="http://schemas.openxmlformats.org/drawingml/2006/main" xmlns:r="http://schemas.openxmlformats.org/officeDocument/2006/relationships" xmlns:p="http://schemas.openxmlformats.org/presentationml/2006/main">
+  <p:cSld>
+    <p:spTree>
+      <p:nvGrpSpPr>
+        <p:cNvPr id="1" name=""/>
+        <p:cNvGrpSpPr/>
+        <p:nvPr/>
+      </p:nvGrpSpPr>
+      <p:grpSpPr>
+        <a:xfrm>
+          <a:off x="0" y="0"/>
+          <a:ext cx="0" cy="0"/>
+          <a:chOff x="0" y="0"/>
+          <a:chExt cx="0" cy="0"/>
+        </a:xfrm>
+      </p:grpSpPr>
+      <p:sp>
+        <p:nvSpPr>
+          <p:cNvPr id="2" name="Title 1"/>
+          <p:cNvSpPr>
+            <a:spLocks noGrp="1"/>
+          </p:cNvSpPr>
+          <p:nvPr>
+            <p:ph type="title"/>
+          </p:nvPr>
+        </p:nvSpPr>
+        <p:spPr/>
+        <p:txBody>
+          <a:bodyPr/>
+          <a:lstStyle/>
+          <a:p>
+            <a:r>
+              <a:rPr lang="en-US" dirty="0" smtClean="0"/>
+              <a:t>Applications in Curricular Analytics</a:t>
+            </a:r>
+            <a:endParaRPr lang="en-US" dirty="0"/>
+          </a:p>
+        </p:txBody>
+      </p:sp>
+      <p:sp>
+        <p:nvSpPr>
+          <p:cNvPr id="3" name="Text Placeholder 2"/>
+          <p:cNvSpPr>
+            <a:spLocks noGrp="1"/>
+          </p:cNvSpPr>
+          <p:nvPr>
+            <p:ph type="body" idx="1"/>
+          </p:nvPr>
+        </p:nvSpPr>
+        <p:spPr/>
+        <p:txBody>
+          <a:bodyPr/>
+          <a:lstStyle/>
+          <a:p>
+            <a:endParaRPr lang="en-US" dirty="0"/>
+          </a:p>
+        </p:txBody>
+      </p:sp>
+    </p:spTree>
+    <p:extLst>
+      <p:ext uri="{BB962C8B-B14F-4D97-AF65-F5344CB8AC3E}">
+        <p14:creationId xmlns:p14="http://schemas.microsoft.com/office/powerpoint/2010/main" val="1543726982"/>
       </p:ext>
     </p:extLst>
   </p:cSld>
@@ -4459,6 +8083,164 @@
       </p:grpSpPr>
       <p:sp>
         <p:nvSpPr>
+          <p:cNvPr id="4" name="Title 3"/>
+          <p:cNvSpPr>
+            <a:spLocks noGrp="1"/>
+          </p:cNvSpPr>
+          <p:nvPr>
+            <p:ph type="title"/>
+          </p:nvPr>
+        </p:nvSpPr>
+        <p:spPr/>
+        <p:txBody>
+          <a:bodyPr/>
+          <a:lstStyle/>
+          <a:p>
+            <a:r>
+              <a:rPr lang="en-US" dirty="0" smtClean="0"/>
+              <a:t>Background &amp; Motivation</a:t>
+            </a:r>
+            <a:endParaRPr lang="en-US" dirty="0"/>
+          </a:p>
+        </p:txBody>
+      </p:sp>
+      <p:sp>
+        <p:nvSpPr>
+          <p:cNvPr id="5" name="Text Placeholder 4"/>
+          <p:cNvSpPr>
+            <a:spLocks noGrp="1"/>
+          </p:cNvSpPr>
+          <p:nvPr>
+            <p:ph type="body" idx="1"/>
+          </p:nvPr>
+        </p:nvSpPr>
+        <p:spPr/>
+        <p:txBody>
+          <a:bodyPr/>
+          <a:lstStyle/>
+          <a:p>
+            <a:endParaRPr lang="en-US"/>
+          </a:p>
+        </p:txBody>
+      </p:sp>
+    </p:spTree>
+    <p:extLst>
+      <p:ext uri="{BB962C8B-B14F-4D97-AF65-F5344CB8AC3E}">
+        <p14:creationId xmlns:p14="http://schemas.microsoft.com/office/powerpoint/2010/main" val="584273634"/>
+      </p:ext>
+    </p:extLst>
+  </p:cSld>
+  <p:clrMapOvr>
+    <a:masterClrMapping/>
+  </p:clrMapOvr>
+  <p:timing>
+    <p:tnLst>
+      <p:par>
+        <p:cTn id="1" dur="indefinite" restart="never" nodeType="tmRoot"/>
+      </p:par>
+    </p:tnLst>
+  </p:timing>
+</p:sld>
+</file>
+
+<file path=ppt/slides/slide30.xml><?xml version="1.0" encoding="utf-8"?>
+<p:sld xmlns:a="http://schemas.openxmlformats.org/drawingml/2006/main" xmlns:r="http://schemas.openxmlformats.org/officeDocument/2006/relationships" xmlns:p="http://schemas.openxmlformats.org/presentationml/2006/main">
+  <p:cSld>
+    <p:spTree>
+      <p:nvGrpSpPr>
+        <p:cNvPr id="1" name=""/>
+        <p:cNvGrpSpPr/>
+        <p:nvPr/>
+      </p:nvGrpSpPr>
+      <p:grpSpPr>
+        <a:xfrm>
+          <a:off x="0" y="0"/>
+          <a:ext cx="0" cy="0"/>
+          <a:chOff x="0" y="0"/>
+          <a:chExt cx="0" cy="0"/>
+        </a:xfrm>
+      </p:grpSpPr>
+      <p:sp>
+        <p:nvSpPr>
+          <p:cNvPr id="2" name="Title 1"/>
+          <p:cNvSpPr>
+            <a:spLocks noGrp="1"/>
+          </p:cNvSpPr>
+          <p:nvPr>
+            <p:ph type="title"/>
+          </p:nvPr>
+        </p:nvSpPr>
+        <p:spPr/>
+        <p:txBody>
+          <a:bodyPr/>
+          <a:lstStyle/>
+          <a:p>
+            <a:r>
+              <a:rPr lang="en-US" dirty="0" smtClean="0"/>
+              <a:t>Questions</a:t>
+            </a:r>
+            <a:endParaRPr lang="en-US" dirty="0"/>
+          </a:p>
+        </p:txBody>
+      </p:sp>
+      <p:sp>
+        <p:nvSpPr>
+          <p:cNvPr id="3" name="Text Placeholder 2"/>
+          <p:cNvSpPr>
+            <a:spLocks noGrp="1"/>
+          </p:cNvSpPr>
+          <p:nvPr>
+            <p:ph type="body" idx="1"/>
+          </p:nvPr>
+        </p:nvSpPr>
+        <p:spPr/>
+        <p:txBody>
+          <a:bodyPr/>
+          <a:lstStyle/>
+          <a:p>
+            <a:endParaRPr lang="en-US"/>
+          </a:p>
+        </p:txBody>
+      </p:sp>
+    </p:spTree>
+    <p:extLst>
+      <p:ext uri="{BB962C8B-B14F-4D97-AF65-F5344CB8AC3E}">
+        <p14:creationId xmlns:p14="http://schemas.microsoft.com/office/powerpoint/2010/main" val="35977804"/>
+      </p:ext>
+    </p:extLst>
+  </p:cSld>
+  <p:clrMapOvr>
+    <a:masterClrMapping/>
+  </p:clrMapOvr>
+  <p:timing>
+    <p:tnLst>
+      <p:par>
+        <p:cTn id="1" dur="indefinite" restart="never" nodeType="tmRoot"/>
+      </p:par>
+    </p:tnLst>
+  </p:timing>
+</p:sld>
+</file>
+
+<file path=ppt/slides/slide4.xml><?xml version="1.0" encoding="utf-8"?>
+<p:sld xmlns:a="http://schemas.openxmlformats.org/drawingml/2006/main" xmlns:r="http://schemas.openxmlformats.org/officeDocument/2006/relationships" xmlns:p="http://schemas.openxmlformats.org/presentationml/2006/main">
+  <p:cSld>
+    <p:spTree>
+      <p:nvGrpSpPr>
+        <p:cNvPr id="1" name=""/>
+        <p:cNvGrpSpPr/>
+        <p:nvPr/>
+      </p:nvGrpSpPr>
+      <p:grpSpPr>
+        <a:xfrm>
+          <a:off x="0" y="0"/>
+          <a:ext cx="0" cy="0"/>
+          <a:chOff x="0" y="0"/>
+          <a:chExt cx="0" cy="0"/>
+        </a:xfrm>
+      </p:grpSpPr>
+      <p:sp>
+        <p:nvSpPr>
           <p:cNvPr id="2" name="Title 1"/>
           <p:cNvSpPr>
             <a:spLocks noGrp="1"/>
@@ -4595,10 +8377,1196 @@
 </p:sld>
 </file>
 
+<file path=ppt/slides/slide5.xml><?xml version="1.0" encoding="utf-8"?>
+<p:sld xmlns:a="http://schemas.openxmlformats.org/drawingml/2006/main" xmlns:r="http://schemas.openxmlformats.org/officeDocument/2006/relationships" xmlns:p="http://schemas.openxmlformats.org/presentationml/2006/main">
+  <p:cSld>
+    <p:spTree>
+      <p:nvGrpSpPr>
+        <p:cNvPr id="1" name=""/>
+        <p:cNvGrpSpPr/>
+        <p:nvPr/>
+      </p:nvGrpSpPr>
+      <p:grpSpPr>
+        <a:xfrm>
+          <a:off x="0" y="0"/>
+          <a:ext cx="0" cy="0"/>
+          <a:chOff x="0" y="0"/>
+          <a:chExt cx="0" cy="0"/>
+        </a:xfrm>
+      </p:grpSpPr>
+      <p:sp>
+        <p:nvSpPr>
+          <p:cNvPr id="6" name="Content Placeholder 2"/>
+          <p:cNvSpPr txBox="1">
+            <a:spLocks/>
+          </p:cNvSpPr>
+          <p:nvPr/>
+        </p:nvSpPr>
+        <p:spPr>
+          <a:xfrm>
+            <a:off x="7093042" y="438613"/>
+            <a:ext cx="4650320" cy="5705334"/>
+          </a:xfrm>
+          <a:prstGeom prst="rect">
+            <a:avLst/>
+          </a:prstGeom>
+        </p:spPr>
+        <p:txBody>
+          <a:bodyPr>
+            <a:normAutofit/>
+          </a:bodyPr>
+          <a:lstStyle>
+            <a:lvl1pPr marL="228600" indent="-228600" algn="l" defTabSz="914400" rtl="0" eaLnBrk="1" latinLnBrk="0" hangingPunct="1">
+              <a:lnSpc>
+                <a:spcPct val="90000"/>
+              </a:lnSpc>
+              <a:spcBef>
+                <a:spcPts val="1000"/>
+              </a:spcBef>
+              <a:buFont typeface="Arial"/>
+              <a:buChar char="•"/>
+              <a:defRPr sz="2800" kern="1200">
+                <a:solidFill>
+                  <a:schemeClr val="tx1"/>
+                </a:solidFill>
+                <a:latin typeface="+mn-lt"/>
+                <a:ea typeface="+mn-ea"/>
+                <a:cs typeface="+mn-cs"/>
+              </a:defRPr>
+            </a:lvl1pPr>
+            <a:lvl2pPr marL="685800" indent="-228600" algn="l" defTabSz="914400" rtl="0" eaLnBrk="1" latinLnBrk="0" hangingPunct="1">
+              <a:lnSpc>
+                <a:spcPct val="90000"/>
+              </a:lnSpc>
+              <a:spcBef>
+                <a:spcPts val="500"/>
+              </a:spcBef>
+              <a:buFont typeface="Arial"/>
+              <a:buChar char="•"/>
+              <a:defRPr sz="2400" kern="1200">
+                <a:solidFill>
+                  <a:schemeClr val="tx1"/>
+                </a:solidFill>
+                <a:latin typeface="+mn-lt"/>
+                <a:ea typeface="+mn-ea"/>
+                <a:cs typeface="+mn-cs"/>
+              </a:defRPr>
+            </a:lvl2pPr>
+            <a:lvl3pPr marL="1143000" indent="-228600" algn="l" defTabSz="914400" rtl="0" eaLnBrk="1" latinLnBrk="0" hangingPunct="1">
+              <a:lnSpc>
+                <a:spcPct val="90000"/>
+              </a:lnSpc>
+              <a:spcBef>
+                <a:spcPts val="500"/>
+              </a:spcBef>
+              <a:buFont typeface="Arial"/>
+              <a:buChar char="•"/>
+              <a:defRPr sz="2000" kern="1200">
+                <a:solidFill>
+                  <a:schemeClr val="tx1"/>
+                </a:solidFill>
+                <a:latin typeface="+mn-lt"/>
+                <a:ea typeface="+mn-ea"/>
+                <a:cs typeface="+mn-cs"/>
+              </a:defRPr>
+            </a:lvl3pPr>
+            <a:lvl4pPr marL="1600200" indent="-228600" algn="l" defTabSz="914400" rtl="0" eaLnBrk="1" latinLnBrk="0" hangingPunct="1">
+              <a:lnSpc>
+                <a:spcPct val="90000"/>
+              </a:lnSpc>
+              <a:spcBef>
+                <a:spcPts val="500"/>
+              </a:spcBef>
+              <a:buFont typeface="Arial"/>
+              <a:buChar char="•"/>
+              <a:defRPr sz="1800" kern="1200">
+                <a:solidFill>
+                  <a:schemeClr val="tx1"/>
+                </a:solidFill>
+                <a:latin typeface="+mn-lt"/>
+                <a:ea typeface="+mn-ea"/>
+                <a:cs typeface="+mn-cs"/>
+              </a:defRPr>
+            </a:lvl4pPr>
+            <a:lvl5pPr marL="2057400" indent="-228600" algn="l" defTabSz="914400" rtl="0" eaLnBrk="1" latinLnBrk="0" hangingPunct="1">
+              <a:lnSpc>
+                <a:spcPct val="90000"/>
+              </a:lnSpc>
+              <a:spcBef>
+                <a:spcPts val="500"/>
+              </a:spcBef>
+              <a:buFont typeface="Arial"/>
+              <a:buChar char="•"/>
+              <a:defRPr sz="1800" kern="1200">
+                <a:solidFill>
+                  <a:schemeClr val="tx1"/>
+                </a:solidFill>
+                <a:latin typeface="+mn-lt"/>
+                <a:ea typeface="+mn-ea"/>
+                <a:cs typeface="+mn-cs"/>
+              </a:defRPr>
+            </a:lvl5pPr>
+            <a:lvl6pPr marL="2514600" indent="-228600" algn="l" defTabSz="914400" rtl="0" eaLnBrk="1" latinLnBrk="0" hangingPunct="1">
+              <a:lnSpc>
+                <a:spcPct val="90000"/>
+              </a:lnSpc>
+              <a:spcBef>
+                <a:spcPts val="500"/>
+              </a:spcBef>
+              <a:buFont typeface="Arial"/>
+              <a:buChar char="•"/>
+              <a:defRPr sz="1800" kern="1200">
+                <a:solidFill>
+                  <a:schemeClr val="tx1"/>
+                </a:solidFill>
+                <a:latin typeface="+mn-lt"/>
+                <a:ea typeface="+mn-ea"/>
+                <a:cs typeface="+mn-cs"/>
+              </a:defRPr>
+            </a:lvl6pPr>
+            <a:lvl7pPr marL="2971800" indent="-228600" algn="l" defTabSz="914400" rtl="0" eaLnBrk="1" latinLnBrk="0" hangingPunct="1">
+              <a:lnSpc>
+                <a:spcPct val="90000"/>
+              </a:lnSpc>
+              <a:spcBef>
+                <a:spcPts val="500"/>
+              </a:spcBef>
+              <a:buFont typeface="Arial"/>
+              <a:buChar char="•"/>
+              <a:defRPr sz="1800" kern="1200">
+                <a:solidFill>
+                  <a:schemeClr val="tx1"/>
+                </a:solidFill>
+                <a:latin typeface="+mn-lt"/>
+                <a:ea typeface="+mn-ea"/>
+                <a:cs typeface="+mn-cs"/>
+              </a:defRPr>
+            </a:lvl7pPr>
+            <a:lvl8pPr marL="3429000" indent="-228600" algn="l" defTabSz="914400" rtl="0" eaLnBrk="1" latinLnBrk="0" hangingPunct="1">
+              <a:lnSpc>
+                <a:spcPct val="90000"/>
+              </a:lnSpc>
+              <a:spcBef>
+                <a:spcPts val="500"/>
+              </a:spcBef>
+              <a:buFont typeface="Arial"/>
+              <a:buChar char="•"/>
+              <a:defRPr sz="1800" kern="1200">
+                <a:solidFill>
+                  <a:schemeClr val="tx1"/>
+                </a:solidFill>
+                <a:latin typeface="+mn-lt"/>
+                <a:ea typeface="+mn-ea"/>
+                <a:cs typeface="+mn-cs"/>
+              </a:defRPr>
+            </a:lvl8pPr>
+            <a:lvl9pPr marL="3886200" indent="-228600" algn="l" defTabSz="914400" rtl="0" eaLnBrk="1" latinLnBrk="0" hangingPunct="1">
+              <a:lnSpc>
+                <a:spcPct val="90000"/>
+              </a:lnSpc>
+              <a:spcBef>
+                <a:spcPts val="500"/>
+              </a:spcBef>
+              <a:buFont typeface="Arial"/>
+              <a:buChar char="•"/>
+              <a:defRPr sz="1800" kern="1200">
+                <a:solidFill>
+                  <a:schemeClr val="tx1"/>
+                </a:solidFill>
+                <a:latin typeface="+mn-lt"/>
+                <a:ea typeface="+mn-ea"/>
+                <a:cs typeface="+mn-cs"/>
+              </a:defRPr>
+            </a:lvl9pPr>
+          </a:lstStyle>
+          <a:p>
+            <a:pPr marL="0" marR="0" lvl="0" indent="0" defTabSz="914400" eaLnBrk="1" fontAlgn="auto" latinLnBrk="0" hangingPunct="1">
+              <a:lnSpc>
+                <a:spcPct val="100000"/>
+              </a:lnSpc>
+              <a:spcBef>
+                <a:spcPts val="0"/>
+              </a:spcBef>
+              <a:spcAft>
+                <a:spcPts val="0"/>
+              </a:spcAft>
+              <a:buClrTx/>
+              <a:buSzTx/>
+              <a:buFontTx/>
+              <a:buNone/>
+              <a:tabLst/>
+              <a:defRPr/>
+            </a:pPr>
+            <a:r>
+              <a:rPr lang="en-US" dirty="0" smtClean="0"/>
+              <a:t>Two Curricula:</a:t>
+            </a:r>
+          </a:p>
+          <a:p>
+            <a:pPr>
+              <a:lnSpc>
+                <a:spcPct val="100000"/>
+              </a:lnSpc>
+              <a:spcBef>
+                <a:spcPts val="0"/>
+              </a:spcBef>
+            </a:pPr>
+            <a:r>
+              <a:rPr lang="en-US" dirty="0" smtClean="0"/>
+              <a:t>Same Major</a:t>
+            </a:r>
+          </a:p>
+          <a:p>
+            <a:pPr>
+              <a:lnSpc>
+                <a:spcPct val="100000"/>
+              </a:lnSpc>
+              <a:spcBef>
+                <a:spcPts val="0"/>
+              </a:spcBef>
+            </a:pPr>
+            <a:r>
+              <a:rPr lang="en-US" dirty="0" smtClean="0"/>
+              <a:t>Four year programs</a:t>
+            </a:r>
+          </a:p>
+          <a:p>
+            <a:pPr>
+              <a:lnSpc>
+                <a:spcPct val="100000"/>
+              </a:lnSpc>
+              <a:spcBef>
+                <a:spcPts val="0"/>
+              </a:spcBef>
+            </a:pPr>
+            <a:r>
+              <a:rPr lang="en-US" dirty="0" smtClean="0"/>
+              <a:t>Within four credits of each other.</a:t>
+            </a:r>
+          </a:p>
+          <a:p>
+            <a:pPr>
+              <a:lnSpc>
+                <a:spcPct val="100000"/>
+              </a:lnSpc>
+              <a:spcBef>
+                <a:spcPts val="0"/>
+              </a:spcBef>
+            </a:pPr>
+            <a:endParaRPr lang="en-US" dirty="0" smtClean="0"/>
+          </a:p>
+          <a:p>
+            <a:pPr marL="0" indent="0">
+              <a:lnSpc>
+                <a:spcPct val="100000"/>
+              </a:lnSpc>
+              <a:spcBef>
+                <a:spcPts val="0"/>
+              </a:spcBef>
+              <a:buNone/>
+            </a:pPr>
+            <a:r>
+              <a:rPr lang="en-US" dirty="0" smtClean="0"/>
+              <a:t>Their structures look very different </a:t>
+            </a:r>
+            <a:r>
+              <a:rPr lang="mr-IN" dirty="0" smtClean="0"/>
+              <a:t>–</a:t>
+            </a:r>
+            <a:r>
+              <a:rPr lang="en-US" dirty="0" smtClean="0"/>
+              <a:t> one appears much more complex than the other.</a:t>
+            </a:r>
+          </a:p>
+          <a:p>
+            <a:pPr marL="0" indent="0">
+              <a:lnSpc>
+                <a:spcPct val="100000"/>
+              </a:lnSpc>
+              <a:spcBef>
+                <a:spcPts val="0"/>
+              </a:spcBef>
+              <a:buNone/>
+            </a:pPr>
+            <a:endParaRPr lang="en-US" dirty="0"/>
+          </a:p>
+          <a:p>
+            <a:pPr marL="0" indent="0">
+              <a:lnSpc>
+                <a:spcPct val="100000"/>
+              </a:lnSpc>
+              <a:spcBef>
+                <a:spcPts val="0"/>
+              </a:spcBef>
+              <a:buNone/>
+            </a:pPr>
+            <a:r>
+              <a:rPr lang="en-US" dirty="0" smtClean="0"/>
+              <a:t>Does this structural complexity influence student success?</a:t>
+            </a:r>
+          </a:p>
+          <a:p>
+            <a:pPr>
+              <a:lnSpc>
+                <a:spcPct val="100000"/>
+              </a:lnSpc>
+              <a:spcBef>
+                <a:spcPts val="0"/>
+              </a:spcBef>
+            </a:pPr>
+            <a:endParaRPr lang="en-US" dirty="0"/>
+          </a:p>
+        </p:txBody>
+      </p:sp>
+      <p:pic>
+        <p:nvPicPr>
+          <p:cNvPr id="8" name="Picture 7"/>
+          <p:cNvPicPr>
+            <a:picLocks noChangeAspect="1"/>
+          </p:cNvPicPr>
+          <p:nvPr/>
+        </p:nvPicPr>
+        <p:blipFill>
+          <a:blip r:embed="rId2">
+            <a:extLst>
+              <a:ext uri="{28A0092B-C50C-407E-A947-70E740481C1C}">
+                <a14:useLocalDpi xmlns:a14="http://schemas.microsoft.com/office/drawing/2010/main" val="0"/>
+              </a:ext>
+            </a:extLst>
+          </a:blip>
+          <a:stretch>
+            <a:fillRect/>
+          </a:stretch>
+        </p:blipFill>
+        <p:spPr>
+          <a:xfrm>
+            <a:off x="520273" y="83189"/>
+            <a:ext cx="6135419" cy="3277757"/>
+          </a:xfrm>
+          <a:prstGeom prst="rect">
+            <a:avLst/>
+          </a:prstGeom>
+        </p:spPr>
+      </p:pic>
+      <p:pic>
+        <p:nvPicPr>
+          <p:cNvPr id="9" name="Picture 8"/>
+          <p:cNvPicPr>
+            <a:picLocks noChangeAspect="1"/>
+          </p:cNvPicPr>
+          <p:nvPr/>
+        </p:nvPicPr>
+        <p:blipFill>
+          <a:blip r:embed="rId3">
+            <a:extLst>
+              <a:ext uri="{28A0092B-C50C-407E-A947-70E740481C1C}">
+                <a14:useLocalDpi xmlns:a14="http://schemas.microsoft.com/office/drawing/2010/main" val="0"/>
+              </a:ext>
+            </a:extLst>
+          </a:blip>
+          <a:stretch>
+            <a:fillRect/>
+          </a:stretch>
+        </p:blipFill>
+        <p:spPr>
+          <a:xfrm>
+            <a:off x="520274" y="3535655"/>
+            <a:ext cx="6168204" cy="3295273"/>
+          </a:xfrm>
+          <a:prstGeom prst="rect">
+            <a:avLst/>
+          </a:prstGeom>
+        </p:spPr>
+      </p:pic>
+    </p:spTree>
+    <p:extLst>
+      <p:ext uri="{BB962C8B-B14F-4D97-AF65-F5344CB8AC3E}">
+        <p14:creationId xmlns:p14="http://schemas.microsoft.com/office/powerpoint/2010/main" val="2045269614"/>
+      </p:ext>
+    </p:extLst>
+  </p:cSld>
+  <p:clrMapOvr>
+    <a:masterClrMapping/>
+  </p:clrMapOvr>
+</p:sld>
+</file>
+
+<file path=ppt/slides/slide6.xml><?xml version="1.0" encoding="utf-8"?>
+<p:sld xmlns:a="http://schemas.openxmlformats.org/drawingml/2006/main" xmlns:r="http://schemas.openxmlformats.org/officeDocument/2006/relationships" xmlns:p="http://schemas.openxmlformats.org/presentationml/2006/main">
+  <p:cSld>
+    <p:spTree>
+      <p:nvGrpSpPr>
+        <p:cNvPr id="1" name=""/>
+        <p:cNvGrpSpPr/>
+        <p:nvPr/>
+      </p:nvGrpSpPr>
+      <p:grpSpPr>
+        <a:xfrm>
+          <a:off x="0" y="0"/>
+          <a:ext cx="0" cy="0"/>
+          <a:chOff x="0" y="0"/>
+          <a:chExt cx="0" cy="0"/>
+        </a:xfrm>
+      </p:grpSpPr>
+      <p:sp>
+        <p:nvSpPr>
+          <p:cNvPr id="2" name="Title 1"/>
+          <p:cNvSpPr>
+            <a:spLocks noGrp="1"/>
+          </p:cNvSpPr>
+          <p:nvPr>
+            <p:ph type="title"/>
+          </p:nvPr>
+        </p:nvSpPr>
+        <p:spPr/>
+        <p:txBody>
+          <a:bodyPr/>
+          <a:lstStyle/>
+          <a:p>
+            <a:r>
+              <a:rPr lang="en-US" dirty="0" smtClean="0"/>
+              <a:t>Background &amp; Motivation</a:t>
+            </a:r>
+            <a:endParaRPr lang="en-US" dirty="0"/>
+          </a:p>
+        </p:txBody>
+      </p:sp>
+      <mc:AlternateContent xmlns:mc="http://schemas.openxmlformats.org/markup-compatibility/2006">
+        <mc:Choice xmlns:a14="http://schemas.microsoft.com/office/drawing/2010/main" Requires="a14">
+          <p:sp>
+            <p:nvSpPr>
+              <p:cNvPr id="3" name="Content Placeholder 2"/>
+              <p:cNvSpPr>
+                <a:spLocks noGrp="1"/>
+              </p:cNvSpPr>
+              <p:nvPr>
+                <p:ph idx="1"/>
+              </p:nvPr>
+            </p:nvSpPr>
+            <p:spPr/>
+            <p:txBody>
+              <a:bodyPr>
+                <a:normAutofit/>
+              </a:bodyPr>
+              <a:lstStyle/>
+              <a:p>
+                <a:r>
+                  <a:rPr lang="en-US" dirty="0" smtClean="0"/>
+                  <a:t>A curriculum is data </a:t>
+                </a:r>
+                <a:r>
+                  <a:rPr lang="mr-IN" dirty="0" smtClean="0"/>
+                  <a:t>–</a:t>
+                </a:r>
+                <a:r>
+                  <a:rPr lang="en-US" dirty="0" smtClean="0"/>
+                  <a:t> a directed acyclic graph (DAG):</a:t>
+                </a:r>
+              </a:p>
+              <a:p>
+                <a:endParaRPr lang="en-US" b="0" i="1" dirty="0" smtClean="0">
+                  <a:latin typeface="Cambria Math" charset="0"/>
+                </a:endParaRPr>
+              </a:p>
+              <a:p>
+                <a:pPr marL="0" indent="0">
+                  <a:buNone/>
+                </a:pPr>
+                <a14:m>
+                  <m:oMathPara xmlns:m="http://schemas.openxmlformats.org/officeDocument/2006/math">
+                    <m:oMathParaPr>
+                      <m:jc m:val="centerGroup"/>
+                    </m:oMathParaPr>
+                    <m:oMath xmlns:m="http://schemas.openxmlformats.org/officeDocument/2006/math">
+                      <m:sSub>
+                        <m:sSubPr>
+                          <m:ctrlPr>
+                            <a:rPr lang="en-US" b="0" i="1" smtClean="0">
+                              <a:latin typeface="Cambria Math" charset="0"/>
+                            </a:rPr>
+                          </m:ctrlPr>
+                        </m:sSubPr>
+                        <m:e>
+                          <m:r>
+                            <a:rPr lang="en-US" b="0" i="1" smtClean="0">
+                              <a:latin typeface="Cambria Math" charset="0"/>
+                            </a:rPr>
+                            <m:t>𝐺</m:t>
+                          </m:r>
+                        </m:e>
+                        <m:sub>
+                          <m:r>
+                            <a:rPr lang="en-US" b="0" i="1" smtClean="0">
+                              <a:latin typeface="Cambria Math" charset="0"/>
+                            </a:rPr>
+                            <m:t>𝐶</m:t>
+                          </m:r>
+                        </m:sub>
+                      </m:sSub>
+                      <m:r>
+                        <a:rPr lang="en-US" b="0" i="1" smtClean="0">
+                          <a:latin typeface="Cambria Math" charset="0"/>
+                        </a:rPr>
+                        <m:t>=</m:t>
+                      </m:r>
+                      <m:d>
+                        <m:dPr>
+                          <m:ctrlPr>
+                            <a:rPr lang="en-US" b="0" i="1" smtClean="0">
+                              <a:latin typeface="Cambria Math" charset="0"/>
+                            </a:rPr>
+                          </m:ctrlPr>
+                        </m:dPr>
+                        <m:e>
+                          <m:r>
+                            <a:rPr lang="en-US" b="0" i="1" smtClean="0">
+                              <a:latin typeface="Cambria Math" charset="0"/>
+                            </a:rPr>
+                            <m:t>𝑉</m:t>
+                          </m:r>
+                          <m:r>
+                            <a:rPr lang="en-US" b="0" i="1" smtClean="0">
+                              <a:latin typeface="Cambria Math" charset="0"/>
+                            </a:rPr>
+                            <m:t>,</m:t>
+                          </m:r>
+                          <m:r>
+                            <a:rPr lang="en-US" b="0" i="1" smtClean="0">
+                              <a:latin typeface="Cambria Math" charset="0"/>
+                            </a:rPr>
+                            <m:t>𝐸</m:t>
+                          </m:r>
+                        </m:e>
+                      </m:d>
+                    </m:oMath>
+                  </m:oMathPara>
+                </a14:m>
+                <a:endParaRPr lang="en-US" b="0" dirty="0" smtClean="0"/>
+              </a:p>
+              <a:p>
+                <a:pPr marL="0" indent="0">
+                  <a:buNone/>
+                </a:pPr>
+                <a:endParaRPr lang="en-US" dirty="0"/>
+              </a:p>
+              <a:p>
+                <a:r>
+                  <a:rPr lang="en-US" dirty="0" smtClean="0"/>
+                  <a:t>Vertices </a:t>
+                </a:r>
+                <a14:m>
+                  <m:oMath xmlns:m="http://schemas.openxmlformats.org/officeDocument/2006/math">
+                    <m:sSub>
+                      <m:sSubPr>
+                        <m:ctrlPr>
+                          <a:rPr lang="en-US" i="1" smtClean="0">
+                            <a:latin typeface="Cambria Math" charset="0"/>
+                          </a:rPr>
+                        </m:ctrlPr>
+                      </m:sSubPr>
+                      <m:e>
+                        <m:r>
+                          <a:rPr lang="en-US" b="0" i="1" smtClean="0">
+                            <a:latin typeface="Cambria Math" charset="0"/>
+                          </a:rPr>
+                          <m:t>𝑣</m:t>
+                        </m:r>
+                      </m:e>
+                      <m:sub>
+                        <m:r>
+                          <a:rPr lang="en-US" b="0" i="1" smtClean="0">
+                            <a:latin typeface="Cambria Math" charset="0"/>
+                          </a:rPr>
+                          <m:t>1</m:t>
+                        </m:r>
+                      </m:sub>
+                    </m:sSub>
+                    <m:r>
+                      <a:rPr lang="en-US" b="0" i="1" smtClean="0">
+                        <a:latin typeface="Cambria Math" charset="0"/>
+                      </a:rPr>
+                      <m:t>,…</m:t>
+                    </m:r>
+                    <m:sSub>
+                      <m:sSubPr>
+                        <m:ctrlPr>
+                          <a:rPr lang="en-US" b="0" i="1" smtClean="0">
+                            <a:latin typeface="Cambria Math" charset="0"/>
+                          </a:rPr>
+                        </m:ctrlPr>
+                      </m:sSubPr>
+                      <m:e>
+                        <m:r>
+                          <a:rPr lang="en-US" b="0" i="1" smtClean="0">
+                            <a:latin typeface="Cambria Math" charset="0"/>
+                          </a:rPr>
+                          <m:t>𝑣</m:t>
+                        </m:r>
+                      </m:e>
+                      <m:sub>
+                        <m:r>
+                          <a:rPr lang="en-US" b="0" i="1" smtClean="0">
+                            <a:latin typeface="Cambria Math" charset="0"/>
+                          </a:rPr>
+                          <m:t>𝑛</m:t>
+                        </m:r>
+                      </m:sub>
+                    </m:sSub>
+                    <m:r>
+                      <a:rPr lang="en-US" b="0" i="1" smtClean="0">
+                        <a:latin typeface="Cambria Math" charset="0"/>
+                        <a:ea typeface="Cambria Math" charset="0"/>
+                        <a:cs typeface="Cambria Math" charset="0"/>
+                      </a:rPr>
+                      <m:t>∈</m:t>
+                    </m:r>
+                    <m:r>
+                      <a:rPr lang="en-US" b="0" i="1" smtClean="0">
+                        <a:latin typeface="Cambria Math" charset="0"/>
+                        <a:ea typeface="Cambria Math" charset="0"/>
+                        <a:cs typeface="Cambria Math" charset="0"/>
+                      </a:rPr>
+                      <m:t>𝑉</m:t>
+                    </m:r>
+                  </m:oMath>
+                </a14:m>
+                <a:r>
+                  <a:rPr lang="en-US" dirty="0" smtClean="0"/>
+                  <a:t>, represent the courses within the curriculum.</a:t>
+                </a:r>
+              </a:p>
+              <a:p>
+                <a:r>
+                  <a:rPr lang="en-US" dirty="0" smtClean="0"/>
+                  <a:t>Directed edges, </a:t>
+                </a:r>
+                <a14:m>
+                  <m:oMath xmlns:m="http://schemas.openxmlformats.org/officeDocument/2006/math">
+                    <m:sSub>
+                      <m:sSubPr>
+                        <m:ctrlPr>
+                          <a:rPr lang="en-US" i="1" smtClean="0">
+                            <a:latin typeface="Cambria Math" charset="0"/>
+                          </a:rPr>
+                        </m:ctrlPr>
+                      </m:sSubPr>
+                      <m:e>
+                        <m:r>
+                          <a:rPr lang="en-US" b="0" i="1" smtClean="0">
+                            <a:latin typeface="Cambria Math" charset="0"/>
+                          </a:rPr>
+                          <m:t>(</m:t>
+                        </m:r>
+                        <m:r>
+                          <a:rPr lang="en-US" b="0" i="1" smtClean="0">
+                            <a:latin typeface="Cambria Math" charset="0"/>
+                          </a:rPr>
+                          <m:t>𝑣</m:t>
+                        </m:r>
+                      </m:e>
+                      <m:sub>
+                        <m:r>
+                          <a:rPr lang="en-US" b="0" i="1" smtClean="0">
+                            <a:latin typeface="Cambria Math" charset="0"/>
+                          </a:rPr>
+                          <m:t>𝑖</m:t>
+                        </m:r>
+                      </m:sub>
+                    </m:sSub>
+                    <m:r>
+                      <a:rPr lang="en-US" b="0" i="1" smtClean="0">
+                        <a:latin typeface="Cambria Math" charset="0"/>
+                      </a:rPr>
+                      <m:t>,</m:t>
+                    </m:r>
+                    <m:sSub>
+                      <m:sSubPr>
+                        <m:ctrlPr>
+                          <a:rPr lang="en-US" b="0" i="1" smtClean="0">
+                            <a:latin typeface="Cambria Math" charset="0"/>
+                          </a:rPr>
+                        </m:ctrlPr>
+                      </m:sSubPr>
+                      <m:e>
+                        <m:r>
+                          <a:rPr lang="en-US" b="0" i="1" smtClean="0">
+                            <a:latin typeface="Cambria Math" charset="0"/>
+                          </a:rPr>
+                          <m:t>𝑣</m:t>
+                        </m:r>
+                      </m:e>
+                      <m:sub>
+                        <m:r>
+                          <a:rPr lang="en-US" b="0" i="1" smtClean="0">
+                            <a:latin typeface="Cambria Math" charset="0"/>
+                          </a:rPr>
+                          <m:t>𝑗</m:t>
+                        </m:r>
+                      </m:sub>
+                    </m:sSub>
+                    <m:r>
+                      <a:rPr lang="en-US" b="0" i="1" smtClean="0">
+                        <a:latin typeface="Cambria Math" charset="0"/>
+                      </a:rPr>
+                      <m:t>)</m:t>
+                    </m:r>
+                    <m:r>
+                      <a:rPr lang="en-US" b="0" i="1" smtClean="0">
+                        <a:latin typeface="Cambria Math" charset="0"/>
+                        <a:ea typeface="Cambria Math" charset="0"/>
+                        <a:cs typeface="Cambria Math" charset="0"/>
+                      </a:rPr>
+                      <m:t>∈</m:t>
+                    </m:r>
+                    <m:r>
+                      <a:rPr lang="en-US" b="0" i="1" smtClean="0">
+                        <a:latin typeface="Cambria Math" charset="0"/>
+                        <a:ea typeface="Cambria Math" charset="0"/>
+                        <a:cs typeface="Cambria Math" charset="0"/>
+                      </a:rPr>
+                      <m:t>𝐸</m:t>
+                    </m:r>
+                  </m:oMath>
+                </a14:m>
+                <a:r>
+                  <a:rPr lang="en-US" dirty="0" smtClean="0"/>
+                  <a:t>, signify prerequisite and co-requisite relationships between courses.</a:t>
+                </a:r>
+              </a:p>
+              <a:p>
+                <a14:m>
+                  <m:oMath xmlns:m="http://schemas.openxmlformats.org/officeDocument/2006/math">
+                    <m:sSub>
+                      <m:sSubPr>
+                        <m:ctrlPr>
+                          <a:rPr lang="en-US" i="1" smtClean="0">
+                            <a:latin typeface="Cambria Math" charset="0"/>
+                          </a:rPr>
+                        </m:ctrlPr>
+                      </m:sSubPr>
+                      <m:e>
+                        <m:r>
+                          <a:rPr lang="en-US" b="0" i="1" smtClean="0">
+                            <a:latin typeface="Cambria Math" charset="0"/>
+                          </a:rPr>
+                          <m:t>𝐺</m:t>
+                        </m:r>
+                      </m:e>
+                      <m:sub>
+                        <m:r>
+                          <a:rPr lang="en-US" b="0" i="1" smtClean="0">
+                            <a:latin typeface="Cambria Math" charset="0"/>
+                          </a:rPr>
+                          <m:t>𝐶</m:t>
+                        </m:r>
+                      </m:sub>
+                    </m:sSub>
+                  </m:oMath>
+                </a14:m>
+                <a:r>
+                  <a:rPr lang="en-US" dirty="0" smtClean="0"/>
+                  <a:t> is referred to as the curriculum graph representing curriculum </a:t>
+                </a:r>
+                <a:r>
+                  <a:rPr lang="en-US" i="1" dirty="0" smtClean="0"/>
+                  <a:t>C</a:t>
+                </a:r>
+                <a:endParaRPr lang="en-US" dirty="0" smtClean="0"/>
+              </a:p>
+              <a:p>
+                <a:pPr marL="0" indent="0">
+                  <a:buNone/>
+                </a:pPr>
+                <a:endParaRPr lang="en-US" dirty="0"/>
+              </a:p>
+              <a:p>
+                <a:pPr marL="0" indent="0">
+                  <a:buNone/>
+                </a:pPr>
+                <a:endParaRPr lang="en-US" dirty="0" smtClean="0"/>
+              </a:p>
+            </p:txBody>
+          </p:sp>
+        </mc:Choice>
+        <mc:Fallback>
+          <p:sp>
+            <p:nvSpPr>
+              <p:cNvPr id="3" name="Content Placeholder 2"/>
+              <p:cNvSpPr>
+                <a:spLocks noGrp="1" noRot="1" noChangeAspect="1" noMove="1" noResize="1" noEditPoints="1" noAdjustHandles="1" noChangeArrowheads="1" noChangeShapeType="1" noTextEdit="1"/>
+              </p:cNvSpPr>
+              <p:nvPr>
+                <p:ph idx="1"/>
+              </p:nvPr>
+            </p:nvSpPr>
+            <p:spPr>
+              <a:blipFill rotWithShape="0">
+                <a:blip r:embed="rId3"/>
+                <a:stretch>
+                  <a:fillRect l="-1043" t="-2241"/>
+                </a:stretch>
+              </a:blipFill>
+            </p:spPr>
+            <p:txBody>
+              <a:bodyPr/>
+              <a:lstStyle/>
+              <a:p>
+                <a:r>
+                  <a:rPr lang="en-US">
+                    <a:noFill/>
+                  </a:rPr>
+                  <a:t> </a:t>
+                </a:r>
+              </a:p>
+            </p:txBody>
+          </p:sp>
+        </mc:Fallback>
+      </mc:AlternateContent>
+    </p:spTree>
+    <p:extLst>
+      <p:ext uri="{BB962C8B-B14F-4D97-AF65-F5344CB8AC3E}">
+        <p14:creationId xmlns:p14="http://schemas.microsoft.com/office/powerpoint/2010/main" val="819662712"/>
+      </p:ext>
+    </p:extLst>
+  </p:cSld>
+  <p:clrMapOvr>
+    <a:masterClrMapping/>
+  </p:clrMapOvr>
+  <p:timing>
+    <p:tnLst>
+      <p:par>
+        <p:cTn id="1" dur="indefinite" restart="never" nodeType="tmRoot"/>
+      </p:par>
+    </p:tnLst>
+  </p:timing>
+</p:sld>
+</file>
+
+<file path=ppt/slides/slide7.xml><?xml version="1.0" encoding="utf-8"?>
+<p:sld xmlns:a="http://schemas.openxmlformats.org/drawingml/2006/main" xmlns:r="http://schemas.openxmlformats.org/officeDocument/2006/relationships" xmlns:p="http://schemas.openxmlformats.org/presentationml/2006/main">
+  <p:cSld>
+    <p:spTree>
+      <p:nvGrpSpPr>
+        <p:cNvPr id="1" name=""/>
+        <p:cNvGrpSpPr/>
+        <p:nvPr/>
+      </p:nvGrpSpPr>
+      <p:grpSpPr>
+        <a:xfrm>
+          <a:off x="0" y="0"/>
+          <a:ext cx="0" cy="0"/>
+          <a:chOff x="0" y="0"/>
+          <a:chExt cx="0" cy="0"/>
+        </a:xfrm>
+      </p:grpSpPr>
+      <p:sp>
+        <p:nvSpPr>
+          <p:cNvPr id="2" name="Title 1"/>
+          <p:cNvSpPr>
+            <a:spLocks noGrp="1"/>
+          </p:cNvSpPr>
+          <p:nvPr>
+            <p:ph type="title"/>
+          </p:nvPr>
+        </p:nvSpPr>
+        <p:spPr/>
+        <p:txBody>
+          <a:bodyPr/>
+          <a:lstStyle/>
+          <a:p>
+            <a:r>
+              <a:rPr lang="en-US" dirty="0" smtClean="0"/>
+              <a:t>Background &amp; Motivation</a:t>
+            </a:r>
+            <a:endParaRPr lang="en-US" dirty="0"/>
+          </a:p>
+        </p:txBody>
+      </p:sp>
+      <p:sp>
+        <p:nvSpPr>
+          <p:cNvPr id="3" name="Content Placeholder 2"/>
+          <p:cNvSpPr>
+            <a:spLocks noGrp="1"/>
+          </p:cNvSpPr>
+          <p:nvPr>
+            <p:ph idx="1"/>
+          </p:nvPr>
+        </p:nvSpPr>
+        <p:spPr/>
+        <p:txBody>
+          <a:bodyPr>
+            <a:normAutofit fontScale="92500" lnSpcReduction="20000"/>
+          </a:bodyPr>
+          <a:lstStyle/>
+          <a:p>
+            <a:r>
+              <a:rPr lang="en-US" dirty="0" smtClean="0"/>
+              <a:t>Representing a curriculum in this way allows for analytics and correlating structure to student success </a:t>
+            </a:r>
+            <a:r>
+              <a:rPr lang="mr-IN" dirty="0" smtClean="0"/>
+              <a:t>–</a:t>
+            </a:r>
+            <a:r>
+              <a:rPr lang="en-US" dirty="0" smtClean="0"/>
+              <a:t> given the right tools.</a:t>
+            </a:r>
+          </a:p>
+          <a:p>
+            <a:endParaRPr lang="en-US" dirty="0" smtClean="0"/>
+          </a:p>
+          <a:p>
+            <a:r>
+              <a:rPr lang="en-US" dirty="0" smtClean="0"/>
+              <a:t>Providing these tools was the motivation behind the development of the Curriculum Analysis and Simulation Library (CASL).</a:t>
+            </a:r>
+          </a:p>
+          <a:p>
+            <a:endParaRPr lang="en-US" dirty="0" smtClean="0"/>
+          </a:p>
+          <a:p>
+            <a:r>
+              <a:rPr lang="en-US" dirty="0" smtClean="0"/>
+              <a:t>CASL:</a:t>
+            </a:r>
+          </a:p>
+          <a:p>
+            <a:pPr lvl="1"/>
+            <a:r>
+              <a:rPr lang="en-US" dirty="0" smtClean="0"/>
+              <a:t>Represents curricula in a programming environment.</a:t>
+            </a:r>
+          </a:p>
+          <a:p>
+            <a:pPr lvl="1"/>
+            <a:r>
+              <a:rPr lang="en-US" dirty="0" smtClean="0"/>
+              <a:t>Defines a JSON-based standard for representing curricula.</a:t>
+            </a:r>
+          </a:p>
+          <a:p>
+            <a:pPr lvl="1"/>
+            <a:r>
+              <a:rPr lang="en-US" dirty="0" smtClean="0"/>
+              <a:t>Provides metrics for characterizing the structural complexity of curricula.</a:t>
+            </a:r>
+          </a:p>
+          <a:p>
+            <a:pPr lvl="1"/>
+            <a:r>
+              <a:rPr lang="en-US" dirty="0" smtClean="0"/>
+              <a:t>Provides an interface and framework for simulating students moving through a curriculum.</a:t>
+            </a:r>
+          </a:p>
+        </p:txBody>
+      </p:sp>
+    </p:spTree>
+    <p:extLst>
+      <p:ext uri="{BB962C8B-B14F-4D97-AF65-F5344CB8AC3E}">
+        <p14:creationId xmlns:p14="http://schemas.microsoft.com/office/powerpoint/2010/main" val="729174731"/>
+      </p:ext>
+    </p:extLst>
+  </p:cSld>
+  <p:clrMapOvr>
+    <a:masterClrMapping/>
+  </p:clrMapOvr>
+  <p:timing>
+    <p:tnLst>
+      <p:par>
+        <p:cTn id="1" dur="indefinite" restart="never" nodeType="tmRoot"/>
+      </p:par>
+    </p:tnLst>
+  </p:timing>
+</p:sld>
+</file>
+
+<file path=ppt/slides/slide8.xml><?xml version="1.0" encoding="utf-8"?>
+<p:sld xmlns:a="http://schemas.openxmlformats.org/drawingml/2006/main" xmlns:r="http://schemas.openxmlformats.org/officeDocument/2006/relationships" xmlns:p="http://schemas.openxmlformats.org/presentationml/2006/main">
+  <p:cSld>
+    <p:spTree>
+      <p:nvGrpSpPr>
+        <p:cNvPr id="1" name=""/>
+        <p:cNvGrpSpPr/>
+        <p:nvPr/>
+      </p:nvGrpSpPr>
+      <p:grpSpPr>
+        <a:xfrm>
+          <a:off x="0" y="0"/>
+          <a:ext cx="0" cy="0"/>
+          <a:chOff x="0" y="0"/>
+          <a:chExt cx="0" cy="0"/>
+        </a:xfrm>
+      </p:grpSpPr>
+      <p:sp>
+        <p:nvSpPr>
+          <p:cNvPr id="2" name="Title 1"/>
+          <p:cNvSpPr>
+            <a:spLocks noGrp="1"/>
+          </p:cNvSpPr>
+          <p:nvPr>
+            <p:ph type="title"/>
+          </p:nvPr>
+        </p:nvSpPr>
+        <p:spPr/>
+        <p:txBody>
+          <a:bodyPr/>
+          <a:lstStyle/>
+          <a:p>
+            <a:r>
+              <a:rPr lang="en-US" dirty="0" smtClean="0"/>
+              <a:t>Previous Work</a:t>
+            </a:r>
+            <a:endParaRPr lang="en-US" dirty="0"/>
+          </a:p>
+        </p:txBody>
+      </p:sp>
+      <p:sp>
+        <p:nvSpPr>
+          <p:cNvPr id="3" name="Text Placeholder 2"/>
+          <p:cNvSpPr>
+            <a:spLocks noGrp="1"/>
+          </p:cNvSpPr>
+          <p:nvPr>
+            <p:ph type="body" idx="1"/>
+          </p:nvPr>
+        </p:nvSpPr>
+        <p:spPr/>
+        <p:txBody>
+          <a:bodyPr/>
+          <a:lstStyle/>
+          <a:p>
+            <a:endParaRPr lang="en-US"/>
+          </a:p>
+        </p:txBody>
+      </p:sp>
+    </p:spTree>
+    <p:extLst>
+      <p:ext uri="{BB962C8B-B14F-4D97-AF65-F5344CB8AC3E}">
+        <p14:creationId xmlns:p14="http://schemas.microsoft.com/office/powerpoint/2010/main" val="864084000"/>
+      </p:ext>
+    </p:extLst>
+  </p:cSld>
+  <p:clrMapOvr>
+    <a:masterClrMapping/>
+  </p:clrMapOvr>
+</p:sld>
+</file>
+
+<file path=ppt/slides/slide9.xml><?xml version="1.0" encoding="utf-8"?>
+<p:sld xmlns:a="http://schemas.openxmlformats.org/drawingml/2006/main" xmlns:r="http://schemas.openxmlformats.org/officeDocument/2006/relationships" xmlns:p="http://schemas.openxmlformats.org/presentationml/2006/main">
+  <p:cSld>
+    <p:spTree>
+      <p:nvGrpSpPr>
+        <p:cNvPr id="1" name=""/>
+        <p:cNvGrpSpPr/>
+        <p:nvPr/>
+      </p:nvGrpSpPr>
+      <p:grpSpPr>
+        <a:xfrm>
+          <a:off x="0" y="0"/>
+          <a:ext cx="0" cy="0"/>
+          <a:chOff x="0" y="0"/>
+          <a:chExt cx="0" cy="0"/>
+        </a:xfrm>
+      </p:grpSpPr>
+      <p:sp>
+        <p:nvSpPr>
+          <p:cNvPr id="2" name="Title 1"/>
+          <p:cNvSpPr>
+            <a:spLocks noGrp="1"/>
+          </p:cNvSpPr>
+          <p:nvPr>
+            <p:ph type="title"/>
+          </p:nvPr>
+        </p:nvSpPr>
+        <p:spPr/>
+        <p:txBody>
+          <a:bodyPr/>
+          <a:lstStyle/>
+          <a:p>
+            <a:r>
+              <a:rPr lang="en-US" dirty="0" smtClean="0"/>
+              <a:t>Previous Work</a:t>
+            </a:r>
+            <a:endParaRPr lang="en-US" dirty="0"/>
+          </a:p>
+        </p:txBody>
+      </p:sp>
+      <p:sp>
+        <p:nvSpPr>
+          <p:cNvPr id="3" name="Content Placeholder 2"/>
+          <p:cNvSpPr>
+            <a:spLocks noGrp="1"/>
+          </p:cNvSpPr>
+          <p:nvPr>
+            <p:ph idx="1"/>
+          </p:nvPr>
+        </p:nvSpPr>
+        <p:spPr/>
+        <p:txBody>
+          <a:bodyPr/>
+          <a:lstStyle/>
+          <a:p>
+            <a:r>
+              <a:rPr lang="en-US" dirty="0" smtClean="0"/>
+              <a:t>Two main areas of work that influenced the feature set and implementation of CASL:</a:t>
+            </a:r>
+          </a:p>
+          <a:p>
+            <a:endParaRPr lang="en-US" dirty="0" smtClean="0"/>
+          </a:p>
+          <a:p>
+            <a:pPr lvl="1"/>
+            <a:r>
+              <a:rPr lang="en-US" dirty="0" smtClean="0"/>
+              <a:t>Characterizing a curriculum’s structural complexity: Slim, et al. at UNM.</a:t>
+            </a:r>
+          </a:p>
+          <a:p>
+            <a:pPr lvl="1"/>
+            <a:endParaRPr lang="en-US" dirty="0"/>
+          </a:p>
+          <a:p>
+            <a:pPr lvl="1"/>
+            <a:r>
+              <a:rPr lang="en-US" dirty="0" smtClean="0"/>
+              <a:t>Simulating students within a curriculum: </a:t>
+            </a:r>
+            <a:r>
+              <a:rPr lang="en-US" dirty="0"/>
+              <a:t>Saltzman and </a:t>
+            </a:r>
+            <a:r>
+              <a:rPr lang="en-US" dirty="0" smtClean="0"/>
+              <a:t>Roeder at SFSU.</a:t>
+            </a:r>
+          </a:p>
+        </p:txBody>
+      </p:sp>
+    </p:spTree>
+    <p:extLst>
+      <p:ext uri="{BB962C8B-B14F-4D97-AF65-F5344CB8AC3E}">
+        <p14:creationId xmlns:p14="http://schemas.microsoft.com/office/powerpoint/2010/main" val="1329385936"/>
+      </p:ext>
+    </p:extLst>
+  </p:cSld>
+  <p:clrMapOvr>
+    <a:masterClrMapping/>
+  </p:clrMapOvr>
+  <p:timing>
+    <p:tnLst>
+      <p:par>
+        <p:cTn id="1" dur="indefinite" restart="never" nodeType="tmRoot"/>
+      </p:par>
+    </p:tnLst>
+  </p:timing>
+</p:sld>
+</file>
+
 <file path=ppt/theme/theme1.xml><?xml version="1.0" encoding="utf-8"?>
-<a:theme xmlns:a="http://schemas.openxmlformats.org/drawingml/2006/main" name="Retrospect">
+<a:theme xmlns:a="http://schemas.openxmlformats.org/drawingml/2006/main" name="Office Theme">
   <a:themeElements>
-    <a:clrScheme name="Retrospect">
+    <a:clrScheme name="Office">
       <a:dk1>
         <a:sysClr val="windowText" lastClr="000000"/>
       </a:dk1>
@@ -4606,44 +9574,44 @@
         <a:sysClr val="window" lastClr="FFFFFF"/>
       </a:lt1>
       <a:dk2>
-        <a:srgbClr val="455F51"/>
+        <a:srgbClr val="44546A"/>
       </a:dk2>
       <a:lt2>
-        <a:srgbClr val="E2DFCC"/>
+        <a:srgbClr val="E7E6E6"/>
       </a:lt2>
       <a:accent1>
-        <a:srgbClr val="99CB38"/>
+        <a:srgbClr val="5B9BD5"/>
       </a:accent1>
       <a:accent2>
-        <a:srgbClr val="63A537"/>
+        <a:srgbClr val="ED7D31"/>
       </a:accent2>
       <a:accent3>
-        <a:srgbClr val="37A76F"/>
+        <a:srgbClr val="A5A5A5"/>
       </a:accent3>
       <a:accent4>
-        <a:srgbClr val="44C1A3"/>
+        <a:srgbClr val="FFC000"/>
       </a:accent4>
       <a:accent5>
-        <a:srgbClr val="4EB3CF"/>
+        <a:srgbClr val="4472C4"/>
       </a:accent5>
       <a:accent6>
-        <a:srgbClr val="51C3F9"/>
+        <a:srgbClr val="70AD47"/>
       </a:accent6>
       <a:hlink>
-        <a:srgbClr val="6B9F25"/>
+        <a:srgbClr val="0563C1"/>
       </a:hlink>
       <a:folHlink>
-        <a:srgbClr val="B26B02"/>
+        <a:srgbClr val="954F72"/>
       </a:folHlink>
     </a:clrScheme>
-    <a:fontScheme name="Retrospect">
+    <a:fontScheme name="Office">
       <a:majorFont>
         <a:latin typeface="Calibri Light" panose="020F0302020204030204"/>
         <a:ea typeface=""/>
         <a:cs typeface=""/>
-        <a:font script="Jpan" typeface="ＭＳ Ｐゴシック"/>
+        <a:font script="Jpan" typeface="Yu Gothic Light"/>
         <a:font script="Hang" typeface="맑은 고딕"/>
-        <a:font script="Hans" typeface="宋体"/>
+        <a:font script="Hans" typeface="DengXian Light"/>
         <a:font script="Hant" typeface="新細明體"/>
         <a:font script="Arab" typeface="Times New Roman"/>
         <a:font script="Hebr" typeface="Times New Roman"/>
@@ -4676,9 +9644,9 @@
         <a:latin typeface="Calibri" panose="020F0502020204030204"/>
         <a:ea typeface=""/>
         <a:cs typeface=""/>
-        <a:font script="Jpan" typeface="ＭＳ Ｐゴシック"/>
+        <a:font script="Jpan" typeface="Yu Gothic"/>
         <a:font script="Hang" typeface="맑은 고딕"/>
-        <a:font script="Hans" typeface="宋体"/>
+        <a:font script="Hans" typeface="DengXian"/>
         <a:font script="Hant" typeface="新細明體"/>
         <a:font script="Arab" typeface="Arial"/>
         <a:font script="Hebr" typeface="Arial"/>
@@ -4708,7 +9676,7 @@
         <a:font script="Geor" typeface="Sylfaen"/>
       </a:minorFont>
     </a:fontScheme>
-    <a:fmtScheme name="Retrospect">
+    <a:fmtScheme name="Office">
       <a:fillStyleLst>
         <a:solidFill>
           <a:schemeClr val="phClr"/>
@@ -4717,81 +9685,76 @@
           <a:gsLst>
             <a:gs pos="0">
               <a:schemeClr val="phClr">
-                <a:tint val="65000"/>
-                <a:shade val="92000"/>
-                <a:satMod val="130000"/>
+                <a:lumMod val="110000"/>
+                <a:satMod val="105000"/>
+                <a:tint val="67000"/>
               </a:schemeClr>
             </a:gs>
-            <a:gs pos="45000">
+            <a:gs pos="50000">
               <a:schemeClr val="phClr">
-                <a:tint val="60000"/>
-                <a:shade val="99000"/>
-                <a:satMod val="120000"/>
+                <a:lumMod val="105000"/>
+                <a:satMod val="103000"/>
+                <a:tint val="73000"/>
               </a:schemeClr>
             </a:gs>
             <a:gs pos="100000">
               <a:schemeClr val="phClr">
-                <a:tint val="55000"/>
-                <a:satMod val="140000"/>
+                <a:lumMod val="105000"/>
+                <a:satMod val="109000"/>
+                <a:tint val="81000"/>
               </a:schemeClr>
             </a:gs>
           </a:gsLst>
-          <a:path path="circle">
-            <a:fillToRect l="100000" t="100000" r="100000" b="100000"/>
-          </a:path>
+          <a:lin ang="5400000" scaled="0"/>
         </a:gradFill>
         <a:gradFill rotWithShape="1">
           <a:gsLst>
             <a:gs pos="0">
               <a:schemeClr val="phClr">
-                <a:shade val="85000"/>
-                <a:satMod val="130000"/>
+                <a:satMod val="103000"/>
+                <a:lumMod val="102000"/>
+                <a:tint val="94000"/>
               </a:schemeClr>
             </a:gs>
-            <a:gs pos="34000">
+            <a:gs pos="50000">
               <a:schemeClr val="phClr">
-                <a:shade val="87000"/>
-                <a:satMod val="125000"/>
-              </a:schemeClr>
-            </a:gs>
-            <a:gs pos="70000">
-              <a:schemeClr val="phClr">
-                <a:tint val="100000"/>
-                <a:shade val="90000"/>
-                <a:satMod val="130000"/>
+                <a:satMod val="110000"/>
+                <a:lumMod val="100000"/>
+                <a:shade val="100000"/>
               </a:schemeClr>
             </a:gs>
             <a:gs pos="100000">
               <a:schemeClr val="phClr">
-                <a:tint val="100000"/>
-                <a:shade val="100000"/>
-                <a:satMod val="110000"/>
+                <a:lumMod val="99000"/>
+                <a:satMod val="120000"/>
+                <a:shade val="78000"/>
               </a:schemeClr>
             </a:gs>
           </a:gsLst>
-          <a:path path="circle">
-            <a:fillToRect l="100000" t="100000" r="100000" b="100000"/>
-          </a:path>
+          <a:lin ang="5400000" scaled="0"/>
         </a:gradFill>
       </a:fillStyleLst>
       <a:lnStyleLst>
+        <a:ln w="6350" cap="flat" cmpd="sng" algn="ctr">
+          <a:solidFill>
+            <a:schemeClr val="phClr"/>
+          </a:solidFill>
+          <a:prstDash val="solid"/>
+          <a:miter lim="800000"/>
+        </a:ln>
         <a:ln w="12700" cap="flat" cmpd="sng" algn="ctr">
           <a:solidFill>
             <a:schemeClr val="phClr"/>
           </a:solidFill>
           <a:prstDash val="solid"/>
+          <a:miter lim="800000"/>
         </a:ln>
-        <a:ln w="15875" cap="flat" cmpd="sng" algn="ctr">
+        <a:ln w="19050" cap="flat" cmpd="sng" algn="ctr">
           <a:solidFill>
             <a:schemeClr val="phClr"/>
           </a:solidFill>
           <a:prstDash val="solid"/>
-        </a:ln>
-        <a:ln w="25400" cap="flat" cmpd="sng" algn="ctr">
-          <a:solidFill>
-            <a:schemeClr val="phClr"/>
-          </a:solidFill>
-          <a:prstDash val="solid"/>
+          <a:miter lim="800000"/>
         </a:ln>
       </a:lnStyleLst>
       <a:effectStyleLst>
@@ -4799,33 +9762,16 @@
           <a:effectLst/>
         </a:effectStyle>
         <a:effectStyle>
+          <a:effectLst/>
+        </a:effectStyle>
+        <a:effectStyle>
           <a:effectLst>
-            <a:outerShdw blurRad="38100" dist="25400" dir="2700000" algn="br" rotWithShape="0">
+            <a:outerShdw blurRad="57150" dist="19050" dir="5400000" algn="ctr" rotWithShape="0">
               <a:srgbClr val="000000">
-                <a:alpha val="60000"/>
+                <a:alpha val="63000"/>
               </a:srgbClr>
             </a:outerShdw>
           </a:effectLst>
-        </a:effectStyle>
-        <a:effectStyle>
-          <a:effectLst>
-            <a:outerShdw blurRad="44450" dist="25400" dir="2700000" algn="br" rotWithShape="0">
-              <a:srgbClr val="000000">
-                <a:alpha val="60000"/>
-              </a:srgbClr>
-            </a:outerShdw>
-          </a:effectLst>
-          <a:scene3d>
-            <a:camera prst="orthographicFront">
-              <a:rot lat="0" lon="0" rev="0"/>
-            </a:camera>
-            <a:lightRig rig="threePt" dir="t">
-              <a:rot lat="0" lon="0" rev="19800000"/>
-            </a:lightRig>
-          </a:scene3d>
-          <a:sp3d prstMaterial="flat">
-            <a:bevelT w="25400" h="31750"/>
-          </a:sp3d>
         </a:effectStyle>
       </a:effectStyleLst>
       <a:bgFillStyleLst>
@@ -4834,36 +9780,36 @@
         </a:solidFill>
         <a:solidFill>
           <a:schemeClr val="phClr">
-            <a:tint val="90000"/>
-            <a:shade val="97000"/>
-            <a:satMod val="130000"/>
+            <a:tint val="95000"/>
+            <a:satMod val="170000"/>
           </a:schemeClr>
         </a:solidFill>
         <a:gradFill rotWithShape="1">
           <a:gsLst>
             <a:gs pos="0">
               <a:schemeClr val="phClr">
-                <a:tint val="96000"/>
-                <a:shade val="99000"/>
-                <a:satMod val="140000"/>
+                <a:tint val="93000"/>
+                <a:satMod val="150000"/>
+                <a:shade val="98000"/>
+                <a:lumMod val="102000"/>
               </a:schemeClr>
             </a:gs>
-            <a:gs pos="65000">
+            <a:gs pos="50000">
               <a:schemeClr val="phClr">
-                <a:tint val="100000"/>
-                <a:shade val="80000"/>
+                <a:tint val="98000"/>
                 <a:satMod val="130000"/>
+                <a:shade val="90000"/>
+                <a:lumMod val="103000"/>
               </a:schemeClr>
             </a:gs>
             <a:gs pos="100000">
               <a:schemeClr val="phClr">
-                <a:tint val="100000"/>
-                <a:shade val="48000"/>
+                <a:shade val="63000"/>
                 <a:satMod val="120000"/>
               </a:schemeClr>
             </a:gs>
           </a:gsLst>
-          <a:lin ang="16200000" scaled="0"/>
+          <a:lin ang="5400000" scaled="0"/>
         </a:gradFill>
       </a:bgFillStyleLst>
     </a:fmtScheme>
@@ -4872,7 +9818,7 @@
   <a:extraClrSchemeLst/>
   <a:extLst>
     <a:ext uri="{05A4C25C-085E-4340-85A3-A5531E510DB2}">
-      <thm15:themeFamily xmlns:thm15="http://schemas.microsoft.com/office/thememl/2012/main" name="Retrospect" id="{5F128B03-DCCA-4EEB-AB3B-CF2899314A46}" vid="{D26EA377-59BD-4C9C-9D94-EE8416EE4C79}"/>
+      <thm15:themeFamily xmlns:thm15="http://schemas.microsoft.com/office/thememl/2012/main" name="Office Theme" id="{62F939B6-93AF-4DB8-9C6B-D6C7DFDC589F}" vid="{4A3C46E8-61CC-4603-A589-7422A47A8E4A}"/>
     </a:ext>
   </a:extLst>
 </a:theme>

--- a/Defense.pptx
+++ b/Defense.pptx
@@ -2,10 +2,10 @@
 <file path=ppt/presentation.xml><?xml version="1.0" encoding="utf-8"?>
 <p:presentation xmlns:a="http://schemas.openxmlformats.org/drawingml/2006/main" xmlns:r="http://schemas.openxmlformats.org/officeDocument/2006/relationships" xmlns:p="http://schemas.openxmlformats.org/presentationml/2006/main" saveSubsetFonts="1" autoCompressPictures="0">
   <p:sldMasterIdLst>
-    <p:sldMasterId id="2147483924" r:id="rId1"/>
+    <p:sldMasterId id="2147484056" r:id="rId1"/>
   </p:sldMasterIdLst>
   <p:notesMasterIdLst>
-    <p:notesMasterId r:id="rId32"/>
+    <p:notesMasterId r:id="rId52"/>
   </p:notesMasterIdLst>
   <p:sldIdLst>
     <p:sldId id="256" r:id="rId2"/>
@@ -29,15 +29,35 @@
     <p:sldId id="277" r:id="rId20"/>
     <p:sldId id="279" r:id="rId21"/>
     <p:sldId id="280" r:id="rId22"/>
-    <p:sldId id="281" r:id="rId23"/>
-    <p:sldId id="282" r:id="rId24"/>
-    <p:sldId id="267" r:id="rId25"/>
-    <p:sldId id="283" r:id="rId26"/>
-    <p:sldId id="284" r:id="rId27"/>
-    <p:sldId id="285" r:id="rId28"/>
-    <p:sldId id="286" r:id="rId29"/>
-    <p:sldId id="278" r:id="rId30"/>
-    <p:sldId id="268" r:id="rId31"/>
+    <p:sldId id="282" r:id="rId23"/>
+    <p:sldId id="267" r:id="rId24"/>
+    <p:sldId id="283" r:id="rId25"/>
+    <p:sldId id="284" r:id="rId26"/>
+    <p:sldId id="285" r:id="rId27"/>
+    <p:sldId id="286" r:id="rId28"/>
+    <p:sldId id="278" r:id="rId29"/>
+    <p:sldId id="288" r:id="rId30"/>
+    <p:sldId id="289" r:id="rId31"/>
+    <p:sldId id="290" r:id="rId32"/>
+    <p:sldId id="291" r:id="rId33"/>
+    <p:sldId id="292" r:id="rId34"/>
+    <p:sldId id="293" r:id="rId35"/>
+    <p:sldId id="294" r:id="rId36"/>
+    <p:sldId id="295" r:id="rId37"/>
+    <p:sldId id="296" r:id="rId38"/>
+    <p:sldId id="297" r:id="rId39"/>
+    <p:sldId id="298" r:id="rId40"/>
+    <p:sldId id="299" r:id="rId41"/>
+    <p:sldId id="300" r:id="rId42"/>
+    <p:sldId id="301" r:id="rId43"/>
+    <p:sldId id="302" r:id="rId44"/>
+    <p:sldId id="304" r:id="rId45"/>
+    <p:sldId id="305" r:id="rId46"/>
+    <p:sldId id="306" r:id="rId47"/>
+    <p:sldId id="307" r:id="rId48"/>
+    <p:sldId id="268" r:id="rId49"/>
+    <p:sldId id="309" r:id="rId50"/>
+    <p:sldId id="303" r:id="rId51"/>
   </p:sldIdLst>
   <p:sldSz cx="12192000" cy="6858000"/>
   <p:notesSz cx="6858000" cy="9144000"/>
@@ -578,6 +598,174 @@
 </p:notes>
 </file>
 
+<file path=ppt/notesSlides/notesSlide10.xml><?xml version="1.0" encoding="utf-8"?>
+<p:notes xmlns:a="http://schemas.openxmlformats.org/drawingml/2006/main" xmlns:r="http://schemas.openxmlformats.org/officeDocument/2006/relationships" xmlns:p="http://schemas.openxmlformats.org/presentationml/2006/main">
+  <p:cSld>
+    <p:spTree>
+      <p:nvGrpSpPr>
+        <p:cNvPr id="1" name=""/>
+        <p:cNvGrpSpPr/>
+        <p:nvPr/>
+      </p:nvGrpSpPr>
+      <p:grpSpPr>
+        <a:xfrm>
+          <a:off x="0" y="0"/>
+          <a:ext cx="0" cy="0"/>
+          <a:chOff x="0" y="0"/>
+          <a:chExt cx="0" cy="0"/>
+        </a:xfrm>
+      </p:grpSpPr>
+      <p:sp>
+        <p:nvSpPr>
+          <p:cNvPr id="2" name="Slide Image Placeholder 1"/>
+          <p:cNvSpPr>
+            <a:spLocks noGrp="1" noRot="1" noChangeAspect="1"/>
+          </p:cNvSpPr>
+          <p:nvPr>
+            <p:ph type="sldImg"/>
+          </p:nvPr>
+        </p:nvSpPr>
+        <p:spPr/>
+      </p:sp>
+      <p:sp>
+        <p:nvSpPr>
+          <p:cNvPr id="3" name="Notes Placeholder 2"/>
+          <p:cNvSpPr>
+            <a:spLocks noGrp="1"/>
+          </p:cNvSpPr>
+          <p:nvPr>
+            <p:ph type="body" idx="1"/>
+          </p:nvPr>
+        </p:nvSpPr>
+        <p:spPr/>
+        <p:txBody>
+          <a:bodyPr/>
+          <a:lstStyle/>
+          <a:p>
+            <a:endParaRPr lang="en-US" dirty="0"/>
+          </a:p>
+        </p:txBody>
+      </p:sp>
+      <p:sp>
+        <p:nvSpPr>
+          <p:cNvPr id="4" name="Slide Number Placeholder 3"/>
+          <p:cNvSpPr>
+            <a:spLocks noGrp="1"/>
+          </p:cNvSpPr>
+          <p:nvPr>
+            <p:ph type="sldNum" sz="quarter" idx="10"/>
+          </p:nvPr>
+        </p:nvSpPr>
+        <p:spPr/>
+        <p:txBody>
+          <a:bodyPr/>
+          <a:lstStyle/>
+          <a:p>
+            <a:fld id="{FA96522B-57BD-D24F-8B23-FEC206FF4124}" type="slidenum">
+              <a:rPr lang="en-US" smtClean="0"/>
+              <a:t>46</a:t>
+            </a:fld>
+            <a:endParaRPr lang="en-US"/>
+          </a:p>
+        </p:txBody>
+      </p:sp>
+    </p:spTree>
+    <p:extLst>
+      <p:ext uri="{BB962C8B-B14F-4D97-AF65-F5344CB8AC3E}">
+        <p14:creationId xmlns:p14="http://schemas.microsoft.com/office/powerpoint/2010/main" val="1783122649"/>
+      </p:ext>
+    </p:extLst>
+  </p:cSld>
+  <p:clrMapOvr>
+    <a:masterClrMapping/>
+  </p:clrMapOvr>
+</p:notes>
+</file>
+
+<file path=ppt/notesSlides/notesSlide11.xml><?xml version="1.0" encoding="utf-8"?>
+<p:notes xmlns:a="http://schemas.openxmlformats.org/drawingml/2006/main" xmlns:r="http://schemas.openxmlformats.org/officeDocument/2006/relationships" xmlns:p="http://schemas.openxmlformats.org/presentationml/2006/main">
+  <p:cSld>
+    <p:spTree>
+      <p:nvGrpSpPr>
+        <p:cNvPr id="1" name=""/>
+        <p:cNvGrpSpPr/>
+        <p:nvPr/>
+      </p:nvGrpSpPr>
+      <p:grpSpPr>
+        <a:xfrm>
+          <a:off x="0" y="0"/>
+          <a:ext cx="0" cy="0"/>
+          <a:chOff x="0" y="0"/>
+          <a:chExt cx="0" cy="0"/>
+        </a:xfrm>
+      </p:grpSpPr>
+      <p:sp>
+        <p:nvSpPr>
+          <p:cNvPr id="2" name="Slide Image Placeholder 1"/>
+          <p:cNvSpPr>
+            <a:spLocks noGrp="1" noRot="1" noChangeAspect="1"/>
+          </p:cNvSpPr>
+          <p:nvPr>
+            <p:ph type="sldImg"/>
+          </p:nvPr>
+        </p:nvSpPr>
+        <p:spPr/>
+      </p:sp>
+      <p:sp>
+        <p:nvSpPr>
+          <p:cNvPr id="3" name="Notes Placeholder 2"/>
+          <p:cNvSpPr>
+            <a:spLocks noGrp="1"/>
+          </p:cNvSpPr>
+          <p:nvPr>
+            <p:ph type="body" idx="1"/>
+          </p:nvPr>
+        </p:nvSpPr>
+        <p:spPr/>
+        <p:txBody>
+          <a:bodyPr/>
+          <a:lstStyle/>
+          <a:p>
+            <a:endParaRPr lang="en-US" dirty="0"/>
+          </a:p>
+        </p:txBody>
+      </p:sp>
+      <p:sp>
+        <p:nvSpPr>
+          <p:cNvPr id="4" name="Slide Number Placeholder 3"/>
+          <p:cNvSpPr>
+            <a:spLocks noGrp="1"/>
+          </p:cNvSpPr>
+          <p:nvPr>
+            <p:ph type="sldNum" sz="quarter" idx="10"/>
+          </p:nvPr>
+        </p:nvSpPr>
+        <p:spPr/>
+        <p:txBody>
+          <a:bodyPr/>
+          <a:lstStyle/>
+          <a:p>
+            <a:fld id="{FA96522B-57BD-D24F-8B23-FEC206FF4124}" type="slidenum">
+              <a:rPr lang="en-US" smtClean="0"/>
+              <a:t>49</a:t>
+            </a:fld>
+            <a:endParaRPr lang="en-US"/>
+          </a:p>
+        </p:txBody>
+      </p:sp>
+    </p:spTree>
+    <p:extLst>
+      <p:ext uri="{BB962C8B-B14F-4D97-AF65-F5344CB8AC3E}">
+        <p14:creationId xmlns:p14="http://schemas.microsoft.com/office/powerpoint/2010/main" val="1906883292"/>
+      </p:ext>
+    </p:extLst>
+  </p:cSld>
+  <p:clrMapOvr>
+    <a:masterClrMapping/>
+  </p:clrMapOvr>
+</p:notes>
+</file>
+
 <file path=ppt/notesSlides/notesSlide2.xml><?xml version="1.0" encoding="utf-8"?>
 <p:notes xmlns:a="http://schemas.openxmlformats.org/drawingml/2006/main" xmlns:r="http://schemas.openxmlformats.org/officeDocument/2006/relationships" xmlns:p="http://schemas.openxmlformats.org/presentationml/2006/main">
   <p:cSld>
@@ -830,6 +1018,426 @@
 </p:notes>
 </file>
 
+<file path=ppt/notesSlides/notesSlide5.xml><?xml version="1.0" encoding="utf-8"?>
+<p:notes xmlns:a="http://schemas.openxmlformats.org/drawingml/2006/main" xmlns:r="http://schemas.openxmlformats.org/officeDocument/2006/relationships" xmlns:p="http://schemas.openxmlformats.org/presentationml/2006/main">
+  <p:cSld>
+    <p:spTree>
+      <p:nvGrpSpPr>
+        <p:cNvPr id="1" name=""/>
+        <p:cNvGrpSpPr/>
+        <p:nvPr/>
+      </p:nvGrpSpPr>
+      <p:grpSpPr>
+        <a:xfrm>
+          <a:off x="0" y="0"/>
+          <a:ext cx="0" cy="0"/>
+          <a:chOff x="0" y="0"/>
+          <a:chExt cx="0" cy="0"/>
+        </a:xfrm>
+      </p:grpSpPr>
+      <p:sp>
+        <p:nvSpPr>
+          <p:cNvPr id="2" name="Slide Image Placeholder 1"/>
+          <p:cNvSpPr>
+            <a:spLocks noGrp="1" noRot="1" noChangeAspect="1"/>
+          </p:cNvSpPr>
+          <p:nvPr>
+            <p:ph type="sldImg"/>
+          </p:nvPr>
+        </p:nvSpPr>
+        <p:spPr/>
+      </p:sp>
+      <p:sp>
+        <p:nvSpPr>
+          <p:cNvPr id="3" name="Notes Placeholder 2"/>
+          <p:cNvSpPr>
+            <a:spLocks noGrp="1"/>
+          </p:cNvSpPr>
+          <p:nvPr>
+            <p:ph type="body" idx="1"/>
+          </p:nvPr>
+        </p:nvSpPr>
+        <p:spPr/>
+        <p:txBody>
+          <a:bodyPr/>
+          <a:lstStyle/>
+          <a:p>
+            <a:endParaRPr lang="en-US" dirty="0"/>
+          </a:p>
+        </p:txBody>
+      </p:sp>
+      <p:sp>
+        <p:nvSpPr>
+          <p:cNvPr id="4" name="Slide Number Placeholder 3"/>
+          <p:cNvSpPr>
+            <a:spLocks noGrp="1"/>
+          </p:cNvSpPr>
+          <p:nvPr>
+            <p:ph type="sldNum" sz="quarter" idx="10"/>
+          </p:nvPr>
+        </p:nvSpPr>
+        <p:spPr/>
+        <p:txBody>
+          <a:bodyPr/>
+          <a:lstStyle/>
+          <a:p>
+            <a:fld id="{FA96522B-57BD-D24F-8B23-FEC206FF4124}" type="slidenum">
+              <a:rPr lang="en-US" smtClean="0"/>
+              <a:t>40</a:t>
+            </a:fld>
+            <a:endParaRPr lang="en-US"/>
+          </a:p>
+        </p:txBody>
+      </p:sp>
+    </p:spTree>
+    <p:extLst>
+      <p:ext uri="{BB962C8B-B14F-4D97-AF65-F5344CB8AC3E}">
+        <p14:creationId xmlns:p14="http://schemas.microsoft.com/office/powerpoint/2010/main" val="1001777287"/>
+      </p:ext>
+    </p:extLst>
+  </p:cSld>
+  <p:clrMapOvr>
+    <a:masterClrMapping/>
+  </p:clrMapOvr>
+</p:notes>
+</file>
+
+<file path=ppt/notesSlides/notesSlide6.xml><?xml version="1.0" encoding="utf-8"?>
+<p:notes xmlns:a="http://schemas.openxmlformats.org/drawingml/2006/main" xmlns:r="http://schemas.openxmlformats.org/officeDocument/2006/relationships" xmlns:p="http://schemas.openxmlformats.org/presentationml/2006/main">
+  <p:cSld>
+    <p:spTree>
+      <p:nvGrpSpPr>
+        <p:cNvPr id="1" name=""/>
+        <p:cNvGrpSpPr/>
+        <p:nvPr/>
+      </p:nvGrpSpPr>
+      <p:grpSpPr>
+        <a:xfrm>
+          <a:off x="0" y="0"/>
+          <a:ext cx="0" cy="0"/>
+          <a:chOff x="0" y="0"/>
+          <a:chExt cx="0" cy="0"/>
+        </a:xfrm>
+      </p:grpSpPr>
+      <p:sp>
+        <p:nvSpPr>
+          <p:cNvPr id="2" name="Slide Image Placeholder 1"/>
+          <p:cNvSpPr>
+            <a:spLocks noGrp="1" noRot="1" noChangeAspect="1"/>
+          </p:cNvSpPr>
+          <p:nvPr>
+            <p:ph type="sldImg"/>
+          </p:nvPr>
+        </p:nvSpPr>
+        <p:spPr/>
+      </p:sp>
+      <p:sp>
+        <p:nvSpPr>
+          <p:cNvPr id="3" name="Notes Placeholder 2"/>
+          <p:cNvSpPr>
+            <a:spLocks noGrp="1"/>
+          </p:cNvSpPr>
+          <p:nvPr>
+            <p:ph type="body" idx="1"/>
+          </p:nvPr>
+        </p:nvSpPr>
+        <p:spPr/>
+        <p:txBody>
+          <a:bodyPr/>
+          <a:lstStyle/>
+          <a:p>
+            <a:endParaRPr lang="en-US" dirty="0"/>
+          </a:p>
+        </p:txBody>
+      </p:sp>
+      <p:sp>
+        <p:nvSpPr>
+          <p:cNvPr id="4" name="Slide Number Placeholder 3"/>
+          <p:cNvSpPr>
+            <a:spLocks noGrp="1"/>
+          </p:cNvSpPr>
+          <p:nvPr>
+            <p:ph type="sldNum" sz="quarter" idx="10"/>
+          </p:nvPr>
+        </p:nvSpPr>
+        <p:spPr/>
+        <p:txBody>
+          <a:bodyPr/>
+          <a:lstStyle/>
+          <a:p>
+            <a:fld id="{FA96522B-57BD-D24F-8B23-FEC206FF4124}" type="slidenum">
+              <a:rPr lang="en-US" smtClean="0"/>
+              <a:t>41</a:t>
+            </a:fld>
+            <a:endParaRPr lang="en-US"/>
+          </a:p>
+        </p:txBody>
+      </p:sp>
+    </p:spTree>
+    <p:extLst>
+      <p:ext uri="{BB962C8B-B14F-4D97-AF65-F5344CB8AC3E}">
+        <p14:creationId xmlns:p14="http://schemas.microsoft.com/office/powerpoint/2010/main" val="1484303322"/>
+      </p:ext>
+    </p:extLst>
+  </p:cSld>
+  <p:clrMapOvr>
+    <a:masterClrMapping/>
+  </p:clrMapOvr>
+</p:notes>
+</file>
+
+<file path=ppt/notesSlides/notesSlide7.xml><?xml version="1.0" encoding="utf-8"?>
+<p:notes xmlns:a="http://schemas.openxmlformats.org/drawingml/2006/main" xmlns:r="http://schemas.openxmlformats.org/officeDocument/2006/relationships" xmlns:p="http://schemas.openxmlformats.org/presentationml/2006/main">
+  <p:cSld>
+    <p:spTree>
+      <p:nvGrpSpPr>
+        <p:cNvPr id="1" name=""/>
+        <p:cNvGrpSpPr/>
+        <p:nvPr/>
+      </p:nvGrpSpPr>
+      <p:grpSpPr>
+        <a:xfrm>
+          <a:off x="0" y="0"/>
+          <a:ext cx="0" cy="0"/>
+          <a:chOff x="0" y="0"/>
+          <a:chExt cx="0" cy="0"/>
+        </a:xfrm>
+      </p:grpSpPr>
+      <p:sp>
+        <p:nvSpPr>
+          <p:cNvPr id="2" name="Slide Image Placeholder 1"/>
+          <p:cNvSpPr>
+            <a:spLocks noGrp="1" noRot="1" noChangeAspect="1"/>
+          </p:cNvSpPr>
+          <p:nvPr>
+            <p:ph type="sldImg"/>
+          </p:nvPr>
+        </p:nvSpPr>
+        <p:spPr/>
+      </p:sp>
+      <p:sp>
+        <p:nvSpPr>
+          <p:cNvPr id="3" name="Notes Placeholder 2"/>
+          <p:cNvSpPr>
+            <a:spLocks noGrp="1"/>
+          </p:cNvSpPr>
+          <p:nvPr>
+            <p:ph type="body" idx="1"/>
+          </p:nvPr>
+        </p:nvSpPr>
+        <p:spPr/>
+        <p:txBody>
+          <a:bodyPr/>
+          <a:lstStyle/>
+          <a:p>
+            <a:endParaRPr lang="en-US" dirty="0"/>
+          </a:p>
+        </p:txBody>
+      </p:sp>
+      <p:sp>
+        <p:nvSpPr>
+          <p:cNvPr id="4" name="Slide Number Placeholder 3"/>
+          <p:cNvSpPr>
+            <a:spLocks noGrp="1"/>
+          </p:cNvSpPr>
+          <p:nvPr>
+            <p:ph type="sldNum" sz="quarter" idx="10"/>
+          </p:nvPr>
+        </p:nvSpPr>
+        <p:spPr/>
+        <p:txBody>
+          <a:bodyPr/>
+          <a:lstStyle/>
+          <a:p>
+            <a:fld id="{FA96522B-57BD-D24F-8B23-FEC206FF4124}" type="slidenum">
+              <a:rPr lang="en-US" smtClean="0"/>
+              <a:t>42</a:t>
+            </a:fld>
+            <a:endParaRPr lang="en-US"/>
+          </a:p>
+        </p:txBody>
+      </p:sp>
+    </p:spTree>
+    <p:extLst>
+      <p:ext uri="{BB962C8B-B14F-4D97-AF65-F5344CB8AC3E}">
+        <p14:creationId xmlns:p14="http://schemas.microsoft.com/office/powerpoint/2010/main" val="627310271"/>
+      </p:ext>
+    </p:extLst>
+  </p:cSld>
+  <p:clrMapOvr>
+    <a:masterClrMapping/>
+  </p:clrMapOvr>
+</p:notes>
+</file>
+
+<file path=ppt/notesSlides/notesSlide8.xml><?xml version="1.0" encoding="utf-8"?>
+<p:notes xmlns:a="http://schemas.openxmlformats.org/drawingml/2006/main" xmlns:r="http://schemas.openxmlformats.org/officeDocument/2006/relationships" xmlns:p="http://schemas.openxmlformats.org/presentationml/2006/main">
+  <p:cSld>
+    <p:spTree>
+      <p:nvGrpSpPr>
+        <p:cNvPr id="1" name=""/>
+        <p:cNvGrpSpPr/>
+        <p:nvPr/>
+      </p:nvGrpSpPr>
+      <p:grpSpPr>
+        <a:xfrm>
+          <a:off x="0" y="0"/>
+          <a:ext cx="0" cy="0"/>
+          <a:chOff x="0" y="0"/>
+          <a:chExt cx="0" cy="0"/>
+        </a:xfrm>
+      </p:grpSpPr>
+      <p:sp>
+        <p:nvSpPr>
+          <p:cNvPr id="2" name="Slide Image Placeholder 1"/>
+          <p:cNvSpPr>
+            <a:spLocks noGrp="1" noRot="1" noChangeAspect="1"/>
+          </p:cNvSpPr>
+          <p:nvPr>
+            <p:ph type="sldImg"/>
+          </p:nvPr>
+        </p:nvSpPr>
+        <p:spPr/>
+      </p:sp>
+      <p:sp>
+        <p:nvSpPr>
+          <p:cNvPr id="3" name="Notes Placeholder 2"/>
+          <p:cNvSpPr>
+            <a:spLocks noGrp="1"/>
+          </p:cNvSpPr>
+          <p:nvPr>
+            <p:ph type="body" idx="1"/>
+          </p:nvPr>
+        </p:nvSpPr>
+        <p:spPr/>
+        <p:txBody>
+          <a:bodyPr/>
+          <a:lstStyle/>
+          <a:p>
+            <a:endParaRPr lang="en-US" dirty="0"/>
+          </a:p>
+        </p:txBody>
+      </p:sp>
+      <p:sp>
+        <p:nvSpPr>
+          <p:cNvPr id="4" name="Slide Number Placeholder 3"/>
+          <p:cNvSpPr>
+            <a:spLocks noGrp="1"/>
+          </p:cNvSpPr>
+          <p:nvPr>
+            <p:ph type="sldNum" sz="quarter" idx="10"/>
+          </p:nvPr>
+        </p:nvSpPr>
+        <p:spPr/>
+        <p:txBody>
+          <a:bodyPr/>
+          <a:lstStyle/>
+          <a:p>
+            <a:fld id="{FA96522B-57BD-D24F-8B23-FEC206FF4124}" type="slidenum">
+              <a:rPr lang="en-US" smtClean="0"/>
+              <a:t>43</a:t>
+            </a:fld>
+            <a:endParaRPr lang="en-US"/>
+          </a:p>
+        </p:txBody>
+      </p:sp>
+    </p:spTree>
+    <p:extLst>
+      <p:ext uri="{BB962C8B-B14F-4D97-AF65-F5344CB8AC3E}">
+        <p14:creationId xmlns:p14="http://schemas.microsoft.com/office/powerpoint/2010/main" val="14985023"/>
+      </p:ext>
+    </p:extLst>
+  </p:cSld>
+  <p:clrMapOvr>
+    <a:masterClrMapping/>
+  </p:clrMapOvr>
+</p:notes>
+</file>
+
+<file path=ppt/notesSlides/notesSlide9.xml><?xml version="1.0" encoding="utf-8"?>
+<p:notes xmlns:a="http://schemas.openxmlformats.org/drawingml/2006/main" xmlns:r="http://schemas.openxmlformats.org/officeDocument/2006/relationships" xmlns:p="http://schemas.openxmlformats.org/presentationml/2006/main">
+  <p:cSld>
+    <p:spTree>
+      <p:nvGrpSpPr>
+        <p:cNvPr id="1" name=""/>
+        <p:cNvGrpSpPr/>
+        <p:nvPr/>
+      </p:nvGrpSpPr>
+      <p:grpSpPr>
+        <a:xfrm>
+          <a:off x="0" y="0"/>
+          <a:ext cx="0" cy="0"/>
+          <a:chOff x="0" y="0"/>
+          <a:chExt cx="0" cy="0"/>
+        </a:xfrm>
+      </p:grpSpPr>
+      <p:sp>
+        <p:nvSpPr>
+          <p:cNvPr id="2" name="Slide Image Placeholder 1"/>
+          <p:cNvSpPr>
+            <a:spLocks noGrp="1" noRot="1" noChangeAspect="1"/>
+          </p:cNvSpPr>
+          <p:nvPr>
+            <p:ph type="sldImg"/>
+          </p:nvPr>
+        </p:nvSpPr>
+        <p:spPr/>
+      </p:sp>
+      <p:sp>
+        <p:nvSpPr>
+          <p:cNvPr id="3" name="Notes Placeholder 2"/>
+          <p:cNvSpPr>
+            <a:spLocks noGrp="1"/>
+          </p:cNvSpPr>
+          <p:nvPr>
+            <p:ph type="body" idx="1"/>
+          </p:nvPr>
+        </p:nvSpPr>
+        <p:spPr/>
+        <p:txBody>
+          <a:bodyPr/>
+          <a:lstStyle/>
+          <a:p>
+            <a:endParaRPr lang="en-US" dirty="0"/>
+          </a:p>
+        </p:txBody>
+      </p:sp>
+      <p:sp>
+        <p:nvSpPr>
+          <p:cNvPr id="4" name="Slide Number Placeholder 3"/>
+          <p:cNvSpPr>
+            <a:spLocks noGrp="1"/>
+          </p:cNvSpPr>
+          <p:nvPr>
+            <p:ph type="sldNum" sz="quarter" idx="10"/>
+          </p:nvPr>
+        </p:nvSpPr>
+        <p:spPr/>
+        <p:txBody>
+          <a:bodyPr/>
+          <a:lstStyle/>
+          <a:p>
+            <a:fld id="{FA96522B-57BD-D24F-8B23-FEC206FF4124}" type="slidenum">
+              <a:rPr lang="en-US" smtClean="0"/>
+              <a:t>45</a:t>
+            </a:fld>
+            <a:endParaRPr lang="en-US"/>
+          </a:p>
+        </p:txBody>
+      </p:sp>
+    </p:spTree>
+    <p:extLst>
+      <p:ext uri="{BB962C8B-B14F-4D97-AF65-F5344CB8AC3E}">
+        <p14:creationId xmlns:p14="http://schemas.microsoft.com/office/powerpoint/2010/main" val="1938015953"/>
+      </p:ext>
+    </p:extLst>
+  </p:cSld>
+  <p:clrMapOvr>
+    <a:masterClrMapping/>
+  </p:clrMapOvr>
+</p:notes>
+</file>
+
 <file path=ppt/slideLayouts/slideLayout1.xml><?xml version="1.0" encoding="utf-8"?>
 <p:sldLayout xmlns:a="http://schemas.openxmlformats.org/drawingml/2006/main" xmlns:r="http://schemas.openxmlformats.org/officeDocument/2006/relationships" xmlns:p="http://schemas.openxmlformats.org/presentationml/2006/main" type="title" preserve="1">
   <p:cSld name="Title Slide">
@@ -875,7 +1483,7 @@
               <a:rPr lang="en-US" smtClean="0"/>
               <a:t>Click to edit Master title style</a:t>
             </a:r>
-            <a:endParaRPr lang="en-US"/>
+            <a:endParaRPr lang="en-US" dirty="0"/>
           </a:p>
         </p:txBody>
       </p:sp>
@@ -940,7 +1548,7 @@
               <a:rPr lang="en-US" smtClean="0"/>
               <a:t>Click to edit Master subtitle style</a:t>
             </a:r>
-            <a:endParaRPr lang="en-US"/>
+            <a:endParaRPr lang="en-US" dirty="0"/>
           </a:p>
         </p:txBody>
       </p:sp>
@@ -1012,7 +1620,7 @@
     </p:spTree>
     <p:extLst>
       <p:ext uri="{BB962C8B-B14F-4D97-AF65-F5344CB8AC3E}">
-        <p14:creationId xmlns:p14="http://schemas.microsoft.com/office/powerpoint/2010/main" val="736140115"/>
+        <p14:creationId xmlns:p14="http://schemas.microsoft.com/office/powerpoint/2010/main" val="1510647653"/>
       </p:ext>
     </p:extLst>
   </p:cSld>
@@ -1063,7 +1671,7 @@
               <a:rPr lang="en-US" smtClean="0"/>
               <a:t>Click to edit Master title style</a:t>
             </a:r>
-            <a:endParaRPr lang="en-US"/>
+            <a:endParaRPr lang="en-US" dirty="0"/>
           </a:p>
         </p:txBody>
       </p:sp>
@@ -1115,7 +1723,7 @@
               <a:rPr lang="en-US" smtClean="0"/>
               <a:t>Fifth level</a:t>
             </a:r>
-            <a:endParaRPr lang="en-US"/>
+            <a:endParaRPr lang="en-US" dirty="0"/>
           </a:p>
         </p:txBody>
       </p:sp>
@@ -1187,7 +1795,7 @@
     </p:spTree>
     <p:extLst>
       <p:ext uri="{BB962C8B-B14F-4D97-AF65-F5344CB8AC3E}">
-        <p14:creationId xmlns:p14="http://schemas.microsoft.com/office/powerpoint/2010/main" val="669264047"/>
+        <p14:creationId xmlns:p14="http://schemas.microsoft.com/office/powerpoint/2010/main" val="361665632"/>
       </p:ext>
     </p:extLst>
   </p:cSld>
@@ -1238,7 +1846,7 @@
               <a:rPr lang="en-US" smtClean="0"/>
               <a:t>Click to edit Master title style</a:t>
             </a:r>
-            <a:endParaRPr lang="en-US"/>
+            <a:endParaRPr lang="en-US" dirty="0"/>
           </a:p>
         </p:txBody>
       </p:sp>
@@ -1295,7 +1903,7 @@
               <a:rPr lang="en-US" smtClean="0"/>
               <a:t>Fifth level</a:t>
             </a:r>
-            <a:endParaRPr lang="en-US"/>
+            <a:endParaRPr lang="en-US" dirty="0"/>
           </a:p>
         </p:txBody>
       </p:sp>
@@ -1367,7 +1975,7 @@
     </p:spTree>
     <p:extLst>
       <p:ext uri="{BB962C8B-B14F-4D97-AF65-F5344CB8AC3E}">
-        <p14:creationId xmlns:p14="http://schemas.microsoft.com/office/powerpoint/2010/main" val="1948978590"/>
+        <p14:creationId xmlns:p14="http://schemas.microsoft.com/office/powerpoint/2010/main" val="1135556014"/>
       </p:ext>
     </p:extLst>
   </p:cSld>
@@ -1418,7 +2026,7 @@
               <a:rPr lang="en-US" smtClean="0"/>
               <a:t>Click to edit Master title style</a:t>
             </a:r>
-            <a:endParaRPr lang="en-US"/>
+            <a:endParaRPr lang="en-US" dirty="0"/>
           </a:p>
         </p:txBody>
       </p:sp>
@@ -1470,7 +2078,7 @@
               <a:rPr lang="en-US" smtClean="0"/>
               <a:t>Fifth level</a:t>
             </a:r>
-            <a:endParaRPr lang="en-US"/>
+            <a:endParaRPr lang="en-US" dirty="0"/>
           </a:p>
         </p:txBody>
       </p:sp>
@@ -1542,7 +2150,7 @@
     </p:spTree>
     <p:extLst>
       <p:ext uri="{BB962C8B-B14F-4D97-AF65-F5344CB8AC3E}">
-        <p14:creationId xmlns:p14="http://schemas.microsoft.com/office/powerpoint/2010/main" val="653622438"/>
+        <p14:creationId xmlns:p14="http://schemas.microsoft.com/office/powerpoint/2010/main" val="1903429137"/>
       </p:ext>
     </p:extLst>
   </p:cSld>
@@ -1597,7 +2205,7 @@
               <a:rPr lang="en-US" smtClean="0"/>
               <a:t>Click to edit Master title style</a:t>
             </a:r>
-            <a:endParaRPr lang="en-US"/>
+            <a:endParaRPr lang="en-US" dirty="0"/>
           </a:p>
         </p:txBody>
       </p:sp>
@@ -1788,7 +2396,7 @@
     </p:spTree>
     <p:extLst>
       <p:ext uri="{BB962C8B-B14F-4D97-AF65-F5344CB8AC3E}">
-        <p14:creationId xmlns:p14="http://schemas.microsoft.com/office/powerpoint/2010/main" val="1053461061"/>
+        <p14:creationId xmlns:p14="http://schemas.microsoft.com/office/powerpoint/2010/main" val="2017099847"/>
       </p:ext>
     </p:extLst>
   </p:cSld>
@@ -1839,7 +2447,7 @@
               <a:rPr lang="en-US" smtClean="0"/>
               <a:t>Click to edit Master title style</a:t>
             </a:r>
-            <a:endParaRPr lang="en-US"/>
+            <a:endParaRPr lang="en-US" dirty="0"/>
           </a:p>
         </p:txBody>
       </p:sp>
@@ -1896,7 +2504,7 @@
               <a:rPr lang="en-US" smtClean="0"/>
               <a:t>Fifth level</a:t>
             </a:r>
-            <a:endParaRPr lang="en-US"/>
+            <a:endParaRPr lang="en-US" dirty="0"/>
           </a:p>
         </p:txBody>
       </p:sp>
@@ -1953,7 +2561,7 @@
               <a:rPr lang="en-US" smtClean="0"/>
               <a:t>Fifth level</a:t>
             </a:r>
-            <a:endParaRPr lang="en-US"/>
+            <a:endParaRPr lang="en-US" dirty="0"/>
           </a:p>
         </p:txBody>
       </p:sp>
@@ -2025,7 +2633,7 @@
     </p:spTree>
     <p:extLst>
       <p:ext uri="{BB962C8B-B14F-4D97-AF65-F5344CB8AC3E}">
-        <p14:creationId xmlns:p14="http://schemas.microsoft.com/office/powerpoint/2010/main" val="1664866359"/>
+        <p14:creationId xmlns:p14="http://schemas.microsoft.com/office/powerpoint/2010/main" val="1220276987"/>
       </p:ext>
     </p:extLst>
   </p:cSld>
@@ -2076,7 +2684,7 @@
               <a:rPr lang="en-US" smtClean="0"/>
               <a:t>Click to edit Master title style</a:t>
             </a:r>
-            <a:endParaRPr lang="en-US"/>
+            <a:endParaRPr lang="en-US" dirty="0"/>
           </a:p>
         </p:txBody>
       </p:sp>
@@ -2198,7 +2806,7 @@
               <a:rPr lang="en-US" smtClean="0"/>
               <a:t>Fifth level</a:t>
             </a:r>
-            <a:endParaRPr lang="en-US"/>
+            <a:endParaRPr lang="en-US" dirty="0"/>
           </a:p>
         </p:txBody>
       </p:sp>
@@ -2320,7 +2928,7 @@
               <a:rPr lang="en-US" smtClean="0"/>
               <a:t>Fifth level</a:t>
             </a:r>
-            <a:endParaRPr lang="en-US"/>
+            <a:endParaRPr lang="en-US" dirty="0"/>
           </a:p>
         </p:txBody>
       </p:sp>
@@ -2392,7 +3000,7 @@
     </p:spTree>
     <p:extLst>
       <p:ext uri="{BB962C8B-B14F-4D97-AF65-F5344CB8AC3E}">
-        <p14:creationId xmlns:p14="http://schemas.microsoft.com/office/powerpoint/2010/main" val="1844458950"/>
+        <p14:creationId xmlns:p14="http://schemas.microsoft.com/office/powerpoint/2010/main" val="726491659"/>
       </p:ext>
     </p:extLst>
   </p:cSld>
@@ -2438,7 +3046,7 @@
               <a:rPr lang="en-US" smtClean="0"/>
               <a:t>Click to edit Master title style</a:t>
             </a:r>
-            <a:endParaRPr lang="en-US"/>
+            <a:endParaRPr lang="en-US" dirty="0"/>
           </a:p>
         </p:txBody>
       </p:sp>
@@ -2510,7 +3118,7 @@
     </p:spTree>
     <p:extLst>
       <p:ext uri="{BB962C8B-B14F-4D97-AF65-F5344CB8AC3E}">
-        <p14:creationId xmlns:p14="http://schemas.microsoft.com/office/powerpoint/2010/main" val="895128205"/>
+        <p14:creationId xmlns:p14="http://schemas.microsoft.com/office/powerpoint/2010/main" val="1700779618"/>
       </p:ext>
     </p:extLst>
   </p:cSld>
@@ -2605,7 +3213,7 @@
     </p:spTree>
     <p:extLst>
       <p:ext uri="{BB962C8B-B14F-4D97-AF65-F5344CB8AC3E}">
-        <p14:creationId xmlns:p14="http://schemas.microsoft.com/office/powerpoint/2010/main" val="1296794200"/>
+        <p14:creationId xmlns:p14="http://schemas.microsoft.com/office/powerpoint/2010/main" val="1995698156"/>
       </p:ext>
     </p:extLst>
   </p:cSld>
@@ -2660,7 +3268,7 @@
               <a:rPr lang="en-US" smtClean="0"/>
               <a:t>Click to edit Master title style</a:t>
             </a:r>
-            <a:endParaRPr lang="en-US"/>
+            <a:endParaRPr lang="en-US" dirty="0"/>
           </a:p>
         </p:txBody>
       </p:sp>
@@ -2745,7 +3353,7 @@
               <a:rPr lang="en-US" smtClean="0"/>
               <a:t>Fifth level</a:t>
             </a:r>
-            <a:endParaRPr lang="en-US"/>
+            <a:endParaRPr lang="en-US" dirty="0"/>
           </a:p>
         </p:txBody>
       </p:sp>
@@ -2882,7 +3490,7 @@
     </p:spTree>
     <p:extLst>
       <p:ext uri="{BB962C8B-B14F-4D97-AF65-F5344CB8AC3E}">
-        <p14:creationId xmlns:p14="http://schemas.microsoft.com/office/powerpoint/2010/main" val="408585997"/>
+        <p14:creationId xmlns:p14="http://schemas.microsoft.com/office/powerpoint/2010/main" val="151825399"/>
       </p:ext>
     </p:extLst>
   </p:cSld>
@@ -2937,7 +3545,7 @@
               <a:rPr lang="en-US" smtClean="0"/>
               <a:t>Click to edit Master title style</a:t>
             </a:r>
-            <a:endParaRPr lang="en-US"/>
+            <a:endParaRPr lang="en-US" dirty="0"/>
           </a:p>
         </p:txBody>
       </p:sp>
@@ -2945,7 +3553,7 @@
         <p:nvSpPr>
           <p:cNvPr id="3" name="Picture Placeholder 2"/>
           <p:cNvSpPr>
-            <a:spLocks noGrp="1"/>
+            <a:spLocks noGrp="1" noChangeAspect="1"/>
           </p:cNvSpPr>
           <p:nvPr>
             <p:ph type="pic" idx="1"/>
@@ -2958,7 +3566,7 @@
           </a:xfrm>
         </p:spPr>
         <p:txBody>
-          <a:bodyPr/>
+          <a:bodyPr anchor="t"/>
           <a:lstStyle>
             <a:lvl1pPr marL="0" indent="0">
               <a:buNone/>
@@ -2998,7 +3606,11 @@
             </a:lvl9pPr>
           </a:lstStyle>
           <a:p>
-            <a:endParaRPr lang="en-US"/>
+            <a:r>
+              <a:rPr lang="en-US" smtClean="0"/>
+              <a:t>Drag picture to placeholder or click icon to add</a:t>
+            </a:r>
+            <a:endParaRPr lang="en-US" dirty="0"/>
           </a:p>
         </p:txBody>
       </p:sp>
@@ -3140,7 +3752,7 @@
     </p:spTree>
     <p:extLst>
       <p:ext uri="{BB962C8B-B14F-4D97-AF65-F5344CB8AC3E}">
-        <p14:creationId xmlns:p14="http://schemas.microsoft.com/office/powerpoint/2010/main" val="1599632120"/>
+        <p14:creationId xmlns:p14="http://schemas.microsoft.com/office/powerpoint/2010/main" val="518908357"/>
       </p:ext>
     </p:extLst>
   </p:cSld>
@@ -3201,7 +3813,7 @@
               <a:rPr lang="en-US" smtClean="0"/>
               <a:t>Click to edit Master title style</a:t>
             </a:r>
-            <a:endParaRPr lang="en-US"/>
+            <a:endParaRPr lang="en-US" dirty="0"/>
           </a:p>
         </p:txBody>
       </p:sp>
@@ -3263,7 +3875,7 @@
               <a:rPr lang="en-US" smtClean="0"/>
               <a:t>Fifth level</a:t>
             </a:r>
-            <a:endParaRPr lang="en-US"/>
+            <a:endParaRPr lang="en-US" dirty="0"/>
           </a:p>
         </p:txBody>
       </p:sp>
@@ -3389,23 +4001,23 @@
     </p:spTree>
     <p:extLst>
       <p:ext uri="{BB962C8B-B14F-4D97-AF65-F5344CB8AC3E}">
-        <p14:creationId xmlns:p14="http://schemas.microsoft.com/office/powerpoint/2010/main" val="167682197"/>
+        <p14:creationId xmlns:p14="http://schemas.microsoft.com/office/powerpoint/2010/main" val="397592210"/>
       </p:ext>
     </p:extLst>
   </p:cSld>
   <p:clrMap bg1="lt1" tx1="dk1" bg2="lt2" tx2="dk2" accent1="accent1" accent2="accent2" accent3="accent3" accent4="accent4" accent5="accent5" accent6="accent6" hlink="hlink" folHlink="folHlink"/>
   <p:sldLayoutIdLst>
-    <p:sldLayoutId id="2147483925" r:id="rId1"/>
-    <p:sldLayoutId id="2147483926" r:id="rId2"/>
-    <p:sldLayoutId id="2147483927" r:id="rId3"/>
-    <p:sldLayoutId id="2147483928" r:id="rId4"/>
-    <p:sldLayoutId id="2147483929" r:id="rId5"/>
-    <p:sldLayoutId id="2147483930" r:id="rId6"/>
-    <p:sldLayoutId id="2147483931" r:id="rId7"/>
-    <p:sldLayoutId id="2147483932" r:id="rId8"/>
-    <p:sldLayoutId id="2147483933" r:id="rId9"/>
-    <p:sldLayoutId id="2147483934" r:id="rId10"/>
-    <p:sldLayoutId id="2147483935" r:id="rId11"/>
+    <p:sldLayoutId id="2147484057" r:id="rId1"/>
+    <p:sldLayoutId id="2147484058" r:id="rId2"/>
+    <p:sldLayoutId id="2147484059" r:id="rId3"/>
+    <p:sldLayoutId id="2147484060" r:id="rId4"/>
+    <p:sldLayoutId id="2147484061" r:id="rId5"/>
+    <p:sldLayoutId id="2147484062" r:id="rId6"/>
+    <p:sldLayoutId id="2147484063" r:id="rId7"/>
+    <p:sldLayoutId id="2147484064" r:id="rId8"/>
+    <p:sldLayoutId id="2147484065" r:id="rId9"/>
+    <p:sldLayoutId id="2147484066" r:id="rId10"/>
+    <p:sldLayoutId id="2147484067" r:id="rId11"/>
   </p:sldLayoutIdLst>
   <p:txStyles>
     <p:titleStyle>
@@ -3435,7 +4047,7 @@
         <a:spcBef>
           <a:spcPts val="1000"/>
         </a:spcBef>
-        <a:buFont typeface="Arial"/>
+        <a:buFont typeface="Arial" panose="020B0604020202020204" pitchFamily="34" charset="0"/>
         <a:buChar char="•"/>
         <a:defRPr sz="2800" kern="1200">
           <a:solidFill>
@@ -3453,7 +4065,7 @@
         <a:spcBef>
           <a:spcPts val="500"/>
         </a:spcBef>
-        <a:buFont typeface="Arial"/>
+        <a:buFont typeface="Arial" panose="020B0604020202020204" pitchFamily="34" charset="0"/>
         <a:buChar char="•"/>
         <a:defRPr sz="2400" kern="1200">
           <a:solidFill>
@@ -3471,7 +4083,7 @@
         <a:spcBef>
           <a:spcPts val="500"/>
         </a:spcBef>
-        <a:buFont typeface="Arial"/>
+        <a:buFont typeface="Arial" panose="020B0604020202020204" pitchFamily="34" charset="0"/>
         <a:buChar char="•"/>
         <a:defRPr sz="2000" kern="1200">
           <a:solidFill>
@@ -3489,7 +4101,7 @@
         <a:spcBef>
           <a:spcPts val="500"/>
         </a:spcBef>
-        <a:buFont typeface="Arial"/>
+        <a:buFont typeface="Arial" panose="020B0604020202020204" pitchFamily="34" charset="0"/>
         <a:buChar char="•"/>
         <a:defRPr sz="1800" kern="1200">
           <a:solidFill>
@@ -3507,7 +4119,7 @@
         <a:spcBef>
           <a:spcPts val="500"/>
         </a:spcBef>
-        <a:buFont typeface="Arial"/>
+        <a:buFont typeface="Arial" panose="020B0604020202020204" pitchFamily="34" charset="0"/>
         <a:buChar char="•"/>
         <a:defRPr sz="1800" kern="1200">
           <a:solidFill>
@@ -3525,7 +4137,7 @@
         <a:spcBef>
           <a:spcPts val="500"/>
         </a:spcBef>
-        <a:buFont typeface="Arial"/>
+        <a:buFont typeface="Arial" panose="020B0604020202020204" pitchFamily="34" charset="0"/>
         <a:buChar char="•"/>
         <a:defRPr sz="1800" kern="1200">
           <a:solidFill>
@@ -3543,7 +4155,7 @@
         <a:spcBef>
           <a:spcPts val="500"/>
         </a:spcBef>
-        <a:buFont typeface="Arial"/>
+        <a:buFont typeface="Arial" panose="020B0604020202020204" pitchFamily="34" charset="0"/>
         <a:buChar char="•"/>
         <a:defRPr sz="1800" kern="1200">
           <a:solidFill>
@@ -3561,7 +4173,7 @@
         <a:spcBef>
           <a:spcPts val="500"/>
         </a:spcBef>
-        <a:buFont typeface="Arial"/>
+        <a:buFont typeface="Arial" panose="020B0604020202020204" pitchFamily="34" charset="0"/>
         <a:buChar char="•"/>
         <a:defRPr sz="1800" kern="1200">
           <a:solidFill>
@@ -3579,7 +4191,7 @@
         <a:spcBef>
           <a:spcPts val="500"/>
         </a:spcBef>
-        <a:buFont typeface="Arial"/>
+        <a:buFont typeface="Arial" panose="020B0604020202020204" pitchFamily="34" charset="0"/>
         <a:buChar char="•"/>
         <a:defRPr sz="1800" kern="1200">
           <a:solidFill>
@@ -6580,7 +7192,7 @@
         <p:spPr/>
         <p:txBody>
           <a:bodyPr>
-            <a:normAutofit/>
+            <a:normAutofit fontScale="92500" lnSpcReduction="10000"/>
           </a:bodyPr>
           <a:lstStyle/>
           <a:p>
@@ -6588,16 +7200,149 @@
               <a:buNone/>
             </a:pPr>
             <a:r>
-              <a:rPr lang="en-US" b="1" i="1" dirty="0" smtClean="0"/>
-              <a:t>Performance Model ex.</a:t>
-            </a:r>
+              <a:rPr lang="en-US" dirty="0" smtClean="0"/>
+              <a:t>Finally, everything comes together to simulate students through CASL’s </a:t>
+            </a:r>
+            <a:r>
+              <a:rPr lang="en-US" i="1" dirty="0" smtClean="0"/>
+              <a:t>simulate()</a:t>
+            </a:r>
+            <a:r>
+              <a:rPr lang="en-US" dirty="0" smtClean="0"/>
+              <a:t> method which requires the following arguments:</a:t>
+            </a:r>
+          </a:p>
+          <a:p>
+            <a:r>
+              <a:rPr lang="en-US" dirty="0" smtClean="0"/>
+              <a:t>Curriculum</a:t>
+            </a:r>
+          </a:p>
+          <a:p>
+            <a:r>
+              <a:rPr lang="en-US" dirty="0" smtClean="0"/>
+              <a:t>A set of students</a:t>
+            </a:r>
+          </a:p>
+          <a:p>
+            <a:r>
+              <a:rPr lang="en-US" dirty="0" smtClean="0"/>
+              <a:t>Performance Module (optional) </a:t>
+            </a:r>
+            <a:r>
+              <a:rPr lang="mr-IN" dirty="0" smtClean="0"/>
+              <a:t>–</a:t>
+            </a:r>
+            <a:r>
+              <a:rPr lang="en-US" dirty="0" smtClean="0"/>
+              <a:t> if not supplied a built in model that uses course </a:t>
+            </a:r>
+            <a:r>
+              <a:rPr lang="en-US" dirty="0" err="1" smtClean="0"/>
+              <a:t>passrates</a:t>
+            </a:r>
+            <a:r>
+              <a:rPr lang="en-US" dirty="0" smtClean="0"/>
+              <a:t> is used.</a:t>
+            </a:r>
+          </a:p>
+          <a:p>
+            <a:r>
+              <a:rPr lang="en-US" dirty="0" smtClean="0"/>
+              <a:t>Parameters:</a:t>
+            </a:r>
+          </a:p>
+          <a:p>
+            <a:pPr lvl="1"/>
+            <a:r>
+              <a:rPr lang="en-US" dirty="0"/>
+              <a:t>d</a:t>
+            </a:r>
+            <a:r>
+              <a:rPr lang="en-US" dirty="0" smtClean="0"/>
+              <a:t>uration </a:t>
+            </a:r>
+            <a:r>
+              <a:rPr lang="mr-IN" dirty="0" smtClean="0"/>
+              <a:t>–</a:t>
+            </a:r>
+            <a:r>
+              <a:rPr lang="en-US" dirty="0" smtClean="0"/>
+              <a:t> the number of semesters to run the </a:t>
+            </a:r>
+            <a:r>
+              <a:rPr lang="en-US" dirty="0" err="1" smtClean="0"/>
+              <a:t>simulatio</a:t>
+            </a:r>
+            <a:r>
+              <a:rPr lang="en-US" dirty="0" smtClean="0"/>
+              <a:t> for.</a:t>
+            </a:r>
+          </a:p>
+          <a:p>
+            <a:pPr lvl="1"/>
+            <a:r>
+              <a:rPr lang="en-US" dirty="0" smtClean="0"/>
+              <a:t>max-credits </a:t>
+            </a:r>
+            <a:r>
+              <a:rPr lang="mr-IN" dirty="0" smtClean="0"/>
+              <a:t>–</a:t>
+            </a:r>
+            <a:r>
+              <a:rPr lang="en-US" dirty="0" smtClean="0"/>
+              <a:t> the maximum number of credit hours a student can take in one semester</a:t>
+            </a:r>
+          </a:p>
+          <a:p>
+            <a:pPr lvl="1"/>
+            <a:r>
+              <a:rPr lang="en-US" dirty="0" err="1"/>
+              <a:t>s</a:t>
+            </a:r>
+            <a:r>
+              <a:rPr lang="en-US" dirty="0" err="1" smtClean="0"/>
+              <a:t>topouts</a:t>
+            </a:r>
+            <a:r>
+              <a:rPr lang="en-US" dirty="0" smtClean="0"/>
+              <a:t> </a:t>
+            </a:r>
+            <a:r>
+              <a:rPr lang="mr-IN" dirty="0" smtClean="0"/>
+              <a:t>–</a:t>
+            </a:r>
+            <a:r>
+              <a:rPr lang="en-US" dirty="0" smtClean="0"/>
+              <a:t> a </a:t>
+            </a:r>
+            <a:r>
+              <a:rPr lang="en-US" dirty="0" err="1" smtClean="0"/>
+              <a:t>boolean</a:t>
+            </a:r>
+            <a:r>
+              <a:rPr lang="en-US" dirty="0" smtClean="0"/>
+              <a:t>, that when set to false, will not simulate students stopping out.</a:t>
+            </a:r>
+          </a:p>
+          <a:p>
+            <a:pPr marL="0" indent="0">
+              <a:buNone/>
+            </a:pPr>
+            <a:endParaRPr lang="en-US" dirty="0"/>
+          </a:p>
+          <a:p>
+            <a:pPr marL="0" indent="0">
+              <a:buNone/>
+            </a:pPr>
+            <a:endParaRPr lang="en-US" dirty="0"/>
           </a:p>
         </p:txBody>
       </p:sp>
     </p:spTree>
     <p:extLst>
       <p:ext uri="{BB962C8B-B14F-4D97-AF65-F5344CB8AC3E}">
-        <p14:creationId xmlns:p14="http://schemas.microsoft.com/office/powerpoint/2010/main" val="1495952580"/>
+        <p14:creationId xmlns:p14="http://schemas.microsoft.com/office/powerpoint/2010/main" val="500128046"/>
       </p:ext>
     </p:extLst>
   </p:cSld>
@@ -6648,7 +7393,7 @@
           <a:p>
             <a:r>
               <a:rPr lang="en-US" dirty="0" smtClean="0"/>
-              <a:t>Library Design &amp; Implementation</a:t>
+              <a:t>Simulation Details</a:t>
             </a:r>
             <a:endParaRPr lang="en-US" dirty="0"/>
           </a:p>
@@ -6656,160 +7401,19 @@
       </p:sp>
       <p:sp>
         <p:nvSpPr>
-          <p:cNvPr id="3" name="Content Placeholder 2"/>
-          <p:cNvSpPr>
-            <a:spLocks noGrp="1"/>
-          </p:cNvSpPr>
-          <p:nvPr>
-            <p:ph idx="1"/>
+          <p:cNvPr id="3" name="Text Placeholder 2"/>
+          <p:cNvSpPr>
+            <a:spLocks noGrp="1"/>
+          </p:cNvSpPr>
+          <p:nvPr>
+            <p:ph type="body" idx="1"/>
           </p:nvPr>
         </p:nvSpPr>
         <p:spPr/>
         <p:txBody>
-          <a:bodyPr>
-            <a:normAutofit fontScale="92500" lnSpcReduction="10000"/>
-          </a:bodyPr>
-          <a:lstStyle/>
-          <a:p>
-            <a:pPr marL="0" indent="0">
-              <a:buNone/>
-            </a:pPr>
-            <a:r>
-              <a:rPr lang="en-US" dirty="0" smtClean="0"/>
-              <a:t>Finally, everything comes together to simulate students through CASL’s </a:t>
-            </a:r>
-            <a:r>
-              <a:rPr lang="en-US" i="1" dirty="0" smtClean="0"/>
-              <a:t>simulate()</a:t>
-            </a:r>
-            <a:r>
-              <a:rPr lang="en-US" dirty="0" smtClean="0"/>
-              <a:t> method which requires the following arguments:</a:t>
-            </a:r>
-          </a:p>
-          <a:p>
-            <a:r>
-              <a:rPr lang="en-US" dirty="0" smtClean="0"/>
-              <a:t>Curriculum</a:t>
-            </a:r>
-          </a:p>
-          <a:p>
-            <a:r>
-              <a:rPr lang="en-US" dirty="0" smtClean="0"/>
-              <a:t>A set of students</a:t>
-            </a:r>
-          </a:p>
-          <a:p>
-            <a:r>
-              <a:rPr lang="en-US" dirty="0" smtClean="0"/>
-              <a:t>Performance Module (optional) </a:t>
-            </a:r>
-            <a:r>
-              <a:rPr lang="mr-IN" dirty="0" smtClean="0"/>
-              <a:t>–</a:t>
-            </a:r>
-            <a:r>
-              <a:rPr lang="en-US" dirty="0" smtClean="0"/>
-              <a:t> if not supplied a built in model that uses course </a:t>
-            </a:r>
-            <a:r>
-              <a:rPr lang="en-US" dirty="0" err="1" smtClean="0"/>
-              <a:t>passrates</a:t>
-            </a:r>
-            <a:r>
-              <a:rPr lang="en-US" dirty="0" smtClean="0"/>
-              <a:t> is used.</a:t>
-            </a:r>
-          </a:p>
-          <a:p>
-            <a:r>
-              <a:rPr lang="en-US" dirty="0" smtClean="0"/>
-              <a:t>Parameters:</a:t>
-            </a:r>
-          </a:p>
-          <a:p>
-            <a:pPr lvl="1"/>
-            <a:r>
-              <a:rPr lang="en-US" dirty="0"/>
-              <a:t>d</a:t>
-            </a:r>
-            <a:r>
-              <a:rPr lang="en-US" dirty="0" smtClean="0"/>
-              <a:t>uration </a:t>
-            </a:r>
-            <a:r>
-              <a:rPr lang="mr-IN" dirty="0" smtClean="0"/>
-              <a:t>–</a:t>
-            </a:r>
-            <a:r>
-              <a:rPr lang="en-US" dirty="0" smtClean="0"/>
-              <a:t> the number of semesters to run the </a:t>
-            </a:r>
-            <a:r>
-              <a:rPr lang="en-US" dirty="0" err="1" smtClean="0"/>
-              <a:t>simulatio</a:t>
-            </a:r>
-            <a:r>
-              <a:rPr lang="en-US" dirty="0" smtClean="0"/>
-              <a:t> for.</a:t>
-            </a:r>
-          </a:p>
-          <a:p>
-            <a:pPr lvl="1"/>
-            <a:r>
-              <a:rPr lang="en-US" dirty="0" smtClean="0"/>
-              <a:t>max-credits </a:t>
-            </a:r>
-            <a:r>
-              <a:rPr lang="mr-IN" dirty="0" smtClean="0"/>
-              <a:t>–</a:t>
-            </a:r>
-            <a:r>
-              <a:rPr lang="en-US" dirty="0" smtClean="0"/>
-              <a:t> the maximum number of credit hours a student can take in one semester</a:t>
-            </a:r>
-          </a:p>
-          <a:p>
-            <a:pPr lvl="1"/>
-            <a:r>
-              <a:rPr lang="en-US" dirty="0" err="1"/>
-              <a:t>s</a:t>
-            </a:r>
-            <a:r>
-              <a:rPr lang="en-US" dirty="0" err="1" smtClean="0"/>
-              <a:t>topouts</a:t>
-            </a:r>
-            <a:r>
-              <a:rPr lang="en-US" dirty="0" smtClean="0"/>
-              <a:t> </a:t>
-            </a:r>
-            <a:r>
-              <a:rPr lang="mr-IN" dirty="0" smtClean="0"/>
-              <a:t>–</a:t>
-            </a:r>
-            <a:r>
-              <a:rPr lang="en-US" dirty="0" smtClean="0"/>
-              <a:t> a </a:t>
-            </a:r>
-            <a:r>
-              <a:rPr lang="en-US" dirty="0" err="1" smtClean="0"/>
-              <a:t>boolean</a:t>
-            </a:r>
-            <a:r>
-              <a:rPr lang="en-US" dirty="0" smtClean="0"/>
-              <a:t>, that when set to false, will not simulate students stopping out.</a:t>
-            </a:r>
-          </a:p>
-          <a:p>
-            <a:pPr marL="0" indent="0">
-              <a:buNone/>
-            </a:pPr>
-            <a:endParaRPr lang="en-US" dirty="0"/>
-          </a:p>
-          <a:p>
-            <a:pPr marL="0" indent="0">
-              <a:buNone/>
-            </a:pPr>
+          <a:bodyPr/>
+          <a:lstStyle/>
+          <a:p>
             <a:endParaRPr lang="en-US" dirty="0"/>
           </a:p>
         </p:txBody>
@@ -6817,7 +7421,7 @@
     </p:spTree>
     <p:extLst>
       <p:ext uri="{BB962C8B-B14F-4D97-AF65-F5344CB8AC3E}">
-        <p14:creationId xmlns:p14="http://schemas.microsoft.com/office/powerpoint/2010/main" val="500128046"/>
+        <p14:creationId xmlns:p14="http://schemas.microsoft.com/office/powerpoint/2010/main" val="1922447312"/>
       </p:ext>
     </p:extLst>
   </p:cSld>
@@ -6876,27 +7480,95 @@
       </p:sp>
       <p:sp>
         <p:nvSpPr>
-          <p:cNvPr id="3" name="Text Placeholder 2"/>
-          <p:cNvSpPr>
-            <a:spLocks noGrp="1"/>
-          </p:cNvSpPr>
-          <p:nvPr>
-            <p:ph type="body" idx="1"/>
+          <p:cNvPr id="3" name="Content Placeholder 2"/>
+          <p:cNvSpPr>
+            <a:spLocks noGrp="1"/>
+          </p:cNvSpPr>
+          <p:nvPr>
+            <p:ph idx="1"/>
           </p:nvPr>
         </p:nvSpPr>
         <p:spPr/>
         <p:txBody>
-          <a:bodyPr/>
-          <a:lstStyle/>
-          <a:p>
-            <a:endParaRPr lang="en-US" dirty="0"/>
+          <a:bodyPr>
+            <a:normAutofit lnSpcReduction="10000"/>
+          </a:bodyPr>
+          <a:lstStyle/>
+          <a:p>
+            <a:pPr marL="0" indent="0">
+              <a:buNone/>
+            </a:pPr>
+            <a:r>
+              <a:rPr lang="en-US" dirty="0" smtClean="0"/>
+              <a:t>CASL’s simulations are </a:t>
+            </a:r>
+            <a:r>
+              <a:rPr lang="en-US" b="1" dirty="0" smtClean="0"/>
+              <a:t>Discrete-Event Simulations (DES)</a:t>
+            </a:r>
+          </a:p>
+          <a:p>
+            <a:r>
+              <a:rPr lang="en-US" dirty="0" smtClean="0"/>
+              <a:t>Events occur instantaneously at a given point in time.</a:t>
+            </a:r>
+          </a:p>
+          <a:p>
+            <a:r>
+              <a:rPr lang="en-US" dirty="0" smtClean="0"/>
+              <a:t>Events occur sequentially.</a:t>
+            </a:r>
+          </a:p>
+          <a:p>
+            <a:r>
+              <a:rPr lang="en-US" dirty="0" smtClean="0"/>
+              <a:t>Time isn’t continuous, but jumps ahead once certain events take place.</a:t>
+            </a:r>
+          </a:p>
+          <a:p>
+            <a:r>
+              <a:rPr lang="en-US" dirty="0" smtClean="0"/>
+              <a:t>Has the following components:</a:t>
+            </a:r>
+          </a:p>
+          <a:p>
+            <a:pPr lvl="1"/>
+            <a:r>
+              <a:rPr lang="en-US" dirty="0" smtClean="0"/>
+              <a:t>Starting and Ending states</a:t>
+            </a:r>
+          </a:p>
+          <a:p>
+            <a:pPr lvl="1"/>
+            <a:r>
+              <a:rPr lang="en-US" dirty="0" smtClean="0"/>
+              <a:t>Clock</a:t>
+            </a:r>
+          </a:p>
+          <a:p>
+            <a:pPr lvl="1"/>
+            <a:r>
+              <a:rPr lang="en-US" dirty="0" smtClean="0"/>
+              <a:t>List of events</a:t>
+            </a:r>
+          </a:p>
+          <a:p>
+            <a:pPr lvl="1"/>
+            <a:r>
+              <a:rPr lang="en-US" dirty="0" smtClean="0"/>
+              <a:t>Statistics</a:t>
+            </a:r>
+          </a:p>
+          <a:p>
+            <a:pPr lvl="1"/>
+            <a:endParaRPr lang="en-US" dirty="0" smtClean="0"/>
           </a:p>
         </p:txBody>
       </p:sp>
     </p:spTree>
     <p:extLst>
       <p:ext uri="{BB962C8B-B14F-4D97-AF65-F5344CB8AC3E}">
-        <p14:creationId xmlns:p14="http://schemas.microsoft.com/office/powerpoint/2010/main" val="1922447312"/>
+        <p14:creationId xmlns:p14="http://schemas.microsoft.com/office/powerpoint/2010/main" val="1675672937"/>
       </p:ext>
     </p:extLst>
   </p:cSld>
@@ -6966,84 +7638,244 @@
         <p:spPr/>
         <p:txBody>
           <a:bodyPr>
-            <a:normAutofit lnSpcReduction="10000"/>
+            <a:normAutofit fontScale="92500" lnSpcReduction="10000"/>
           </a:bodyPr>
           <a:lstStyle/>
           <a:p>
-            <a:pPr marL="0" indent="0">
+            <a:pPr marL="0" marR="0" lvl="1" indent="0" defTabSz="914400" eaLnBrk="1" fontAlgn="auto" latinLnBrk="0" hangingPunct="1">
+              <a:lnSpc>
+                <a:spcPct val="100000"/>
+              </a:lnSpc>
+              <a:spcBef>
+                <a:spcPts val="0"/>
+              </a:spcBef>
+              <a:spcAft>
+                <a:spcPts val="0"/>
+              </a:spcAft>
+              <a:buClrTx/>
+              <a:buSzTx/>
+              <a:buFontTx/>
               <a:buNone/>
+              <a:tabLst/>
+              <a:defRPr/>
             </a:pPr>
             <a:r>
-              <a:rPr lang="en-US" dirty="0" smtClean="0"/>
-              <a:t>CASL’s simulations are </a:t>
-            </a:r>
-            <a:r>
-              <a:rPr lang="en-US" b="1" dirty="0" smtClean="0"/>
-              <a:t>Discrete-Event Simulations (DES)</a:t>
-            </a:r>
-          </a:p>
-          <a:p>
-            <a:r>
-              <a:rPr lang="en-US" dirty="0" smtClean="0"/>
-              <a:t>Events occur instantaneously at a given point in time.</a:t>
-            </a:r>
-          </a:p>
-          <a:p>
-            <a:r>
-              <a:rPr lang="en-US" dirty="0" smtClean="0"/>
-              <a:t>Events occur sequentially.</a:t>
-            </a:r>
-          </a:p>
-          <a:p>
-            <a:r>
-              <a:rPr lang="en-US" dirty="0" smtClean="0"/>
-              <a:t>Time isn’t continuous, but jumps ahead once certain events take place.</a:t>
-            </a:r>
-          </a:p>
-          <a:p>
-            <a:r>
-              <a:rPr lang="en-US" dirty="0" smtClean="0"/>
-              <a:t>Has the following components:</a:t>
-            </a:r>
-          </a:p>
-          <a:p>
-            <a:pPr lvl="1"/>
-            <a:r>
-              <a:rPr lang="en-US" dirty="0" smtClean="0"/>
-              <a:t>Starting and Ending states</a:t>
-            </a:r>
-          </a:p>
-          <a:p>
-            <a:pPr lvl="1"/>
-            <a:r>
-              <a:rPr lang="en-US" dirty="0" smtClean="0"/>
-              <a:t>Clock</a:t>
-            </a:r>
-          </a:p>
-          <a:p>
-            <a:pPr lvl="1"/>
-            <a:r>
-              <a:rPr lang="en-US" dirty="0" smtClean="0"/>
-              <a:t>List of events</a:t>
-            </a:r>
-          </a:p>
-          <a:p>
-            <a:pPr lvl="1"/>
-            <a:r>
-              <a:rPr lang="en-US" dirty="0" smtClean="0"/>
-              <a:t>Statistics</a:t>
-            </a:r>
-          </a:p>
-          <a:p>
-            <a:pPr lvl="1"/>
-            <a:endParaRPr lang="en-US" dirty="0" smtClean="0"/>
+              <a:rPr lang="en-US" sz="2800" b="1" dirty="0" smtClean="0"/>
+              <a:t>Discrete Event Simulations</a:t>
+            </a:r>
+            <a:r>
+              <a:rPr lang="en-US" sz="2800" dirty="0" smtClean="0"/>
+              <a:t> provide a good fit for simulating students through a curriculum:</a:t>
+            </a:r>
+          </a:p>
+          <a:p>
+            <a:pPr marL="0" marR="0" lvl="1" indent="0" defTabSz="914400" eaLnBrk="1" fontAlgn="auto" latinLnBrk="0" hangingPunct="1">
+              <a:lnSpc>
+                <a:spcPct val="100000"/>
+              </a:lnSpc>
+              <a:spcBef>
+                <a:spcPts val="0"/>
+              </a:spcBef>
+              <a:spcAft>
+                <a:spcPts val="0"/>
+              </a:spcAft>
+              <a:buClrTx/>
+              <a:buSzTx/>
+              <a:buFontTx/>
+              <a:buNone/>
+              <a:tabLst/>
+              <a:defRPr/>
+            </a:pPr>
+            <a:endParaRPr lang="en-US" sz="2800" b="1" dirty="0" smtClean="0"/>
+          </a:p>
+          <a:p>
+            <a:pPr marL="0" marR="0" lvl="1" indent="0" defTabSz="914400" eaLnBrk="1" fontAlgn="auto" latinLnBrk="0" hangingPunct="1">
+              <a:lnSpc>
+                <a:spcPct val="100000"/>
+              </a:lnSpc>
+              <a:spcBef>
+                <a:spcPts val="0"/>
+              </a:spcBef>
+              <a:spcAft>
+                <a:spcPts val="0"/>
+              </a:spcAft>
+              <a:buClrTx/>
+              <a:buSzTx/>
+              <a:buFontTx/>
+              <a:buNone/>
+              <a:tabLst/>
+              <a:defRPr/>
+            </a:pPr>
+            <a:r>
+              <a:rPr lang="en-US" sz="2800" b="1" dirty="0" smtClean="0"/>
+              <a:t>Events </a:t>
+            </a:r>
+          </a:p>
+          <a:p>
+            <a:pPr marL="914400" lvl="2" indent="-457200">
+              <a:lnSpc>
+                <a:spcPct val="100000"/>
+              </a:lnSpc>
+              <a:spcBef>
+                <a:spcPts val="0"/>
+              </a:spcBef>
+            </a:pPr>
+            <a:r>
+              <a:rPr lang="en-US" dirty="0" smtClean="0"/>
+              <a:t>Student enrolls in the university.</a:t>
+            </a:r>
+          </a:p>
+          <a:p>
+            <a:pPr marL="914400" lvl="2" indent="-457200">
+              <a:lnSpc>
+                <a:spcPct val="100000"/>
+              </a:lnSpc>
+              <a:spcBef>
+                <a:spcPts val="0"/>
+              </a:spcBef>
+            </a:pPr>
+            <a:r>
+              <a:rPr lang="en-US" dirty="0" smtClean="0"/>
+              <a:t>Student enrolls in courses.</a:t>
+            </a:r>
+          </a:p>
+          <a:p>
+            <a:pPr marL="914400" lvl="2" indent="-457200">
+              <a:lnSpc>
+                <a:spcPct val="100000"/>
+              </a:lnSpc>
+              <a:spcBef>
+                <a:spcPts val="0"/>
+              </a:spcBef>
+            </a:pPr>
+            <a:r>
+              <a:rPr lang="en-US" dirty="0" smtClean="0"/>
+              <a:t>Student receive grad.</a:t>
+            </a:r>
+          </a:p>
+          <a:p>
+            <a:pPr marL="914400" lvl="2" indent="-457200">
+              <a:lnSpc>
+                <a:spcPct val="100000"/>
+              </a:lnSpc>
+              <a:spcBef>
+                <a:spcPts val="0"/>
+              </a:spcBef>
+            </a:pPr>
+            <a:r>
+              <a:rPr lang="en-US" dirty="0" smtClean="0"/>
+              <a:t>Students stop out.</a:t>
+            </a:r>
+          </a:p>
+          <a:p>
+            <a:pPr marL="914400" lvl="2" indent="-457200">
+              <a:lnSpc>
+                <a:spcPct val="100000"/>
+              </a:lnSpc>
+              <a:spcBef>
+                <a:spcPts val="0"/>
+              </a:spcBef>
+            </a:pPr>
+            <a:r>
+              <a:rPr lang="en-US" dirty="0" smtClean="0"/>
+              <a:t>Students graduate.</a:t>
+            </a:r>
+          </a:p>
+          <a:p>
+            <a:pPr marL="914400" lvl="2" indent="-457200">
+              <a:lnSpc>
+                <a:spcPct val="100000"/>
+              </a:lnSpc>
+              <a:spcBef>
+                <a:spcPts val="0"/>
+              </a:spcBef>
+            </a:pPr>
+            <a:r>
+              <a:rPr lang="en-US" dirty="0" smtClean="0"/>
+              <a:t>Students remained enrolled.</a:t>
+            </a:r>
+            <a:endParaRPr lang="en-US" dirty="0"/>
+          </a:p>
+          <a:p>
+            <a:pPr marL="0" marR="0" lvl="1" indent="0" defTabSz="914400" eaLnBrk="1" fontAlgn="auto" latinLnBrk="0" hangingPunct="1">
+              <a:lnSpc>
+                <a:spcPct val="100000"/>
+              </a:lnSpc>
+              <a:spcBef>
+                <a:spcPts val="0"/>
+              </a:spcBef>
+              <a:spcAft>
+                <a:spcPts val="0"/>
+              </a:spcAft>
+              <a:buClrTx/>
+              <a:buSzTx/>
+              <a:buFontTx/>
+              <a:buNone/>
+              <a:tabLst/>
+              <a:defRPr/>
+            </a:pPr>
+            <a:endParaRPr lang="en-US" sz="2800" b="1" dirty="0" smtClean="0"/>
+          </a:p>
+          <a:p>
+            <a:pPr marL="0" marR="0" lvl="1" indent="0" defTabSz="914400" eaLnBrk="1" fontAlgn="auto" latinLnBrk="0" hangingPunct="1">
+              <a:lnSpc>
+                <a:spcPct val="100000"/>
+              </a:lnSpc>
+              <a:spcBef>
+                <a:spcPts val="0"/>
+              </a:spcBef>
+              <a:spcAft>
+                <a:spcPts val="0"/>
+              </a:spcAft>
+              <a:buClrTx/>
+              <a:buSzTx/>
+              <a:buFontTx/>
+              <a:buNone/>
+              <a:tabLst/>
+              <a:defRPr/>
+            </a:pPr>
+            <a:r>
+              <a:rPr lang="en-US" sz="2800" b="1" dirty="0" smtClean="0"/>
+              <a:t>Clock </a:t>
+            </a:r>
+            <a:r>
+              <a:rPr lang="mr-IN" sz="2800" b="1" dirty="0" smtClean="0"/>
+              <a:t>–</a:t>
+            </a:r>
+            <a:r>
+              <a:rPr lang="en-US" sz="2800" b="1" dirty="0" smtClean="0"/>
+              <a:t> </a:t>
+            </a:r>
+            <a:r>
+              <a:rPr lang="en-US" sz="2800" dirty="0" smtClean="0"/>
+              <a:t>keeps track of </a:t>
+            </a:r>
+            <a:r>
+              <a:rPr lang="en-US" sz="2800" dirty="0" err="1" smtClean="0"/>
+              <a:t>semsters</a:t>
+            </a:r>
+            <a:r>
+              <a:rPr lang="en-US" sz="2800" dirty="0" smtClean="0"/>
+              <a:t> and jumps from one to the next once semester events take place.</a:t>
+            </a:r>
+          </a:p>
+          <a:p>
+            <a:pPr marL="914400" lvl="2" indent="-457200">
+              <a:lnSpc>
+                <a:spcPct val="100000"/>
+              </a:lnSpc>
+              <a:spcBef>
+                <a:spcPts val="0"/>
+              </a:spcBef>
+            </a:pPr>
+            <a:endParaRPr lang="en-US" dirty="0"/>
           </a:p>
         </p:txBody>
       </p:sp>
     </p:spTree>
     <p:extLst>
       <p:ext uri="{BB962C8B-B14F-4D97-AF65-F5344CB8AC3E}">
-        <p14:creationId xmlns:p14="http://schemas.microsoft.com/office/powerpoint/2010/main" val="1675672937"/>
+        <p14:creationId xmlns:p14="http://schemas.microsoft.com/office/powerpoint/2010/main" val="104569696"/>
       </p:ext>
     </p:extLst>
   </p:cSld>
@@ -7113,7 +7945,7 @@
         <p:spPr/>
         <p:txBody>
           <a:bodyPr>
-            <a:normAutofit fontScale="92500" lnSpcReduction="10000"/>
+            <a:normAutofit/>
           </a:bodyPr>
           <a:lstStyle/>
           <a:p>
@@ -7135,12 +7967,28 @@
               <a:defRPr/>
             </a:pPr>
             <a:r>
-              <a:rPr lang="en-US" sz="2800" b="1" dirty="0" smtClean="0"/>
-              <a:t>Discrete Event Simulations</a:t>
-            </a:r>
-            <a:r>
-              <a:rPr lang="en-US" sz="2800" dirty="0" smtClean="0"/>
-              <a:t> provide a good fit for simulating students through a curriculum:</a:t>
+              <a:rPr lang="en-US" b="1" dirty="0" smtClean="0"/>
+              <a:t>Starting Condition</a:t>
+            </a:r>
+            <a:r>
+              <a:rPr lang="en-US" dirty="0" smtClean="0"/>
+              <a:t> </a:t>
+            </a:r>
+            <a:r>
+              <a:rPr lang="mr-IN" dirty="0" smtClean="0"/>
+              <a:t>–</a:t>
+            </a:r>
+            <a:r>
+              <a:rPr lang="en-US" dirty="0" smtClean="0"/>
+              <a:t> All </a:t>
+            </a:r>
+            <a:r>
+              <a:rPr lang="en-US" dirty="0"/>
+              <a:t>s</a:t>
+            </a:r>
+            <a:r>
+              <a:rPr lang="en-US" dirty="0" smtClean="0"/>
+              <a:t>tudents enrolled.</a:t>
             </a:r>
           </a:p>
           <a:p>
@@ -7161,7 +8009,7 @@
               <a:tabLst/>
               <a:defRPr/>
             </a:pPr>
-            <a:endParaRPr lang="en-US" sz="2800" b="1" dirty="0" smtClean="0"/>
+            <a:endParaRPr lang="en-US" b="1" dirty="0"/>
           </a:p>
           <a:p>
             <a:pPr marL="0" marR="0" lvl="1" indent="0" defTabSz="914400" eaLnBrk="1" fontAlgn="auto" latinLnBrk="0" hangingPunct="1">
@@ -7182,94 +8030,21 @@
               <a:defRPr/>
             </a:pPr>
             <a:r>
-              <a:rPr lang="en-US" sz="2800" b="1" dirty="0" smtClean="0"/>
-              <a:t>Events </a:t>
-            </a:r>
-          </a:p>
-          <a:p>
-            <a:pPr marL="914400" lvl="2" indent="-457200">
-              <a:lnSpc>
-                <a:spcPct val="100000"/>
-              </a:lnSpc>
-              <a:spcBef>
-                <a:spcPts val="0"/>
-              </a:spcBef>
-            </a:pPr>
-            <a:r>
-              <a:rPr lang="en-US" dirty="0" smtClean="0"/>
-              <a:t>Student enrolls in the university.</a:t>
-            </a:r>
-          </a:p>
-          <a:p>
-            <a:pPr marL="914400" lvl="2" indent="-457200">
-              <a:lnSpc>
-                <a:spcPct val="100000"/>
-              </a:lnSpc>
-              <a:spcBef>
-                <a:spcPts val="0"/>
-              </a:spcBef>
-            </a:pPr>
-            <a:r>
-              <a:rPr lang="en-US" dirty="0" smtClean="0"/>
-              <a:t>Student enrolls in courses.</a:t>
-            </a:r>
-          </a:p>
-          <a:p>
-            <a:pPr marL="914400" lvl="2" indent="-457200">
-              <a:lnSpc>
-                <a:spcPct val="100000"/>
-              </a:lnSpc>
-              <a:spcBef>
-                <a:spcPts val="0"/>
-              </a:spcBef>
-            </a:pPr>
-            <a:r>
-              <a:rPr lang="en-US" dirty="0" smtClean="0"/>
-              <a:t>Student receive grad.</a:t>
-            </a:r>
-          </a:p>
-          <a:p>
-            <a:pPr marL="914400" lvl="2" indent="-457200">
-              <a:lnSpc>
-                <a:spcPct val="100000"/>
-              </a:lnSpc>
-              <a:spcBef>
-                <a:spcPts val="0"/>
-              </a:spcBef>
-            </a:pPr>
-            <a:r>
-              <a:rPr lang="en-US" dirty="0" smtClean="0"/>
-              <a:t>Students stop out.</a:t>
-            </a:r>
-          </a:p>
-          <a:p>
-            <a:pPr marL="914400" lvl="2" indent="-457200">
-              <a:lnSpc>
-                <a:spcPct val="100000"/>
-              </a:lnSpc>
-              <a:spcBef>
-                <a:spcPts val="0"/>
-              </a:spcBef>
-            </a:pPr>
-            <a:r>
-              <a:rPr lang="en-US" dirty="0" smtClean="0"/>
-              <a:t>Students graduate.</a:t>
-            </a:r>
-          </a:p>
-          <a:p>
-            <a:pPr marL="914400" lvl="2" indent="-457200">
-              <a:lnSpc>
-                <a:spcPct val="100000"/>
-              </a:lnSpc>
-              <a:spcBef>
-                <a:spcPts val="0"/>
-              </a:spcBef>
-            </a:pPr>
-            <a:r>
-              <a:rPr lang="en-US" dirty="0" smtClean="0"/>
-              <a:t>Students remained enrolled.</a:t>
-            </a:r>
-            <a:endParaRPr lang="en-US" dirty="0"/>
+              <a:rPr lang="en-US" b="1" dirty="0" smtClean="0"/>
+              <a:t>Ending Condition </a:t>
+            </a:r>
+            <a:r>
+              <a:rPr lang="mr-IN" b="1" dirty="0" smtClean="0"/>
+              <a:t>–</a:t>
+            </a:r>
+            <a:r>
+              <a:rPr lang="en-US" b="1" dirty="0" smtClean="0"/>
+              <a:t> </a:t>
+            </a:r>
+            <a:r>
+              <a:rPr lang="en-US" dirty="0" smtClean="0"/>
+              <a:t>All students graduate, or duration is reached.</a:t>
+            </a:r>
           </a:p>
           <a:p>
             <a:pPr marL="0" marR="0" lvl="1" indent="0" defTabSz="914400" eaLnBrk="1" fontAlgn="auto" latinLnBrk="0" hangingPunct="1">
@@ -7289,7 +8064,7 @@
               <a:tabLst/>
               <a:defRPr/>
             </a:pPr>
-            <a:endParaRPr lang="en-US" sz="2800" b="1" dirty="0" smtClean="0"/>
+            <a:endParaRPr lang="en-US" b="1" dirty="0"/>
           </a:p>
           <a:p>
             <a:pPr marL="0" marR="0" lvl="1" indent="0" defTabSz="914400" eaLnBrk="1" fontAlgn="auto" latinLnBrk="0" hangingPunct="1">
@@ -7310,32 +8085,13 @@
               <a:defRPr/>
             </a:pPr>
             <a:r>
-              <a:rPr lang="en-US" sz="2800" b="1" dirty="0" smtClean="0"/>
-              <a:t>Clock </a:t>
-            </a:r>
-            <a:r>
-              <a:rPr lang="mr-IN" sz="2800" b="1" dirty="0" smtClean="0"/>
-              <a:t>–</a:t>
-            </a:r>
-            <a:r>
-              <a:rPr lang="en-US" sz="2800" b="1" dirty="0" smtClean="0"/>
-              <a:t> </a:t>
-            </a:r>
-            <a:r>
-              <a:rPr lang="en-US" sz="2800" dirty="0" smtClean="0"/>
-              <a:t>keeps track of </a:t>
-            </a:r>
-            <a:r>
-              <a:rPr lang="en-US" sz="2800" dirty="0" err="1" smtClean="0"/>
-              <a:t>semsters</a:t>
-            </a:r>
-            <a:r>
-              <a:rPr lang="en-US" sz="2800" dirty="0" smtClean="0"/>
-              <a:t> and jumps from one to the next once semester events take place.</a:t>
-            </a:r>
-          </a:p>
-          <a:p>
-            <a:pPr marL="914400" lvl="2" indent="-457200">
+              <a:rPr lang="en-US" b="1" dirty="0" smtClean="0"/>
+              <a:t>Statistics</a:t>
+            </a:r>
+            <a:endParaRPr lang="en-US" dirty="0"/>
+          </a:p>
+          <a:p>
+            <a:pPr marL="342900" lvl="1" indent="-342900">
               <a:lnSpc>
                 <a:spcPct val="100000"/>
               </a:lnSpc>
@@ -7343,6 +8099,92 @@
                 <a:spcPts val="0"/>
               </a:spcBef>
             </a:pPr>
+            <a:r>
+              <a:rPr lang="en-US" dirty="0" smtClean="0"/>
+              <a:t>Graduation rates at each term</a:t>
+            </a:r>
+          </a:p>
+          <a:p>
+            <a:pPr marL="342900" lvl="1" indent="-342900">
+              <a:lnSpc>
+                <a:spcPct val="100000"/>
+              </a:lnSpc>
+              <a:spcBef>
+                <a:spcPts val="0"/>
+              </a:spcBef>
+            </a:pPr>
+            <a:r>
+              <a:rPr lang="en-US" dirty="0" err="1" smtClean="0"/>
+              <a:t>Stopout</a:t>
+            </a:r>
+            <a:r>
+              <a:rPr lang="en-US" dirty="0" smtClean="0"/>
+              <a:t> rates at each term</a:t>
+            </a:r>
+          </a:p>
+          <a:p>
+            <a:pPr marL="342900" lvl="1" indent="-342900">
+              <a:lnSpc>
+                <a:spcPct val="100000"/>
+              </a:lnSpc>
+              <a:spcBef>
+                <a:spcPts val="0"/>
+              </a:spcBef>
+            </a:pPr>
+            <a:r>
+              <a:rPr lang="en-US" dirty="0" smtClean="0"/>
+              <a:t>Student performance (course grades, GPA, </a:t>
+            </a:r>
+            <a:r>
+              <a:rPr lang="en-US" dirty="0" err="1" smtClean="0"/>
+              <a:t>etc</a:t>
+            </a:r>
+            <a:r>
+              <a:rPr lang="en-US" dirty="0" smtClean="0"/>
+              <a:t>)</a:t>
+            </a:r>
+          </a:p>
+          <a:p>
+            <a:pPr marL="342900" lvl="1" indent="-342900">
+              <a:lnSpc>
+                <a:spcPct val="100000"/>
+              </a:lnSpc>
+              <a:spcBef>
+                <a:spcPts val="0"/>
+              </a:spcBef>
+            </a:pPr>
+            <a:r>
+              <a:rPr lang="en-US" dirty="0" smtClean="0"/>
+              <a:t>Course enrollment by term.</a:t>
+            </a:r>
+          </a:p>
+          <a:p>
+            <a:pPr marL="342900" lvl="1" indent="-342900">
+              <a:lnSpc>
+                <a:spcPct val="100000"/>
+              </a:lnSpc>
+              <a:spcBef>
+                <a:spcPts val="0"/>
+              </a:spcBef>
+            </a:pPr>
+            <a:r>
+              <a:rPr lang="en-US" dirty="0" smtClean="0"/>
+              <a:t>Simulated course pass rates.</a:t>
+            </a:r>
+          </a:p>
+          <a:p>
+            <a:pPr marL="342900" lvl="1" indent="-342900">
+              <a:lnSpc>
+                <a:spcPct val="100000"/>
+              </a:lnSpc>
+              <a:spcBef>
+                <a:spcPts val="0"/>
+              </a:spcBef>
+            </a:pPr>
+            <a:r>
+              <a:rPr lang="en-US" dirty="0" smtClean="0"/>
+              <a:t>Etc.</a:t>
+            </a:r>
             <a:endParaRPr lang="en-US" dirty="0"/>
           </a:p>
         </p:txBody>
@@ -7350,7 +8192,7 @@
     </p:spTree>
     <p:extLst>
       <p:ext uri="{BB962C8B-B14F-4D97-AF65-F5344CB8AC3E}">
-        <p14:creationId xmlns:p14="http://schemas.microsoft.com/office/powerpoint/2010/main" val="104569696"/>
+        <p14:creationId xmlns:p14="http://schemas.microsoft.com/office/powerpoint/2010/main" val="1682419689"/>
       </p:ext>
     </p:extLst>
   </p:cSld>
@@ -7420,7 +8262,7 @@
         <p:spPr/>
         <p:txBody>
           <a:bodyPr>
-            <a:normAutofit/>
+            <a:normAutofit fontScale="85000" lnSpcReduction="10000"/>
           </a:bodyPr>
           <a:lstStyle/>
           <a:p>
@@ -7442,12 +8284,8 @@
               <a:defRPr/>
             </a:pPr>
             <a:r>
-              <a:rPr lang="en-US" b="1" dirty="0" smtClean="0"/>
-              <a:t>Starting Condition</a:t>
-            </a:r>
-            <a:r>
-              <a:rPr lang="en-US" dirty="0" smtClean="0"/>
-              <a:t> </a:t>
+              <a:rPr lang="en-US" dirty="0" smtClean="0"/>
+              <a:t>Simulating realistic student behavior is impossible </a:t>
             </a:r>
             <a:r>
               <a:rPr lang="mr-IN" dirty="0" smtClean="0"/>
@@ -7455,15 +8293,7 @@
             </a:r>
             <a:r>
               <a:rPr lang="en-US" dirty="0" smtClean="0"/>
-              <a:t> All </a:t>
-            </a:r>
-            <a:r>
-              <a:rPr lang="en-US" dirty="0"/>
-              <a:t>s</a:t>
-            </a:r>
-            <a:r>
-              <a:rPr lang="en-US" dirty="0" smtClean="0"/>
-              <a:t>tudents enrolled.</a:t>
+              <a:t> there's too many factors to take into account.</a:t>
             </a:r>
           </a:p>
           <a:p>
@@ -7484,7 +8314,7 @@
               <a:tabLst/>
               <a:defRPr/>
             </a:pPr>
-            <a:endParaRPr lang="en-US" b="1" dirty="0"/>
+            <a:endParaRPr lang="en-US" dirty="0"/>
           </a:p>
           <a:p>
             <a:pPr marL="0" marR="0" lvl="1" indent="0" defTabSz="914400" eaLnBrk="1" fontAlgn="auto" latinLnBrk="0" hangingPunct="1">
@@ -7505,65 +8335,9 @@
               <a:defRPr/>
             </a:pPr>
             <a:r>
-              <a:rPr lang="en-US" b="1" dirty="0" smtClean="0"/>
-              <a:t>Ending Condition </a:t>
-            </a:r>
-            <a:r>
-              <a:rPr lang="mr-IN" b="1" dirty="0" smtClean="0"/>
-              <a:t>–</a:t>
-            </a:r>
-            <a:r>
-              <a:rPr lang="en-US" b="1" dirty="0" smtClean="0"/>
-              <a:t> </a:t>
-            </a:r>
-            <a:r>
-              <a:rPr lang="en-US" dirty="0" smtClean="0"/>
-              <a:t>All students graduate, or duration is reached.</a:t>
-            </a:r>
-          </a:p>
-          <a:p>
-            <a:pPr marL="0" marR="0" lvl="1" indent="0" defTabSz="914400" eaLnBrk="1" fontAlgn="auto" latinLnBrk="0" hangingPunct="1">
-              <a:lnSpc>
-                <a:spcPct val="100000"/>
-              </a:lnSpc>
-              <a:spcBef>
-                <a:spcPts val="0"/>
-              </a:spcBef>
-              <a:spcAft>
-                <a:spcPts val="0"/>
-              </a:spcAft>
-              <a:buClrTx/>
-              <a:buSzTx/>
-              <a:buFontTx/>
-              <a:buNone/>
-              <a:tabLst/>
-              <a:defRPr/>
-            </a:pPr>
-            <a:endParaRPr lang="en-US" b="1" dirty="0"/>
-          </a:p>
-          <a:p>
-            <a:pPr marL="0" marR="0" lvl="1" indent="0" defTabSz="914400" eaLnBrk="1" fontAlgn="auto" latinLnBrk="0" hangingPunct="1">
-              <a:lnSpc>
-                <a:spcPct val="100000"/>
-              </a:lnSpc>
-              <a:spcBef>
-                <a:spcPts val="0"/>
-              </a:spcBef>
-              <a:spcAft>
-                <a:spcPts val="0"/>
-              </a:spcAft>
-              <a:buClrTx/>
-              <a:buSzTx/>
-              <a:buFontTx/>
-              <a:buNone/>
-              <a:tabLst/>
-              <a:defRPr/>
-            </a:pPr>
-            <a:r>
-              <a:rPr lang="en-US" b="1" dirty="0" smtClean="0"/>
-              <a:t>Statistics</a:t>
-            </a:r>
-            <a:endParaRPr lang="en-US" dirty="0"/>
+              <a:rPr lang="en-US" dirty="0" smtClean="0"/>
+              <a:t>Therefore some assumptions have to be made:</a:t>
+            </a:r>
           </a:p>
           <a:p>
             <a:pPr marL="342900" lvl="1" indent="-342900">
@@ -7576,7 +8350,7 @@
             </a:pPr>
             <a:r>
               <a:rPr lang="en-US" dirty="0" smtClean="0"/>
-              <a:t>Graduation rates at each term</a:t>
+              <a:t>All students are first-time, full-time students.</a:t>
             </a:r>
           </a:p>
           <a:p>
@@ -7589,12 +8363,8 @@
               </a:spcBef>
             </a:pPr>
             <a:r>
-              <a:rPr lang="en-US" dirty="0" err="1" smtClean="0"/>
-              <a:t>Stopout</a:t>
-            </a:r>
-            <a:r>
-              <a:rPr lang="en-US" dirty="0" smtClean="0"/>
-              <a:t> rates at each term</a:t>
+              <a:rPr lang="en-US" dirty="0" smtClean="0"/>
+              <a:t>A new class of students is not added each semester.</a:t>
             </a:r>
           </a:p>
           <a:p>
@@ -7608,15 +8378,7 @@
             </a:pPr>
             <a:r>
               <a:rPr lang="en-US" dirty="0" smtClean="0"/>
-              <a:t>Student performance (course grades, GPA, </a:t>
-            </a:r>
-            <a:r>
-              <a:rPr lang="en-US" dirty="0" err="1" smtClean="0"/>
-              <a:t>etc</a:t>
-            </a:r>
-            <a:r>
-              <a:rPr lang="en-US" dirty="0" smtClean="0"/>
-              <a:t>)</a:t>
+              <a:t>Students register for as many courses as they can.</a:t>
             </a:r>
           </a:p>
           <a:p>
@@ -7630,7 +8392,7 @@
             </a:pPr>
             <a:r>
               <a:rPr lang="en-US" dirty="0" smtClean="0"/>
-              <a:t>Course enrollment by term.</a:t>
+              <a:t>Students can only register for courses defined within the curriculum.</a:t>
             </a:r>
           </a:p>
           <a:p>
@@ -7644,7 +8406,7 @@
             </a:pPr>
             <a:r>
               <a:rPr lang="en-US" dirty="0" smtClean="0"/>
-              <a:t>Simulated course pass rates.</a:t>
+              <a:t>The order in which students is enrolled is defined by the order they appear in the curriculum.</a:t>
             </a:r>
           </a:p>
           <a:p>
@@ -7658,16 +8420,80 @@
             </a:pPr>
             <a:r>
               <a:rPr lang="en-US" dirty="0" smtClean="0"/>
-              <a:t>Etc.</a:t>
-            </a:r>
+              <a:t>Course enrollment requirements are strictly enforced.</a:t>
+            </a:r>
+          </a:p>
+          <a:p>
+            <a:pPr marL="342900" lvl="1" indent="-342900">
+              <a:lnSpc>
+                <a:spcPct val="100000"/>
+              </a:lnSpc>
+              <a:spcBef>
+                <a:spcPts val="0"/>
+              </a:spcBef>
+            </a:pPr>
+            <a:r>
+              <a:rPr lang="en-US" dirty="0" smtClean="0"/>
+              <a:t>All courses are offered every semester.</a:t>
+            </a:r>
+          </a:p>
+          <a:p>
+            <a:pPr marL="342900" lvl="1" indent="-342900">
+              <a:lnSpc>
+                <a:spcPct val="100000"/>
+              </a:lnSpc>
+              <a:spcBef>
+                <a:spcPts val="0"/>
+              </a:spcBef>
+            </a:pPr>
+            <a:r>
+              <a:rPr lang="en-US" dirty="0" smtClean="0"/>
+              <a:t>Courses have infinite capacity.</a:t>
+            </a:r>
+          </a:p>
+          <a:p>
+            <a:pPr marL="342900" lvl="1" indent="-342900">
+              <a:lnSpc>
+                <a:spcPct val="100000"/>
+              </a:lnSpc>
+              <a:spcBef>
+                <a:spcPts val="0"/>
+              </a:spcBef>
+            </a:pPr>
             <a:endParaRPr lang="en-US" dirty="0"/>
+          </a:p>
+          <a:p>
+            <a:pPr marL="0" lvl="1" indent="0">
+              <a:lnSpc>
+                <a:spcPct val="100000"/>
+              </a:lnSpc>
+              <a:spcBef>
+                <a:spcPts val="0"/>
+              </a:spcBef>
+              <a:buNone/>
+            </a:pPr>
+            <a:r>
+              <a:rPr lang="en-US" dirty="0" smtClean="0"/>
+              <a:t>These might seem restrictive, but they are made to standardize student behavior and put an emphasis on the structure of curricula, not student behavior.</a:t>
+            </a:r>
+          </a:p>
+          <a:p>
+            <a:pPr marL="342900" lvl="1" indent="-342900">
+              <a:lnSpc>
+                <a:spcPct val="100000"/>
+              </a:lnSpc>
+              <a:spcBef>
+                <a:spcPts val="0"/>
+              </a:spcBef>
+            </a:pPr>
+            <a:endParaRPr lang="en-US" dirty="0" smtClean="0"/>
           </a:p>
         </p:txBody>
       </p:sp>
     </p:spTree>
     <p:extLst>
       <p:ext uri="{BB962C8B-B14F-4D97-AF65-F5344CB8AC3E}">
-        <p14:creationId xmlns:p14="http://schemas.microsoft.com/office/powerpoint/2010/main" val="1682419689"/>
+        <p14:creationId xmlns:p14="http://schemas.microsoft.com/office/powerpoint/2010/main" val="742033300"/>
       </p:ext>
     </p:extLst>
   </p:cSld>
@@ -7718,7 +8544,7 @@
           <a:p>
             <a:r>
               <a:rPr lang="en-US" dirty="0" smtClean="0"/>
-              <a:t>Simulation Details</a:t>
+              <a:t>Applications in Curricular Analytics</a:t>
             </a:r>
             <a:endParaRPr lang="en-US" dirty="0"/>
           </a:p>
@@ -7726,249 +8552,27 @@
       </p:sp>
       <p:sp>
         <p:nvSpPr>
-          <p:cNvPr id="3" name="Content Placeholder 2"/>
-          <p:cNvSpPr>
-            <a:spLocks noGrp="1"/>
-          </p:cNvSpPr>
-          <p:nvPr>
-            <p:ph idx="1"/>
+          <p:cNvPr id="3" name="Text Placeholder 2"/>
+          <p:cNvSpPr>
+            <a:spLocks noGrp="1"/>
+          </p:cNvSpPr>
+          <p:nvPr>
+            <p:ph type="body" idx="1"/>
           </p:nvPr>
         </p:nvSpPr>
         <p:spPr/>
         <p:txBody>
-          <a:bodyPr>
-            <a:normAutofit fontScale="85000" lnSpcReduction="10000"/>
-          </a:bodyPr>
-          <a:lstStyle/>
-          <a:p>
-            <a:pPr marL="0" marR="0" lvl="1" indent="0" defTabSz="914400" eaLnBrk="1" fontAlgn="auto" latinLnBrk="0" hangingPunct="1">
-              <a:lnSpc>
-                <a:spcPct val="100000"/>
-              </a:lnSpc>
-              <a:spcBef>
-                <a:spcPts val="0"/>
-              </a:spcBef>
-              <a:spcAft>
-                <a:spcPts val="0"/>
-              </a:spcAft>
-              <a:buClrTx/>
-              <a:buSzTx/>
-              <a:buFontTx/>
-              <a:buNone/>
-              <a:tabLst/>
-              <a:defRPr/>
-            </a:pPr>
-            <a:r>
-              <a:rPr lang="en-US" dirty="0" smtClean="0"/>
-              <a:t>Simulating realistic student behavior is impossible </a:t>
-            </a:r>
-            <a:r>
-              <a:rPr lang="mr-IN" dirty="0" smtClean="0"/>
-              <a:t>–</a:t>
-            </a:r>
-            <a:r>
-              <a:rPr lang="en-US" dirty="0" smtClean="0"/>
-              <a:t> there's too many factors to take into account.</a:t>
-            </a:r>
-          </a:p>
-          <a:p>
-            <a:pPr marL="0" marR="0" lvl="1" indent="0" defTabSz="914400" eaLnBrk="1" fontAlgn="auto" latinLnBrk="0" hangingPunct="1">
-              <a:lnSpc>
-                <a:spcPct val="100000"/>
-              </a:lnSpc>
-              <a:spcBef>
-                <a:spcPts val="0"/>
-              </a:spcBef>
-              <a:spcAft>
-                <a:spcPts val="0"/>
-              </a:spcAft>
-              <a:buClrTx/>
-              <a:buSzTx/>
-              <a:buFontTx/>
-              <a:buNone/>
-              <a:tabLst/>
-              <a:defRPr/>
-            </a:pPr>
+          <a:bodyPr/>
+          <a:lstStyle/>
+          <a:p>
             <a:endParaRPr lang="en-US" dirty="0"/>
-          </a:p>
-          <a:p>
-            <a:pPr marL="0" marR="0" lvl="1" indent="0" defTabSz="914400" eaLnBrk="1" fontAlgn="auto" latinLnBrk="0" hangingPunct="1">
-              <a:lnSpc>
-                <a:spcPct val="100000"/>
-              </a:lnSpc>
-              <a:spcBef>
-                <a:spcPts val="0"/>
-              </a:spcBef>
-              <a:spcAft>
-                <a:spcPts val="0"/>
-              </a:spcAft>
-              <a:buClrTx/>
-              <a:buSzTx/>
-              <a:buFontTx/>
-              <a:buNone/>
-              <a:tabLst/>
-              <a:defRPr/>
-            </a:pPr>
-            <a:r>
-              <a:rPr lang="en-US" dirty="0" smtClean="0"/>
-              <a:t>Therefore some assumptions have to be made:</a:t>
-            </a:r>
-          </a:p>
-          <a:p>
-            <a:pPr marL="342900" lvl="1" indent="-342900">
-              <a:lnSpc>
-                <a:spcPct val="100000"/>
-              </a:lnSpc>
-              <a:spcBef>
-                <a:spcPts val="0"/>
-              </a:spcBef>
-            </a:pPr>
-            <a:r>
-              <a:rPr lang="en-US" dirty="0" smtClean="0"/>
-              <a:t>All students are first-time, full-time students.</a:t>
-            </a:r>
-          </a:p>
-          <a:p>
-            <a:pPr marL="342900" lvl="1" indent="-342900">
-              <a:lnSpc>
-                <a:spcPct val="100000"/>
-              </a:lnSpc>
-              <a:spcBef>
-                <a:spcPts val="0"/>
-              </a:spcBef>
-            </a:pPr>
-            <a:r>
-              <a:rPr lang="en-US" dirty="0" smtClean="0"/>
-              <a:t>A new class of students is not added each semester.</a:t>
-            </a:r>
-          </a:p>
-          <a:p>
-            <a:pPr marL="342900" lvl="1" indent="-342900">
-              <a:lnSpc>
-                <a:spcPct val="100000"/>
-              </a:lnSpc>
-              <a:spcBef>
-                <a:spcPts val="0"/>
-              </a:spcBef>
-            </a:pPr>
-            <a:r>
-              <a:rPr lang="en-US" dirty="0" smtClean="0"/>
-              <a:t>Students register for as many courses as they can.</a:t>
-            </a:r>
-          </a:p>
-          <a:p>
-            <a:pPr marL="342900" lvl="1" indent="-342900">
-              <a:lnSpc>
-                <a:spcPct val="100000"/>
-              </a:lnSpc>
-              <a:spcBef>
-                <a:spcPts val="0"/>
-              </a:spcBef>
-            </a:pPr>
-            <a:r>
-              <a:rPr lang="en-US" dirty="0" smtClean="0"/>
-              <a:t>Students can only register for courses defined within the curriculum.</a:t>
-            </a:r>
-          </a:p>
-          <a:p>
-            <a:pPr marL="342900" lvl="1" indent="-342900">
-              <a:lnSpc>
-                <a:spcPct val="100000"/>
-              </a:lnSpc>
-              <a:spcBef>
-                <a:spcPts val="0"/>
-              </a:spcBef>
-            </a:pPr>
-            <a:r>
-              <a:rPr lang="en-US" dirty="0" smtClean="0"/>
-              <a:t>The order in which students is enrolled is defined by the order they appear in the curriculum.</a:t>
-            </a:r>
-          </a:p>
-          <a:p>
-            <a:pPr marL="342900" lvl="1" indent="-342900">
-              <a:lnSpc>
-                <a:spcPct val="100000"/>
-              </a:lnSpc>
-              <a:spcBef>
-                <a:spcPts val="0"/>
-              </a:spcBef>
-            </a:pPr>
-            <a:r>
-              <a:rPr lang="en-US" dirty="0" smtClean="0"/>
-              <a:t>Course enrollment requirements are strictly enforced.</a:t>
-            </a:r>
-          </a:p>
-          <a:p>
-            <a:pPr marL="342900" lvl="1" indent="-342900">
-              <a:lnSpc>
-                <a:spcPct val="100000"/>
-              </a:lnSpc>
-              <a:spcBef>
-                <a:spcPts val="0"/>
-              </a:spcBef>
-            </a:pPr>
-            <a:r>
-              <a:rPr lang="en-US" dirty="0" smtClean="0"/>
-              <a:t>All courses are offered every semester.</a:t>
-            </a:r>
-          </a:p>
-          <a:p>
-            <a:pPr marL="342900" lvl="1" indent="-342900">
-              <a:lnSpc>
-                <a:spcPct val="100000"/>
-              </a:lnSpc>
-              <a:spcBef>
-                <a:spcPts val="0"/>
-              </a:spcBef>
-            </a:pPr>
-            <a:r>
-              <a:rPr lang="en-US" dirty="0" smtClean="0"/>
-              <a:t>Courses have infinite capacity.</a:t>
-            </a:r>
-          </a:p>
-          <a:p>
-            <a:pPr marL="342900" lvl="1" indent="-342900">
-              <a:lnSpc>
-                <a:spcPct val="100000"/>
-              </a:lnSpc>
-              <a:spcBef>
-                <a:spcPts val="0"/>
-              </a:spcBef>
-            </a:pPr>
-            <a:endParaRPr lang="en-US" dirty="0"/>
-          </a:p>
-          <a:p>
-            <a:pPr marL="0" lvl="1" indent="0">
-              <a:lnSpc>
-                <a:spcPct val="100000"/>
-              </a:lnSpc>
-              <a:spcBef>
-                <a:spcPts val="0"/>
-              </a:spcBef>
-              <a:buNone/>
-            </a:pPr>
-            <a:r>
-              <a:rPr lang="en-US" dirty="0" smtClean="0"/>
-              <a:t>These might seem restrictive, but they are made to standardize student behavior and put an emphasis on the structure of curricula, not student behavior.</a:t>
-            </a:r>
-          </a:p>
-          <a:p>
-            <a:pPr marL="342900" lvl="1" indent="-342900">
-              <a:lnSpc>
-                <a:spcPct val="100000"/>
-              </a:lnSpc>
-              <a:spcBef>
-                <a:spcPts val="0"/>
-              </a:spcBef>
-            </a:pPr>
-            <a:endParaRPr lang="en-US" dirty="0" smtClean="0"/>
           </a:p>
         </p:txBody>
       </p:sp>
     </p:spTree>
     <p:extLst>
       <p:ext uri="{BB962C8B-B14F-4D97-AF65-F5344CB8AC3E}">
-        <p14:creationId xmlns:p14="http://schemas.microsoft.com/office/powerpoint/2010/main" val="742033300"/>
+        <p14:creationId xmlns:p14="http://schemas.microsoft.com/office/powerpoint/2010/main" val="1543726982"/>
       </p:ext>
     </p:extLst>
   </p:cSld>
@@ -8018,21 +8622,20 @@
           <a:lstStyle/>
           <a:p>
             <a:r>
-              <a:rPr lang="en-US" dirty="0" smtClean="0"/>
+              <a:rPr lang="en-US" dirty="0"/>
               <a:t>Applications in Curricular Analytics</a:t>
             </a:r>
-            <a:endParaRPr lang="en-US" dirty="0"/>
-          </a:p>
-        </p:txBody>
-      </p:sp>
-      <p:sp>
-        <p:nvSpPr>
-          <p:cNvPr id="3" name="Text Placeholder 2"/>
-          <p:cNvSpPr>
-            <a:spLocks noGrp="1"/>
-          </p:cNvSpPr>
-          <p:nvPr>
-            <p:ph type="body" idx="1"/>
+          </a:p>
+        </p:txBody>
+      </p:sp>
+      <p:sp>
+        <p:nvSpPr>
+          <p:cNvPr id="3" name="Content Placeholder 2"/>
+          <p:cNvSpPr>
+            <a:spLocks noGrp="1"/>
+          </p:cNvSpPr>
+          <p:nvPr>
+            <p:ph idx="1"/>
           </p:nvPr>
         </p:nvSpPr>
         <p:spPr/>
@@ -8040,6 +8643,22 @@
           <a:bodyPr/>
           <a:lstStyle/>
           <a:p>
+            <a:pPr marL="0" indent="0">
+              <a:buNone/>
+            </a:pPr>
+            <a:r>
+              <a:rPr lang="en-US" dirty="0" smtClean="0"/>
+              <a:t>The primary motivation behind developing CASL and it’s simulation capabilities is to correlate a curriculum’s complexity with student success:</a:t>
+            </a:r>
+          </a:p>
+          <a:p>
+            <a:pPr marL="0" indent="0">
+              <a:buNone/>
+            </a:pPr>
+            <a:r>
+              <a:rPr lang="en-US" dirty="0" smtClean="0"/>
+              <a:t>The higher the complexity, the harder it is for students to move through it.</a:t>
+            </a:r>
             <a:endParaRPr lang="en-US" dirty="0"/>
           </a:p>
         </p:txBody>
@@ -8047,7 +8666,7 @@
     </p:spTree>
     <p:extLst>
       <p:ext uri="{BB962C8B-B14F-4D97-AF65-F5344CB8AC3E}">
-        <p14:creationId xmlns:p14="http://schemas.microsoft.com/office/powerpoint/2010/main" val="1543726982"/>
+        <p14:creationId xmlns:p14="http://schemas.microsoft.com/office/powerpoint/2010/main" val="527738084"/>
       </p:ext>
     </p:extLst>
   </p:cSld>
@@ -8176,36 +8795,2710 @@
           <a:lstStyle/>
           <a:p>
             <a:r>
-              <a:rPr lang="en-US" dirty="0" smtClean="0"/>
-              <a:t>Questions</a:t>
-            </a:r>
-            <a:endParaRPr lang="en-US" dirty="0"/>
-          </a:p>
-        </p:txBody>
-      </p:sp>
-      <p:sp>
-        <p:nvSpPr>
-          <p:cNvPr id="3" name="Text Placeholder 2"/>
-          <p:cNvSpPr>
-            <a:spLocks noGrp="1"/>
-          </p:cNvSpPr>
-          <p:nvPr>
-            <p:ph type="body" idx="1"/>
-          </p:nvPr>
-        </p:nvSpPr>
-        <p:spPr/>
-        <p:txBody>
-          <a:bodyPr/>
-          <a:lstStyle/>
-          <a:p>
-            <a:endParaRPr lang="en-US"/>
-          </a:p>
-        </p:txBody>
-      </p:sp>
+              <a:rPr lang="en-US" dirty="0"/>
+              <a:t>Applications in Curricular Analytics</a:t>
+            </a:r>
+          </a:p>
+        </p:txBody>
+      </p:sp>
+      <mc:AlternateContent xmlns:mc="http://schemas.openxmlformats.org/markup-compatibility/2006">
+        <mc:Choice xmlns:a14="http://schemas.microsoft.com/office/drawing/2010/main" Requires="a14">
+          <p:sp>
+            <p:nvSpPr>
+              <p:cNvPr id="3" name="Content Placeholder 2"/>
+              <p:cNvSpPr>
+                <a:spLocks noGrp="1"/>
+              </p:cNvSpPr>
+              <p:nvPr>
+                <p:ph idx="1"/>
+              </p:nvPr>
+            </p:nvSpPr>
+            <p:spPr/>
+            <p:txBody>
+              <a:bodyPr>
+                <a:normAutofit fontScale="92500" lnSpcReduction="20000"/>
+              </a:bodyPr>
+              <a:lstStyle/>
+              <a:p>
+                <a:pPr marL="0" indent="0">
+                  <a:buNone/>
+                </a:pPr>
+                <a:r>
+                  <a:rPr lang="en-US" dirty="0" smtClean="0"/>
+                  <a:t>A formal definition of the complexity of a curriculum, </a:t>
+                </a:r>
+                <a:r>
+                  <a:rPr lang="en-US" i="1" dirty="0" smtClean="0"/>
+                  <a:t>C</a:t>
+                </a:r>
+                <a:r>
+                  <a:rPr lang="en-US" dirty="0" smtClean="0"/>
+                  <a:t>:</a:t>
+                </a:r>
+              </a:p>
+              <a:p>
+                <a:pPr marL="0" indent="0">
+                  <a:buNone/>
+                </a:pPr>
+                <a:endParaRPr lang="en-US" dirty="0"/>
+              </a:p>
+              <a:p>
+                <a:pPr marL="0" indent="0">
+                  <a:buNone/>
+                </a:pPr>
+                <a14:m>
+                  <m:oMathPara xmlns:m="http://schemas.openxmlformats.org/officeDocument/2006/math">
+                    <m:oMathParaPr>
+                      <m:jc m:val="centerGroup"/>
+                    </m:oMathParaPr>
+                    <m:oMath xmlns:m="http://schemas.openxmlformats.org/officeDocument/2006/math">
+                      <m:sSub>
+                        <m:sSubPr>
+                          <m:ctrlPr>
+                            <a:rPr lang="en-US" b="0" i="1" smtClean="0">
+                              <a:latin typeface="Cambria Math" charset="0"/>
+                            </a:rPr>
+                          </m:ctrlPr>
+                        </m:sSubPr>
+                        <m:e>
+                          <m:r>
+                            <m:rPr>
+                              <m:sty m:val="p"/>
+                            </m:rPr>
+                            <a:rPr lang="en-US" b="0" i="0" smtClean="0">
+                              <a:latin typeface="Cambria Math" charset="0"/>
+                            </a:rPr>
+                            <m:t>Ψ</m:t>
+                          </m:r>
+                        </m:e>
+                        <m:sub>
+                          <m:r>
+                            <a:rPr lang="en-US" b="0" i="1" smtClean="0">
+                              <a:latin typeface="Cambria Math" charset="0"/>
+                            </a:rPr>
+                            <m:t>𝐶</m:t>
+                          </m:r>
+                        </m:sub>
+                      </m:sSub>
+                      <m:r>
+                        <a:rPr lang="en-US" b="0" i="1" smtClean="0">
+                          <a:latin typeface="Cambria Math" charset="0"/>
+                        </a:rPr>
+                        <m:t>=</m:t>
+                      </m:r>
+                      <m:r>
+                        <a:rPr lang="en-US" b="0" i="1" smtClean="0">
+                          <a:latin typeface="Cambria Math" charset="0"/>
+                        </a:rPr>
+                        <m:t>𝑓</m:t>
+                      </m:r>
+                      <m:r>
+                        <a:rPr lang="en-US" b="0" i="1" smtClean="0">
+                          <a:latin typeface="Cambria Math" charset="0"/>
+                        </a:rPr>
+                        <m:t>(</m:t>
+                      </m:r>
+                      <m:sSub>
+                        <m:sSubPr>
+                          <m:ctrlPr>
+                            <a:rPr lang="en-US" b="0" i="1" smtClean="0">
+                              <a:latin typeface="Cambria Math" charset="0"/>
+                            </a:rPr>
+                          </m:ctrlPr>
+                        </m:sSubPr>
+                        <m:e>
+                          <m:r>
+                            <a:rPr lang="en-US" b="0" i="1" smtClean="0">
+                              <a:latin typeface="Cambria Math" charset="0"/>
+                            </a:rPr>
+                            <m:t>𝛼</m:t>
+                          </m:r>
+                        </m:e>
+                        <m:sub>
+                          <m:r>
+                            <a:rPr lang="en-US" b="0" i="1" smtClean="0">
+                              <a:latin typeface="Cambria Math" charset="0"/>
+                            </a:rPr>
+                            <m:t>𝐶</m:t>
+                          </m:r>
+                        </m:sub>
+                      </m:sSub>
+                      <m:r>
+                        <a:rPr lang="en-US" b="0" i="1" smtClean="0">
+                          <a:latin typeface="Cambria Math" charset="0"/>
+                        </a:rPr>
+                        <m:t>, </m:t>
+                      </m:r>
+                      <m:sSub>
+                        <m:sSubPr>
+                          <m:ctrlPr>
+                            <a:rPr lang="en-US" b="0" i="1" smtClean="0">
+                              <a:latin typeface="Cambria Math" charset="0"/>
+                            </a:rPr>
+                          </m:ctrlPr>
+                        </m:sSubPr>
+                        <m:e>
+                          <m:r>
+                            <a:rPr lang="en-US" b="0" i="1" smtClean="0">
+                              <a:latin typeface="Cambria Math" charset="0"/>
+                            </a:rPr>
+                            <m:t>𝛾</m:t>
+                          </m:r>
+                        </m:e>
+                        <m:sub>
+                          <m:r>
+                            <a:rPr lang="en-US" b="0" i="1" smtClean="0">
+                              <a:latin typeface="Cambria Math" charset="0"/>
+                            </a:rPr>
+                            <m:t>𝐶</m:t>
+                          </m:r>
+                        </m:sub>
+                      </m:sSub>
+                      <m:r>
+                        <a:rPr lang="en-US" b="0" i="1" smtClean="0">
+                          <a:latin typeface="Cambria Math" charset="0"/>
+                        </a:rPr>
+                        <m:t>)</m:t>
+                      </m:r>
+                    </m:oMath>
+                  </m:oMathPara>
+                </a14:m>
+                <a:endParaRPr lang="en-US" dirty="0" smtClean="0"/>
+              </a:p>
+              <a:p>
+                <a:pPr marL="0" indent="0">
+                  <a:buNone/>
+                </a:pPr>
+                <a:endParaRPr lang="en-US" dirty="0"/>
+              </a:p>
+              <a:p>
+                <a14:m>
+                  <m:oMath xmlns:m="http://schemas.openxmlformats.org/officeDocument/2006/math">
+                    <m:sSub>
+                      <m:sSubPr>
+                        <m:ctrlPr>
+                          <a:rPr lang="en-US" i="1" smtClean="0">
+                            <a:latin typeface="Cambria Math" charset="0"/>
+                          </a:rPr>
+                        </m:ctrlPr>
+                      </m:sSubPr>
+                      <m:e>
+                        <m:r>
+                          <a:rPr lang="en-US" b="0" i="1" smtClean="0">
+                            <a:latin typeface="Cambria Math" charset="0"/>
+                          </a:rPr>
+                          <m:t>𝛼</m:t>
+                        </m:r>
+                      </m:e>
+                      <m:sub>
+                        <m:r>
+                          <a:rPr lang="en-US" b="0" i="1" smtClean="0">
+                            <a:latin typeface="Cambria Math" charset="0"/>
+                          </a:rPr>
+                          <m:t>𝐶</m:t>
+                        </m:r>
+                      </m:sub>
+                    </m:sSub>
+                  </m:oMath>
+                </a14:m>
+                <a:r>
+                  <a:rPr lang="en-US" dirty="0" smtClean="0"/>
+                  <a:t> - The structural complexity of </a:t>
+                </a:r>
+                <a:r>
+                  <a:rPr lang="en-US" i="1" dirty="0" smtClean="0"/>
+                  <a:t>C</a:t>
+                </a:r>
+                <a:r>
+                  <a:rPr lang="en-US" dirty="0" smtClean="0"/>
+                  <a:t>, which is a function of its graph: </a:t>
+                </a:r>
+                <a14:m>
+                  <m:oMath xmlns:m="http://schemas.openxmlformats.org/officeDocument/2006/math">
+                    <m:r>
+                      <a:rPr lang="en-US" b="0" i="1" smtClean="0">
+                        <a:latin typeface="Cambria Math" charset="0"/>
+                      </a:rPr>
+                      <m:t>𝑔</m:t>
+                    </m:r>
+                    <m:r>
+                      <a:rPr lang="en-US" b="0" i="1" smtClean="0">
+                        <a:latin typeface="Cambria Math" charset="0"/>
+                      </a:rPr>
+                      <m:t>(</m:t>
+                    </m:r>
+                    <m:sSub>
+                      <m:sSubPr>
+                        <m:ctrlPr>
+                          <a:rPr lang="en-US" b="0" i="1" smtClean="0">
+                            <a:latin typeface="Cambria Math" charset="0"/>
+                          </a:rPr>
+                        </m:ctrlPr>
+                      </m:sSubPr>
+                      <m:e>
+                        <m:r>
+                          <a:rPr lang="en-US" b="0" i="1" smtClean="0">
+                            <a:latin typeface="Cambria Math" charset="0"/>
+                          </a:rPr>
+                          <m:t>𝐺</m:t>
+                        </m:r>
+                      </m:e>
+                      <m:sub>
+                        <m:r>
+                          <a:rPr lang="en-US" b="0" i="1" smtClean="0">
+                            <a:latin typeface="Cambria Math" charset="0"/>
+                          </a:rPr>
+                          <m:t>𝑐</m:t>
+                        </m:r>
+                      </m:sub>
+                    </m:sSub>
+                    <m:r>
+                      <a:rPr lang="en-US" b="0" i="1" smtClean="0">
+                        <a:latin typeface="Cambria Math" charset="0"/>
+                      </a:rPr>
+                      <m:t>)</m:t>
+                    </m:r>
+                  </m:oMath>
+                </a14:m>
+                <a:endParaRPr lang="en-US" dirty="0" smtClean="0"/>
+              </a:p>
+              <a:p>
+                <a14:m>
+                  <m:oMath xmlns:m="http://schemas.openxmlformats.org/officeDocument/2006/math">
+                    <m:sSub>
+                      <m:sSubPr>
+                        <m:ctrlPr>
+                          <a:rPr lang="en-US" i="1" smtClean="0">
+                            <a:latin typeface="Cambria Math" charset="0"/>
+                          </a:rPr>
+                        </m:ctrlPr>
+                      </m:sSubPr>
+                      <m:e>
+                        <m:r>
+                          <a:rPr lang="en-US" b="0" i="1" smtClean="0">
+                            <a:latin typeface="Cambria Math" charset="0"/>
+                          </a:rPr>
+                          <m:t>𝛾</m:t>
+                        </m:r>
+                      </m:e>
+                      <m:sub>
+                        <m:r>
+                          <a:rPr lang="en-US" b="0" i="1" smtClean="0">
+                            <a:latin typeface="Cambria Math" charset="0"/>
+                          </a:rPr>
+                          <m:t>𝐶</m:t>
+                        </m:r>
+                      </m:sub>
+                    </m:sSub>
+                  </m:oMath>
+                </a14:m>
+                <a:r>
+                  <a:rPr lang="en-US" dirty="0" smtClean="0"/>
+                  <a:t> - The instructional complexity of </a:t>
+                </a:r>
+                <a:r>
+                  <a:rPr lang="en-US" i="1" dirty="0" smtClean="0"/>
+                  <a:t>C,</a:t>
+                </a:r>
+                <a:r>
+                  <a:rPr lang="en-US" dirty="0" smtClean="0"/>
+                  <a:t> which is the difficulty of it’s courses.</a:t>
+                </a:r>
+              </a:p>
+              <a:p>
+                <a:endParaRPr lang="en-US" dirty="0"/>
+              </a:p>
+              <a:p>
+                <a:r>
+                  <a:rPr lang="en-US" dirty="0" smtClean="0"/>
+                  <a:t>These values can be difficulty to quantify </a:t>
+                </a:r>
+                <a:r>
+                  <a:rPr lang="mr-IN" dirty="0" smtClean="0"/>
+                  <a:t>–</a:t>
+                </a:r>
+                <a:r>
+                  <a:rPr lang="en-US" dirty="0" smtClean="0"/>
+                  <a:t> Simulations provide a solution.</a:t>
+                </a:r>
+              </a:p>
+              <a:p>
+                <a:pPr lvl="1"/>
+                <a:r>
+                  <a:rPr lang="en-US" dirty="0"/>
+                  <a:t>They can show a correlation between complexity </a:t>
+                </a:r>
+                <a:r>
+                  <a:rPr lang="en-US" dirty="0" smtClean="0"/>
+                  <a:t>and student success, without having to know </a:t>
+                </a:r>
+                <a14:m>
+                  <m:oMath xmlns:m="http://schemas.openxmlformats.org/officeDocument/2006/math">
+                    <m:sSub>
+                      <m:sSubPr>
+                        <m:ctrlPr>
+                          <a:rPr lang="en-US" i="1" smtClean="0">
+                            <a:latin typeface="Cambria Math" charset="0"/>
+                          </a:rPr>
+                        </m:ctrlPr>
+                      </m:sSubPr>
+                      <m:e>
+                        <m:r>
+                          <m:rPr>
+                            <m:sty m:val="p"/>
+                          </m:rPr>
+                          <a:rPr lang="en-US" b="0" i="0" smtClean="0">
+                            <a:latin typeface="Cambria Math" charset="0"/>
+                          </a:rPr>
+                          <m:t>Ψ</m:t>
+                        </m:r>
+                      </m:e>
+                      <m:sub>
+                        <m:r>
+                          <a:rPr lang="en-US" b="0" i="1" smtClean="0">
+                            <a:latin typeface="Cambria Math" charset="0"/>
+                          </a:rPr>
+                          <m:t>𝐶</m:t>
+                        </m:r>
+                      </m:sub>
+                    </m:sSub>
+                  </m:oMath>
+                </a14:m>
+                <a:endParaRPr lang="en-US" dirty="0" smtClean="0"/>
+              </a:p>
+              <a:p>
+                <a:pPr lvl="1"/>
+                <a:r>
+                  <a:rPr lang="en-US" dirty="0" smtClean="0"/>
+                  <a:t>Simulations can be used to help best characterize </a:t>
+                </a:r>
+                <a14:m>
+                  <m:oMath xmlns:m="http://schemas.openxmlformats.org/officeDocument/2006/math">
+                    <m:sSub>
+                      <m:sSubPr>
+                        <m:ctrlPr>
+                          <a:rPr lang="en-US" i="1" smtClean="0">
+                            <a:latin typeface="Cambria Math" charset="0"/>
+                          </a:rPr>
+                        </m:ctrlPr>
+                      </m:sSubPr>
+                      <m:e>
+                        <m:r>
+                          <a:rPr lang="en-US" b="0" i="1" smtClean="0">
+                            <a:latin typeface="Cambria Math" charset="0"/>
+                          </a:rPr>
+                          <m:t>𝛼</m:t>
+                        </m:r>
+                      </m:e>
+                      <m:sub>
+                        <m:r>
+                          <a:rPr lang="en-US" b="0" i="1" smtClean="0">
+                            <a:latin typeface="Cambria Math" charset="0"/>
+                          </a:rPr>
+                          <m:t>𝐶</m:t>
+                        </m:r>
+                      </m:sub>
+                    </m:sSub>
+                  </m:oMath>
+                </a14:m>
+                <a:r>
+                  <a:rPr lang="en-US" dirty="0" smtClean="0"/>
+                  <a:t> and </a:t>
+                </a:r>
+                <a14:m>
+                  <m:oMath xmlns:m="http://schemas.openxmlformats.org/officeDocument/2006/math">
+                    <m:sSub>
+                      <m:sSubPr>
+                        <m:ctrlPr>
+                          <a:rPr lang="en-US" i="1" smtClean="0">
+                            <a:latin typeface="Cambria Math" charset="0"/>
+                          </a:rPr>
+                        </m:ctrlPr>
+                      </m:sSubPr>
+                      <m:e>
+                        <m:r>
+                          <a:rPr lang="en-US" b="0" i="1" smtClean="0">
+                            <a:latin typeface="Cambria Math" charset="0"/>
+                          </a:rPr>
+                          <m:t>𝛾</m:t>
+                        </m:r>
+                      </m:e>
+                      <m:sub>
+                        <m:r>
+                          <a:rPr lang="en-US" b="0" i="1" smtClean="0">
+                            <a:latin typeface="Cambria Math" charset="0"/>
+                          </a:rPr>
+                          <m:t>𝐶</m:t>
+                        </m:r>
+                      </m:sub>
+                    </m:sSub>
+                  </m:oMath>
+                </a14:m>
+                <a:endParaRPr lang="en-US" dirty="0" smtClean="0"/>
+              </a:p>
+            </p:txBody>
+          </p:sp>
+        </mc:Choice>
+        <mc:Fallback>
+          <p:sp>
+            <p:nvSpPr>
+              <p:cNvPr id="3" name="Content Placeholder 2"/>
+              <p:cNvSpPr>
+                <a:spLocks noGrp="1" noRot="1" noChangeAspect="1" noMove="1" noResize="1" noEditPoints="1" noAdjustHandles="1" noChangeArrowheads="1" noChangeShapeType="1" noTextEdit="1"/>
+              </p:cNvSpPr>
+              <p:nvPr>
+                <p:ph idx="1"/>
+              </p:nvPr>
+            </p:nvSpPr>
+            <p:spPr>
+              <a:blipFill rotWithShape="0">
+                <a:blip r:embed="rId2"/>
+                <a:stretch>
+                  <a:fillRect l="-1043" t="-3501"/>
+                </a:stretch>
+              </a:blipFill>
+            </p:spPr>
+            <p:txBody>
+              <a:bodyPr/>
+              <a:lstStyle/>
+              <a:p>
+                <a:r>
+                  <a:rPr lang="en-US">
+                    <a:noFill/>
+                  </a:rPr>
+                  <a:t> </a:t>
+                </a:r>
+              </a:p>
+            </p:txBody>
+          </p:sp>
+        </mc:Fallback>
+      </mc:AlternateContent>
     </p:spTree>
     <p:extLst>
       <p:ext uri="{BB962C8B-B14F-4D97-AF65-F5344CB8AC3E}">
-        <p14:creationId xmlns:p14="http://schemas.microsoft.com/office/powerpoint/2010/main" val="35977804"/>
+        <p14:creationId xmlns:p14="http://schemas.microsoft.com/office/powerpoint/2010/main" val="335594144"/>
+      </p:ext>
+    </p:extLst>
+  </p:cSld>
+  <p:clrMapOvr>
+    <a:masterClrMapping/>
+  </p:clrMapOvr>
+  <p:timing>
+    <p:tnLst>
+      <p:par>
+        <p:cTn id="1" dur="indefinite" restart="never" nodeType="tmRoot"/>
+      </p:par>
+    </p:tnLst>
+  </p:timing>
+</p:sld>
+</file>
+
+<file path=ppt/slides/slide31.xml><?xml version="1.0" encoding="utf-8"?>
+<p:sld xmlns:a="http://schemas.openxmlformats.org/drawingml/2006/main" xmlns:r="http://schemas.openxmlformats.org/officeDocument/2006/relationships" xmlns:p="http://schemas.openxmlformats.org/presentationml/2006/main">
+  <p:cSld>
+    <p:spTree>
+      <p:nvGrpSpPr>
+        <p:cNvPr id="1" name=""/>
+        <p:cNvGrpSpPr/>
+        <p:nvPr/>
+      </p:nvGrpSpPr>
+      <p:grpSpPr>
+        <a:xfrm>
+          <a:off x="0" y="0"/>
+          <a:ext cx="0" cy="0"/>
+          <a:chOff x="0" y="0"/>
+          <a:chExt cx="0" cy="0"/>
+        </a:xfrm>
+      </p:grpSpPr>
+      <p:sp>
+        <p:nvSpPr>
+          <p:cNvPr id="2" name="Title 1"/>
+          <p:cNvSpPr>
+            <a:spLocks noGrp="1"/>
+          </p:cNvSpPr>
+          <p:nvPr>
+            <p:ph type="title"/>
+          </p:nvPr>
+        </p:nvSpPr>
+        <p:spPr/>
+        <p:txBody>
+          <a:bodyPr/>
+          <a:lstStyle/>
+          <a:p>
+            <a:r>
+              <a:rPr lang="en-US" dirty="0"/>
+              <a:t>Applications in Curricular Analytics</a:t>
+            </a:r>
+          </a:p>
+        </p:txBody>
+      </p:sp>
+      <mc:AlternateContent xmlns:mc="http://schemas.openxmlformats.org/markup-compatibility/2006">
+        <mc:Choice xmlns:a14="http://schemas.microsoft.com/office/drawing/2010/main" Requires="a14">
+          <p:sp>
+            <p:nvSpPr>
+              <p:cNvPr id="3" name="Content Placeholder 2"/>
+              <p:cNvSpPr>
+                <a:spLocks noGrp="1"/>
+              </p:cNvSpPr>
+              <p:nvPr>
+                <p:ph idx="1"/>
+              </p:nvPr>
+            </p:nvSpPr>
+            <p:spPr/>
+            <p:txBody>
+              <a:bodyPr>
+                <a:normAutofit fontScale="92500"/>
+              </a:bodyPr>
+              <a:lstStyle/>
+              <a:p>
+                <a:pPr marL="0" indent="0">
+                  <a:buNone/>
+                </a:pPr>
+                <a:r>
+                  <a:rPr lang="en-US" dirty="0"/>
+                  <a:t>S</a:t>
+                </a:r>
+                <a:r>
+                  <a:rPr lang="en-US" dirty="0" smtClean="0"/>
+                  <a:t>everal simulations were performed to show that a negative correlation exists between structural complexity and the rate at which students complete a program.</a:t>
+                </a:r>
+              </a:p>
+              <a:p>
+                <a:pPr marL="0" indent="0">
+                  <a:buNone/>
+                </a:pPr>
+                <a:endParaRPr lang="en-US" dirty="0" smtClean="0"/>
+              </a:p>
+              <a:p>
+                <a:pPr marL="0" indent="0">
+                  <a:buNone/>
+                </a:pPr>
+                <a14:m>
+                  <m:oMathPara xmlns:m="http://schemas.openxmlformats.org/officeDocument/2006/math">
+                    <m:oMathParaPr>
+                      <m:jc m:val="centerGroup"/>
+                    </m:oMathParaPr>
+                    <m:oMath xmlns:m="http://schemas.openxmlformats.org/officeDocument/2006/math">
+                      <m:sSub>
+                        <m:sSubPr>
+                          <m:ctrlPr>
+                            <a:rPr lang="en-US" i="1">
+                              <a:latin typeface="Cambria Math" charset="0"/>
+                            </a:rPr>
+                          </m:ctrlPr>
+                        </m:sSubPr>
+                        <m:e>
+                          <m:r>
+                            <m:rPr>
+                              <m:sty m:val="p"/>
+                            </m:rPr>
+                            <a:rPr lang="en-US">
+                              <a:latin typeface="Cambria Math" charset="0"/>
+                            </a:rPr>
+                            <m:t>Ψ</m:t>
+                          </m:r>
+                        </m:e>
+                        <m:sub>
+                          <m:r>
+                            <a:rPr lang="en-US" i="1">
+                              <a:latin typeface="Cambria Math" charset="0"/>
+                            </a:rPr>
+                            <m:t>𝐶</m:t>
+                          </m:r>
+                        </m:sub>
+                      </m:sSub>
+                      <m:r>
+                        <a:rPr lang="en-US" i="1">
+                          <a:latin typeface="Cambria Math" charset="0"/>
+                        </a:rPr>
+                        <m:t>=</m:t>
+                      </m:r>
+                      <m:r>
+                        <a:rPr lang="en-US" i="1">
+                          <a:latin typeface="Cambria Math" charset="0"/>
+                        </a:rPr>
+                        <m:t>𝑓</m:t>
+                      </m:r>
+                      <m:r>
+                        <a:rPr lang="en-US" i="1">
+                          <a:latin typeface="Cambria Math" charset="0"/>
+                        </a:rPr>
+                        <m:t>(</m:t>
+                      </m:r>
+                      <m:sSub>
+                        <m:sSubPr>
+                          <m:ctrlPr>
+                            <a:rPr lang="en-US" i="1">
+                              <a:latin typeface="Cambria Math" charset="0"/>
+                            </a:rPr>
+                          </m:ctrlPr>
+                        </m:sSubPr>
+                        <m:e>
+                          <m:r>
+                            <a:rPr lang="en-US" b="0" i="1" smtClean="0">
+                              <a:latin typeface="Cambria Math" charset="0"/>
+                            </a:rPr>
+                            <m:t>𝑑𝑒𝑙𝑎𝑦</m:t>
+                          </m:r>
+                        </m:e>
+                        <m:sub>
+                          <m:r>
+                            <a:rPr lang="en-US" i="1">
+                              <a:latin typeface="Cambria Math" charset="0"/>
+                            </a:rPr>
+                            <m:t>𝐶</m:t>
+                          </m:r>
+                        </m:sub>
+                      </m:sSub>
+                      <m:r>
+                        <a:rPr lang="en-US" b="0" i="1" smtClean="0">
+                          <a:latin typeface="Cambria Math" charset="0"/>
+                        </a:rPr>
+                        <m:t>+</m:t>
+                      </m:r>
+                      <m:sSub>
+                        <m:sSubPr>
+                          <m:ctrlPr>
+                            <a:rPr lang="en-US" i="1">
+                              <a:latin typeface="Cambria Math" charset="0"/>
+                            </a:rPr>
+                          </m:ctrlPr>
+                        </m:sSubPr>
+                        <m:e>
+                          <m:r>
+                            <a:rPr lang="en-US" b="0" i="1" smtClean="0">
+                              <a:latin typeface="Cambria Math" charset="0"/>
+                            </a:rPr>
+                            <m:t>𝑏𝑙𝑜𝑐𝑘𝑖𝑛𝑔</m:t>
+                          </m:r>
+                        </m:e>
+                        <m:sub>
+                          <m:r>
+                            <a:rPr lang="en-US" i="1">
+                              <a:latin typeface="Cambria Math" charset="0"/>
+                            </a:rPr>
+                            <m:t>𝐶</m:t>
+                          </m:r>
+                        </m:sub>
+                      </m:sSub>
+                      <m:r>
+                        <a:rPr lang="en-US" i="1">
+                          <a:latin typeface="Cambria Math" charset="0"/>
+                        </a:rPr>
+                        <m:t>, </m:t>
+                      </m:r>
+                      <m:sSub>
+                        <m:sSubPr>
+                          <m:ctrlPr>
+                            <a:rPr lang="en-US" i="1">
+                              <a:latin typeface="Cambria Math" charset="0"/>
+                            </a:rPr>
+                          </m:ctrlPr>
+                        </m:sSubPr>
+                        <m:e>
+                          <m:r>
+                            <a:rPr lang="en-US" b="0" i="1" smtClean="0">
+                              <a:latin typeface="Cambria Math" charset="0"/>
+                            </a:rPr>
+                            <m:t>𝑎𝑣𝑒𝑟𝑎𝑔𝑒𝑃𝑎𝑠𝑠𝑟𝑎𝑡𝑒</m:t>
+                          </m:r>
+                        </m:e>
+                        <m:sub>
+                          <m:r>
+                            <a:rPr lang="en-US" i="1">
+                              <a:latin typeface="Cambria Math" charset="0"/>
+                            </a:rPr>
+                            <m:t>𝐶</m:t>
+                          </m:r>
+                        </m:sub>
+                      </m:sSub>
+                      <m:r>
+                        <a:rPr lang="en-US" i="1">
+                          <a:latin typeface="Cambria Math" charset="0"/>
+                        </a:rPr>
+                        <m:t>)</m:t>
+                      </m:r>
+                    </m:oMath>
+                  </m:oMathPara>
+                </a14:m>
+                <a:endParaRPr lang="en-US" dirty="0"/>
+              </a:p>
+              <a:p>
+                <a:pPr marL="0" indent="0">
+                  <a:buNone/>
+                </a:pPr>
+                <a:endParaRPr lang="en-US" dirty="0"/>
+              </a:p>
+              <a:p>
+                <a:r>
+                  <a:rPr lang="en-US" dirty="0" smtClean="0"/>
+                  <a:t>Simulations are performed over a set of curricula with varying structural complexities (defined by their delay and blocking factors) while all courses </a:t>
+                </a:r>
+                <a:r>
+                  <a:rPr lang="en-US" dirty="0" err="1" smtClean="0"/>
+                  <a:t>passrates</a:t>
+                </a:r>
+                <a:r>
+                  <a:rPr lang="en-US" dirty="0" smtClean="0"/>
+                  <a:t> in every curriculum are set to the same value.</a:t>
+                </a:r>
+              </a:p>
+              <a:p>
+                <a:r>
+                  <a:rPr lang="en-US" dirty="0" smtClean="0"/>
+                  <a:t>Student performance is based solely on course </a:t>
+                </a:r>
+                <a:r>
+                  <a:rPr lang="en-US" dirty="0" err="1" smtClean="0"/>
+                  <a:t>passrates</a:t>
+                </a:r>
+                <a:r>
+                  <a:rPr lang="en-US" dirty="0" smtClean="0"/>
+                  <a:t>.</a:t>
+                </a:r>
+              </a:p>
+              <a:p>
+                <a:pPr marL="0" indent="0">
+                  <a:buNone/>
+                </a:pPr>
+                <a:endParaRPr lang="en-US" dirty="0" smtClean="0"/>
+              </a:p>
+            </p:txBody>
+          </p:sp>
+        </mc:Choice>
+        <mc:Fallback>
+          <p:sp>
+            <p:nvSpPr>
+              <p:cNvPr id="3" name="Content Placeholder 2"/>
+              <p:cNvSpPr>
+                <a:spLocks noGrp="1" noRot="1" noChangeAspect="1" noMove="1" noResize="1" noEditPoints="1" noAdjustHandles="1" noChangeArrowheads="1" noChangeShapeType="1" noTextEdit="1"/>
+              </p:cNvSpPr>
+              <p:nvPr>
+                <p:ph idx="1"/>
+              </p:nvPr>
+            </p:nvSpPr>
+            <p:spPr>
+              <a:blipFill rotWithShape="0">
+                <a:blip r:embed="rId2"/>
+                <a:stretch>
+                  <a:fillRect l="-1043" t="-2101"/>
+                </a:stretch>
+              </a:blipFill>
+            </p:spPr>
+            <p:txBody>
+              <a:bodyPr/>
+              <a:lstStyle/>
+              <a:p>
+                <a:r>
+                  <a:rPr lang="en-US">
+                    <a:noFill/>
+                  </a:rPr>
+                  <a:t> </a:t>
+                </a:r>
+              </a:p>
+            </p:txBody>
+          </p:sp>
+        </mc:Fallback>
+      </mc:AlternateContent>
+    </p:spTree>
+    <p:extLst>
+      <p:ext uri="{BB962C8B-B14F-4D97-AF65-F5344CB8AC3E}">
+        <p14:creationId xmlns:p14="http://schemas.microsoft.com/office/powerpoint/2010/main" val="599481563"/>
+      </p:ext>
+    </p:extLst>
+  </p:cSld>
+  <p:clrMapOvr>
+    <a:masterClrMapping/>
+  </p:clrMapOvr>
+  <p:timing>
+    <p:tnLst>
+      <p:par>
+        <p:cTn id="1" dur="indefinite" restart="never" nodeType="tmRoot"/>
+      </p:par>
+    </p:tnLst>
+  </p:timing>
+</p:sld>
+</file>
+
+<file path=ppt/slides/slide32.xml><?xml version="1.0" encoding="utf-8"?>
+<p:sld xmlns:a="http://schemas.openxmlformats.org/drawingml/2006/main" xmlns:r="http://schemas.openxmlformats.org/officeDocument/2006/relationships" xmlns:p="http://schemas.openxmlformats.org/presentationml/2006/main">
+  <p:cSld>
+    <p:spTree>
+      <p:nvGrpSpPr>
+        <p:cNvPr id="1" name=""/>
+        <p:cNvGrpSpPr/>
+        <p:nvPr/>
+      </p:nvGrpSpPr>
+      <p:grpSpPr>
+        <a:xfrm>
+          <a:off x="0" y="0"/>
+          <a:ext cx="0" cy="0"/>
+          <a:chOff x="0" y="0"/>
+          <a:chExt cx="0" cy="0"/>
+        </a:xfrm>
+      </p:grpSpPr>
+      <p:sp>
+        <p:nvSpPr>
+          <p:cNvPr id="2" name="Title 1"/>
+          <p:cNvSpPr>
+            <a:spLocks noGrp="1"/>
+          </p:cNvSpPr>
+          <p:nvPr>
+            <p:ph type="title"/>
+          </p:nvPr>
+        </p:nvSpPr>
+        <p:spPr/>
+        <p:txBody>
+          <a:bodyPr/>
+          <a:lstStyle/>
+          <a:p>
+            <a:r>
+              <a:rPr lang="en-US" dirty="0"/>
+              <a:t>Applications in Curricular Analytics</a:t>
+            </a:r>
+          </a:p>
+        </p:txBody>
+      </p:sp>
+      <p:sp>
+        <p:nvSpPr>
+          <p:cNvPr id="3" name="Content Placeholder 2"/>
+          <p:cNvSpPr>
+            <a:spLocks noGrp="1"/>
+          </p:cNvSpPr>
+          <p:nvPr>
+            <p:ph idx="1"/>
+          </p:nvPr>
+        </p:nvSpPr>
+        <p:spPr/>
+        <p:txBody>
+          <a:bodyPr/>
+          <a:lstStyle/>
+          <a:p>
+            <a:pPr marL="0" indent="0">
+              <a:buNone/>
+            </a:pPr>
+            <a:r>
+              <a:rPr lang="en-US" dirty="0" smtClean="0"/>
+              <a:t>First, simple four course, two term curricula were simulated.</a:t>
+            </a:r>
+          </a:p>
+        </p:txBody>
+      </p:sp>
+      <p:grpSp>
+        <p:nvGrpSpPr>
+          <p:cNvPr id="11" name="Group 10"/>
+          <p:cNvGrpSpPr/>
+          <p:nvPr/>
+        </p:nvGrpSpPr>
+        <p:grpSpPr>
+          <a:xfrm>
+            <a:off x="1247775" y="2493869"/>
+            <a:ext cx="9696450" cy="1896596"/>
+            <a:chOff x="838200" y="2493869"/>
+            <a:chExt cx="9696450" cy="1896596"/>
+          </a:xfrm>
+        </p:grpSpPr>
+        <p:pic>
+          <p:nvPicPr>
+            <p:cNvPr id="4" name="Picture 3"/>
+            <p:cNvPicPr>
+              <a:picLocks noChangeAspect="1"/>
+            </p:cNvPicPr>
+            <p:nvPr/>
+          </p:nvPicPr>
+          <p:blipFill>
+            <a:blip r:embed="rId2">
+              <a:extLst>
+                <a:ext uri="{28A0092B-C50C-407E-A947-70E740481C1C}">
+                  <a14:useLocalDpi xmlns:a14="http://schemas.microsoft.com/office/drawing/2010/main" val="0"/>
+                </a:ext>
+              </a:extLst>
+            </a:blip>
+            <a:stretch>
+              <a:fillRect/>
+            </a:stretch>
+          </p:blipFill>
+          <p:spPr>
+            <a:xfrm>
+              <a:off x="838200" y="2493869"/>
+              <a:ext cx="1905000" cy="1896596"/>
+            </a:xfrm>
+            <a:prstGeom prst="rect">
+              <a:avLst/>
+            </a:prstGeom>
+          </p:spPr>
+        </p:pic>
+        <p:pic>
+          <p:nvPicPr>
+            <p:cNvPr id="5" name="Picture 4"/>
+            <p:cNvPicPr>
+              <a:picLocks noChangeAspect="1"/>
+            </p:cNvPicPr>
+            <p:nvPr/>
+          </p:nvPicPr>
+          <p:blipFill>
+            <a:blip r:embed="rId3">
+              <a:extLst>
+                <a:ext uri="{28A0092B-C50C-407E-A947-70E740481C1C}">
+                  <a14:useLocalDpi xmlns:a14="http://schemas.microsoft.com/office/drawing/2010/main" val="0"/>
+                </a:ext>
+              </a:extLst>
+            </a:blip>
+            <a:stretch>
+              <a:fillRect/>
+            </a:stretch>
+          </p:blipFill>
+          <p:spPr>
+            <a:xfrm>
+              <a:off x="3435350" y="2493869"/>
+              <a:ext cx="1905000" cy="1896596"/>
+            </a:xfrm>
+            <a:prstGeom prst="rect">
+              <a:avLst/>
+            </a:prstGeom>
+          </p:spPr>
+        </p:pic>
+        <p:pic>
+          <p:nvPicPr>
+            <p:cNvPr id="6" name="Picture 5"/>
+            <p:cNvPicPr>
+              <a:picLocks noChangeAspect="1"/>
+            </p:cNvPicPr>
+            <p:nvPr/>
+          </p:nvPicPr>
+          <p:blipFill>
+            <a:blip r:embed="rId4">
+              <a:extLst>
+                <a:ext uri="{28A0092B-C50C-407E-A947-70E740481C1C}">
+                  <a14:useLocalDpi xmlns:a14="http://schemas.microsoft.com/office/drawing/2010/main" val="0"/>
+                </a:ext>
+              </a:extLst>
+            </a:blip>
+            <a:stretch>
+              <a:fillRect/>
+            </a:stretch>
+          </p:blipFill>
+          <p:spPr>
+            <a:xfrm>
+              <a:off x="8629650" y="2493869"/>
+              <a:ext cx="1905000" cy="1896596"/>
+            </a:xfrm>
+            <a:prstGeom prst="rect">
+              <a:avLst/>
+            </a:prstGeom>
+          </p:spPr>
+        </p:pic>
+        <p:pic>
+          <p:nvPicPr>
+            <p:cNvPr id="7" name="Picture 6"/>
+            <p:cNvPicPr>
+              <a:picLocks noChangeAspect="1"/>
+            </p:cNvPicPr>
+            <p:nvPr/>
+          </p:nvPicPr>
+          <p:blipFill>
+            <a:blip r:embed="rId5">
+              <a:extLst>
+                <a:ext uri="{28A0092B-C50C-407E-A947-70E740481C1C}">
+                  <a14:useLocalDpi xmlns:a14="http://schemas.microsoft.com/office/drawing/2010/main" val="0"/>
+                </a:ext>
+              </a:extLst>
+            </a:blip>
+            <a:stretch>
+              <a:fillRect/>
+            </a:stretch>
+          </p:blipFill>
+          <p:spPr>
+            <a:xfrm>
+              <a:off x="6032500" y="2493869"/>
+              <a:ext cx="1905000" cy="1896596"/>
+            </a:xfrm>
+            <a:prstGeom prst="rect">
+              <a:avLst/>
+            </a:prstGeom>
+          </p:spPr>
+        </p:pic>
+      </p:grpSp>
+      <p:grpSp>
+        <p:nvGrpSpPr>
+          <p:cNvPr id="12" name="Group 11"/>
+          <p:cNvGrpSpPr/>
+          <p:nvPr/>
+        </p:nvGrpSpPr>
+        <p:grpSpPr>
+          <a:xfrm>
+            <a:off x="2362200" y="4390465"/>
+            <a:ext cx="7467600" cy="1896596"/>
+            <a:chOff x="2044700" y="4390465"/>
+            <a:chExt cx="7467600" cy="1896596"/>
+          </a:xfrm>
+        </p:grpSpPr>
+        <p:pic>
+          <p:nvPicPr>
+            <p:cNvPr id="8" name="Picture 7"/>
+            <p:cNvPicPr>
+              <a:picLocks noChangeAspect="1"/>
+            </p:cNvPicPr>
+            <p:nvPr/>
+          </p:nvPicPr>
+          <p:blipFill>
+            <a:blip r:embed="rId6">
+              <a:extLst>
+                <a:ext uri="{28A0092B-C50C-407E-A947-70E740481C1C}">
+                  <a14:useLocalDpi xmlns:a14="http://schemas.microsoft.com/office/drawing/2010/main" val="0"/>
+                </a:ext>
+              </a:extLst>
+            </a:blip>
+            <a:stretch>
+              <a:fillRect/>
+            </a:stretch>
+          </p:blipFill>
+          <p:spPr>
+            <a:xfrm>
+              <a:off x="2044700" y="4390465"/>
+              <a:ext cx="1905000" cy="1896596"/>
+            </a:xfrm>
+            <a:prstGeom prst="rect">
+              <a:avLst/>
+            </a:prstGeom>
+          </p:spPr>
+        </p:pic>
+        <p:pic>
+          <p:nvPicPr>
+            <p:cNvPr id="9" name="Picture 8"/>
+            <p:cNvPicPr>
+              <a:picLocks noChangeAspect="1"/>
+            </p:cNvPicPr>
+            <p:nvPr/>
+          </p:nvPicPr>
+          <p:blipFill>
+            <a:blip r:embed="rId7">
+              <a:extLst>
+                <a:ext uri="{28A0092B-C50C-407E-A947-70E740481C1C}">
+                  <a14:useLocalDpi xmlns:a14="http://schemas.microsoft.com/office/drawing/2010/main" val="0"/>
+                </a:ext>
+              </a:extLst>
+            </a:blip>
+            <a:stretch>
+              <a:fillRect/>
+            </a:stretch>
+          </p:blipFill>
+          <p:spPr>
+            <a:xfrm>
+              <a:off x="4826000" y="4390465"/>
+              <a:ext cx="1905000" cy="1896596"/>
+            </a:xfrm>
+            <a:prstGeom prst="rect">
+              <a:avLst/>
+            </a:prstGeom>
+          </p:spPr>
+        </p:pic>
+        <p:pic>
+          <p:nvPicPr>
+            <p:cNvPr id="10" name="Picture 9"/>
+            <p:cNvPicPr>
+              <a:picLocks noChangeAspect="1"/>
+            </p:cNvPicPr>
+            <p:nvPr/>
+          </p:nvPicPr>
+          <p:blipFill>
+            <a:blip r:embed="rId8">
+              <a:extLst>
+                <a:ext uri="{28A0092B-C50C-407E-A947-70E740481C1C}">
+                  <a14:useLocalDpi xmlns:a14="http://schemas.microsoft.com/office/drawing/2010/main" val="0"/>
+                </a:ext>
+              </a:extLst>
+            </a:blip>
+            <a:stretch>
+              <a:fillRect/>
+            </a:stretch>
+          </p:blipFill>
+          <p:spPr>
+            <a:xfrm>
+              <a:off x="7607300" y="4390465"/>
+              <a:ext cx="1905000" cy="1896596"/>
+            </a:xfrm>
+            <a:prstGeom prst="rect">
+              <a:avLst/>
+            </a:prstGeom>
+          </p:spPr>
+        </p:pic>
+      </p:grpSp>
+    </p:spTree>
+    <p:extLst>
+      <p:ext uri="{BB962C8B-B14F-4D97-AF65-F5344CB8AC3E}">
+        <p14:creationId xmlns:p14="http://schemas.microsoft.com/office/powerpoint/2010/main" val="1072002392"/>
+      </p:ext>
+    </p:extLst>
+  </p:cSld>
+  <p:clrMapOvr>
+    <a:masterClrMapping/>
+  </p:clrMapOvr>
+  <p:timing>
+    <p:tnLst>
+      <p:par>
+        <p:cTn id="1" dur="indefinite" restart="never" nodeType="tmRoot"/>
+      </p:par>
+    </p:tnLst>
+  </p:timing>
+</p:sld>
+</file>
+
+<file path=ppt/slides/slide33.xml><?xml version="1.0" encoding="utf-8"?>
+<p:sld xmlns:a="http://schemas.openxmlformats.org/drawingml/2006/main" xmlns:r="http://schemas.openxmlformats.org/officeDocument/2006/relationships" xmlns:p="http://schemas.openxmlformats.org/presentationml/2006/main">
+  <p:cSld>
+    <p:spTree>
+      <p:nvGrpSpPr>
+        <p:cNvPr id="1" name=""/>
+        <p:cNvGrpSpPr/>
+        <p:nvPr/>
+      </p:nvGrpSpPr>
+      <p:grpSpPr>
+        <a:xfrm>
+          <a:off x="0" y="0"/>
+          <a:ext cx="0" cy="0"/>
+          <a:chOff x="0" y="0"/>
+          <a:chExt cx="0" cy="0"/>
+        </a:xfrm>
+      </p:grpSpPr>
+      <p:sp>
+        <p:nvSpPr>
+          <p:cNvPr id="2" name="Title 1"/>
+          <p:cNvSpPr>
+            <a:spLocks noGrp="1"/>
+          </p:cNvSpPr>
+          <p:nvPr>
+            <p:ph type="title"/>
+          </p:nvPr>
+        </p:nvSpPr>
+        <p:spPr/>
+        <p:txBody>
+          <a:bodyPr/>
+          <a:lstStyle/>
+          <a:p>
+            <a:r>
+              <a:rPr lang="en-US" dirty="0"/>
+              <a:t>Applications in Curricular Analytics</a:t>
+            </a:r>
+          </a:p>
+        </p:txBody>
+      </p:sp>
+      <p:pic>
+        <p:nvPicPr>
+          <p:cNvPr id="14" name="Content Placeholder 13"/>
+          <p:cNvPicPr>
+            <a:picLocks noGrp="1" noChangeAspect="1"/>
+          </p:cNvPicPr>
+          <p:nvPr>
+            <p:ph sz="half" idx="1"/>
+          </p:nvPr>
+        </p:nvPicPr>
+        <p:blipFill>
+          <a:blip r:embed="rId2">
+            <a:extLst>
+              <a:ext uri="{28A0092B-C50C-407E-A947-70E740481C1C}">
+                <a14:useLocalDpi xmlns:a14="http://schemas.microsoft.com/office/drawing/2010/main" val="0"/>
+              </a:ext>
+            </a:extLst>
+          </a:blip>
+          <a:stretch>
+            <a:fillRect/>
+          </a:stretch>
+        </p:blipFill>
+        <p:spPr>
+          <a:xfrm>
+            <a:off x="838200" y="2211388"/>
+            <a:ext cx="6364110" cy="3579812"/>
+          </a:xfrm>
+        </p:spPr>
+      </p:pic>
+      <p:sp>
+        <p:nvSpPr>
+          <p:cNvPr id="15" name="Content Placeholder 14"/>
+          <p:cNvSpPr>
+            <a:spLocks noGrp="1"/>
+          </p:cNvSpPr>
+          <p:nvPr>
+            <p:ph sz="half" idx="2"/>
+          </p:nvPr>
+        </p:nvSpPr>
+        <p:spPr>
+          <a:xfrm>
+            <a:off x="7734300" y="1825625"/>
+            <a:ext cx="3619500" cy="4351338"/>
+          </a:xfrm>
+        </p:spPr>
+        <p:txBody>
+          <a:bodyPr>
+            <a:normAutofit/>
+          </a:bodyPr>
+          <a:lstStyle/>
+          <a:p>
+            <a:pPr>
+              <a:lnSpc>
+                <a:spcPct val="100000"/>
+              </a:lnSpc>
+              <a:spcBef>
+                <a:spcPts val="0"/>
+              </a:spcBef>
+            </a:pPr>
+            <a:r>
+              <a:rPr lang="en-US" sz="2400" dirty="0" smtClean="0"/>
+              <a:t>50% course pass rate</a:t>
+            </a:r>
+          </a:p>
+          <a:p>
+            <a:pPr>
+              <a:lnSpc>
+                <a:spcPct val="100000"/>
+              </a:lnSpc>
+              <a:spcBef>
+                <a:spcPts val="0"/>
+              </a:spcBef>
+            </a:pPr>
+            <a:endParaRPr lang="en-US" sz="2400" dirty="0" smtClean="0"/>
+          </a:p>
+          <a:p>
+            <a:pPr>
+              <a:lnSpc>
+                <a:spcPct val="100000"/>
+              </a:lnSpc>
+              <a:spcBef>
+                <a:spcPts val="0"/>
+              </a:spcBef>
+            </a:pPr>
+            <a:r>
+              <a:rPr lang="en-US" sz="2400" dirty="0" smtClean="0"/>
+              <a:t>4 terms</a:t>
+            </a:r>
+          </a:p>
+          <a:p>
+            <a:pPr>
+              <a:lnSpc>
+                <a:spcPct val="100000"/>
+              </a:lnSpc>
+              <a:spcBef>
+                <a:spcPts val="0"/>
+              </a:spcBef>
+            </a:pPr>
+            <a:endParaRPr lang="en-US" sz="2400" dirty="0" smtClean="0"/>
+          </a:p>
+          <a:p>
+            <a:pPr>
+              <a:lnSpc>
+                <a:spcPct val="100000"/>
+              </a:lnSpc>
+              <a:spcBef>
+                <a:spcPts val="0"/>
+              </a:spcBef>
+            </a:pPr>
+            <a:r>
+              <a:rPr lang="en-US" sz="2400" dirty="0" smtClean="0"/>
+              <a:t>Students can take up to three courses a term.</a:t>
+            </a:r>
+          </a:p>
+        </p:txBody>
+      </p:sp>
+    </p:spTree>
+    <p:extLst>
+      <p:ext uri="{BB962C8B-B14F-4D97-AF65-F5344CB8AC3E}">
+        <p14:creationId xmlns:p14="http://schemas.microsoft.com/office/powerpoint/2010/main" val="607555093"/>
+      </p:ext>
+    </p:extLst>
+  </p:cSld>
+  <p:clrMapOvr>
+    <a:masterClrMapping/>
+  </p:clrMapOvr>
+  <p:timing>
+    <p:tnLst>
+      <p:par>
+        <p:cTn id="1" dur="indefinite" restart="never" nodeType="tmRoot"/>
+      </p:par>
+    </p:tnLst>
+  </p:timing>
+</p:sld>
+</file>
+
+<file path=ppt/slides/slide34.xml><?xml version="1.0" encoding="utf-8"?>
+<p:sld xmlns:a="http://schemas.openxmlformats.org/drawingml/2006/main" xmlns:r="http://schemas.openxmlformats.org/officeDocument/2006/relationships" xmlns:p="http://schemas.openxmlformats.org/presentationml/2006/main">
+  <p:cSld>
+    <p:spTree>
+      <p:nvGrpSpPr>
+        <p:cNvPr id="1" name=""/>
+        <p:cNvGrpSpPr/>
+        <p:nvPr/>
+      </p:nvGrpSpPr>
+      <p:grpSpPr>
+        <a:xfrm>
+          <a:off x="0" y="0"/>
+          <a:ext cx="0" cy="0"/>
+          <a:chOff x="0" y="0"/>
+          <a:chExt cx="0" cy="0"/>
+        </a:xfrm>
+      </p:grpSpPr>
+      <p:sp>
+        <p:nvSpPr>
+          <p:cNvPr id="2" name="Title 1"/>
+          <p:cNvSpPr>
+            <a:spLocks noGrp="1"/>
+          </p:cNvSpPr>
+          <p:nvPr>
+            <p:ph type="title"/>
+          </p:nvPr>
+        </p:nvSpPr>
+        <p:spPr/>
+        <p:txBody>
+          <a:bodyPr/>
+          <a:lstStyle/>
+          <a:p>
+            <a:r>
+              <a:rPr lang="en-US" dirty="0"/>
+              <a:t>Applications in Curricular Analytics</a:t>
+            </a:r>
+          </a:p>
+        </p:txBody>
+      </p:sp>
+      <p:sp>
+        <p:nvSpPr>
+          <p:cNvPr id="3" name="Content Placeholder 2"/>
+          <p:cNvSpPr>
+            <a:spLocks noGrp="1"/>
+          </p:cNvSpPr>
+          <p:nvPr>
+            <p:ph idx="1"/>
+          </p:nvPr>
+        </p:nvSpPr>
+        <p:spPr/>
+        <p:txBody>
+          <a:bodyPr/>
+          <a:lstStyle/>
+          <a:p>
+            <a:pPr marL="0" indent="0">
+              <a:buNone/>
+            </a:pPr>
+            <a:r>
+              <a:rPr lang="en-US" dirty="0" smtClean="0"/>
+              <a:t>To introduce more variance in complexity, next simulations were done over three term curricula with two courses in each term.</a:t>
+            </a:r>
+          </a:p>
+          <a:p>
+            <a:r>
+              <a:rPr lang="en-US" dirty="0" smtClean="0"/>
+              <a:t>Every permutation was created.</a:t>
+            </a:r>
+          </a:p>
+          <a:p>
+            <a:r>
+              <a:rPr lang="en-US" dirty="0" smtClean="0"/>
+              <a:t>256 in total.</a:t>
+            </a:r>
+          </a:p>
+          <a:p>
+            <a:pPr marL="0" indent="0">
+              <a:buNone/>
+            </a:pPr>
+            <a:endParaRPr lang="en-US" dirty="0" smtClean="0"/>
+          </a:p>
+          <a:p>
+            <a:pPr marL="0" indent="0">
+              <a:buNone/>
+            </a:pPr>
+            <a:r>
+              <a:rPr lang="en-US" dirty="0" smtClean="0"/>
+              <a:t>Ex</a:t>
+            </a:r>
+            <a:endParaRPr lang="en-US" dirty="0"/>
+          </a:p>
+          <a:p>
+            <a:endParaRPr lang="en-US" dirty="0" smtClean="0"/>
+          </a:p>
+        </p:txBody>
+      </p:sp>
+    </p:spTree>
+    <p:extLst>
+      <p:ext uri="{BB962C8B-B14F-4D97-AF65-F5344CB8AC3E}">
+        <p14:creationId xmlns:p14="http://schemas.microsoft.com/office/powerpoint/2010/main" val="1689485164"/>
+      </p:ext>
+    </p:extLst>
+  </p:cSld>
+  <p:clrMapOvr>
+    <a:masterClrMapping/>
+  </p:clrMapOvr>
+  <p:timing>
+    <p:tnLst>
+      <p:par>
+        <p:cTn id="1" dur="indefinite" restart="never" nodeType="tmRoot"/>
+      </p:par>
+    </p:tnLst>
+  </p:timing>
+</p:sld>
+</file>
+
+<file path=ppt/slides/slide35.xml><?xml version="1.0" encoding="utf-8"?>
+<p:sld xmlns:a="http://schemas.openxmlformats.org/drawingml/2006/main" xmlns:r="http://schemas.openxmlformats.org/officeDocument/2006/relationships" xmlns:p="http://schemas.openxmlformats.org/presentationml/2006/main">
+  <p:cSld>
+    <p:spTree>
+      <p:nvGrpSpPr>
+        <p:cNvPr id="1" name=""/>
+        <p:cNvGrpSpPr/>
+        <p:nvPr/>
+      </p:nvGrpSpPr>
+      <p:grpSpPr>
+        <a:xfrm>
+          <a:off x="0" y="0"/>
+          <a:ext cx="0" cy="0"/>
+          <a:chOff x="0" y="0"/>
+          <a:chExt cx="0" cy="0"/>
+        </a:xfrm>
+      </p:grpSpPr>
+      <p:sp>
+        <p:nvSpPr>
+          <p:cNvPr id="2" name="Title 1"/>
+          <p:cNvSpPr>
+            <a:spLocks noGrp="1"/>
+          </p:cNvSpPr>
+          <p:nvPr>
+            <p:ph type="title"/>
+          </p:nvPr>
+        </p:nvSpPr>
+        <p:spPr/>
+        <p:txBody>
+          <a:bodyPr/>
+          <a:lstStyle/>
+          <a:p>
+            <a:r>
+              <a:rPr lang="en-US" dirty="0"/>
+              <a:t>Applications in Curricular Analytics</a:t>
+            </a:r>
+          </a:p>
+        </p:txBody>
+      </p:sp>
+      <p:sp>
+        <p:nvSpPr>
+          <p:cNvPr id="15" name="Content Placeholder 14"/>
+          <p:cNvSpPr>
+            <a:spLocks noGrp="1"/>
+          </p:cNvSpPr>
+          <p:nvPr>
+            <p:ph sz="half" idx="2"/>
+          </p:nvPr>
+        </p:nvSpPr>
+        <p:spPr>
+          <a:xfrm>
+            <a:off x="7734300" y="1825625"/>
+            <a:ext cx="3619500" cy="4351338"/>
+          </a:xfrm>
+        </p:spPr>
+        <p:txBody>
+          <a:bodyPr>
+            <a:normAutofit/>
+          </a:bodyPr>
+          <a:lstStyle/>
+          <a:p>
+            <a:pPr>
+              <a:lnSpc>
+                <a:spcPct val="100000"/>
+              </a:lnSpc>
+              <a:spcBef>
+                <a:spcPts val="0"/>
+              </a:spcBef>
+            </a:pPr>
+            <a:r>
+              <a:rPr lang="en-US" sz="2400" dirty="0"/>
+              <a:t>8</a:t>
+            </a:r>
+            <a:r>
+              <a:rPr lang="en-US" sz="2400" dirty="0" smtClean="0"/>
+              <a:t>0% course pass rate</a:t>
+            </a:r>
+          </a:p>
+          <a:p>
+            <a:pPr>
+              <a:lnSpc>
+                <a:spcPct val="100000"/>
+              </a:lnSpc>
+              <a:spcBef>
+                <a:spcPts val="0"/>
+              </a:spcBef>
+            </a:pPr>
+            <a:r>
+              <a:rPr lang="en-US" sz="2400" dirty="0"/>
+              <a:t>5</a:t>
+            </a:r>
+            <a:r>
+              <a:rPr lang="en-US" sz="2400" dirty="0" smtClean="0"/>
+              <a:t> terms</a:t>
+            </a:r>
+          </a:p>
+          <a:p>
+            <a:pPr>
+              <a:lnSpc>
+                <a:spcPct val="100000"/>
+              </a:lnSpc>
+              <a:spcBef>
+                <a:spcPts val="0"/>
+              </a:spcBef>
+            </a:pPr>
+            <a:r>
+              <a:rPr lang="en-US" sz="2400" dirty="0" smtClean="0"/>
+              <a:t>Students can take up to three courses a term.</a:t>
+            </a:r>
+          </a:p>
+          <a:p>
+            <a:pPr>
+              <a:lnSpc>
+                <a:spcPct val="100000"/>
+              </a:lnSpc>
+              <a:spcBef>
+                <a:spcPts val="0"/>
+              </a:spcBef>
+            </a:pPr>
+            <a:endParaRPr lang="en-US" sz="2400" dirty="0"/>
+          </a:p>
+          <a:p>
+            <a:pPr>
+              <a:lnSpc>
+                <a:spcPct val="100000"/>
+              </a:lnSpc>
+              <a:spcBef>
+                <a:spcPts val="0"/>
+              </a:spcBef>
+            </a:pPr>
+            <a:r>
+              <a:rPr lang="en-US" sz="2400" dirty="0" smtClean="0"/>
+              <a:t>Red line represents a linear fit to the data.</a:t>
+            </a:r>
+          </a:p>
+          <a:p>
+            <a:pPr>
+              <a:lnSpc>
+                <a:spcPct val="100000"/>
+              </a:lnSpc>
+              <a:spcBef>
+                <a:spcPts val="0"/>
+              </a:spcBef>
+            </a:pPr>
+            <a:r>
+              <a:rPr lang="en-US" sz="2400" dirty="0" smtClean="0"/>
+              <a:t>For each point of complexity, 5</a:t>
+            </a:r>
+            <a:r>
+              <a:rPr lang="en-US" sz="2400" baseline="30000" dirty="0" smtClean="0"/>
+              <a:t>th</a:t>
+            </a:r>
+            <a:r>
+              <a:rPr lang="en-US" sz="2400" dirty="0" smtClean="0"/>
+              <a:t> term completion drops by 0.7%</a:t>
+            </a:r>
+          </a:p>
+        </p:txBody>
+      </p:sp>
+      <p:pic>
+        <p:nvPicPr>
+          <p:cNvPr id="4" name="Content Placeholder 3"/>
+          <p:cNvPicPr>
+            <a:picLocks noGrp="1" noChangeAspect="1"/>
+          </p:cNvPicPr>
+          <p:nvPr>
+            <p:ph sz="half" idx="1"/>
+          </p:nvPr>
+        </p:nvPicPr>
+        <p:blipFill>
+          <a:blip r:embed="rId2">
+            <a:extLst>
+              <a:ext uri="{28A0092B-C50C-407E-A947-70E740481C1C}">
+                <a14:useLocalDpi xmlns:a14="http://schemas.microsoft.com/office/drawing/2010/main" val="0"/>
+              </a:ext>
+            </a:extLst>
+          </a:blip>
+          <a:stretch>
+            <a:fillRect/>
+          </a:stretch>
+        </p:blipFill>
+        <p:spPr>
+          <a:xfrm>
+            <a:off x="469900" y="1958181"/>
+            <a:ext cx="7264400" cy="4086226"/>
+          </a:xfrm>
+        </p:spPr>
+      </p:pic>
+    </p:spTree>
+    <p:extLst>
+      <p:ext uri="{BB962C8B-B14F-4D97-AF65-F5344CB8AC3E}">
+        <p14:creationId xmlns:p14="http://schemas.microsoft.com/office/powerpoint/2010/main" val="459571900"/>
+      </p:ext>
+    </p:extLst>
+  </p:cSld>
+  <p:clrMapOvr>
+    <a:masterClrMapping/>
+  </p:clrMapOvr>
+  <p:timing>
+    <p:tnLst>
+      <p:par>
+        <p:cTn id="1" dur="indefinite" restart="never" nodeType="tmRoot"/>
+      </p:par>
+    </p:tnLst>
+  </p:timing>
+</p:sld>
+</file>
+
+<file path=ppt/slides/slide36.xml><?xml version="1.0" encoding="utf-8"?>
+<p:sld xmlns:a="http://schemas.openxmlformats.org/drawingml/2006/main" xmlns:r="http://schemas.openxmlformats.org/officeDocument/2006/relationships" xmlns:p="http://schemas.openxmlformats.org/presentationml/2006/main">
+  <p:cSld>
+    <p:spTree>
+      <p:nvGrpSpPr>
+        <p:cNvPr id="1" name=""/>
+        <p:cNvGrpSpPr/>
+        <p:nvPr/>
+      </p:nvGrpSpPr>
+      <p:grpSpPr>
+        <a:xfrm>
+          <a:off x="0" y="0"/>
+          <a:ext cx="0" cy="0"/>
+          <a:chOff x="0" y="0"/>
+          <a:chExt cx="0" cy="0"/>
+        </a:xfrm>
+      </p:grpSpPr>
+      <p:sp>
+        <p:nvSpPr>
+          <p:cNvPr id="2" name="Title 1"/>
+          <p:cNvSpPr>
+            <a:spLocks noGrp="1"/>
+          </p:cNvSpPr>
+          <p:nvPr>
+            <p:ph type="title"/>
+          </p:nvPr>
+        </p:nvSpPr>
+        <p:spPr/>
+        <p:txBody>
+          <a:bodyPr/>
+          <a:lstStyle/>
+          <a:p>
+            <a:r>
+              <a:rPr lang="en-US" dirty="0"/>
+              <a:t>Applications in Curricular Analytics</a:t>
+            </a:r>
+          </a:p>
+        </p:txBody>
+      </p:sp>
+      <p:sp>
+        <p:nvSpPr>
+          <p:cNvPr id="3" name="Content Placeholder 2"/>
+          <p:cNvSpPr>
+            <a:spLocks noGrp="1"/>
+          </p:cNvSpPr>
+          <p:nvPr>
+            <p:ph idx="1"/>
+          </p:nvPr>
+        </p:nvSpPr>
+        <p:spPr/>
+        <p:txBody>
+          <a:bodyPr/>
+          <a:lstStyle/>
+          <a:p>
+            <a:pPr marL="0" marR="0" lvl="0" indent="0" defTabSz="914400" eaLnBrk="1" fontAlgn="auto" latinLnBrk="0" hangingPunct="1">
+              <a:lnSpc>
+                <a:spcPct val="100000"/>
+              </a:lnSpc>
+              <a:spcBef>
+                <a:spcPts val="0"/>
+              </a:spcBef>
+              <a:spcAft>
+                <a:spcPts val="0"/>
+              </a:spcAft>
+              <a:buClrTx/>
+              <a:buSzTx/>
+              <a:buFontTx/>
+              <a:buNone/>
+              <a:tabLst/>
+              <a:defRPr/>
+            </a:pPr>
+            <a:r>
+              <a:rPr lang="en-US" dirty="0" smtClean="0"/>
+              <a:t>Finally, simulations over real-world curricula were done.</a:t>
+            </a:r>
+          </a:p>
+          <a:p>
+            <a:pPr>
+              <a:lnSpc>
+                <a:spcPct val="100000"/>
+              </a:lnSpc>
+              <a:spcBef>
+                <a:spcPts val="0"/>
+              </a:spcBef>
+            </a:pPr>
+            <a:endParaRPr lang="en-US" dirty="0" smtClean="0"/>
+          </a:p>
+          <a:p>
+            <a:pPr>
+              <a:lnSpc>
+                <a:spcPct val="100000"/>
+              </a:lnSpc>
+              <a:spcBef>
+                <a:spcPts val="0"/>
+              </a:spcBef>
+            </a:pPr>
+            <a:r>
+              <a:rPr lang="en-US" dirty="0" smtClean="0"/>
+              <a:t>Curricula came from </a:t>
+            </a:r>
+            <a:r>
+              <a:rPr lang="en-US" dirty="0" err="1" smtClean="0"/>
+              <a:t>analytics.academicdashboards.org</a:t>
+            </a:r>
+            <a:r>
+              <a:rPr lang="en-US" dirty="0" smtClean="0"/>
+              <a:t> where universities uploaded their own curricula.</a:t>
+            </a:r>
+          </a:p>
+          <a:p>
+            <a:pPr>
+              <a:lnSpc>
+                <a:spcPct val="100000"/>
+              </a:lnSpc>
+              <a:spcBef>
+                <a:spcPts val="0"/>
+              </a:spcBef>
+            </a:pPr>
+            <a:endParaRPr lang="en-US" dirty="0" smtClean="0"/>
+          </a:p>
+          <a:p>
+            <a:pPr>
+              <a:lnSpc>
+                <a:spcPct val="100000"/>
+              </a:lnSpc>
+              <a:spcBef>
+                <a:spcPts val="0"/>
+              </a:spcBef>
+            </a:pPr>
+            <a:r>
+              <a:rPr lang="en-US" dirty="0" smtClean="0"/>
+              <a:t>In all, 32 curricula were selected.</a:t>
+            </a:r>
+          </a:p>
+          <a:p>
+            <a:pPr>
+              <a:lnSpc>
+                <a:spcPct val="100000"/>
+              </a:lnSpc>
+              <a:spcBef>
+                <a:spcPts val="0"/>
+              </a:spcBef>
+            </a:pPr>
+            <a:endParaRPr lang="en-US" dirty="0" smtClean="0"/>
+          </a:p>
+          <a:p>
+            <a:pPr>
+              <a:lnSpc>
+                <a:spcPct val="100000"/>
+              </a:lnSpc>
+              <a:spcBef>
+                <a:spcPts val="0"/>
+              </a:spcBef>
+            </a:pPr>
+            <a:r>
+              <a:rPr lang="en-US" dirty="0" smtClean="0"/>
+              <a:t>All eight term with between 120 and 150 credit hours.</a:t>
+            </a:r>
+          </a:p>
+        </p:txBody>
+      </p:sp>
+    </p:spTree>
+    <p:extLst>
+      <p:ext uri="{BB962C8B-B14F-4D97-AF65-F5344CB8AC3E}">
+        <p14:creationId xmlns:p14="http://schemas.microsoft.com/office/powerpoint/2010/main" val="506101603"/>
+      </p:ext>
+    </p:extLst>
+  </p:cSld>
+  <p:clrMapOvr>
+    <a:masterClrMapping/>
+  </p:clrMapOvr>
+  <p:timing>
+    <p:tnLst>
+      <p:par>
+        <p:cTn id="1" dur="indefinite" restart="never" nodeType="tmRoot"/>
+      </p:par>
+    </p:tnLst>
+  </p:timing>
+</p:sld>
+</file>
+
+<file path=ppt/slides/slide37.xml><?xml version="1.0" encoding="utf-8"?>
+<p:sld xmlns:a="http://schemas.openxmlformats.org/drawingml/2006/main" xmlns:r="http://schemas.openxmlformats.org/officeDocument/2006/relationships" xmlns:p="http://schemas.openxmlformats.org/presentationml/2006/main">
+  <p:cSld>
+    <p:spTree>
+      <p:nvGrpSpPr>
+        <p:cNvPr id="1" name=""/>
+        <p:cNvGrpSpPr/>
+        <p:nvPr/>
+      </p:nvGrpSpPr>
+      <p:grpSpPr>
+        <a:xfrm>
+          <a:off x="0" y="0"/>
+          <a:ext cx="0" cy="0"/>
+          <a:chOff x="0" y="0"/>
+          <a:chExt cx="0" cy="0"/>
+        </a:xfrm>
+      </p:grpSpPr>
+      <p:sp>
+        <p:nvSpPr>
+          <p:cNvPr id="2" name="Title 1"/>
+          <p:cNvSpPr>
+            <a:spLocks noGrp="1"/>
+          </p:cNvSpPr>
+          <p:nvPr>
+            <p:ph type="title"/>
+          </p:nvPr>
+        </p:nvSpPr>
+        <p:spPr/>
+        <p:txBody>
+          <a:bodyPr/>
+          <a:lstStyle/>
+          <a:p>
+            <a:r>
+              <a:rPr lang="en-US" dirty="0"/>
+              <a:t>Applications in Curricular Analytics</a:t>
+            </a:r>
+          </a:p>
+        </p:txBody>
+      </p:sp>
+      <p:sp>
+        <p:nvSpPr>
+          <p:cNvPr id="15" name="Content Placeholder 14"/>
+          <p:cNvSpPr>
+            <a:spLocks noGrp="1"/>
+          </p:cNvSpPr>
+          <p:nvPr>
+            <p:ph sz="half" idx="2"/>
+          </p:nvPr>
+        </p:nvSpPr>
+        <p:spPr>
+          <a:xfrm>
+            <a:off x="7734300" y="1825625"/>
+            <a:ext cx="3619500" cy="4351338"/>
+          </a:xfrm>
+        </p:spPr>
+        <p:txBody>
+          <a:bodyPr>
+            <a:normAutofit/>
+          </a:bodyPr>
+          <a:lstStyle/>
+          <a:p>
+            <a:pPr>
+              <a:lnSpc>
+                <a:spcPct val="100000"/>
+              </a:lnSpc>
+              <a:spcBef>
+                <a:spcPts val="0"/>
+              </a:spcBef>
+            </a:pPr>
+            <a:r>
+              <a:rPr lang="en-US" sz="2400" dirty="0"/>
+              <a:t>8</a:t>
+            </a:r>
+            <a:r>
+              <a:rPr lang="en-US" sz="2400" dirty="0" smtClean="0"/>
+              <a:t>0% course pass rate</a:t>
+            </a:r>
+          </a:p>
+          <a:p>
+            <a:pPr>
+              <a:lnSpc>
+                <a:spcPct val="100000"/>
+              </a:lnSpc>
+              <a:spcBef>
+                <a:spcPts val="0"/>
+              </a:spcBef>
+            </a:pPr>
+            <a:r>
+              <a:rPr lang="en-US" sz="2400" dirty="0" smtClean="0"/>
+              <a:t>10 terms</a:t>
+            </a:r>
+          </a:p>
+          <a:p>
+            <a:pPr>
+              <a:lnSpc>
+                <a:spcPct val="100000"/>
+              </a:lnSpc>
+              <a:spcBef>
+                <a:spcPts val="0"/>
+              </a:spcBef>
+            </a:pPr>
+            <a:r>
+              <a:rPr lang="en-US" sz="2400" dirty="0" smtClean="0"/>
+              <a:t>Students can take up to 18 credits a term.</a:t>
+            </a:r>
+          </a:p>
+          <a:p>
+            <a:pPr>
+              <a:lnSpc>
+                <a:spcPct val="100000"/>
+              </a:lnSpc>
+              <a:spcBef>
+                <a:spcPts val="0"/>
+              </a:spcBef>
+            </a:pPr>
+            <a:endParaRPr lang="en-US" sz="2400" dirty="0"/>
+          </a:p>
+          <a:p>
+            <a:pPr>
+              <a:lnSpc>
+                <a:spcPct val="100000"/>
+              </a:lnSpc>
+              <a:spcBef>
+                <a:spcPts val="0"/>
+              </a:spcBef>
+            </a:pPr>
+            <a:r>
+              <a:rPr lang="en-US" sz="2400" dirty="0" smtClean="0"/>
+              <a:t>Red line represents a linear fit to the data.</a:t>
+            </a:r>
+          </a:p>
+          <a:p>
+            <a:pPr>
+              <a:lnSpc>
+                <a:spcPct val="100000"/>
+              </a:lnSpc>
+              <a:spcBef>
+                <a:spcPts val="0"/>
+              </a:spcBef>
+            </a:pPr>
+            <a:r>
+              <a:rPr lang="en-US" sz="2400" dirty="0" smtClean="0"/>
+              <a:t>For each point of complexity, 10</a:t>
+            </a:r>
+            <a:r>
+              <a:rPr lang="en-US" sz="2400" baseline="30000" dirty="0" smtClean="0"/>
+              <a:t>th</a:t>
+            </a:r>
+            <a:r>
+              <a:rPr lang="en-US" sz="2400" dirty="0" smtClean="0"/>
+              <a:t> term completion drops by 0.1%</a:t>
+            </a:r>
+          </a:p>
+        </p:txBody>
+      </p:sp>
+      <p:pic>
+        <p:nvPicPr>
+          <p:cNvPr id="5" name="Content Placeholder 4"/>
+          <p:cNvPicPr>
+            <a:picLocks noGrp="1" noChangeAspect="1"/>
+          </p:cNvPicPr>
+          <p:nvPr>
+            <p:ph sz="half" idx="1"/>
+          </p:nvPr>
+        </p:nvPicPr>
+        <p:blipFill>
+          <a:blip r:embed="rId2">
+            <a:extLst>
+              <a:ext uri="{28A0092B-C50C-407E-A947-70E740481C1C}">
+                <a14:useLocalDpi xmlns:a14="http://schemas.microsoft.com/office/drawing/2010/main" val="0"/>
+              </a:ext>
+            </a:extLst>
+          </a:blip>
+          <a:stretch>
+            <a:fillRect/>
+          </a:stretch>
+        </p:blipFill>
+        <p:spPr>
+          <a:xfrm>
+            <a:off x="524932" y="2055812"/>
+            <a:ext cx="7095068" cy="3990976"/>
+          </a:xfrm>
+        </p:spPr>
+      </p:pic>
+    </p:spTree>
+    <p:extLst>
+      <p:ext uri="{BB962C8B-B14F-4D97-AF65-F5344CB8AC3E}">
+        <p14:creationId xmlns:p14="http://schemas.microsoft.com/office/powerpoint/2010/main" val="2014399501"/>
+      </p:ext>
+    </p:extLst>
+  </p:cSld>
+  <p:clrMapOvr>
+    <a:masterClrMapping/>
+  </p:clrMapOvr>
+  <p:timing>
+    <p:tnLst>
+      <p:par>
+        <p:cTn id="1" dur="indefinite" restart="never" nodeType="tmRoot"/>
+      </p:par>
+    </p:tnLst>
+  </p:timing>
+</p:sld>
+</file>
+
+<file path=ppt/slides/slide38.xml><?xml version="1.0" encoding="utf-8"?>
+<p:sld xmlns:a="http://schemas.openxmlformats.org/drawingml/2006/main" xmlns:r="http://schemas.openxmlformats.org/officeDocument/2006/relationships" xmlns:p="http://schemas.openxmlformats.org/presentationml/2006/main">
+  <p:cSld>
+    <p:spTree>
+      <p:nvGrpSpPr>
+        <p:cNvPr id="1" name=""/>
+        <p:cNvGrpSpPr/>
+        <p:nvPr/>
+      </p:nvGrpSpPr>
+      <p:grpSpPr>
+        <a:xfrm>
+          <a:off x="0" y="0"/>
+          <a:ext cx="0" cy="0"/>
+          <a:chOff x="0" y="0"/>
+          <a:chExt cx="0" cy="0"/>
+        </a:xfrm>
+      </p:grpSpPr>
+      <p:sp>
+        <p:nvSpPr>
+          <p:cNvPr id="2" name="Title 1"/>
+          <p:cNvSpPr>
+            <a:spLocks noGrp="1"/>
+          </p:cNvSpPr>
+          <p:nvPr>
+            <p:ph type="title"/>
+          </p:nvPr>
+        </p:nvSpPr>
+        <p:spPr/>
+        <p:txBody>
+          <a:bodyPr/>
+          <a:lstStyle/>
+          <a:p>
+            <a:r>
+              <a:rPr lang="en-US" dirty="0"/>
+              <a:t>Applications in Curricular Analytics</a:t>
+            </a:r>
+          </a:p>
+        </p:txBody>
+      </p:sp>
+      <mc:AlternateContent xmlns:mc="http://schemas.openxmlformats.org/markup-compatibility/2006">
+        <mc:Choice xmlns:a14="http://schemas.microsoft.com/office/drawing/2010/main" Requires="a14">
+          <p:sp>
+            <p:nvSpPr>
+              <p:cNvPr id="3" name="Content Placeholder 2"/>
+              <p:cNvSpPr>
+                <a:spLocks noGrp="1"/>
+              </p:cNvSpPr>
+              <p:nvPr>
+                <p:ph idx="1"/>
+              </p:nvPr>
+            </p:nvSpPr>
+            <p:spPr/>
+            <p:txBody>
+              <a:bodyPr>
+                <a:normAutofit/>
+              </a:bodyPr>
+              <a:lstStyle/>
+              <a:p>
+                <a:pPr marL="0" lvl="0" indent="0">
+                  <a:lnSpc>
+                    <a:spcPct val="100000"/>
+                  </a:lnSpc>
+                  <a:spcBef>
+                    <a:spcPts val="0"/>
+                  </a:spcBef>
+                  <a:buNone/>
+                </a:pPr>
+                <a:r>
+                  <a:rPr lang="en-US" dirty="0" smtClean="0"/>
+                  <a:t>There is a correlation between delay + blocking and completion rates, but there might be a better way to characterize </a:t>
+                </a:r>
+                <a14:m>
+                  <m:oMath xmlns:m="http://schemas.openxmlformats.org/officeDocument/2006/math">
+                    <m:sSub>
+                      <m:sSubPr>
+                        <m:ctrlPr>
+                          <a:rPr lang="en-US" i="1">
+                            <a:latin typeface="Cambria Math" charset="0"/>
+                          </a:rPr>
+                        </m:ctrlPr>
+                      </m:sSubPr>
+                      <m:e>
+                        <m:r>
+                          <a:rPr lang="en-US" i="1">
+                            <a:latin typeface="Cambria Math" charset="0"/>
+                          </a:rPr>
+                          <m:t>𝛼</m:t>
+                        </m:r>
+                      </m:e>
+                      <m:sub>
+                        <m:r>
+                          <a:rPr lang="en-US" i="1">
+                            <a:latin typeface="Cambria Math" charset="0"/>
+                          </a:rPr>
+                          <m:t>𝐶</m:t>
+                        </m:r>
+                      </m:sub>
+                    </m:sSub>
+                  </m:oMath>
+                </a14:m>
+                <a:r>
+                  <a:rPr lang="en-US" dirty="0" smtClean="0"/>
+                  <a:t>, better.</a:t>
+                </a:r>
+              </a:p>
+              <a:p>
+                <a:pPr marL="0" lvl="0" indent="0">
+                  <a:lnSpc>
+                    <a:spcPct val="100000"/>
+                  </a:lnSpc>
+                  <a:spcBef>
+                    <a:spcPts val="0"/>
+                  </a:spcBef>
+                  <a:buNone/>
+                </a:pPr>
+                <a:endParaRPr lang="en-US" dirty="0"/>
+              </a:p>
+              <a:p>
+                <a:pPr marL="0" lvl="0" indent="0">
+                  <a:lnSpc>
+                    <a:spcPct val="100000"/>
+                  </a:lnSpc>
+                  <a:spcBef>
+                    <a:spcPts val="0"/>
+                  </a:spcBef>
+                  <a:buNone/>
+                </a:pPr>
+                <a:r>
+                  <a:rPr lang="en-US" dirty="0" smtClean="0"/>
+                  <a:t>Delay and blocking might not capture all the structural characteristics that affect students moving through.</a:t>
+                </a:r>
+              </a:p>
+              <a:p>
+                <a:pPr marL="0" lvl="0" indent="0">
+                  <a:lnSpc>
+                    <a:spcPct val="100000"/>
+                  </a:lnSpc>
+                  <a:spcBef>
+                    <a:spcPts val="0"/>
+                  </a:spcBef>
+                  <a:buNone/>
+                </a:pPr>
+                <a:endParaRPr lang="en-US" dirty="0" smtClean="0"/>
+              </a:p>
+              <a:p>
+                <a:pPr marL="0" lvl="0" indent="0">
+                  <a:lnSpc>
+                    <a:spcPct val="100000"/>
+                  </a:lnSpc>
+                  <a:spcBef>
+                    <a:spcPts val="0"/>
+                  </a:spcBef>
+                  <a:buNone/>
+                </a:pPr>
+                <a:endParaRPr lang="en-US" dirty="0"/>
+              </a:p>
+              <a:p>
+                <a:pPr marL="0" lvl="0" indent="0">
+                  <a:lnSpc>
+                    <a:spcPct val="100000"/>
+                  </a:lnSpc>
+                  <a:spcBef>
+                    <a:spcPts val="0"/>
+                  </a:spcBef>
+                  <a:buNone/>
+                </a:pPr>
+                <a:r>
+                  <a:rPr lang="en-US" dirty="0" smtClean="0"/>
+                  <a:t>Additional structural complexity measures: </a:t>
+                </a:r>
+                <a:r>
+                  <a:rPr lang="en-US" b="1" dirty="0" smtClean="0"/>
+                  <a:t>Centrality, Reachability, and Number of Prerequisites, Number of Free Courses</a:t>
+                </a:r>
+                <a:endParaRPr lang="en-US" dirty="0" smtClean="0"/>
+              </a:p>
+              <a:p>
+                <a:pPr marL="0" lvl="0" indent="0">
+                  <a:lnSpc>
+                    <a:spcPct val="100000"/>
+                  </a:lnSpc>
+                  <a:spcBef>
+                    <a:spcPts val="0"/>
+                  </a:spcBef>
+                  <a:buNone/>
+                </a:pPr>
+                <a:endParaRPr lang="en-US" dirty="0"/>
+              </a:p>
+              <a:p>
+                <a:pPr marL="0" lvl="0" indent="0">
+                  <a:lnSpc>
+                    <a:spcPct val="100000"/>
+                  </a:lnSpc>
+                  <a:spcBef>
+                    <a:spcPts val="0"/>
+                  </a:spcBef>
+                  <a:buNone/>
+                </a:pPr>
+                <a:endParaRPr lang="en-US" dirty="0" smtClean="0"/>
+              </a:p>
+            </p:txBody>
+          </p:sp>
+        </mc:Choice>
+        <mc:Fallback>
+          <p:sp>
+            <p:nvSpPr>
+              <p:cNvPr id="3" name="Content Placeholder 2"/>
+              <p:cNvSpPr>
+                <a:spLocks noGrp="1" noRot="1" noChangeAspect="1" noMove="1" noResize="1" noEditPoints="1" noAdjustHandles="1" noChangeArrowheads="1" noChangeShapeType="1" noTextEdit="1"/>
+              </p:cNvSpPr>
+              <p:nvPr>
+                <p:ph idx="1"/>
+              </p:nvPr>
+            </p:nvSpPr>
+            <p:spPr>
+              <a:blipFill rotWithShape="0">
+                <a:blip r:embed="rId2"/>
+                <a:stretch>
+                  <a:fillRect l="-1217" t="-1261"/>
+                </a:stretch>
+              </a:blipFill>
+            </p:spPr>
+            <p:txBody>
+              <a:bodyPr/>
+              <a:lstStyle/>
+              <a:p>
+                <a:r>
+                  <a:rPr lang="en-US">
+                    <a:noFill/>
+                  </a:rPr>
+                  <a:t> </a:t>
+                </a:r>
+              </a:p>
+            </p:txBody>
+          </p:sp>
+        </mc:Fallback>
+      </mc:AlternateContent>
+    </p:spTree>
+    <p:extLst>
+      <p:ext uri="{BB962C8B-B14F-4D97-AF65-F5344CB8AC3E}">
+        <p14:creationId xmlns:p14="http://schemas.microsoft.com/office/powerpoint/2010/main" val="492831829"/>
+      </p:ext>
+    </p:extLst>
+  </p:cSld>
+  <p:clrMapOvr>
+    <a:masterClrMapping/>
+  </p:clrMapOvr>
+  <p:timing>
+    <p:tnLst>
+      <p:par>
+        <p:cTn id="1" dur="indefinite" restart="never" nodeType="tmRoot"/>
+      </p:par>
+    </p:tnLst>
+  </p:timing>
+</p:sld>
+</file>
+
+<file path=ppt/slides/slide39.xml><?xml version="1.0" encoding="utf-8"?>
+<p:sld xmlns:a="http://schemas.openxmlformats.org/drawingml/2006/main" xmlns:r="http://schemas.openxmlformats.org/officeDocument/2006/relationships" xmlns:p="http://schemas.openxmlformats.org/presentationml/2006/main">
+  <p:cSld>
+    <p:spTree>
+      <p:nvGrpSpPr>
+        <p:cNvPr id="1" name=""/>
+        <p:cNvGrpSpPr/>
+        <p:nvPr/>
+      </p:nvGrpSpPr>
+      <p:grpSpPr>
+        <a:xfrm>
+          <a:off x="0" y="0"/>
+          <a:ext cx="0" cy="0"/>
+          <a:chOff x="0" y="0"/>
+          <a:chExt cx="0" cy="0"/>
+        </a:xfrm>
+      </p:grpSpPr>
+      <p:sp>
+        <p:nvSpPr>
+          <p:cNvPr id="2" name="Title 1"/>
+          <p:cNvSpPr>
+            <a:spLocks noGrp="1"/>
+          </p:cNvSpPr>
+          <p:nvPr>
+            <p:ph type="title"/>
+          </p:nvPr>
+        </p:nvSpPr>
+        <p:spPr/>
+        <p:txBody>
+          <a:bodyPr/>
+          <a:lstStyle/>
+          <a:p>
+            <a:r>
+              <a:rPr lang="en-US" dirty="0"/>
+              <a:t>Applications in Curricular Analytics</a:t>
+            </a:r>
+          </a:p>
+        </p:txBody>
+      </p:sp>
+      <mc:AlternateContent xmlns:mc="http://schemas.openxmlformats.org/markup-compatibility/2006">
+        <mc:Choice xmlns:a14="http://schemas.microsoft.com/office/drawing/2010/main" Requires="a14">
+          <p:sp>
+            <p:nvSpPr>
+              <p:cNvPr id="3" name="Content Placeholder 2"/>
+              <p:cNvSpPr>
+                <a:spLocks noGrp="1"/>
+              </p:cNvSpPr>
+              <p:nvPr>
+                <p:ph idx="1"/>
+              </p:nvPr>
+            </p:nvSpPr>
+            <p:spPr/>
+            <p:txBody>
+              <a:bodyPr>
+                <a:normAutofit lnSpcReduction="10000"/>
+              </a:bodyPr>
+              <a:lstStyle/>
+              <a:p>
+                <a:pPr marL="0" lvl="0" indent="0">
+                  <a:lnSpc>
+                    <a:spcPct val="100000"/>
+                  </a:lnSpc>
+                  <a:spcBef>
+                    <a:spcPts val="0"/>
+                  </a:spcBef>
+                  <a:buNone/>
+                </a:pPr>
+                <a:r>
+                  <a:rPr lang="en-US" b="1" dirty="0" smtClean="0"/>
+                  <a:t>Centrality</a:t>
+                </a:r>
+                <a:r>
+                  <a:rPr lang="en-US" dirty="0" smtClean="0"/>
+                  <a:t> </a:t>
+                </a:r>
+                <a:r>
+                  <a:rPr lang="mr-IN" dirty="0" smtClean="0"/>
+                  <a:t>–</a:t>
+                </a:r>
+                <a:r>
+                  <a:rPr lang="en-US" dirty="0" smtClean="0"/>
+                  <a:t> how central a course </a:t>
+                </a:r>
+                <a14:m>
+                  <m:oMath xmlns:m="http://schemas.openxmlformats.org/officeDocument/2006/math">
+                    <m:sSub>
+                      <m:sSubPr>
+                        <m:ctrlPr>
+                          <a:rPr lang="en-US" i="1">
+                            <a:latin typeface="Cambria Math" charset="0"/>
+                          </a:rPr>
+                        </m:ctrlPr>
+                      </m:sSubPr>
+                      <m:e>
+                        <m:r>
+                          <a:rPr lang="en-US" i="1">
+                            <a:latin typeface="Cambria Math" charset="0"/>
+                          </a:rPr>
+                          <m:t>𝑣</m:t>
+                        </m:r>
+                      </m:e>
+                      <m:sub>
+                        <m:r>
+                          <a:rPr lang="en-US" i="1">
+                            <a:latin typeface="Cambria Math" charset="0"/>
+                          </a:rPr>
+                          <m:t>𝑖</m:t>
+                        </m:r>
+                      </m:sub>
+                    </m:sSub>
+                  </m:oMath>
+                </a14:m>
+                <a:r>
+                  <a:rPr lang="en-US" dirty="0" smtClean="0"/>
+                  <a:t> is to a curriculum. This is determined by the number of shortest paths that include </a:t>
+                </a:r>
+                <a14:m>
+                  <m:oMath xmlns:m="http://schemas.openxmlformats.org/officeDocument/2006/math">
+                    <m:sSub>
+                      <m:sSubPr>
+                        <m:ctrlPr>
+                          <a:rPr lang="en-US" i="1" smtClean="0">
+                            <a:latin typeface="Cambria Math" charset="0"/>
+                          </a:rPr>
+                        </m:ctrlPr>
+                      </m:sSubPr>
+                      <m:e>
+                        <m:r>
+                          <a:rPr lang="en-US" b="0" i="1" smtClean="0">
+                            <a:latin typeface="Cambria Math" charset="0"/>
+                          </a:rPr>
+                          <m:t>𝑣</m:t>
+                        </m:r>
+                      </m:e>
+                      <m:sub>
+                        <m:r>
+                          <a:rPr lang="en-US" b="0" i="1" smtClean="0">
+                            <a:latin typeface="Cambria Math" charset="0"/>
+                          </a:rPr>
+                          <m:t>𝑖</m:t>
+                        </m:r>
+                      </m:sub>
+                    </m:sSub>
+                  </m:oMath>
+                </a14:m>
+                <a:r>
+                  <a:rPr lang="en-US" b="1" dirty="0" smtClean="0"/>
+                  <a:t>.</a:t>
+                </a:r>
+              </a:p>
+              <a:p>
+                <a:pPr marL="0" lvl="0" indent="0">
+                  <a:lnSpc>
+                    <a:spcPct val="100000"/>
+                  </a:lnSpc>
+                  <a:spcBef>
+                    <a:spcPts val="0"/>
+                  </a:spcBef>
+                  <a:buNone/>
+                </a:pPr>
+                <a:endParaRPr lang="en-US" b="1" dirty="0"/>
+              </a:p>
+              <a:p>
+                <a:pPr marL="0" lvl="0" indent="0">
+                  <a:lnSpc>
+                    <a:spcPct val="100000"/>
+                  </a:lnSpc>
+                  <a:spcBef>
+                    <a:spcPts val="0"/>
+                  </a:spcBef>
+                  <a:buNone/>
+                </a:pPr>
+                <a:r>
+                  <a:rPr lang="en-US" b="1" dirty="0" smtClean="0"/>
+                  <a:t>Reachability </a:t>
+                </a:r>
+                <a:r>
+                  <a:rPr lang="mr-IN" dirty="0" smtClean="0"/>
+                  <a:t>–</a:t>
+                </a:r>
+                <a:r>
+                  <a:rPr lang="en-US" dirty="0" smtClean="0"/>
+                  <a:t> how difficulty it is to reach a course </a:t>
+                </a:r>
+                <a14:m>
+                  <m:oMath xmlns:m="http://schemas.openxmlformats.org/officeDocument/2006/math">
+                    <m:sSub>
+                      <m:sSubPr>
+                        <m:ctrlPr>
+                          <a:rPr lang="en-US" i="1">
+                            <a:latin typeface="Cambria Math" charset="0"/>
+                          </a:rPr>
+                        </m:ctrlPr>
+                      </m:sSubPr>
+                      <m:e>
+                        <m:r>
+                          <a:rPr lang="en-US" i="1">
+                            <a:latin typeface="Cambria Math" charset="0"/>
+                          </a:rPr>
+                          <m:t>𝑣</m:t>
+                        </m:r>
+                      </m:e>
+                      <m:sub>
+                        <m:r>
+                          <a:rPr lang="en-US" i="1">
+                            <a:latin typeface="Cambria Math" charset="0"/>
+                          </a:rPr>
+                          <m:t>𝑖</m:t>
+                        </m:r>
+                      </m:sub>
+                    </m:sSub>
+                    <m:r>
+                      <a:rPr lang="en-US" b="1" i="0" smtClean="0">
+                        <a:latin typeface="Cambria Math" charset="0"/>
+                      </a:rPr>
+                      <m:t>.</m:t>
+                    </m:r>
+                  </m:oMath>
+                </a14:m>
+                <a:r>
+                  <a:rPr lang="en-US" b="1" dirty="0" smtClean="0"/>
+                  <a:t> </a:t>
+                </a:r>
+                <a:r>
+                  <a:rPr lang="en-US" dirty="0" smtClean="0"/>
+                  <a:t>Defined as the number of courses that need to be passed before </a:t>
+                </a:r>
+                <a14:m>
+                  <m:oMath xmlns:m="http://schemas.openxmlformats.org/officeDocument/2006/math">
+                    <m:sSub>
+                      <m:sSubPr>
+                        <m:ctrlPr>
+                          <a:rPr lang="en-US" i="1">
+                            <a:latin typeface="Cambria Math" charset="0"/>
+                          </a:rPr>
+                        </m:ctrlPr>
+                      </m:sSubPr>
+                      <m:e>
+                        <m:r>
+                          <a:rPr lang="en-US" i="1">
+                            <a:latin typeface="Cambria Math" charset="0"/>
+                          </a:rPr>
+                          <m:t>𝑣</m:t>
+                        </m:r>
+                      </m:e>
+                      <m:sub>
+                        <m:r>
+                          <a:rPr lang="en-US" i="1">
+                            <a:latin typeface="Cambria Math" charset="0"/>
+                          </a:rPr>
+                          <m:t>𝑖</m:t>
+                        </m:r>
+                      </m:sub>
+                    </m:sSub>
+                  </m:oMath>
+                </a14:m>
+                <a:r>
+                  <a:rPr lang="en-US" b="1" dirty="0" smtClean="0"/>
+                  <a:t> </a:t>
+                </a:r>
+                <a:r>
+                  <a:rPr lang="en-US" dirty="0" smtClean="0"/>
+                  <a:t>can be taken.</a:t>
+                </a:r>
+              </a:p>
+              <a:p>
+                <a:pPr marL="0" lvl="0" indent="0">
+                  <a:lnSpc>
+                    <a:spcPct val="100000"/>
+                  </a:lnSpc>
+                  <a:spcBef>
+                    <a:spcPts val="0"/>
+                  </a:spcBef>
+                  <a:buNone/>
+                </a:pPr>
+                <a:endParaRPr lang="en-US" b="1" dirty="0"/>
+              </a:p>
+              <a:p>
+                <a:pPr marL="0" lvl="0" indent="0">
+                  <a:lnSpc>
+                    <a:spcPct val="100000"/>
+                  </a:lnSpc>
+                  <a:spcBef>
+                    <a:spcPts val="0"/>
+                  </a:spcBef>
+                  <a:buNone/>
+                </a:pPr>
+                <a:r>
+                  <a:rPr lang="en-US" b="1" dirty="0" smtClean="0"/>
+                  <a:t>Number of Prerequisites</a:t>
+                </a:r>
+                <a:r>
+                  <a:rPr lang="en-US" dirty="0" smtClean="0"/>
+                  <a:t> </a:t>
+                </a:r>
+                <a:r>
+                  <a:rPr lang="mr-IN" dirty="0" smtClean="0"/>
+                  <a:t>–</a:t>
+                </a:r>
+                <a:r>
+                  <a:rPr lang="en-US" dirty="0" smtClean="0"/>
+                  <a:t> the number of edges in </a:t>
+                </a:r>
+                <a14:m>
+                  <m:oMath xmlns:m="http://schemas.openxmlformats.org/officeDocument/2006/math">
+                    <m:sSub>
+                      <m:sSubPr>
+                        <m:ctrlPr>
+                          <a:rPr lang="en-US" i="1">
+                            <a:latin typeface="Cambria Math" charset="0"/>
+                          </a:rPr>
+                        </m:ctrlPr>
+                      </m:sSubPr>
+                      <m:e>
+                        <m:r>
+                          <a:rPr lang="en-US" i="1">
+                            <a:latin typeface="Cambria Math" charset="0"/>
+                          </a:rPr>
+                          <m:t>𝐺</m:t>
+                        </m:r>
+                      </m:e>
+                      <m:sub>
+                        <m:r>
+                          <a:rPr lang="en-US" i="1">
+                            <a:latin typeface="Cambria Math" charset="0"/>
+                          </a:rPr>
+                          <m:t>𝐶</m:t>
+                        </m:r>
+                      </m:sub>
+                    </m:sSub>
+                  </m:oMath>
+                </a14:m>
+                <a:endParaRPr lang="en-US" b="1" dirty="0" smtClean="0"/>
+              </a:p>
+              <a:p>
+                <a:pPr marL="0" lvl="0" indent="0">
+                  <a:lnSpc>
+                    <a:spcPct val="100000"/>
+                  </a:lnSpc>
+                  <a:spcBef>
+                    <a:spcPts val="0"/>
+                  </a:spcBef>
+                  <a:buNone/>
+                </a:pPr>
+                <a:endParaRPr lang="en-US" b="1" dirty="0"/>
+              </a:p>
+              <a:p>
+                <a:pPr marL="0" lvl="0" indent="0">
+                  <a:lnSpc>
+                    <a:spcPct val="100000"/>
+                  </a:lnSpc>
+                  <a:spcBef>
+                    <a:spcPts val="0"/>
+                  </a:spcBef>
+                  <a:buNone/>
+                </a:pPr>
+                <a:r>
+                  <a:rPr lang="en-US" b="1" dirty="0" smtClean="0"/>
+                  <a:t>Number of Free Courses</a:t>
+                </a:r>
+                <a:r>
+                  <a:rPr lang="en-US" dirty="0" smtClean="0"/>
+                  <a:t> </a:t>
+                </a:r>
+                <a:r>
+                  <a:rPr lang="mr-IN" dirty="0" smtClean="0"/>
+                  <a:t>–</a:t>
+                </a:r>
+                <a:r>
+                  <a:rPr lang="en-US" dirty="0" smtClean="0"/>
+                  <a:t> the number of courses with no prerequisites.</a:t>
+                </a:r>
+                <a:endParaRPr lang="en-US" b="1" dirty="0" smtClean="0"/>
+              </a:p>
+            </p:txBody>
+          </p:sp>
+        </mc:Choice>
+        <mc:Fallback>
+          <p:sp>
+            <p:nvSpPr>
+              <p:cNvPr id="3" name="Content Placeholder 2"/>
+              <p:cNvSpPr>
+                <a:spLocks noGrp="1" noRot="1" noChangeAspect="1" noMove="1" noResize="1" noEditPoints="1" noAdjustHandles="1" noChangeArrowheads="1" noChangeShapeType="1" noTextEdit="1"/>
+              </p:cNvSpPr>
+              <p:nvPr>
+                <p:ph idx="1"/>
+              </p:nvPr>
+            </p:nvSpPr>
+            <p:spPr>
+              <a:blipFill rotWithShape="0">
+                <a:blip r:embed="rId2"/>
+                <a:stretch>
+                  <a:fillRect l="-1217" t="-2241"/>
+                </a:stretch>
+              </a:blipFill>
+            </p:spPr>
+            <p:txBody>
+              <a:bodyPr/>
+              <a:lstStyle/>
+              <a:p>
+                <a:r>
+                  <a:rPr lang="en-US">
+                    <a:noFill/>
+                  </a:rPr>
+                  <a:t> </a:t>
+                </a:r>
+              </a:p>
+            </p:txBody>
+          </p:sp>
+        </mc:Fallback>
+      </mc:AlternateContent>
+    </p:spTree>
+    <p:extLst>
+      <p:ext uri="{BB962C8B-B14F-4D97-AF65-F5344CB8AC3E}">
+        <p14:creationId xmlns:p14="http://schemas.microsoft.com/office/powerpoint/2010/main" val="1866567287"/>
       </p:ext>
     </p:extLst>
   </p:cSld>
@@ -8361,6 +11654,2163 @@
     <p:extLst>
       <p:ext uri="{BB962C8B-B14F-4D97-AF65-F5344CB8AC3E}">
         <p14:creationId xmlns:p14="http://schemas.microsoft.com/office/powerpoint/2010/main" val="2040210789"/>
+      </p:ext>
+    </p:extLst>
+  </p:cSld>
+  <p:clrMapOvr>
+    <a:masterClrMapping/>
+  </p:clrMapOvr>
+  <p:timing>
+    <p:tnLst>
+      <p:par>
+        <p:cTn id="1" dur="indefinite" restart="never" nodeType="tmRoot"/>
+      </p:par>
+    </p:tnLst>
+  </p:timing>
+</p:sld>
+</file>
+
+<file path=ppt/slides/slide40.xml><?xml version="1.0" encoding="utf-8"?>
+<p:sld xmlns:a="http://schemas.openxmlformats.org/drawingml/2006/main" xmlns:r="http://schemas.openxmlformats.org/officeDocument/2006/relationships" xmlns:p="http://schemas.openxmlformats.org/presentationml/2006/main">
+  <p:cSld>
+    <p:spTree>
+      <p:nvGrpSpPr>
+        <p:cNvPr id="1" name=""/>
+        <p:cNvGrpSpPr/>
+        <p:nvPr/>
+      </p:nvGrpSpPr>
+      <p:grpSpPr>
+        <a:xfrm>
+          <a:off x="0" y="0"/>
+          <a:ext cx="0" cy="0"/>
+          <a:chOff x="0" y="0"/>
+          <a:chExt cx="0" cy="0"/>
+        </a:xfrm>
+      </p:grpSpPr>
+      <p:sp>
+        <p:nvSpPr>
+          <p:cNvPr id="2" name="Title 1"/>
+          <p:cNvSpPr>
+            <a:spLocks noGrp="1"/>
+          </p:cNvSpPr>
+          <p:nvPr>
+            <p:ph type="title"/>
+          </p:nvPr>
+        </p:nvSpPr>
+        <p:spPr/>
+        <p:txBody>
+          <a:bodyPr/>
+          <a:lstStyle/>
+          <a:p>
+            <a:r>
+              <a:rPr lang="en-US" dirty="0"/>
+              <a:t>Applications in Curricular Analytics</a:t>
+            </a:r>
+          </a:p>
+        </p:txBody>
+      </p:sp>
+      <p:sp>
+        <p:nvSpPr>
+          <p:cNvPr id="3" name="Content Placeholder 2"/>
+          <p:cNvSpPr>
+            <a:spLocks noGrp="1"/>
+          </p:cNvSpPr>
+          <p:nvPr>
+            <p:ph idx="1"/>
+          </p:nvPr>
+        </p:nvSpPr>
+        <p:spPr/>
+        <p:txBody>
+          <a:bodyPr>
+            <a:normAutofit/>
+          </a:bodyPr>
+          <a:lstStyle/>
+          <a:p>
+            <a:pPr marL="0" lvl="0" indent="0">
+              <a:lnSpc>
+                <a:spcPct val="100000"/>
+              </a:lnSpc>
+              <a:spcBef>
+                <a:spcPts val="0"/>
+              </a:spcBef>
+              <a:buNone/>
+            </a:pPr>
+            <a:r>
+              <a:rPr lang="en-US" dirty="0" smtClean="0"/>
+              <a:t>So which of these measures or combination of measures is best?</a:t>
+            </a:r>
+          </a:p>
+          <a:p>
+            <a:pPr marL="0" lvl="0" indent="0">
+              <a:lnSpc>
+                <a:spcPct val="100000"/>
+              </a:lnSpc>
+              <a:spcBef>
+                <a:spcPts val="0"/>
+              </a:spcBef>
+              <a:buNone/>
+            </a:pPr>
+            <a:endParaRPr lang="en-US" dirty="0"/>
+          </a:p>
+          <a:p>
+            <a:pPr marL="0" lvl="0" indent="0">
+              <a:lnSpc>
+                <a:spcPct val="100000"/>
+              </a:lnSpc>
+              <a:spcBef>
+                <a:spcPts val="0"/>
+              </a:spcBef>
+              <a:buNone/>
+            </a:pPr>
+            <a:r>
+              <a:rPr lang="en-US" dirty="0" smtClean="0"/>
+              <a:t>This can be determined by finding the combination that provides the best fit to completion rates.</a:t>
+            </a:r>
+          </a:p>
+          <a:p>
+            <a:pPr>
+              <a:lnSpc>
+                <a:spcPct val="100000"/>
+              </a:lnSpc>
+              <a:spcBef>
+                <a:spcPts val="0"/>
+              </a:spcBef>
+            </a:pPr>
+            <a:r>
+              <a:rPr lang="en-US" dirty="0" smtClean="0"/>
+              <a:t>Simulations were done over the real-world curricula (80% pass rate, 18 credit limit, 10 terms)</a:t>
+            </a:r>
+          </a:p>
+          <a:p>
+            <a:pPr>
+              <a:lnSpc>
+                <a:spcPct val="100000"/>
+              </a:lnSpc>
+              <a:spcBef>
+                <a:spcPts val="0"/>
+              </a:spcBef>
+            </a:pPr>
+            <a:r>
+              <a:rPr lang="en-US" dirty="0" smtClean="0"/>
+              <a:t>For ever combination of structural complexity measures, linear regression was performed.</a:t>
+            </a:r>
+          </a:p>
+          <a:p>
+            <a:pPr>
+              <a:lnSpc>
+                <a:spcPct val="100000"/>
+              </a:lnSpc>
+              <a:spcBef>
+                <a:spcPts val="0"/>
+              </a:spcBef>
+            </a:pPr>
+            <a:r>
+              <a:rPr lang="en-US" dirty="0" smtClean="0"/>
+              <a:t>Credit hours were included as well.</a:t>
+            </a:r>
+          </a:p>
+        </p:txBody>
+      </p:sp>
+    </p:spTree>
+    <p:extLst>
+      <p:ext uri="{BB962C8B-B14F-4D97-AF65-F5344CB8AC3E}">
+        <p14:creationId xmlns:p14="http://schemas.microsoft.com/office/powerpoint/2010/main" val="395737077"/>
+      </p:ext>
+    </p:extLst>
+  </p:cSld>
+  <p:clrMapOvr>
+    <a:masterClrMapping/>
+  </p:clrMapOvr>
+  <p:timing>
+    <p:tnLst>
+      <p:par>
+        <p:cTn id="1" dur="indefinite" restart="never" nodeType="tmRoot"/>
+      </p:par>
+    </p:tnLst>
+  </p:timing>
+</p:sld>
+</file>
+
+<file path=ppt/slides/slide41.xml><?xml version="1.0" encoding="utf-8"?>
+<p:sld xmlns:a="http://schemas.openxmlformats.org/drawingml/2006/main" xmlns:r="http://schemas.openxmlformats.org/officeDocument/2006/relationships" xmlns:p="http://schemas.openxmlformats.org/presentationml/2006/main">
+  <p:cSld>
+    <p:spTree>
+      <p:nvGrpSpPr>
+        <p:cNvPr id="1" name=""/>
+        <p:cNvGrpSpPr/>
+        <p:nvPr/>
+      </p:nvGrpSpPr>
+      <p:grpSpPr>
+        <a:xfrm>
+          <a:off x="0" y="0"/>
+          <a:ext cx="0" cy="0"/>
+          <a:chOff x="0" y="0"/>
+          <a:chExt cx="0" cy="0"/>
+        </a:xfrm>
+      </p:grpSpPr>
+      <p:sp>
+        <p:nvSpPr>
+          <p:cNvPr id="2" name="Title 1"/>
+          <p:cNvSpPr>
+            <a:spLocks noGrp="1"/>
+          </p:cNvSpPr>
+          <p:nvPr>
+            <p:ph type="title"/>
+          </p:nvPr>
+        </p:nvSpPr>
+        <p:spPr/>
+        <p:txBody>
+          <a:bodyPr/>
+          <a:lstStyle/>
+          <a:p>
+            <a:r>
+              <a:rPr lang="en-US" dirty="0"/>
+              <a:t>Applications in Curricular Analytics</a:t>
+            </a:r>
+          </a:p>
+        </p:txBody>
+      </p:sp>
+      <mc:AlternateContent xmlns:mc="http://schemas.openxmlformats.org/markup-compatibility/2006">
+        <mc:Choice xmlns:a14="http://schemas.microsoft.com/office/drawing/2010/main" Requires="a14">
+          <p:sp>
+            <p:nvSpPr>
+              <p:cNvPr id="3" name="Content Placeholder 2"/>
+              <p:cNvSpPr>
+                <a:spLocks noGrp="1"/>
+              </p:cNvSpPr>
+              <p:nvPr>
+                <p:ph idx="1"/>
+              </p:nvPr>
+            </p:nvSpPr>
+            <p:spPr/>
+            <p:txBody>
+              <a:bodyPr>
+                <a:normAutofit/>
+              </a:bodyPr>
+              <a:lstStyle/>
+              <a:p>
+                <a:pPr marL="0" lvl="0" indent="0">
+                  <a:lnSpc>
+                    <a:spcPct val="100000"/>
+                  </a:lnSpc>
+                  <a:spcBef>
+                    <a:spcPts val="0"/>
+                  </a:spcBef>
+                  <a:buNone/>
+                </a:pPr>
+                <a:r>
+                  <a:rPr lang="en-US" dirty="0" smtClean="0"/>
+                  <a:t>The best fit: credit hours, </a:t>
+                </a:r>
+                <a:r>
+                  <a:rPr lang="en-US" dirty="0" err="1" smtClean="0"/>
+                  <a:t>delay+blocking</a:t>
+                </a:r>
+                <a:r>
+                  <a:rPr lang="en-US" dirty="0" smtClean="0"/>
+                  <a:t>, centrality, reachability:</a:t>
+                </a:r>
+              </a:p>
+              <a:p>
+                <a:pPr marL="0" lvl="0" indent="0">
+                  <a:lnSpc>
+                    <a:spcPct val="100000"/>
+                  </a:lnSpc>
+                  <a:spcBef>
+                    <a:spcPts val="0"/>
+                  </a:spcBef>
+                  <a:buNone/>
+                </a:pPr>
+                <a:endParaRPr lang="en-US" dirty="0" smtClean="0"/>
+              </a:p>
+              <a:p>
+                <a:pPr marL="0" lvl="0" indent="0">
+                  <a:lnSpc>
+                    <a:spcPct val="100000"/>
+                  </a:lnSpc>
+                  <a:spcBef>
+                    <a:spcPts val="0"/>
+                  </a:spcBef>
+                  <a:buNone/>
+                </a:pPr>
+                <a:endParaRPr lang="en-US" dirty="0" smtClean="0"/>
+              </a:p>
+              <a:p>
+                <a:pPr marL="0" lvl="0" indent="0">
+                  <a:lnSpc>
+                    <a:spcPct val="100000"/>
+                  </a:lnSpc>
+                  <a:spcBef>
+                    <a:spcPts val="0"/>
+                  </a:spcBef>
+                  <a:buNone/>
+                </a:pPr>
+                <a14:m>
+                  <m:oMathPara xmlns:m="http://schemas.openxmlformats.org/officeDocument/2006/math">
+                    <m:oMathParaPr>
+                      <m:jc m:val="centerGroup"/>
+                    </m:oMathParaPr>
+                    <m:oMath xmlns:m="http://schemas.openxmlformats.org/officeDocument/2006/math">
+                      <m:sSub>
+                        <m:sSubPr>
+                          <m:ctrlPr>
+                            <a:rPr lang="en-US" i="1" smtClean="0">
+                              <a:latin typeface="Cambria Math" charset="0"/>
+                            </a:rPr>
+                          </m:ctrlPr>
+                        </m:sSubPr>
+                        <m:e>
+                          <m:r>
+                            <a:rPr lang="en-US" b="0" i="1" smtClean="0">
+                              <a:latin typeface="Cambria Math" charset="0"/>
+                            </a:rPr>
+                            <m:t>𝛼</m:t>
+                          </m:r>
+                        </m:e>
+                        <m:sub>
+                          <m:r>
+                            <a:rPr lang="en-US" b="0" i="1" smtClean="0">
+                              <a:latin typeface="Cambria Math" charset="0"/>
+                            </a:rPr>
+                            <m:t>𝐶</m:t>
+                          </m:r>
+                        </m:sub>
+                      </m:sSub>
+                      <m:r>
+                        <a:rPr lang="en-US" b="0" i="1" smtClean="0">
+                          <a:latin typeface="Cambria Math" charset="0"/>
+                        </a:rPr>
+                        <m:t>=1.3</m:t>
+                      </m:r>
+                      <m:r>
+                        <a:rPr lang="en-US" b="0" i="1" smtClean="0">
+                          <a:latin typeface="Cambria Math" charset="0"/>
+                        </a:rPr>
+                        <m:t>𝑐𝑟𝑒𝑑𝑖𝑡𝑠</m:t>
+                      </m:r>
+                      <m:r>
+                        <a:rPr lang="en-US" b="0" i="1" smtClean="0">
+                          <a:latin typeface="Cambria Math" charset="0"/>
+                        </a:rPr>
+                        <m:t> −0.26</m:t>
+                      </m:r>
+                      <m:d>
+                        <m:dPr>
+                          <m:ctrlPr>
+                            <a:rPr lang="en-US" b="0" i="1" smtClean="0">
+                              <a:latin typeface="Cambria Math" charset="0"/>
+                            </a:rPr>
+                          </m:ctrlPr>
+                        </m:dPr>
+                        <m:e>
+                          <m:sSub>
+                            <m:sSubPr>
+                              <m:ctrlPr>
+                                <a:rPr lang="en-US" i="1">
+                                  <a:latin typeface="Cambria Math" charset="0"/>
+                                </a:rPr>
+                              </m:ctrlPr>
+                            </m:sSubPr>
+                            <m:e>
+                              <m:r>
+                                <a:rPr lang="en-US" b="0" i="1" smtClean="0">
+                                  <a:latin typeface="Cambria Math" charset="0"/>
+                                </a:rPr>
+                                <m:t>𝑑𝑒𝑙𝑎𝑦</m:t>
+                              </m:r>
+                            </m:e>
+                            <m:sub>
+                              <m:r>
+                                <a:rPr lang="en-US" i="1">
+                                  <a:latin typeface="Cambria Math" charset="0"/>
+                                </a:rPr>
+                                <m:t>𝐶</m:t>
+                              </m:r>
+                            </m:sub>
+                          </m:sSub>
+                          <m:r>
+                            <a:rPr lang="en-US" b="0" i="1" smtClean="0">
+                              <a:latin typeface="Cambria Math" charset="0"/>
+                            </a:rPr>
+                            <m:t>+</m:t>
+                          </m:r>
+                          <m:sSub>
+                            <m:sSubPr>
+                              <m:ctrlPr>
+                                <a:rPr lang="en-US" i="1">
+                                  <a:latin typeface="Cambria Math" charset="0"/>
+                                </a:rPr>
+                              </m:ctrlPr>
+                            </m:sSubPr>
+                            <m:e>
+                              <m:r>
+                                <a:rPr lang="en-US" b="0" i="1" smtClean="0">
+                                  <a:latin typeface="Cambria Math" charset="0"/>
+                                </a:rPr>
+                                <m:t>𝑏𝑙𝑜𝑐𝑘𝑖𝑛𝑔</m:t>
+                              </m:r>
+                            </m:e>
+                            <m:sub>
+                              <m:r>
+                                <a:rPr lang="en-US" i="1">
+                                  <a:latin typeface="Cambria Math" charset="0"/>
+                                </a:rPr>
+                                <m:t>𝐶</m:t>
+                              </m:r>
+                            </m:sub>
+                          </m:sSub>
+                        </m:e>
+                      </m:d>
+                    </m:oMath>
+                  </m:oMathPara>
+                </a14:m>
+                <a:endParaRPr lang="en-US" b="0" i="1" dirty="0" smtClean="0">
+                  <a:latin typeface="Cambria Math" charset="0"/>
+                </a:endParaRPr>
+              </a:p>
+              <a:p>
+                <a:pPr marL="0" lvl="0" indent="0">
+                  <a:lnSpc>
+                    <a:spcPct val="100000"/>
+                  </a:lnSpc>
+                  <a:spcBef>
+                    <a:spcPts val="0"/>
+                  </a:spcBef>
+                  <a:buNone/>
+                </a:pPr>
+                <a14:m>
+                  <m:oMathPara xmlns:m="http://schemas.openxmlformats.org/officeDocument/2006/math">
+                    <m:oMathParaPr>
+                      <m:jc m:val="centerGroup"/>
+                    </m:oMathParaPr>
+                    <m:oMath xmlns:m="http://schemas.openxmlformats.org/officeDocument/2006/math">
+                      <m:r>
+                        <a:rPr lang="en-US" b="0" i="1" smtClean="0">
+                          <a:latin typeface="Cambria Math" charset="0"/>
+                        </a:rPr>
+                        <m:t>+0.03</m:t>
+                      </m:r>
+                      <m:sSub>
+                        <m:sSubPr>
+                          <m:ctrlPr>
+                            <a:rPr lang="en-US" i="1">
+                              <a:latin typeface="Cambria Math" charset="0"/>
+                            </a:rPr>
+                          </m:ctrlPr>
+                        </m:sSubPr>
+                        <m:e>
+                          <m:r>
+                            <a:rPr lang="en-US" b="0" i="1" smtClean="0">
+                              <a:latin typeface="Cambria Math" charset="0"/>
+                            </a:rPr>
+                            <m:t>𝑐𝑒𝑛𝑡𝑟𝑎𝑙𝑖𝑡𝑦</m:t>
+                          </m:r>
+                        </m:e>
+                        <m:sub>
+                          <m:r>
+                            <a:rPr lang="en-US" i="1">
+                              <a:latin typeface="Cambria Math" charset="0"/>
+                            </a:rPr>
+                            <m:t>𝐶</m:t>
+                          </m:r>
+                        </m:sub>
+                      </m:sSub>
+                      <m:r>
+                        <a:rPr lang="en-US" b="0" i="1" smtClean="0">
+                          <a:latin typeface="Cambria Math" charset="0"/>
+                        </a:rPr>
+                        <m:t>+0.72</m:t>
+                      </m:r>
+                      <m:sSub>
+                        <m:sSubPr>
+                          <m:ctrlPr>
+                            <a:rPr lang="en-US" i="1">
+                              <a:latin typeface="Cambria Math" charset="0"/>
+                            </a:rPr>
+                          </m:ctrlPr>
+                        </m:sSubPr>
+                        <m:e>
+                          <m:r>
+                            <a:rPr lang="en-US" i="1">
+                              <a:latin typeface="Cambria Math" charset="0"/>
+                            </a:rPr>
+                            <m:t>𝑟𝑒𝑎𝑐h𝑎𝑏𝑖𝑙𝑖𝑡𝑦</m:t>
+                          </m:r>
+                        </m:e>
+                        <m:sub>
+                          <m:r>
+                            <a:rPr lang="en-US" i="1">
+                              <a:latin typeface="Cambria Math" charset="0"/>
+                            </a:rPr>
+                            <m:t>𝐶</m:t>
+                          </m:r>
+                        </m:sub>
+                      </m:sSub>
+                      <m:r>
+                        <a:rPr lang="en-US" b="0" i="1" smtClean="0">
+                          <a:latin typeface="Cambria Math" charset="0"/>
+                        </a:rPr>
+                        <m:t>−0.44</m:t>
+                      </m:r>
+                      <m:r>
+                        <a:rPr lang="en-US" b="0" i="1" smtClean="0">
+                          <a:latin typeface="Cambria Math" charset="0"/>
+                        </a:rPr>
+                        <m:t>𝑝𝑟𝑒𝑟𝑒𝑞𝑠</m:t>
+                      </m:r>
+                    </m:oMath>
+                  </m:oMathPara>
+                </a14:m>
+                <a:endParaRPr lang="en-US" sz="4000" dirty="0"/>
+              </a:p>
+            </p:txBody>
+          </p:sp>
+        </mc:Choice>
+        <mc:Fallback>
+          <p:sp>
+            <p:nvSpPr>
+              <p:cNvPr id="3" name="Content Placeholder 2"/>
+              <p:cNvSpPr>
+                <a:spLocks noGrp="1" noRot="1" noChangeAspect="1" noMove="1" noResize="1" noEditPoints="1" noAdjustHandles="1" noChangeArrowheads="1" noChangeShapeType="1" noTextEdit="1"/>
+              </p:cNvSpPr>
+              <p:nvPr>
+                <p:ph idx="1"/>
+              </p:nvPr>
+            </p:nvSpPr>
+            <p:spPr>
+              <a:blipFill rotWithShape="0">
+                <a:blip r:embed="rId3"/>
+                <a:stretch>
+                  <a:fillRect l="-1217" t="-1261"/>
+                </a:stretch>
+              </a:blipFill>
+            </p:spPr>
+            <p:txBody>
+              <a:bodyPr/>
+              <a:lstStyle/>
+              <a:p>
+                <a:r>
+                  <a:rPr lang="en-US">
+                    <a:noFill/>
+                  </a:rPr>
+                  <a:t> </a:t>
+                </a:r>
+              </a:p>
+            </p:txBody>
+          </p:sp>
+        </mc:Fallback>
+      </mc:AlternateContent>
+    </p:spTree>
+    <p:extLst>
+      <p:ext uri="{BB962C8B-B14F-4D97-AF65-F5344CB8AC3E}">
+        <p14:creationId xmlns:p14="http://schemas.microsoft.com/office/powerpoint/2010/main" val="405512579"/>
+      </p:ext>
+    </p:extLst>
+  </p:cSld>
+  <p:clrMapOvr>
+    <a:masterClrMapping/>
+  </p:clrMapOvr>
+  <p:timing>
+    <p:tnLst>
+      <p:par>
+        <p:cTn id="1" dur="indefinite" restart="never" nodeType="tmRoot"/>
+      </p:par>
+    </p:tnLst>
+  </p:timing>
+</p:sld>
+</file>
+
+<file path=ppt/slides/slide42.xml><?xml version="1.0" encoding="utf-8"?>
+<p:sld xmlns:a="http://schemas.openxmlformats.org/drawingml/2006/main" xmlns:r="http://schemas.openxmlformats.org/officeDocument/2006/relationships" xmlns:p="http://schemas.openxmlformats.org/presentationml/2006/main">
+  <p:cSld>
+    <p:spTree>
+      <p:nvGrpSpPr>
+        <p:cNvPr id="1" name=""/>
+        <p:cNvGrpSpPr/>
+        <p:nvPr/>
+      </p:nvGrpSpPr>
+      <p:grpSpPr>
+        <a:xfrm>
+          <a:off x="0" y="0"/>
+          <a:ext cx="0" cy="0"/>
+          <a:chOff x="0" y="0"/>
+          <a:chExt cx="0" cy="0"/>
+        </a:xfrm>
+      </p:grpSpPr>
+      <p:sp>
+        <p:nvSpPr>
+          <p:cNvPr id="2" name="Title 1"/>
+          <p:cNvSpPr>
+            <a:spLocks noGrp="1"/>
+          </p:cNvSpPr>
+          <p:nvPr>
+            <p:ph type="title"/>
+          </p:nvPr>
+        </p:nvSpPr>
+        <p:spPr/>
+        <p:txBody>
+          <a:bodyPr/>
+          <a:lstStyle/>
+          <a:p>
+            <a:r>
+              <a:rPr lang="en-US" dirty="0"/>
+              <a:t>Applications in Curricular Analytics</a:t>
+            </a:r>
+          </a:p>
+        </p:txBody>
+      </p:sp>
+      <p:pic>
+        <p:nvPicPr>
+          <p:cNvPr id="4" name="Content Placeholder 3"/>
+          <p:cNvPicPr>
+            <a:picLocks noGrp="1" noChangeAspect="1"/>
+          </p:cNvPicPr>
+          <p:nvPr>
+            <p:ph idx="1"/>
+          </p:nvPr>
+        </p:nvPicPr>
+        <p:blipFill>
+          <a:blip r:embed="rId3">
+            <a:extLst>
+              <a:ext uri="{28A0092B-C50C-407E-A947-70E740481C1C}">
+                <a14:useLocalDpi xmlns:a14="http://schemas.microsoft.com/office/drawing/2010/main" val="0"/>
+              </a:ext>
+            </a:extLst>
+          </a:blip>
+          <a:stretch>
+            <a:fillRect/>
+          </a:stretch>
+        </p:blipFill>
+        <p:spPr>
+          <a:xfrm>
+            <a:off x="1714500" y="1536700"/>
+            <a:ext cx="8763000" cy="4929188"/>
+          </a:xfrm>
+        </p:spPr>
+      </p:pic>
+      <p:sp>
+        <p:nvSpPr>
+          <p:cNvPr id="6" name="Rectangle 5"/>
+          <p:cNvSpPr/>
+          <p:nvPr/>
+        </p:nvSpPr>
+        <p:spPr>
+          <a:xfrm>
+            <a:off x="5537200" y="6197600"/>
+            <a:ext cx="1028700" cy="406400"/>
+          </a:xfrm>
+          <a:prstGeom prst="rect">
+            <a:avLst/>
+          </a:prstGeom>
+          <a:solidFill>
+            <a:schemeClr val="bg1"/>
+          </a:solidFill>
+          <a:ln>
+            <a:noFill/>
+          </a:ln>
+        </p:spPr>
+        <p:style>
+          <a:lnRef idx="2">
+            <a:schemeClr val="accent1">
+              <a:shade val="50000"/>
+            </a:schemeClr>
+          </a:lnRef>
+          <a:fillRef idx="1">
+            <a:schemeClr val="accent1"/>
+          </a:fillRef>
+          <a:effectRef idx="0">
+            <a:schemeClr val="accent1"/>
+          </a:effectRef>
+          <a:fontRef idx="minor">
+            <a:schemeClr val="lt1"/>
+          </a:fontRef>
+        </p:style>
+        <p:txBody>
+          <a:bodyPr rtlCol="0" anchor="ctr"/>
+          <a:lstStyle/>
+          <a:p>
+            <a:pPr algn="ctr"/>
+            <a:endParaRPr lang="en-US"/>
+          </a:p>
+        </p:txBody>
+      </p:sp>
+      <mc:AlternateContent xmlns:mc="http://schemas.openxmlformats.org/markup-compatibility/2006">
+        <mc:Choice xmlns:a14="http://schemas.microsoft.com/office/drawing/2010/main" Requires="a14">
+          <p:sp>
+            <p:nvSpPr>
+              <p:cNvPr id="5" name="Rectangle 4"/>
+              <p:cNvSpPr/>
+              <p:nvPr/>
+            </p:nvSpPr>
+            <p:spPr>
+              <a:xfrm>
+                <a:off x="5791379" y="6287056"/>
+                <a:ext cx="418922" cy="369332"/>
+              </a:xfrm>
+              <a:prstGeom prst="rect">
+                <a:avLst/>
+              </a:prstGeom>
+            </p:spPr>
+            <p:txBody>
+              <a:bodyPr wrap="square">
+                <a:spAutoFit/>
+              </a:bodyPr>
+              <a:lstStyle/>
+              <a:p>
+                <a14:m>
+                  <m:oMathPara xmlns:m="http://schemas.openxmlformats.org/officeDocument/2006/math">
+                    <m:oMathParaPr>
+                      <m:jc m:val="centerGroup"/>
+                    </m:oMathParaPr>
+                    <m:oMath xmlns:m="http://schemas.openxmlformats.org/officeDocument/2006/math">
+                      <m:sSub>
+                        <m:sSubPr>
+                          <m:ctrlPr>
+                            <a:rPr lang="en-US" i="1">
+                              <a:latin typeface="Cambria Math" charset="0"/>
+                            </a:rPr>
+                          </m:ctrlPr>
+                        </m:sSubPr>
+                        <m:e>
+                          <m:r>
+                            <a:rPr lang="en-US" i="1">
+                              <a:latin typeface="Cambria Math" charset="0"/>
+                            </a:rPr>
+                            <m:t>𝛼</m:t>
+                          </m:r>
+                        </m:e>
+                        <m:sub>
+                          <m:r>
+                            <a:rPr lang="en-US" i="1">
+                              <a:latin typeface="Cambria Math" charset="0"/>
+                            </a:rPr>
+                            <m:t>𝐶</m:t>
+                          </m:r>
+                        </m:sub>
+                      </m:sSub>
+                    </m:oMath>
+                  </m:oMathPara>
+                </a14:m>
+                <a:endParaRPr lang="en-US" dirty="0"/>
+              </a:p>
+            </p:txBody>
+          </p:sp>
+        </mc:Choice>
+        <mc:Fallback>
+          <p:sp>
+            <p:nvSpPr>
+              <p:cNvPr id="5" name="Rectangle 4"/>
+              <p:cNvSpPr>
+                <a:spLocks noRot="1" noChangeAspect="1" noMove="1" noResize="1" noEditPoints="1" noAdjustHandles="1" noChangeArrowheads="1" noChangeShapeType="1" noTextEdit="1"/>
+              </p:cNvSpPr>
+              <p:nvPr/>
+            </p:nvSpPr>
+            <p:spPr>
+              <a:xfrm>
+                <a:off x="5791379" y="6287056"/>
+                <a:ext cx="418922" cy="369332"/>
+              </a:xfrm>
+              <a:prstGeom prst="rect">
+                <a:avLst/>
+              </a:prstGeom>
+              <a:blipFill rotWithShape="0">
+                <a:blip r:embed="rId4"/>
+                <a:stretch>
+                  <a:fillRect/>
+                </a:stretch>
+              </a:blipFill>
+            </p:spPr>
+            <p:txBody>
+              <a:bodyPr/>
+              <a:lstStyle/>
+              <a:p>
+                <a:r>
+                  <a:rPr lang="en-US">
+                    <a:noFill/>
+                  </a:rPr>
+                  <a:t> </a:t>
+                </a:r>
+              </a:p>
+            </p:txBody>
+          </p:sp>
+        </mc:Fallback>
+      </mc:AlternateContent>
+    </p:spTree>
+    <p:extLst>
+      <p:ext uri="{BB962C8B-B14F-4D97-AF65-F5344CB8AC3E}">
+        <p14:creationId xmlns:p14="http://schemas.microsoft.com/office/powerpoint/2010/main" val="1869358783"/>
+      </p:ext>
+    </p:extLst>
+  </p:cSld>
+  <p:clrMapOvr>
+    <a:masterClrMapping/>
+  </p:clrMapOvr>
+  <p:timing>
+    <p:tnLst>
+      <p:par>
+        <p:cTn id="1" dur="indefinite" restart="never" nodeType="tmRoot"/>
+      </p:par>
+    </p:tnLst>
+  </p:timing>
+</p:sld>
+</file>
+
+<file path=ppt/slides/slide43.xml><?xml version="1.0" encoding="utf-8"?>
+<p:sld xmlns:a="http://schemas.openxmlformats.org/drawingml/2006/main" xmlns:r="http://schemas.openxmlformats.org/officeDocument/2006/relationships" xmlns:p="http://schemas.openxmlformats.org/presentationml/2006/main">
+  <p:cSld>
+    <p:spTree>
+      <p:nvGrpSpPr>
+        <p:cNvPr id="1" name=""/>
+        <p:cNvGrpSpPr/>
+        <p:nvPr/>
+      </p:nvGrpSpPr>
+      <p:grpSpPr>
+        <a:xfrm>
+          <a:off x="0" y="0"/>
+          <a:ext cx="0" cy="0"/>
+          <a:chOff x="0" y="0"/>
+          <a:chExt cx="0" cy="0"/>
+        </a:xfrm>
+      </p:grpSpPr>
+      <p:sp>
+        <p:nvSpPr>
+          <p:cNvPr id="2" name="Title 1"/>
+          <p:cNvSpPr>
+            <a:spLocks noGrp="1"/>
+          </p:cNvSpPr>
+          <p:nvPr>
+            <p:ph type="title"/>
+          </p:nvPr>
+        </p:nvSpPr>
+        <p:spPr/>
+        <p:txBody>
+          <a:bodyPr/>
+          <a:lstStyle/>
+          <a:p>
+            <a:r>
+              <a:rPr lang="en-US" dirty="0"/>
+              <a:t>Applications in Curricular Analytics</a:t>
+            </a:r>
+          </a:p>
+        </p:txBody>
+      </p:sp>
+      <mc:AlternateContent xmlns:mc="http://schemas.openxmlformats.org/markup-compatibility/2006">
+        <mc:Choice xmlns:a14="http://schemas.microsoft.com/office/drawing/2010/main" Requires="a14">
+          <p:sp>
+            <p:nvSpPr>
+              <p:cNvPr id="3" name="Content Placeholder 2"/>
+              <p:cNvSpPr>
+                <a:spLocks noGrp="1"/>
+              </p:cNvSpPr>
+              <p:nvPr>
+                <p:ph idx="1"/>
+              </p:nvPr>
+            </p:nvSpPr>
+            <p:spPr/>
+            <p:txBody>
+              <a:bodyPr>
+                <a:normAutofit/>
+              </a:bodyPr>
+              <a:lstStyle/>
+              <a:p>
+                <a:pPr marL="0" lvl="0" indent="0">
+                  <a:lnSpc>
+                    <a:spcPct val="100000"/>
+                  </a:lnSpc>
+                  <a:spcBef>
+                    <a:spcPts val="0"/>
+                  </a:spcBef>
+                  <a:buNone/>
+                </a:pPr>
+                <a:r>
+                  <a:rPr lang="en-US" dirty="0" smtClean="0"/>
+                  <a:t>The effects of instructional complexity, </a:t>
+                </a:r>
+                <a14:m>
+                  <m:oMath xmlns:m="http://schemas.openxmlformats.org/officeDocument/2006/math">
+                    <m:sSub>
+                      <m:sSubPr>
+                        <m:ctrlPr>
+                          <a:rPr lang="en-US" i="1">
+                            <a:latin typeface="Cambria Math" charset="0"/>
+                          </a:rPr>
+                        </m:ctrlPr>
+                      </m:sSubPr>
+                      <m:e>
+                        <m:r>
+                          <a:rPr lang="en-US" b="0" i="1" smtClean="0">
+                            <a:latin typeface="Cambria Math" charset="0"/>
+                          </a:rPr>
+                          <m:t>𝛾</m:t>
+                        </m:r>
+                      </m:e>
+                      <m:sub>
+                        <m:r>
+                          <a:rPr lang="en-US" i="1">
+                            <a:latin typeface="Cambria Math" charset="0"/>
+                          </a:rPr>
+                          <m:t>𝐶</m:t>
+                        </m:r>
+                      </m:sub>
+                    </m:sSub>
+                  </m:oMath>
+                </a14:m>
+                <a:r>
+                  <a:rPr lang="en-US" dirty="0" smtClean="0"/>
+                  <a:t>, is also worth investigating.</a:t>
+                </a:r>
+              </a:p>
+              <a:p>
+                <a:pPr marL="0" indent="0">
+                  <a:lnSpc>
+                    <a:spcPct val="100000"/>
+                  </a:lnSpc>
+                  <a:spcBef>
+                    <a:spcPts val="0"/>
+                  </a:spcBef>
+                  <a:buNone/>
+                </a:pPr>
+                <a:endParaRPr lang="en-US" dirty="0" smtClean="0"/>
+              </a:p>
+              <a:p>
+                <a:pPr marL="0" indent="0">
+                  <a:lnSpc>
+                    <a:spcPct val="100000"/>
+                  </a:lnSpc>
+                  <a:spcBef>
+                    <a:spcPts val="0"/>
+                  </a:spcBef>
+                  <a:buNone/>
+                </a:pPr>
+                <a:r>
+                  <a:rPr lang="en-US" dirty="0" smtClean="0"/>
+                  <a:t>Although it is difficulty to characterize, it is easy to understand it’s relationship to success. </a:t>
+                </a:r>
+              </a:p>
+              <a:p>
+                <a:pPr marL="0" indent="0">
+                  <a:lnSpc>
+                    <a:spcPct val="100000"/>
+                  </a:lnSpc>
+                  <a:spcBef>
+                    <a:spcPts val="0"/>
+                  </a:spcBef>
+                  <a:buNone/>
+                </a:pPr>
+                <a:endParaRPr lang="en-US" dirty="0"/>
+              </a:p>
+              <a:p>
+                <a:pPr marL="0" indent="0">
+                  <a:lnSpc>
+                    <a:spcPct val="100000"/>
+                  </a:lnSpc>
+                  <a:spcBef>
+                    <a:spcPts val="0"/>
+                  </a:spcBef>
+                  <a:buNone/>
+                </a:pPr>
+                <a:r>
+                  <a:rPr lang="en-US" dirty="0" smtClean="0"/>
+                  <a:t>Simulation can reveal the nature of the relationship.</a:t>
+                </a:r>
+              </a:p>
+              <a:p>
+                <a:pPr>
+                  <a:lnSpc>
+                    <a:spcPct val="100000"/>
+                  </a:lnSpc>
+                  <a:spcBef>
+                    <a:spcPts val="0"/>
+                  </a:spcBef>
+                </a:pPr>
+                <a:r>
+                  <a:rPr lang="en-US" dirty="0" smtClean="0"/>
+                  <a:t>Simulate students in the same curriculum and varying the average course </a:t>
+                </a:r>
+                <a:r>
+                  <a:rPr lang="en-US" dirty="0" err="1" smtClean="0"/>
+                  <a:t>passrate</a:t>
+                </a:r>
+                <a:r>
+                  <a:rPr lang="en-US" dirty="0" smtClean="0"/>
+                  <a:t>.</a:t>
+                </a:r>
+              </a:p>
+            </p:txBody>
+          </p:sp>
+        </mc:Choice>
+        <mc:Fallback>
+          <p:sp>
+            <p:nvSpPr>
+              <p:cNvPr id="3" name="Content Placeholder 2"/>
+              <p:cNvSpPr>
+                <a:spLocks noGrp="1" noRot="1" noChangeAspect="1" noMove="1" noResize="1" noEditPoints="1" noAdjustHandles="1" noChangeArrowheads="1" noChangeShapeType="1" noTextEdit="1"/>
+              </p:cNvSpPr>
+              <p:nvPr>
+                <p:ph idx="1"/>
+              </p:nvPr>
+            </p:nvSpPr>
+            <p:spPr>
+              <a:blipFill rotWithShape="0">
+                <a:blip r:embed="rId3"/>
+                <a:stretch>
+                  <a:fillRect l="-1217" t="-1261"/>
+                </a:stretch>
+              </a:blipFill>
+            </p:spPr>
+            <p:txBody>
+              <a:bodyPr/>
+              <a:lstStyle/>
+              <a:p>
+                <a:r>
+                  <a:rPr lang="en-US">
+                    <a:noFill/>
+                  </a:rPr>
+                  <a:t> </a:t>
+                </a:r>
+              </a:p>
+            </p:txBody>
+          </p:sp>
+        </mc:Fallback>
+      </mc:AlternateContent>
+    </p:spTree>
+    <p:extLst>
+      <p:ext uri="{BB962C8B-B14F-4D97-AF65-F5344CB8AC3E}">
+        <p14:creationId xmlns:p14="http://schemas.microsoft.com/office/powerpoint/2010/main" val="1782053276"/>
+      </p:ext>
+    </p:extLst>
+  </p:cSld>
+  <p:clrMapOvr>
+    <a:masterClrMapping/>
+  </p:clrMapOvr>
+  <p:timing>
+    <p:tnLst>
+      <p:par>
+        <p:cTn id="1" dur="indefinite" restart="never" nodeType="tmRoot"/>
+      </p:par>
+    </p:tnLst>
+  </p:timing>
+</p:sld>
+</file>
+
+<file path=ppt/slides/slide44.xml><?xml version="1.0" encoding="utf-8"?>
+<p:sld xmlns:a="http://schemas.openxmlformats.org/drawingml/2006/main" xmlns:r="http://schemas.openxmlformats.org/officeDocument/2006/relationships" xmlns:p="http://schemas.openxmlformats.org/presentationml/2006/main">
+  <p:cSld>
+    <p:spTree>
+      <p:nvGrpSpPr>
+        <p:cNvPr id="1" name=""/>
+        <p:cNvGrpSpPr/>
+        <p:nvPr/>
+      </p:nvGrpSpPr>
+      <p:grpSpPr>
+        <a:xfrm>
+          <a:off x="0" y="0"/>
+          <a:ext cx="0" cy="0"/>
+          <a:chOff x="0" y="0"/>
+          <a:chExt cx="0" cy="0"/>
+        </a:xfrm>
+      </p:grpSpPr>
+      <p:sp>
+        <p:nvSpPr>
+          <p:cNvPr id="2" name="Title 1"/>
+          <p:cNvSpPr>
+            <a:spLocks noGrp="1"/>
+          </p:cNvSpPr>
+          <p:nvPr>
+            <p:ph type="title"/>
+          </p:nvPr>
+        </p:nvSpPr>
+        <p:spPr/>
+        <p:txBody>
+          <a:bodyPr/>
+          <a:lstStyle/>
+          <a:p>
+            <a:r>
+              <a:rPr lang="en-US" dirty="0"/>
+              <a:t>Applications in Curricular Analytics</a:t>
+            </a:r>
+          </a:p>
+        </p:txBody>
+      </p:sp>
+      <p:sp>
+        <p:nvSpPr>
+          <p:cNvPr id="15" name="Content Placeholder 14"/>
+          <p:cNvSpPr>
+            <a:spLocks noGrp="1"/>
+          </p:cNvSpPr>
+          <p:nvPr>
+            <p:ph sz="half" idx="2"/>
+          </p:nvPr>
+        </p:nvSpPr>
+        <p:spPr>
+          <a:xfrm>
+            <a:off x="7734300" y="1825625"/>
+            <a:ext cx="3619500" cy="4351338"/>
+          </a:xfrm>
+        </p:spPr>
+        <p:txBody>
+          <a:bodyPr>
+            <a:normAutofit/>
+          </a:bodyPr>
+          <a:lstStyle/>
+          <a:p>
+            <a:pPr>
+              <a:lnSpc>
+                <a:spcPct val="100000"/>
+              </a:lnSpc>
+              <a:spcBef>
+                <a:spcPts val="0"/>
+              </a:spcBef>
+            </a:pPr>
+            <a:r>
+              <a:rPr lang="en-US" sz="2400" dirty="0" smtClean="0"/>
+              <a:t>Computer Engineering at UNM</a:t>
+            </a:r>
+          </a:p>
+          <a:p>
+            <a:pPr>
+              <a:lnSpc>
+                <a:spcPct val="100000"/>
+              </a:lnSpc>
+              <a:spcBef>
+                <a:spcPts val="0"/>
+              </a:spcBef>
+            </a:pPr>
+            <a:endParaRPr lang="en-US" sz="2400" dirty="0" smtClean="0"/>
+          </a:p>
+          <a:p>
+            <a:pPr>
+              <a:lnSpc>
+                <a:spcPct val="100000"/>
+              </a:lnSpc>
+              <a:spcBef>
+                <a:spcPts val="0"/>
+              </a:spcBef>
+            </a:pPr>
+            <a:r>
+              <a:rPr lang="en-US" sz="2400" dirty="0" smtClean="0"/>
+              <a:t>10 terms</a:t>
+            </a:r>
+          </a:p>
+          <a:p>
+            <a:pPr>
+              <a:lnSpc>
+                <a:spcPct val="100000"/>
+              </a:lnSpc>
+              <a:spcBef>
+                <a:spcPts val="0"/>
+              </a:spcBef>
+            </a:pPr>
+            <a:endParaRPr lang="en-US" sz="2400" dirty="0" smtClean="0"/>
+          </a:p>
+          <a:p>
+            <a:pPr>
+              <a:lnSpc>
+                <a:spcPct val="100000"/>
+              </a:lnSpc>
+              <a:spcBef>
+                <a:spcPts val="0"/>
+              </a:spcBef>
+            </a:pPr>
+            <a:r>
+              <a:rPr lang="en-US" sz="2400" dirty="0" smtClean="0"/>
+              <a:t>Students can take up to 18 credits a term.</a:t>
+            </a:r>
+          </a:p>
+        </p:txBody>
+      </p:sp>
+      <p:sp>
+        <p:nvSpPr>
+          <p:cNvPr id="3" name="Content Placeholder 2"/>
+          <p:cNvSpPr>
+            <a:spLocks noGrp="1"/>
+          </p:cNvSpPr>
+          <p:nvPr>
+            <p:ph sz="half" idx="1"/>
+          </p:nvPr>
+        </p:nvSpPr>
+        <p:spPr/>
+        <p:txBody>
+          <a:bodyPr/>
+          <a:lstStyle/>
+          <a:p>
+            <a:endParaRPr lang="en-US"/>
+          </a:p>
+        </p:txBody>
+      </p:sp>
+    </p:spTree>
+    <p:extLst>
+      <p:ext uri="{BB962C8B-B14F-4D97-AF65-F5344CB8AC3E}">
+        <p14:creationId xmlns:p14="http://schemas.microsoft.com/office/powerpoint/2010/main" val="1365228075"/>
+      </p:ext>
+    </p:extLst>
+  </p:cSld>
+  <p:clrMapOvr>
+    <a:masterClrMapping/>
+  </p:clrMapOvr>
+  <p:timing>
+    <p:tnLst>
+      <p:par>
+        <p:cTn id="1" dur="indefinite" restart="never" nodeType="tmRoot"/>
+      </p:par>
+    </p:tnLst>
+  </p:timing>
+</p:sld>
+</file>
+
+<file path=ppt/slides/slide45.xml><?xml version="1.0" encoding="utf-8"?>
+<p:sld xmlns:a="http://schemas.openxmlformats.org/drawingml/2006/main" xmlns:r="http://schemas.openxmlformats.org/officeDocument/2006/relationships" xmlns:p="http://schemas.openxmlformats.org/presentationml/2006/main">
+  <p:cSld>
+    <p:spTree>
+      <p:nvGrpSpPr>
+        <p:cNvPr id="1" name=""/>
+        <p:cNvGrpSpPr/>
+        <p:nvPr/>
+      </p:nvGrpSpPr>
+      <p:grpSpPr>
+        <a:xfrm>
+          <a:off x="0" y="0"/>
+          <a:ext cx="0" cy="0"/>
+          <a:chOff x="0" y="0"/>
+          <a:chExt cx="0" cy="0"/>
+        </a:xfrm>
+      </p:grpSpPr>
+      <p:sp>
+        <p:nvSpPr>
+          <p:cNvPr id="2" name="Title 1"/>
+          <p:cNvSpPr>
+            <a:spLocks noGrp="1"/>
+          </p:cNvSpPr>
+          <p:nvPr>
+            <p:ph type="title"/>
+          </p:nvPr>
+        </p:nvSpPr>
+        <p:spPr/>
+        <p:txBody>
+          <a:bodyPr/>
+          <a:lstStyle/>
+          <a:p>
+            <a:r>
+              <a:rPr lang="en-US" dirty="0"/>
+              <a:t>Applications in Curricular Analytics</a:t>
+            </a:r>
+          </a:p>
+        </p:txBody>
+      </p:sp>
+      <p:sp>
+        <p:nvSpPr>
+          <p:cNvPr id="3" name="Content Placeholder 2"/>
+          <p:cNvSpPr>
+            <a:spLocks noGrp="1"/>
+          </p:cNvSpPr>
+          <p:nvPr>
+            <p:ph idx="1"/>
+          </p:nvPr>
+        </p:nvSpPr>
+        <p:spPr/>
+        <p:txBody>
+          <a:bodyPr>
+            <a:normAutofit/>
+          </a:bodyPr>
+          <a:lstStyle/>
+          <a:p>
+            <a:pPr>
+              <a:lnSpc>
+                <a:spcPct val="100000"/>
+              </a:lnSpc>
+              <a:spcBef>
+                <a:spcPts val="0"/>
+              </a:spcBef>
+            </a:pPr>
+            <a:r>
+              <a:rPr lang="en-US" dirty="0" smtClean="0"/>
+              <a:t>Increasing pass-rates increases success.</a:t>
+            </a:r>
+          </a:p>
+          <a:p>
+            <a:pPr>
+              <a:lnSpc>
+                <a:spcPct val="100000"/>
+              </a:lnSpc>
+              <a:spcBef>
+                <a:spcPts val="0"/>
+              </a:spcBef>
+            </a:pPr>
+            <a:endParaRPr lang="en-US" dirty="0" smtClean="0"/>
+          </a:p>
+          <a:p>
+            <a:pPr>
+              <a:lnSpc>
+                <a:spcPct val="100000"/>
+              </a:lnSpc>
+              <a:spcBef>
+                <a:spcPts val="0"/>
+              </a:spcBef>
+            </a:pPr>
+            <a:r>
+              <a:rPr lang="en-US" dirty="0" smtClean="0"/>
+              <a:t>However, it’s not realistic to simply increase course </a:t>
+            </a:r>
+            <a:r>
+              <a:rPr lang="en-US" dirty="0" err="1" smtClean="0"/>
+              <a:t>passrates</a:t>
+            </a:r>
+            <a:r>
+              <a:rPr lang="en-US" dirty="0" smtClean="0"/>
+              <a:t>.</a:t>
+            </a:r>
+          </a:p>
+          <a:p>
+            <a:pPr>
+              <a:lnSpc>
+                <a:spcPct val="100000"/>
+              </a:lnSpc>
+              <a:spcBef>
+                <a:spcPts val="0"/>
+              </a:spcBef>
+            </a:pPr>
+            <a:endParaRPr lang="en-US" dirty="0"/>
+          </a:p>
+          <a:p>
+            <a:pPr>
+              <a:lnSpc>
+                <a:spcPct val="100000"/>
+              </a:lnSpc>
+              <a:spcBef>
+                <a:spcPts val="0"/>
+              </a:spcBef>
+            </a:pPr>
+            <a:r>
+              <a:rPr lang="en-US" dirty="0" smtClean="0"/>
+              <a:t>Which courses would have the largest effect on overall graduations rates with an increase in </a:t>
+            </a:r>
+            <a:r>
+              <a:rPr lang="en-US" dirty="0" err="1" smtClean="0"/>
+              <a:t>passrate</a:t>
+            </a:r>
+            <a:r>
+              <a:rPr lang="en-US" dirty="0" smtClean="0"/>
+              <a:t>?</a:t>
+            </a:r>
+          </a:p>
+        </p:txBody>
+      </p:sp>
+    </p:spTree>
+    <p:extLst>
+      <p:ext uri="{BB962C8B-B14F-4D97-AF65-F5344CB8AC3E}">
+        <p14:creationId xmlns:p14="http://schemas.microsoft.com/office/powerpoint/2010/main" val="552095399"/>
+      </p:ext>
+    </p:extLst>
+  </p:cSld>
+  <p:clrMapOvr>
+    <a:masterClrMapping/>
+  </p:clrMapOvr>
+  <p:timing>
+    <p:tnLst>
+      <p:par>
+        <p:cTn id="1" dur="indefinite" restart="never" nodeType="tmRoot"/>
+      </p:par>
+    </p:tnLst>
+  </p:timing>
+</p:sld>
+</file>
+
+<file path=ppt/slides/slide46.xml><?xml version="1.0" encoding="utf-8"?>
+<p:sld xmlns:a="http://schemas.openxmlformats.org/drawingml/2006/main" xmlns:r="http://schemas.openxmlformats.org/officeDocument/2006/relationships" xmlns:p="http://schemas.openxmlformats.org/presentationml/2006/main">
+  <p:cSld>
+    <p:spTree>
+      <p:nvGrpSpPr>
+        <p:cNvPr id="1" name=""/>
+        <p:cNvGrpSpPr/>
+        <p:nvPr/>
+      </p:nvGrpSpPr>
+      <p:grpSpPr>
+        <a:xfrm>
+          <a:off x="0" y="0"/>
+          <a:ext cx="0" cy="0"/>
+          <a:chOff x="0" y="0"/>
+          <a:chExt cx="0" cy="0"/>
+        </a:xfrm>
+      </p:grpSpPr>
+      <p:sp>
+        <p:nvSpPr>
+          <p:cNvPr id="2" name="Title 1"/>
+          <p:cNvSpPr>
+            <a:spLocks noGrp="1"/>
+          </p:cNvSpPr>
+          <p:nvPr>
+            <p:ph type="title"/>
+          </p:nvPr>
+        </p:nvSpPr>
+        <p:spPr/>
+        <p:txBody>
+          <a:bodyPr/>
+          <a:lstStyle/>
+          <a:p>
+            <a:r>
+              <a:rPr lang="en-US" dirty="0"/>
+              <a:t>Applications in Curricular Analytics</a:t>
+            </a:r>
+          </a:p>
+        </p:txBody>
+      </p:sp>
+      <p:sp>
+        <p:nvSpPr>
+          <p:cNvPr id="3" name="Content Placeholder 2"/>
+          <p:cNvSpPr>
+            <a:spLocks noGrp="1"/>
+          </p:cNvSpPr>
+          <p:nvPr>
+            <p:ph idx="1"/>
+          </p:nvPr>
+        </p:nvSpPr>
+        <p:spPr/>
+        <p:txBody>
+          <a:bodyPr>
+            <a:normAutofit/>
+          </a:bodyPr>
+          <a:lstStyle/>
+          <a:p>
+            <a:pPr marL="0" indent="0">
+              <a:lnSpc>
+                <a:spcPct val="100000"/>
+              </a:lnSpc>
+              <a:spcBef>
+                <a:spcPts val="0"/>
+              </a:spcBef>
+              <a:buNone/>
+            </a:pPr>
+            <a:r>
+              <a:rPr lang="en-US" dirty="0" smtClean="0"/>
+              <a:t>To answer this question, sensitivity analysis was performed over all courses in UNM’s accounting, mechanical engineering, and computer engineering programs.</a:t>
+            </a:r>
+          </a:p>
+          <a:p>
+            <a:pPr lvl="1">
+              <a:lnSpc>
+                <a:spcPct val="100000"/>
+              </a:lnSpc>
+              <a:spcBef>
+                <a:spcPts val="0"/>
+              </a:spcBef>
+            </a:pPr>
+            <a:r>
+              <a:rPr lang="en-US" dirty="0" smtClean="0"/>
+              <a:t>Students could take up to 18 credits/term</a:t>
+            </a:r>
+          </a:p>
+          <a:p>
+            <a:pPr lvl="1">
+              <a:lnSpc>
+                <a:spcPct val="100000"/>
+              </a:lnSpc>
+              <a:spcBef>
+                <a:spcPts val="0"/>
+              </a:spcBef>
+            </a:pPr>
+            <a:r>
+              <a:rPr lang="en-US" dirty="0" smtClean="0"/>
+              <a:t>Actual course pass rates were used.</a:t>
+            </a:r>
+          </a:p>
+          <a:p>
+            <a:pPr lvl="1">
+              <a:lnSpc>
+                <a:spcPct val="100000"/>
+              </a:lnSpc>
+              <a:spcBef>
+                <a:spcPts val="0"/>
+              </a:spcBef>
+            </a:pPr>
+            <a:r>
+              <a:rPr lang="en-US" dirty="0" smtClean="0"/>
+              <a:t>A baseline simulation is carried out. Then, one at a time, each courses pass rate is increased by 30% and is simulated.</a:t>
+            </a:r>
+          </a:p>
+          <a:p>
+            <a:pPr lvl="1">
+              <a:lnSpc>
+                <a:spcPct val="100000"/>
+              </a:lnSpc>
+              <a:spcBef>
+                <a:spcPts val="0"/>
+              </a:spcBef>
+            </a:pPr>
+            <a:r>
+              <a:rPr lang="en-US" dirty="0" smtClean="0"/>
+              <a:t>The change in 10</a:t>
+            </a:r>
+            <a:r>
+              <a:rPr lang="en-US" baseline="30000" dirty="0" smtClean="0"/>
+              <a:t>th</a:t>
+            </a:r>
+            <a:r>
+              <a:rPr lang="en-US" dirty="0" smtClean="0"/>
+              <a:t> term completion rate is recorded.</a:t>
+            </a:r>
+          </a:p>
+        </p:txBody>
+      </p:sp>
+    </p:spTree>
+    <p:extLst>
+      <p:ext uri="{BB962C8B-B14F-4D97-AF65-F5344CB8AC3E}">
+        <p14:creationId xmlns:p14="http://schemas.microsoft.com/office/powerpoint/2010/main" val="1076083948"/>
+      </p:ext>
+    </p:extLst>
+  </p:cSld>
+  <p:clrMapOvr>
+    <a:masterClrMapping/>
+  </p:clrMapOvr>
+  <p:timing>
+    <p:tnLst>
+      <p:par>
+        <p:cTn id="1" dur="indefinite" restart="never" nodeType="tmRoot"/>
+      </p:par>
+    </p:tnLst>
+  </p:timing>
+</p:sld>
+</file>
+
+<file path=ppt/slides/slide47.xml><?xml version="1.0" encoding="utf-8"?>
+<p:sld xmlns:a="http://schemas.openxmlformats.org/drawingml/2006/main" xmlns:r="http://schemas.openxmlformats.org/officeDocument/2006/relationships" xmlns:p="http://schemas.openxmlformats.org/presentationml/2006/main">
+  <p:cSld>
+    <p:spTree>
+      <p:nvGrpSpPr>
+        <p:cNvPr id="1" name=""/>
+        <p:cNvGrpSpPr/>
+        <p:nvPr/>
+      </p:nvGrpSpPr>
+      <p:grpSpPr>
+        <a:xfrm>
+          <a:off x="0" y="0"/>
+          <a:ext cx="0" cy="0"/>
+          <a:chOff x="0" y="0"/>
+          <a:chExt cx="0" cy="0"/>
+        </a:xfrm>
+      </p:grpSpPr>
+      <p:sp>
+        <p:nvSpPr>
+          <p:cNvPr id="2" name="Title 1"/>
+          <p:cNvSpPr>
+            <a:spLocks noGrp="1"/>
+          </p:cNvSpPr>
+          <p:nvPr>
+            <p:ph type="title"/>
+          </p:nvPr>
+        </p:nvSpPr>
+        <p:spPr/>
+        <p:txBody>
+          <a:bodyPr/>
+          <a:lstStyle/>
+          <a:p>
+            <a:r>
+              <a:rPr lang="en-US" dirty="0"/>
+              <a:t>Applications in Curricular Analytics</a:t>
+            </a:r>
+          </a:p>
+        </p:txBody>
+      </p:sp>
+      <p:sp>
+        <p:nvSpPr>
+          <p:cNvPr id="3" name="Text Placeholder 2"/>
+          <p:cNvSpPr>
+            <a:spLocks noGrp="1"/>
+          </p:cNvSpPr>
+          <p:nvPr>
+            <p:ph type="body" idx="1"/>
+          </p:nvPr>
+        </p:nvSpPr>
+        <p:spPr>
+          <a:xfrm>
+            <a:off x="4356099" y="1690688"/>
+            <a:ext cx="3516311" cy="823912"/>
+          </a:xfrm>
+        </p:spPr>
+        <p:txBody>
+          <a:bodyPr/>
+          <a:lstStyle/>
+          <a:p>
+            <a:r>
+              <a:rPr lang="en-US" dirty="0" smtClean="0"/>
+              <a:t>Computer Eng.</a:t>
+            </a:r>
+            <a:endParaRPr lang="en-US" dirty="0"/>
+          </a:p>
+        </p:txBody>
+      </p:sp>
+      <p:sp>
+        <p:nvSpPr>
+          <p:cNvPr id="4" name="Content Placeholder 3"/>
+          <p:cNvSpPr>
+            <a:spLocks noGrp="1"/>
+          </p:cNvSpPr>
+          <p:nvPr>
+            <p:ph sz="half" idx="2"/>
+          </p:nvPr>
+        </p:nvSpPr>
+        <p:spPr>
+          <a:xfrm>
+            <a:off x="4356099" y="2514600"/>
+            <a:ext cx="3516311" cy="3684588"/>
+          </a:xfrm>
+        </p:spPr>
+        <p:txBody>
+          <a:bodyPr/>
+          <a:lstStyle/>
+          <a:p>
+            <a:r>
+              <a:rPr lang="en-US" dirty="0" smtClean="0"/>
+              <a:t>MATH 162: 6.1%</a:t>
+            </a:r>
+          </a:p>
+          <a:p>
+            <a:r>
+              <a:rPr lang="en-US" dirty="0" smtClean="0"/>
+              <a:t>MATH 163: 5.5%</a:t>
+            </a:r>
+          </a:p>
+          <a:p>
+            <a:r>
+              <a:rPr lang="en-US" dirty="0" smtClean="0"/>
+              <a:t>PHYC 160: 2.8%</a:t>
+            </a:r>
+          </a:p>
+          <a:p>
+            <a:r>
+              <a:rPr lang="en-US" dirty="0" smtClean="0"/>
+              <a:t>MATH 264: 2.5%</a:t>
+            </a:r>
+          </a:p>
+          <a:p>
+            <a:r>
+              <a:rPr lang="en-US" dirty="0" smtClean="0"/>
+              <a:t>ECON 105: 2.4%</a:t>
+            </a:r>
+          </a:p>
+        </p:txBody>
+      </p:sp>
+      <p:sp>
+        <p:nvSpPr>
+          <p:cNvPr id="7" name="Text Placeholder 2"/>
+          <p:cNvSpPr>
+            <a:spLocks noGrp="1"/>
+          </p:cNvSpPr>
+          <p:nvPr>
+            <p:ph type="body" idx="1"/>
+          </p:nvPr>
+        </p:nvSpPr>
+        <p:spPr>
+          <a:xfrm>
+            <a:off x="7839077" y="1690688"/>
+            <a:ext cx="3516311" cy="823912"/>
+          </a:xfrm>
+        </p:spPr>
+        <p:txBody>
+          <a:bodyPr/>
+          <a:lstStyle/>
+          <a:p>
+            <a:r>
+              <a:rPr lang="en-US" dirty="0" smtClean="0"/>
+              <a:t>Mechanical Eng.</a:t>
+            </a:r>
+            <a:endParaRPr lang="en-US" dirty="0"/>
+          </a:p>
+        </p:txBody>
+      </p:sp>
+      <p:sp>
+        <p:nvSpPr>
+          <p:cNvPr id="8" name="Content Placeholder 3"/>
+          <p:cNvSpPr>
+            <a:spLocks noGrp="1"/>
+          </p:cNvSpPr>
+          <p:nvPr>
+            <p:ph sz="half" idx="2"/>
+          </p:nvPr>
+        </p:nvSpPr>
+        <p:spPr>
+          <a:xfrm>
+            <a:off x="7839077" y="2514600"/>
+            <a:ext cx="3516311" cy="3684588"/>
+          </a:xfrm>
+        </p:spPr>
+        <p:txBody>
+          <a:bodyPr/>
+          <a:lstStyle/>
+          <a:p>
+            <a:r>
+              <a:rPr lang="en-US" dirty="0" smtClean="0"/>
+              <a:t>MATH 162: 4.1%</a:t>
+            </a:r>
+          </a:p>
+          <a:p>
+            <a:r>
+              <a:rPr lang="en-US" dirty="0" smtClean="0"/>
+              <a:t>MATH 163: 4.0%</a:t>
+            </a:r>
+          </a:p>
+          <a:p>
+            <a:r>
+              <a:rPr lang="en-US" dirty="0" smtClean="0"/>
+              <a:t>MATH 264: 2.7%</a:t>
+            </a:r>
+          </a:p>
+          <a:p>
+            <a:r>
+              <a:rPr lang="en-US" dirty="0" smtClean="0"/>
+              <a:t>PHYC 160: 2.1%</a:t>
+            </a:r>
+          </a:p>
+          <a:p>
+            <a:r>
+              <a:rPr lang="en-US" dirty="0" smtClean="0"/>
+              <a:t>ECON 105: 2.1%</a:t>
+            </a:r>
+            <a:endParaRPr lang="en-US" dirty="0"/>
+          </a:p>
+        </p:txBody>
+      </p:sp>
+      <p:sp>
+        <p:nvSpPr>
+          <p:cNvPr id="9" name="Text Placeholder 2"/>
+          <p:cNvSpPr>
+            <a:spLocks noGrp="1"/>
+          </p:cNvSpPr>
+          <p:nvPr>
+            <p:ph type="body" idx="1"/>
+          </p:nvPr>
+        </p:nvSpPr>
+        <p:spPr>
+          <a:xfrm>
+            <a:off x="839788" y="1690688"/>
+            <a:ext cx="3516311" cy="823912"/>
+          </a:xfrm>
+        </p:spPr>
+        <p:txBody>
+          <a:bodyPr/>
+          <a:lstStyle/>
+          <a:p>
+            <a:r>
+              <a:rPr lang="en-US" dirty="0" smtClean="0"/>
+              <a:t>Accounting</a:t>
+            </a:r>
+            <a:endParaRPr lang="en-US" dirty="0"/>
+          </a:p>
+        </p:txBody>
+      </p:sp>
+      <p:sp>
+        <p:nvSpPr>
+          <p:cNvPr id="10" name="Content Placeholder 3"/>
+          <p:cNvSpPr>
+            <a:spLocks noGrp="1"/>
+          </p:cNvSpPr>
+          <p:nvPr>
+            <p:ph sz="half" idx="2"/>
+          </p:nvPr>
+        </p:nvSpPr>
+        <p:spPr>
+          <a:xfrm>
+            <a:off x="839788" y="2514600"/>
+            <a:ext cx="3516311" cy="3684588"/>
+          </a:xfrm>
+        </p:spPr>
+        <p:txBody>
+          <a:bodyPr/>
+          <a:lstStyle/>
+          <a:p>
+            <a:pPr marL="514350" indent="-514350">
+              <a:buFont typeface="+mj-lt"/>
+              <a:buAutoNum type="arabicPeriod"/>
+            </a:pPr>
+            <a:r>
+              <a:rPr lang="en-US" dirty="0" smtClean="0"/>
+              <a:t>MATH 180: 2.8%</a:t>
+            </a:r>
+          </a:p>
+          <a:p>
+            <a:pPr marL="514350" indent="-514350">
+              <a:buFont typeface="+mj-lt"/>
+              <a:buAutoNum type="arabicPeriod"/>
+            </a:pPr>
+            <a:r>
+              <a:rPr lang="en-US" dirty="0" smtClean="0"/>
+              <a:t>MGMT 202: 2.8%</a:t>
+            </a:r>
+          </a:p>
+          <a:p>
+            <a:pPr marL="514350" indent="-514350">
+              <a:buFont typeface="+mj-lt"/>
+              <a:buAutoNum type="arabicPeriod"/>
+            </a:pPr>
+            <a:r>
+              <a:rPr lang="en-US" dirty="0" smtClean="0"/>
+              <a:t>MATH 121: 2.7%</a:t>
+            </a:r>
+          </a:p>
+          <a:p>
+            <a:pPr marL="514350" indent="-514350">
+              <a:buFont typeface="+mj-lt"/>
+              <a:buAutoNum type="arabicPeriod"/>
+            </a:pPr>
+            <a:r>
+              <a:rPr lang="en-US" dirty="0" smtClean="0"/>
+              <a:t>ECON 105: 2.2%</a:t>
+            </a:r>
+          </a:p>
+          <a:p>
+            <a:pPr marL="514350" indent="-514350">
+              <a:buFont typeface="+mj-lt"/>
+              <a:buAutoNum type="arabicPeriod"/>
+            </a:pPr>
+            <a:r>
+              <a:rPr lang="en-US" dirty="0" smtClean="0"/>
+              <a:t>ECON 106: 2.2%</a:t>
+            </a:r>
+            <a:endParaRPr lang="en-US" dirty="0"/>
+          </a:p>
+        </p:txBody>
+      </p:sp>
+    </p:spTree>
+    <p:extLst>
+      <p:ext uri="{BB962C8B-B14F-4D97-AF65-F5344CB8AC3E}">
+        <p14:creationId xmlns:p14="http://schemas.microsoft.com/office/powerpoint/2010/main" val="146806393"/>
+      </p:ext>
+    </p:extLst>
+  </p:cSld>
+  <p:clrMapOvr>
+    <a:masterClrMapping/>
+  </p:clrMapOvr>
+  <p:timing>
+    <p:tnLst>
+      <p:par>
+        <p:cTn id="1" dur="indefinite" restart="never" nodeType="tmRoot"/>
+      </p:par>
+    </p:tnLst>
+  </p:timing>
+</p:sld>
+</file>
+
+<file path=ppt/slides/slide48.xml><?xml version="1.0" encoding="utf-8"?>
+<p:sld xmlns:a="http://schemas.openxmlformats.org/drawingml/2006/main" xmlns:r="http://schemas.openxmlformats.org/officeDocument/2006/relationships" xmlns:p="http://schemas.openxmlformats.org/presentationml/2006/main">
+  <p:cSld>
+    <p:spTree>
+      <p:nvGrpSpPr>
+        <p:cNvPr id="1" name=""/>
+        <p:cNvGrpSpPr/>
+        <p:nvPr/>
+      </p:nvGrpSpPr>
+      <p:grpSpPr>
+        <a:xfrm>
+          <a:off x="0" y="0"/>
+          <a:ext cx="0" cy="0"/>
+          <a:chOff x="0" y="0"/>
+          <a:chExt cx="0" cy="0"/>
+        </a:xfrm>
+      </p:grpSpPr>
+      <p:sp>
+        <p:nvSpPr>
+          <p:cNvPr id="2" name="Title 1"/>
+          <p:cNvSpPr>
+            <a:spLocks noGrp="1"/>
+          </p:cNvSpPr>
+          <p:nvPr>
+            <p:ph type="title"/>
+          </p:nvPr>
+        </p:nvSpPr>
+        <p:spPr/>
+        <p:txBody>
+          <a:bodyPr/>
+          <a:lstStyle/>
+          <a:p>
+            <a:r>
+              <a:rPr lang="en-US" dirty="0" smtClean="0"/>
+              <a:t>Future Work</a:t>
+            </a:r>
+            <a:endParaRPr lang="en-US" dirty="0"/>
+          </a:p>
+        </p:txBody>
+      </p:sp>
+      <p:sp>
+        <p:nvSpPr>
+          <p:cNvPr id="3" name="Text Placeholder 2"/>
+          <p:cNvSpPr>
+            <a:spLocks noGrp="1"/>
+          </p:cNvSpPr>
+          <p:nvPr>
+            <p:ph type="body" idx="1"/>
+          </p:nvPr>
+        </p:nvSpPr>
+        <p:spPr/>
+        <p:txBody>
+          <a:bodyPr/>
+          <a:lstStyle/>
+          <a:p>
+            <a:endParaRPr lang="en-US"/>
+          </a:p>
+        </p:txBody>
+      </p:sp>
+    </p:spTree>
+    <p:extLst>
+      <p:ext uri="{BB962C8B-B14F-4D97-AF65-F5344CB8AC3E}">
+        <p14:creationId xmlns:p14="http://schemas.microsoft.com/office/powerpoint/2010/main" val="35977804"/>
+      </p:ext>
+    </p:extLst>
+  </p:cSld>
+  <p:clrMapOvr>
+    <a:masterClrMapping/>
+  </p:clrMapOvr>
+  <p:timing>
+    <p:tnLst>
+      <p:par>
+        <p:cTn id="1" dur="indefinite" restart="never" nodeType="tmRoot"/>
+      </p:par>
+    </p:tnLst>
+  </p:timing>
+</p:sld>
+</file>
+
+<file path=ppt/slides/slide49.xml><?xml version="1.0" encoding="utf-8"?>
+<p:sld xmlns:a="http://schemas.openxmlformats.org/drawingml/2006/main" xmlns:r="http://schemas.openxmlformats.org/officeDocument/2006/relationships" xmlns:p="http://schemas.openxmlformats.org/presentationml/2006/main">
+  <p:cSld>
+    <p:spTree>
+      <p:nvGrpSpPr>
+        <p:cNvPr id="1" name=""/>
+        <p:cNvGrpSpPr/>
+        <p:nvPr/>
+      </p:nvGrpSpPr>
+      <p:grpSpPr>
+        <a:xfrm>
+          <a:off x="0" y="0"/>
+          <a:ext cx="0" cy="0"/>
+          <a:chOff x="0" y="0"/>
+          <a:chExt cx="0" cy="0"/>
+        </a:xfrm>
+      </p:grpSpPr>
+      <p:sp>
+        <p:nvSpPr>
+          <p:cNvPr id="2" name="Title 1"/>
+          <p:cNvSpPr>
+            <a:spLocks noGrp="1"/>
+          </p:cNvSpPr>
+          <p:nvPr>
+            <p:ph type="title"/>
+          </p:nvPr>
+        </p:nvSpPr>
+        <p:spPr/>
+        <p:txBody>
+          <a:bodyPr/>
+          <a:lstStyle/>
+          <a:p>
+            <a:r>
+              <a:rPr lang="en-US" dirty="0" smtClean="0"/>
+              <a:t>Future Work</a:t>
+            </a:r>
+            <a:endParaRPr lang="en-US" dirty="0"/>
+          </a:p>
+        </p:txBody>
+      </p:sp>
+      <p:sp>
+        <p:nvSpPr>
+          <p:cNvPr id="3" name="Content Placeholder 2"/>
+          <p:cNvSpPr>
+            <a:spLocks noGrp="1"/>
+          </p:cNvSpPr>
+          <p:nvPr>
+            <p:ph idx="1"/>
+          </p:nvPr>
+        </p:nvSpPr>
+        <p:spPr/>
+        <p:txBody>
+          <a:bodyPr>
+            <a:normAutofit lnSpcReduction="10000"/>
+          </a:bodyPr>
+          <a:lstStyle/>
+          <a:p>
+            <a:pPr marL="0" indent="0">
+              <a:lnSpc>
+                <a:spcPct val="100000"/>
+              </a:lnSpc>
+              <a:spcBef>
+                <a:spcPts val="0"/>
+              </a:spcBef>
+              <a:buNone/>
+            </a:pPr>
+            <a:r>
+              <a:rPr lang="en-US" b="1" dirty="0" smtClean="0"/>
+              <a:t>CASL</a:t>
+            </a:r>
+          </a:p>
+          <a:p>
+            <a:pPr>
+              <a:lnSpc>
+                <a:spcPct val="100000"/>
+              </a:lnSpc>
+              <a:spcBef>
+                <a:spcPts val="0"/>
+              </a:spcBef>
+            </a:pPr>
+            <a:r>
+              <a:rPr lang="en-US" dirty="0" smtClean="0"/>
+              <a:t>Overall polish (error handling, docs, etc.)</a:t>
+            </a:r>
+          </a:p>
+          <a:p>
+            <a:pPr>
+              <a:lnSpc>
+                <a:spcPct val="100000"/>
+              </a:lnSpc>
+              <a:spcBef>
+                <a:spcPts val="0"/>
+              </a:spcBef>
+            </a:pPr>
+            <a:r>
+              <a:rPr lang="en-US" dirty="0" smtClean="0"/>
+              <a:t>Development of more course performance modules.</a:t>
+            </a:r>
+          </a:p>
+          <a:p>
+            <a:pPr>
+              <a:lnSpc>
+                <a:spcPct val="100000"/>
+              </a:lnSpc>
+              <a:spcBef>
+                <a:spcPts val="0"/>
+              </a:spcBef>
+            </a:pPr>
+            <a:r>
+              <a:rPr lang="en-US" dirty="0" smtClean="0"/>
+              <a:t>More flexibility in how students are enrolled.</a:t>
+            </a:r>
+          </a:p>
+          <a:p>
+            <a:pPr>
+              <a:lnSpc>
+                <a:spcPct val="100000"/>
+              </a:lnSpc>
+              <a:spcBef>
+                <a:spcPts val="0"/>
+              </a:spcBef>
+            </a:pPr>
+            <a:r>
+              <a:rPr lang="en-US" dirty="0" smtClean="0"/>
+              <a:t>Integration with </a:t>
+            </a:r>
+            <a:r>
+              <a:rPr lang="en-US" dirty="0" err="1" smtClean="0"/>
+              <a:t>curricula.academicdashboards.org</a:t>
+            </a:r>
+            <a:endParaRPr lang="en-US" dirty="0" smtClean="0"/>
+          </a:p>
+          <a:p>
+            <a:pPr>
+              <a:lnSpc>
+                <a:spcPct val="100000"/>
+              </a:lnSpc>
+              <a:spcBef>
+                <a:spcPts val="0"/>
+              </a:spcBef>
+            </a:pPr>
+            <a:r>
+              <a:rPr lang="en-US" dirty="0" smtClean="0"/>
+              <a:t>Visualizations</a:t>
+            </a:r>
+          </a:p>
+          <a:p>
+            <a:pPr>
+              <a:lnSpc>
+                <a:spcPct val="100000"/>
+              </a:lnSpc>
+              <a:spcBef>
+                <a:spcPts val="0"/>
+              </a:spcBef>
+            </a:pPr>
+            <a:endParaRPr lang="en-US" dirty="0"/>
+          </a:p>
+          <a:p>
+            <a:pPr marL="0" indent="0">
+              <a:lnSpc>
+                <a:spcPct val="100000"/>
+              </a:lnSpc>
+              <a:spcBef>
+                <a:spcPts val="0"/>
+              </a:spcBef>
+              <a:buNone/>
+            </a:pPr>
+            <a:r>
+              <a:rPr lang="en-US" b="1" dirty="0" smtClean="0"/>
+              <a:t>Analytics</a:t>
+            </a:r>
+            <a:endParaRPr lang="en-US" dirty="0" smtClean="0"/>
+          </a:p>
+          <a:p>
+            <a:pPr>
+              <a:lnSpc>
+                <a:spcPct val="100000"/>
+              </a:lnSpc>
+              <a:spcBef>
+                <a:spcPts val="0"/>
+              </a:spcBef>
+            </a:pPr>
+            <a:r>
+              <a:rPr lang="en-US" dirty="0" smtClean="0"/>
+              <a:t>Complexity simulations using student characteristics</a:t>
+            </a:r>
+          </a:p>
+          <a:p>
+            <a:pPr>
+              <a:lnSpc>
+                <a:spcPct val="100000"/>
+              </a:lnSpc>
+              <a:spcBef>
+                <a:spcPts val="0"/>
+              </a:spcBef>
+            </a:pPr>
+            <a:r>
+              <a:rPr lang="en-US" dirty="0" smtClean="0"/>
+              <a:t>Predictive simulations</a:t>
+            </a:r>
+          </a:p>
+          <a:p>
+            <a:pPr>
+              <a:lnSpc>
+                <a:spcPct val="100000"/>
+              </a:lnSpc>
+              <a:spcBef>
+                <a:spcPts val="0"/>
+              </a:spcBef>
+            </a:pPr>
+            <a:r>
+              <a:rPr lang="en-US" dirty="0" smtClean="0"/>
+              <a:t>Continue to develop better characterizations for curricular complexity</a:t>
+            </a:r>
+          </a:p>
+          <a:p>
+            <a:pPr>
+              <a:lnSpc>
+                <a:spcPct val="100000"/>
+              </a:lnSpc>
+              <a:spcBef>
+                <a:spcPts val="0"/>
+              </a:spcBef>
+            </a:pPr>
+            <a:endParaRPr lang="en-US" dirty="0"/>
+          </a:p>
+          <a:p>
+            <a:pPr>
+              <a:lnSpc>
+                <a:spcPct val="100000"/>
+              </a:lnSpc>
+              <a:spcBef>
+                <a:spcPts val="0"/>
+              </a:spcBef>
+            </a:pPr>
+            <a:endParaRPr lang="en-US" dirty="0" smtClean="0"/>
+          </a:p>
+        </p:txBody>
+      </p:sp>
+    </p:spTree>
+    <p:extLst>
+      <p:ext uri="{BB962C8B-B14F-4D97-AF65-F5344CB8AC3E}">
+        <p14:creationId xmlns:p14="http://schemas.microsoft.com/office/powerpoint/2010/main" val="1437561606"/>
       </p:ext>
     </p:extLst>
   </p:cSld>
@@ -8788,6 +14238,85 @@
   <p:clrMapOvr>
     <a:masterClrMapping/>
   </p:clrMapOvr>
+</p:sld>
+</file>
+
+<file path=ppt/slides/slide50.xml><?xml version="1.0" encoding="utf-8"?>
+<p:sld xmlns:a="http://schemas.openxmlformats.org/drawingml/2006/main" xmlns:r="http://schemas.openxmlformats.org/officeDocument/2006/relationships" xmlns:p="http://schemas.openxmlformats.org/presentationml/2006/main">
+  <p:cSld>
+    <p:spTree>
+      <p:nvGrpSpPr>
+        <p:cNvPr id="1" name=""/>
+        <p:cNvGrpSpPr/>
+        <p:nvPr/>
+      </p:nvGrpSpPr>
+      <p:grpSpPr>
+        <a:xfrm>
+          <a:off x="0" y="0"/>
+          <a:ext cx="0" cy="0"/>
+          <a:chOff x="0" y="0"/>
+          <a:chExt cx="0" cy="0"/>
+        </a:xfrm>
+      </p:grpSpPr>
+      <p:sp>
+        <p:nvSpPr>
+          <p:cNvPr id="2" name="Title 1"/>
+          <p:cNvSpPr>
+            <a:spLocks noGrp="1"/>
+          </p:cNvSpPr>
+          <p:nvPr>
+            <p:ph type="title"/>
+          </p:nvPr>
+        </p:nvSpPr>
+        <p:spPr/>
+        <p:txBody>
+          <a:bodyPr/>
+          <a:lstStyle/>
+          <a:p>
+            <a:r>
+              <a:rPr lang="en-US" dirty="0" smtClean="0"/>
+              <a:t>Questions?</a:t>
+            </a:r>
+            <a:endParaRPr lang="en-US" dirty="0"/>
+          </a:p>
+        </p:txBody>
+      </p:sp>
+      <p:sp>
+        <p:nvSpPr>
+          <p:cNvPr id="3" name="Text Placeholder 2"/>
+          <p:cNvSpPr>
+            <a:spLocks noGrp="1"/>
+          </p:cNvSpPr>
+          <p:nvPr>
+            <p:ph type="body" idx="1"/>
+          </p:nvPr>
+        </p:nvSpPr>
+        <p:spPr/>
+        <p:txBody>
+          <a:bodyPr/>
+          <a:lstStyle/>
+          <a:p>
+            <a:endParaRPr lang="en-US"/>
+          </a:p>
+        </p:txBody>
+      </p:sp>
+    </p:spTree>
+    <p:extLst>
+      <p:ext uri="{BB962C8B-B14F-4D97-AF65-F5344CB8AC3E}">
+        <p14:creationId xmlns:p14="http://schemas.microsoft.com/office/powerpoint/2010/main" val="1759226815"/>
+      </p:ext>
+    </p:extLst>
+  </p:cSld>
+  <p:clrMapOvr>
+    <a:masterClrMapping/>
+  </p:clrMapOvr>
+  <p:timing>
+    <p:tnLst>
+      <p:par>
+        <p:cTn id="1" dur="indefinite" restart="never" nodeType="tmRoot"/>
+      </p:par>
+    </p:tnLst>
+  </p:timing>
 </p:sld>
 </file>
 
@@ -9566,7 +15095,7 @@
 <file path=ppt/theme/theme1.xml><?xml version="1.0" encoding="utf-8"?>
 <a:theme xmlns:a="http://schemas.openxmlformats.org/drawingml/2006/main" name="Office Theme">
   <a:themeElements>
-    <a:clrScheme name="Office">
+    <a:clrScheme name="Office Theme">
       <a:dk1>
         <a:sysClr val="windowText" lastClr="000000"/>
       </a:dk1>
@@ -9604,14 +15133,14 @@
         <a:srgbClr val="954F72"/>
       </a:folHlink>
     </a:clrScheme>
-    <a:fontScheme name="Office">
+    <a:fontScheme name="Office Theme">
       <a:majorFont>
         <a:latin typeface="Calibri Light" panose="020F0302020204030204"/>
         <a:ea typeface=""/>
         <a:cs typeface=""/>
-        <a:font script="Jpan" typeface="Yu Gothic Light"/>
+        <a:font script="Jpan" typeface="ＭＳ Ｐゴシック"/>
         <a:font script="Hang" typeface="맑은 고딕"/>
-        <a:font script="Hans" typeface="DengXian Light"/>
+        <a:font script="Hans" typeface="宋体"/>
         <a:font script="Hant" typeface="新細明體"/>
         <a:font script="Arab" typeface="Times New Roman"/>
         <a:font script="Hebr" typeface="Times New Roman"/>
@@ -9644,9 +15173,9 @@
         <a:latin typeface="Calibri" panose="020F0502020204030204"/>
         <a:ea typeface=""/>
         <a:cs typeface=""/>
-        <a:font script="Jpan" typeface="Yu Gothic"/>
+        <a:font script="Jpan" typeface="ＭＳ Ｐゴシック"/>
         <a:font script="Hang" typeface="맑은 고딕"/>
-        <a:font script="Hans" typeface="DengXian"/>
+        <a:font script="Hans" typeface="宋体"/>
         <a:font script="Hant" typeface="新細明體"/>
         <a:font script="Arab" typeface="Arial"/>
         <a:font script="Hebr" typeface="Arial"/>
@@ -9676,7 +15205,7 @@
         <a:font script="Geor" typeface="Sylfaen"/>
       </a:minorFont>
     </a:fontScheme>
-    <a:fmtScheme name="Office">
+    <a:fmtScheme name="Office Theme">
       <a:fillStyleLst>
         <a:solidFill>
           <a:schemeClr val="phClr"/>

--- a/Defense.pptx
+++ b/Defense.pptx
@@ -5,7 +5,7 @@
     <p:sldMasterId id="2147484056" r:id="rId1"/>
   </p:sldMasterIdLst>
   <p:notesMasterIdLst>
-    <p:notesMasterId r:id="rId52"/>
+    <p:notesMasterId r:id="rId50"/>
   </p:notesMasterIdLst>
   <p:sldIdLst>
     <p:sldId id="256" r:id="rId2"/>
@@ -13,51 +13,49 @@
     <p:sldId id="263" r:id="rId4"/>
     <p:sldId id="258" r:id="rId5"/>
     <p:sldId id="259" r:id="rId6"/>
-    <p:sldId id="262" r:id="rId7"/>
-    <p:sldId id="261" r:id="rId8"/>
-    <p:sldId id="264" r:id="rId9"/>
-    <p:sldId id="265" r:id="rId10"/>
-    <p:sldId id="271" r:id="rId11"/>
-    <p:sldId id="272" r:id="rId12"/>
-    <p:sldId id="273" r:id="rId13"/>
-    <p:sldId id="274" r:id="rId14"/>
-    <p:sldId id="275" r:id="rId15"/>
-    <p:sldId id="276" r:id="rId16"/>
-    <p:sldId id="266" r:id="rId17"/>
-    <p:sldId id="270" r:id="rId18"/>
-    <p:sldId id="269" r:id="rId19"/>
-    <p:sldId id="277" r:id="rId20"/>
-    <p:sldId id="279" r:id="rId21"/>
-    <p:sldId id="280" r:id="rId22"/>
-    <p:sldId id="282" r:id="rId23"/>
-    <p:sldId id="267" r:id="rId24"/>
-    <p:sldId id="283" r:id="rId25"/>
-    <p:sldId id="284" r:id="rId26"/>
-    <p:sldId id="285" r:id="rId27"/>
-    <p:sldId id="286" r:id="rId28"/>
-    <p:sldId id="278" r:id="rId29"/>
-    <p:sldId id="288" r:id="rId30"/>
-    <p:sldId id="289" r:id="rId31"/>
-    <p:sldId id="290" r:id="rId32"/>
-    <p:sldId id="291" r:id="rId33"/>
-    <p:sldId id="292" r:id="rId34"/>
-    <p:sldId id="293" r:id="rId35"/>
-    <p:sldId id="294" r:id="rId36"/>
-    <p:sldId id="295" r:id="rId37"/>
-    <p:sldId id="296" r:id="rId38"/>
-    <p:sldId id="297" r:id="rId39"/>
-    <p:sldId id="298" r:id="rId40"/>
-    <p:sldId id="299" r:id="rId41"/>
-    <p:sldId id="300" r:id="rId42"/>
-    <p:sldId id="301" r:id="rId43"/>
-    <p:sldId id="302" r:id="rId44"/>
-    <p:sldId id="304" r:id="rId45"/>
-    <p:sldId id="305" r:id="rId46"/>
-    <p:sldId id="306" r:id="rId47"/>
-    <p:sldId id="307" r:id="rId48"/>
-    <p:sldId id="268" r:id="rId49"/>
-    <p:sldId id="309" r:id="rId50"/>
-    <p:sldId id="303" r:id="rId51"/>
+    <p:sldId id="261" r:id="rId7"/>
+    <p:sldId id="264" r:id="rId8"/>
+    <p:sldId id="271" r:id="rId9"/>
+    <p:sldId id="272" r:id="rId10"/>
+    <p:sldId id="273" r:id="rId11"/>
+    <p:sldId id="274" r:id="rId12"/>
+    <p:sldId id="275" r:id="rId13"/>
+    <p:sldId id="276" r:id="rId14"/>
+    <p:sldId id="266" r:id="rId15"/>
+    <p:sldId id="270" r:id="rId16"/>
+    <p:sldId id="269" r:id="rId17"/>
+    <p:sldId id="277" r:id="rId18"/>
+    <p:sldId id="279" r:id="rId19"/>
+    <p:sldId id="280" r:id="rId20"/>
+    <p:sldId id="282" r:id="rId21"/>
+    <p:sldId id="267" r:id="rId22"/>
+    <p:sldId id="283" r:id="rId23"/>
+    <p:sldId id="284" r:id="rId24"/>
+    <p:sldId id="285" r:id="rId25"/>
+    <p:sldId id="286" r:id="rId26"/>
+    <p:sldId id="278" r:id="rId27"/>
+    <p:sldId id="288" r:id="rId28"/>
+    <p:sldId id="289" r:id="rId29"/>
+    <p:sldId id="290" r:id="rId30"/>
+    <p:sldId id="291" r:id="rId31"/>
+    <p:sldId id="292" r:id="rId32"/>
+    <p:sldId id="293" r:id="rId33"/>
+    <p:sldId id="294" r:id="rId34"/>
+    <p:sldId id="295" r:id="rId35"/>
+    <p:sldId id="296" r:id="rId36"/>
+    <p:sldId id="297" r:id="rId37"/>
+    <p:sldId id="298" r:id="rId38"/>
+    <p:sldId id="299" r:id="rId39"/>
+    <p:sldId id="300" r:id="rId40"/>
+    <p:sldId id="301" r:id="rId41"/>
+    <p:sldId id="302" r:id="rId42"/>
+    <p:sldId id="304" r:id="rId43"/>
+    <p:sldId id="305" r:id="rId44"/>
+    <p:sldId id="306" r:id="rId45"/>
+    <p:sldId id="307" r:id="rId46"/>
+    <p:sldId id="268" r:id="rId47"/>
+    <p:sldId id="309" r:id="rId48"/>
+    <p:sldId id="303" r:id="rId49"/>
   </p:sldIdLst>
   <p:sldSz cx="12192000" cy="6858000"/>
   <p:notesSz cx="6858000" cy="9144000"/>
@@ -246,7 +244,7 @@
           <a:p>
             <a:fld id="{BDC86BDB-CC9A-ED40-9AF5-E71DD20094E1}" type="datetimeFigureOut">
               <a:rPr lang="en-US" smtClean="0"/>
-              <a:t>5/14/17</a:t>
+              <a:t>5/15/17</a:t>
             </a:fld>
             <a:endParaRPr lang="en-US"/>
           </a:p>
@@ -663,7 +661,7 @@
           <a:p>
             <a:fld id="{FA96522B-57BD-D24F-8B23-FEC206FF4124}" type="slidenum">
               <a:rPr lang="en-US" smtClean="0"/>
-              <a:t>46</a:t>
+              <a:t>41</a:t>
             </a:fld>
             <a:endParaRPr lang="en-US"/>
           </a:p>
@@ -672,7 +670,7 @@
     </p:spTree>
     <p:extLst>
       <p:ext uri="{BB962C8B-B14F-4D97-AF65-F5344CB8AC3E}">
-        <p14:creationId xmlns:p14="http://schemas.microsoft.com/office/powerpoint/2010/main" val="1783122649"/>
+        <p14:creationId xmlns:p14="http://schemas.microsoft.com/office/powerpoint/2010/main" val="14985023"/>
       </p:ext>
     </p:extLst>
   </p:cSld>
@@ -726,6 +724,14 @@
           <a:bodyPr/>
           <a:lstStyle/>
           <a:p>
+            <a:r>
+              <a:rPr lang="en-US" dirty="0" smtClean="0"/>
+              <a:t>Move</a:t>
+            </a:r>
+            <a:r>
+              <a:rPr lang="en-US" baseline="0" dirty="0" smtClean="0"/>
+              <a:t> into next</a:t>
+            </a:r>
             <a:endParaRPr lang="en-US" dirty="0"/>
           </a:p>
         </p:txBody>
@@ -747,7 +753,175 @@
           <a:p>
             <a:fld id="{FA96522B-57BD-D24F-8B23-FEC206FF4124}" type="slidenum">
               <a:rPr lang="en-US" smtClean="0"/>
-              <a:t>49</a:t>
+              <a:t>43</a:t>
+            </a:fld>
+            <a:endParaRPr lang="en-US"/>
+          </a:p>
+        </p:txBody>
+      </p:sp>
+    </p:spTree>
+    <p:extLst>
+      <p:ext uri="{BB962C8B-B14F-4D97-AF65-F5344CB8AC3E}">
+        <p14:creationId xmlns:p14="http://schemas.microsoft.com/office/powerpoint/2010/main" val="1938015953"/>
+      </p:ext>
+    </p:extLst>
+  </p:cSld>
+  <p:clrMapOvr>
+    <a:masterClrMapping/>
+  </p:clrMapOvr>
+</p:notes>
+</file>
+
+<file path=ppt/notesSlides/notesSlide12.xml><?xml version="1.0" encoding="utf-8"?>
+<p:notes xmlns:a="http://schemas.openxmlformats.org/drawingml/2006/main" xmlns:r="http://schemas.openxmlformats.org/officeDocument/2006/relationships" xmlns:p="http://schemas.openxmlformats.org/presentationml/2006/main">
+  <p:cSld>
+    <p:spTree>
+      <p:nvGrpSpPr>
+        <p:cNvPr id="1" name=""/>
+        <p:cNvGrpSpPr/>
+        <p:nvPr/>
+      </p:nvGrpSpPr>
+      <p:grpSpPr>
+        <a:xfrm>
+          <a:off x="0" y="0"/>
+          <a:ext cx="0" cy="0"/>
+          <a:chOff x="0" y="0"/>
+          <a:chExt cx="0" cy="0"/>
+        </a:xfrm>
+      </p:grpSpPr>
+      <p:sp>
+        <p:nvSpPr>
+          <p:cNvPr id="2" name="Slide Image Placeholder 1"/>
+          <p:cNvSpPr>
+            <a:spLocks noGrp="1" noRot="1" noChangeAspect="1"/>
+          </p:cNvSpPr>
+          <p:nvPr>
+            <p:ph type="sldImg"/>
+          </p:nvPr>
+        </p:nvSpPr>
+        <p:spPr/>
+      </p:sp>
+      <p:sp>
+        <p:nvSpPr>
+          <p:cNvPr id="3" name="Notes Placeholder 2"/>
+          <p:cNvSpPr>
+            <a:spLocks noGrp="1"/>
+          </p:cNvSpPr>
+          <p:nvPr>
+            <p:ph type="body" idx="1"/>
+          </p:nvPr>
+        </p:nvSpPr>
+        <p:spPr/>
+        <p:txBody>
+          <a:bodyPr/>
+          <a:lstStyle/>
+          <a:p>
+            <a:endParaRPr lang="en-US" dirty="0"/>
+          </a:p>
+        </p:txBody>
+      </p:sp>
+      <p:sp>
+        <p:nvSpPr>
+          <p:cNvPr id="4" name="Slide Number Placeholder 3"/>
+          <p:cNvSpPr>
+            <a:spLocks noGrp="1"/>
+          </p:cNvSpPr>
+          <p:nvPr>
+            <p:ph type="sldNum" sz="quarter" idx="10"/>
+          </p:nvPr>
+        </p:nvSpPr>
+        <p:spPr/>
+        <p:txBody>
+          <a:bodyPr/>
+          <a:lstStyle/>
+          <a:p>
+            <a:fld id="{FA96522B-57BD-D24F-8B23-FEC206FF4124}" type="slidenum">
+              <a:rPr lang="en-US" smtClean="0"/>
+              <a:t>44</a:t>
+            </a:fld>
+            <a:endParaRPr lang="en-US"/>
+          </a:p>
+        </p:txBody>
+      </p:sp>
+    </p:spTree>
+    <p:extLst>
+      <p:ext uri="{BB962C8B-B14F-4D97-AF65-F5344CB8AC3E}">
+        <p14:creationId xmlns:p14="http://schemas.microsoft.com/office/powerpoint/2010/main" val="1783122649"/>
+      </p:ext>
+    </p:extLst>
+  </p:cSld>
+  <p:clrMapOvr>
+    <a:masterClrMapping/>
+  </p:clrMapOvr>
+</p:notes>
+</file>
+
+<file path=ppt/notesSlides/notesSlide13.xml><?xml version="1.0" encoding="utf-8"?>
+<p:notes xmlns:a="http://schemas.openxmlformats.org/drawingml/2006/main" xmlns:r="http://schemas.openxmlformats.org/officeDocument/2006/relationships" xmlns:p="http://schemas.openxmlformats.org/presentationml/2006/main">
+  <p:cSld>
+    <p:spTree>
+      <p:nvGrpSpPr>
+        <p:cNvPr id="1" name=""/>
+        <p:cNvGrpSpPr/>
+        <p:nvPr/>
+      </p:nvGrpSpPr>
+      <p:grpSpPr>
+        <a:xfrm>
+          <a:off x="0" y="0"/>
+          <a:ext cx="0" cy="0"/>
+          <a:chOff x="0" y="0"/>
+          <a:chExt cx="0" cy="0"/>
+        </a:xfrm>
+      </p:grpSpPr>
+      <p:sp>
+        <p:nvSpPr>
+          <p:cNvPr id="2" name="Slide Image Placeholder 1"/>
+          <p:cNvSpPr>
+            <a:spLocks noGrp="1" noRot="1" noChangeAspect="1"/>
+          </p:cNvSpPr>
+          <p:nvPr>
+            <p:ph type="sldImg"/>
+          </p:nvPr>
+        </p:nvSpPr>
+        <p:spPr/>
+      </p:sp>
+      <p:sp>
+        <p:nvSpPr>
+          <p:cNvPr id="3" name="Notes Placeholder 2"/>
+          <p:cNvSpPr>
+            <a:spLocks noGrp="1"/>
+          </p:cNvSpPr>
+          <p:nvPr>
+            <p:ph type="body" idx="1"/>
+          </p:nvPr>
+        </p:nvSpPr>
+        <p:spPr/>
+        <p:txBody>
+          <a:bodyPr/>
+          <a:lstStyle/>
+          <a:p>
+            <a:endParaRPr lang="en-US" dirty="0"/>
+          </a:p>
+        </p:txBody>
+      </p:sp>
+      <p:sp>
+        <p:nvSpPr>
+          <p:cNvPr id="4" name="Slide Number Placeholder 3"/>
+          <p:cNvSpPr>
+            <a:spLocks noGrp="1"/>
+          </p:cNvSpPr>
+          <p:nvPr>
+            <p:ph type="sldNum" sz="quarter" idx="10"/>
+          </p:nvPr>
+        </p:nvSpPr>
+        <p:spPr/>
+        <p:txBody>
+          <a:bodyPr/>
+          <a:lstStyle/>
+          <a:p>
+            <a:fld id="{FA96522B-57BD-D24F-8B23-FEC206FF4124}" type="slidenum">
+              <a:rPr lang="en-US" smtClean="0"/>
+              <a:t>47</a:t>
             </a:fld>
             <a:endParaRPr lang="en-US"/>
           </a:p>
@@ -840,7 +1014,7 @@
     </p:spTree>
     <p:extLst>
       <p:ext uri="{BB962C8B-B14F-4D97-AF65-F5344CB8AC3E}">
-        <p14:creationId xmlns:p14="http://schemas.microsoft.com/office/powerpoint/2010/main" val="2111088726"/>
+        <p14:creationId xmlns:p14="http://schemas.microsoft.com/office/powerpoint/2010/main" val="1698014135"/>
       </p:ext>
     </p:extLst>
   </p:cSld>
@@ -894,6 +1068,14 @@
           <a:bodyPr/>
           <a:lstStyle/>
           <a:p>
+            <a:r>
+              <a:rPr lang="en-US" dirty="0" err="1" smtClean="0"/>
+              <a:t>Mabe</a:t>
+            </a:r>
+            <a:r>
+              <a:rPr lang="en-US" baseline="0" dirty="0" smtClean="0"/>
+              <a:t> remove?</a:t>
+            </a:r>
             <a:endParaRPr lang="en-US" dirty="0"/>
           </a:p>
         </p:txBody>
@@ -915,7 +1097,7 @@
           <a:p>
             <a:fld id="{FA96522B-57BD-D24F-8B23-FEC206FF4124}" type="slidenum">
               <a:rPr lang="en-US" smtClean="0"/>
-              <a:t>7</a:t>
+              <a:t>18</a:t>
             </a:fld>
             <a:endParaRPr lang="en-US"/>
           </a:p>
@@ -924,7 +1106,7 @@
     </p:spTree>
     <p:extLst>
       <p:ext uri="{BB962C8B-B14F-4D97-AF65-F5344CB8AC3E}">
-        <p14:creationId xmlns:p14="http://schemas.microsoft.com/office/powerpoint/2010/main" val="1698014135"/>
+        <p14:creationId xmlns:p14="http://schemas.microsoft.com/office/powerpoint/2010/main" val="346198990"/>
       </p:ext>
     </p:extLst>
   </p:cSld>
@@ -978,6 +1160,10 @@
           <a:bodyPr/>
           <a:lstStyle/>
           <a:p>
+            <a:r>
+              <a:rPr lang="en-US" dirty="0" smtClean="0"/>
+              <a:t>Maybe Remove</a:t>
+            </a:r>
             <a:endParaRPr lang="en-US" dirty="0"/>
           </a:p>
         </p:txBody>
@@ -999,7 +1185,7 @@
           <a:p>
             <a:fld id="{FA96522B-57BD-D24F-8B23-FEC206FF4124}" type="slidenum">
               <a:rPr lang="en-US" smtClean="0"/>
-              <a:t>21</a:t>
+              <a:t>19</a:t>
             </a:fld>
             <a:endParaRPr lang="en-US"/>
           </a:p>
@@ -1062,6 +1248,10 @@
           <a:bodyPr/>
           <a:lstStyle/>
           <a:p>
+            <a:r>
+              <a:rPr lang="en-US" dirty="0" smtClean="0"/>
+              <a:t>Maybe Remove</a:t>
+            </a:r>
             <a:endParaRPr lang="en-US" dirty="0"/>
           </a:p>
         </p:txBody>
@@ -1083,7 +1273,7 @@
           <a:p>
             <a:fld id="{FA96522B-57BD-D24F-8B23-FEC206FF4124}" type="slidenum">
               <a:rPr lang="en-US" smtClean="0"/>
-              <a:t>40</a:t>
+              <a:t>20</a:t>
             </a:fld>
             <a:endParaRPr lang="en-US"/>
           </a:p>
@@ -1092,7 +1282,7 @@
     </p:spTree>
     <p:extLst>
       <p:ext uri="{BB962C8B-B14F-4D97-AF65-F5344CB8AC3E}">
-        <p14:creationId xmlns:p14="http://schemas.microsoft.com/office/powerpoint/2010/main" val="1001777287"/>
+        <p14:creationId xmlns:p14="http://schemas.microsoft.com/office/powerpoint/2010/main" val="1172352566"/>
       </p:ext>
     </p:extLst>
   </p:cSld>
@@ -1146,6 +1336,10 @@
           <a:bodyPr/>
           <a:lstStyle/>
           <a:p>
+            <a:r>
+              <a:rPr lang="en-US" dirty="0" smtClean="0"/>
+              <a:t>Combine with Next</a:t>
+            </a:r>
             <a:endParaRPr lang="en-US" dirty="0"/>
           </a:p>
         </p:txBody>
@@ -1167,7 +1361,7 @@
           <a:p>
             <a:fld id="{FA96522B-57BD-D24F-8B23-FEC206FF4124}" type="slidenum">
               <a:rPr lang="en-US" smtClean="0"/>
-              <a:t>41</a:t>
+              <a:t>23</a:t>
             </a:fld>
             <a:endParaRPr lang="en-US"/>
           </a:p>
@@ -1176,7 +1370,7 @@
     </p:spTree>
     <p:extLst>
       <p:ext uri="{BB962C8B-B14F-4D97-AF65-F5344CB8AC3E}">
-        <p14:creationId xmlns:p14="http://schemas.microsoft.com/office/powerpoint/2010/main" val="1484303322"/>
+        <p14:creationId xmlns:p14="http://schemas.microsoft.com/office/powerpoint/2010/main" val="744481586"/>
       </p:ext>
     </p:extLst>
   </p:cSld>
@@ -1230,6 +1424,26 @@
           <a:bodyPr/>
           <a:lstStyle/>
           <a:p>
+            <a:r>
+              <a:rPr lang="en-US" dirty="0" smtClean="0"/>
+              <a:t>Remove </a:t>
+            </a:r>
+            <a:r>
+              <a:rPr lang="mr-IN" dirty="0" smtClean="0"/>
+              <a:t>–</a:t>
+            </a:r>
+            <a:r>
+              <a:rPr lang="en-US" dirty="0" smtClean="0"/>
+              <a:t> </a:t>
+            </a:r>
+            <a:r>
+              <a:rPr lang="en-US" dirty="0" err="1" smtClean="0"/>
+              <a:t>summerrze</a:t>
+            </a:r>
+            <a:r>
+              <a:rPr lang="en-US" baseline="0" dirty="0" smtClean="0"/>
+              <a:t> in next</a:t>
+            </a:r>
             <a:endParaRPr lang="en-US" dirty="0"/>
           </a:p>
         </p:txBody>
@@ -1251,7 +1465,7 @@
           <a:p>
             <a:fld id="{FA96522B-57BD-D24F-8B23-FEC206FF4124}" type="slidenum">
               <a:rPr lang="en-US" smtClean="0"/>
-              <a:t>42</a:t>
+              <a:t>38</a:t>
             </a:fld>
             <a:endParaRPr lang="en-US"/>
           </a:p>
@@ -1260,7 +1474,7 @@
     </p:spTree>
     <p:extLst>
       <p:ext uri="{BB962C8B-B14F-4D97-AF65-F5344CB8AC3E}">
-        <p14:creationId xmlns:p14="http://schemas.microsoft.com/office/powerpoint/2010/main" val="627310271"/>
+        <p14:creationId xmlns:p14="http://schemas.microsoft.com/office/powerpoint/2010/main" val="1001777287"/>
       </p:ext>
     </p:extLst>
   </p:cSld>
@@ -1335,7 +1549,7 @@
           <a:p>
             <a:fld id="{FA96522B-57BD-D24F-8B23-FEC206FF4124}" type="slidenum">
               <a:rPr lang="en-US" smtClean="0"/>
-              <a:t>43</a:t>
+              <a:t>39</a:t>
             </a:fld>
             <a:endParaRPr lang="en-US"/>
           </a:p>
@@ -1344,7 +1558,7 @@
     </p:spTree>
     <p:extLst>
       <p:ext uri="{BB962C8B-B14F-4D97-AF65-F5344CB8AC3E}">
-        <p14:creationId xmlns:p14="http://schemas.microsoft.com/office/powerpoint/2010/main" val="14985023"/>
+        <p14:creationId xmlns:p14="http://schemas.microsoft.com/office/powerpoint/2010/main" val="1484303322"/>
       </p:ext>
     </p:extLst>
   </p:cSld>
@@ -1419,7 +1633,7 @@
           <a:p>
             <a:fld id="{FA96522B-57BD-D24F-8B23-FEC206FF4124}" type="slidenum">
               <a:rPr lang="en-US" smtClean="0"/>
-              <a:t>45</a:t>
+              <a:t>40</a:t>
             </a:fld>
             <a:endParaRPr lang="en-US"/>
           </a:p>
@@ -1428,7 +1642,7 @@
     </p:spTree>
     <p:extLst>
       <p:ext uri="{BB962C8B-B14F-4D97-AF65-F5344CB8AC3E}">
-        <p14:creationId xmlns:p14="http://schemas.microsoft.com/office/powerpoint/2010/main" val="1938015953"/>
+        <p14:creationId xmlns:p14="http://schemas.microsoft.com/office/powerpoint/2010/main" val="627310271"/>
       </p:ext>
     </p:extLst>
   </p:cSld>
@@ -1569,7 +1783,7 @@
           <a:p>
             <a:fld id="{0DED1650-8D0E-F34D-899B-DA25D073FCB6}" type="datetimeFigureOut">
               <a:rPr lang="en-US" smtClean="0"/>
-              <a:t>5/14/17</a:t>
+              <a:t>5/15/17</a:t>
             </a:fld>
             <a:endParaRPr lang="en-US"/>
           </a:p>
@@ -1744,7 +1958,7 @@
           <a:p>
             <a:fld id="{0DED1650-8D0E-F34D-899B-DA25D073FCB6}" type="datetimeFigureOut">
               <a:rPr lang="en-US" smtClean="0"/>
-              <a:t>5/14/17</a:t>
+              <a:t>5/15/17</a:t>
             </a:fld>
             <a:endParaRPr lang="en-US"/>
           </a:p>
@@ -1924,7 +2138,7 @@
           <a:p>
             <a:fld id="{0DED1650-8D0E-F34D-899B-DA25D073FCB6}" type="datetimeFigureOut">
               <a:rPr lang="en-US" smtClean="0"/>
-              <a:t>5/14/17</a:t>
+              <a:t>5/15/17</a:t>
             </a:fld>
             <a:endParaRPr lang="en-US"/>
           </a:p>
@@ -2099,7 +2313,7 @@
           <a:p>
             <a:fld id="{0DED1650-8D0E-F34D-899B-DA25D073FCB6}" type="datetimeFigureOut">
               <a:rPr lang="en-US" smtClean="0"/>
-              <a:t>5/14/17</a:t>
+              <a:t>5/15/17</a:t>
             </a:fld>
             <a:endParaRPr lang="en-US"/>
           </a:p>
@@ -2345,7 +2559,7 @@
           <a:p>
             <a:fld id="{0DED1650-8D0E-F34D-899B-DA25D073FCB6}" type="datetimeFigureOut">
               <a:rPr lang="en-US" smtClean="0"/>
-              <a:t>5/14/17</a:t>
+              <a:t>5/15/17</a:t>
             </a:fld>
             <a:endParaRPr lang="en-US"/>
           </a:p>
@@ -2582,7 +2796,7 @@
           <a:p>
             <a:fld id="{0DED1650-8D0E-F34D-899B-DA25D073FCB6}" type="datetimeFigureOut">
               <a:rPr lang="en-US" smtClean="0"/>
-              <a:t>5/14/17</a:t>
+              <a:t>5/15/17</a:t>
             </a:fld>
             <a:endParaRPr lang="en-US"/>
           </a:p>
@@ -2949,7 +3163,7 @@
           <a:p>
             <a:fld id="{0DED1650-8D0E-F34D-899B-DA25D073FCB6}" type="datetimeFigureOut">
               <a:rPr lang="en-US" smtClean="0"/>
-              <a:t>5/14/17</a:t>
+              <a:t>5/15/17</a:t>
             </a:fld>
             <a:endParaRPr lang="en-US"/>
           </a:p>
@@ -3067,7 +3281,7 @@
           <a:p>
             <a:fld id="{0DED1650-8D0E-F34D-899B-DA25D073FCB6}" type="datetimeFigureOut">
               <a:rPr lang="en-US" smtClean="0"/>
-              <a:t>5/14/17</a:t>
+              <a:t>5/15/17</a:t>
             </a:fld>
             <a:endParaRPr lang="en-US"/>
           </a:p>
@@ -3162,7 +3376,7 @@
           <a:p>
             <a:fld id="{0DED1650-8D0E-F34D-899B-DA25D073FCB6}" type="datetimeFigureOut">
               <a:rPr lang="en-US" smtClean="0"/>
-              <a:t>5/14/17</a:t>
+              <a:t>5/15/17</a:t>
             </a:fld>
             <a:endParaRPr lang="en-US"/>
           </a:p>
@@ -3439,7 +3653,7 @@
           <a:p>
             <a:fld id="{0DED1650-8D0E-F34D-899B-DA25D073FCB6}" type="datetimeFigureOut">
               <a:rPr lang="en-US" smtClean="0"/>
-              <a:t>5/14/17</a:t>
+              <a:t>5/15/17</a:t>
             </a:fld>
             <a:endParaRPr lang="en-US"/>
           </a:p>
@@ -3696,7 +3910,7 @@
           <a:p>
             <a:fld id="{0DED1650-8D0E-F34D-899B-DA25D073FCB6}" type="datetimeFigureOut">
               <a:rPr lang="en-US" smtClean="0"/>
-              <a:t>5/14/17</a:t>
+              <a:t>5/15/17</a:t>
             </a:fld>
             <a:endParaRPr lang="en-US"/>
           </a:p>
@@ -3914,7 +4128,7 @@
           <a:p>
             <a:fld id="{0DED1650-8D0E-F34D-899B-DA25D073FCB6}" type="datetimeFigureOut">
               <a:rPr lang="en-US" smtClean="0"/>
-              <a:t>5/14/17</a:t>
+              <a:t>5/15/17</a:t>
             </a:fld>
             <a:endParaRPr lang="en-US"/>
           </a:p>
@@ -4432,569 +4646,6 @@
           </a:p>
         </p:txBody>
       </p:sp>
-      <p:sp>
-        <p:nvSpPr>
-          <p:cNvPr id="3" name="Content Placeholder 2"/>
-          <p:cNvSpPr>
-            <a:spLocks noGrp="1"/>
-          </p:cNvSpPr>
-          <p:nvPr>
-            <p:ph idx="1"/>
-          </p:nvPr>
-        </p:nvSpPr>
-        <p:spPr/>
-        <p:txBody>
-          <a:bodyPr/>
-          <a:lstStyle/>
-          <a:p>
-            <a:pPr marL="0" marR="0" lvl="0" indent="0" defTabSz="914400" eaLnBrk="1" fontAlgn="auto" latinLnBrk="0" hangingPunct="1">
-              <a:lnSpc>
-                <a:spcPct val="100000"/>
-              </a:lnSpc>
-              <a:spcBef>
-                <a:spcPts val="0"/>
-              </a:spcBef>
-              <a:spcAft>
-                <a:spcPts val="0"/>
-              </a:spcAft>
-              <a:buClrTx/>
-              <a:buSzTx/>
-              <a:buFontTx/>
-              <a:buNone/>
-              <a:tabLst/>
-              <a:defRPr/>
-            </a:pPr>
-            <a:r>
-              <a:rPr lang="en-US" dirty="0" smtClean="0"/>
-              <a:t>Doctor Slim developed metrics for quantifying the structural complexity of a curriculum with two factors:</a:t>
-            </a:r>
-          </a:p>
-          <a:p>
-            <a:pPr marL="0" marR="0" lvl="0" indent="0" defTabSz="914400" eaLnBrk="1" fontAlgn="auto" latinLnBrk="0" hangingPunct="1">
-              <a:lnSpc>
-                <a:spcPct val="100000"/>
-              </a:lnSpc>
-              <a:spcBef>
-                <a:spcPts val="0"/>
-              </a:spcBef>
-              <a:spcAft>
-                <a:spcPts val="0"/>
-              </a:spcAft>
-              <a:buClrTx/>
-              <a:buSzTx/>
-              <a:buFontTx/>
-              <a:buNone/>
-              <a:tabLst/>
-              <a:defRPr/>
-            </a:pPr>
-            <a:endParaRPr lang="en-US" dirty="0"/>
-          </a:p>
-          <a:p>
-            <a:pPr marL="0" marR="0" lvl="0" indent="0" defTabSz="914400" eaLnBrk="1" fontAlgn="auto" latinLnBrk="0" hangingPunct="1">
-              <a:lnSpc>
-                <a:spcPct val="100000"/>
-              </a:lnSpc>
-              <a:spcBef>
-                <a:spcPts val="0"/>
-              </a:spcBef>
-              <a:spcAft>
-                <a:spcPts val="0"/>
-              </a:spcAft>
-              <a:buClrTx/>
-              <a:buSzTx/>
-              <a:buFontTx/>
-              <a:buNone/>
-              <a:tabLst/>
-              <a:defRPr/>
-            </a:pPr>
-            <a:r>
-              <a:rPr lang="en-US" b="1" dirty="0" smtClean="0"/>
-              <a:t>Delay Factor:</a:t>
-            </a:r>
-            <a:r>
-              <a:rPr lang="en-US" dirty="0" smtClean="0"/>
-              <a:t> characterized by long paths in a curriculum.</a:t>
-            </a:r>
-          </a:p>
-          <a:p>
-            <a:pPr marL="0" marR="0" lvl="0" indent="0" defTabSz="914400" eaLnBrk="1" fontAlgn="auto" latinLnBrk="0" hangingPunct="1">
-              <a:lnSpc>
-                <a:spcPct val="100000"/>
-              </a:lnSpc>
-              <a:spcBef>
-                <a:spcPts val="0"/>
-              </a:spcBef>
-              <a:spcAft>
-                <a:spcPts val="0"/>
-              </a:spcAft>
-              <a:buClrTx/>
-              <a:buSzTx/>
-              <a:buFontTx/>
-              <a:buNone/>
-              <a:tabLst/>
-              <a:defRPr/>
-            </a:pPr>
-            <a:endParaRPr lang="en-US" b="1" dirty="0"/>
-          </a:p>
-          <a:p>
-            <a:pPr marL="0" marR="0" lvl="0" indent="0" defTabSz="914400" eaLnBrk="1" fontAlgn="auto" latinLnBrk="0" hangingPunct="1">
-              <a:lnSpc>
-                <a:spcPct val="100000"/>
-              </a:lnSpc>
-              <a:spcBef>
-                <a:spcPts val="0"/>
-              </a:spcBef>
-              <a:spcAft>
-                <a:spcPts val="0"/>
-              </a:spcAft>
-              <a:buClrTx/>
-              <a:buSzTx/>
-              <a:buFontTx/>
-              <a:buNone/>
-              <a:tabLst/>
-              <a:defRPr/>
-            </a:pPr>
-            <a:r>
-              <a:rPr lang="en-US" b="1" dirty="0" smtClean="0"/>
-              <a:t>Blocking Factor:</a:t>
-            </a:r>
-            <a:r>
-              <a:rPr lang="en-US" dirty="0"/>
-              <a:t> </a:t>
-            </a:r>
-            <a:r>
-              <a:rPr lang="en-US" dirty="0" smtClean="0"/>
-              <a:t>the number of courses that a student cannot take until a certain class has been passed.</a:t>
-            </a:r>
-            <a:endParaRPr lang="en-US" b="1" dirty="0" smtClean="0"/>
-          </a:p>
-        </p:txBody>
-      </p:sp>
-    </p:spTree>
-    <p:extLst>
-      <p:ext uri="{BB962C8B-B14F-4D97-AF65-F5344CB8AC3E}">
-        <p14:creationId xmlns:p14="http://schemas.microsoft.com/office/powerpoint/2010/main" val="926612202"/>
-      </p:ext>
-    </p:extLst>
-  </p:cSld>
-  <p:clrMapOvr>
-    <a:masterClrMapping/>
-  </p:clrMapOvr>
-  <p:timing>
-    <p:tnLst>
-      <p:par>
-        <p:cTn id="1" dur="indefinite" restart="never" nodeType="tmRoot"/>
-      </p:par>
-    </p:tnLst>
-  </p:timing>
-</p:sld>
-</file>
-
-<file path=ppt/slides/slide11.xml><?xml version="1.0" encoding="utf-8"?>
-<p:sld xmlns:a="http://schemas.openxmlformats.org/drawingml/2006/main" xmlns:r="http://schemas.openxmlformats.org/officeDocument/2006/relationships" xmlns:p="http://schemas.openxmlformats.org/presentationml/2006/main">
-  <p:cSld>
-    <p:spTree>
-      <p:nvGrpSpPr>
-        <p:cNvPr id="1" name=""/>
-        <p:cNvGrpSpPr/>
-        <p:nvPr/>
-      </p:nvGrpSpPr>
-      <p:grpSpPr>
-        <a:xfrm>
-          <a:off x="0" y="0"/>
-          <a:ext cx="0" cy="0"/>
-          <a:chOff x="0" y="0"/>
-          <a:chExt cx="0" cy="0"/>
-        </a:xfrm>
-      </p:grpSpPr>
-      <p:sp>
-        <p:nvSpPr>
-          <p:cNvPr id="2" name="Title 1"/>
-          <p:cNvSpPr>
-            <a:spLocks noGrp="1"/>
-          </p:cNvSpPr>
-          <p:nvPr>
-            <p:ph type="title"/>
-          </p:nvPr>
-        </p:nvSpPr>
-        <p:spPr/>
-        <p:txBody>
-          <a:bodyPr/>
-          <a:lstStyle/>
-          <a:p>
-            <a:r>
-              <a:rPr lang="en-US" dirty="0" smtClean="0"/>
-              <a:t>Previous Work</a:t>
-            </a:r>
-            <a:endParaRPr lang="en-US" dirty="0"/>
-          </a:p>
-        </p:txBody>
-      </p:sp>
-      <mc:AlternateContent xmlns:mc="http://schemas.openxmlformats.org/markup-compatibility/2006">
-        <mc:Choice xmlns:a14="http://schemas.microsoft.com/office/drawing/2010/main" Requires="a14">
-          <p:sp>
-            <p:nvSpPr>
-              <p:cNvPr id="3" name="Content Placeholder 2"/>
-              <p:cNvSpPr>
-                <a:spLocks noGrp="1"/>
-              </p:cNvSpPr>
-              <p:nvPr>
-                <p:ph idx="1"/>
-              </p:nvPr>
-            </p:nvSpPr>
-            <p:spPr/>
-            <p:txBody>
-              <a:bodyPr/>
-              <a:lstStyle/>
-              <a:p>
-                <a:pPr marL="0" marR="0" lvl="0" indent="0" defTabSz="914400" eaLnBrk="1" fontAlgn="auto" latinLnBrk="0" hangingPunct="1">
-                  <a:lnSpc>
-                    <a:spcPct val="100000"/>
-                  </a:lnSpc>
-                  <a:spcBef>
-                    <a:spcPts val="0"/>
-                  </a:spcBef>
-                  <a:spcAft>
-                    <a:spcPts val="0"/>
-                  </a:spcAft>
-                  <a:buClrTx/>
-                  <a:buSzTx/>
-                  <a:buFontTx/>
-                  <a:buNone/>
-                  <a:tabLst/>
-                  <a:defRPr/>
-                </a:pPr>
-                <a:r>
-                  <a:rPr lang="en-US" dirty="0" smtClean="0"/>
-                  <a:t>The </a:t>
-                </a:r>
-                <a:r>
-                  <a:rPr lang="en-US" b="1" dirty="0" smtClean="0"/>
-                  <a:t>delay </a:t>
-                </a:r>
-                <a:r>
-                  <a:rPr lang="en-US" b="1" dirty="0"/>
-                  <a:t>f</a:t>
-                </a:r>
-                <a:r>
-                  <a:rPr lang="en-US" b="1" dirty="0" smtClean="0"/>
-                  <a:t>actor </a:t>
-                </a:r>
-                <a:r>
-                  <a:rPr lang="en-US" dirty="0" smtClean="0"/>
-                  <a:t>of course </a:t>
-                </a:r>
-                <a14:m>
-                  <m:oMath xmlns:m="http://schemas.openxmlformats.org/officeDocument/2006/math">
-                    <m:sSub>
-                      <m:sSubPr>
-                        <m:ctrlPr>
-                          <a:rPr lang="en-US" i="1" smtClean="0">
-                            <a:latin typeface="Cambria Math" charset="0"/>
-                          </a:rPr>
-                        </m:ctrlPr>
-                      </m:sSubPr>
-                      <m:e>
-                        <m:r>
-                          <a:rPr lang="en-US" b="0" i="1" smtClean="0">
-                            <a:latin typeface="Cambria Math" charset="0"/>
-                          </a:rPr>
-                          <m:t>𝑣</m:t>
-                        </m:r>
-                      </m:e>
-                      <m:sub>
-                        <m:r>
-                          <a:rPr lang="en-US" b="0" i="1" smtClean="0">
-                            <a:latin typeface="Cambria Math" charset="0"/>
-                          </a:rPr>
-                          <m:t>𝑖</m:t>
-                        </m:r>
-                      </m:sub>
-                    </m:sSub>
-                  </m:oMath>
-                </a14:m>
-                <a:r>
-                  <a:rPr lang="en-US" dirty="0" smtClean="0"/>
-                  <a:t>, denoted </a:t>
-                </a:r>
-                <a14:m>
-                  <m:oMath xmlns:m="http://schemas.openxmlformats.org/officeDocument/2006/math">
-                    <m:r>
-                      <a:rPr lang="en-US" b="0" i="1" smtClean="0">
-                        <a:latin typeface="Cambria Math" charset="0"/>
-                      </a:rPr>
-                      <m:t>𝑑</m:t>
-                    </m:r>
-                    <m:d>
-                      <m:dPr>
-                        <m:ctrlPr>
-                          <a:rPr lang="en-US" b="0" i="1" smtClean="0">
-                            <a:latin typeface="Cambria Math" charset="0"/>
-                          </a:rPr>
-                        </m:ctrlPr>
-                      </m:dPr>
-                      <m:e>
-                        <m:sSub>
-                          <m:sSubPr>
-                            <m:ctrlPr>
-                              <a:rPr lang="en-US" b="0" i="1" smtClean="0">
-                                <a:latin typeface="Cambria Math" charset="0"/>
-                              </a:rPr>
-                            </m:ctrlPr>
-                          </m:sSubPr>
-                          <m:e>
-                            <m:r>
-                              <a:rPr lang="en-US" b="0" i="1" smtClean="0">
-                                <a:latin typeface="Cambria Math" charset="0"/>
-                              </a:rPr>
-                              <m:t>𝑣</m:t>
-                            </m:r>
-                          </m:e>
-                          <m:sub>
-                            <m:r>
-                              <a:rPr lang="en-US" b="0" i="1" smtClean="0">
-                                <a:latin typeface="Cambria Math" charset="0"/>
-                              </a:rPr>
-                              <m:t>𝑖</m:t>
-                            </m:r>
-                          </m:sub>
-                        </m:sSub>
-                      </m:e>
-                    </m:d>
-                  </m:oMath>
-                </a14:m>
-                <a:r>
-                  <a:rPr lang="en-US" dirty="0" smtClean="0"/>
-                  <a:t>, is defined as the number of nodes in the longest path that passes through </a:t>
-                </a:r>
-                <a14:m>
-                  <m:oMath xmlns:m="http://schemas.openxmlformats.org/officeDocument/2006/math">
-                    <m:sSub>
-                      <m:sSubPr>
-                        <m:ctrlPr>
-                          <a:rPr lang="en-US" i="1" smtClean="0">
-                            <a:latin typeface="Cambria Math" charset="0"/>
-                          </a:rPr>
-                        </m:ctrlPr>
-                      </m:sSubPr>
-                      <m:e>
-                        <m:r>
-                          <a:rPr lang="en-US" b="0" i="1" smtClean="0">
-                            <a:latin typeface="Cambria Math" charset="0"/>
-                          </a:rPr>
-                          <m:t>𝑣</m:t>
-                        </m:r>
-                      </m:e>
-                      <m:sub>
-                        <m:r>
-                          <a:rPr lang="en-US" b="0" i="1" smtClean="0">
-                            <a:latin typeface="Cambria Math" charset="0"/>
-                          </a:rPr>
-                          <m:t>𝑖</m:t>
-                        </m:r>
-                      </m:sub>
-                    </m:sSub>
-                    <m:r>
-                      <a:rPr lang="en-US" b="0" i="1" smtClean="0">
-                        <a:latin typeface="Cambria Math" charset="0"/>
-                      </a:rPr>
-                      <m:t>.</m:t>
-                    </m:r>
-                  </m:oMath>
-                </a14:m>
-                <a:endParaRPr lang="en-US" dirty="0" smtClean="0"/>
-              </a:p>
-              <a:p>
-                <a:pPr marL="0" marR="0" lvl="0" indent="0" defTabSz="914400" eaLnBrk="1" fontAlgn="auto" latinLnBrk="0" hangingPunct="1">
-                  <a:lnSpc>
-                    <a:spcPct val="100000"/>
-                  </a:lnSpc>
-                  <a:spcBef>
-                    <a:spcPts val="0"/>
-                  </a:spcBef>
-                  <a:spcAft>
-                    <a:spcPts val="0"/>
-                  </a:spcAft>
-                  <a:buClrTx/>
-                  <a:buSzTx/>
-                  <a:buFontTx/>
-                  <a:buNone/>
-                  <a:tabLst/>
-                  <a:defRPr/>
-                </a:pPr>
-                <a:endParaRPr lang="en-US" dirty="0"/>
-              </a:p>
-              <a:p>
-                <a:pPr marL="0" marR="0" lvl="0" indent="0" defTabSz="914400" eaLnBrk="1" fontAlgn="auto" latinLnBrk="0" hangingPunct="1">
-                  <a:lnSpc>
-                    <a:spcPct val="100000"/>
-                  </a:lnSpc>
-                  <a:spcBef>
-                    <a:spcPts val="0"/>
-                  </a:spcBef>
-                  <a:spcAft>
-                    <a:spcPts val="0"/>
-                  </a:spcAft>
-                  <a:buClrTx/>
-                  <a:buSzTx/>
-                  <a:buFontTx/>
-                  <a:buNone/>
-                  <a:tabLst/>
-                  <a:defRPr/>
-                </a:pPr>
-                <a:r>
-                  <a:rPr lang="en-US" dirty="0" smtClean="0"/>
-                  <a:t>Ex:</a:t>
-                </a:r>
-                <a:endParaRPr lang="en-US" dirty="0"/>
-              </a:p>
-              <a:p>
-                <a:pPr marL="0" marR="0" lvl="0" indent="0" defTabSz="914400" eaLnBrk="1" fontAlgn="auto" latinLnBrk="0" hangingPunct="1">
-                  <a:lnSpc>
-                    <a:spcPct val="100000"/>
-                  </a:lnSpc>
-                  <a:spcBef>
-                    <a:spcPts val="0"/>
-                  </a:spcBef>
-                  <a:spcAft>
-                    <a:spcPts val="0"/>
-                  </a:spcAft>
-                  <a:buClrTx/>
-                  <a:buSzTx/>
-                  <a:buFontTx/>
-                  <a:buNone/>
-                  <a:tabLst/>
-                  <a:defRPr/>
-                </a:pPr>
-                <a:endParaRPr lang="en-US" dirty="0" smtClean="0"/>
-              </a:p>
-            </p:txBody>
-          </p:sp>
-        </mc:Choice>
-        <mc:Fallback>
-          <p:sp>
-            <p:nvSpPr>
-              <p:cNvPr id="3" name="Content Placeholder 2"/>
-              <p:cNvSpPr>
-                <a:spLocks noGrp="1" noRot="1" noChangeAspect="1" noMove="1" noResize="1" noEditPoints="1" noAdjustHandles="1" noChangeArrowheads="1" noChangeShapeType="1" noTextEdit="1"/>
-              </p:cNvSpPr>
-              <p:nvPr>
-                <p:ph idx="1"/>
-              </p:nvPr>
-            </p:nvSpPr>
-            <p:spPr>
-              <a:blipFill rotWithShape="0">
-                <a:blip r:embed="rId2"/>
-                <a:stretch>
-                  <a:fillRect l="-1217" t="-1261" r="-696"/>
-                </a:stretch>
-              </a:blipFill>
-            </p:spPr>
-            <p:txBody>
-              <a:bodyPr/>
-              <a:lstStyle/>
-              <a:p>
-                <a:r>
-                  <a:rPr lang="en-US">
-                    <a:noFill/>
-                  </a:rPr>
-                  <a:t> </a:t>
-                </a:r>
-              </a:p>
-            </p:txBody>
-          </p:sp>
-        </mc:Fallback>
-      </mc:AlternateContent>
-      <p:pic>
-        <p:nvPicPr>
-          <p:cNvPr id="4" name="Picture 3"/>
-          <p:cNvPicPr>
-            <a:picLocks noChangeAspect="1"/>
-          </p:cNvPicPr>
-          <p:nvPr/>
-        </p:nvPicPr>
-        <p:blipFill>
-          <a:blip r:embed="rId3">
-            <a:extLst>
-              <a:ext uri="{28A0092B-C50C-407E-A947-70E740481C1C}">
-                <a14:useLocalDpi xmlns:a14="http://schemas.microsoft.com/office/drawing/2010/main" val="0"/>
-              </a:ext>
-            </a:extLst>
-          </a:blip>
-          <a:stretch>
-            <a:fillRect/>
-          </a:stretch>
-        </p:blipFill>
-        <p:spPr>
-          <a:xfrm>
-            <a:off x="971764" y="3922076"/>
-            <a:ext cx="3012611" cy="2119528"/>
-          </a:xfrm>
-          <a:prstGeom prst="rect">
-            <a:avLst/>
-          </a:prstGeom>
-        </p:spPr>
-      </p:pic>
-    </p:spTree>
-    <p:extLst>
-      <p:ext uri="{BB962C8B-B14F-4D97-AF65-F5344CB8AC3E}">
-        <p14:creationId xmlns:p14="http://schemas.microsoft.com/office/powerpoint/2010/main" val="599548142"/>
-      </p:ext>
-    </p:extLst>
-  </p:cSld>
-  <p:clrMapOvr>
-    <a:masterClrMapping/>
-  </p:clrMapOvr>
-  <p:timing>
-    <p:tnLst>
-      <p:par>
-        <p:cTn id="1" dur="indefinite" restart="never" nodeType="tmRoot"/>
-      </p:par>
-    </p:tnLst>
-  </p:timing>
-</p:sld>
-</file>
-
-<file path=ppt/slides/slide12.xml><?xml version="1.0" encoding="utf-8"?>
-<p:sld xmlns:a="http://schemas.openxmlformats.org/drawingml/2006/main" xmlns:r="http://schemas.openxmlformats.org/officeDocument/2006/relationships" xmlns:p="http://schemas.openxmlformats.org/presentationml/2006/main">
-  <p:cSld>
-    <p:spTree>
-      <p:nvGrpSpPr>
-        <p:cNvPr id="1" name=""/>
-        <p:cNvGrpSpPr/>
-        <p:nvPr/>
-      </p:nvGrpSpPr>
-      <p:grpSpPr>
-        <a:xfrm>
-          <a:off x="0" y="0"/>
-          <a:ext cx="0" cy="0"/>
-          <a:chOff x="0" y="0"/>
-          <a:chExt cx="0" cy="0"/>
-        </a:xfrm>
-      </p:grpSpPr>
-      <p:sp>
-        <p:nvSpPr>
-          <p:cNvPr id="2" name="Title 1"/>
-          <p:cNvSpPr>
-            <a:spLocks noGrp="1"/>
-          </p:cNvSpPr>
-          <p:nvPr>
-            <p:ph type="title"/>
-          </p:nvPr>
-        </p:nvSpPr>
-        <p:spPr/>
-        <p:txBody>
-          <a:bodyPr/>
-          <a:lstStyle/>
-          <a:p>
-            <a:r>
-              <a:rPr lang="en-US" dirty="0" smtClean="0"/>
-              <a:t>Previous Work</a:t>
-            </a:r>
-            <a:endParaRPr lang="en-US" dirty="0"/>
-          </a:p>
-        </p:txBody>
-      </p:sp>
       <mc:AlternateContent xmlns:mc="http://schemas.openxmlformats.org/markup-compatibility/2006">
         <mc:Choice xmlns:a14="http://schemas.microsoft.com/office/drawing/2010/main" Requires="a14">
           <p:sp>
@@ -5116,40 +4767,23 @@
                 </a14:m>
                 <a:r>
                   <a:rPr lang="en-US" dirty="0" smtClean="0"/>
-                  <a:t>, is defined as the number of courses blocked until </a:t>
+                  <a:t>, is defined as the number of </a:t>
                 </a:r>
-                <a14:m>
-                  <m:oMath xmlns:m="http://schemas.openxmlformats.org/officeDocument/2006/math">
-                    <m:sSub>
-                      <m:sSubPr>
-                        <m:ctrlPr>
-                          <a:rPr lang="en-US" i="1" smtClean="0">
-                            <a:latin typeface="Cambria Math" charset="0"/>
-                          </a:rPr>
-                        </m:ctrlPr>
-                      </m:sSubPr>
-                      <m:e>
-                        <m:r>
-                          <a:rPr lang="en-US" b="0" i="1" smtClean="0">
-                            <a:latin typeface="Cambria Math" charset="0"/>
-                          </a:rPr>
-                          <m:t>𝑣</m:t>
-                        </m:r>
-                      </m:e>
-                      <m:sub>
-                        <m:r>
-                          <a:rPr lang="en-US" b="0" i="1" smtClean="0">
-                            <a:latin typeface="Cambria Math" charset="0"/>
-                          </a:rPr>
-                          <m:t>𝑖</m:t>
-                        </m:r>
-                      </m:sub>
-                    </m:sSub>
-                  </m:oMath>
-                </a14:m>
                 <a:r>
                   <a:rPr lang="en-US" dirty="0" smtClean="0"/>
-                  <a:t> is completed.</a:t>
+                  <a:t>courses it blocks </a:t>
+                </a:r>
+                <a:r>
+                  <a:rPr lang="en-US" dirty="0" smtClean="0"/>
+                  <a:t>until </a:t>
+                </a:r>
+                <a:r>
+                  <a:rPr lang="en-US" dirty="0" smtClean="0"/>
+                  <a:t>it is </a:t>
+                </a:r>
+                <a:r>
+                  <a:rPr lang="en-US" dirty="0" smtClean="0"/>
+                  <a:t>completed.</a:t>
                 </a:r>
               </a:p>
               <a:p>
@@ -5303,7 +4937,7 @@
 </p:sld>
 </file>
 
-<file path=ppt/slides/slide13.xml><?xml version="1.0" encoding="utf-8"?>
+<file path=ppt/slides/slide11.xml><?xml version="1.0" encoding="utf-8"?>
 <p:sld xmlns:a="http://schemas.openxmlformats.org/drawingml/2006/main" xmlns:r="http://schemas.openxmlformats.org/officeDocument/2006/relationships" xmlns:p="http://schemas.openxmlformats.org/presentationml/2006/main">
   <p:cSld>
     <p:spTree>
@@ -5343,8 +4977,8 @@
           </a:p>
         </p:txBody>
       </p:sp>
-      <mc:AlternateContent xmlns:mc="http://schemas.openxmlformats.org/markup-compatibility/2006">
-        <mc:Choice xmlns:a14="http://schemas.microsoft.com/office/drawing/2010/main" Requires="a14">
+      <mc:AlternateContent xmlns:mc="http://schemas.openxmlformats.org/markup-compatibility/2006" xmlns:a14="http://schemas.microsoft.com/office/drawing/2010/main">
+        <mc:Choice Requires="a14">
           <p:sp>
             <p:nvSpPr>
               <p:cNvPr id="3" name="Content Placeholder 2"/>
@@ -5741,7 +5375,7 @@
             </p:txBody>
           </p:sp>
         </mc:Choice>
-        <mc:Fallback>
+        <mc:Fallback xmlns="">
           <p:sp>
             <p:nvSpPr>
               <p:cNvPr id="3" name="Content Placeholder 2"/>
@@ -5795,7 +5429,7 @@
 </p:sld>
 </file>
 
-<file path=ppt/slides/slide14.xml><?xml version="1.0" encoding="utf-8"?>
+<file path=ppt/slides/slide12.xml><?xml version="1.0" encoding="utf-8"?>
 <p:sld xmlns:a="http://schemas.openxmlformats.org/drawingml/2006/main" xmlns:r="http://schemas.openxmlformats.org/officeDocument/2006/relationships" xmlns:p="http://schemas.openxmlformats.org/presentationml/2006/main">
   <p:cSld>
     <p:spTree>
@@ -5865,7 +5499,15 @@
             </a:r>
             <a:r>
               <a:rPr lang="en-US" dirty="0" smtClean="0"/>
-              <a:t>developed simulations to observe how changes to the business curriculum affected graduation rates.</a:t>
+              <a:t>developed simulations to observe how changes to the business </a:t>
+            </a:r>
+            <a:r>
+              <a:rPr lang="en-US" dirty="0" smtClean="0"/>
+              <a:t>curriculum at SFSU </a:t>
+            </a:r>
+            <a:r>
+              <a:rPr lang="en-US" dirty="0" smtClean="0"/>
+              <a:t>affected graduation rates.</a:t>
             </a:r>
           </a:p>
           <a:p>
@@ -5967,6 +5609,275 @@
     <p:extLst>
       <p:ext uri="{BB962C8B-B14F-4D97-AF65-F5344CB8AC3E}">
         <p14:creationId xmlns:p14="http://schemas.microsoft.com/office/powerpoint/2010/main" val="1277538453"/>
+      </p:ext>
+    </p:extLst>
+  </p:cSld>
+  <p:clrMapOvr>
+    <a:masterClrMapping/>
+  </p:clrMapOvr>
+  <p:timing>
+    <p:tnLst>
+      <p:par>
+        <p:cTn id="1" dur="indefinite" restart="never" nodeType="tmRoot"/>
+      </p:par>
+    </p:tnLst>
+  </p:timing>
+</p:sld>
+</file>
+
+<file path=ppt/slides/slide13.xml><?xml version="1.0" encoding="utf-8"?>
+<p:sld xmlns:a="http://schemas.openxmlformats.org/drawingml/2006/main" xmlns:r="http://schemas.openxmlformats.org/officeDocument/2006/relationships" xmlns:p="http://schemas.openxmlformats.org/presentationml/2006/main">
+  <p:cSld>
+    <p:spTree>
+      <p:nvGrpSpPr>
+        <p:cNvPr id="1" name=""/>
+        <p:cNvGrpSpPr/>
+        <p:nvPr/>
+      </p:nvGrpSpPr>
+      <p:grpSpPr>
+        <a:xfrm>
+          <a:off x="0" y="0"/>
+          <a:ext cx="0" cy="0"/>
+          <a:chOff x="0" y="0"/>
+          <a:chExt cx="0" cy="0"/>
+        </a:xfrm>
+      </p:grpSpPr>
+      <p:sp>
+        <p:nvSpPr>
+          <p:cNvPr id="2" name="Title 1"/>
+          <p:cNvSpPr>
+            <a:spLocks noGrp="1"/>
+          </p:cNvSpPr>
+          <p:nvPr>
+            <p:ph type="title"/>
+          </p:nvPr>
+        </p:nvSpPr>
+        <p:spPr/>
+        <p:txBody>
+          <a:bodyPr/>
+          <a:lstStyle/>
+          <a:p>
+            <a:r>
+              <a:rPr lang="en-US" dirty="0" smtClean="0"/>
+              <a:t>Previous Work</a:t>
+            </a:r>
+            <a:endParaRPr lang="en-US" dirty="0"/>
+          </a:p>
+        </p:txBody>
+      </p:sp>
+      <p:sp>
+        <p:nvSpPr>
+          <p:cNvPr id="3" name="Content Placeholder 2"/>
+          <p:cNvSpPr>
+            <a:spLocks noGrp="1"/>
+          </p:cNvSpPr>
+          <p:nvPr>
+            <p:ph idx="1"/>
+          </p:nvPr>
+        </p:nvSpPr>
+        <p:spPr/>
+        <p:txBody>
+          <a:bodyPr/>
+          <a:lstStyle/>
+          <a:p>
+            <a:pPr marL="0" indent="0">
+              <a:lnSpc>
+                <a:spcPct val="100000"/>
+              </a:lnSpc>
+              <a:spcBef>
+                <a:spcPts val="0"/>
+              </a:spcBef>
+              <a:buNone/>
+            </a:pPr>
+            <a:r>
+              <a:rPr lang="en-US" dirty="0" smtClean="0"/>
+              <a:t>Limitations of their model:</a:t>
+            </a:r>
+          </a:p>
+          <a:p>
+            <a:pPr>
+              <a:lnSpc>
+                <a:spcPct val="100000"/>
+              </a:lnSpc>
+              <a:spcBef>
+                <a:spcPts val="0"/>
+              </a:spcBef>
+            </a:pPr>
+            <a:r>
+              <a:rPr lang="en-US" dirty="0" smtClean="0"/>
+              <a:t>Implemented in expensive propriety software.</a:t>
+            </a:r>
+          </a:p>
+          <a:p>
+            <a:pPr>
+              <a:lnSpc>
+                <a:spcPct val="100000"/>
+              </a:lnSpc>
+              <a:spcBef>
+                <a:spcPts val="0"/>
+              </a:spcBef>
+            </a:pPr>
+            <a:r>
+              <a:rPr lang="en-US" dirty="0" smtClean="0"/>
+              <a:t>Designed only for the </a:t>
+            </a:r>
+            <a:r>
+              <a:rPr lang="en-US" dirty="0" smtClean="0"/>
+              <a:t>single </a:t>
+            </a:r>
+            <a:r>
+              <a:rPr lang="en-US" dirty="0" smtClean="0"/>
+              <a:t>curriculum.</a:t>
+            </a:r>
+          </a:p>
+          <a:p>
+            <a:pPr>
+              <a:lnSpc>
+                <a:spcPct val="100000"/>
+              </a:lnSpc>
+              <a:spcBef>
+                <a:spcPts val="0"/>
+              </a:spcBef>
+            </a:pPr>
+            <a:r>
+              <a:rPr lang="en-US" dirty="0" smtClean="0"/>
+              <a:t>Student performance was based solely </a:t>
+            </a:r>
+            <a:r>
+              <a:rPr lang="en-US" dirty="0" smtClean="0"/>
+              <a:t>on course </a:t>
+            </a:r>
+            <a:r>
+              <a:rPr lang="en-US" dirty="0" err="1" smtClean="0"/>
+              <a:t>passrates</a:t>
+            </a:r>
+            <a:r>
+              <a:rPr lang="en-US" dirty="0" smtClean="0"/>
+              <a:t> </a:t>
+            </a:r>
+            <a:r>
+              <a:rPr lang="en-US" dirty="0" smtClean="0"/>
+              <a:t>with no support for more sophisticated models.</a:t>
+            </a:r>
+          </a:p>
+          <a:p>
+            <a:pPr>
+              <a:lnSpc>
+                <a:spcPct val="100000"/>
+              </a:lnSpc>
+              <a:spcBef>
+                <a:spcPts val="0"/>
+              </a:spcBef>
+            </a:pPr>
+            <a:r>
+              <a:rPr lang="en-US" dirty="0" smtClean="0"/>
+              <a:t>Did not support grad </a:t>
+            </a:r>
+            <a:r>
+              <a:rPr lang="en-US" dirty="0" smtClean="0"/>
+              <a:t>assignments.</a:t>
+            </a:r>
+          </a:p>
+          <a:p>
+            <a:pPr>
+              <a:lnSpc>
+                <a:spcPct val="100000"/>
+              </a:lnSpc>
+              <a:spcBef>
+                <a:spcPts val="0"/>
+              </a:spcBef>
+            </a:pPr>
+            <a:r>
+              <a:rPr lang="en-US" dirty="0" smtClean="0"/>
+              <a:t>Strictly simulations.</a:t>
+            </a:r>
+            <a:endParaRPr lang="en-US" dirty="0" smtClean="0"/>
+          </a:p>
+        </p:txBody>
+      </p:sp>
+    </p:spTree>
+    <p:extLst>
+      <p:ext uri="{BB962C8B-B14F-4D97-AF65-F5344CB8AC3E}">
+        <p14:creationId xmlns:p14="http://schemas.microsoft.com/office/powerpoint/2010/main" val="1998131728"/>
+      </p:ext>
+    </p:extLst>
+  </p:cSld>
+  <p:clrMapOvr>
+    <a:masterClrMapping/>
+  </p:clrMapOvr>
+  <p:timing>
+    <p:tnLst>
+      <p:par>
+        <p:cTn id="1" dur="indefinite" restart="never" nodeType="tmRoot"/>
+      </p:par>
+    </p:tnLst>
+  </p:timing>
+</p:sld>
+</file>
+
+<file path=ppt/slides/slide14.xml><?xml version="1.0" encoding="utf-8"?>
+<p:sld xmlns:a="http://schemas.openxmlformats.org/drawingml/2006/main" xmlns:r="http://schemas.openxmlformats.org/officeDocument/2006/relationships" xmlns:p="http://schemas.openxmlformats.org/presentationml/2006/main">
+  <p:cSld>
+    <p:spTree>
+      <p:nvGrpSpPr>
+        <p:cNvPr id="1" name=""/>
+        <p:cNvGrpSpPr/>
+        <p:nvPr/>
+      </p:nvGrpSpPr>
+      <p:grpSpPr>
+        <a:xfrm>
+          <a:off x="0" y="0"/>
+          <a:ext cx="0" cy="0"/>
+          <a:chOff x="0" y="0"/>
+          <a:chExt cx="0" cy="0"/>
+        </a:xfrm>
+      </p:grpSpPr>
+      <p:sp>
+        <p:nvSpPr>
+          <p:cNvPr id="2" name="Title 1"/>
+          <p:cNvSpPr>
+            <a:spLocks noGrp="1"/>
+          </p:cNvSpPr>
+          <p:nvPr>
+            <p:ph type="title"/>
+          </p:nvPr>
+        </p:nvSpPr>
+        <p:spPr/>
+        <p:txBody>
+          <a:bodyPr/>
+          <a:lstStyle/>
+          <a:p>
+            <a:r>
+              <a:rPr lang="en-US" dirty="0" smtClean="0"/>
+              <a:t>Library Design &amp; Implementation</a:t>
+            </a:r>
+            <a:endParaRPr lang="en-US" dirty="0"/>
+          </a:p>
+        </p:txBody>
+      </p:sp>
+      <p:sp>
+        <p:nvSpPr>
+          <p:cNvPr id="3" name="Text Placeholder 2"/>
+          <p:cNvSpPr>
+            <a:spLocks noGrp="1"/>
+          </p:cNvSpPr>
+          <p:nvPr>
+            <p:ph type="body" idx="1"/>
+          </p:nvPr>
+        </p:nvSpPr>
+        <p:spPr/>
+        <p:txBody>
+          <a:bodyPr/>
+          <a:lstStyle/>
+          <a:p>
+            <a:endParaRPr lang="en-US"/>
+          </a:p>
+        </p:txBody>
+      </p:sp>
+    </p:spTree>
+    <p:extLst>
+      <p:ext uri="{BB962C8B-B14F-4D97-AF65-F5344CB8AC3E}">
+        <p14:creationId xmlns:p14="http://schemas.microsoft.com/office/powerpoint/2010/main" val="925526082"/>
       </p:ext>
     </p:extLst>
   </p:cSld>
@@ -6017,7 +5928,7 @@
           <a:p>
             <a:r>
               <a:rPr lang="en-US" dirty="0" smtClean="0"/>
-              <a:t>Previous Work</a:t>
+              <a:t>Library Design &amp; Implementation</a:t>
             </a:r>
             <a:endParaRPr lang="en-US" dirty="0"/>
           </a:p>
@@ -6035,85 +5946,104 @@
         </p:nvSpPr>
         <p:spPr/>
         <p:txBody>
-          <a:bodyPr/>
+          <a:bodyPr>
+            <a:normAutofit fontScale="92500" lnSpcReduction="10000"/>
+          </a:bodyPr>
           <a:lstStyle/>
           <a:p>
             <a:pPr marL="0" indent="0">
-              <a:lnSpc>
-                <a:spcPct val="100000"/>
-              </a:lnSpc>
-              <a:spcBef>
-                <a:spcPts val="0"/>
-              </a:spcBef>
               <a:buNone/>
             </a:pPr>
             <a:r>
               <a:rPr lang="en-US" dirty="0" smtClean="0"/>
-              <a:t>Limitations of their model:</a:t>
-            </a:r>
-          </a:p>
-          <a:p>
-            <a:pPr>
-              <a:lnSpc>
-                <a:spcPct val="100000"/>
-              </a:lnSpc>
-              <a:spcBef>
-                <a:spcPts val="0"/>
-              </a:spcBef>
+              <a:t>CASL is developed as a free, open-source Julia </a:t>
+            </a:r>
+            <a:r>
+              <a:rPr lang="en-US" dirty="0" smtClean="0"/>
+              <a:t>package.</a:t>
+            </a:r>
+            <a:endParaRPr lang="en-US" dirty="0" smtClean="0"/>
+          </a:p>
+          <a:p>
+            <a:pPr marL="0" indent="0">
+              <a:buNone/>
             </a:pPr>
-            <a:r>
-              <a:rPr lang="en-US" dirty="0" smtClean="0"/>
-              <a:t>Implemented in expensive propriety software.</a:t>
-            </a:r>
-          </a:p>
-          <a:p>
-            <a:pPr>
-              <a:lnSpc>
-                <a:spcPct val="100000"/>
-              </a:lnSpc>
-              <a:spcBef>
-                <a:spcPts val="0"/>
-              </a:spcBef>
+            <a:endParaRPr lang="en-US" dirty="0"/>
+          </a:p>
+          <a:p>
+            <a:pPr marL="0" indent="0">
+              <a:buNone/>
             </a:pPr>
             <a:r>
               <a:rPr lang="en-US" dirty="0" smtClean="0"/>
-              <a:t>Designed only for the business curriculum.</a:t>
-            </a:r>
-          </a:p>
-          <a:p>
-            <a:pPr>
-              <a:lnSpc>
-                <a:spcPct val="100000"/>
-              </a:lnSpc>
-              <a:spcBef>
-                <a:spcPts val="0"/>
-              </a:spcBef>
+              <a:t>Julia is a free, open-source computational language designed for scientific computing as well as general-purpose use.</a:t>
+            </a:r>
+          </a:p>
+          <a:p>
+            <a:pPr marL="0" indent="0">
+              <a:buNone/>
             </a:pPr>
-            <a:r>
-              <a:rPr lang="en-US" dirty="0" smtClean="0"/>
-              <a:t>Student performance was based solely on pass rates with no support for more sophisticated models.</a:t>
-            </a:r>
-          </a:p>
-          <a:p>
-            <a:pPr>
-              <a:lnSpc>
-                <a:spcPct val="100000"/>
-              </a:lnSpc>
-              <a:spcBef>
-                <a:spcPts val="0"/>
-              </a:spcBef>
+            <a:endParaRPr lang="en-US" dirty="0"/>
+          </a:p>
+          <a:p>
+            <a:pPr marL="0" indent="0">
+              <a:buNone/>
             </a:pPr>
             <a:r>
               <a:rPr lang="en-US" dirty="0" smtClean="0"/>
-              <a:t>Did not support grad assignments.</a:t>
-            </a:r>
+              <a:t>Reasons for using Julia:</a:t>
+            </a:r>
+          </a:p>
+          <a:p>
+            <a:r>
+              <a:rPr lang="en-US" dirty="0" smtClean="0"/>
+              <a:t>Performance </a:t>
+            </a:r>
+            <a:r>
+              <a:rPr lang="mr-IN" dirty="0" smtClean="0"/>
+              <a:t>–</a:t>
+            </a:r>
+            <a:r>
+              <a:rPr lang="en-US" dirty="0" smtClean="0"/>
+              <a:t> close to C with </a:t>
+            </a:r>
+            <a:r>
+              <a:rPr lang="en-US" dirty="0"/>
+              <a:t>parallelism </a:t>
+            </a:r>
+            <a:r>
+              <a:rPr lang="en-US" dirty="0" smtClean="0"/>
+              <a:t>support</a:t>
+            </a:r>
+          </a:p>
+          <a:p>
+            <a:r>
+              <a:rPr lang="en-US" dirty="0" smtClean="0"/>
+              <a:t>Type </a:t>
+            </a:r>
+            <a:r>
+              <a:rPr lang="en-US" dirty="0" smtClean="0"/>
+              <a:t>system</a:t>
+            </a:r>
+          </a:p>
+          <a:p>
+            <a:r>
+              <a:rPr lang="en-US" dirty="0" smtClean="0"/>
+              <a:t>Great package system with a wide selection of machine-learning and statistical analysis libraries.</a:t>
+            </a:r>
+          </a:p>
+          <a:p>
+            <a:pPr marL="0" indent="0">
+              <a:buNone/>
+            </a:pPr>
+            <a:endParaRPr lang="en-US" dirty="0" smtClean="0"/>
           </a:p>
         </p:txBody>
       </p:sp>
     </p:spTree>
     <p:extLst>
       <p:ext uri="{BB962C8B-B14F-4D97-AF65-F5344CB8AC3E}">
-        <p14:creationId xmlns:p14="http://schemas.microsoft.com/office/powerpoint/2010/main" val="1998131728"/>
+        <p14:creationId xmlns:p14="http://schemas.microsoft.com/office/powerpoint/2010/main" val="91673614"/>
       </p:ext>
     </p:extLst>
   </p:cSld>
@@ -6172,12 +6102,12 @@
       </p:sp>
       <p:sp>
         <p:nvSpPr>
-          <p:cNvPr id="3" name="Text Placeholder 2"/>
-          <p:cNvSpPr>
-            <a:spLocks noGrp="1"/>
-          </p:cNvSpPr>
-          <p:nvPr>
-            <p:ph type="body" idx="1"/>
+          <p:cNvPr id="3" name="Content Placeholder 2"/>
+          <p:cNvSpPr>
+            <a:spLocks noGrp="1"/>
+          </p:cNvSpPr>
+          <p:nvPr>
+            <p:ph idx="1"/>
           </p:nvPr>
         </p:nvSpPr>
         <p:spPr/>
@@ -6185,257 +6115,17 @@
           <a:bodyPr/>
           <a:lstStyle/>
           <a:p>
-            <a:endParaRPr lang="en-US"/>
-          </a:p>
-        </p:txBody>
-      </p:sp>
-    </p:spTree>
-    <p:extLst>
-      <p:ext uri="{BB962C8B-B14F-4D97-AF65-F5344CB8AC3E}">
-        <p14:creationId xmlns:p14="http://schemas.microsoft.com/office/powerpoint/2010/main" val="925526082"/>
-      </p:ext>
-    </p:extLst>
-  </p:cSld>
-  <p:clrMapOvr>
-    <a:masterClrMapping/>
-  </p:clrMapOvr>
-  <p:timing>
-    <p:tnLst>
-      <p:par>
-        <p:cTn id="1" dur="indefinite" restart="never" nodeType="tmRoot"/>
-      </p:par>
-    </p:tnLst>
-  </p:timing>
-</p:sld>
-</file>
-
-<file path=ppt/slides/slide17.xml><?xml version="1.0" encoding="utf-8"?>
-<p:sld xmlns:a="http://schemas.openxmlformats.org/drawingml/2006/main" xmlns:r="http://schemas.openxmlformats.org/officeDocument/2006/relationships" xmlns:p="http://schemas.openxmlformats.org/presentationml/2006/main">
-  <p:cSld>
-    <p:spTree>
-      <p:nvGrpSpPr>
-        <p:cNvPr id="1" name=""/>
-        <p:cNvGrpSpPr/>
-        <p:nvPr/>
-      </p:nvGrpSpPr>
-      <p:grpSpPr>
-        <a:xfrm>
-          <a:off x="0" y="0"/>
-          <a:ext cx="0" cy="0"/>
-          <a:chOff x="0" y="0"/>
-          <a:chExt cx="0" cy="0"/>
-        </a:xfrm>
-      </p:grpSpPr>
-      <p:sp>
-        <p:nvSpPr>
-          <p:cNvPr id="2" name="Title 1"/>
-          <p:cNvSpPr>
-            <a:spLocks noGrp="1"/>
-          </p:cNvSpPr>
-          <p:nvPr>
-            <p:ph type="title"/>
-          </p:nvPr>
-        </p:nvSpPr>
-        <p:spPr/>
-        <p:txBody>
-          <a:bodyPr/>
-          <a:lstStyle/>
-          <a:p>
-            <a:r>
-              <a:rPr lang="en-US" dirty="0" smtClean="0"/>
-              <a:t>Library Design &amp; Implementation</a:t>
-            </a:r>
-            <a:endParaRPr lang="en-US" dirty="0"/>
-          </a:p>
-        </p:txBody>
-      </p:sp>
-      <p:sp>
-        <p:nvSpPr>
-          <p:cNvPr id="3" name="Content Placeholder 2"/>
-          <p:cNvSpPr>
-            <a:spLocks noGrp="1"/>
-          </p:cNvSpPr>
-          <p:nvPr>
-            <p:ph idx="1"/>
-          </p:nvPr>
-        </p:nvSpPr>
-        <p:spPr/>
-        <p:txBody>
-          <a:bodyPr>
-            <a:normAutofit fontScale="85000" lnSpcReduction="20000"/>
-          </a:bodyPr>
-          <a:lstStyle/>
-          <a:p>
-            <a:pPr marL="0" indent="0">
-              <a:buNone/>
-            </a:pPr>
-            <a:r>
-              <a:rPr lang="en-US" dirty="0" smtClean="0"/>
-              <a:t>CASL is developed as a free, open-source Julia module.</a:t>
-            </a:r>
-          </a:p>
-          <a:p>
-            <a:pPr marL="0" indent="0">
-              <a:buNone/>
-            </a:pPr>
-            <a:endParaRPr lang="en-US" dirty="0"/>
-          </a:p>
-          <a:p>
-            <a:pPr marL="0" indent="0">
-              <a:buNone/>
-            </a:pPr>
-            <a:r>
-              <a:rPr lang="en-US" dirty="0" smtClean="0"/>
-              <a:t>Julia is a free, open-source computational language designed for scientific computing as well as general-purpose use.</a:t>
-            </a:r>
-          </a:p>
-          <a:p>
-            <a:pPr marL="0" indent="0">
-              <a:buNone/>
-            </a:pPr>
-            <a:endParaRPr lang="en-US" dirty="0"/>
-          </a:p>
-          <a:p>
-            <a:pPr marL="0" indent="0">
-              <a:buNone/>
-            </a:pPr>
-            <a:r>
-              <a:rPr lang="en-US" dirty="0" smtClean="0"/>
-              <a:t>Reasons for using Julia:</a:t>
-            </a:r>
-          </a:p>
-          <a:p>
-            <a:r>
-              <a:rPr lang="en-US" dirty="0" smtClean="0"/>
-              <a:t>Performance </a:t>
-            </a:r>
-            <a:r>
-              <a:rPr lang="mr-IN" dirty="0" smtClean="0"/>
-              <a:t>–</a:t>
-            </a:r>
-            <a:r>
-              <a:rPr lang="en-US" dirty="0" smtClean="0"/>
-              <a:t> close to C with </a:t>
-            </a:r>
-            <a:r>
-              <a:rPr lang="en-US" dirty="0"/>
-              <a:t>parallelism </a:t>
-            </a:r>
-            <a:r>
-              <a:rPr lang="en-US" dirty="0" smtClean="0"/>
-              <a:t>support</a:t>
-            </a:r>
-          </a:p>
-          <a:p>
-            <a:r>
-              <a:rPr lang="en-US" dirty="0" smtClean="0"/>
-              <a:t>Better scripting capabilities than other languages such as MATLAB</a:t>
-            </a:r>
-          </a:p>
-          <a:p>
-            <a:r>
-              <a:rPr lang="en-US" dirty="0" smtClean="0"/>
-              <a:t>Support for handling various data formats such as CSV and JSON</a:t>
-            </a:r>
-          </a:p>
-          <a:p>
-            <a:r>
-              <a:rPr lang="en-US" dirty="0" smtClean="0"/>
-              <a:t>Type system</a:t>
-            </a:r>
-          </a:p>
-          <a:p>
-            <a:r>
-              <a:rPr lang="en-US" dirty="0" smtClean="0"/>
-              <a:t>Great package system with a wide selection of machine-learning and statistical analysis libraries.</a:t>
-            </a:r>
-          </a:p>
-          <a:p>
-            <a:pPr marL="0" indent="0">
-              <a:buNone/>
-            </a:pPr>
-            <a:endParaRPr lang="en-US" dirty="0" smtClean="0"/>
-          </a:p>
-        </p:txBody>
-      </p:sp>
-    </p:spTree>
-    <p:extLst>
-      <p:ext uri="{BB962C8B-B14F-4D97-AF65-F5344CB8AC3E}">
-        <p14:creationId xmlns:p14="http://schemas.microsoft.com/office/powerpoint/2010/main" val="91673614"/>
-      </p:ext>
-    </p:extLst>
-  </p:cSld>
-  <p:clrMapOvr>
-    <a:masterClrMapping/>
-  </p:clrMapOvr>
-  <p:timing>
-    <p:tnLst>
-      <p:par>
-        <p:cTn id="1" dur="indefinite" restart="never" nodeType="tmRoot"/>
-      </p:par>
-    </p:tnLst>
-  </p:timing>
-</p:sld>
-</file>
-
-<file path=ppt/slides/slide18.xml><?xml version="1.0" encoding="utf-8"?>
-<p:sld xmlns:a="http://schemas.openxmlformats.org/drawingml/2006/main" xmlns:r="http://schemas.openxmlformats.org/officeDocument/2006/relationships" xmlns:p="http://schemas.openxmlformats.org/presentationml/2006/main">
-  <p:cSld>
-    <p:spTree>
-      <p:nvGrpSpPr>
-        <p:cNvPr id="1" name=""/>
-        <p:cNvGrpSpPr/>
-        <p:nvPr/>
-      </p:nvGrpSpPr>
-      <p:grpSpPr>
-        <a:xfrm>
-          <a:off x="0" y="0"/>
-          <a:ext cx="0" cy="0"/>
-          <a:chOff x="0" y="0"/>
-          <a:chExt cx="0" cy="0"/>
-        </a:xfrm>
-      </p:grpSpPr>
-      <p:sp>
-        <p:nvSpPr>
-          <p:cNvPr id="2" name="Title 1"/>
-          <p:cNvSpPr>
-            <a:spLocks noGrp="1"/>
-          </p:cNvSpPr>
-          <p:nvPr>
-            <p:ph type="title"/>
-          </p:nvPr>
-        </p:nvSpPr>
-        <p:spPr/>
-        <p:txBody>
-          <a:bodyPr/>
-          <a:lstStyle/>
-          <a:p>
-            <a:r>
-              <a:rPr lang="en-US" dirty="0" smtClean="0"/>
-              <a:t>Library Design &amp; Implementation</a:t>
-            </a:r>
-            <a:endParaRPr lang="en-US" dirty="0"/>
-          </a:p>
-        </p:txBody>
-      </p:sp>
-      <p:sp>
-        <p:nvSpPr>
-          <p:cNvPr id="3" name="Content Placeholder 2"/>
-          <p:cNvSpPr>
-            <a:spLocks noGrp="1"/>
-          </p:cNvSpPr>
-          <p:nvPr>
-            <p:ph idx="1"/>
-          </p:nvPr>
-        </p:nvSpPr>
-        <p:spPr/>
-        <p:txBody>
-          <a:bodyPr/>
-          <a:lstStyle/>
-          <a:p>
-            <a:r>
-              <a:rPr lang="en-US" dirty="0" smtClean="0"/>
-              <a:t>CASL is comprised of three main components:</a:t>
+            <a:r>
+              <a:rPr lang="en-US" dirty="0" smtClean="0"/>
+              <a:t>CASL is </a:t>
+            </a:r>
+            <a:r>
+              <a:rPr lang="en-US" dirty="0" smtClean="0"/>
+              <a:t>comprised </a:t>
+            </a:r>
+            <a:r>
+              <a:rPr lang="en-US" dirty="0" smtClean="0"/>
+              <a:t>of three main components:</a:t>
             </a:r>
           </a:p>
           <a:p>
@@ -6531,7 +6221,7 @@
 </p:sld>
 </file>
 
-<file path=ppt/slides/slide19.xml><?xml version="1.0" encoding="utf-8"?>
+<file path=ppt/slides/slide17.xml><?xml version="1.0" encoding="utf-8"?>
 <p:sld xmlns:a="http://schemas.openxmlformats.org/drawingml/2006/main" xmlns:r="http://schemas.openxmlformats.org/officeDocument/2006/relationships" xmlns:p="http://schemas.openxmlformats.org/presentationml/2006/main">
   <p:cSld>
     <p:spTree>
@@ -6620,6 +6310,403 @@
 </p:sld>
 </file>
 
+<file path=ppt/slides/slide18.xml><?xml version="1.0" encoding="utf-8"?>
+<p:sld xmlns:a="http://schemas.openxmlformats.org/drawingml/2006/main" xmlns:r="http://schemas.openxmlformats.org/officeDocument/2006/relationships" xmlns:p="http://schemas.openxmlformats.org/presentationml/2006/main">
+  <p:cSld>
+    <p:spTree>
+      <p:nvGrpSpPr>
+        <p:cNvPr id="1" name=""/>
+        <p:cNvGrpSpPr/>
+        <p:nvPr/>
+      </p:nvGrpSpPr>
+      <p:grpSpPr>
+        <a:xfrm>
+          <a:off x="0" y="0"/>
+          <a:ext cx="0" cy="0"/>
+          <a:chOff x="0" y="0"/>
+          <a:chExt cx="0" cy="0"/>
+        </a:xfrm>
+      </p:grpSpPr>
+      <p:sp>
+        <p:nvSpPr>
+          <p:cNvPr id="2" name="Title 1"/>
+          <p:cNvSpPr>
+            <a:spLocks noGrp="1"/>
+          </p:cNvSpPr>
+          <p:nvPr>
+            <p:ph type="title"/>
+          </p:nvPr>
+        </p:nvSpPr>
+        <p:spPr/>
+        <p:txBody>
+          <a:bodyPr/>
+          <a:lstStyle/>
+          <a:p>
+            <a:r>
+              <a:rPr lang="en-US" dirty="0" smtClean="0"/>
+              <a:t>Library Design &amp; Implementation</a:t>
+            </a:r>
+            <a:endParaRPr lang="en-US" dirty="0"/>
+          </a:p>
+        </p:txBody>
+      </p:sp>
+      <p:sp>
+        <p:nvSpPr>
+          <p:cNvPr id="3" name="Content Placeholder 2"/>
+          <p:cNvSpPr>
+            <a:spLocks noGrp="1"/>
+          </p:cNvSpPr>
+          <p:nvPr>
+            <p:ph idx="1"/>
+          </p:nvPr>
+        </p:nvSpPr>
+        <p:spPr/>
+        <p:txBody>
+          <a:bodyPr>
+            <a:normAutofit lnSpcReduction="10000"/>
+          </a:bodyPr>
+          <a:lstStyle/>
+          <a:p>
+            <a:pPr marL="0" indent="0">
+              <a:buNone/>
+            </a:pPr>
+            <a:r>
+              <a:rPr lang="en-US" b="1" dirty="0" smtClean="0"/>
+              <a:t>Custom Data Types</a:t>
+            </a:r>
+            <a:r>
+              <a:rPr lang="en-US" i="1" dirty="0" smtClean="0"/>
+              <a:t>, </a:t>
+            </a:r>
+            <a:r>
+              <a:rPr lang="en-US" dirty="0" smtClean="0"/>
+              <a:t>while note true objects, are entities similar to structures in C in that they encapsulate a set of attributes.</a:t>
+            </a:r>
+            <a:endParaRPr lang="en-US" b="1" dirty="0" smtClean="0"/>
+          </a:p>
+          <a:p>
+            <a:pPr marL="0" indent="0">
+              <a:buNone/>
+            </a:pPr>
+            <a:endParaRPr lang="en-US" dirty="0"/>
+          </a:p>
+          <a:p>
+            <a:pPr marL="0" indent="0">
+              <a:buNone/>
+            </a:pPr>
+            <a:r>
+              <a:rPr lang="en-US" b="1" dirty="0" smtClean="0"/>
+              <a:t>Course </a:t>
+            </a:r>
+            <a:r>
+              <a:rPr lang="mr-IN" b="1" dirty="0" smtClean="0"/>
+              <a:t>–</a:t>
+            </a:r>
+            <a:r>
+              <a:rPr lang="en-US" b="1" dirty="0" smtClean="0"/>
+              <a:t> </a:t>
+            </a:r>
+            <a:r>
+              <a:rPr lang="en-US" dirty="0" smtClean="0"/>
+              <a:t>credit hours, </a:t>
+            </a:r>
+            <a:r>
+              <a:rPr lang="en-US" dirty="0" err="1" smtClean="0"/>
+              <a:t>prereqs</a:t>
+            </a:r>
+            <a:r>
+              <a:rPr lang="en-US" dirty="0" smtClean="0"/>
+              <a:t>, </a:t>
+            </a:r>
+            <a:r>
+              <a:rPr lang="en-US" dirty="0" err="1" smtClean="0"/>
+              <a:t>coreqs</a:t>
+            </a:r>
+            <a:r>
+              <a:rPr lang="en-US" dirty="0" smtClean="0"/>
+              <a:t>, </a:t>
+            </a:r>
+            <a:r>
+              <a:rPr lang="en-US" dirty="0" err="1" smtClean="0"/>
+              <a:t>passrate</a:t>
+            </a:r>
+            <a:r>
+              <a:rPr lang="en-US" dirty="0" smtClean="0"/>
+              <a:t>, complexity measures, simulation statistics, etc.</a:t>
+            </a:r>
+            <a:endParaRPr lang="en-US" b="1" dirty="0" smtClean="0"/>
+          </a:p>
+          <a:p>
+            <a:pPr marL="0" indent="0">
+              <a:buNone/>
+            </a:pPr>
+            <a:r>
+              <a:rPr lang="en-US" b="1" dirty="0" smtClean="0"/>
+              <a:t>Term </a:t>
+            </a:r>
+            <a:r>
+              <a:rPr lang="mr-IN" b="1" dirty="0" smtClean="0"/>
+              <a:t>–</a:t>
+            </a:r>
+            <a:r>
+              <a:rPr lang="en-US" b="1" dirty="0" smtClean="0"/>
+              <a:t> </a:t>
+            </a:r>
+            <a:r>
+              <a:rPr lang="en-US" dirty="0" smtClean="0"/>
+              <a:t>a set of courses, simulation statistics, etc.</a:t>
+            </a:r>
+            <a:endParaRPr lang="en-US" b="1" dirty="0" smtClean="0"/>
+          </a:p>
+          <a:p>
+            <a:pPr marL="0" indent="0">
+              <a:buNone/>
+            </a:pPr>
+            <a:r>
+              <a:rPr lang="en-US" b="1" dirty="0" smtClean="0"/>
+              <a:t>Curriculum </a:t>
+            </a:r>
+            <a:r>
+              <a:rPr lang="mr-IN" b="1" dirty="0" smtClean="0"/>
+              <a:t>–</a:t>
+            </a:r>
+            <a:r>
+              <a:rPr lang="en-US" b="1" dirty="0" smtClean="0"/>
+              <a:t> </a:t>
+            </a:r>
+            <a:r>
+              <a:rPr lang="en-US" dirty="0" smtClean="0"/>
+              <a:t>set of terms, credit hours, complexity measures, etc.</a:t>
+            </a:r>
+          </a:p>
+          <a:p>
+            <a:pPr marL="0" indent="0">
+              <a:buNone/>
+            </a:pPr>
+            <a:r>
+              <a:rPr lang="en-US" b="1" dirty="0" smtClean="0"/>
+              <a:t>Students </a:t>
+            </a:r>
+            <a:r>
+              <a:rPr lang="mr-IN" b="1" dirty="0" smtClean="0"/>
+              <a:t>–</a:t>
+            </a:r>
+            <a:r>
+              <a:rPr lang="en-US" dirty="0" smtClean="0"/>
+              <a:t> attempted credit hours, status, user-defined characteristics (ACT), received grades, GPA, etc.</a:t>
+            </a:r>
+          </a:p>
+          <a:p>
+            <a:pPr marL="0" indent="0">
+              <a:buNone/>
+            </a:pPr>
+            <a:r>
+              <a:rPr lang="en-US" b="1" dirty="0" smtClean="0"/>
+              <a:t>Simulation </a:t>
+            </a:r>
+            <a:r>
+              <a:rPr lang="mr-IN" b="1" dirty="0" smtClean="0"/>
+              <a:t>–</a:t>
+            </a:r>
+            <a:r>
+              <a:rPr lang="en-US" dirty="0" smtClean="0"/>
+              <a:t> simulation results and statistics.</a:t>
+            </a:r>
+            <a:endParaRPr lang="en-US" b="1" dirty="0" smtClean="0"/>
+          </a:p>
+        </p:txBody>
+      </p:sp>
+    </p:spTree>
+    <p:extLst>
+      <p:ext uri="{BB962C8B-B14F-4D97-AF65-F5344CB8AC3E}">
+        <p14:creationId xmlns:p14="http://schemas.microsoft.com/office/powerpoint/2010/main" val="654070923"/>
+      </p:ext>
+    </p:extLst>
+  </p:cSld>
+  <p:clrMapOvr>
+    <a:masterClrMapping/>
+  </p:clrMapOvr>
+  <p:timing>
+    <p:tnLst>
+      <p:par>
+        <p:cTn id="1" dur="indefinite" restart="never" nodeType="tmRoot"/>
+      </p:par>
+    </p:tnLst>
+  </p:timing>
+</p:sld>
+</file>
+
+<file path=ppt/slides/slide19.xml><?xml version="1.0" encoding="utf-8"?>
+<p:sld xmlns:a="http://schemas.openxmlformats.org/drawingml/2006/main" xmlns:r="http://schemas.openxmlformats.org/officeDocument/2006/relationships" xmlns:p="http://schemas.openxmlformats.org/presentationml/2006/main">
+  <p:cSld>
+    <p:spTree>
+      <p:nvGrpSpPr>
+        <p:cNvPr id="1" name=""/>
+        <p:cNvGrpSpPr/>
+        <p:nvPr/>
+      </p:nvGrpSpPr>
+      <p:grpSpPr>
+        <a:xfrm>
+          <a:off x="0" y="0"/>
+          <a:ext cx="0" cy="0"/>
+          <a:chOff x="0" y="0"/>
+          <a:chExt cx="0" cy="0"/>
+        </a:xfrm>
+      </p:grpSpPr>
+      <p:sp>
+        <p:nvSpPr>
+          <p:cNvPr id="2" name="Title 1"/>
+          <p:cNvSpPr>
+            <a:spLocks noGrp="1"/>
+          </p:cNvSpPr>
+          <p:nvPr>
+            <p:ph type="title"/>
+          </p:nvPr>
+        </p:nvSpPr>
+        <p:spPr/>
+        <p:txBody>
+          <a:bodyPr/>
+          <a:lstStyle/>
+          <a:p>
+            <a:r>
+              <a:rPr lang="en-US" dirty="0" smtClean="0"/>
+              <a:t>Library Design &amp; Implementation</a:t>
+            </a:r>
+            <a:endParaRPr lang="en-US" dirty="0"/>
+          </a:p>
+        </p:txBody>
+      </p:sp>
+      <p:sp>
+        <p:nvSpPr>
+          <p:cNvPr id="3" name="Content Placeholder 2"/>
+          <p:cNvSpPr>
+            <a:spLocks noGrp="1"/>
+          </p:cNvSpPr>
+          <p:nvPr>
+            <p:ph idx="1"/>
+          </p:nvPr>
+        </p:nvSpPr>
+        <p:spPr/>
+        <p:txBody>
+          <a:bodyPr>
+            <a:normAutofit/>
+          </a:bodyPr>
+          <a:lstStyle/>
+          <a:p>
+            <a:pPr marL="0" indent="0">
+              <a:buNone/>
+            </a:pPr>
+            <a:r>
+              <a:rPr lang="en-US" b="1" dirty="0" smtClean="0"/>
+              <a:t>Performance Models</a:t>
+            </a:r>
+            <a:r>
+              <a:rPr lang="en-US" dirty="0" smtClean="0"/>
+              <a:t> are </a:t>
+            </a:r>
+            <a:r>
+              <a:rPr lang="en-US" dirty="0"/>
+              <a:t>J</a:t>
+            </a:r>
+            <a:r>
+              <a:rPr lang="en-US" dirty="0" smtClean="0"/>
+              <a:t>ulia modules that are used in simulations to determine how student’s perform in their courses. This gives users flexibility in designing their own simulations.</a:t>
+            </a:r>
+          </a:p>
+          <a:p>
+            <a:r>
+              <a:rPr lang="en-US" i="1" dirty="0" smtClean="0"/>
+              <a:t>train(curriculum) </a:t>
+            </a:r>
+            <a:r>
+              <a:rPr lang="mr-IN" i="1" dirty="0" smtClean="0"/>
+              <a:t>–</a:t>
+            </a:r>
+            <a:r>
+              <a:rPr lang="en-US" i="1" dirty="0" smtClean="0"/>
+              <a:t> </a:t>
+            </a:r>
+            <a:r>
+              <a:rPr lang="en-US" dirty="0" smtClean="0"/>
+              <a:t>called before the simulation and is used to train any models to predict grades for each course. </a:t>
+            </a:r>
+          </a:p>
+          <a:p>
+            <a:r>
+              <a:rPr lang="en-US" i="1" dirty="0" err="1" smtClean="0"/>
+              <a:t>predict_grade</a:t>
+            </a:r>
+            <a:r>
+              <a:rPr lang="en-US" i="1" dirty="0" smtClean="0"/>
+              <a:t>(course, student) </a:t>
+            </a:r>
+            <a:r>
+              <a:rPr lang="mr-IN" i="1" dirty="0" smtClean="0"/>
+              <a:t>–</a:t>
+            </a:r>
+            <a:r>
+              <a:rPr lang="en-US" i="1" dirty="0" smtClean="0"/>
+              <a:t> </a:t>
+            </a:r>
+            <a:r>
+              <a:rPr lang="en-US" dirty="0" smtClean="0"/>
+              <a:t>predicts the received grade for a student in the enrolled course using trained models.</a:t>
+            </a:r>
+          </a:p>
+          <a:p>
+            <a:r>
+              <a:rPr lang="en-US" i="1" dirty="0" err="1" smtClean="0"/>
+              <a:t>predict_stopout</a:t>
+            </a:r>
+            <a:r>
+              <a:rPr lang="en-US" i="1" dirty="0" smtClean="0"/>
+              <a:t>(student, </a:t>
+            </a:r>
+            <a:r>
+              <a:rPr lang="en-US" i="1" dirty="0" err="1" smtClean="0"/>
+              <a:t>current_term</a:t>
+            </a:r>
+            <a:r>
+              <a:rPr lang="en-US" i="1" dirty="0" smtClean="0"/>
+              <a:t>, model) </a:t>
+            </a:r>
+            <a:r>
+              <a:rPr lang="mr-IN" i="1" dirty="0" smtClean="0"/>
+              <a:t>–</a:t>
+            </a:r>
+            <a:r>
+              <a:rPr lang="en-US" i="1" dirty="0" smtClean="0"/>
+              <a:t> predicts whether the student will drop out at the end of each term.</a:t>
+            </a:r>
+          </a:p>
+          <a:p>
+            <a:pPr marL="0" indent="0">
+              <a:buNone/>
+            </a:pPr>
+            <a:endParaRPr lang="en-US" i="1" dirty="0"/>
+          </a:p>
+        </p:txBody>
+      </p:sp>
+    </p:spTree>
+    <p:extLst>
+      <p:ext uri="{BB962C8B-B14F-4D97-AF65-F5344CB8AC3E}">
+        <p14:creationId xmlns:p14="http://schemas.microsoft.com/office/powerpoint/2010/main" val="2081214822"/>
+      </p:ext>
+    </p:extLst>
+  </p:cSld>
+  <p:clrMapOvr>
+    <a:masterClrMapping/>
+  </p:clrMapOvr>
+  <p:timing>
+    <p:tnLst>
+      <p:par>
+        <p:cTn id="1" dur="indefinite" restart="never" nodeType="tmRoot"/>
+      </p:par>
+    </p:tnLst>
+  </p:timing>
+</p:sld>
+</file>
+
 <file path=ppt/slides/slide2.xml><?xml version="1.0" encoding="utf-8"?>
 <p:sld xmlns:a="http://schemas.openxmlformats.org/drawingml/2006/main" xmlns:r="http://schemas.openxmlformats.org/officeDocument/2006/relationships" xmlns:p="http://schemas.openxmlformats.org/presentationml/2006/main">
   <p:cSld>
@@ -6689,11 +6776,7 @@
           <a:p>
             <a:r>
               <a:rPr lang="en-US" dirty="0" smtClean="0"/>
-              <a:t>Library </a:t>
-            </a:r>
-            <a:r>
-              <a:rPr lang="en-US" dirty="0" smtClean="0"/>
-              <a:t>Design &amp; Implementation</a:t>
+              <a:t>Library Design &amp; Implementation</a:t>
             </a:r>
           </a:p>
           <a:p>
@@ -6701,7 +6784,6 @@
               <a:rPr lang="en-US" dirty="0" smtClean="0"/>
               <a:t>Simulation Details</a:t>
             </a:r>
-            <a:endParaRPr lang="en-US" dirty="0" smtClean="0"/>
           </a:p>
           <a:p>
             <a:r>
@@ -6712,11 +6794,7 @@
           <a:p>
             <a:r>
               <a:rPr lang="en-US" dirty="0" smtClean="0"/>
-              <a:t>Future </a:t>
-            </a:r>
-            <a:r>
-              <a:rPr lang="en-US" dirty="0" smtClean="0"/>
-              <a:t>Work</a:t>
+              <a:t>Future Work</a:t>
             </a:r>
             <a:endParaRPr lang="en-US" dirty="0"/>
           </a:p>
@@ -6795,7 +6873,7 @@
         <p:spPr/>
         <p:txBody>
           <a:bodyPr>
-            <a:normAutofit lnSpcReduction="10000"/>
+            <a:normAutofit fontScale="92500" lnSpcReduction="10000"/>
           </a:bodyPr>
           <a:lstStyle/>
           <a:p>
@@ -6803,18 +6881,130 @@
               <a:buNone/>
             </a:pPr>
             <a:r>
-              <a:rPr lang="en-US" b="1" dirty="0" smtClean="0"/>
-              <a:t>Custom Data Types</a:t>
+              <a:rPr lang="en-US" dirty="0" smtClean="0"/>
+              <a:t>Finally, everything comes together to simulate students through CASL’s </a:t>
             </a:r>
             <a:r>
               <a:rPr lang="en-US" i="1" dirty="0" smtClean="0"/>
-              <a:t>, </a:t>
-            </a:r>
-            <a:r>
-              <a:rPr lang="en-US" dirty="0" smtClean="0"/>
-              <a:t>while note true objects, are entities similar to structures in C in that they encapsulate a set of attributes.</a:t>
-            </a:r>
-            <a:endParaRPr lang="en-US" b="1" dirty="0" smtClean="0"/>
+              <a:t>simulate()</a:t>
+            </a:r>
+            <a:r>
+              <a:rPr lang="en-US" dirty="0" smtClean="0"/>
+              <a:t> method which requires the following arguments:</a:t>
+            </a:r>
+          </a:p>
+          <a:p>
+            <a:r>
+              <a:rPr lang="en-US" dirty="0" smtClean="0"/>
+              <a:t>Curriculum</a:t>
+            </a:r>
+          </a:p>
+          <a:p>
+            <a:r>
+              <a:rPr lang="en-US" dirty="0" smtClean="0"/>
+              <a:t>A set of students</a:t>
+            </a:r>
+          </a:p>
+          <a:p>
+            <a:r>
+              <a:rPr lang="en-US" dirty="0" smtClean="0"/>
+              <a:t>Performance Module (optional) </a:t>
+            </a:r>
+            <a:r>
+              <a:rPr lang="mr-IN" dirty="0" smtClean="0"/>
+              <a:t>–</a:t>
+            </a:r>
+            <a:r>
+              <a:rPr lang="en-US" dirty="0" smtClean="0"/>
+              <a:t> if not supplied a built in model that uses course </a:t>
+            </a:r>
+            <a:r>
+              <a:rPr lang="en-US" dirty="0" err="1" smtClean="0"/>
+              <a:t>passrates</a:t>
+            </a:r>
+            <a:r>
+              <a:rPr lang="en-US" dirty="0" smtClean="0"/>
+              <a:t> is used.</a:t>
+            </a:r>
+          </a:p>
+          <a:p>
+            <a:r>
+              <a:rPr lang="en-US" dirty="0" smtClean="0"/>
+              <a:t>Parameters:</a:t>
+            </a:r>
+          </a:p>
+          <a:p>
+            <a:pPr lvl="1"/>
+            <a:r>
+              <a:rPr lang="en-US" dirty="0"/>
+              <a:t>d</a:t>
+            </a:r>
+            <a:r>
+              <a:rPr lang="en-US" dirty="0" smtClean="0"/>
+              <a:t>uration </a:t>
+            </a:r>
+            <a:r>
+              <a:rPr lang="mr-IN" dirty="0" smtClean="0"/>
+              <a:t>–</a:t>
+            </a:r>
+            <a:r>
+              <a:rPr lang="en-US" dirty="0" smtClean="0"/>
+              <a:t> the number of semesters to run the </a:t>
+            </a:r>
+            <a:r>
+              <a:rPr lang="en-US" dirty="0" err="1" smtClean="0"/>
+              <a:t>simulatio</a:t>
+            </a:r>
+            <a:r>
+              <a:rPr lang="en-US" dirty="0" smtClean="0"/>
+              <a:t> for.</a:t>
+            </a:r>
+          </a:p>
+          <a:p>
+            <a:pPr lvl="1"/>
+            <a:r>
+              <a:rPr lang="en-US" dirty="0" smtClean="0"/>
+              <a:t>max-credits </a:t>
+            </a:r>
+            <a:r>
+              <a:rPr lang="mr-IN" dirty="0" smtClean="0"/>
+              <a:t>–</a:t>
+            </a:r>
+            <a:r>
+              <a:rPr lang="en-US" dirty="0" smtClean="0"/>
+              <a:t> the maximum number of credit hours a student can take in one semester</a:t>
+            </a:r>
+          </a:p>
+          <a:p>
+            <a:pPr lvl="1"/>
+            <a:r>
+              <a:rPr lang="en-US" dirty="0" err="1"/>
+              <a:t>s</a:t>
+            </a:r>
+            <a:r>
+              <a:rPr lang="en-US" dirty="0" err="1" smtClean="0"/>
+              <a:t>topouts</a:t>
+            </a:r>
+            <a:r>
+              <a:rPr lang="en-US" dirty="0" smtClean="0"/>
+              <a:t> </a:t>
+            </a:r>
+            <a:r>
+              <a:rPr lang="mr-IN" dirty="0" smtClean="0"/>
+              <a:t>–</a:t>
+            </a:r>
+            <a:r>
+              <a:rPr lang="en-US" dirty="0" smtClean="0"/>
+              <a:t> a </a:t>
+            </a:r>
+            <a:r>
+              <a:rPr lang="en-US" dirty="0" err="1" smtClean="0"/>
+              <a:t>boolean</a:t>
+            </a:r>
+            <a:r>
+              <a:rPr lang="en-US" dirty="0" smtClean="0"/>
+              <a:t>, that when set to false, will not simulate students stopping out.</a:t>
+            </a:r>
           </a:p>
           <a:p>
             <a:pPr marL="0" indent="0">
@@ -6826,132 +7016,14 @@
             <a:pPr marL="0" indent="0">
               <a:buNone/>
             </a:pPr>
-            <a:r>
-              <a:rPr lang="en-US" b="1" dirty="0" smtClean="0"/>
-              <a:t>Course </a:t>
-            </a:r>
-            <a:r>
-              <a:rPr lang="mr-IN" b="1" dirty="0" smtClean="0"/>
-              <a:t>–</a:t>
-            </a:r>
-            <a:r>
-              <a:rPr lang="en-US" b="1" dirty="0" smtClean="0"/>
-              <a:t> </a:t>
-            </a:r>
-            <a:r>
-              <a:rPr lang="en-US" dirty="0" smtClean="0"/>
-              <a:t>credit hours, </a:t>
-            </a:r>
-            <a:r>
-              <a:rPr lang="en-US" dirty="0" err="1" smtClean="0"/>
-              <a:t>prereqs</a:t>
-            </a:r>
-            <a:r>
-              <a:rPr lang="en-US" dirty="0" smtClean="0"/>
-              <a:t>, </a:t>
-            </a:r>
-            <a:r>
-              <a:rPr lang="en-US" dirty="0" err="1" smtClean="0"/>
-              <a:t>coreqs</a:t>
-            </a:r>
-            <a:r>
-              <a:rPr lang="en-US" dirty="0" smtClean="0"/>
-              <a:t>, </a:t>
-            </a:r>
-            <a:r>
-              <a:rPr lang="en-US" dirty="0" err="1" smtClean="0"/>
-              <a:t>passrate</a:t>
-            </a:r>
-            <a:r>
-              <a:rPr lang="en-US" dirty="0" smtClean="0"/>
-              <a:t>, complexity measures, simulation statistics, etc.</a:t>
-            </a:r>
-            <a:endParaRPr lang="en-US" b="1" dirty="0" smtClean="0"/>
-          </a:p>
-          <a:p>
-            <a:pPr marL="0" indent="0">
-              <a:buNone/>
-            </a:pPr>
-            <a:r>
-              <a:rPr lang="en-US" b="1" dirty="0" smtClean="0"/>
-              <a:t>Term </a:t>
-            </a:r>
-            <a:r>
-              <a:rPr lang="mr-IN" b="1" dirty="0" smtClean="0"/>
-              <a:t>–</a:t>
-            </a:r>
-            <a:r>
-              <a:rPr lang="en-US" b="1" dirty="0" smtClean="0"/>
-              <a:t> </a:t>
-            </a:r>
-            <a:r>
-              <a:rPr lang="en-US" dirty="0" smtClean="0"/>
-              <a:t>a set of courses, simulation statistics, etc.</a:t>
-            </a:r>
-            <a:endParaRPr lang="en-US" b="1" dirty="0" smtClean="0"/>
-          </a:p>
-          <a:p>
-            <a:pPr marL="0" indent="0">
-              <a:buNone/>
-            </a:pPr>
-            <a:r>
-              <a:rPr lang="en-US" b="1" dirty="0" smtClean="0"/>
-              <a:t>Curriculum </a:t>
-            </a:r>
-            <a:r>
-              <a:rPr lang="mr-IN" b="1" dirty="0" smtClean="0"/>
-              <a:t>–</a:t>
-            </a:r>
-            <a:r>
-              <a:rPr lang="en-US" b="1" dirty="0" smtClean="0"/>
-              <a:t> </a:t>
-            </a:r>
-            <a:r>
-              <a:rPr lang="en-US" dirty="0" smtClean="0"/>
-              <a:t>set of terms, credit hours, complexity measures, etc.</a:t>
-            </a:r>
-          </a:p>
-          <a:p>
-            <a:pPr marL="0" indent="0">
-              <a:buNone/>
-            </a:pPr>
-            <a:r>
-              <a:rPr lang="en-US" b="1" dirty="0" smtClean="0"/>
-              <a:t>Students </a:t>
-            </a:r>
-            <a:r>
-              <a:rPr lang="mr-IN" b="1" dirty="0" smtClean="0"/>
-              <a:t>–</a:t>
-            </a:r>
-            <a:r>
-              <a:rPr lang="en-US" dirty="0" smtClean="0"/>
-              <a:t> attempted credit hours, status, user-defined characteristics (ACT), received grades, GPA, etc.</a:t>
-            </a:r>
-          </a:p>
-          <a:p>
-            <a:pPr marL="0" indent="0">
-              <a:buNone/>
-            </a:pPr>
-            <a:r>
-              <a:rPr lang="en-US" b="1" dirty="0" smtClean="0"/>
-              <a:t>Simulation </a:t>
-            </a:r>
-            <a:r>
-              <a:rPr lang="mr-IN" b="1" dirty="0" smtClean="0"/>
-              <a:t>–</a:t>
-            </a:r>
-            <a:r>
-              <a:rPr lang="en-US" dirty="0" smtClean="0"/>
-              <a:t> simulation results and statistics.</a:t>
-            </a:r>
-            <a:endParaRPr lang="en-US" b="1" dirty="0" smtClean="0"/>
+            <a:endParaRPr lang="en-US" dirty="0"/>
           </a:p>
         </p:txBody>
       </p:sp>
     </p:spTree>
     <p:extLst>
       <p:ext uri="{BB962C8B-B14F-4D97-AF65-F5344CB8AC3E}">
-        <p14:creationId xmlns:p14="http://schemas.microsoft.com/office/powerpoint/2010/main" val="654070923"/>
+        <p14:creationId xmlns:p14="http://schemas.microsoft.com/office/powerpoint/2010/main" val="500128046"/>
       </p:ext>
     </p:extLst>
   </p:cSld>
@@ -7002,7 +7074,7 @@
           <a:p>
             <a:r>
               <a:rPr lang="en-US" dirty="0" smtClean="0"/>
-              <a:t>Library Design &amp; Implementation</a:t>
+              <a:t>Simulation Details</a:t>
             </a:r>
             <a:endParaRPr lang="en-US" dirty="0"/>
           </a:p>
@@ -7010,119 +7082,27 @@
       </p:sp>
       <p:sp>
         <p:nvSpPr>
-          <p:cNvPr id="3" name="Content Placeholder 2"/>
-          <p:cNvSpPr>
-            <a:spLocks noGrp="1"/>
-          </p:cNvSpPr>
-          <p:nvPr>
-            <p:ph idx="1"/>
-          </p:nvPr>
-        </p:nvSpPr>
-        <p:spPr/>
-        <p:txBody>
-          <a:bodyPr>
-            <a:normAutofit/>
-          </a:bodyPr>
-          <a:lstStyle/>
-          <a:p>
-            <a:pPr marL="0" indent="0">
-              <a:buNone/>
-            </a:pPr>
-            <a:r>
-              <a:rPr lang="en-US" b="1" dirty="0" smtClean="0"/>
-              <a:t>Performance Models</a:t>
-            </a:r>
-            <a:r>
-              <a:rPr lang="en-US" dirty="0" smtClean="0"/>
-              <a:t> are </a:t>
-            </a:r>
-            <a:r>
-              <a:rPr lang="en-US" dirty="0"/>
-              <a:t>J</a:t>
-            </a:r>
-            <a:r>
-              <a:rPr lang="en-US" dirty="0" smtClean="0"/>
-              <a:t>ulia modules that are used in simulations to determine how student’s perform in their courses. This gives users flexibility in designing their own simulations.</a:t>
-            </a:r>
-          </a:p>
-          <a:p>
-            <a:r>
-              <a:rPr lang="en-US" i="1" dirty="0" smtClean="0"/>
-              <a:t>train(curriculum) </a:t>
-            </a:r>
-            <a:r>
-              <a:rPr lang="mr-IN" i="1" dirty="0" smtClean="0"/>
-              <a:t>–</a:t>
-            </a:r>
-            <a:r>
-              <a:rPr lang="en-US" i="1" dirty="0" smtClean="0"/>
-              <a:t> </a:t>
-            </a:r>
-            <a:r>
-              <a:rPr lang="en-US" dirty="0" smtClean="0"/>
-              <a:t>called before the simulation and is used to train any models to predict grades for each course. </a:t>
-            </a:r>
-          </a:p>
-          <a:p>
-            <a:r>
-              <a:rPr lang="en-US" i="1" dirty="0" err="1" smtClean="0"/>
-              <a:t>predict_grade</a:t>
-            </a:r>
-            <a:r>
-              <a:rPr lang="en-US" i="1" dirty="0" smtClean="0"/>
-              <a:t>(course, student) </a:t>
-            </a:r>
-            <a:r>
-              <a:rPr lang="mr-IN" i="1" dirty="0" smtClean="0"/>
-              <a:t>–</a:t>
-            </a:r>
-            <a:r>
-              <a:rPr lang="en-US" i="1" dirty="0" smtClean="0"/>
-              <a:t> </a:t>
-            </a:r>
-            <a:r>
-              <a:rPr lang="en-US" dirty="0" smtClean="0"/>
-              <a:t>predicts the received grade for a student in the enrolled course using trained models.</a:t>
-            </a:r>
-          </a:p>
-          <a:p>
-            <a:r>
-              <a:rPr lang="en-US" i="1" dirty="0" err="1" smtClean="0"/>
-              <a:t>predict_stopout</a:t>
-            </a:r>
-            <a:r>
-              <a:rPr lang="en-US" i="1" dirty="0" smtClean="0"/>
-              <a:t>(student, </a:t>
-            </a:r>
-            <a:r>
-              <a:rPr lang="en-US" i="1" dirty="0" err="1" smtClean="0"/>
-              <a:t>current_term</a:t>
-            </a:r>
-            <a:r>
-              <a:rPr lang="en-US" i="1" dirty="0" smtClean="0"/>
-              <a:t>, model) </a:t>
-            </a:r>
-            <a:r>
-              <a:rPr lang="mr-IN" i="1" dirty="0" smtClean="0"/>
-              <a:t>–</a:t>
-            </a:r>
-            <a:r>
-              <a:rPr lang="en-US" i="1" dirty="0" smtClean="0"/>
-              <a:t> predicts whether the student will drop out at the end of each term.</a:t>
-            </a:r>
-          </a:p>
-          <a:p>
-            <a:pPr marL="0" indent="0">
-              <a:buNone/>
-            </a:pPr>
-            <a:endParaRPr lang="en-US" i="1" dirty="0"/>
+          <p:cNvPr id="3" name="Text Placeholder 2"/>
+          <p:cNvSpPr>
+            <a:spLocks noGrp="1"/>
+          </p:cNvSpPr>
+          <p:nvPr>
+            <p:ph type="body" idx="1"/>
+          </p:nvPr>
+        </p:nvSpPr>
+        <p:spPr/>
+        <p:txBody>
+          <a:bodyPr/>
+          <a:lstStyle/>
+          <a:p>
+            <a:endParaRPr lang="en-US" dirty="0"/>
           </a:p>
         </p:txBody>
       </p:sp>
     </p:spTree>
     <p:extLst>
       <p:ext uri="{BB962C8B-B14F-4D97-AF65-F5344CB8AC3E}">
-        <p14:creationId xmlns:p14="http://schemas.microsoft.com/office/powerpoint/2010/main" val="2081214822"/>
+        <p14:creationId xmlns:p14="http://schemas.microsoft.com/office/powerpoint/2010/main" val="1922447312"/>
       </p:ext>
     </p:extLst>
   </p:cSld>
@@ -7173,7 +7153,7 @@
           <a:p>
             <a:r>
               <a:rPr lang="en-US" dirty="0" smtClean="0"/>
-              <a:t>Library Design &amp; Implementation</a:t>
+              <a:t>Simulation Details</a:t>
             </a:r>
             <a:endParaRPr lang="en-US" dirty="0"/>
           </a:p>
@@ -7192,7 +7172,7 @@
         <p:spPr/>
         <p:txBody>
           <a:bodyPr>
-            <a:normAutofit fontScale="92500" lnSpcReduction="10000"/>
+            <a:normAutofit lnSpcReduction="10000"/>
           </a:bodyPr>
           <a:lstStyle/>
           <a:p>
@@ -7201,148 +7181,75 @@
             </a:pPr>
             <a:r>
               <a:rPr lang="en-US" dirty="0" smtClean="0"/>
-              <a:t>Finally, everything comes together to simulate students through CASL’s </a:t>
-            </a:r>
-            <a:r>
-              <a:rPr lang="en-US" i="1" dirty="0" smtClean="0"/>
-              <a:t>simulate()</a:t>
-            </a:r>
-            <a:r>
-              <a:rPr lang="en-US" dirty="0" smtClean="0"/>
-              <a:t> method which requires the following arguments:</a:t>
-            </a:r>
-          </a:p>
-          <a:p>
-            <a:r>
-              <a:rPr lang="en-US" dirty="0" smtClean="0"/>
-              <a:t>Curriculum</a:t>
-            </a:r>
-          </a:p>
-          <a:p>
-            <a:r>
-              <a:rPr lang="en-US" dirty="0" smtClean="0"/>
-              <a:t>A set of students</a:t>
-            </a:r>
-          </a:p>
-          <a:p>
-            <a:r>
-              <a:rPr lang="en-US" dirty="0" smtClean="0"/>
-              <a:t>Performance Module (optional) </a:t>
-            </a:r>
-            <a:r>
-              <a:rPr lang="mr-IN" dirty="0" smtClean="0"/>
-              <a:t>–</a:t>
-            </a:r>
-            <a:r>
-              <a:rPr lang="en-US" dirty="0" smtClean="0"/>
-              <a:t> if not supplied a built in model that uses course </a:t>
-            </a:r>
-            <a:r>
-              <a:rPr lang="en-US" dirty="0" err="1" smtClean="0"/>
-              <a:t>passrates</a:t>
-            </a:r>
-            <a:r>
-              <a:rPr lang="en-US" dirty="0" smtClean="0"/>
-              <a:t> is used.</a:t>
-            </a:r>
-          </a:p>
-          <a:p>
-            <a:r>
-              <a:rPr lang="en-US" dirty="0" smtClean="0"/>
-              <a:t>Parameters:</a:t>
+              <a:t>CASL’s simulations are </a:t>
+            </a:r>
+            <a:r>
+              <a:rPr lang="en-US" b="1" dirty="0" smtClean="0"/>
+              <a:t>Discrete-Event Simulations (DES)</a:t>
+            </a:r>
+          </a:p>
+          <a:p>
+            <a:r>
+              <a:rPr lang="en-US" dirty="0" smtClean="0"/>
+              <a:t>Events occur instantaneously at a given point in time.</a:t>
+            </a:r>
+          </a:p>
+          <a:p>
+            <a:r>
+              <a:rPr lang="en-US" dirty="0" smtClean="0"/>
+              <a:t>Events occur sequentially.</a:t>
+            </a:r>
+          </a:p>
+          <a:p>
+            <a:r>
+              <a:rPr lang="en-US" dirty="0" smtClean="0"/>
+              <a:t>Time isn’t continuous, but jumps ahead once certain events take place.</a:t>
+            </a:r>
+          </a:p>
+          <a:p>
+            <a:r>
+              <a:rPr lang="en-US" dirty="0" smtClean="0"/>
+              <a:t>Has the following components:</a:t>
             </a:r>
           </a:p>
           <a:p>
             <a:pPr lvl="1"/>
             <a:r>
-              <a:rPr lang="en-US" dirty="0"/>
-              <a:t>d</a:t>
-            </a:r>
-            <a:r>
-              <a:rPr lang="en-US" dirty="0" smtClean="0"/>
-              <a:t>uration </a:t>
-            </a:r>
-            <a:r>
-              <a:rPr lang="mr-IN" dirty="0" smtClean="0"/>
-              <a:t>–</a:t>
-            </a:r>
-            <a:r>
-              <a:rPr lang="en-US" dirty="0" smtClean="0"/>
-              <a:t> the number of semesters to run the </a:t>
-            </a:r>
-            <a:r>
-              <a:rPr lang="en-US" dirty="0" err="1" smtClean="0"/>
-              <a:t>simulatio</a:t>
-            </a:r>
-            <a:r>
-              <a:rPr lang="en-US" dirty="0" smtClean="0"/>
-              <a:t> for.</a:t>
+              <a:rPr lang="en-US" dirty="0" smtClean="0"/>
+              <a:t>Starting and Ending states</a:t>
             </a:r>
           </a:p>
           <a:p>
             <a:pPr lvl="1"/>
             <a:r>
               <a:rPr lang="en-US" dirty="0" smtClean="0"/>
-              <a:t>max-credits </a:t>
-            </a:r>
-            <a:r>
-              <a:rPr lang="mr-IN" dirty="0" smtClean="0"/>
-              <a:t>–</a:t>
-            </a:r>
-            <a:r>
-              <a:rPr lang="en-US" dirty="0" smtClean="0"/>
-              <a:t> the maximum number of credit hours a student can take in one semester</a:t>
+              <a:t>Clock</a:t>
             </a:r>
           </a:p>
           <a:p>
             <a:pPr lvl="1"/>
             <a:r>
-              <a:rPr lang="en-US" dirty="0" err="1"/>
-              <a:t>s</a:t>
-            </a:r>
-            <a:r>
-              <a:rPr lang="en-US" dirty="0" err="1" smtClean="0"/>
-              <a:t>topouts</a:t>
-            </a:r>
-            <a:r>
-              <a:rPr lang="en-US" dirty="0" smtClean="0"/>
-              <a:t> </a:t>
-            </a:r>
-            <a:r>
-              <a:rPr lang="mr-IN" dirty="0" smtClean="0"/>
-              <a:t>–</a:t>
-            </a:r>
-            <a:r>
-              <a:rPr lang="en-US" dirty="0" smtClean="0"/>
-              <a:t> a </a:t>
-            </a:r>
-            <a:r>
-              <a:rPr lang="en-US" dirty="0" err="1" smtClean="0"/>
-              <a:t>boolean</a:t>
-            </a:r>
-            <a:r>
-              <a:rPr lang="en-US" dirty="0" smtClean="0"/>
-              <a:t>, that when set to false, will not simulate students stopping out.</a:t>
-            </a:r>
-          </a:p>
-          <a:p>
-            <a:pPr marL="0" indent="0">
-              <a:buNone/>
-            </a:pPr>
-            <a:endParaRPr lang="en-US" dirty="0"/>
-          </a:p>
-          <a:p>
-            <a:pPr marL="0" indent="0">
-              <a:buNone/>
-            </a:pPr>
-            <a:endParaRPr lang="en-US" dirty="0"/>
+              <a:rPr lang="en-US" dirty="0" smtClean="0"/>
+              <a:t>List of events</a:t>
+            </a:r>
+          </a:p>
+          <a:p>
+            <a:pPr lvl="1"/>
+            <a:r>
+              <a:rPr lang="en-US" dirty="0" smtClean="0"/>
+              <a:t>Statistics</a:t>
+            </a:r>
+          </a:p>
+          <a:p>
+            <a:pPr lvl="1"/>
+            <a:endParaRPr lang="en-US" dirty="0" smtClean="0"/>
           </a:p>
         </p:txBody>
       </p:sp>
     </p:spTree>
     <p:extLst>
       <p:ext uri="{BB962C8B-B14F-4D97-AF65-F5344CB8AC3E}">
-        <p14:creationId xmlns:p14="http://schemas.microsoft.com/office/powerpoint/2010/main" val="500128046"/>
+        <p14:creationId xmlns:p14="http://schemas.microsoft.com/office/powerpoint/2010/main" val="1675672937"/>
       </p:ext>
     </p:extLst>
   </p:cSld>
@@ -7401,19 +7308,238 @@
       </p:sp>
       <p:sp>
         <p:nvSpPr>
-          <p:cNvPr id="3" name="Text Placeholder 2"/>
-          <p:cNvSpPr>
-            <a:spLocks noGrp="1"/>
-          </p:cNvSpPr>
-          <p:nvPr>
-            <p:ph type="body" idx="1"/>
-          </p:nvPr>
-        </p:nvSpPr>
-        <p:spPr/>
-        <p:txBody>
-          <a:bodyPr/>
-          <a:lstStyle/>
-          <a:p>
+          <p:cNvPr id="3" name="Content Placeholder 2"/>
+          <p:cNvSpPr>
+            <a:spLocks noGrp="1"/>
+          </p:cNvSpPr>
+          <p:nvPr>
+            <p:ph idx="1"/>
+          </p:nvPr>
+        </p:nvSpPr>
+        <p:spPr/>
+        <p:txBody>
+          <a:bodyPr>
+            <a:normAutofit fontScale="92500"/>
+          </a:bodyPr>
+          <a:lstStyle/>
+          <a:p>
+            <a:pPr marL="0" marR="0" lvl="1" indent="0" defTabSz="914400" eaLnBrk="1" fontAlgn="auto" latinLnBrk="0" hangingPunct="1">
+              <a:lnSpc>
+                <a:spcPct val="100000"/>
+              </a:lnSpc>
+              <a:spcBef>
+                <a:spcPts val="0"/>
+              </a:spcBef>
+              <a:spcAft>
+                <a:spcPts val="0"/>
+              </a:spcAft>
+              <a:buClrTx/>
+              <a:buSzTx/>
+              <a:buFontTx/>
+              <a:buNone/>
+              <a:tabLst/>
+              <a:defRPr/>
+            </a:pPr>
+            <a:r>
+              <a:rPr lang="en-US" sz="2800" b="1" dirty="0" smtClean="0"/>
+              <a:t>Discrete Event Simulations</a:t>
+            </a:r>
+            <a:r>
+              <a:rPr lang="en-US" sz="2800" dirty="0" smtClean="0"/>
+              <a:t> provide a good fit for simulating students through a curriculum:</a:t>
+            </a:r>
+          </a:p>
+          <a:p>
+            <a:pPr marL="0" marR="0" lvl="1" indent="0" defTabSz="914400" eaLnBrk="1" fontAlgn="auto" latinLnBrk="0" hangingPunct="1">
+              <a:lnSpc>
+                <a:spcPct val="100000"/>
+              </a:lnSpc>
+              <a:spcBef>
+                <a:spcPts val="0"/>
+              </a:spcBef>
+              <a:spcAft>
+                <a:spcPts val="0"/>
+              </a:spcAft>
+              <a:buClrTx/>
+              <a:buSzTx/>
+              <a:buFontTx/>
+              <a:buNone/>
+              <a:tabLst/>
+              <a:defRPr/>
+            </a:pPr>
+            <a:endParaRPr lang="en-US" sz="2800" b="1" dirty="0" smtClean="0"/>
+          </a:p>
+          <a:p>
+            <a:pPr marL="0" marR="0" lvl="1" indent="0" defTabSz="914400" eaLnBrk="1" fontAlgn="auto" latinLnBrk="0" hangingPunct="1">
+              <a:lnSpc>
+                <a:spcPct val="100000"/>
+              </a:lnSpc>
+              <a:spcBef>
+                <a:spcPts val="0"/>
+              </a:spcBef>
+              <a:spcAft>
+                <a:spcPts val="0"/>
+              </a:spcAft>
+              <a:buClrTx/>
+              <a:buSzTx/>
+              <a:buFontTx/>
+              <a:buNone/>
+              <a:tabLst/>
+              <a:defRPr/>
+            </a:pPr>
+            <a:r>
+              <a:rPr lang="en-US" sz="2800" b="1" dirty="0" smtClean="0"/>
+              <a:t>Events </a:t>
+            </a:r>
+          </a:p>
+          <a:p>
+            <a:pPr marL="914400" lvl="2" indent="-457200">
+              <a:lnSpc>
+                <a:spcPct val="100000"/>
+              </a:lnSpc>
+              <a:spcBef>
+                <a:spcPts val="0"/>
+              </a:spcBef>
+            </a:pPr>
+            <a:r>
+              <a:rPr lang="en-US" dirty="0" smtClean="0"/>
+              <a:t>Student enrolls in the university.</a:t>
+            </a:r>
+          </a:p>
+          <a:p>
+            <a:pPr marL="914400" lvl="2" indent="-457200">
+              <a:lnSpc>
+                <a:spcPct val="100000"/>
+              </a:lnSpc>
+              <a:spcBef>
+                <a:spcPts val="0"/>
+              </a:spcBef>
+            </a:pPr>
+            <a:r>
+              <a:rPr lang="en-US" dirty="0" smtClean="0"/>
+              <a:t>Student enrolls in courses.</a:t>
+            </a:r>
+          </a:p>
+          <a:p>
+            <a:pPr marL="914400" lvl="2" indent="-457200">
+              <a:lnSpc>
+                <a:spcPct val="100000"/>
+              </a:lnSpc>
+              <a:spcBef>
+                <a:spcPts val="0"/>
+              </a:spcBef>
+            </a:pPr>
+            <a:r>
+              <a:rPr lang="en-US" dirty="0" smtClean="0"/>
+              <a:t>Student receive </a:t>
+            </a:r>
+            <a:r>
+              <a:rPr lang="en-US" dirty="0" smtClean="0"/>
+              <a:t>grades.</a:t>
+            </a:r>
+            <a:endParaRPr lang="en-US" dirty="0" smtClean="0"/>
+          </a:p>
+          <a:p>
+            <a:pPr marL="914400" lvl="2" indent="-457200">
+              <a:lnSpc>
+                <a:spcPct val="100000"/>
+              </a:lnSpc>
+              <a:spcBef>
+                <a:spcPts val="0"/>
+              </a:spcBef>
+            </a:pPr>
+            <a:r>
+              <a:rPr lang="en-US" dirty="0" smtClean="0"/>
+              <a:t>Students stop out.</a:t>
+            </a:r>
+          </a:p>
+          <a:p>
+            <a:pPr marL="914400" lvl="2" indent="-457200">
+              <a:lnSpc>
+                <a:spcPct val="100000"/>
+              </a:lnSpc>
+              <a:spcBef>
+                <a:spcPts val="0"/>
+              </a:spcBef>
+            </a:pPr>
+            <a:r>
+              <a:rPr lang="en-US" dirty="0" smtClean="0"/>
+              <a:t>Students graduate.</a:t>
+            </a:r>
+          </a:p>
+          <a:p>
+            <a:pPr marL="914400" lvl="2" indent="-457200">
+              <a:lnSpc>
+                <a:spcPct val="100000"/>
+              </a:lnSpc>
+              <a:spcBef>
+                <a:spcPts val="0"/>
+              </a:spcBef>
+            </a:pPr>
+            <a:r>
+              <a:rPr lang="en-US" dirty="0" smtClean="0"/>
+              <a:t>Students remained enrolled.</a:t>
+            </a:r>
+            <a:endParaRPr lang="en-US" dirty="0"/>
+          </a:p>
+          <a:p>
+            <a:pPr marL="0" marR="0" lvl="1" indent="0" defTabSz="914400" eaLnBrk="1" fontAlgn="auto" latinLnBrk="0" hangingPunct="1">
+              <a:lnSpc>
+                <a:spcPct val="100000"/>
+              </a:lnSpc>
+              <a:spcBef>
+                <a:spcPts val="0"/>
+              </a:spcBef>
+              <a:spcAft>
+                <a:spcPts val="0"/>
+              </a:spcAft>
+              <a:buClrTx/>
+              <a:buSzTx/>
+              <a:buFontTx/>
+              <a:buNone/>
+              <a:tabLst/>
+              <a:defRPr/>
+            </a:pPr>
+            <a:endParaRPr lang="en-US" sz="2800" b="1" dirty="0" smtClean="0"/>
+          </a:p>
+          <a:p>
+            <a:pPr marL="0" marR="0" lvl="1" indent="0" defTabSz="914400" eaLnBrk="1" fontAlgn="auto" latinLnBrk="0" hangingPunct="1">
+              <a:lnSpc>
+                <a:spcPct val="100000"/>
+              </a:lnSpc>
+              <a:spcBef>
+                <a:spcPts val="0"/>
+              </a:spcBef>
+              <a:spcAft>
+                <a:spcPts val="0"/>
+              </a:spcAft>
+              <a:buClrTx/>
+              <a:buSzTx/>
+              <a:buFontTx/>
+              <a:buNone/>
+              <a:tabLst/>
+              <a:defRPr/>
+            </a:pPr>
+            <a:r>
+              <a:rPr lang="en-US" sz="2800" b="1" dirty="0" smtClean="0"/>
+              <a:t>Clock </a:t>
+            </a:r>
+            <a:r>
+              <a:rPr lang="mr-IN" sz="2800" b="1" dirty="0" smtClean="0"/>
+              <a:t>–</a:t>
+            </a:r>
+            <a:r>
+              <a:rPr lang="en-US" sz="2800" b="1" dirty="0" smtClean="0"/>
+              <a:t> </a:t>
+            </a:r>
+            <a:r>
+              <a:rPr lang="en-US" sz="2800" dirty="0" smtClean="0"/>
+              <a:t>keeps track of </a:t>
+            </a:r>
+            <a:r>
+              <a:rPr lang="en-US" sz="2800" dirty="0" smtClean="0"/>
+              <a:t>semester and is incremented one semester at a time.</a:t>
+            </a:r>
             <a:endParaRPr lang="en-US" dirty="0"/>
           </a:p>
         </p:txBody>
@@ -7421,7 +7547,7 @@
     </p:spTree>
     <p:extLst>
       <p:ext uri="{BB962C8B-B14F-4D97-AF65-F5344CB8AC3E}">
-        <p14:creationId xmlns:p14="http://schemas.microsoft.com/office/powerpoint/2010/main" val="1922447312"/>
+        <p14:creationId xmlns:p14="http://schemas.microsoft.com/office/powerpoint/2010/main" val="104569696"/>
       </p:ext>
     </p:extLst>
   </p:cSld>
@@ -7491,84 +7617,254 @@
         <p:spPr/>
         <p:txBody>
           <a:bodyPr>
-            <a:normAutofit lnSpcReduction="10000"/>
+            <a:normAutofit/>
           </a:bodyPr>
           <a:lstStyle/>
           <a:p>
-            <a:pPr marL="0" indent="0">
+            <a:pPr marL="0" marR="0" lvl="1" indent="0" defTabSz="914400" eaLnBrk="1" fontAlgn="auto" latinLnBrk="0" hangingPunct="1">
+              <a:lnSpc>
+                <a:spcPct val="100000"/>
+              </a:lnSpc>
+              <a:spcBef>
+                <a:spcPts val="0"/>
+              </a:spcBef>
+              <a:spcAft>
+                <a:spcPts val="0"/>
+              </a:spcAft>
+              <a:buClrTx/>
+              <a:buSzTx/>
+              <a:buFontTx/>
               <a:buNone/>
+              <a:tabLst/>
+              <a:defRPr/>
             </a:pPr>
             <a:r>
-              <a:rPr lang="en-US" dirty="0" smtClean="0"/>
-              <a:t>CASL’s simulations are </a:t>
-            </a:r>
-            <a:r>
               <a:rPr lang="en-US" b="1" dirty="0" smtClean="0"/>
-              <a:t>Discrete-Event Simulations (DES)</a:t>
-            </a:r>
-          </a:p>
-          <a:p>
-            <a:r>
-              <a:rPr lang="en-US" dirty="0" smtClean="0"/>
-              <a:t>Events occur instantaneously at a given point in time.</a:t>
-            </a:r>
-          </a:p>
-          <a:p>
-            <a:r>
-              <a:rPr lang="en-US" dirty="0" smtClean="0"/>
-              <a:t>Events occur sequentially.</a:t>
-            </a:r>
-          </a:p>
-          <a:p>
-            <a:r>
-              <a:rPr lang="en-US" dirty="0" smtClean="0"/>
-              <a:t>Time isn’t continuous, but jumps ahead once certain events take place.</a:t>
-            </a:r>
-          </a:p>
-          <a:p>
-            <a:r>
-              <a:rPr lang="en-US" dirty="0" smtClean="0"/>
-              <a:t>Has the following components:</a:t>
-            </a:r>
-          </a:p>
-          <a:p>
-            <a:pPr lvl="1"/>
-            <a:r>
-              <a:rPr lang="en-US" dirty="0" smtClean="0"/>
-              <a:t>Starting and Ending states</a:t>
-            </a:r>
-          </a:p>
-          <a:p>
-            <a:pPr lvl="1"/>
-            <a:r>
-              <a:rPr lang="en-US" dirty="0" smtClean="0"/>
-              <a:t>Clock</a:t>
-            </a:r>
-          </a:p>
-          <a:p>
-            <a:pPr lvl="1"/>
-            <a:r>
-              <a:rPr lang="en-US" dirty="0" smtClean="0"/>
-              <a:t>List of events</a:t>
-            </a:r>
-          </a:p>
-          <a:p>
-            <a:pPr lvl="1"/>
-            <a:r>
-              <a:rPr lang="en-US" dirty="0" smtClean="0"/>
+              <a:t>Starting Condition</a:t>
+            </a:r>
+            <a:r>
+              <a:rPr lang="en-US" dirty="0" smtClean="0"/>
+              <a:t> </a:t>
+            </a:r>
+            <a:r>
+              <a:rPr lang="mr-IN" dirty="0" smtClean="0"/>
+              <a:t>–</a:t>
+            </a:r>
+            <a:r>
+              <a:rPr lang="en-US" dirty="0" smtClean="0"/>
+              <a:t> All </a:t>
+            </a:r>
+            <a:r>
+              <a:rPr lang="en-US" dirty="0"/>
+              <a:t>s</a:t>
+            </a:r>
+            <a:r>
+              <a:rPr lang="en-US" dirty="0" smtClean="0"/>
+              <a:t>tudents enrolled.</a:t>
+            </a:r>
+          </a:p>
+          <a:p>
+            <a:pPr marL="0" marR="0" lvl="1" indent="0" defTabSz="914400" eaLnBrk="1" fontAlgn="auto" latinLnBrk="0" hangingPunct="1">
+              <a:lnSpc>
+                <a:spcPct val="100000"/>
+              </a:lnSpc>
+              <a:spcBef>
+                <a:spcPts val="0"/>
+              </a:spcBef>
+              <a:spcAft>
+                <a:spcPts val="0"/>
+              </a:spcAft>
+              <a:buClrTx/>
+              <a:buSzTx/>
+              <a:buFontTx/>
+              <a:buNone/>
+              <a:tabLst/>
+              <a:defRPr/>
+            </a:pPr>
+            <a:endParaRPr lang="en-US" b="1" dirty="0"/>
+          </a:p>
+          <a:p>
+            <a:pPr marL="0" marR="0" lvl="1" indent="0" defTabSz="914400" eaLnBrk="1" fontAlgn="auto" latinLnBrk="0" hangingPunct="1">
+              <a:lnSpc>
+                <a:spcPct val="100000"/>
+              </a:lnSpc>
+              <a:spcBef>
+                <a:spcPts val="0"/>
+              </a:spcBef>
+              <a:spcAft>
+                <a:spcPts val="0"/>
+              </a:spcAft>
+              <a:buClrTx/>
+              <a:buSzTx/>
+              <a:buFontTx/>
+              <a:buNone/>
+              <a:tabLst/>
+              <a:defRPr/>
+            </a:pPr>
+            <a:r>
+              <a:rPr lang="en-US" b="1" dirty="0" smtClean="0"/>
+              <a:t>Ending Condition </a:t>
+            </a:r>
+            <a:r>
+              <a:rPr lang="mr-IN" b="1" dirty="0" smtClean="0"/>
+              <a:t>–</a:t>
+            </a:r>
+            <a:r>
+              <a:rPr lang="en-US" b="1" dirty="0" smtClean="0"/>
+              <a:t> </a:t>
+            </a:r>
+            <a:r>
+              <a:rPr lang="en-US" dirty="0" smtClean="0"/>
+              <a:t>All students graduate, or duration is reached.</a:t>
+            </a:r>
+          </a:p>
+          <a:p>
+            <a:pPr marL="0" marR="0" lvl="1" indent="0" defTabSz="914400" eaLnBrk="1" fontAlgn="auto" latinLnBrk="0" hangingPunct="1">
+              <a:lnSpc>
+                <a:spcPct val="100000"/>
+              </a:lnSpc>
+              <a:spcBef>
+                <a:spcPts val="0"/>
+              </a:spcBef>
+              <a:spcAft>
+                <a:spcPts val="0"/>
+              </a:spcAft>
+              <a:buClrTx/>
+              <a:buSzTx/>
+              <a:buFontTx/>
+              <a:buNone/>
+              <a:tabLst/>
+              <a:defRPr/>
+            </a:pPr>
+            <a:endParaRPr lang="en-US" b="1" dirty="0"/>
+          </a:p>
+          <a:p>
+            <a:pPr marL="0" marR="0" lvl="1" indent="0" defTabSz="914400" eaLnBrk="1" fontAlgn="auto" latinLnBrk="0" hangingPunct="1">
+              <a:lnSpc>
+                <a:spcPct val="100000"/>
+              </a:lnSpc>
+              <a:spcBef>
+                <a:spcPts val="0"/>
+              </a:spcBef>
+              <a:spcAft>
+                <a:spcPts val="0"/>
+              </a:spcAft>
+              <a:buClrTx/>
+              <a:buSzTx/>
+              <a:buFontTx/>
+              <a:buNone/>
+              <a:tabLst/>
+              <a:defRPr/>
+            </a:pPr>
+            <a:r>
+              <a:rPr lang="en-US" b="1" dirty="0" smtClean="0"/>
               <a:t>Statistics</a:t>
             </a:r>
-          </a:p>
-          <a:p>
-            <a:pPr lvl="1"/>
-            <a:endParaRPr lang="en-US" dirty="0" smtClean="0"/>
+            <a:endParaRPr lang="en-US" dirty="0"/>
+          </a:p>
+          <a:p>
+            <a:pPr marL="342900" lvl="1" indent="-342900">
+              <a:lnSpc>
+                <a:spcPct val="100000"/>
+              </a:lnSpc>
+              <a:spcBef>
+                <a:spcPts val="0"/>
+              </a:spcBef>
+            </a:pPr>
+            <a:r>
+              <a:rPr lang="en-US" dirty="0" smtClean="0"/>
+              <a:t>Graduation rates at each term</a:t>
+            </a:r>
+          </a:p>
+          <a:p>
+            <a:pPr marL="342900" lvl="1" indent="-342900">
+              <a:lnSpc>
+                <a:spcPct val="100000"/>
+              </a:lnSpc>
+              <a:spcBef>
+                <a:spcPts val="0"/>
+              </a:spcBef>
+            </a:pPr>
+            <a:r>
+              <a:rPr lang="en-US" dirty="0" err="1" smtClean="0"/>
+              <a:t>Stopout</a:t>
+            </a:r>
+            <a:r>
+              <a:rPr lang="en-US" dirty="0" smtClean="0"/>
+              <a:t> rates at each term</a:t>
+            </a:r>
+          </a:p>
+          <a:p>
+            <a:pPr marL="342900" lvl="1" indent="-342900">
+              <a:lnSpc>
+                <a:spcPct val="100000"/>
+              </a:lnSpc>
+              <a:spcBef>
+                <a:spcPts val="0"/>
+              </a:spcBef>
+            </a:pPr>
+            <a:r>
+              <a:rPr lang="en-US" dirty="0" smtClean="0"/>
+              <a:t>Student performance (course grades, GPA, </a:t>
+            </a:r>
+            <a:r>
+              <a:rPr lang="en-US" dirty="0" err="1" smtClean="0"/>
+              <a:t>etc</a:t>
+            </a:r>
+            <a:r>
+              <a:rPr lang="en-US" dirty="0" smtClean="0"/>
+              <a:t>)</a:t>
+            </a:r>
+          </a:p>
+          <a:p>
+            <a:pPr marL="342900" lvl="1" indent="-342900">
+              <a:lnSpc>
+                <a:spcPct val="100000"/>
+              </a:lnSpc>
+              <a:spcBef>
+                <a:spcPts val="0"/>
+              </a:spcBef>
+            </a:pPr>
+            <a:r>
+              <a:rPr lang="en-US" dirty="0" smtClean="0"/>
+              <a:t>Course enrollment by term.</a:t>
+            </a:r>
+          </a:p>
+          <a:p>
+            <a:pPr marL="342900" lvl="1" indent="-342900">
+              <a:lnSpc>
+                <a:spcPct val="100000"/>
+              </a:lnSpc>
+              <a:spcBef>
+                <a:spcPts val="0"/>
+              </a:spcBef>
+            </a:pPr>
+            <a:r>
+              <a:rPr lang="en-US" dirty="0" smtClean="0"/>
+              <a:t>Simulated course pass rates.</a:t>
+            </a:r>
+          </a:p>
+          <a:p>
+            <a:pPr marL="342900" lvl="1" indent="-342900">
+              <a:lnSpc>
+                <a:spcPct val="100000"/>
+              </a:lnSpc>
+              <a:spcBef>
+                <a:spcPts val="0"/>
+              </a:spcBef>
+            </a:pPr>
+            <a:r>
+              <a:rPr lang="en-US" dirty="0" smtClean="0"/>
+              <a:t>Etc.</a:t>
+            </a:r>
+            <a:endParaRPr lang="en-US" dirty="0"/>
           </a:p>
         </p:txBody>
       </p:sp>
     </p:spTree>
     <p:extLst>
       <p:ext uri="{BB962C8B-B14F-4D97-AF65-F5344CB8AC3E}">
-        <p14:creationId xmlns:p14="http://schemas.microsoft.com/office/powerpoint/2010/main" val="1675672937"/>
+        <p14:creationId xmlns:p14="http://schemas.microsoft.com/office/powerpoint/2010/main" val="1682419689"/>
       </p:ext>
     </p:extLst>
   </p:cSld>
@@ -7638,81 +7934,27 @@
         <p:spPr/>
         <p:txBody>
           <a:bodyPr>
-            <a:normAutofit fontScale="92500" lnSpcReduction="10000"/>
+            <a:normAutofit/>
           </a:bodyPr>
           <a:lstStyle/>
           <a:p>
-            <a:pPr marL="0" marR="0" lvl="1" indent="0" defTabSz="914400" eaLnBrk="1" fontAlgn="auto" latinLnBrk="0" hangingPunct="1">
+            <a:pPr marL="0" lvl="1" indent="0">
               <a:lnSpc>
                 <a:spcPct val="100000"/>
               </a:lnSpc>
               <a:spcBef>
                 <a:spcPts val="0"/>
               </a:spcBef>
-              <a:spcAft>
-                <a:spcPts val="0"/>
-              </a:spcAft>
-              <a:buClrTx/>
-              <a:buSzTx/>
-              <a:buFontTx/>
               <a:buNone/>
-              <a:tabLst/>
-              <a:defRPr/>
             </a:pPr>
             <a:r>
-              <a:rPr lang="en-US" sz="2800" b="1" dirty="0" smtClean="0"/>
-              <a:t>Discrete Event Simulations</a:t>
-            </a:r>
-            <a:r>
-              <a:rPr lang="en-US" sz="2800" dirty="0" smtClean="0"/>
-              <a:t> provide a good fit for simulating students through a curriculum:</a:t>
-            </a:r>
-          </a:p>
-          <a:p>
-            <a:pPr marL="0" marR="0" lvl="1" indent="0" defTabSz="914400" eaLnBrk="1" fontAlgn="auto" latinLnBrk="0" hangingPunct="1">
-              <a:lnSpc>
-                <a:spcPct val="100000"/>
-              </a:lnSpc>
-              <a:spcBef>
-                <a:spcPts val="0"/>
-              </a:spcBef>
-              <a:spcAft>
-                <a:spcPts val="0"/>
-              </a:spcAft>
-              <a:buClrTx/>
-              <a:buSzTx/>
-              <a:buFontTx/>
-              <a:buNone/>
-              <a:tabLst/>
-              <a:defRPr/>
-            </a:pPr>
-            <a:endParaRPr lang="en-US" sz="2800" b="1" dirty="0" smtClean="0"/>
-          </a:p>
-          <a:p>
-            <a:pPr marL="0" marR="0" lvl="1" indent="0" defTabSz="914400" eaLnBrk="1" fontAlgn="auto" latinLnBrk="0" hangingPunct="1">
-              <a:lnSpc>
-                <a:spcPct val="100000"/>
-              </a:lnSpc>
-              <a:spcBef>
-                <a:spcPts val="0"/>
-              </a:spcBef>
-              <a:spcAft>
-                <a:spcPts val="0"/>
-              </a:spcAft>
-              <a:buClrTx/>
-              <a:buSzTx/>
-              <a:buFontTx/>
-              <a:buNone/>
-              <a:tabLst/>
-              <a:defRPr/>
-            </a:pPr>
-            <a:r>
-              <a:rPr lang="en-US" sz="2800" b="1" dirty="0" smtClean="0"/>
-              <a:t>Events </a:t>
-            </a:r>
-          </a:p>
-          <a:p>
-            <a:pPr marL="914400" lvl="2" indent="-457200">
+              <a:rPr lang="en-US" dirty="0" smtClean="0"/>
+              <a:t>Simulation Assumptions</a:t>
+            </a:r>
+            <a:endParaRPr lang="en-US" dirty="0"/>
+          </a:p>
+          <a:p>
+            <a:pPr marL="342900" lvl="1" indent="-342900">
               <a:lnSpc>
                 <a:spcPct val="100000"/>
               </a:lnSpc>
@@ -7722,11 +7964,15 @@
             </a:pPr>
             <a:r>
               <a:rPr lang="en-US" dirty="0" smtClean="0"/>
-              <a:t>Student enrolls in the university.</a:t>
-            </a:r>
-          </a:p>
-          <a:p>
-            <a:pPr marL="914400" lvl="2" indent="-457200">
+              <a:t>All </a:t>
+            </a:r>
+            <a:r>
+              <a:rPr lang="en-US" dirty="0" smtClean="0"/>
+              <a:t>students are first-time, full-time students.</a:t>
+            </a:r>
+          </a:p>
+          <a:p>
+            <a:pPr marL="342900" lvl="1" indent="-342900">
               <a:lnSpc>
                 <a:spcPct val="100000"/>
               </a:lnSpc>
@@ -7736,11 +7982,11 @@
             </a:pPr>
             <a:r>
               <a:rPr lang="en-US" dirty="0" smtClean="0"/>
-              <a:t>Student enrolls in courses.</a:t>
-            </a:r>
-          </a:p>
-          <a:p>
-            <a:pPr marL="914400" lvl="2" indent="-457200">
+              <a:t>A new class of students is not added each semester.</a:t>
+            </a:r>
+          </a:p>
+          <a:p>
+            <a:pPr marL="342900" lvl="1" indent="-342900">
               <a:lnSpc>
                 <a:spcPct val="100000"/>
               </a:lnSpc>
@@ -7750,11 +7996,11 @@
             </a:pPr>
             <a:r>
               <a:rPr lang="en-US" dirty="0" smtClean="0"/>
-              <a:t>Student receive grad.</a:t>
-            </a:r>
-          </a:p>
-          <a:p>
-            <a:pPr marL="914400" lvl="2" indent="-457200">
+              <a:t>Students register for as many courses as they can.</a:t>
+            </a:r>
+          </a:p>
+          <a:p>
+            <a:pPr marL="342900" lvl="1" indent="-342900">
               <a:lnSpc>
                 <a:spcPct val="100000"/>
               </a:lnSpc>
@@ -7764,11 +8010,11 @@
             </a:pPr>
             <a:r>
               <a:rPr lang="en-US" dirty="0" smtClean="0"/>
-              <a:t>Students stop out.</a:t>
-            </a:r>
-          </a:p>
-          <a:p>
-            <a:pPr marL="914400" lvl="2" indent="-457200">
+              <a:t>Students can only register for courses defined within the curriculum.</a:t>
+            </a:r>
+          </a:p>
+          <a:p>
+            <a:pPr marL="342900" lvl="1" indent="-342900">
               <a:lnSpc>
                 <a:spcPct val="100000"/>
               </a:lnSpc>
@@ -7778,11 +8024,11 @@
             </a:pPr>
             <a:r>
               <a:rPr lang="en-US" dirty="0" smtClean="0"/>
-              <a:t>Students graduate.</a:t>
-            </a:r>
-          </a:p>
-          <a:p>
-            <a:pPr marL="914400" lvl="2" indent="-457200">
+              <a:t>The order in which students is enrolled is defined by the order they appear in the curriculum.</a:t>
+            </a:r>
+          </a:p>
+          <a:p>
+            <a:pPr marL="342900" lvl="1" indent="-342900">
               <a:lnSpc>
                 <a:spcPct val="100000"/>
               </a:lnSpc>
@@ -7792,75 +8038,39 @@
             </a:pPr>
             <a:r>
               <a:rPr lang="en-US" dirty="0" smtClean="0"/>
-              <a:t>Students remained enrolled.</a:t>
-            </a:r>
-            <a:endParaRPr lang="en-US" dirty="0"/>
-          </a:p>
-          <a:p>
-            <a:pPr marL="0" marR="0" lvl="1" indent="0" defTabSz="914400" eaLnBrk="1" fontAlgn="auto" latinLnBrk="0" hangingPunct="1">
+              <a:t>Course enrollment requirements are strictly enforced.</a:t>
+            </a:r>
+          </a:p>
+          <a:p>
+            <a:pPr marL="342900" lvl="1" indent="-342900">
               <a:lnSpc>
                 <a:spcPct val="100000"/>
               </a:lnSpc>
               <a:spcBef>
                 <a:spcPts val="0"/>
               </a:spcBef>
-              <a:spcAft>
-                <a:spcPts val="0"/>
-              </a:spcAft>
-              <a:buClrTx/>
-              <a:buSzTx/>
-              <a:buFontTx/>
-              <a:buNone/>
-              <a:tabLst/>
-              <a:defRPr/>
             </a:pPr>
-            <a:endParaRPr lang="en-US" sz="2800" b="1" dirty="0" smtClean="0"/>
-          </a:p>
-          <a:p>
-            <a:pPr marL="0" marR="0" lvl="1" indent="0" defTabSz="914400" eaLnBrk="1" fontAlgn="auto" latinLnBrk="0" hangingPunct="1">
+            <a:r>
+              <a:rPr lang="en-US" dirty="0" smtClean="0"/>
+              <a:t>All courses are offered every semester.</a:t>
+            </a:r>
+          </a:p>
+          <a:p>
+            <a:pPr marL="342900" lvl="1" indent="-342900">
               <a:lnSpc>
                 <a:spcPct val="100000"/>
               </a:lnSpc>
               <a:spcBef>
                 <a:spcPts val="0"/>
               </a:spcBef>
-              <a:spcAft>
-                <a:spcPts val="0"/>
-              </a:spcAft>
-              <a:buClrTx/>
-              <a:buSzTx/>
-              <a:buFontTx/>
-              <a:buNone/>
-              <a:tabLst/>
-              <a:defRPr/>
             </a:pPr>
             <a:r>
-              <a:rPr lang="en-US" sz="2800" b="1" dirty="0" smtClean="0"/>
-              <a:t>Clock </a:t>
-            </a:r>
-            <a:r>
-              <a:rPr lang="mr-IN" sz="2800" b="1" dirty="0" smtClean="0"/>
-              <a:t>–</a:t>
-            </a:r>
-            <a:r>
-              <a:rPr lang="en-US" sz="2800" b="1" dirty="0" smtClean="0"/>
-              <a:t> </a:t>
-            </a:r>
-            <a:r>
-              <a:rPr lang="en-US" sz="2800" dirty="0" smtClean="0"/>
-              <a:t>keeps track of </a:t>
-            </a:r>
-            <a:r>
-              <a:rPr lang="en-US" sz="2800" dirty="0" err="1" smtClean="0"/>
-              <a:t>semsters</a:t>
-            </a:r>
-            <a:r>
-              <a:rPr lang="en-US" sz="2800" dirty="0" smtClean="0"/>
-              <a:t> and jumps from one to the next once semester events take place.</a:t>
-            </a:r>
-          </a:p>
-          <a:p>
-            <a:pPr marL="914400" lvl="2" indent="-457200">
+              <a:rPr lang="en-US" dirty="0" smtClean="0"/>
+              <a:t>Courses have infinite capacity.</a:t>
+            </a:r>
+          </a:p>
+          <a:p>
+            <a:pPr marL="342900" lvl="1" indent="-342900">
               <a:lnSpc>
                 <a:spcPct val="100000"/>
               </a:lnSpc>
@@ -7870,12 +8080,24 @@
             </a:pPr>
             <a:endParaRPr lang="en-US" dirty="0"/>
           </a:p>
+          <a:p>
+            <a:pPr marL="0" lvl="1" indent="0">
+              <a:lnSpc>
+                <a:spcPct val="100000"/>
+              </a:lnSpc>
+              <a:spcBef>
+                <a:spcPts val="0"/>
+              </a:spcBef>
+              <a:buNone/>
+            </a:pPr>
+            <a:endParaRPr lang="en-US" dirty="0" smtClean="0"/>
+          </a:p>
         </p:txBody>
       </p:sp>
     </p:spTree>
     <p:extLst>
       <p:ext uri="{BB962C8B-B14F-4D97-AF65-F5344CB8AC3E}">
-        <p14:creationId xmlns:p14="http://schemas.microsoft.com/office/powerpoint/2010/main" val="104569696"/>
+        <p14:creationId xmlns:p14="http://schemas.microsoft.com/office/powerpoint/2010/main" val="742033300"/>
       </p:ext>
     </p:extLst>
   </p:cSld>
@@ -7926,7 +8148,7 @@
           <a:p>
             <a:r>
               <a:rPr lang="en-US" dirty="0" smtClean="0"/>
-              <a:t>Simulation Details</a:t>
+              <a:t>Applications in Curricular Analytics</a:t>
             </a:r>
             <a:endParaRPr lang="en-US" dirty="0"/>
           </a:p>
@@ -7934,257 +8156,19 @@
       </p:sp>
       <p:sp>
         <p:nvSpPr>
-          <p:cNvPr id="3" name="Content Placeholder 2"/>
-          <p:cNvSpPr>
-            <a:spLocks noGrp="1"/>
-          </p:cNvSpPr>
-          <p:nvPr>
-            <p:ph idx="1"/>
-          </p:nvPr>
-        </p:nvSpPr>
-        <p:spPr/>
-        <p:txBody>
-          <a:bodyPr>
-            <a:normAutofit/>
-          </a:bodyPr>
-          <a:lstStyle/>
-          <a:p>
-            <a:pPr marL="0" marR="0" lvl="1" indent="0" defTabSz="914400" eaLnBrk="1" fontAlgn="auto" latinLnBrk="0" hangingPunct="1">
-              <a:lnSpc>
-                <a:spcPct val="100000"/>
-              </a:lnSpc>
-              <a:spcBef>
-                <a:spcPts val="0"/>
-              </a:spcBef>
-              <a:spcAft>
-                <a:spcPts val="0"/>
-              </a:spcAft>
-              <a:buClrTx/>
-              <a:buSzTx/>
-              <a:buFontTx/>
-              <a:buNone/>
-              <a:tabLst/>
-              <a:defRPr/>
-            </a:pPr>
-            <a:r>
-              <a:rPr lang="en-US" b="1" dirty="0" smtClean="0"/>
-              <a:t>Starting Condition</a:t>
-            </a:r>
-            <a:r>
-              <a:rPr lang="en-US" dirty="0" smtClean="0"/>
-              <a:t> </a:t>
-            </a:r>
-            <a:r>
-              <a:rPr lang="mr-IN" dirty="0" smtClean="0"/>
-              <a:t>–</a:t>
-            </a:r>
-            <a:r>
-              <a:rPr lang="en-US" dirty="0" smtClean="0"/>
-              <a:t> All </a:t>
-            </a:r>
-            <a:r>
-              <a:rPr lang="en-US" dirty="0"/>
-              <a:t>s</a:t>
-            </a:r>
-            <a:r>
-              <a:rPr lang="en-US" dirty="0" smtClean="0"/>
-              <a:t>tudents enrolled.</a:t>
-            </a:r>
-          </a:p>
-          <a:p>
-            <a:pPr marL="0" marR="0" lvl="1" indent="0" defTabSz="914400" eaLnBrk="1" fontAlgn="auto" latinLnBrk="0" hangingPunct="1">
-              <a:lnSpc>
-                <a:spcPct val="100000"/>
-              </a:lnSpc>
-              <a:spcBef>
-                <a:spcPts val="0"/>
-              </a:spcBef>
-              <a:spcAft>
-                <a:spcPts val="0"/>
-              </a:spcAft>
-              <a:buClrTx/>
-              <a:buSzTx/>
-              <a:buFontTx/>
-              <a:buNone/>
-              <a:tabLst/>
-              <a:defRPr/>
-            </a:pPr>
-            <a:endParaRPr lang="en-US" b="1" dirty="0"/>
-          </a:p>
-          <a:p>
-            <a:pPr marL="0" marR="0" lvl="1" indent="0" defTabSz="914400" eaLnBrk="1" fontAlgn="auto" latinLnBrk="0" hangingPunct="1">
-              <a:lnSpc>
-                <a:spcPct val="100000"/>
-              </a:lnSpc>
-              <a:spcBef>
-                <a:spcPts val="0"/>
-              </a:spcBef>
-              <a:spcAft>
-                <a:spcPts val="0"/>
-              </a:spcAft>
-              <a:buClrTx/>
-              <a:buSzTx/>
-              <a:buFontTx/>
-              <a:buNone/>
-              <a:tabLst/>
-              <a:defRPr/>
-            </a:pPr>
-            <a:r>
-              <a:rPr lang="en-US" b="1" dirty="0" smtClean="0"/>
-              <a:t>Ending Condition </a:t>
-            </a:r>
-            <a:r>
-              <a:rPr lang="mr-IN" b="1" dirty="0" smtClean="0"/>
-              <a:t>–</a:t>
-            </a:r>
-            <a:r>
-              <a:rPr lang="en-US" b="1" dirty="0" smtClean="0"/>
-              <a:t> </a:t>
-            </a:r>
-            <a:r>
-              <a:rPr lang="en-US" dirty="0" smtClean="0"/>
-              <a:t>All students graduate, or duration is reached.</a:t>
-            </a:r>
-          </a:p>
-          <a:p>
-            <a:pPr marL="0" marR="0" lvl="1" indent="0" defTabSz="914400" eaLnBrk="1" fontAlgn="auto" latinLnBrk="0" hangingPunct="1">
-              <a:lnSpc>
-                <a:spcPct val="100000"/>
-              </a:lnSpc>
-              <a:spcBef>
-                <a:spcPts val="0"/>
-              </a:spcBef>
-              <a:spcAft>
-                <a:spcPts val="0"/>
-              </a:spcAft>
-              <a:buClrTx/>
-              <a:buSzTx/>
-              <a:buFontTx/>
-              <a:buNone/>
-              <a:tabLst/>
-              <a:defRPr/>
-            </a:pPr>
-            <a:endParaRPr lang="en-US" b="1" dirty="0"/>
-          </a:p>
-          <a:p>
-            <a:pPr marL="0" marR="0" lvl="1" indent="0" defTabSz="914400" eaLnBrk="1" fontAlgn="auto" latinLnBrk="0" hangingPunct="1">
-              <a:lnSpc>
-                <a:spcPct val="100000"/>
-              </a:lnSpc>
-              <a:spcBef>
-                <a:spcPts val="0"/>
-              </a:spcBef>
-              <a:spcAft>
-                <a:spcPts val="0"/>
-              </a:spcAft>
-              <a:buClrTx/>
-              <a:buSzTx/>
-              <a:buFontTx/>
-              <a:buNone/>
-              <a:tabLst/>
-              <a:defRPr/>
-            </a:pPr>
-            <a:r>
-              <a:rPr lang="en-US" b="1" dirty="0" smtClean="0"/>
-              <a:t>Statistics</a:t>
-            </a:r>
-            <a:endParaRPr lang="en-US" dirty="0"/>
-          </a:p>
-          <a:p>
-            <a:pPr marL="342900" lvl="1" indent="-342900">
-              <a:lnSpc>
-                <a:spcPct val="100000"/>
-              </a:lnSpc>
-              <a:spcBef>
-                <a:spcPts val="0"/>
-              </a:spcBef>
-            </a:pPr>
-            <a:r>
-              <a:rPr lang="en-US" dirty="0" smtClean="0"/>
-              <a:t>Graduation rates at each term</a:t>
-            </a:r>
-          </a:p>
-          <a:p>
-            <a:pPr marL="342900" lvl="1" indent="-342900">
-              <a:lnSpc>
-                <a:spcPct val="100000"/>
-              </a:lnSpc>
-              <a:spcBef>
-                <a:spcPts val="0"/>
-              </a:spcBef>
-            </a:pPr>
-            <a:r>
-              <a:rPr lang="en-US" dirty="0" err="1" smtClean="0"/>
-              <a:t>Stopout</a:t>
-            </a:r>
-            <a:r>
-              <a:rPr lang="en-US" dirty="0" smtClean="0"/>
-              <a:t> rates at each term</a:t>
-            </a:r>
-          </a:p>
-          <a:p>
-            <a:pPr marL="342900" lvl="1" indent="-342900">
-              <a:lnSpc>
-                <a:spcPct val="100000"/>
-              </a:lnSpc>
-              <a:spcBef>
-                <a:spcPts val="0"/>
-              </a:spcBef>
-            </a:pPr>
-            <a:r>
-              <a:rPr lang="en-US" dirty="0" smtClean="0"/>
-              <a:t>Student performance (course grades, GPA, </a:t>
-            </a:r>
-            <a:r>
-              <a:rPr lang="en-US" dirty="0" err="1" smtClean="0"/>
-              <a:t>etc</a:t>
-            </a:r>
-            <a:r>
-              <a:rPr lang="en-US" dirty="0" smtClean="0"/>
-              <a:t>)</a:t>
-            </a:r>
-          </a:p>
-          <a:p>
-            <a:pPr marL="342900" lvl="1" indent="-342900">
-              <a:lnSpc>
-                <a:spcPct val="100000"/>
-              </a:lnSpc>
-              <a:spcBef>
-                <a:spcPts val="0"/>
-              </a:spcBef>
-            </a:pPr>
-            <a:r>
-              <a:rPr lang="en-US" dirty="0" smtClean="0"/>
-              <a:t>Course enrollment by term.</a:t>
-            </a:r>
-          </a:p>
-          <a:p>
-            <a:pPr marL="342900" lvl="1" indent="-342900">
-              <a:lnSpc>
-                <a:spcPct val="100000"/>
-              </a:lnSpc>
-              <a:spcBef>
-                <a:spcPts val="0"/>
-              </a:spcBef>
-            </a:pPr>
-            <a:r>
-              <a:rPr lang="en-US" dirty="0" smtClean="0"/>
-              <a:t>Simulated course pass rates.</a:t>
-            </a:r>
-          </a:p>
-          <a:p>
-            <a:pPr marL="342900" lvl="1" indent="-342900">
-              <a:lnSpc>
-                <a:spcPct val="100000"/>
-              </a:lnSpc>
-              <a:spcBef>
-                <a:spcPts val="0"/>
-              </a:spcBef>
-            </a:pPr>
-            <a:r>
-              <a:rPr lang="en-US" dirty="0" smtClean="0"/>
-              <a:t>Etc.</a:t>
-            </a:r>
+          <p:cNvPr id="3" name="Text Placeholder 2"/>
+          <p:cNvSpPr>
+            <a:spLocks noGrp="1"/>
+          </p:cNvSpPr>
+          <p:nvPr>
+            <p:ph type="body" idx="1"/>
+          </p:nvPr>
+        </p:nvSpPr>
+        <p:spPr/>
+        <p:txBody>
+          <a:bodyPr/>
+          <a:lstStyle/>
+          <a:p>
             <a:endParaRPr lang="en-US" dirty="0"/>
           </a:p>
         </p:txBody>
@@ -8192,7 +8176,7 @@
     </p:spTree>
     <p:extLst>
       <p:ext uri="{BB962C8B-B14F-4D97-AF65-F5344CB8AC3E}">
-        <p14:creationId xmlns:p14="http://schemas.microsoft.com/office/powerpoint/2010/main" val="1682419689"/>
+        <p14:creationId xmlns:p14="http://schemas.microsoft.com/office/powerpoint/2010/main" val="1543726982"/>
       </p:ext>
     </p:extLst>
   </p:cSld>
@@ -8242,10 +8226,9 @@
           <a:lstStyle/>
           <a:p>
             <a:r>
-              <a:rPr lang="en-US" dirty="0" smtClean="0"/>
-              <a:t>Simulation Details</a:t>
-            </a:r>
-            <a:endParaRPr lang="en-US" dirty="0"/>
+              <a:rPr lang="en-US" dirty="0"/>
+              <a:t>Applications in Curricular Analytics</a:t>
+            </a:r>
           </a:p>
         </p:txBody>
       </p:sp>
@@ -8261,239 +8244,47 @@
         </p:nvSpPr>
         <p:spPr/>
         <p:txBody>
-          <a:bodyPr>
-            <a:normAutofit fontScale="85000" lnSpcReduction="10000"/>
-          </a:bodyPr>
-          <a:lstStyle/>
-          <a:p>
-            <a:pPr marL="0" marR="0" lvl="1" indent="0" defTabSz="914400" eaLnBrk="1" fontAlgn="auto" latinLnBrk="0" hangingPunct="1">
-              <a:lnSpc>
-                <a:spcPct val="100000"/>
-              </a:lnSpc>
-              <a:spcBef>
-                <a:spcPts val="0"/>
-              </a:spcBef>
-              <a:spcAft>
-                <a:spcPts val="0"/>
-              </a:spcAft>
-              <a:buClrTx/>
-              <a:buSzTx/>
-              <a:buFontTx/>
-              <a:buNone/>
-              <a:tabLst/>
-              <a:defRPr/>
-            </a:pPr>
-            <a:r>
-              <a:rPr lang="en-US" dirty="0" smtClean="0"/>
-              <a:t>Simulating realistic student behavior is impossible </a:t>
-            </a:r>
-            <a:r>
-              <a:rPr lang="mr-IN" dirty="0" smtClean="0"/>
-              <a:t>–</a:t>
-            </a:r>
-            <a:r>
-              <a:rPr lang="en-US" dirty="0" smtClean="0"/>
-              <a:t> there's too many factors to take into account.</a:t>
-            </a:r>
-          </a:p>
-          <a:p>
-            <a:pPr marL="0" marR="0" lvl="1" indent="0" defTabSz="914400" eaLnBrk="1" fontAlgn="auto" latinLnBrk="0" hangingPunct="1">
-              <a:lnSpc>
-                <a:spcPct val="100000"/>
-              </a:lnSpc>
-              <a:spcBef>
-                <a:spcPts val="0"/>
-              </a:spcBef>
-              <a:spcAft>
-                <a:spcPts val="0"/>
-              </a:spcAft>
-              <a:buClrTx/>
-              <a:buSzTx/>
-              <a:buFontTx/>
-              <a:buNone/>
-              <a:tabLst/>
-              <a:defRPr/>
-            </a:pPr>
-            <a:endParaRPr lang="en-US" dirty="0"/>
-          </a:p>
-          <a:p>
-            <a:pPr marL="0" marR="0" lvl="1" indent="0" defTabSz="914400" eaLnBrk="1" fontAlgn="auto" latinLnBrk="0" hangingPunct="1">
-              <a:lnSpc>
-                <a:spcPct val="100000"/>
-              </a:lnSpc>
-              <a:spcBef>
-                <a:spcPts val="0"/>
-              </a:spcBef>
-              <a:spcAft>
-                <a:spcPts val="0"/>
-              </a:spcAft>
-              <a:buClrTx/>
-              <a:buSzTx/>
-              <a:buFontTx/>
-              <a:buNone/>
-              <a:tabLst/>
-              <a:defRPr/>
-            </a:pPr>
-            <a:r>
-              <a:rPr lang="en-US" dirty="0" smtClean="0"/>
-              <a:t>Therefore some assumptions have to be made:</a:t>
-            </a:r>
-          </a:p>
-          <a:p>
-            <a:pPr marL="342900" lvl="1" indent="-342900">
-              <a:lnSpc>
-                <a:spcPct val="100000"/>
-              </a:lnSpc>
-              <a:spcBef>
-                <a:spcPts val="0"/>
-              </a:spcBef>
-            </a:pPr>
-            <a:r>
-              <a:rPr lang="en-US" dirty="0" smtClean="0"/>
-              <a:t>All students are first-time, full-time students.</a:t>
-            </a:r>
-          </a:p>
-          <a:p>
-            <a:pPr marL="342900" lvl="1" indent="-342900">
-              <a:lnSpc>
-                <a:spcPct val="100000"/>
-              </a:lnSpc>
-              <a:spcBef>
-                <a:spcPts val="0"/>
-              </a:spcBef>
-            </a:pPr>
-            <a:r>
-              <a:rPr lang="en-US" dirty="0" smtClean="0"/>
-              <a:t>A new class of students is not added each semester.</a:t>
-            </a:r>
-          </a:p>
-          <a:p>
-            <a:pPr marL="342900" lvl="1" indent="-342900">
-              <a:lnSpc>
-                <a:spcPct val="100000"/>
-              </a:lnSpc>
-              <a:spcBef>
-                <a:spcPts val="0"/>
-              </a:spcBef>
-            </a:pPr>
-            <a:r>
-              <a:rPr lang="en-US" dirty="0" smtClean="0"/>
-              <a:t>Students register for as many courses as they can.</a:t>
-            </a:r>
-          </a:p>
-          <a:p>
-            <a:pPr marL="342900" lvl="1" indent="-342900">
-              <a:lnSpc>
-                <a:spcPct val="100000"/>
-              </a:lnSpc>
-              <a:spcBef>
-                <a:spcPts val="0"/>
-              </a:spcBef>
-            </a:pPr>
-            <a:r>
-              <a:rPr lang="en-US" dirty="0" smtClean="0"/>
-              <a:t>Students can only register for courses defined within the curriculum.</a:t>
-            </a:r>
-          </a:p>
-          <a:p>
-            <a:pPr marL="342900" lvl="1" indent="-342900">
-              <a:lnSpc>
-                <a:spcPct val="100000"/>
-              </a:lnSpc>
-              <a:spcBef>
-                <a:spcPts val="0"/>
-              </a:spcBef>
-            </a:pPr>
-            <a:r>
-              <a:rPr lang="en-US" dirty="0" smtClean="0"/>
-              <a:t>The order in which students is enrolled is defined by the order they appear in the curriculum.</a:t>
-            </a:r>
-          </a:p>
-          <a:p>
-            <a:pPr marL="342900" lvl="1" indent="-342900">
-              <a:lnSpc>
-                <a:spcPct val="100000"/>
-              </a:lnSpc>
-              <a:spcBef>
-                <a:spcPts val="0"/>
-              </a:spcBef>
-            </a:pPr>
-            <a:r>
-              <a:rPr lang="en-US" dirty="0" smtClean="0"/>
-              <a:t>Course enrollment requirements are strictly enforced.</a:t>
-            </a:r>
-          </a:p>
-          <a:p>
-            <a:pPr marL="342900" lvl="1" indent="-342900">
-              <a:lnSpc>
-                <a:spcPct val="100000"/>
-              </a:lnSpc>
-              <a:spcBef>
-                <a:spcPts val="0"/>
-              </a:spcBef>
-            </a:pPr>
-            <a:r>
-              <a:rPr lang="en-US" dirty="0" smtClean="0"/>
-              <a:t>All courses are offered every semester.</a:t>
-            </a:r>
-          </a:p>
-          <a:p>
-            <a:pPr marL="342900" lvl="1" indent="-342900">
-              <a:lnSpc>
-                <a:spcPct val="100000"/>
-              </a:lnSpc>
-              <a:spcBef>
-                <a:spcPts val="0"/>
-              </a:spcBef>
-            </a:pPr>
-            <a:r>
-              <a:rPr lang="en-US" dirty="0" smtClean="0"/>
-              <a:t>Courses have infinite capacity.</a:t>
-            </a:r>
-          </a:p>
-          <a:p>
-            <a:pPr marL="342900" lvl="1" indent="-342900">
-              <a:lnSpc>
-                <a:spcPct val="100000"/>
-              </a:lnSpc>
-              <a:spcBef>
-                <a:spcPts val="0"/>
-              </a:spcBef>
-            </a:pPr>
-            <a:endParaRPr lang="en-US" dirty="0"/>
-          </a:p>
-          <a:p>
-            <a:pPr marL="0" lvl="1" indent="0">
-              <a:lnSpc>
-                <a:spcPct val="100000"/>
-              </a:lnSpc>
-              <a:spcBef>
-                <a:spcPts val="0"/>
-              </a:spcBef>
+          <a:bodyPr/>
+          <a:lstStyle/>
+          <a:p>
+            <a:pPr marL="0" indent="0">
               <a:buNone/>
             </a:pPr>
             <a:r>
               <a:rPr lang="en-US" dirty="0" smtClean="0"/>
-              <a:t>These might seem restrictive, but they are made to standardize student behavior and put an emphasis on the structure of curricula, not student behavior.</a:t>
-            </a:r>
-          </a:p>
-          <a:p>
-            <a:pPr marL="342900" lvl="1" indent="-342900">
-              <a:lnSpc>
-                <a:spcPct val="100000"/>
-              </a:lnSpc>
-              <a:spcBef>
-                <a:spcPts val="0"/>
-              </a:spcBef>
+              <a:t>The primary motivation behind developing CASL and it’s simulation capabilities is to correlate a curriculum’s complexity with student success:</a:t>
+            </a:r>
+          </a:p>
+          <a:p>
+            <a:pPr marL="0" indent="0">
+              <a:buNone/>
             </a:pPr>
             <a:endParaRPr lang="en-US" dirty="0" smtClean="0"/>
+          </a:p>
+          <a:p>
+            <a:pPr marL="0" indent="0">
+              <a:buNone/>
+            </a:pPr>
+            <a:r>
+              <a:rPr lang="en-US" dirty="0" smtClean="0"/>
+              <a:t>The </a:t>
+            </a:r>
+            <a:r>
+              <a:rPr lang="en-US" dirty="0" smtClean="0"/>
+              <a:t>higher the complexity, the harder it is for students to move through </a:t>
+            </a:r>
+            <a:r>
+              <a:rPr lang="en-US" dirty="0" smtClean="0"/>
+              <a:t>it and therefore is inversely correlated with student success.</a:t>
+            </a:r>
+            <a:endParaRPr lang="en-US" dirty="0"/>
           </a:p>
         </p:txBody>
       </p:sp>
     </p:spTree>
     <p:extLst>
       <p:ext uri="{BB962C8B-B14F-4D97-AF65-F5344CB8AC3E}">
-        <p14:creationId xmlns:p14="http://schemas.microsoft.com/office/powerpoint/2010/main" val="742033300"/>
+        <p14:creationId xmlns:p14="http://schemas.microsoft.com/office/powerpoint/2010/main" val="527738084"/>
       </p:ext>
     </p:extLst>
   </p:cSld>
@@ -8543,266 +8334,14 @@
           <a:lstStyle/>
           <a:p>
             <a:r>
-              <a:rPr lang="en-US" dirty="0" smtClean="0"/>
-              <a:t>Applications in Curricular Analytics</a:t>
-            </a:r>
-            <a:endParaRPr lang="en-US" dirty="0"/>
-          </a:p>
-        </p:txBody>
-      </p:sp>
-      <p:sp>
-        <p:nvSpPr>
-          <p:cNvPr id="3" name="Text Placeholder 2"/>
-          <p:cNvSpPr>
-            <a:spLocks noGrp="1"/>
-          </p:cNvSpPr>
-          <p:nvPr>
-            <p:ph type="body" idx="1"/>
-          </p:nvPr>
-        </p:nvSpPr>
-        <p:spPr/>
-        <p:txBody>
-          <a:bodyPr/>
-          <a:lstStyle/>
-          <a:p>
-            <a:endParaRPr lang="en-US" dirty="0"/>
-          </a:p>
-        </p:txBody>
-      </p:sp>
-    </p:spTree>
-    <p:extLst>
-      <p:ext uri="{BB962C8B-B14F-4D97-AF65-F5344CB8AC3E}">
-        <p14:creationId xmlns:p14="http://schemas.microsoft.com/office/powerpoint/2010/main" val="1543726982"/>
-      </p:ext>
-    </p:extLst>
-  </p:cSld>
-  <p:clrMapOvr>
-    <a:masterClrMapping/>
-  </p:clrMapOvr>
-  <p:timing>
-    <p:tnLst>
-      <p:par>
-        <p:cTn id="1" dur="indefinite" restart="never" nodeType="tmRoot"/>
-      </p:par>
-    </p:tnLst>
-  </p:timing>
-</p:sld>
-</file>
-
-<file path=ppt/slides/slide29.xml><?xml version="1.0" encoding="utf-8"?>
-<p:sld xmlns:a="http://schemas.openxmlformats.org/drawingml/2006/main" xmlns:r="http://schemas.openxmlformats.org/officeDocument/2006/relationships" xmlns:p="http://schemas.openxmlformats.org/presentationml/2006/main">
-  <p:cSld>
-    <p:spTree>
-      <p:nvGrpSpPr>
-        <p:cNvPr id="1" name=""/>
-        <p:cNvGrpSpPr/>
-        <p:nvPr/>
-      </p:nvGrpSpPr>
-      <p:grpSpPr>
-        <a:xfrm>
-          <a:off x="0" y="0"/>
-          <a:ext cx="0" cy="0"/>
-          <a:chOff x="0" y="0"/>
-          <a:chExt cx="0" cy="0"/>
-        </a:xfrm>
-      </p:grpSpPr>
-      <p:sp>
-        <p:nvSpPr>
-          <p:cNvPr id="2" name="Title 1"/>
-          <p:cNvSpPr>
-            <a:spLocks noGrp="1"/>
-          </p:cNvSpPr>
-          <p:nvPr>
-            <p:ph type="title"/>
-          </p:nvPr>
-        </p:nvSpPr>
-        <p:spPr/>
-        <p:txBody>
-          <a:bodyPr/>
-          <a:lstStyle/>
-          <a:p>
-            <a:r>
               <a:rPr lang="en-US" dirty="0"/>
               <a:t>Applications in Curricular Analytics</a:t>
             </a:r>
           </a:p>
         </p:txBody>
       </p:sp>
-      <p:sp>
-        <p:nvSpPr>
-          <p:cNvPr id="3" name="Content Placeholder 2"/>
-          <p:cNvSpPr>
-            <a:spLocks noGrp="1"/>
-          </p:cNvSpPr>
-          <p:nvPr>
-            <p:ph idx="1"/>
-          </p:nvPr>
-        </p:nvSpPr>
-        <p:spPr/>
-        <p:txBody>
-          <a:bodyPr/>
-          <a:lstStyle/>
-          <a:p>
-            <a:pPr marL="0" indent="0">
-              <a:buNone/>
-            </a:pPr>
-            <a:r>
-              <a:rPr lang="en-US" dirty="0" smtClean="0"/>
-              <a:t>The primary motivation behind developing CASL and it’s simulation capabilities is to correlate a curriculum’s complexity with student success:</a:t>
-            </a:r>
-          </a:p>
-          <a:p>
-            <a:pPr marL="0" indent="0">
-              <a:buNone/>
-            </a:pPr>
-            <a:r>
-              <a:rPr lang="en-US" dirty="0" smtClean="0"/>
-              <a:t>The higher the complexity, the harder it is for students to move through it.</a:t>
-            </a:r>
-            <a:endParaRPr lang="en-US" dirty="0"/>
-          </a:p>
-        </p:txBody>
-      </p:sp>
-    </p:spTree>
-    <p:extLst>
-      <p:ext uri="{BB962C8B-B14F-4D97-AF65-F5344CB8AC3E}">
-        <p14:creationId xmlns:p14="http://schemas.microsoft.com/office/powerpoint/2010/main" val="527738084"/>
-      </p:ext>
-    </p:extLst>
-  </p:cSld>
-  <p:clrMapOvr>
-    <a:masterClrMapping/>
-  </p:clrMapOvr>
-  <p:timing>
-    <p:tnLst>
-      <p:par>
-        <p:cTn id="1" dur="indefinite" restart="never" nodeType="tmRoot"/>
-      </p:par>
-    </p:tnLst>
-  </p:timing>
-</p:sld>
-</file>
-
-<file path=ppt/slides/slide3.xml><?xml version="1.0" encoding="utf-8"?>
-<p:sld xmlns:a="http://schemas.openxmlformats.org/drawingml/2006/main" xmlns:r="http://schemas.openxmlformats.org/officeDocument/2006/relationships" xmlns:p="http://schemas.openxmlformats.org/presentationml/2006/main">
-  <p:cSld>
-    <p:spTree>
-      <p:nvGrpSpPr>
-        <p:cNvPr id="1" name=""/>
-        <p:cNvGrpSpPr/>
-        <p:nvPr/>
-      </p:nvGrpSpPr>
-      <p:grpSpPr>
-        <a:xfrm>
-          <a:off x="0" y="0"/>
-          <a:ext cx="0" cy="0"/>
-          <a:chOff x="0" y="0"/>
-          <a:chExt cx="0" cy="0"/>
-        </a:xfrm>
-      </p:grpSpPr>
-      <p:sp>
-        <p:nvSpPr>
-          <p:cNvPr id="4" name="Title 3"/>
-          <p:cNvSpPr>
-            <a:spLocks noGrp="1"/>
-          </p:cNvSpPr>
-          <p:nvPr>
-            <p:ph type="title"/>
-          </p:nvPr>
-        </p:nvSpPr>
-        <p:spPr/>
-        <p:txBody>
-          <a:bodyPr/>
-          <a:lstStyle/>
-          <a:p>
-            <a:r>
-              <a:rPr lang="en-US" dirty="0" smtClean="0"/>
-              <a:t>Background &amp; Motivation</a:t>
-            </a:r>
-            <a:endParaRPr lang="en-US" dirty="0"/>
-          </a:p>
-        </p:txBody>
-      </p:sp>
-      <p:sp>
-        <p:nvSpPr>
-          <p:cNvPr id="5" name="Text Placeholder 4"/>
-          <p:cNvSpPr>
-            <a:spLocks noGrp="1"/>
-          </p:cNvSpPr>
-          <p:nvPr>
-            <p:ph type="body" idx="1"/>
-          </p:nvPr>
-        </p:nvSpPr>
-        <p:spPr/>
-        <p:txBody>
-          <a:bodyPr/>
-          <a:lstStyle/>
-          <a:p>
-            <a:endParaRPr lang="en-US"/>
-          </a:p>
-        </p:txBody>
-      </p:sp>
-    </p:spTree>
-    <p:extLst>
-      <p:ext uri="{BB962C8B-B14F-4D97-AF65-F5344CB8AC3E}">
-        <p14:creationId xmlns:p14="http://schemas.microsoft.com/office/powerpoint/2010/main" val="584273634"/>
-      </p:ext>
-    </p:extLst>
-  </p:cSld>
-  <p:clrMapOvr>
-    <a:masterClrMapping/>
-  </p:clrMapOvr>
-  <p:timing>
-    <p:tnLst>
-      <p:par>
-        <p:cTn id="1" dur="indefinite" restart="never" nodeType="tmRoot"/>
-      </p:par>
-    </p:tnLst>
-  </p:timing>
-</p:sld>
-</file>
-
-<file path=ppt/slides/slide30.xml><?xml version="1.0" encoding="utf-8"?>
-<p:sld xmlns:a="http://schemas.openxmlformats.org/drawingml/2006/main" xmlns:r="http://schemas.openxmlformats.org/officeDocument/2006/relationships" xmlns:p="http://schemas.openxmlformats.org/presentationml/2006/main">
-  <p:cSld>
-    <p:spTree>
-      <p:nvGrpSpPr>
-        <p:cNvPr id="1" name=""/>
-        <p:cNvGrpSpPr/>
-        <p:nvPr/>
-      </p:nvGrpSpPr>
-      <p:grpSpPr>
-        <a:xfrm>
-          <a:off x="0" y="0"/>
-          <a:ext cx="0" cy="0"/>
-          <a:chOff x="0" y="0"/>
-          <a:chExt cx="0" cy="0"/>
-        </a:xfrm>
-      </p:grpSpPr>
-      <p:sp>
-        <p:nvSpPr>
-          <p:cNvPr id="2" name="Title 1"/>
-          <p:cNvSpPr>
-            <a:spLocks noGrp="1"/>
-          </p:cNvSpPr>
-          <p:nvPr>
-            <p:ph type="title"/>
-          </p:nvPr>
-        </p:nvSpPr>
-        <p:spPr/>
-        <p:txBody>
-          <a:bodyPr/>
-          <a:lstStyle/>
-          <a:p>
-            <a:r>
-              <a:rPr lang="en-US" dirty="0"/>
-              <a:t>Applications in Curricular Analytics</a:t>
-            </a:r>
-          </a:p>
-        </p:txBody>
-      </p:sp>
-      <mc:AlternateContent xmlns:mc="http://schemas.openxmlformats.org/markup-compatibility/2006">
-        <mc:Choice xmlns:a14="http://schemas.microsoft.com/office/drawing/2010/main" Requires="a14">
+      <mc:AlternateContent xmlns:mc="http://schemas.openxmlformats.org/markup-compatibility/2006" xmlns:a14="http://schemas.microsoft.com/office/drawing/2010/main">
+        <mc:Choice Requires="a14">
           <p:sp>
             <p:nvSpPr>
               <p:cNvPr id="3" name="Content Placeholder 2"/>
@@ -9239,7 +8778,7 @@
             </p:txBody>
           </p:sp>
         </mc:Choice>
-        <mc:Fallback>
+        <mc:Fallback xmlns="">
           <p:sp>
             <p:nvSpPr>
               <p:cNvPr id="3" name="Content Placeholder 2"/>
@@ -9293,7 +8832,7 @@
 </p:sld>
 </file>
 
-<file path=ppt/slides/slide31.xml><?xml version="1.0" encoding="utf-8"?>
+<file path=ppt/slides/slide29.xml><?xml version="1.0" encoding="utf-8"?>
 <p:sld xmlns:a="http://schemas.openxmlformats.org/drawingml/2006/main" xmlns:r="http://schemas.openxmlformats.org/officeDocument/2006/relationships" xmlns:p="http://schemas.openxmlformats.org/presentationml/2006/main">
   <p:cSld>
     <p:spTree>
@@ -9620,7 +9159,7 @@
 </p:sld>
 </file>
 
-<file path=ppt/slides/slide32.xml><?xml version="1.0" encoding="utf-8"?>
+<file path=ppt/slides/slide3.xml><?xml version="1.0" encoding="utf-8"?>
 <p:sld xmlns:a="http://schemas.openxmlformats.org/drawingml/2006/main" xmlns:r="http://schemas.openxmlformats.org/officeDocument/2006/relationships" xmlns:p="http://schemas.openxmlformats.org/presentationml/2006/main">
   <p:cSld>
     <p:spTree>
@@ -9639,6 +9178,85 @@
       </p:grpSpPr>
       <p:sp>
         <p:nvSpPr>
+          <p:cNvPr id="4" name="Title 3"/>
+          <p:cNvSpPr>
+            <a:spLocks noGrp="1"/>
+          </p:cNvSpPr>
+          <p:nvPr>
+            <p:ph type="title"/>
+          </p:nvPr>
+        </p:nvSpPr>
+        <p:spPr/>
+        <p:txBody>
+          <a:bodyPr/>
+          <a:lstStyle/>
+          <a:p>
+            <a:r>
+              <a:rPr lang="en-US" dirty="0" smtClean="0"/>
+              <a:t>Background &amp; Motivation</a:t>
+            </a:r>
+            <a:endParaRPr lang="en-US" dirty="0"/>
+          </a:p>
+        </p:txBody>
+      </p:sp>
+      <p:sp>
+        <p:nvSpPr>
+          <p:cNvPr id="5" name="Text Placeholder 4"/>
+          <p:cNvSpPr>
+            <a:spLocks noGrp="1"/>
+          </p:cNvSpPr>
+          <p:nvPr>
+            <p:ph type="body" idx="1"/>
+          </p:nvPr>
+        </p:nvSpPr>
+        <p:spPr/>
+        <p:txBody>
+          <a:bodyPr/>
+          <a:lstStyle/>
+          <a:p>
+            <a:endParaRPr lang="en-US"/>
+          </a:p>
+        </p:txBody>
+      </p:sp>
+    </p:spTree>
+    <p:extLst>
+      <p:ext uri="{BB962C8B-B14F-4D97-AF65-F5344CB8AC3E}">
+        <p14:creationId xmlns:p14="http://schemas.microsoft.com/office/powerpoint/2010/main" val="584273634"/>
+      </p:ext>
+    </p:extLst>
+  </p:cSld>
+  <p:clrMapOvr>
+    <a:masterClrMapping/>
+  </p:clrMapOvr>
+  <p:timing>
+    <p:tnLst>
+      <p:par>
+        <p:cTn id="1" dur="indefinite" restart="never" nodeType="tmRoot"/>
+      </p:par>
+    </p:tnLst>
+  </p:timing>
+</p:sld>
+</file>
+
+<file path=ppt/slides/slide30.xml><?xml version="1.0" encoding="utf-8"?>
+<p:sld xmlns:a="http://schemas.openxmlformats.org/drawingml/2006/main" xmlns:r="http://schemas.openxmlformats.org/officeDocument/2006/relationships" xmlns:p="http://schemas.openxmlformats.org/presentationml/2006/main">
+  <p:cSld>
+    <p:spTree>
+      <p:nvGrpSpPr>
+        <p:cNvPr id="1" name=""/>
+        <p:cNvGrpSpPr/>
+        <p:nvPr/>
+      </p:nvGrpSpPr>
+      <p:grpSpPr>
+        <a:xfrm>
+          <a:off x="0" y="0"/>
+          <a:ext cx="0" cy="0"/>
+          <a:chOff x="0" y="0"/>
+          <a:chExt cx="0" cy="0"/>
+        </a:xfrm>
+      </p:grpSpPr>
+      <p:sp>
+        <p:nvSpPr>
           <p:cNvPr id="2" name="Title 1"/>
           <p:cNvSpPr>
             <a:spLocks noGrp="1"/>
@@ -9679,7 +9297,23 @@
             </a:pPr>
             <a:r>
               <a:rPr lang="en-US" dirty="0" smtClean="0"/>
-              <a:t>First, simple four course, two term curricula were simulated.</a:t>
+              <a:t>First, simple </a:t>
+            </a:r>
+            <a:r>
+              <a:rPr lang="en-US" dirty="0" smtClean="0"/>
+              <a:t>four-course</a:t>
+            </a:r>
+            <a:r>
+              <a:rPr lang="en-US" dirty="0" smtClean="0"/>
+              <a:t>, </a:t>
+            </a:r>
+            <a:r>
+              <a:rPr lang="en-US" dirty="0" smtClean="0"/>
+              <a:t>two-term </a:t>
+            </a:r>
+            <a:r>
+              <a:rPr lang="en-US" dirty="0" smtClean="0"/>
+              <a:t>curricula were simulated.</a:t>
             </a:r>
           </a:p>
         </p:txBody>
@@ -9944,7 +9578,7 @@
 </p:sld>
 </file>
 
-<file path=ppt/slides/slide33.xml><?xml version="1.0" encoding="utf-8"?>
+<file path=ppt/slides/slide31.xml><?xml version="1.0" encoding="utf-8"?>
 <p:sld xmlns:a="http://schemas.openxmlformats.org/drawingml/2006/main" xmlns:r="http://schemas.openxmlformats.org/officeDocument/2006/relationships" xmlns:p="http://schemas.openxmlformats.org/presentationml/2006/main">
   <p:cSld>
     <p:spTree>
@@ -10094,7 +9728,11 @@
             </a:pPr>
             <a:r>
               <a:rPr lang="en-US" sz="2400" dirty="0" smtClean="0"/>
-              <a:t>Students can take up to three courses a term.</a:t>
+              <a:t>Students can take up to three courses a term</a:t>
+            </a:r>
+            <a:r>
+              <a:rPr lang="en-US" sz="2400" dirty="0" smtClean="0"/>
+              <a:t>.</a:t>
             </a:r>
           </a:p>
         </p:txBody>
@@ -10119,7 +9757,7 @@
 </p:sld>
 </file>
 
-<file path=ppt/slides/slide34.xml><?xml version="1.0" encoding="utf-8"?>
+<file path=ppt/slides/slide32.xml><?xml version="1.0" encoding="utf-8"?>
 <p:sld xmlns:a="http://schemas.openxmlformats.org/drawingml/2006/main" xmlns:r="http://schemas.openxmlformats.org/officeDocument/2006/relationships" xmlns:p="http://schemas.openxmlformats.org/presentationml/2006/main">
   <p:cSld>
     <p:spTree>
@@ -10234,7 +9872,7 @@
 </p:sld>
 </file>
 
-<file path=ppt/slides/slide35.xml><?xml version="1.0" encoding="utf-8"?>
+<file path=ppt/slides/slide33.xml><?xml version="1.0" encoding="utf-8"?>
 <p:sld xmlns:a="http://schemas.openxmlformats.org/drawingml/2006/main" xmlns:r="http://schemas.openxmlformats.org/officeDocument/2006/relationships" xmlns:p="http://schemas.openxmlformats.org/presentationml/2006/main">
   <p:cSld>
     <p:spTree>
@@ -10273,126 +9911,211 @@
           </a:p>
         </p:txBody>
       </p:sp>
-      <p:sp>
-        <p:nvSpPr>
-          <p:cNvPr id="15" name="Content Placeholder 14"/>
-          <p:cNvSpPr>
-            <a:spLocks noGrp="1"/>
-          </p:cNvSpPr>
-          <p:nvPr>
-            <p:ph sz="half" idx="2"/>
-          </p:nvPr>
-        </p:nvSpPr>
-        <p:spPr>
-          <a:xfrm>
-            <a:off x="7734300" y="1825625"/>
-            <a:ext cx="3619500" cy="4351338"/>
-          </a:xfrm>
-        </p:spPr>
-        <p:txBody>
-          <a:bodyPr>
-            <a:normAutofit/>
-          </a:bodyPr>
-          <a:lstStyle/>
-          <a:p>
-            <a:pPr>
-              <a:lnSpc>
-                <a:spcPct val="100000"/>
-              </a:lnSpc>
-              <a:spcBef>
-                <a:spcPts val="0"/>
-              </a:spcBef>
-            </a:pPr>
-            <a:r>
-              <a:rPr lang="en-US" sz="2400" dirty="0"/>
-              <a:t>8</a:t>
-            </a:r>
-            <a:r>
-              <a:rPr lang="en-US" sz="2400" dirty="0" smtClean="0"/>
-              <a:t>0% course pass rate</a:t>
-            </a:r>
-          </a:p>
-          <a:p>
-            <a:pPr>
-              <a:lnSpc>
-                <a:spcPct val="100000"/>
-              </a:lnSpc>
-              <a:spcBef>
-                <a:spcPts val="0"/>
-              </a:spcBef>
-            </a:pPr>
-            <a:r>
-              <a:rPr lang="en-US" sz="2400" dirty="0"/>
-              <a:t>5</a:t>
-            </a:r>
-            <a:r>
-              <a:rPr lang="en-US" sz="2400" dirty="0" smtClean="0"/>
-              <a:t> terms</a:t>
-            </a:r>
-          </a:p>
-          <a:p>
-            <a:pPr>
-              <a:lnSpc>
-                <a:spcPct val="100000"/>
-              </a:lnSpc>
-              <a:spcBef>
-                <a:spcPts val="0"/>
-              </a:spcBef>
-            </a:pPr>
-            <a:r>
-              <a:rPr lang="en-US" sz="2400" dirty="0" smtClean="0"/>
-              <a:t>Students can take up to three courses a term.</a:t>
-            </a:r>
-          </a:p>
-          <a:p>
-            <a:pPr>
-              <a:lnSpc>
-                <a:spcPct val="100000"/>
-              </a:lnSpc>
-              <a:spcBef>
-                <a:spcPts val="0"/>
-              </a:spcBef>
-            </a:pPr>
-            <a:endParaRPr lang="en-US" sz="2400" dirty="0"/>
-          </a:p>
-          <a:p>
-            <a:pPr>
-              <a:lnSpc>
-                <a:spcPct val="100000"/>
-              </a:lnSpc>
-              <a:spcBef>
-                <a:spcPts val="0"/>
-              </a:spcBef>
-            </a:pPr>
-            <a:r>
-              <a:rPr lang="en-US" sz="2400" dirty="0" smtClean="0"/>
-              <a:t>Red line represents a linear fit to the data.</a:t>
-            </a:r>
-          </a:p>
-          <a:p>
-            <a:pPr>
-              <a:lnSpc>
-                <a:spcPct val="100000"/>
-              </a:lnSpc>
-              <a:spcBef>
-                <a:spcPts val="0"/>
-              </a:spcBef>
-            </a:pPr>
-            <a:r>
-              <a:rPr lang="en-US" sz="2400" dirty="0" smtClean="0"/>
-              <a:t>For each point of complexity, 5</a:t>
-            </a:r>
-            <a:r>
-              <a:rPr lang="en-US" sz="2400" baseline="30000" dirty="0" smtClean="0"/>
-              <a:t>th</a:t>
-            </a:r>
-            <a:r>
-              <a:rPr lang="en-US" sz="2400" dirty="0" smtClean="0"/>
-              <a:t> term completion drops by 0.7%</a:t>
-            </a:r>
-          </a:p>
-        </p:txBody>
-      </p:sp>
+      <mc:AlternateContent xmlns:mc="http://schemas.openxmlformats.org/markup-compatibility/2006">
+        <mc:Choice xmlns:a14="http://schemas.microsoft.com/office/drawing/2010/main" Requires="a14">
+          <p:sp>
+            <p:nvSpPr>
+              <p:cNvPr id="15" name="Content Placeholder 14"/>
+              <p:cNvSpPr>
+                <a:spLocks noGrp="1"/>
+              </p:cNvSpPr>
+              <p:nvPr>
+                <p:ph sz="half" idx="2"/>
+              </p:nvPr>
+            </p:nvSpPr>
+            <p:spPr>
+              <a:xfrm>
+                <a:off x="7734300" y="1825625"/>
+                <a:ext cx="3619500" cy="4351338"/>
+              </a:xfrm>
+            </p:spPr>
+            <p:txBody>
+              <a:bodyPr>
+                <a:normAutofit/>
+              </a:bodyPr>
+              <a:lstStyle/>
+              <a:p>
+                <a:pPr>
+                  <a:lnSpc>
+                    <a:spcPct val="100000"/>
+                  </a:lnSpc>
+                  <a:spcBef>
+                    <a:spcPts val="0"/>
+                  </a:spcBef>
+                </a:pPr>
+                <a:r>
+                  <a:rPr lang="en-US" sz="2400" dirty="0" smtClean="0"/>
+                  <a:t>8</a:t>
+                </a:r>
+                <a:r>
+                  <a:rPr lang="en-US" sz="2400" dirty="0" smtClean="0"/>
+                  <a:t>0% course pass rate</a:t>
+                </a:r>
+              </a:p>
+              <a:p>
+                <a:pPr>
+                  <a:lnSpc>
+                    <a:spcPct val="100000"/>
+                  </a:lnSpc>
+                  <a:spcBef>
+                    <a:spcPts val="0"/>
+                  </a:spcBef>
+                </a:pPr>
+                <a:r>
+                  <a:rPr lang="en-US" sz="2400" dirty="0"/>
+                  <a:t>5</a:t>
+                </a:r>
+                <a:r>
+                  <a:rPr lang="en-US" sz="2400" dirty="0" smtClean="0"/>
+                  <a:t> terms</a:t>
+                </a:r>
+              </a:p>
+              <a:p>
+                <a:pPr>
+                  <a:lnSpc>
+                    <a:spcPct val="100000"/>
+                  </a:lnSpc>
+                  <a:spcBef>
+                    <a:spcPts val="0"/>
+                  </a:spcBef>
+                </a:pPr>
+                <a:r>
+                  <a:rPr lang="en-US" sz="2400" dirty="0" smtClean="0"/>
+                  <a:t>Students can take up to three courses a term.</a:t>
+                </a:r>
+              </a:p>
+              <a:p>
+                <a:pPr>
+                  <a:lnSpc>
+                    <a:spcPct val="100000"/>
+                  </a:lnSpc>
+                  <a:spcBef>
+                    <a:spcPts val="0"/>
+                  </a:spcBef>
+                </a:pPr>
+                <a:endParaRPr lang="en-US" sz="2400" dirty="0"/>
+              </a:p>
+              <a:p>
+                <a:pPr>
+                  <a:lnSpc>
+                    <a:spcPct val="100000"/>
+                  </a:lnSpc>
+                  <a:spcBef>
+                    <a:spcPts val="0"/>
+                  </a:spcBef>
+                </a:pPr>
+                <a14:m>
+                  <m:oMath xmlns:m="http://schemas.openxmlformats.org/officeDocument/2006/math">
+                    <m:sSup>
+                      <m:sSupPr>
+                        <m:ctrlPr>
+                          <a:rPr lang="en-US" sz="2400" i="1">
+                            <a:latin typeface="Cambria Math" charset="0"/>
+                          </a:rPr>
+                        </m:ctrlPr>
+                      </m:sSupPr>
+                      <m:e>
+                        <m:r>
+                          <a:rPr lang="en-US" sz="2400" i="1">
+                            <a:latin typeface="Cambria Math" charset="0"/>
+                          </a:rPr>
+                          <m:t>𝑅</m:t>
+                        </m:r>
+                      </m:e>
+                      <m:sup>
+                        <m:r>
+                          <a:rPr lang="en-US" sz="2400" i="1">
+                            <a:latin typeface="Cambria Math" charset="0"/>
+                          </a:rPr>
+                          <m:t>2</m:t>
+                        </m:r>
+                      </m:sup>
+                    </m:sSup>
+                    <m:r>
+                      <a:rPr lang="en-US" sz="2400" i="1">
+                        <a:latin typeface="Cambria Math" charset="0"/>
+                      </a:rPr>
+                      <m:t>=</m:t>
+                    </m:r>
+                    <m:r>
+                      <a:rPr lang="en-US" sz="2400" b="0" i="1" smtClean="0">
+                        <a:latin typeface="Cambria Math" charset="0"/>
+                      </a:rPr>
+                      <m:t>94</m:t>
+                    </m:r>
+                    <m:r>
+                      <a:rPr lang="en-US" sz="2400" i="1">
+                        <a:latin typeface="Cambria Math" charset="0"/>
+                      </a:rPr>
+                      <m:t>%</m:t>
+                    </m:r>
+                  </m:oMath>
+                </a14:m>
+                <a:endParaRPr lang="en-US" sz="2400" dirty="0"/>
+              </a:p>
+              <a:p>
+                <a:pPr>
+                  <a:lnSpc>
+                    <a:spcPct val="100000"/>
+                  </a:lnSpc>
+                  <a:spcBef>
+                    <a:spcPts val="0"/>
+                  </a:spcBef>
+                </a:pPr>
+                <a:r>
+                  <a:rPr lang="en-US" sz="2400" dirty="0" smtClean="0"/>
+                  <a:t>For each point of complexity, 5</a:t>
+                </a:r>
+                <a:r>
+                  <a:rPr lang="en-US" sz="2400" baseline="30000" dirty="0" smtClean="0"/>
+                  <a:t>th</a:t>
+                </a:r>
+                <a:r>
+                  <a:rPr lang="en-US" sz="2400" dirty="0" smtClean="0"/>
+                  <a:t> term completion drops by 0.7%</a:t>
+                </a:r>
+              </a:p>
+            </p:txBody>
+          </p:sp>
+        </mc:Choice>
+        <mc:Fallback>
+          <p:sp>
+            <p:nvSpPr>
+              <p:cNvPr id="15" name="Content Placeholder 14"/>
+              <p:cNvSpPr>
+                <a:spLocks noGrp="1" noRot="1" noChangeAspect="1" noMove="1" noResize="1" noEditPoints="1" noAdjustHandles="1" noChangeArrowheads="1" noChangeShapeType="1" noTextEdit="1"/>
+              </p:cNvSpPr>
+              <p:nvPr>
+                <p:ph sz="half" idx="2"/>
+              </p:nvPr>
+            </p:nvSpPr>
+            <p:spPr>
+              <a:xfrm>
+                <a:off x="7734300" y="1825625"/>
+                <a:ext cx="3619500" cy="4351338"/>
+              </a:xfrm>
+              <a:blipFill rotWithShape="0">
+                <a:blip r:embed="rId2"/>
+                <a:stretch>
+                  <a:fillRect l="-2357" t="-1120" r="-2525"/>
+                </a:stretch>
+              </a:blipFill>
+            </p:spPr>
+            <p:txBody>
+              <a:bodyPr/>
+              <a:lstStyle/>
+              <a:p>
+                <a:r>
+                  <a:rPr lang="en-US">
+                    <a:noFill/>
+                  </a:rPr>
+                  <a:t> </a:t>
+                </a:r>
+              </a:p>
+            </p:txBody>
+          </p:sp>
+        </mc:Fallback>
+      </mc:AlternateContent>
       <p:pic>
         <p:nvPicPr>
           <p:cNvPr id="4" name="Content Placeholder 3"/>
@@ -10404,7 +10127,7 @@
           </p:nvPr>
         </p:nvPicPr>
         <p:blipFill>
-          <a:blip r:embed="rId2">
+          <a:blip r:embed="rId3">
             <a:extLst>
               <a:ext uri="{28A0092B-C50C-407E-A947-70E740481C1C}">
                 <a14:useLocalDpi xmlns:a14="http://schemas.microsoft.com/office/drawing/2010/main" val="0"/>
@@ -10442,7 +10165,7 @@
 </p:sld>
 </file>
 
-<file path=ppt/slides/slide36.xml><?xml version="1.0" encoding="utf-8"?>
+<file path=ppt/slides/slide34.xml><?xml version="1.0" encoding="utf-8"?>
 <p:sld xmlns:a="http://schemas.openxmlformats.org/drawingml/2006/main" xmlns:r="http://schemas.openxmlformats.org/officeDocument/2006/relationships" xmlns:p="http://schemas.openxmlformats.org/presentationml/2006/main">
   <p:cSld>
     <p:spTree>
@@ -10515,8 +10238,21 @@
             </a:pPr>
             <a:r>
               <a:rPr lang="en-US" dirty="0" smtClean="0"/>
-              <a:t>Finally, simulations over real-world curricula were done.</a:t>
-            </a:r>
+              <a:t>Finally, simulations over real-world curricula </a:t>
+            </a:r>
+            <a:r>
+              <a:rPr lang="en-US" dirty="0" smtClean="0"/>
+              <a:t>wer</a:t>
+            </a:r>
+            <a:r>
+              <a:rPr lang="en-US" dirty="0" smtClean="0"/>
+              <a:t>e performed</a:t>
+            </a:r>
+            <a:r>
+              <a:rPr lang="en-US" dirty="0" smtClean="0"/>
+              <a:t>.</a:t>
+            </a:r>
+            <a:endParaRPr lang="en-US" dirty="0" smtClean="0"/>
           </a:p>
           <a:p>
             <a:pPr>
@@ -10623,7 +10359,7 @@
 </p:sld>
 </file>
 
-<file path=ppt/slides/slide37.xml><?xml version="1.0" encoding="utf-8"?>
+<file path=ppt/slides/slide35.xml><?xml version="1.0" encoding="utf-8"?>
 <p:sld xmlns:a="http://schemas.openxmlformats.org/drawingml/2006/main" xmlns:r="http://schemas.openxmlformats.org/officeDocument/2006/relationships" xmlns:p="http://schemas.openxmlformats.org/presentationml/2006/main">
   <p:cSld>
     <p:spTree>
@@ -10662,122 +10398,199 @@
           </a:p>
         </p:txBody>
       </p:sp>
-      <p:sp>
-        <p:nvSpPr>
-          <p:cNvPr id="15" name="Content Placeholder 14"/>
-          <p:cNvSpPr>
-            <a:spLocks noGrp="1"/>
-          </p:cNvSpPr>
-          <p:nvPr>
-            <p:ph sz="half" idx="2"/>
-          </p:nvPr>
-        </p:nvSpPr>
-        <p:spPr>
-          <a:xfrm>
-            <a:off x="7734300" y="1825625"/>
-            <a:ext cx="3619500" cy="4351338"/>
-          </a:xfrm>
-        </p:spPr>
-        <p:txBody>
-          <a:bodyPr>
-            <a:normAutofit/>
-          </a:bodyPr>
-          <a:lstStyle/>
-          <a:p>
-            <a:pPr>
-              <a:lnSpc>
-                <a:spcPct val="100000"/>
-              </a:lnSpc>
-              <a:spcBef>
-                <a:spcPts val="0"/>
-              </a:spcBef>
-            </a:pPr>
-            <a:r>
-              <a:rPr lang="en-US" sz="2400" dirty="0"/>
-              <a:t>8</a:t>
-            </a:r>
-            <a:r>
-              <a:rPr lang="en-US" sz="2400" dirty="0" smtClean="0"/>
-              <a:t>0% course pass rate</a:t>
-            </a:r>
-          </a:p>
-          <a:p>
-            <a:pPr>
-              <a:lnSpc>
-                <a:spcPct val="100000"/>
-              </a:lnSpc>
-              <a:spcBef>
-                <a:spcPts val="0"/>
-              </a:spcBef>
-            </a:pPr>
-            <a:r>
-              <a:rPr lang="en-US" sz="2400" dirty="0" smtClean="0"/>
-              <a:t>10 terms</a:t>
-            </a:r>
-          </a:p>
-          <a:p>
-            <a:pPr>
-              <a:lnSpc>
-                <a:spcPct val="100000"/>
-              </a:lnSpc>
-              <a:spcBef>
-                <a:spcPts val="0"/>
-              </a:spcBef>
-            </a:pPr>
-            <a:r>
-              <a:rPr lang="en-US" sz="2400" dirty="0" smtClean="0"/>
-              <a:t>Students can take up to 18 credits a term.</a:t>
-            </a:r>
-          </a:p>
-          <a:p>
-            <a:pPr>
-              <a:lnSpc>
-                <a:spcPct val="100000"/>
-              </a:lnSpc>
-              <a:spcBef>
-                <a:spcPts val="0"/>
-              </a:spcBef>
-            </a:pPr>
-            <a:endParaRPr lang="en-US" sz="2400" dirty="0"/>
-          </a:p>
-          <a:p>
-            <a:pPr>
-              <a:lnSpc>
-                <a:spcPct val="100000"/>
-              </a:lnSpc>
-              <a:spcBef>
-                <a:spcPts val="0"/>
-              </a:spcBef>
-            </a:pPr>
-            <a:r>
-              <a:rPr lang="en-US" sz="2400" dirty="0" smtClean="0"/>
-              <a:t>Red line represents a linear fit to the data.</a:t>
-            </a:r>
-          </a:p>
-          <a:p>
-            <a:pPr>
-              <a:lnSpc>
-                <a:spcPct val="100000"/>
-              </a:lnSpc>
-              <a:spcBef>
-                <a:spcPts val="0"/>
-              </a:spcBef>
-            </a:pPr>
-            <a:r>
-              <a:rPr lang="en-US" sz="2400" dirty="0" smtClean="0"/>
-              <a:t>For each point of complexity, 10</a:t>
-            </a:r>
-            <a:r>
-              <a:rPr lang="en-US" sz="2400" baseline="30000" dirty="0" smtClean="0"/>
-              <a:t>th</a:t>
-            </a:r>
-            <a:r>
-              <a:rPr lang="en-US" sz="2400" dirty="0" smtClean="0"/>
-              <a:t> term completion drops by 0.1%</a:t>
-            </a:r>
-          </a:p>
-        </p:txBody>
-      </p:sp>
+      <mc:AlternateContent xmlns:mc="http://schemas.openxmlformats.org/markup-compatibility/2006">
+        <mc:Choice xmlns:a14="http://schemas.microsoft.com/office/drawing/2010/main" Requires="a14">
+          <p:sp>
+            <p:nvSpPr>
+              <p:cNvPr id="15" name="Content Placeholder 14"/>
+              <p:cNvSpPr>
+                <a:spLocks noGrp="1"/>
+              </p:cNvSpPr>
+              <p:nvPr>
+                <p:ph sz="half" idx="2"/>
+              </p:nvPr>
+            </p:nvSpPr>
+            <p:spPr>
+              <a:xfrm>
+                <a:off x="7734300" y="1825625"/>
+                <a:ext cx="3619500" cy="4351338"/>
+              </a:xfrm>
+            </p:spPr>
+            <p:txBody>
+              <a:bodyPr>
+                <a:normAutofit/>
+              </a:bodyPr>
+              <a:lstStyle/>
+              <a:p>
+                <a:pPr>
+                  <a:lnSpc>
+                    <a:spcPct val="100000"/>
+                  </a:lnSpc>
+                  <a:spcBef>
+                    <a:spcPts val="0"/>
+                  </a:spcBef>
+                </a:pPr>
+                <a:r>
+                  <a:rPr lang="en-US" sz="2400" dirty="0" smtClean="0"/>
+                  <a:t>80</a:t>
+                </a:r>
+                <a:r>
+                  <a:rPr lang="en-US" sz="2400" dirty="0" smtClean="0"/>
+                  <a:t>% course pass rate</a:t>
+                </a:r>
+              </a:p>
+              <a:p>
+                <a:pPr>
+                  <a:lnSpc>
+                    <a:spcPct val="100000"/>
+                  </a:lnSpc>
+                  <a:spcBef>
+                    <a:spcPts val="0"/>
+                  </a:spcBef>
+                </a:pPr>
+                <a:r>
+                  <a:rPr lang="en-US" sz="2400" dirty="0" smtClean="0"/>
+                  <a:t>10 terms</a:t>
+                </a:r>
+              </a:p>
+              <a:p>
+                <a:pPr>
+                  <a:lnSpc>
+                    <a:spcPct val="100000"/>
+                  </a:lnSpc>
+                  <a:spcBef>
+                    <a:spcPts val="0"/>
+                  </a:spcBef>
+                </a:pPr>
+                <a:r>
+                  <a:rPr lang="en-US" sz="2400" dirty="0" smtClean="0"/>
+                  <a:t>Students can take up to 18 credits a term.</a:t>
+                </a:r>
+              </a:p>
+              <a:p>
+                <a:pPr>
+                  <a:lnSpc>
+                    <a:spcPct val="100000"/>
+                  </a:lnSpc>
+                  <a:spcBef>
+                    <a:spcPts val="0"/>
+                  </a:spcBef>
+                </a:pPr>
+                <a:endParaRPr lang="en-US" sz="2400" dirty="0" smtClean="0"/>
+              </a:p>
+              <a:p>
+                <a:pPr>
+                  <a:lnSpc>
+                    <a:spcPct val="100000"/>
+                  </a:lnSpc>
+                  <a:spcBef>
+                    <a:spcPts val="0"/>
+                  </a:spcBef>
+                </a:pPr>
+                <a14:m>
+                  <m:oMath xmlns:m="http://schemas.openxmlformats.org/officeDocument/2006/math">
+                    <m:sSup>
+                      <m:sSupPr>
+                        <m:ctrlPr>
+                          <a:rPr lang="en-US" sz="2400" i="1" smtClean="0">
+                            <a:latin typeface="Cambria Math" charset="0"/>
+                          </a:rPr>
+                        </m:ctrlPr>
+                      </m:sSupPr>
+                      <m:e>
+                        <m:r>
+                          <a:rPr lang="en-US" sz="2400" b="0" i="1" smtClean="0">
+                            <a:latin typeface="Cambria Math" charset="0"/>
+                          </a:rPr>
+                          <m:t>𝑅</m:t>
+                        </m:r>
+                      </m:e>
+                      <m:sup>
+                        <m:r>
+                          <a:rPr lang="en-US" sz="2400" b="0" i="1" smtClean="0">
+                            <a:latin typeface="Cambria Math" charset="0"/>
+                          </a:rPr>
+                          <m:t>2</m:t>
+                        </m:r>
+                      </m:sup>
+                    </m:sSup>
+                    <m:r>
+                      <a:rPr lang="en-US" sz="2400" b="0" i="1" smtClean="0">
+                        <a:latin typeface="Cambria Math" charset="0"/>
+                      </a:rPr>
+                      <m:t>=43.5%</m:t>
+                    </m:r>
+                  </m:oMath>
+                </a14:m>
+                <a:endParaRPr lang="en-US" sz="2400" dirty="0"/>
+              </a:p>
+              <a:p>
+                <a:pPr>
+                  <a:lnSpc>
+                    <a:spcPct val="100000"/>
+                  </a:lnSpc>
+                  <a:spcBef>
+                    <a:spcPts val="0"/>
+                  </a:spcBef>
+                </a:pPr>
+                <a:r>
+                  <a:rPr lang="en-US" sz="2400" dirty="0" smtClean="0"/>
+                  <a:t>For </a:t>
+                </a:r>
+                <a:r>
+                  <a:rPr lang="en-US" sz="2400" dirty="0" smtClean="0"/>
+                  <a:t>each point of complexity, 10</a:t>
+                </a:r>
+                <a:r>
+                  <a:rPr lang="en-US" sz="2400" baseline="30000" dirty="0" smtClean="0"/>
+                  <a:t>th</a:t>
+                </a:r>
+                <a:r>
+                  <a:rPr lang="en-US" sz="2400" dirty="0" smtClean="0"/>
+                  <a:t> term completion drops by 0.1%</a:t>
+                </a:r>
+              </a:p>
+            </p:txBody>
+          </p:sp>
+        </mc:Choice>
+        <mc:Fallback>
+          <p:sp>
+            <p:nvSpPr>
+              <p:cNvPr id="15" name="Content Placeholder 14"/>
+              <p:cNvSpPr>
+                <a:spLocks noGrp="1" noRot="1" noChangeAspect="1" noMove="1" noResize="1" noEditPoints="1" noAdjustHandles="1" noChangeArrowheads="1" noChangeShapeType="1" noTextEdit="1"/>
+              </p:cNvSpPr>
+              <p:nvPr>
+                <p:ph sz="half" idx="2"/>
+              </p:nvPr>
+            </p:nvSpPr>
+            <p:spPr>
+              <a:xfrm>
+                <a:off x="7734300" y="1825625"/>
+                <a:ext cx="3619500" cy="4351338"/>
+              </a:xfrm>
+              <a:blipFill rotWithShape="0">
+                <a:blip r:embed="rId2"/>
+                <a:stretch>
+                  <a:fillRect l="-2357" t="-1120" r="-2525"/>
+                </a:stretch>
+              </a:blipFill>
+            </p:spPr>
+            <p:txBody>
+              <a:bodyPr/>
+              <a:lstStyle/>
+              <a:p>
+                <a:r>
+                  <a:rPr lang="en-US">
+                    <a:noFill/>
+                  </a:rPr>
+                  <a:t> </a:t>
+                </a:r>
+              </a:p>
+            </p:txBody>
+          </p:sp>
+        </mc:Fallback>
+      </mc:AlternateContent>
       <p:pic>
         <p:nvPicPr>
           <p:cNvPr id="5" name="Content Placeholder 4"/>
@@ -10789,7 +10602,7 @@
           </p:nvPr>
         </p:nvPicPr>
         <p:blipFill>
-          <a:blip r:embed="rId2">
+          <a:blip r:embed="rId3">
             <a:extLst>
               <a:ext uri="{28A0092B-C50C-407E-A947-70E740481C1C}">
                 <a14:useLocalDpi xmlns:a14="http://schemas.microsoft.com/office/drawing/2010/main" val="0"/>
@@ -10827,7 +10640,7 @@
 </p:sld>
 </file>
 
-<file path=ppt/slides/slide38.xml><?xml version="1.0" encoding="utf-8"?>
+<file path=ppt/slides/slide36.xml><?xml version="1.0" encoding="utf-8"?>
 <p:sld xmlns:a="http://schemas.openxmlformats.org/drawingml/2006/main" xmlns:r="http://schemas.openxmlformats.org/officeDocument/2006/relationships" xmlns:p="http://schemas.openxmlformats.org/presentationml/2006/main">
   <p:cSld>
     <p:spTree>
@@ -10866,8 +10679,8 @@
           </a:p>
         </p:txBody>
       </p:sp>
-      <mc:AlternateContent xmlns:mc="http://schemas.openxmlformats.org/markup-compatibility/2006">
-        <mc:Choice xmlns:a14="http://schemas.microsoft.com/office/drawing/2010/main" Requires="a14">
+      <mc:AlternateContent xmlns:mc="http://schemas.openxmlformats.org/markup-compatibility/2006" xmlns:a14="http://schemas.microsoft.com/office/drawing/2010/main">
+        <mc:Choice Requires="a14">
           <p:sp>
             <p:nvSpPr>
               <p:cNvPr id="3" name="Content Placeholder 2"/>
@@ -11030,7 +10843,7 @@
             </p:txBody>
           </p:sp>
         </mc:Choice>
-        <mc:Fallback>
+        <mc:Fallback xmlns="">
           <p:sp>
             <p:nvSpPr>
               <p:cNvPr id="3" name="Content Placeholder 2"/>
@@ -11084,7 +10897,7 @@
 </p:sld>
 </file>
 
-<file path=ppt/slides/slide39.xml><?xml version="1.0" encoding="utf-8"?>
+<file path=ppt/slides/slide37.xml><?xml version="1.0" encoding="utf-8"?>
 <p:sld xmlns:a="http://schemas.openxmlformats.org/drawingml/2006/main" xmlns:r="http://schemas.openxmlformats.org/officeDocument/2006/relationships" xmlns:p="http://schemas.openxmlformats.org/presentationml/2006/main">
   <p:cSld>
     <p:spTree>
@@ -11198,7 +11011,15 @@
                 </a14:m>
                 <a:r>
                   <a:rPr lang="en-US" dirty="0" smtClean="0"/>
-                  <a:t> is to a curriculum. This is determined by the number of shortest paths that include </a:t>
+                  <a:t> is to a curriculum. This is determined by the number of shortest paths that </a:t>
+                </a:r>
+                <a:r>
+                  <a:rPr lang="en-US" dirty="0" err="1" smtClean="0"/>
+                  <a:t>pasths</a:t>
+                </a:r>
+                <a:r>
+                  <a:rPr lang="en-US" dirty="0" smtClean="0"/>
+                  <a:t> </a:t>
                 </a:r>
                 <a14:m>
                   <m:oMath xmlns:m="http://schemas.openxmlformats.org/officeDocument/2006/math">
@@ -11515,7 +11336,7 @@
 </p:sld>
 </file>
 
-<file path=ppt/slides/slide4.xml><?xml version="1.0" encoding="utf-8"?>
+<file path=ppt/slides/slide38.xml><?xml version="1.0" encoding="utf-8"?>
 <p:sld xmlns:a="http://schemas.openxmlformats.org/drawingml/2006/main" xmlns:r="http://schemas.openxmlformats.org/officeDocument/2006/relationships" xmlns:p="http://schemas.openxmlformats.org/presentationml/2006/main">
   <p:cSld>
     <p:spTree>
@@ -11548,161 +11369,6 @@
           <a:lstStyle/>
           <a:p>
             <a:r>
-              <a:rPr lang="en-US" dirty="0" smtClean="0"/>
-              <a:t>Background &amp; Motivation</a:t>
-            </a:r>
-            <a:endParaRPr lang="en-US" dirty="0"/>
-          </a:p>
-        </p:txBody>
-      </p:sp>
-      <p:sp>
-        <p:nvSpPr>
-          <p:cNvPr id="3" name="Content Placeholder 2"/>
-          <p:cNvSpPr>
-            <a:spLocks noGrp="1"/>
-          </p:cNvSpPr>
-          <p:nvPr>
-            <p:ph idx="1"/>
-          </p:nvPr>
-        </p:nvSpPr>
-        <p:spPr/>
-        <p:txBody>
-          <a:bodyPr>
-            <a:normAutofit/>
-          </a:bodyPr>
-          <a:lstStyle/>
-          <a:p>
-            <a:r>
-              <a:rPr lang="en-US" dirty="0" smtClean="0"/>
-              <a:t>The goal of higher-</a:t>
-            </a:r>
-            <a:r>
-              <a:rPr lang="en-US" dirty="0" err="1" smtClean="0"/>
-              <a:t>ed</a:t>
-            </a:r>
-            <a:r>
-              <a:rPr lang="en-US" dirty="0" smtClean="0"/>
-              <a:t> institutions is to prepare students for the workforce efficiently </a:t>
-            </a:r>
-            <a:r>
-              <a:rPr lang="mr-IN" dirty="0" smtClean="0"/>
-              <a:t>–</a:t>
-            </a:r>
-            <a:r>
-              <a:rPr lang="en-US" dirty="0" smtClean="0"/>
-              <a:t> student success.</a:t>
-            </a:r>
-          </a:p>
-          <a:p>
-            <a:r>
-              <a:rPr lang="en-US" dirty="0" smtClean="0"/>
-              <a:t>Methods for improving success:</a:t>
-            </a:r>
-          </a:p>
-          <a:p>
-            <a:pPr lvl="1"/>
-            <a:r>
-              <a:rPr lang="en-US" dirty="0" smtClean="0"/>
-              <a:t>Tutoring Programs</a:t>
-            </a:r>
-          </a:p>
-          <a:p>
-            <a:pPr lvl="1"/>
-            <a:r>
-              <a:rPr lang="en-US" dirty="0" smtClean="0"/>
-              <a:t>Intervention Programs</a:t>
-            </a:r>
-          </a:p>
-          <a:p>
-            <a:pPr lvl="1"/>
-            <a:r>
-              <a:rPr lang="en-US" dirty="0" smtClean="0"/>
-              <a:t>Financial Support</a:t>
-            </a:r>
-          </a:p>
-          <a:p>
-            <a:pPr lvl="1"/>
-            <a:r>
-              <a:rPr lang="en-US" dirty="0" smtClean="0"/>
-              <a:t>Improving Instruction Quality</a:t>
-            </a:r>
-          </a:p>
-          <a:p>
-            <a:pPr lvl="1"/>
-            <a:r>
-              <a:rPr lang="en-US" dirty="0" smtClean="0"/>
-              <a:t>Classroom Structures (hybrid, flipped)</a:t>
-            </a:r>
-          </a:p>
-          <a:p>
-            <a:pPr lvl="1"/>
-            <a:r>
-              <a:rPr lang="en-US" dirty="0" smtClean="0"/>
-              <a:t>Etc.</a:t>
-            </a:r>
-          </a:p>
-          <a:p>
-            <a:r>
-              <a:rPr lang="en-US" dirty="0" smtClean="0"/>
-              <a:t>What about curriculum structure?</a:t>
-            </a:r>
-            <a:endParaRPr lang="en-US" dirty="0"/>
-          </a:p>
-        </p:txBody>
-      </p:sp>
-    </p:spTree>
-    <p:extLst>
-      <p:ext uri="{BB962C8B-B14F-4D97-AF65-F5344CB8AC3E}">
-        <p14:creationId xmlns:p14="http://schemas.microsoft.com/office/powerpoint/2010/main" val="2040210789"/>
-      </p:ext>
-    </p:extLst>
-  </p:cSld>
-  <p:clrMapOvr>
-    <a:masterClrMapping/>
-  </p:clrMapOvr>
-  <p:timing>
-    <p:tnLst>
-      <p:par>
-        <p:cTn id="1" dur="indefinite" restart="never" nodeType="tmRoot"/>
-      </p:par>
-    </p:tnLst>
-  </p:timing>
-</p:sld>
-</file>
-
-<file path=ppt/slides/slide40.xml><?xml version="1.0" encoding="utf-8"?>
-<p:sld xmlns:a="http://schemas.openxmlformats.org/drawingml/2006/main" xmlns:r="http://schemas.openxmlformats.org/officeDocument/2006/relationships" xmlns:p="http://schemas.openxmlformats.org/presentationml/2006/main">
-  <p:cSld>
-    <p:spTree>
-      <p:nvGrpSpPr>
-        <p:cNvPr id="1" name=""/>
-        <p:cNvGrpSpPr/>
-        <p:nvPr/>
-      </p:nvGrpSpPr>
-      <p:grpSpPr>
-        <a:xfrm>
-          <a:off x="0" y="0"/>
-          <a:ext cx="0" cy="0"/>
-          <a:chOff x="0" y="0"/>
-          <a:chExt cx="0" cy="0"/>
-        </a:xfrm>
-      </p:grpSpPr>
-      <p:sp>
-        <p:nvSpPr>
-          <p:cNvPr id="2" name="Title 1"/>
-          <p:cNvSpPr>
-            <a:spLocks noGrp="1"/>
-          </p:cNvSpPr>
-          <p:nvPr>
-            <p:ph type="title"/>
-          </p:nvPr>
-        </p:nvSpPr>
-        <p:spPr/>
-        <p:txBody>
-          <a:bodyPr/>
-          <a:lstStyle/>
-          <a:p>
-            <a:r>
               <a:rPr lang="en-US" dirty="0"/>
               <a:t>Applications in Curricular Analytics</a:t>
             </a:r>
@@ -11792,22 +11458,25 @@
             </a:pPr>
             <a:r>
               <a:rPr lang="en-US" dirty="0" smtClean="0"/>
-              <a:t>For ever combination of structural complexity measures, linear regression was performed.</a:t>
-            </a:r>
-          </a:p>
-          <a:p>
-            <a:pPr>
-              <a:lnSpc>
-                <a:spcPct val="100000"/>
-              </a:lnSpc>
-              <a:spcBef>
-                <a:spcPts val="0"/>
-              </a:spcBef>
-            </a:pPr>
-            <a:r>
-              <a:rPr lang="en-US" dirty="0" smtClean="0"/>
-              <a:t>Credit hours were included as well.</a:t>
-            </a:r>
+              <a:t>For </a:t>
+            </a:r>
+            <a:r>
+              <a:rPr lang="en-US" dirty="0" smtClean="0"/>
+              <a:t>every possible </a:t>
+            </a:r>
+            <a:r>
+              <a:rPr lang="en-US" dirty="0" smtClean="0"/>
+              <a:t>combination of structural complexity measures, linear regression was </a:t>
+            </a:r>
+            <a:r>
+              <a:rPr lang="en-US" dirty="0" smtClean="0"/>
+              <a:t>performed</a:t>
+            </a:r>
+            <a:r>
+              <a:rPr lang="en-US" dirty="0"/>
+              <a:t>.</a:t>
+            </a:r>
+            <a:endParaRPr lang="en-US" dirty="0" smtClean="0"/>
           </a:p>
         </p:txBody>
       </p:sp>
@@ -11831,7 +11500,7 @@
 </p:sld>
 </file>
 
-<file path=ppt/slides/slide41.xml><?xml version="1.0" encoding="utf-8"?>
+<file path=ppt/slides/slide39.xml><?xml version="1.0" encoding="utf-8"?>
 <p:sld xmlns:a="http://schemas.openxmlformats.org/drawingml/2006/main" xmlns:r="http://schemas.openxmlformats.org/officeDocument/2006/relationships" xmlns:p="http://schemas.openxmlformats.org/presentationml/2006/main">
   <p:cSld>
     <p:spTree>
@@ -11954,14 +11623,14 @@
                       <m:sSub>
                         <m:sSubPr>
                           <m:ctrlPr>
-                            <a:rPr lang="en-US" i="1" smtClean="0">
+                            <a:rPr lang="en-US" sz="2400" i="1" smtClean="0">
                               <a:latin typeface="Cambria Math" charset="0"/>
                             </a:rPr>
                           </m:ctrlPr>
                         </m:sSubPr>
                         <m:e>
                           <m:r>
-                            <a:rPr lang="en-US" b="0" i="1" smtClean="0">
+                            <a:rPr lang="en-US" sz="2400" b="0" i="1" smtClean="0">
                               <a:latin typeface="Cambria Math" charset="0"/>
                             </a:rPr>
                             <m:t>𝛼</m:t>
@@ -11969,7 +11638,7 @@
                         </m:e>
                         <m:sub>
                           <m:r>
-                            <a:rPr lang="en-US" b="0" i="1" smtClean="0">
+                            <a:rPr lang="en-US" sz="2400" b="0" i="1" smtClean="0">
                               <a:latin typeface="Cambria Math" charset="0"/>
                             </a:rPr>
                             <m:t>𝐶</m:t>
@@ -11977,27 +11646,39 @@
                         </m:sub>
                       </m:sSub>
                       <m:r>
-                        <a:rPr lang="en-US" b="0" i="1" smtClean="0">
+                        <a:rPr lang="en-US" sz="2400" b="0" i="1" smtClean="0">
                           <a:latin typeface="Cambria Math" charset="0"/>
                         </a:rPr>
-                        <m:t>=1.3</m:t>
+                        <m:t>=</m:t>
                       </m:r>
                       <m:r>
-                        <a:rPr lang="en-US" b="0" i="1" smtClean="0">
+                        <a:rPr lang="en-US" sz="2400" b="0" i="1" smtClean="0">
+                          <a:latin typeface="Cambria Math" charset="0"/>
+                        </a:rPr>
+                        <m:t>𝑓</m:t>
+                      </m:r>
+                      <m:r>
+                        <a:rPr lang="en-US" sz="2400" b="0" i="1" smtClean="0">
+                          <a:latin typeface="Cambria Math" charset="0"/>
+                        </a:rPr>
+                        <m:t>(</m:t>
+                      </m:r>
+                      <m:r>
+                        <a:rPr lang="en-US" sz="2400" b="0" i="1" smtClean="0">
                           <a:latin typeface="Cambria Math" charset="0"/>
                         </a:rPr>
                         <m:t>𝑐𝑟𝑒𝑑𝑖𝑡𝑠</m:t>
                       </m:r>
                       <m:r>
-                        <a:rPr lang="en-US" b="0" i="1" smtClean="0">
+                        <a:rPr lang="en-US" sz="2400" b="0" i="1" smtClean="0">
                           <a:latin typeface="Cambria Math" charset="0"/>
                         </a:rPr>
-                        <m:t> −0.26</m:t>
+                        <m:t>, </m:t>
                       </m:r>
                       <m:d>
                         <m:dPr>
                           <m:ctrlPr>
-                            <a:rPr lang="en-US" b="0" i="1" smtClean="0">
+                            <a:rPr lang="en-US" sz="2400" b="0" i="1" smtClean="0">
                               <a:latin typeface="Cambria Math" charset="0"/>
                             </a:rPr>
                           </m:ctrlPr>
@@ -12006,14 +11687,14 @@
                           <m:sSub>
                             <m:sSubPr>
                               <m:ctrlPr>
-                                <a:rPr lang="en-US" i="1">
+                                <a:rPr lang="en-US" sz="2400" i="1">
                                   <a:latin typeface="Cambria Math" charset="0"/>
                                 </a:rPr>
                               </m:ctrlPr>
                             </m:sSubPr>
                             <m:e>
                               <m:r>
-                                <a:rPr lang="en-US" b="0" i="1" smtClean="0">
+                                <a:rPr lang="en-US" sz="2400" b="0" i="1" smtClean="0">
                                   <a:latin typeface="Cambria Math" charset="0"/>
                                 </a:rPr>
                                 <m:t>𝑑𝑒𝑙𝑎𝑦</m:t>
@@ -12021,7 +11702,7 @@
                             </m:e>
                             <m:sub>
                               <m:r>
-                                <a:rPr lang="en-US" i="1">
+                                <a:rPr lang="en-US" sz="2400" i="1">
                                   <a:latin typeface="Cambria Math" charset="0"/>
                                 </a:rPr>
                                 <m:t>𝐶</m:t>
@@ -12029,7 +11710,7 @@
                             </m:sub>
                           </m:sSub>
                           <m:r>
-                            <a:rPr lang="en-US" b="0" i="1" smtClean="0">
+                            <a:rPr lang="en-US" sz="2400" b="0" i="1" smtClean="0">
                               <a:latin typeface="Cambria Math" charset="0"/>
                             </a:rPr>
                             <m:t>+</m:t>
@@ -12037,14 +11718,14 @@
                           <m:sSub>
                             <m:sSubPr>
                               <m:ctrlPr>
-                                <a:rPr lang="en-US" i="1">
+                                <a:rPr lang="en-US" sz="2400" i="1">
                                   <a:latin typeface="Cambria Math" charset="0"/>
                                 </a:rPr>
                               </m:ctrlPr>
                             </m:sSubPr>
                             <m:e>
                               <m:r>
-                                <a:rPr lang="en-US" b="0" i="1" smtClean="0">
+                                <a:rPr lang="en-US" sz="2400" b="0" i="1" smtClean="0">
                                   <a:latin typeface="Cambria Math" charset="0"/>
                                 </a:rPr>
                                 <m:t>𝑏𝑙𝑜𝑐𝑘𝑖𝑛𝑔</m:t>
@@ -12052,7 +11733,7 @@
                             </m:e>
                             <m:sub>
                               <m:r>
-                                <a:rPr lang="en-US" i="1">
+                                <a:rPr lang="en-US" sz="2400" i="1">
                                   <a:latin typeface="Cambria Math" charset="0"/>
                                 </a:rPr>
                                 <m:t>𝐶</m:t>
@@ -12061,46 +11742,23 @@
                           </m:sSub>
                         </m:e>
                       </m:d>
-                    </m:oMath>
-                  </m:oMathPara>
-                </a14:m>
-                <a:endParaRPr lang="en-US" b="0" i="1" dirty="0" smtClean="0">
-                  <a:latin typeface="Cambria Math" charset="0"/>
-                </a:endParaRPr>
-              </a:p>
-              <a:p>
-                <a:pPr marL="0" lvl="0" indent="0">
-                  <a:lnSpc>
-                    <a:spcPct val="100000"/>
-                  </a:lnSpc>
-                  <a:spcBef>
-                    <a:spcPts val="0"/>
-                  </a:spcBef>
-                  <a:buNone/>
-                </a:pPr>
-                <a14:m>
-                  <m:oMathPara xmlns:m="http://schemas.openxmlformats.org/officeDocument/2006/math">
-                    <m:oMathParaPr>
-                      <m:jc m:val="centerGroup"/>
-                    </m:oMathParaPr>
-                    <m:oMath xmlns:m="http://schemas.openxmlformats.org/officeDocument/2006/math">
                       <m:r>
-                        <a:rPr lang="en-US" b="0" i="1" smtClean="0">
+                        <a:rPr lang="en-US" sz="2400" b="0" i="1" smtClean="0">
                           <a:latin typeface="Cambria Math" charset="0"/>
                         </a:rPr>
-                        <m:t>+0.03</m:t>
+                        <m:t>, </m:t>
                       </m:r>
                       <m:sSub>
                         <m:sSubPr>
                           <m:ctrlPr>
-                            <a:rPr lang="en-US" i="1">
+                            <a:rPr lang="en-US" sz="2400" i="1">
                               <a:latin typeface="Cambria Math" charset="0"/>
                             </a:rPr>
                           </m:ctrlPr>
                         </m:sSubPr>
                         <m:e>
                           <m:r>
-                            <a:rPr lang="en-US" b="0" i="1" smtClean="0">
+                            <a:rPr lang="en-US" sz="2400" b="0" i="1" smtClean="0">
                               <a:latin typeface="Cambria Math" charset="0"/>
                             </a:rPr>
                             <m:t>𝑐𝑒𝑛𝑡𝑟𝑎𝑙𝑖𝑡𝑦</m:t>
@@ -12108,7 +11766,7 @@
                         </m:e>
                         <m:sub>
                           <m:r>
-                            <a:rPr lang="en-US" i="1">
+                            <a:rPr lang="en-US" sz="2400" i="1">
                               <a:latin typeface="Cambria Math" charset="0"/>
                             </a:rPr>
                             <m:t>𝐶</m:t>
@@ -12116,22 +11774,22 @@
                         </m:sub>
                       </m:sSub>
                       <m:r>
-                        <a:rPr lang="en-US" b="0" i="1" smtClean="0">
+                        <a:rPr lang="en-US" sz="2400" b="0" i="1" smtClean="0">
                           <a:latin typeface="Cambria Math" charset="0"/>
                         </a:rPr>
-                        <m:t>+0.72</m:t>
+                        <m:t>,</m:t>
                       </m:r>
                       <m:sSub>
                         <m:sSubPr>
                           <m:ctrlPr>
-                            <a:rPr lang="en-US" i="1">
+                            <a:rPr lang="en-US" sz="2400" i="1">
                               <a:latin typeface="Cambria Math" charset="0"/>
                             </a:rPr>
                           </m:ctrlPr>
                         </m:sSubPr>
                         <m:e>
                           <m:r>
-                            <a:rPr lang="en-US" i="1">
+                            <a:rPr lang="en-US" sz="2400" i="1">
                               <a:latin typeface="Cambria Math" charset="0"/>
                             </a:rPr>
                             <m:t>𝑟𝑒𝑎𝑐h𝑎𝑏𝑖𝑙𝑖𝑡𝑦</m:t>
@@ -12139,7 +11797,7 @@
                         </m:e>
                         <m:sub>
                           <m:r>
-                            <a:rPr lang="en-US" i="1">
+                            <a:rPr lang="en-US" sz="2400" i="1">
                               <a:latin typeface="Cambria Math" charset="0"/>
                             </a:rPr>
                             <m:t>𝐶</m:t>
@@ -12147,21 +11805,27 @@
                         </m:sub>
                       </m:sSub>
                       <m:r>
-                        <a:rPr lang="en-US" b="0" i="1" smtClean="0">
+                        <a:rPr lang="en-US" sz="2400" b="0" i="1" smtClean="0">
                           <a:latin typeface="Cambria Math" charset="0"/>
                         </a:rPr>
-                        <m:t>−0.44</m:t>
+                        <m:t>, </m:t>
                       </m:r>
                       <m:r>
-                        <a:rPr lang="en-US" b="0" i="1" smtClean="0">
+                        <a:rPr lang="en-US" sz="2400" b="0" i="1" smtClean="0">
                           <a:latin typeface="Cambria Math" charset="0"/>
                         </a:rPr>
                         <m:t>𝑝𝑟𝑒𝑟𝑒𝑞𝑠</m:t>
                       </m:r>
+                      <m:r>
+                        <a:rPr lang="en-US" sz="2400" b="0" i="1" smtClean="0">
+                          <a:latin typeface="Cambria Math" charset="0"/>
+                        </a:rPr>
+                        <m:t>)</m:t>
+                      </m:r>
                     </m:oMath>
                   </m:oMathPara>
                 </a14:m>
-                <a:endParaRPr lang="en-US" sz="4000" dirty="0"/>
+                <a:endParaRPr lang="en-US" sz="3600" dirty="0"/>
               </a:p>
             </p:txBody>
           </p:sp>
@@ -12220,7 +11884,166 @@
 </p:sld>
 </file>
 
-<file path=ppt/slides/slide42.xml><?xml version="1.0" encoding="utf-8"?>
+<file path=ppt/slides/slide4.xml><?xml version="1.0" encoding="utf-8"?>
+<p:sld xmlns:a="http://schemas.openxmlformats.org/drawingml/2006/main" xmlns:r="http://schemas.openxmlformats.org/officeDocument/2006/relationships" xmlns:p="http://schemas.openxmlformats.org/presentationml/2006/main">
+  <p:cSld>
+    <p:spTree>
+      <p:nvGrpSpPr>
+        <p:cNvPr id="1" name=""/>
+        <p:cNvGrpSpPr/>
+        <p:nvPr/>
+      </p:nvGrpSpPr>
+      <p:grpSpPr>
+        <a:xfrm>
+          <a:off x="0" y="0"/>
+          <a:ext cx="0" cy="0"/>
+          <a:chOff x="0" y="0"/>
+          <a:chExt cx="0" cy="0"/>
+        </a:xfrm>
+      </p:grpSpPr>
+      <p:sp>
+        <p:nvSpPr>
+          <p:cNvPr id="2" name="Title 1"/>
+          <p:cNvSpPr>
+            <a:spLocks noGrp="1"/>
+          </p:cNvSpPr>
+          <p:nvPr>
+            <p:ph type="title"/>
+          </p:nvPr>
+        </p:nvSpPr>
+        <p:spPr/>
+        <p:txBody>
+          <a:bodyPr/>
+          <a:lstStyle/>
+          <a:p>
+            <a:r>
+              <a:rPr lang="en-US" dirty="0" smtClean="0"/>
+              <a:t>Background &amp; Motivation</a:t>
+            </a:r>
+            <a:endParaRPr lang="en-US" dirty="0"/>
+          </a:p>
+        </p:txBody>
+      </p:sp>
+      <p:sp>
+        <p:nvSpPr>
+          <p:cNvPr id="3" name="Content Placeholder 2"/>
+          <p:cNvSpPr>
+            <a:spLocks noGrp="1"/>
+          </p:cNvSpPr>
+          <p:nvPr>
+            <p:ph idx="1"/>
+          </p:nvPr>
+        </p:nvSpPr>
+        <p:spPr/>
+        <p:txBody>
+          <a:bodyPr>
+            <a:normAutofit/>
+          </a:bodyPr>
+          <a:lstStyle/>
+          <a:p>
+            <a:r>
+              <a:rPr lang="en-US" dirty="0" smtClean="0"/>
+              <a:t>One of the primary goals </a:t>
+            </a:r>
+            <a:r>
+              <a:rPr lang="en-US" dirty="0" smtClean="0"/>
+              <a:t>of </a:t>
+            </a:r>
+            <a:r>
+              <a:rPr lang="en-US" dirty="0" smtClean="0"/>
+              <a:t>higher-education </a:t>
+            </a:r>
+            <a:r>
+              <a:rPr lang="en-US" dirty="0" smtClean="0"/>
+              <a:t>institutions is to prepare students for the workforce efficiently </a:t>
+            </a:r>
+            <a:r>
+              <a:rPr lang="mr-IN" dirty="0" smtClean="0"/>
+              <a:t>–</a:t>
+            </a:r>
+            <a:r>
+              <a:rPr lang="en-US" dirty="0" smtClean="0"/>
+              <a:t> student success.</a:t>
+            </a:r>
+          </a:p>
+          <a:p>
+            <a:r>
+              <a:rPr lang="en-US" dirty="0" smtClean="0"/>
+              <a:t>Methods for improving success:</a:t>
+            </a:r>
+          </a:p>
+          <a:p>
+            <a:pPr lvl="1"/>
+            <a:r>
+              <a:rPr lang="en-US" dirty="0" smtClean="0"/>
+              <a:t>Tutoring Programs</a:t>
+            </a:r>
+          </a:p>
+          <a:p>
+            <a:pPr lvl="1"/>
+            <a:r>
+              <a:rPr lang="en-US" dirty="0" smtClean="0"/>
+              <a:t>Intervention Programs</a:t>
+            </a:r>
+          </a:p>
+          <a:p>
+            <a:pPr lvl="1"/>
+            <a:r>
+              <a:rPr lang="en-US" dirty="0" smtClean="0"/>
+              <a:t>Financial Support</a:t>
+            </a:r>
+          </a:p>
+          <a:p>
+            <a:pPr lvl="1"/>
+            <a:r>
+              <a:rPr lang="en-US" dirty="0" smtClean="0"/>
+              <a:t>Improving Instruction Quality</a:t>
+            </a:r>
+          </a:p>
+          <a:p>
+            <a:pPr lvl="1"/>
+            <a:r>
+              <a:rPr lang="en-US" dirty="0" smtClean="0"/>
+              <a:t>Classroom Structures (hybrid, flipped)</a:t>
+            </a:r>
+          </a:p>
+          <a:p>
+            <a:pPr lvl="1"/>
+            <a:r>
+              <a:rPr lang="en-US" dirty="0" smtClean="0"/>
+              <a:t>Etc.</a:t>
+            </a:r>
+          </a:p>
+          <a:p>
+            <a:r>
+              <a:rPr lang="en-US" dirty="0" smtClean="0"/>
+              <a:t>What about curriculum structure?</a:t>
+            </a:r>
+            <a:endParaRPr lang="en-US" dirty="0"/>
+          </a:p>
+        </p:txBody>
+      </p:sp>
+    </p:spTree>
+    <p:extLst>
+      <p:ext uri="{BB962C8B-B14F-4D97-AF65-F5344CB8AC3E}">
+        <p14:creationId xmlns:p14="http://schemas.microsoft.com/office/powerpoint/2010/main" val="2040210789"/>
+      </p:ext>
+    </p:extLst>
+  </p:cSld>
+  <p:clrMapOvr>
+    <a:masterClrMapping/>
+  </p:clrMapOvr>
+  <p:timing>
+    <p:tnLst>
+      <p:par>
+        <p:cTn id="1" dur="indefinite" restart="never" nodeType="tmRoot"/>
+      </p:par>
+    </p:tnLst>
+  </p:timing>
+</p:sld>
+</file>
+
+<file path=ppt/slides/slide40.xml><?xml version="1.0" encoding="utf-8"?>
 <p:sld xmlns:a="http://schemas.openxmlformats.org/drawingml/2006/main" xmlns:r="http://schemas.openxmlformats.org/officeDocument/2006/relationships" xmlns:p="http://schemas.openxmlformats.org/presentationml/2006/main">
   <p:cSld>
     <p:spTree>
@@ -12334,107 +12157,6 @@
           </a:p>
         </p:txBody>
       </p:sp>
-      <mc:AlternateContent xmlns:mc="http://schemas.openxmlformats.org/markup-compatibility/2006">
-        <mc:Choice xmlns:a14="http://schemas.microsoft.com/office/drawing/2010/main" Requires="a14">
-          <p:sp>
-            <p:nvSpPr>
-              <p:cNvPr id="5" name="Rectangle 4"/>
-              <p:cNvSpPr/>
-              <p:nvPr/>
-            </p:nvSpPr>
-            <p:spPr>
-              <a:xfrm>
-                <a:off x="5791379" y="6287056"/>
-                <a:ext cx="418922" cy="369332"/>
-              </a:xfrm>
-              <a:prstGeom prst="rect">
-                <a:avLst/>
-              </a:prstGeom>
-            </p:spPr>
-            <p:txBody>
-              <a:bodyPr wrap="square">
-                <a:spAutoFit/>
-              </a:bodyPr>
-              <a:lstStyle/>
-              <a:p>
-                <a14:m>
-                  <m:oMathPara xmlns:m="http://schemas.openxmlformats.org/officeDocument/2006/math">
-                    <m:oMathParaPr>
-                      <m:jc m:val="centerGroup"/>
-                    </m:oMathParaPr>
-                    <m:oMath xmlns:m="http://schemas.openxmlformats.org/officeDocument/2006/math">
-                      <m:sSub>
-                        <m:sSubPr>
-                          <m:ctrlPr>
-                            <a:rPr lang="en-US" i="1">
-                              <a:latin typeface="Cambria Math" charset="0"/>
-                            </a:rPr>
-                          </m:ctrlPr>
-                        </m:sSubPr>
-                        <m:e>
-                          <m:r>
-                            <a:rPr lang="en-US" i="1">
-                              <a:latin typeface="Cambria Math" charset="0"/>
-                            </a:rPr>
-                            <m:t>𝛼</m:t>
-                          </m:r>
-                        </m:e>
-                        <m:sub>
-                          <m:r>
-                            <a:rPr lang="en-US" i="1">
-                              <a:latin typeface="Cambria Math" charset="0"/>
-                            </a:rPr>
-                            <m:t>𝐶</m:t>
-                          </m:r>
-                        </m:sub>
-                      </m:sSub>
-                    </m:oMath>
-                  </m:oMathPara>
-                </a14:m>
-                <a:endParaRPr lang="en-US" dirty="0"/>
-              </a:p>
-            </p:txBody>
-          </p:sp>
-        </mc:Choice>
-        <mc:Fallback>
-          <p:sp>
-            <p:nvSpPr>
-              <p:cNvPr id="5" name="Rectangle 4"/>
-              <p:cNvSpPr>
-                <a:spLocks noRot="1" noChangeAspect="1" noMove="1" noResize="1" noEditPoints="1" noAdjustHandles="1" noChangeArrowheads="1" noChangeShapeType="1" noTextEdit="1"/>
-              </p:cNvSpPr>
-              <p:nvPr/>
-            </p:nvSpPr>
-            <p:spPr>
-              <a:xfrm>
-                <a:off x="5791379" y="6287056"/>
-                <a:ext cx="418922" cy="369332"/>
-              </a:xfrm>
-              <a:prstGeom prst="rect">
-                <a:avLst/>
-              </a:prstGeom>
-              <a:blipFill rotWithShape="0">
-                <a:blip r:embed="rId4"/>
-                <a:stretch>
-                  <a:fillRect/>
-                </a:stretch>
-              </a:blipFill>
-            </p:spPr>
-            <p:txBody>
-              <a:bodyPr/>
-              <a:lstStyle/>
-              <a:p>
-                <a:r>
-                  <a:rPr lang="en-US">
-                    <a:noFill/>
-                  </a:rPr>
-                  <a:t> </a:t>
-                </a:r>
-              </a:p>
-            </p:txBody>
-          </p:sp>
-        </mc:Fallback>
-      </mc:AlternateContent>
     </p:spTree>
     <p:extLst>
       <p:ext uri="{BB962C8B-B14F-4D97-AF65-F5344CB8AC3E}">
@@ -12455,7 +12177,7 @@
 </p:sld>
 </file>
 
-<file path=ppt/slides/slide43.xml><?xml version="1.0" encoding="utf-8"?>
+<file path=ppt/slides/slide41.xml><?xml version="1.0" encoding="utf-8"?>
 <p:sld xmlns:a="http://schemas.openxmlformats.org/drawingml/2006/main" xmlns:r="http://schemas.openxmlformats.org/officeDocument/2006/relationships" xmlns:p="http://schemas.openxmlformats.org/presentationml/2006/main">
   <p:cSld>
     <p:spTree>
@@ -12494,8 +12216,8 @@
           </a:p>
         </p:txBody>
       </p:sp>
-      <mc:AlternateContent xmlns:mc="http://schemas.openxmlformats.org/markup-compatibility/2006">
-        <mc:Choice xmlns:a14="http://schemas.microsoft.com/office/drawing/2010/main" Requires="a14">
+      <mc:AlternateContent xmlns:mc="http://schemas.openxmlformats.org/markup-compatibility/2006" xmlns:a14="http://schemas.microsoft.com/office/drawing/2010/main">
+        <mc:Choice Requires="a14">
           <p:sp>
             <p:nvSpPr>
               <p:cNvPr id="3" name="Content Placeholder 2"/>
@@ -12639,7 +12361,7 @@
             </p:txBody>
           </p:sp>
         </mc:Choice>
-        <mc:Fallback>
+        <mc:Fallback xmlns="">
           <p:sp>
             <p:nvSpPr>
               <p:cNvPr id="3" name="Content Placeholder 2"/>
@@ -12693,6 +12415,338 @@
 </p:sld>
 </file>
 
+<file path=ppt/slides/slide42.xml><?xml version="1.0" encoding="utf-8"?>
+<p:sld xmlns:a="http://schemas.openxmlformats.org/drawingml/2006/main" xmlns:r="http://schemas.openxmlformats.org/officeDocument/2006/relationships" xmlns:p="http://schemas.openxmlformats.org/presentationml/2006/main">
+  <p:cSld>
+    <p:spTree>
+      <p:nvGrpSpPr>
+        <p:cNvPr id="1" name=""/>
+        <p:cNvGrpSpPr/>
+        <p:nvPr/>
+      </p:nvGrpSpPr>
+      <p:grpSpPr>
+        <a:xfrm>
+          <a:off x="0" y="0"/>
+          <a:ext cx="0" cy="0"/>
+          <a:chOff x="0" y="0"/>
+          <a:chExt cx="0" cy="0"/>
+        </a:xfrm>
+      </p:grpSpPr>
+      <p:sp>
+        <p:nvSpPr>
+          <p:cNvPr id="2" name="Title 1"/>
+          <p:cNvSpPr>
+            <a:spLocks noGrp="1"/>
+          </p:cNvSpPr>
+          <p:nvPr>
+            <p:ph type="title"/>
+          </p:nvPr>
+        </p:nvSpPr>
+        <p:spPr/>
+        <p:txBody>
+          <a:bodyPr/>
+          <a:lstStyle/>
+          <a:p>
+            <a:r>
+              <a:rPr lang="en-US" dirty="0"/>
+              <a:t>Applications in Curricular Analytics</a:t>
+            </a:r>
+          </a:p>
+        </p:txBody>
+      </p:sp>
+      <p:sp>
+        <p:nvSpPr>
+          <p:cNvPr id="15" name="Content Placeholder 14"/>
+          <p:cNvSpPr>
+            <a:spLocks noGrp="1"/>
+          </p:cNvSpPr>
+          <p:nvPr>
+            <p:ph sz="half" idx="2"/>
+          </p:nvPr>
+        </p:nvSpPr>
+        <p:spPr>
+          <a:xfrm>
+            <a:off x="7734300" y="1825625"/>
+            <a:ext cx="3619500" cy="4351338"/>
+          </a:xfrm>
+        </p:spPr>
+        <p:txBody>
+          <a:bodyPr>
+            <a:normAutofit/>
+          </a:bodyPr>
+          <a:lstStyle/>
+          <a:p>
+            <a:pPr>
+              <a:lnSpc>
+                <a:spcPct val="100000"/>
+              </a:lnSpc>
+              <a:spcBef>
+                <a:spcPts val="0"/>
+              </a:spcBef>
+            </a:pPr>
+            <a:r>
+              <a:rPr lang="en-US" sz="2400" dirty="0" smtClean="0"/>
+              <a:t>Computer Engineering at UNM</a:t>
+            </a:r>
+          </a:p>
+          <a:p>
+            <a:pPr>
+              <a:lnSpc>
+                <a:spcPct val="100000"/>
+              </a:lnSpc>
+              <a:spcBef>
+                <a:spcPts val="0"/>
+              </a:spcBef>
+            </a:pPr>
+            <a:endParaRPr lang="en-US" sz="2400" dirty="0" smtClean="0"/>
+          </a:p>
+          <a:p>
+            <a:pPr>
+              <a:lnSpc>
+                <a:spcPct val="100000"/>
+              </a:lnSpc>
+              <a:spcBef>
+                <a:spcPts val="0"/>
+              </a:spcBef>
+            </a:pPr>
+            <a:r>
+              <a:rPr lang="en-US" sz="2400" dirty="0" smtClean="0"/>
+              <a:t>10 terms</a:t>
+            </a:r>
+          </a:p>
+          <a:p>
+            <a:pPr>
+              <a:lnSpc>
+                <a:spcPct val="100000"/>
+              </a:lnSpc>
+              <a:spcBef>
+                <a:spcPts val="0"/>
+              </a:spcBef>
+            </a:pPr>
+            <a:endParaRPr lang="en-US" sz="2400" dirty="0" smtClean="0"/>
+          </a:p>
+          <a:p>
+            <a:pPr>
+              <a:lnSpc>
+                <a:spcPct val="100000"/>
+              </a:lnSpc>
+              <a:spcBef>
+                <a:spcPts val="0"/>
+              </a:spcBef>
+            </a:pPr>
+            <a:r>
+              <a:rPr lang="en-US" sz="2400" dirty="0" smtClean="0"/>
+              <a:t>Students can take up to 18 credits a term.</a:t>
+            </a:r>
+          </a:p>
+        </p:txBody>
+      </p:sp>
+      <p:pic>
+        <p:nvPicPr>
+          <p:cNvPr id="4" name="Content Placeholder 3"/>
+          <p:cNvPicPr>
+            <a:picLocks noGrp="1" noChangeAspect="1"/>
+          </p:cNvPicPr>
+          <p:nvPr>
+            <p:ph sz="half" idx="1"/>
+          </p:nvPr>
+        </p:nvPicPr>
+        <p:blipFill>
+          <a:blip r:embed="rId2">
+            <a:extLst>
+              <a:ext uri="{28A0092B-C50C-407E-A947-70E740481C1C}">
+                <a14:useLocalDpi xmlns:a14="http://schemas.microsoft.com/office/drawing/2010/main" val="0"/>
+              </a:ext>
+            </a:extLst>
+          </a:blip>
+          <a:stretch>
+            <a:fillRect/>
+          </a:stretch>
+        </p:blipFill>
+        <p:spPr>
+          <a:xfrm>
+            <a:off x="460022" y="2095500"/>
+            <a:ext cx="6776156" cy="3811588"/>
+          </a:xfrm>
+        </p:spPr>
+      </p:pic>
+    </p:spTree>
+    <p:extLst>
+      <p:ext uri="{BB962C8B-B14F-4D97-AF65-F5344CB8AC3E}">
+        <p14:creationId xmlns:p14="http://schemas.microsoft.com/office/powerpoint/2010/main" val="1365228075"/>
+      </p:ext>
+    </p:extLst>
+  </p:cSld>
+  <p:clrMapOvr>
+    <a:masterClrMapping/>
+  </p:clrMapOvr>
+  <p:timing>
+    <p:tnLst>
+      <p:par>
+        <p:cTn id="1" dur="indefinite" restart="never" nodeType="tmRoot"/>
+      </p:par>
+    </p:tnLst>
+  </p:timing>
+</p:sld>
+</file>
+
+<file path=ppt/slides/slide43.xml><?xml version="1.0" encoding="utf-8"?>
+<p:sld xmlns:a="http://schemas.openxmlformats.org/drawingml/2006/main" xmlns:r="http://schemas.openxmlformats.org/officeDocument/2006/relationships" xmlns:p="http://schemas.openxmlformats.org/presentationml/2006/main">
+  <p:cSld>
+    <p:spTree>
+      <p:nvGrpSpPr>
+        <p:cNvPr id="1" name=""/>
+        <p:cNvGrpSpPr/>
+        <p:nvPr/>
+      </p:nvGrpSpPr>
+      <p:grpSpPr>
+        <a:xfrm>
+          <a:off x="0" y="0"/>
+          <a:ext cx="0" cy="0"/>
+          <a:chOff x="0" y="0"/>
+          <a:chExt cx="0" cy="0"/>
+        </a:xfrm>
+      </p:grpSpPr>
+      <p:sp>
+        <p:nvSpPr>
+          <p:cNvPr id="2" name="Title 1"/>
+          <p:cNvSpPr>
+            <a:spLocks noGrp="1"/>
+          </p:cNvSpPr>
+          <p:nvPr>
+            <p:ph type="title"/>
+          </p:nvPr>
+        </p:nvSpPr>
+        <p:spPr/>
+        <p:txBody>
+          <a:bodyPr/>
+          <a:lstStyle/>
+          <a:p>
+            <a:r>
+              <a:rPr lang="en-US" dirty="0"/>
+              <a:t>Applications in Curricular Analytics</a:t>
+            </a:r>
+          </a:p>
+        </p:txBody>
+      </p:sp>
+      <p:sp>
+        <p:nvSpPr>
+          <p:cNvPr id="3" name="Content Placeholder 2"/>
+          <p:cNvSpPr>
+            <a:spLocks noGrp="1"/>
+          </p:cNvSpPr>
+          <p:nvPr>
+            <p:ph idx="1"/>
+          </p:nvPr>
+        </p:nvSpPr>
+        <p:spPr/>
+        <p:txBody>
+          <a:bodyPr>
+            <a:normAutofit/>
+          </a:bodyPr>
+          <a:lstStyle/>
+          <a:p>
+            <a:pPr>
+              <a:lnSpc>
+                <a:spcPct val="100000"/>
+              </a:lnSpc>
+              <a:spcBef>
+                <a:spcPts val="0"/>
+              </a:spcBef>
+            </a:pPr>
+            <a:r>
+              <a:rPr lang="en-US" dirty="0" smtClean="0"/>
+              <a:t>Increasing pass-rates increases success.</a:t>
+            </a:r>
+          </a:p>
+          <a:p>
+            <a:pPr>
+              <a:lnSpc>
+                <a:spcPct val="100000"/>
+              </a:lnSpc>
+              <a:spcBef>
+                <a:spcPts val="0"/>
+              </a:spcBef>
+            </a:pPr>
+            <a:endParaRPr lang="en-US" dirty="0" smtClean="0"/>
+          </a:p>
+          <a:p>
+            <a:pPr>
+              <a:lnSpc>
+                <a:spcPct val="100000"/>
+              </a:lnSpc>
+              <a:spcBef>
+                <a:spcPts val="0"/>
+              </a:spcBef>
+            </a:pPr>
+            <a:r>
+              <a:rPr lang="en-US" dirty="0" smtClean="0"/>
+              <a:t>However, it’s not realistic to simply increase course </a:t>
+            </a:r>
+            <a:r>
+              <a:rPr lang="en-US" dirty="0" err="1" smtClean="0"/>
+              <a:t>passrates</a:t>
+            </a:r>
+            <a:r>
+              <a:rPr lang="en-US" dirty="0" smtClean="0"/>
+              <a:t>.</a:t>
+            </a:r>
+          </a:p>
+          <a:p>
+            <a:pPr>
+              <a:lnSpc>
+                <a:spcPct val="100000"/>
+              </a:lnSpc>
+              <a:spcBef>
+                <a:spcPts val="0"/>
+              </a:spcBef>
+            </a:pPr>
+            <a:endParaRPr lang="en-US" dirty="0"/>
+          </a:p>
+          <a:p>
+            <a:pPr>
+              <a:lnSpc>
+                <a:spcPct val="100000"/>
+              </a:lnSpc>
+              <a:spcBef>
+                <a:spcPts val="0"/>
+              </a:spcBef>
+            </a:pPr>
+            <a:r>
+              <a:rPr lang="en-US" dirty="0" smtClean="0"/>
+              <a:t>Which courses would have the largest effect on overall graduations rates with an increase in </a:t>
+            </a:r>
+            <a:r>
+              <a:rPr lang="en-US" dirty="0" err="1" smtClean="0"/>
+              <a:t>passrate</a:t>
+            </a:r>
+            <a:r>
+              <a:rPr lang="en-US" dirty="0" smtClean="0"/>
+              <a:t>?</a:t>
+            </a:r>
+          </a:p>
+        </p:txBody>
+      </p:sp>
+    </p:spTree>
+    <p:extLst>
+      <p:ext uri="{BB962C8B-B14F-4D97-AF65-F5344CB8AC3E}">
+        <p14:creationId xmlns:p14="http://schemas.microsoft.com/office/powerpoint/2010/main" val="552095399"/>
+      </p:ext>
+    </p:extLst>
+  </p:cSld>
+  <p:clrMapOvr>
+    <a:masterClrMapping/>
+  </p:clrMapOvr>
+  <p:timing>
+    <p:tnLst>
+      <p:par>
+        <p:cTn id="1" dur="indefinite" restart="never" nodeType="tmRoot"/>
+      </p:par>
+    </p:tnLst>
+  </p:timing>
+</p:sld>
+</file>
+
 <file path=ppt/slides/slide44.xml><?xml version="1.0" encoding="utf-8"?>
 <p:sld xmlns:a="http://schemas.openxmlformats.org/drawingml/2006/main" xmlns:r="http://schemas.openxmlformats.org/officeDocument/2006/relationships" xmlns:p="http://schemas.openxmlformats.org/presentationml/2006/main">
   <p:cSld>
@@ -12734,27 +12788,37 @@
       </p:sp>
       <p:sp>
         <p:nvSpPr>
-          <p:cNvPr id="15" name="Content Placeholder 14"/>
-          <p:cNvSpPr>
-            <a:spLocks noGrp="1"/>
-          </p:cNvSpPr>
-          <p:nvPr>
-            <p:ph sz="half" idx="2"/>
-          </p:nvPr>
-        </p:nvSpPr>
-        <p:spPr>
-          <a:xfrm>
-            <a:off x="7734300" y="1825625"/>
-            <a:ext cx="3619500" cy="4351338"/>
-          </a:xfrm>
-        </p:spPr>
+          <p:cNvPr id="3" name="Content Placeholder 2"/>
+          <p:cNvSpPr>
+            <a:spLocks noGrp="1"/>
+          </p:cNvSpPr>
+          <p:nvPr>
+            <p:ph idx="1"/>
+          </p:nvPr>
+        </p:nvSpPr>
+        <p:spPr/>
         <p:txBody>
           <a:bodyPr>
             <a:normAutofit/>
           </a:bodyPr>
           <a:lstStyle/>
           <a:p>
-            <a:pPr>
+            <a:pPr marL="0" indent="0">
+              <a:lnSpc>
+                <a:spcPct val="100000"/>
+              </a:lnSpc>
+              <a:spcBef>
+                <a:spcPts val="0"/>
+              </a:spcBef>
+              <a:buNone/>
+            </a:pPr>
+            <a:r>
+              <a:rPr lang="en-US" dirty="0" smtClean="0"/>
+              <a:t>To answer this question, sensitivity analysis was performed over all courses in UNM’s accounting, mechanical engineering, and computer engineering programs.</a:t>
+            </a:r>
+          </a:p>
+          <a:p>
+            <a:pPr lvl="1">
               <a:lnSpc>
                 <a:spcPct val="100000"/>
               </a:lnSpc>
@@ -12763,12 +12827,12 @@
               </a:spcBef>
             </a:pPr>
             <a:r>
-              <a:rPr lang="en-US" sz="2400" dirty="0" smtClean="0"/>
-              <a:t>Computer Engineering at UNM</a:t>
-            </a:r>
-          </a:p>
-          <a:p>
-            <a:pPr>
+              <a:rPr lang="en-US" dirty="0" smtClean="0"/>
+              <a:t>Students could take up to 18 credits/term</a:t>
+            </a:r>
+          </a:p>
+          <a:p>
+            <a:pPr lvl="1">
               <a:lnSpc>
                 <a:spcPct val="100000"/>
               </a:lnSpc>
@@ -12776,10 +12840,13 @@
                 <a:spcPts val="0"/>
               </a:spcBef>
             </a:pPr>
-            <a:endParaRPr lang="en-US" sz="2400" dirty="0" smtClean="0"/>
-          </a:p>
-          <a:p>
-            <a:pPr>
+            <a:r>
+              <a:rPr lang="en-US" dirty="0" smtClean="0"/>
+              <a:t>Actual course pass rates were used.</a:t>
+            </a:r>
+          </a:p>
+          <a:p>
+            <a:pPr lvl="1">
               <a:lnSpc>
                 <a:spcPct val="100000"/>
               </a:lnSpc>
@@ -12788,12 +12855,12 @@
               </a:spcBef>
             </a:pPr>
             <a:r>
-              <a:rPr lang="en-US" sz="2400" dirty="0" smtClean="0"/>
-              <a:t>10 terms</a:t>
-            </a:r>
-          </a:p>
-          <a:p>
-            <a:pPr>
+              <a:rPr lang="en-US" dirty="0" smtClean="0"/>
+              <a:t>A baseline simulation is carried out. Then, one at a time, each courses pass rate is increased by 30% and is simulated.</a:t>
+            </a:r>
+          </a:p>
+          <a:p>
+            <a:pPr lvl="1">
               <a:lnSpc>
                 <a:spcPct val="100000"/>
               </a:lnSpc>
@@ -12801,47 +12868,25 @@
                 <a:spcPts val="0"/>
               </a:spcBef>
             </a:pPr>
-            <a:endParaRPr lang="en-US" sz="2400" dirty="0" smtClean="0"/>
-          </a:p>
-          <a:p>
-            <a:pPr>
-              <a:lnSpc>
-                <a:spcPct val="100000"/>
-              </a:lnSpc>
-              <a:spcBef>
-                <a:spcPts val="0"/>
-              </a:spcBef>
-            </a:pPr>
-            <a:r>
-              <a:rPr lang="en-US" sz="2400" dirty="0" smtClean="0"/>
-              <a:t>Students can take up to 18 credits a term.</a:t>
-            </a:r>
-          </a:p>
-        </p:txBody>
-      </p:sp>
-      <p:sp>
-        <p:nvSpPr>
-          <p:cNvPr id="3" name="Content Placeholder 2"/>
-          <p:cNvSpPr>
-            <a:spLocks noGrp="1"/>
-          </p:cNvSpPr>
-          <p:nvPr>
-            <p:ph sz="half" idx="1"/>
-          </p:nvPr>
-        </p:nvSpPr>
-        <p:spPr/>
-        <p:txBody>
-          <a:bodyPr/>
-          <a:lstStyle/>
-          <a:p>
-            <a:endParaRPr lang="en-US"/>
+            <a:r>
+              <a:rPr lang="en-US" dirty="0" smtClean="0"/>
+              <a:t>The change in 10</a:t>
+            </a:r>
+            <a:r>
+              <a:rPr lang="en-US" baseline="30000" dirty="0" smtClean="0"/>
+              <a:t>th</a:t>
+            </a:r>
+            <a:r>
+              <a:rPr lang="en-US" dirty="0" smtClean="0"/>
+              <a:t> term completion rate is recorded.</a:t>
+            </a:r>
           </a:p>
         </p:txBody>
       </p:sp>
     </p:spTree>
     <p:extLst>
       <p:ext uri="{BB962C8B-B14F-4D97-AF65-F5344CB8AC3E}">
-        <p14:creationId xmlns:p14="http://schemas.microsoft.com/office/powerpoint/2010/main" val="1365228075"/>
+        <p14:creationId xmlns:p14="http://schemas.microsoft.com/office/powerpoint/2010/main" val="1076083948"/>
       </p:ext>
     </p:extLst>
   </p:cSld>
@@ -12899,106 +12944,267 @@
       </p:sp>
       <p:sp>
         <p:nvSpPr>
-          <p:cNvPr id="3" name="Content Placeholder 2"/>
-          <p:cNvSpPr>
-            <a:spLocks noGrp="1"/>
-          </p:cNvSpPr>
-          <p:nvPr>
-            <p:ph idx="1"/>
-          </p:nvPr>
-        </p:nvSpPr>
-        <p:spPr/>
-        <p:txBody>
-          <a:bodyPr>
-            <a:normAutofit/>
-          </a:bodyPr>
-          <a:lstStyle/>
-          <a:p>
-            <a:pPr>
-              <a:lnSpc>
-                <a:spcPct val="100000"/>
-              </a:lnSpc>
-              <a:spcBef>
-                <a:spcPts val="0"/>
-              </a:spcBef>
+          <p:cNvPr id="3" name="Text Placeholder 2"/>
+          <p:cNvSpPr>
+            <a:spLocks noGrp="1"/>
+          </p:cNvSpPr>
+          <p:nvPr>
+            <p:ph type="body" idx="1"/>
+          </p:nvPr>
+        </p:nvSpPr>
+        <p:spPr>
+          <a:xfrm>
+            <a:off x="4356099" y="1690688"/>
+            <a:ext cx="3516311" cy="823912"/>
+          </a:xfrm>
+        </p:spPr>
+        <p:txBody>
+          <a:bodyPr/>
+          <a:lstStyle/>
+          <a:p>
+            <a:r>
+              <a:rPr lang="en-US" dirty="0" smtClean="0"/>
+              <a:t>Computer Eng.</a:t>
+            </a:r>
+            <a:endParaRPr lang="en-US" dirty="0"/>
+          </a:p>
+        </p:txBody>
+      </p:sp>
+      <p:sp>
+        <p:nvSpPr>
+          <p:cNvPr id="4" name="Content Placeholder 3"/>
+          <p:cNvSpPr>
+            <a:spLocks noGrp="1"/>
+          </p:cNvSpPr>
+          <p:nvPr>
+            <p:ph sz="half" idx="2"/>
+          </p:nvPr>
+        </p:nvSpPr>
+        <p:spPr>
+          <a:xfrm>
+            <a:off x="4356099" y="2514600"/>
+            <a:ext cx="3516311" cy="3684588"/>
+          </a:xfrm>
+        </p:spPr>
+        <p:txBody>
+          <a:bodyPr/>
+          <a:lstStyle/>
+          <a:p>
+            <a:r>
+              <a:rPr lang="en-US" dirty="0" smtClean="0"/>
+              <a:t>MATH 162: 6.1%</a:t>
+            </a:r>
+          </a:p>
+          <a:p>
+            <a:r>
+              <a:rPr lang="en-US" dirty="0" smtClean="0"/>
+              <a:t>MATH 163: 5.5%</a:t>
+            </a:r>
+          </a:p>
+          <a:p>
+            <a:r>
+              <a:rPr lang="en-US" dirty="0" smtClean="0"/>
+              <a:t>PHYC 160: 2.8%</a:t>
+            </a:r>
+          </a:p>
+          <a:p>
+            <a:r>
+              <a:rPr lang="en-US" dirty="0" smtClean="0"/>
+              <a:t>MATH 264: 2.5%</a:t>
+            </a:r>
+          </a:p>
+          <a:p>
+            <a:r>
+              <a:rPr lang="en-US" dirty="0" smtClean="0"/>
+              <a:t>ECON 105: 2.4%</a:t>
+            </a:r>
+          </a:p>
+        </p:txBody>
+      </p:sp>
+      <p:sp>
+        <p:nvSpPr>
+          <p:cNvPr id="7" name="Text Placeholder 2"/>
+          <p:cNvSpPr>
+            <a:spLocks noGrp="1"/>
+          </p:cNvSpPr>
+          <p:nvPr>
+            <p:ph type="body" idx="1"/>
+          </p:nvPr>
+        </p:nvSpPr>
+        <p:spPr>
+          <a:xfrm>
+            <a:off x="7839077" y="1690688"/>
+            <a:ext cx="3516311" cy="823912"/>
+          </a:xfrm>
+        </p:spPr>
+        <p:txBody>
+          <a:bodyPr/>
+          <a:lstStyle/>
+          <a:p>
+            <a:r>
+              <a:rPr lang="en-US" dirty="0" smtClean="0"/>
+              <a:t>Mechanical Eng.</a:t>
+            </a:r>
+            <a:endParaRPr lang="en-US" dirty="0"/>
+          </a:p>
+        </p:txBody>
+      </p:sp>
+      <p:sp>
+        <p:nvSpPr>
+          <p:cNvPr id="8" name="Content Placeholder 3"/>
+          <p:cNvSpPr>
+            <a:spLocks noGrp="1"/>
+          </p:cNvSpPr>
+          <p:nvPr>
+            <p:ph sz="half" idx="2"/>
+          </p:nvPr>
+        </p:nvSpPr>
+        <p:spPr>
+          <a:xfrm>
+            <a:off x="7839077" y="2514600"/>
+            <a:ext cx="3516311" cy="3684588"/>
+          </a:xfrm>
+        </p:spPr>
+        <p:txBody>
+          <a:bodyPr/>
+          <a:lstStyle/>
+          <a:p>
+            <a:r>
+              <a:rPr lang="en-US" dirty="0" smtClean="0"/>
+              <a:t>MATH 162: 4.1%</a:t>
+            </a:r>
+          </a:p>
+          <a:p>
+            <a:r>
+              <a:rPr lang="en-US" dirty="0" smtClean="0"/>
+              <a:t>MATH 163: 4.0%</a:t>
+            </a:r>
+          </a:p>
+          <a:p>
+            <a:r>
+              <a:rPr lang="en-US" dirty="0" smtClean="0"/>
+              <a:t>MATH 264: 2.7%</a:t>
+            </a:r>
+          </a:p>
+          <a:p>
+            <a:r>
+              <a:rPr lang="en-US" dirty="0" smtClean="0"/>
+              <a:t>PHYC 160: 2.1%</a:t>
+            </a:r>
+          </a:p>
+          <a:p>
+            <a:r>
+              <a:rPr lang="en-US" dirty="0" smtClean="0"/>
+              <a:t>ECON 105: 2.1%</a:t>
+            </a:r>
+            <a:endParaRPr lang="en-US" dirty="0"/>
+          </a:p>
+        </p:txBody>
+      </p:sp>
+      <p:sp>
+        <p:nvSpPr>
+          <p:cNvPr id="9" name="Text Placeholder 2"/>
+          <p:cNvSpPr>
+            <a:spLocks noGrp="1"/>
+          </p:cNvSpPr>
+          <p:nvPr>
+            <p:ph type="body" idx="1"/>
+          </p:nvPr>
+        </p:nvSpPr>
+        <p:spPr>
+          <a:xfrm>
+            <a:off x="839788" y="1690688"/>
+            <a:ext cx="3516311" cy="823912"/>
+          </a:xfrm>
+        </p:spPr>
+        <p:txBody>
+          <a:bodyPr/>
+          <a:lstStyle/>
+          <a:p>
+            <a:r>
+              <a:rPr lang="en-US" dirty="0" smtClean="0"/>
+              <a:t>Accounting</a:t>
+            </a:r>
+            <a:endParaRPr lang="en-US" dirty="0"/>
+          </a:p>
+        </p:txBody>
+      </p:sp>
+      <p:sp>
+        <p:nvSpPr>
+          <p:cNvPr id="10" name="Content Placeholder 3"/>
+          <p:cNvSpPr>
+            <a:spLocks noGrp="1"/>
+          </p:cNvSpPr>
+          <p:nvPr>
+            <p:ph sz="half" idx="2"/>
+          </p:nvPr>
+        </p:nvSpPr>
+        <p:spPr>
+          <a:xfrm>
+            <a:off x="839788" y="2514600"/>
+            <a:ext cx="3516311" cy="3684588"/>
+          </a:xfrm>
+        </p:spPr>
+        <p:txBody>
+          <a:bodyPr/>
+          <a:lstStyle/>
+          <a:p>
+            <a:pPr marL="514350" indent="-514350">
+              <a:buFont typeface="+mj-lt"/>
+              <a:buAutoNum type="arabicPeriod"/>
             </a:pPr>
             <a:r>
               <a:rPr lang="en-US" dirty="0" smtClean="0"/>
-              <a:t>Increasing pass-rates increases success.</a:t>
-            </a:r>
-          </a:p>
-          <a:p>
-            <a:pPr>
-              <a:lnSpc>
-                <a:spcPct val="100000"/>
-              </a:lnSpc>
-              <a:spcBef>
-                <a:spcPts val="0"/>
-              </a:spcBef>
+              <a:t>MATH 180: 2.8%</a:t>
+            </a:r>
+          </a:p>
+          <a:p>
+            <a:pPr marL="514350" indent="-514350">
+              <a:buFont typeface="+mj-lt"/>
+              <a:buAutoNum type="arabicPeriod"/>
             </a:pPr>
-            <a:endParaRPr lang="en-US" dirty="0" smtClean="0"/>
-          </a:p>
-          <a:p>
-            <a:pPr>
-              <a:lnSpc>
-                <a:spcPct val="100000"/>
-              </a:lnSpc>
-              <a:spcBef>
-                <a:spcPts val="0"/>
-              </a:spcBef>
+            <a:r>
+              <a:rPr lang="en-US" dirty="0" smtClean="0"/>
+              <a:t>MGMT 202: 2.8%</a:t>
+            </a:r>
+          </a:p>
+          <a:p>
+            <a:pPr marL="514350" indent="-514350">
+              <a:buFont typeface="+mj-lt"/>
+              <a:buAutoNum type="arabicPeriod"/>
             </a:pPr>
             <a:r>
               <a:rPr lang="en-US" dirty="0" smtClean="0"/>
-              <a:t>However, it’s not realistic to simply increase course </a:t>
-            </a:r>
-            <a:r>
-              <a:rPr lang="en-US" dirty="0" err="1" smtClean="0"/>
-              <a:t>passrates</a:t>
-            </a:r>
-            <a:r>
-              <a:rPr lang="en-US" dirty="0" smtClean="0"/>
-              <a:t>.</a:t>
-            </a:r>
-          </a:p>
-          <a:p>
-            <a:pPr>
-              <a:lnSpc>
-                <a:spcPct val="100000"/>
-              </a:lnSpc>
-              <a:spcBef>
-                <a:spcPts val="0"/>
-              </a:spcBef>
+              <a:t>MATH 121: 2.7%</a:t>
+            </a:r>
+          </a:p>
+          <a:p>
+            <a:pPr marL="514350" indent="-514350">
+              <a:buFont typeface="+mj-lt"/>
+              <a:buAutoNum type="arabicPeriod"/>
             </a:pPr>
+            <a:r>
+              <a:rPr lang="en-US" dirty="0" smtClean="0"/>
+              <a:t>ECON 105: 2.2%</a:t>
+            </a:r>
+          </a:p>
+          <a:p>
+            <a:pPr marL="514350" indent="-514350">
+              <a:buFont typeface="+mj-lt"/>
+              <a:buAutoNum type="arabicPeriod"/>
+            </a:pPr>
+            <a:r>
+              <a:rPr lang="en-US" dirty="0" smtClean="0"/>
+              <a:t>ECON 106: 2.2%</a:t>
+            </a:r>
             <a:endParaRPr lang="en-US" dirty="0"/>
-          </a:p>
-          <a:p>
-            <a:pPr>
-              <a:lnSpc>
-                <a:spcPct val="100000"/>
-              </a:lnSpc>
-              <a:spcBef>
-                <a:spcPts val="0"/>
-              </a:spcBef>
-            </a:pPr>
-            <a:r>
-              <a:rPr lang="en-US" dirty="0" smtClean="0"/>
-              <a:t>Which courses would have the largest effect on overall graduations rates with an increase in </a:t>
-            </a:r>
-            <a:r>
-              <a:rPr lang="en-US" dirty="0" err="1" smtClean="0"/>
-              <a:t>passrate</a:t>
-            </a:r>
-            <a:r>
-              <a:rPr lang="en-US" dirty="0" smtClean="0"/>
-              <a:t>?</a:t>
-            </a:r>
           </a:p>
         </p:txBody>
       </p:sp>
     </p:spTree>
     <p:extLst>
       <p:ext uri="{BB962C8B-B14F-4D97-AF65-F5344CB8AC3E}">
-        <p14:creationId xmlns:p14="http://schemas.microsoft.com/office/powerpoint/2010/main" val="552095399"/>
+        <p14:creationId xmlns:p14="http://schemas.microsoft.com/office/powerpoint/2010/main" val="146806393"/>
       </p:ext>
     </p:extLst>
   </p:cSld>
@@ -13048,113 +13254,36 @@
           <a:lstStyle/>
           <a:p>
             <a:r>
-              <a:rPr lang="en-US" dirty="0"/>
-              <a:t>Applications in Curricular Analytics</a:t>
-            </a:r>
-          </a:p>
-        </p:txBody>
-      </p:sp>
-      <p:sp>
-        <p:nvSpPr>
-          <p:cNvPr id="3" name="Content Placeholder 2"/>
-          <p:cNvSpPr>
-            <a:spLocks noGrp="1"/>
-          </p:cNvSpPr>
-          <p:nvPr>
-            <p:ph idx="1"/>
-          </p:nvPr>
-        </p:nvSpPr>
-        <p:spPr/>
-        <p:txBody>
-          <a:bodyPr>
-            <a:normAutofit/>
-          </a:bodyPr>
-          <a:lstStyle/>
-          <a:p>
-            <a:pPr marL="0" indent="0">
-              <a:lnSpc>
-                <a:spcPct val="100000"/>
-              </a:lnSpc>
-              <a:spcBef>
-                <a:spcPts val="0"/>
-              </a:spcBef>
-              <a:buNone/>
-            </a:pPr>
-            <a:r>
-              <a:rPr lang="en-US" dirty="0" smtClean="0"/>
-              <a:t>To answer this question, sensitivity analysis was performed over all courses in UNM’s accounting, mechanical engineering, and computer engineering programs.</a:t>
-            </a:r>
-          </a:p>
-          <a:p>
-            <a:pPr lvl="1">
-              <a:lnSpc>
-                <a:spcPct val="100000"/>
-              </a:lnSpc>
-              <a:spcBef>
-                <a:spcPts val="0"/>
-              </a:spcBef>
-            </a:pPr>
-            <a:r>
-              <a:rPr lang="en-US" dirty="0" smtClean="0"/>
-              <a:t>Students could take up to 18 credits/term</a:t>
-            </a:r>
-          </a:p>
-          <a:p>
-            <a:pPr lvl="1">
-              <a:lnSpc>
-                <a:spcPct val="100000"/>
-              </a:lnSpc>
-              <a:spcBef>
-                <a:spcPts val="0"/>
-              </a:spcBef>
-            </a:pPr>
-            <a:r>
-              <a:rPr lang="en-US" dirty="0" smtClean="0"/>
-              <a:t>Actual course pass rates were used.</a:t>
-            </a:r>
-          </a:p>
-          <a:p>
-            <a:pPr lvl="1">
-              <a:lnSpc>
-                <a:spcPct val="100000"/>
-              </a:lnSpc>
-              <a:spcBef>
-                <a:spcPts val="0"/>
-              </a:spcBef>
-            </a:pPr>
-            <a:r>
-              <a:rPr lang="en-US" dirty="0" smtClean="0"/>
-              <a:t>A baseline simulation is carried out. Then, one at a time, each courses pass rate is increased by 30% and is simulated.</a:t>
-            </a:r>
-          </a:p>
-          <a:p>
-            <a:pPr lvl="1">
-              <a:lnSpc>
-                <a:spcPct val="100000"/>
-              </a:lnSpc>
-              <a:spcBef>
-                <a:spcPts val="0"/>
-              </a:spcBef>
-            </a:pPr>
-            <a:r>
-              <a:rPr lang="en-US" dirty="0" smtClean="0"/>
-              <a:t>The change in 10</a:t>
-            </a:r>
-            <a:r>
-              <a:rPr lang="en-US" baseline="30000" dirty="0" smtClean="0"/>
-              <a:t>th</a:t>
-            </a:r>
-            <a:r>
-              <a:rPr lang="en-US" dirty="0" smtClean="0"/>
-              <a:t> term completion rate is recorded.</a:t>
-            </a:r>
+              <a:rPr lang="en-US" dirty="0" smtClean="0"/>
+              <a:t>Future Work</a:t>
+            </a:r>
+            <a:endParaRPr lang="en-US" dirty="0"/>
+          </a:p>
+        </p:txBody>
+      </p:sp>
+      <p:sp>
+        <p:nvSpPr>
+          <p:cNvPr id="3" name="Text Placeholder 2"/>
+          <p:cNvSpPr>
+            <a:spLocks noGrp="1"/>
+          </p:cNvSpPr>
+          <p:nvPr>
+            <p:ph type="body" idx="1"/>
+          </p:nvPr>
+        </p:nvSpPr>
+        <p:spPr/>
+        <p:txBody>
+          <a:bodyPr/>
+          <a:lstStyle/>
+          <a:p>
+            <a:endParaRPr lang="en-US"/>
           </a:p>
         </p:txBody>
       </p:sp>
     </p:spTree>
     <p:extLst>
       <p:ext uri="{BB962C8B-B14F-4D97-AF65-F5344CB8AC3E}">
-        <p14:creationId xmlns:p14="http://schemas.microsoft.com/office/powerpoint/2010/main" val="1076083948"/>
+        <p14:creationId xmlns:p14="http://schemas.microsoft.com/office/powerpoint/2010/main" val="35977804"/>
       </p:ext>
     </p:extLst>
   </p:cSld>
@@ -13204,275 +13333,227 @@
           <a:lstStyle/>
           <a:p>
             <a:r>
+              <a:rPr lang="en-US" dirty="0" smtClean="0"/>
+              <a:t>Future Work</a:t>
+            </a:r>
+            <a:endParaRPr lang="en-US" dirty="0"/>
+          </a:p>
+        </p:txBody>
+      </p:sp>
+      <p:sp>
+        <p:nvSpPr>
+          <p:cNvPr id="3" name="Content Placeholder 2"/>
+          <p:cNvSpPr>
+            <a:spLocks noGrp="1"/>
+          </p:cNvSpPr>
+          <p:nvPr>
+            <p:ph idx="1"/>
+          </p:nvPr>
+        </p:nvSpPr>
+        <p:spPr/>
+        <p:txBody>
+          <a:bodyPr>
+            <a:normAutofit lnSpcReduction="10000"/>
+          </a:bodyPr>
+          <a:lstStyle/>
+          <a:p>
+            <a:pPr marL="0" indent="0">
+              <a:lnSpc>
+                <a:spcPct val="100000"/>
+              </a:lnSpc>
+              <a:spcBef>
+                <a:spcPts val="0"/>
+              </a:spcBef>
+              <a:buNone/>
+            </a:pPr>
+            <a:r>
+              <a:rPr lang="en-US" b="1" dirty="0" smtClean="0"/>
+              <a:t>CASL</a:t>
+            </a:r>
+          </a:p>
+          <a:p>
+            <a:pPr>
+              <a:lnSpc>
+                <a:spcPct val="100000"/>
+              </a:lnSpc>
+              <a:spcBef>
+                <a:spcPts val="0"/>
+              </a:spcBef>
+            </a:pPr>
+            <a:r>
+              <a:rPr lang="en-US" dirty="0" smtClean="0"/>
+              <a:t>Development </a:t>
+            </a:r>
+            <a:r>
+              <a:rPr lang="en-US" dirty="0" smtClean="0"/>
+              <a:t>of more course performance </a:t>
+            </a:r>
+            <a:r>
+              <a:rPr lang="en-US" dirty="0" smtClean="0"/>
+              <a:t>modules (</a:t>
+            </a:r>
+            <a:r>
+              <a:rPr lang="en-US" dirty="0" err="1" smtClean="0"/>
+              <a:t>probit</a:t>
+            </a:r>
+            <a:r>
+              <a:rPr lang="en-US" dirty="0" smtClean="0"/>
+              <a:t>, NN, etc.)</a:t>
+            </a:r>
+            <a:endParaRPr lang="en-US" dirty="0" smtClean="0"/>
+          </a:p>
+          <a:p>
+            <a:pPr>
+              <a:lnSpc>
+                <a:spcPct val="100000"/>
+              </a:lnSpc>
+              <a:spcBef>
+                <a:spcPts val="0"/>
+              </a:spcBef>
+            </a:pPr>
+            <a:r>
+              <a:rPr lang="en-US" dirty="0" smtClean="0"/>
+              <a:t>More flexibility in how students are enrolled.</a:t>
+            </a:r>
+          </a:p>
+          <a:p>
+            <a:pPr>
+              <a:lnSpc>
+                <a:spcPct val="100000"/>
+              </a:lnSpc>
+              <a:spcBef>
+                <a:spcPts val="0"/>
+              </a:spcBef>
+            </a:pPr>
+            <a:r>
+              <a:rPr lang="en-US" dirty="0" smtClean="0"/>
+              <a:t>Integration with </a:t>
+            </a:r>
+            <a:r>
+              <a:rPr lang="en-US" dirty="0" err="1" smtClean="0"/>
+              <a:t>curricula.academicdashboards.org</a:t>
+            </a:r>
+            <a:endParaRPr lang="en-US" dirty="0" smtClean="0"/>
+          </a:p>
+          <a:p>
+            <a:pPr>
+              <a:lnSpc>
+                <a:spcPct val="100000"/>
+              </a:lnSpc>
+              <a:spcBef>
+                <a:spcPts val="0"/>
+              </a:spcBef>
+            </a:pPr>
+            <a:r>
+              <a:rPr lang="en-US" dirty="0" smtClean="0"/>
+              <a:t>Visualizations</a:t>
+            </a:r>
+          </a:p>
+          <a:p>
+            <a:pPr>
+              <a:lnSpc>
+                <a:spcPct val="100000"/>
+              </a:lnSpc>
+              <a:spcBef>
+                <a:spcPts val="0"/>
+              </a:spcBef>
+            </a:pPr>
+            <a:endParaRPr lang="en-US" dirty="0"/>
+          </a:p>
+          <a:p>
+            <a:pPr marL="0" indent="0">
+              <a:lnSpc>
+                <a:spcPct val="100000"/>
+              </a:lnSpc>
+              <a:spcBef>
+                <a:spcPts val="0"/>
+              </a:spcBef>
+              <a:buNone/>
+            </a:pPr>
+            <a:r>
+              <a:rPr lang="en-US" b="1" dirty="0" smtClean="0"/>
+              <a:t>Analytics</a:t>
+            </a:r>
+            <a:endParaRPr lang="en-US" dirty="0" smtClean="0"/>
+          </a:p>
+          <a:p>
+            <a:pPr>
+              <a:lnSpc>
+                <a:spcPct val="100000"/>
+              </a:lnSpc>
+              <a:spcBef>
+                <a:spcPts val="0"/>
+              </a:spcBef>
+            </a:pPr>
+            <a:r>
               <a:rPr lang="en-US" dirty="0"/>
-              <a:t>Applications in Curricular Analytics</a:t>
-            </a:r>
-          </a:p>
-        </p:txBody>
-      </p:sp>
-      <p:sp>
-        <p:nvSpPr>
-          <p:cNvPr id="3" name="Text Placeholder 2"/>
-          <p:cNvSpPr>
-            <a:spLocks noGrp="1"/>
-          </p:cNvSpPr>
-          <p:nvPr>
-            <p:ph type="body" idx="1"/>
-          </p:nvPr>
-        </p:nvSpPr>
-        <p:spPr>
-          <a:xfrm>
-            <a:off x="4356099" y="1690688"/>
-            <a:ext cx="3516311" cy="823912"/>
-          </a:xfrm>
-        </p:spPr>
-        <p:txBody>
-          <a:bodyPr/>
-          <a:lstStyle/>
-          <a:p>
-            <a:r>
-              <a:rPr lang="en-US" dirty="0" smtClean="0"/>
-              <a:t>Computer Eng.</a:t>
-            </a:r>
+              <a:t>S</a:t>
+            </a:r>
+            <a:r>
+              <a:rPr lang="en-US" dirty="0" smtClean="0"/>
+              <a:t>imulations </a:t>
+            </a:r>
+            <a:r>
+              <a:rPr lang="en-US" dirty="0" smtClean="0"/>
+              <a:t>using student characteristics</a:t>
+            </a:r>
+          </a:p>
+          <a:p>
+            <a:pPr>
+              <a:lnSpc>
+                <a:spcPct val="100000"/>
+              </a:lnSpc>
+              <a:spcBef>
+                <a:spcPts val="0"/>
+              </a:spcBef>
+            </a:pPr>
+            <a:r>
+              <a:rPr lang="en-US" dirty="0" smtClean="0"/>
+              <a:t>Predictive simulations</a:t>
+            </a:r>
+          </a:p>
+          <a:p>
+            <a:pPr>
+              <a:lnSpc>
+                <a:spcPct val="100000"/>
+              </a:lnSpc>
+              <a:spcBef>
+                <a:spcPts val="0"/>
+              </a:spcBef>
+            </a:pPr>
+            <a:r>
+              <a:rPr lang="en-US" dirty="0" smtClean="0"/>
+              <a:t>Continue to develop better characterizations for curricular complexity</a:t>
+            </a:r>
+          </a:p>
+          <a:p>
+            <a:pPr>
+              <a:lnSpc>
+                <a:spcPct val="100000"/>
+              </a:lnSpc>
+              <a:spcBef>
+                <a:spcPts val="0"/>
+              </a:spcBef>
+            </a:pPr>
             <a:endParaRPr lang="en-US" dirty="0"/>
           </a:p>
-        </p:txBody>
-      </p:sp>
-      <p:sp>
-        <p:nvSpPr>
-          <p:cNvPr id="4" name="Content Placeholder 3"/>
-          <p:cNvSpPr>
-            <a:spLocks noGrp="1"/>
-          </p:cNvSpPr>
-          <p:nvPr>
-            <p:ph sz="half" idx="2"/>
-          </p:nvPr>
-        </p:nvSpPr>
-        <p:spPr>
-          <a:xfrm>
-            <a:off x="4356099" y="2514600"/>
-            <a:ext cx="3516311" cy="3684588"/>
-          </a:xfrm>
-        </p:spPr>
-        <p:txBody>
-          <a:bodyPr/>
-          <a:lstStyle/>
-          <a:p>
-            <a:r>
-              <a:rPr lang="en-US" dirty="0" smtClean="0"/>
-              <a:t>MATH 162: 6.1%</a:t>
-            </a:r>
-          </a:p>
-          <a:p>
-            <a:r>
-              <a:rPr lang="en-US" dirty="0" smtClean="0"/>
-              <a:t>MATH 163: 5.5%</a:t>
-            </a:r>
-          </a:p>
-          <a:p>
-            <a:r>
-              <a:rPr lang="en-US" dirty="0" smtClean="0"/>
-              <a:t>PHYC 160: 2.8%</a:t>
-            </a:r>
-          </a:p>
-          <a:p>
-            <a:r>
-              <a:rPr lang="en-US" dirty="0" smtClean="0"/>
-              <a:t>MATH 264: 2.5%</a:t>
-            </a:r>
-          </a:p>
-          <a:p>
-            <a:r>
-              <a:rPr lang="en-US" dirty="0" smtClean="0"/>
-              <a:t>ECON 105: 2.4%</a:t>
-            </a:r>
-          </a:p>
-        </p:txBody>
-      </p:sp>
-      <p:sp>
-        <p:nvSpPr>
-          <p:cNvPr id="7" name="Text Placeholder 2"/>
-          <p:cNvSpPr>
-            <a:spLocks noGrp="1"/>
-          </p:cNvSpPr>
-          <p:nvPr>
-            <p:ph type="body" idx="1"/>
-          </p:nvPr>
-        </p:nvSpPr>
-        <p:spPr>
-          <a:xfrm>
-            <a:off x="7839077" y="1690688"/>
-            <a:ext cx="3516311" cy="823912"/>
-          </a:xfrm>
-        </p:spPr>
-        <p:txBody>
-          <a:bodyPr/>
-          <a:lstStyle/>
-          <a:p>
-            <a:r>
-              <a:rPr lang="en-US" dirty="0" smtClean="0"/>
-              <a:t>Mechanical Eng.</a:t>
-            </a:r>
-            <a:endParaRPr lang="en-US" dirty="0"/>
-          </a:p>
-        </p:txBody>
-      </p:sp>
-      <p:sp>
-        <p:nvSpPr>
-          <p:cNvPr id="8" name="Content Placeholder 3"/>
-          <p:cNvSpPr>
-            <a:spLocks noGrp="1"/>
-          </p:cNvSpPr>
-          <p:nvPr>
-            <p:ph sz="half" idx="2"/>
-          </p:nvPr>
-        </p:nvSpPr>
-        <p:spPr>
-          <a:xfrm>
-            <a:off x="7839077" y="2514600"/>
-            <a:ext cx="3516311" cy="3684588"/>
-          </a:xfrm>
-        </p:spPr>
-        <p:txBody>
-          <a:bodyPr/>
-          <a:lstStyle/>
-          <a:p>
-            <a:r>
-              <a:rPr lang="en-US" dirty="0" smtClean="0"/>
-              <a:t>MATH 162: 4.1%</a:t>
-            </a:r>
-          </a:p>
-          <a:p>
-            <a:r>
-              <a:rPr lang="en-US" dirty="0" smtClean="0"/>
-              <a:t>MATH 163: 4.0%</a:t>
-            </a:r>
-          </a:p>
-          <a:p>
-            <a:r>
-              <a:rPr lang="en-US" dirty="0" smtClean="0"/>
-              <a:t>MATH 264: 2.7%</a:t>
-            </a:r>
-          </a:p>
-          <a:p>
-            <a:r>
-              <a:rPr lang="en-US" dirty="0" smtClean="0"/>
-              <a:t>PHYC 160: 2.1%</a:t>
-            </a:r>
-          </a:p>
-          <a:p>
-            <a:r>
-              <a:rPr lang="en-US" dirty="0" smtClean="0"/>
-              <a:t>ECON 105: 2.1%</a:t>
-            </a:r>
-            <a:endParaRPr lang="en-US" dirty="0"/>
-          </a:p>
-        </p:txBody>
-      </p:sp>
-      <p:sp>
-        <p:nvSpPr>
-          <p:cNvPr id="9" name="Text Placeholder 2"/>
-          <p:cNvSpPr>
-            <a:spLocks noGrp="1"/>
-          </p:cNvSpPr>
-          <p:nvPr>
-            <p:ph type="body" idx="1"/>
-          </p:nvPr>
-        </p:nvSpPr>
-        <p:spPr>
-          <a:xfrm>
-            <a:off x="839788" y="1690688"/>
-            <a:ext cx="3516311" cy="823912"/>
-          </a:xfrm>
-        </p:spPr>
-        <p:txBody>
-          <a:bodyPr/>
-          <a:lstStyle/>
-          <a:p>
-            <a:r>
-              <a:rPr lang="en-US" dirty="0" smtClean="0"/>
-              <a:t>Accounting</a:t>
-            </a:r>
-            <a:endParaRPr lang="en-US" dirty="0"/>
-          </a:p>
-        </p:txBody>
-      </p:sp>
-      <p:sp>
-        <p:nvSpPr>
-          <p:cNvPr id="10" name="Content Placeholder 3"/>
-          <p:cNvSpPr>
-            <a:spLocks noGrp="1"/>
-          </p:cNvSpPr>
-          <p:nvPr>
-            <p:ph sz="half" idx="2"/>
-          </p:nvPr>
-        </p:nvSpPr>
-        <p:spPr>
-          <a:xfrm>
-            <a:off x="839788" y="2514600"/>
-            <a:ext cx="3516311" cy="3684588"/>
-          </a:xfrm>
-        </p:spPr>
-        <p:txBody>
-          <a:bodyPr/>
-          <a:lstStyle/>
-          <a:p>
-            <a:pPr marL="514350" indent="-514350">
-              <a:buFont typeface="+mj-lt"/>
-              <a:buAutoNum type="arabicPeriod"/>
+          <a:p>
+            <a:pPr>
+              <a:lnSpc>
+                <a:spcPct val="100000"/>
+              </a:lnSpc>
+              <a:spcBef>
+                <a:spcPts val="0"/>
+              </a:spcBef>
             </a:pPr>
-            <a:r>
-              <a:rPr lang="en-US" dirty="0" smtClean="0"/>
-              <a:t>MATH 180: 2.8%</a:t>
-            </a:r>
-          </a:p>
-          <a:p>
-            <a:pPr marL="514350" indent="-514350">
-              <a:buFont typeface="+mj-lt"/>
-              <a:buAutoNum type="arabicPeriod"/>
-            </a:pPr>
-            <a:r>
-              <a:rPr lang="en-US" dirty="0" smtClean="0"/>
-              <a:t>MGMT 202: 2.8%</a:t>
-            </a:r>
-          </a:p>
-          <a:p>
-            <a:pPr marL="514350" indent="-514350">
-              <a:buFont typeface="+mj-lt"/>
-              <a:buAutoNum type="arabicPeriod"/>
-            </a:pPr>
-            <a:r>
-              <a:rPr lang="en-US" dirty="0" smtClean="0"/>
-              <a:t>MATH 121: 2.7%</a:t>
-            </a:r>
-          </a:p>
-          <a:p>
-            <a:pPr marL="514350" indent="-514350">
-              <a:buFont typeface="+mj-lt"/>
-              <a:buAutoNum type="arabicPeriod"/>
-            </a:pPr>
-            <a:r>
-              <a:rPr lang="en-US" dirty="0" smtClean="0"/>
-              <a:t>ECON 105: 2.2%</a:t>
-            </a:r>
-          </a:p>
-          <a:p>
-            <a:pPr marL="514350" indent="-514350">
-              <a:buFont typeface="+mj-lt"/>
-              <a:buAutoNum type="arabicPeriod"/>
-            </a:pPr>
-            <a:r>
-              <a:rPr lang="en-US" dirty="0" smtClean="0"/>
-              <a:t>ECON 106: 2.2%</a:t>
-            </a:r>
-            <a:endParaRPr lang="en-US" dirty="0"/>
+            <a:endParaRPr lang="en-US" dirty="0" smtClean="0"/>
           </a:p>
         </p:txBody>
       </p:sp>
     </p:spTree>
     <p:extLst>
       <p:ext uri="{BB962C8B-B14F-4D97-AF65-F5344CB8AC3E}">
-        <p14:creationId xmlns:p14="http://schemas.microsoft.com/office/powerpoint/2010/main" val="146806393"/>
+        <p14:creationId xmlns:p14="http://schemas.microsoft.com/office/powerpoint/2010/main" val="1437561606"/>
       </p:ext>
     </p:extLst>
   </p:cSld>
@@ -13523,7 +13604,7 @@
           <a:p>
             <a:r>
               <a:rPr lang="en-US" dirty="0" smtClean="0"/>
-              <a:t>Future Work</a:t>
+              <a:t>Questions?</a:t>
             </a:r>
             <a:endParaRPr lang="en-US" dirty="0"/>
           </a:p>
@@ -13544,273 +13625,18 @@
           <a:bodyPr/>
           <a:lstStyle/>
           <a:p>
-            <a:endParaRPr lang="en-US"/>
+            <a:r>
+              <a:rPr lang="en-US" dirty="0" smtClean="0"/>
+              <a:t>Do I need to go back a previous slide?</a:t>
+            </a:r>
+            <a:endParaRPr lang="en-US" dirty="0"/>
           </a:p>
         </p:txBody>
       </p:sp>
     </p:spTree>
     <p:extLst>
       <p:ext uri="{BB962C8B-B14F-4D97-AF65-F5344CB8AC3E}">
-        <p14:creationId xmlns:p14="http://schemas.microsoft.com/office/powerpoint/2010/main" val="35977804"/>
-      </p:ext>
-    </p:extLst>
-  </p:cSld>
-  <p:clrMapOvr>
-    <a:masterClrMapping/>
-  </p:clrMapOvr>
-  <p:timing>
-    <p:tnLst>
-      <p:par>
-        <p:cTn id="1" dur="indefinite" restart="never" nodeType="tmRoot"/>
-      </p:par>
-    </p:tnLst>
-  </p:timing>
-</p:sld>
-</file>
-
-<file path=ppt/slides/slide49.xml><?xml version="1.0" encoding="utf-8"?>
-<p:sld xmlns:a="http://schemas.openxmlformats.org/drawingml/2006/main" xmlns:r="http://schemas.openxmlformats.org/officeDocument/2006/relationships" xmlns:p="http://schemas.openxmlformats.org/presentationml/2006/main">
-  <p:cSld>
-    <p:spTree>
-      <p:nvGrpSpPr>
-        <p:cNvPr id="1" name=""/>
-        <p:cNvGrpSpPr/>
-        <p:nvPr/>
-      </p:nvGrpSpPr>
-      <p:grpSpPr>
-        <a:xfrm>
-          <a:off x="0" y="0"/>
-          <a:ext cx="0" cy="0"/>
-          <a:chOff x="0" y="0"/>
-          <a:chExt cx="0" cy="0"/>
-        </a:xfrm>
-      </p:grpSpPr>
-      <p:sp>
-        <p:nvSpPr>
-          <p:cNvPr id="2" name="Title 1"/>
-          <p:cNvSpPr>
-            <a:spLocks noGrp="1"/>
-          </p:cNvSpPr>
-          <p:nvPr>
-            <p:ph type="title"/>
-          </p:nvPr>
-        </p:nvSpPr>
-        <p:spPr/>
-        <p:txBody>
-          <a:bodyPr/>
-          <a:lstStyle/>
-          <a:p>
-            <a:r>
-              <a:rPr lang="en-US" dirty="0" smtClean="0"/>
-              <a:t>Future Work</a:t>
-            </a:r>
-            <a:endParaRPr lang="en-US" dirty="0"/>
-          </a:p>
-        </p:txBody>
-      </p:sp>
-      <p:sp>
-        <p:nvSpPr>
-          <p:cNvPr id="3" name="Content Placeholder 2"/>
-          <p:cNvSpPr>
-            <a:spLocks noGrp="1"/>
-          </p:cNvSpPr>
-          <p:nvPr>
-            <p:ph idx="1"/>
-          </p:nvPr>
-        </p:nvSpPr>
-        <p:spPr/>
-        <p:txBody>
-          <a:bodyPr>
-            <a:normAutofit lnSpcReduction="10000"/>
-          </a:bodyPr>
-          <a:lstStyle/>
-          <a:p>
-            <a:pPr marL="0" indent="0">
-              <a:lnSpc>
-                <a:spcPct val="100000"/>
-              </a:lnSpc>
-              <a:spcBef>
-                <a:spcPts val="0"/>
-              </a:spcBef>
-              <a:buNone/>
-            </a:pPr>
-            <a:r>
-              <a:rPr lang="en-US" b="1" dirty="0" smtClean="0"/>
-              <a:t>CASL</a:t>
-            </a:r>
-          </a:p>
-          <a:p>
-            <a:pPr>
-              <a:lnSpc>
-                <a:spcPct val="100000"/>
-              </a:lnSpc>
-              <a:spcBef>
-                <a:spcPts val="0"/>
-              </a:spcBef>
-            </a:pPr>
-            <a:r>
-              <a:rPr lang="en-US" dirty="0" smtClean="0"/>
-              <a:t>Overall polish (error handling, docs, etc.)</a:t>
-            </a:r>
-          </a:p>
-          <a:p>
-            <a:pPr>
-              <a:lnSpc>
-                <a:spcPct val="100000"/>
-              </a:lnSpc>
-              <a:spcBef>
-                <a:spcPts val="0"/>
-              </a:spcBef>
-            </a:pPr>
-            <a:r>
-              <a:rPr lang="en-US" dirty="0" smtClean="0"/>
-              <a:t>Development of more course performance modules.</a:t>
-            </a:r>
-          </a:p>
-          <a:p>
-            <a:pPr>
-              <a:lnSpc>
-                <a:spcPct val="100000"/>
-              </a:lnSpc>
-              <a:spcBef>
-                <a:spcPts val="0"/>
-              </a:spcBef>
-            </a:pPr>
-            <a:r>
-              <a:rPr lang="en-US" dirty="0" smtClean="0"/>
-              <a:t>More flexibility in how students are enrolled.</a:t>
-            </a:r>
-          </a:p>
-          <a:p>
-            <a:pPr>
-              <a:lnSpc>
-                <a:spcPct val="100000"/>
-              </a:lnSpc>
-              <a:spcBef>
-                <a:spcPts val="0"/>
-              </a:spcBef>
-            </a:pPr>
-            <a:r>
-              <a:rPr lang="en-US" dirty="0" smtClean="0"/>
-              <a:t>Integration with </a:t>
-            </a:r>
-            <a:r>
-              <a:rPr lang="en-US" dirty="0" err="1" smtClean="0"/>
-              <a:t>curricula.academicdashboards.org</a:t>
-            </a:r>
-            <a:endParaRPr lang="en-US" dirty="0" smtClean="0"/>
-          </a:p>
-          <a:p>
-            <a:pPr>
-              <a:lnSpc>
-                <a:spcPct val="100000"/>
-              </a:lnSpc>
-              <a:spcBef>
-                <a:spcPts val="0"/>
-              </a:spcBef>
-            </a:pPr>
-            <a:r>
-              <a:rPr lang="en-US" dirty="0" smtClean="0"/>
-              <a:t>Visualizations</a:t>
-            </a:r>
-          </a:p>
-          <a:p>
-            <a:pPr>
-              <a:lnSpc>
-                <a:spcPct val="100000"/>
-              </a:lnSpc>
-              <a:spcBef>
-                <a:spcPts val="0"/>
-              </a:spcBef>
-            </a:pPr>
-            <a:endParaRPr lang="en-US" dirty="0"/>
-          </a:p>
-          <a:p>
-            <a:pPr marL="0" indent="0">
-              <a:lnSpc>
-                <a:spcPct val="100000"/>
-              </a:lnSpc>
-              <a:spcBef>
-                <a:spcPts val="0"/>
-              </a:spcBef>
-              <a:buNone/>
-            </a:pPr>
-            <a:r>
-              <a:rPr lang="en-US" b="1" dirty="0" smtClean="0"/>
-              <a:t>Analytics</a:t>
-            </a:r>
-            <a:endParaRPr lang="en-US" dirty="0" smtClean="0"/>
-          </a:p>
-          <a:p>
-            <a:pPr>
-              <a:lnSpc>
-                <a:spcPct val="100000"/>
-              </a:lnSpc>
-              <a:spcBef>
-                <a:spcPts val="0"/>
-              </a:spcBef>
-            </a:pPr>
-            <a:r>
-              <a:rPr lang="en-US" dirty="0" smtClean="0"/>
-              <a:t>Complexity simulations using student characteristics</a:t>
-            </a:r>
-          </a:p>
-          <a:p>
-            <a:pPr>
-              <a:lnSpc>
-                <a:spcPct val="100000"/>
-              </a:lnSpc>
-              <a:spcBef>
-                <a:spcPts val="0"/>
-              </a:spcBef>
-            </a:pPr>
-            <a:r>
-              <a:rPr lang="en-US" dirty="0" smtClean="0"/>
-              <a:t>Predictive simulations</a:t>
-            </a:r>
-          </a:p>
-          <a:p>
-            <a:pPr>
-              <a:lnSpc>
-                <a:spcPct val="100000"/>
-              </a:lnSpc>
-              <a:spcBef>
-                <a:spcPts val="0"/>
-              </a:spcBef>
-            </a:pPr>
-            <a:r>
-              <a:rPr lang="en-US" dirty="0" smtClean="0"/>
-              <a:t>Continue to develop better characterizations for curricular complexity</a:t>
-            </a:r>
-          </a:p>
-          <a:p>
-            <a:pPr>
-              <a:lnSpc>
-                <a:spcPct val="100000"/>
-              </a:lnSpc>
-              <a:spcBef>
-                <a:spcPts val="0"/>
-              </a:spcBef>
-            </a:pPr>
-            <a:endParaRPr lang="en-US" dirty="0"/>
-          </a:p>
-          <a:p>
-            <a:pPr>
-              <a:lnSpc>
-                <a:spcPct val="100000"/>
-              </a:lnSpc>
-              <a:spcBef>
-                <a:spcPts val="0"/>
-              </a:spcBef>
-            </a:pPr>
-            <a:endParaRPr lang="en-US" dirty="0" smtClean="0"/>
-          </a:p>
-        </p:txBody>
-      </p:sp>
-    </p:spTree>
-    <p:extLst>
-      <p:ext uri="{BB962C8B-B14F-4D97-AF65-F5344CB8AC3E}">
-        <p14:creationId xmlns:p14="http://schemas.microsoft.com/office/powerpoint/2010/main" val="1437561606"/>
+        <p14:creationId xmlns:p14="http://schemas.microsoft.com/office/powerpoint/2010/main" val="1759226815"/>
       </p:ext>
     </p:extLst>
   </p:cSld>
@@ -14091,7 +13917,15 @@
             </a:pPr>
             <a:r>
               <a:rPr lang="en-US" dirty="0" smtClean="0"/>
-              <a:t>Within four credits of each other.</a:t>
+              <a:t>Within four </a:t>
+            </a:r>
+            <a:r>
+              <a:rPr lang="en-US" dirty="0" smtClean="0"/>
+              <a:t>total credits </a:t>
+            </a:r>
+            <a:r>
+              <a:rPr lang="en-US" dirty="0" smtClean="0"/>
+              <a:t>of each other.</a:t>
             </a:r>
           </a:p>
           <a:p>
@@ -14241,85 +14075,6 @@
 </p:sld>
 </file>
 
-<file path=ppt/slides/slide50.xml><?xml version="1.0" encoding="utf-8"?>
-<p:sld xmlns:a="http://schemas.openxmlformats.org/drawingml/2006/main" xmlns:r="http://schemas.openxmlformats.org/officeDocument/2006/relationships" xmlns:p="http://schemas.openxmlformats.org/presentationml/2006/main">
-  <p:cSld>
-    <p:spTree>
-      <p:nvGrpSpPr>
-        <p:cNvPr id="1" name=""/>
-        <p:cNvGrpSpPr/>
-        <p:nvPr/>
-      </p:nvGrpSpPr>
-      <p:grpSpPr>
-        <a:xfrm>
-          <a:off x="0" y="0"/>
-          <a:ext cx="0" cy="0"/>
-          <a:chOff x="0" y="0"/>
-          <a:chExt cx="0" cy="0"/>
-        </a:xfrm>
-      </p:grpSpPr>
-      <p:sp>
-        <p:nvSpPr>
-          <p:cNvPr id="2" name="Title 1"/>
-          <p:cNvSpPr>
-            <a:spLocks noGrp="1"/>
-          </p:cNvSpPr>
-          <p:nvPr>
-            <p:ph type="title"/>
-          </p:nvPr>
-        </p:nvSpPr>
-        <p:spPr/>
-        <p:txBody>
-          <a:bodyPr/>
-          <a:lstStyle/>
-          <a:p>
-            <a:r>
-              <a:rPr lang="en-US" dirty="0" smtClean="0"/>
-              <a:t>Questions?</a:t>
-            </a:r>
-            <a:endParaRPr lang="en-US" dirty="0"/>
-          </a:p>
-        </p:txBody>
-      </p:sp>
-      <p:sp>
-        <p:nvSpPr>
-          <p:cNvPr id="3" name="Text Placeholder 2"/>
-          <p:cNvSpPr>
-            <a:spLocks noGrp="1"/>
-          </p:cNvSpPr>
-          <p:nvPr>
-            <p:ph type="body" idx="1"/>
-          </p:nvPr>
-        </p:nvSpPr>
-        <p:spPr/>
-        <p:txBody>
-          <a:bodyPr/>
-          <a:lstStyle/>
-          <a:p>
-            <a:endParaRPr lang="en-US"/>
-          </a:p>
-        </p:txBody>
-      </p:sp>
-    </p:spTree>
-    <p:extLst>
-      <p:ext uri="{BB962C8B-B14F-4D97-AF65-F5344CB8AC3E}">
-        <p14:creationId xmlns:p14="http://schemas.microsoft.com/office/powerpoint/2010/main" val="1759226815"/>
-      </p:ext>
-    </p:extLst>
-  </p:cSld>
-  <p:clrMapOvr>
-    <a:masterClrMapping/>
-  </p:clrMapOvr>
-  <p:timing>
-    <p:tnLst>
-      <p:par>
-        <p:cTn id="1" dur="indefinite" restart="never" nodeType="tmRoot"/>
-      </p:par>
-    </p:tnLst>
-  </p:timing>
-</p:sld>
-</file>
-
 <file path=ppt/slides/slide6.xml><?xml version="1.0" encoding="utf-8"?>
 <p:sld xmlns:a="http://schemas.openxmlformats.org/drawingml/2006/main" xmlns:r="http://schemas.openxmlformats.org/officeDocument/2006/relationships" xmlns:p="http://schemas.openxmlformats.org/presentationml/2006/main">
   <p:cSld>
@@ -14360,401 +14115,100 @@
           </a:p>
         </p:txBody>
       </p:sp>
-      <mc:AlternateContent xmlns:mc="http://schemas.openxmlformats.org/markup-compatibility/2006">
-        <mc:Choice xmlns:a14="http://schemas.microsoft.com/office/drawing/2010/main" Requires="a14">
-          <p:sp>
-            <p:nvSpPr>
-              <p:cNvPr id="3" name="Content Placeholder 2"/>
-              <p:cNvSpPr>
-                <a:spLocks noGrp="1"/>
-              </p:cNvSpPr>
-              <p:nvPr>
-                <p:ph idx="1"/>
-              </p:nvPr>
-            </p:nvSpPr>
-            <p:spPr/>
-            <p:txBody>
-              <a:bodyPr>
-                <a:normAutofit/>
-              </a:bodyPr>
-              <a:lstStyle/>
-              <a:p>
-                <a:r>
-                  <a:rPr lang="en-US" dirty="0" smtClean="0"/>
-                  <a:t>A curriculum is data </a:t>
-                </a:r>
-                <a:r>
-                  <a:rPr lang="mr-IN" dirty="0" smtClean="0"/>
-                  <a:t>–</a:t>
-                </a:r>
-                <a:r>
-                  <a:rPr lang="en-US" dirty="0" smtClean="0"/>
-                  <a:t> a directed acyclic graph (DAG):</a:t>
-                </a:r>
-              </a:p>
-              <a:p>
-                <a:endParaRPr lang="en-US" b="0" i="1" dirty="0" smtClean="0">
-                  <a:latin typeface="Cambria Math" charset="0"/>
-                </a:endParaRPr>
-              </a:p>
-              <a:p>
-                <a:pPr marL="0" indent="0">
-                  <a:buNone/>
-                </a:pPr>
-                <a14:m>
-                  <m:oMathPara xmlns:m="http://schemas.openxmlformats.org/officeDocument/2006/math">
-                    <m:oMathParaPr>
-                      <m:jc m:val="centerGroup"/>
-                    </m:oMathParaPr>
-                    <m:oMath xmlns:m="http://schemas.openxmlformats.org/officeDocument/2006/math">
-                      <m:sSub>
-                        <m:sSubPr>
-                          <m:ctrlPr>
-                            <a:rPr lang="en-US" b="0" i="1" smtClean="0">
-                              <a:latin typeface="Cambria Math" charset="0"/>
-                            </a:rPr>
-                          </m:ctrlPr>
-                        </m:sSubPr>
-                        <m:e>
-                          <m:r>
-                            <a:rPr lang="en-US" b="0" i="1" smtClean="0">
-                              <a:latin typeface="Cambria Math" charset="0"/>
-                            </a:rPr>
-                            <m:t>𝐺</m:t>
-                          </m:r>
-                        </m:e>
-                        <m:sub>
-                          <m:r>
-                            <a:rPr lang="en-US" b="0" i="1" smtClean="0">
-                              <a:latin typeface="Cambria Math" charset="0"/>
-                            </a:rPr>
-                            <m:t>𝐶</m:t>
-                          </m:r>
-                        </m:sub>
-                      </m:sSub>
-                      <m:r>
-                        <a:rPr lang="en-US" b="0" i="1" smtClean="0">
-                          <a:latin typeface="Cambria Math" charset="0"/>
-                        </a:rPr>
-                        <m:t>=</m:t>
-                      </m:r>
-                      <m:d>
-                        <m:dPr>
-                          <m:ctrlPr>
-                            <a:rPr lang="en-US" b="0" i="1" smtClean="0">
-                              <a:latin typeface="Cambria Math" charset="0"/>
-                            </a:rPr>
-                          </m:ctrlPr>
-                        </m:dPr>
-                        <m:e>
-                          <m:r>
-                            <a:rPr lang="en-US" b="0" i="1" smtClean="0">
-                              <a:latin typeface="Cambria Math" charset="0"/>
-                            </a:rPr>
-                            <m:t>𝑉</m:t>
-                          </m:r>
-                          <m:r>
-                            <a:rPr lang="en-US" b="0" i="1" smtClean="0">
-                              <a:latin typeface="Cambria Math" charset="0"/>
-                            </a:rPr>
-                            <m:t>,</m:t>
-                          </m:r>
-                          <m:r>
-                            <a:rPr lang="en-US" b="0" i="1" smtClean="0">
-                              <a:latin typeface="Cambria Math" charset="0"/>
-                            </a:rPr>
-                            <m:t>𝐸</m:t>
-                          </m:r>
-                        </m:e>
-                      </m:d>
-                    </m:oMath>
-                  </m:oMathPara>
-                </a14:m>
-                <a:endParaRPr lang="en-US" b="0" dirty="0" smtClean="0"/>
-              </a:p>
-              <a:p>
-                <a:pPr marL="0" indent="0">
-                  <a:buNone/>
-                </a:pPr>
-                <a:endParaRPr lang="en-US" dirty="0"/>
-              </a:p>
-              <a:p>
-                <a:r>
-                  <a:rPr lang="en-US" dirty="0" smtClean="0"/>
-                  <a:t>Vertices </a:t>
-                </a:r>
-                <a14:m>
-                  <m:oMath xmlns:m="http://schemas.openxmlformats.org/officeDocument/2006/math">
-                    <m:sSub>
-                      <m:sSubPr>
-                        <m:ctrlPr>
-                          <a:rPr lang="en-US" i="1" smtClean="0">
-                            <a:latin typeface="Cambria Math" charset="0"/>
-                          </a:rPr>
-                        </m:ctrlPr>
-                      </m:sSubPr>
-                      <m:e>
-                        <m:r>
-                          <a:rPr lang="en-US" b="0" i="1" smtClean="0">
-                            <a:latin typeface="Cambria Math" charset="0"/>
-                          </a:rPr>
-                          <m:t>𝑣</m:t>
-                        </m:r>
-                      </m:e>
-                      <m:sub>
-                        <m:r>
-                          <a:rPr lang="en-US" b="0" i="1" smtClean="0">
-                            <a:latin typeface="Cambria Math" charset="0"/>
-                          </a:rPr>
-                          <m:t>1</m:t>
-                        </m:r>
-                      </m:sub>
-                    </m:sSub>
-                    <m:r>
-                      <a:rPr lang="en-US" b="0" i="1" smtClean="0">
-                        <a:latin typeface="Cambria Math" charset="0"/>
-                      </a:rPr>
-                      <m:t>,…</m:t>
-                    </m:r>
-                    <m:sSub>
-                      <m:sSubPr>
-                        <m:ctrlPr>
-                          <a:rPr lang="en-US" b="0" i="1" smtClean="0">
-                            <a:latin typeface="Cambria Math" charset="0"/>
-                          </a:rPr>
-                        </m:ctrlPr>
-                      </m:sSubPr>
-                      <m:e>
-                        <m:r>
-                          <a:rPr lang="en-US" b="0" i="1" smtClean="0">
-                            <a:latin typeface="Cambria Math" charset="0"/>
-                          </a:rPr>
-                          <m:t>𝑣</m:t>
-                        </m:r>
-                      </m:e>
-                      <m:sub>
-                        <m:r>
-                          <a:rPr lang="en-US" b="0" i="1" smtClean="0">
-                            <a:latin typeface="Cambria Math" charset="0"/>
-                          </a:rPr>
-                          <m:t>𝑛</m:t>
-                        </m:r>
-                      </m:sub>
-                    </m:sSub>
-                    <m:r>
-                      <a:rPr lang="en-US" b="0" i="1" smtClean="0">
-                        <a:latin typeface="Cambria Math" charset="0"/>
-                        <a:ea typeface="Cambria Math" charset="0"/>
-                        <a:cs typeface="Cambria Math" charset="0"/>
-                      </a:rPr>
-                      <m:t>∈</m:t>
-                    </m:r>
-                    <m:r>
-                      <a:rPr lang="en-US" b="0" i="1" smtClean="0">
-                        <a:latin typeface="Cambria Math" charset="0"/>
-                        <a:ea typeface="Cambria Math" charset="0"/>
-                        <a:cs typeface="Cambria Math" charset="0"/>
-                      </a:rPr>
-                      <m:t>𝑉</m:t>
-                    </m:r>
-                  </m:oMath>
-                </a14:m>
-                <a:r>
-                  <a:rPr lang="en-US" dirty="0" smtClean="0"/>
-                  <a:t>, represent the courses within the curriculum.</a:t>
-                </a:r>
-              </a:p>
-              <a:p>
-                <a:r>
-                  <a:rPr lang="en-US" dirty="0" smtClean="0"/>
-                  <a:t>Directed edges, </a:t>
-                </a:r>
-                <a14:m>
-                  <m:oMath xmlns:m="http://schemas.openxmlformats.org/officeDocument/2006/math">
-                    <m:sSub>
-                      <m:sSubPr>
-                        <m:ctrlPr>
-                          <a:rPr lang="en-US" i="1" smtClean="0">
-                            <a:latin typeface="Cambria Math" charset="0"/>
-                          </a:rPr>
-                        </m:ctrlPr>
-                      </m:sSubPr>
-                      <m:e>
-                        <m:r>
-                          <a:rPr lang="en-US" b="0" i="1" smtClean="0">
-                            <a:latin typeface="Cambria Math" charset="0"/>
-                          </a:rPr>
-                          <m:t>(</m:t>
-                        </m:r>
-                        <m:r>
-                          <a:rPr lang="en-US" b="0" i="1" smtClean="0">
-                            <a:latin typeface="Cambria Math" charset="0"/>
-                          </a:rPr>
-                          <m:t>𝑣</m:t>
-                        </m:r>
-                      </m:e>
-                      <m:sub>
-                        <m:r>
-                          <a:rPr lang="en-US" b="0" i="1" smtClean="0">
-                            <a:latin typeface="Cambria Math" charset="0"/>
-                          </a:rPr>
-                          <m:t>𝑖</m:t>
-                        </m:r>
-                      </m:sub>
-                    </m:sSub>
-                    <m:r>
-                      <a:rPr lang="en-US" b="0" i="1" smtClean="0">
-                        <a:latin typeface="Cambria Math" charset="0"/>
-                      </a:rPr>
-                      <m:t>,</m:t>
-                    </m:r>
-                    <m:sSub>
-                      <m:sSubPr>
-                        <m:ctrlPr>
-                          <a:rPr lang="en-US" b="0" i="1" smtClean="0">
-                            <a:latin typeface="Cambria Math" charset="0"/>
-                          </a:rPr>
-                        </m:ctrlPr>
-                      </m:sSubPr>
-                      <m:e>
-                        <m:r>
-                          <a:rPr lang="en-US" b="0" i="1" smtClean="0">
-                            <a:latin typeface="Cambria Math" charset="0"/>
-                          </a:rPr>
-                          <m:t>𝑣</m:t>
-                        </m:r>
-                      </m:e>
-                      <m:sub>
-                        <m:r>
-                          <a:rPr lang="en-US" b="0" i="1" smtClean="0">
-                            <a:latin typeface="Cambria Math" charset="0"/>
-                          </a:rPr>
-                          <m:t>𝑗</m:t>
-                        </m:r>
-                      </m:sub>
-                    </m:sSub>
-                    <m:r>
-                      <a:rPr lang="en-US" b="0" i="1" smtClean="0">
-                        <a:latin typeface="Cambria Math" charset="0"/>
-                      </a:rPr>
-                      <m:t>)</m:t>
-                    </m:r>
-                    <m:r>
-                      <a:rPr lang="en-US" b="0" i="1" smtClean="0">
-                        <a:latin typeface="Cambria Math" charset="0"/>
-                        <a:ea typeface="Cambria Math" charset="0"/>
-                        <a:cs typeface="Cambria Math" charset="0"/>
-                      </a:rPr>
-                      <m:t>∈</m:t>
-                    </m:r>
-                    <m:r>
-                      <a:rPr lang="en-US" b="0" i="1" smtClean="0">
-                        <a:latin typeface="Cambria Math" charset="0"/>
-                        <a:ea typeface="Cambria Math" charset="0"/>
-                        <a:cs typeface="Cambria Math" charset="0"/>
-                      </a:rPr>
-                      <m:t>𝐸</m:t>
-                    </m:r>
-                  </m:oMath>
-                </a14:m>
-                <a:r>
-                  <a:rPr lang="en-US" dirty="0" smtClean="0"/>
-                  <a:t>, signify prerequisite and co-requisite relationships between courses.</a:t>
-                </a:r>
-              </a:p>
-              <a:p>
-                <a14:m>
-                  <m:oMath xmlns:m="http://schemas.openxmlformats.org/officeDocument/2006/math">
-                    <m:sSub>
-                      <m:sSubPr>
-                        <m:ctrlPr>
-                          <a:rPr lang="en-US" i="1" smtClean="0">
-                            <a:latin typeface="Cambria Math" charset="0"/>
-                          </a:rPr>
-                        </m:ctrlPr>
-                      </m:sSubPr>
-                      <m:e>
-                        <m:r>
-                          <a:rPr lang="en-US" b="0" i="1" smtClean="0">
-                            <a:latin typeface="Cambria Math" charset="0"/>
-                          </a:rPr>
-                          <m:t>𝐺</m:t>
-                        </m:r>
-                      </m:e>
-                      <m:sub>
-                        <m:r>
-                          <a:rPr lang="en-US" b="0" i="1" smtClean="0">
-                            <a:latin typeface="Cambria Math" charset="0"/>
-                          </a:rPr>
-                          <m:t>𝐶</m:t>
-                        </m:r>
-                      </m:sub>
-                    </m:sSub>
-                  </m:oMath>
-                </a14:m>
-                <a:r>
-                  <a:rPr lang="en-US" dirty="0" smtClean="0"/>
-                  <a:t> is referred to as the curriculum graph representing curriculum </a:t>
-                </a:r>
-                <a:r>
-                  <a:rPr lang="en-US" i="1" dirty="0" smtClean="0"/>
-                  <a:t>C</a:t>
-                </a:r>
-                <a:endParaRPr lang="en-US" dirty="0" smtClean="0"/>
-              </a:p>
-              <a:p>
-                <a:pPr marL="0" indent="0">
-                  <a:buNone/>
-                </a:pPr>
-                <a:endParaRPr lang="en-US" dirty="0"/>
-              </a:p>
-              <a:p>
-                <a:pPr marL="0" indent="0">
-                  <a:buNone/>
-                </a:pPr>
-                <a:endParaRPr lang="en-US" dirty="0" smtClean="0"/>
-              </a:p>
-            </p:txBody>
-          </p:sp>
-        </mc:Choice>
-        <mc:Fallback>
-          <p:sp>
-            <p:nvSpPr>
-              <p:cNvPr id="3" name="Content Placeholder 2"/>
-              <p:cNvSpPr>
-                <a:spLocks noGrp="1" noRot="1" noChangeAspect="1" noMove="1" noResize="1" noEditPoints="1" noAdjustHandles="1" noChangeArrowheads="1" noChangeShapeType="1" noTextEdit="1"/>
-              </p:cNvSpPr>
-              <p:nvPr>
-                <p:ph idx="1"/>
-              </p:nvPr>
-            </p:nvSpPr>
-            <p:spPr>
-              <a:blipFill rotWithShape="0">
-                <a:blip r:embed="rId3"/>
-                <a:stretch>
-                  <a:fillRect l="-1043" t="-2241"/>
-                </a:stretch>
-              </a:blipFill>
-            </p:spPr>
-            <p:txBody>
-              <a:bodyPr/>
-              <a:lstStyle/>
-              <a:p>
-                <a:r>
-                  <a:rPr lang="en-US">
-                    <a:noFill/>
-                  </a:rPr>
-                  <a:t> </a:t>
-                </a:r>
-              </a:p>
-            </p:txBody>
-          </p:sp>
-        </mc:Fallback>
-      </mc:AlternateContent>
+      <p:sp>
+        <p:nvSpPr>
+          <p:cNvPr id="3" name="Content Placeholder 2"/>
+          <p:cNvSpPr>
+            <a:spLocks noGrp="1"/>
+          </p:cNvSpPr>
+          <p:nvPr>
+            <p:ph idx="1"/>
+          </p:nvPr>
+        </p:nvSpPr>
+        <p:spPr/>
+        <p:txBody>
+          <a:bodyPr>
+            <a:normAutofit fontScale="92500" lnSpcReduction="20000"/>
+          </a:bodyPr>
+          <a:lstStyle/>
+          <a:p>
+            <a:r>
+              <a:rPr lang="en-US" dirty="0" smtClean="0"/>
+              <a:t>Seeing a curriculum as data (a graph) </a:t>
+            </a:r>
+            <a:r>
+              <a:rPr lang="en-US" dirty="0" smtClean="0"/>
+              <a:t>allows for analytics and correlating structure to student success </a:t>
+            </a:r>
+            <a:r>
+              <a:rPr lang="mr-IN" dirty="0" smtClean="0"/>
+              <a:t>–</a:t>
+            </a:r>
+            <a:r>
+              <a:rPr lang="en-US" dirty="0" smtClean="0"/>
+              <a:t> given the right tools.</a:t>
+            </a:r>
+          </a:p>
+          <a:p>
+            <a:endParaRPr lang="en-US" dirty="0" smtClean="0"/>
+          </a:p>
+          <a:p>
+            <a:r>
+              <a:rPr lang="en-US" dirty="0" smtClean="0"/>
+              <a:t>Providing these tools was the motivation behind the development of the Curriculum Analysis and Simulation Library (CASL).</a:t>
+            </a:r>
+          </a:p>
+          <a:p>
+            <a:endParaRPr lang="en-US" dirty="0" smtClean="0"/>
+          </a:p>
+          <a:p>
+            <a:r>
+              <a:rPr lang="en-US" dirty="0" smtClean="0"/>
+              <a:t>CASL:</a:t>
+            </a:r>
+          </a:p>
+          <a:p>
+            <a:pPr lvl="1"/>
+            <a:r>
+              <a:rPr lang="en-US" dirty="0" smtClean="0"/>
+              <a:t>Represents curricula in a programming environment.</a:t>
+            </a:r>
+          </a:p>
+          <a:p>
+            <a:pPr lvl="1"/>
+            <a:r>
+              <a:rPr lang="en-US" dirty="0" smtClean="0"/>
+              <a:t>Defines a JSON-based standard for representing curricula.</a:t>
+            </a:r>
+          </a:p>
+          <a:p>
+            <a:pPr lvl="1"/>
+            <a:r>
+              <a:rPr lang="en-US" dirty="0" smtClean="0"/>
+              <a:t>Provides metrics for characterizing the structural </a:t>
+            </a:r>
+            <a:r>
+              <a:rPr lang="en-US" dirty="0" smtClean="0"/>
+              <a:t>properties </a:t>
+            </a:r>
+            <a:r>
+              <a:rPr lang="en-US" dirty="0" smtClean="0"/>
+              <a:t>of curricula.</a:t>
+            </a:r>
+          </a:p>
+          <a:p>
+            <a:pPr lvl="1"/>
+            <a:r>
+              <a:rPr lang="en-US" dirty="0" smtClean="0"/>
+              <a:t>Provides an interface and framework for simulating students moving through a curriculum.</a:t>
+            </a:r>
+          </a:p>
+        </p:txBody>
+      </p:sp>
     </p:spTree>
     <p:extLst>
       <p:ext uri="{BB962C8B-B14F-4D97-AF65-F5344CB8AC3E}">
-        <p14:creationId xmlns:p14="http://schemas.microsoft.com/office/powerpoint/2010/main" val="819662712"/>
+        <p14:creationId xmlns:p14="http://schemas.microsoft.com/office/powerpoint/2010/main" val="729174731"/>
       </p:ext>
     </p:extLst>
   </p:cSld>
@@ -14805,7 +14259,7 @@
           <a:p>
             <a:r>
               <a:rPr lang="en-US" dirty="0" smtClean="0"/>
-              <a:t>Background &amp; Motivation</a:t>
+              <a:t>Previous Work</a:t>
             </a:r>
             <a:endParaRPr lang="en-US" dirty="0"/>
           </a:p>
@@ -14813,99 +14267,33 @@
       </p:sp>
       <p:sp>
         <p:nvSpPr>
-          <p:cNvPr id="3" name="Content Placeholder 2"/>
-          <p:cNvSpPr>
-            <a:spLocks noGrp="1"/>
-          </p:cNvSpPr>
-          <p:nvPr>
-            <p:ph idx="1"/>
-          </p:nvPr>
-        </p:nvSpPr>
-        <p:spPr/>
-        <p:txBody>
-          <a:bodyPr>
-            <a:normAutofit fontScale="92500" lnSpcReduction="20000"/>
-          </a:bodyPr>
-          <a:lstStyle/>
-          <a:p>
-            <a:r>
-              <a:rPr lang="en-US" dirty="0" smtClean="0"/>
-              <a:t>Representing a curriculum in this way allows for analytics and correlating structure to student success </a:t>
-            </a:r>
-            <a:r>
-              <a:rPr lang="mr-IN" dirty="0" smtClean="0"/>
-              <a:t>–</a:t>
-            </a:r>
-            <a:r>
-              <a:rPr lang="en-US" dirty="0" smtClean="0"/>
-              <a:t> given the right tools.</a:t>
-            </a:r>
-          </a:p>
-          <a:p>
-            <a:endParaRPr lang="en-US" dirty="0" smtClean="0"/>
-          </a:p>
-          <a:p>
-            <a:r>
-              <a:rPr lang="en-US" dirty="0" smtClean="0"/>
-              <a:t>Providing these tools was the motivation behind the development of the Curriculum Analysis and Simulation Library (CASL).</a:t>
-            </a:r>
-          </a:p>
-          <a:p>
-            <a:endParaRPr lang="en-US" dirty="0" smtClean="0"/>
-          </a:p>
-          <a:p>
-            <a:r>
-              <a:rPr lang="en-US" dirty="0" smtClean="0"/>
-              <a:t>CASL:</a:t>
-            </a:r>
-          </a:p>
-          <a:p>
-            <a:pPr lvl="1"/>
-            <a:r>
-              <a:rPr lang="en-US" dirty="0" smtClean="0"/>
-              <a:t>Represents curricula in a programming environment.</a:t>
-            </a:r>
-          </a:p>
-          <a:p>
-            <a:pPr lvl="1"/>
-            <a:r>
-              <a:rPr lang="en-US" dirty="0" smtClean="0"/>
-              <a:t>Defines a JSON-based standard for representing curricula.</a:t>
-            </a:r>
-          </a:p>
-          <a:p>
-            <a:pPr lvl="1"/>
-            <a:r>
-              <a:rPr lang="en-US" dirty="0" smtClean="0"/>
-              <a:t>Provides metrics for characterizing the structural complexity of curricula.</a:t>
-            </a:r>
-          </a:p>
-          <a:p>
-            <a:pPr lvl="1"/>
-            <a:r>
-              <a:rPr lang="en-US" dirty="0" smtClean="0"/>
-              <a:t>Provides an interface and framework for simulating students moving through a curriculum.</a:t>
-            </a:r>
+          <p:cNvPr id="3" name="Text Placeholder 2"/>
+          <p:cNvSpPr>
+            <a:spLocks noGrp="1"/>
+          </p:cNvSpPr>
+          <p:nvPr>
+            <p:ph type="body" idx="1"/>
+          </p:nvPr>
+        </p:nvSpPr>
+        <p:spPr/>
+        <p:txBody>
+          <a:bodyPr/>
+          <a:lstStyle/>
+          <a:p>
+            <a:endParaRPr lang="en-US"/>
           </a:p>
         </p:txBody>
       </p:sp>
     </p:spTree>
     <p:extLst>
       <p:ext uri="{BB962C8B-B14F-4D97-AF65-F5344CB8AC3E}">
-        <p14:creationId xmlns:p14="http://schemas.microsoft.com/office/powerpoint/2010/main" val="729174731"/>
+        <p14:creationId xmlns:p14="http://schemas.microsoft.com/office/powerpoint/2010/main" val="864084000"/>
       </p:ext>
     </p:extLst>
   </p:cSld>
   <p:clrMapOvr>
     <a:masterClrMapping/>
   </p:clrMapOvr>
-  <p:timing>
-    <p:tnLst>
-      <p:par>
-        <p:cTn id="1" dur="indefinite" restart="never" nodeType="tmRoot"/>
-      </p:par>
-    </p:tnLst>
-  </p:timing>
 </p:sld>
 </file>
 
@@ -14951,12 +14339,12 @@
       </p:sp>
       <p:sp>
         <p:nvSpPr>
-          <p:cNvPr id="3" name="Text Placeholder 2"/>
-          <p:cNvSpPr>
-            <a:spLocks noGrp="1"/>
-          </p:cNvSpPr>
-          <p:nvPr>
-            <p:ph type="body" idx="1"/>
+          <p:cNvPr id="3" name="Content Placeholder 2"/>
+          <p:cNvSpPr>
+            <a:spLocks noGrp="1"/>
+          </p:cNvSpPr>
+          <p:nvPr>
+            <p:ph idx="1"/>
           </p:nvPr>
         </p:nvSpPr>
         <p:spPr/>
@@ -14964,20 +14352,154 @@
           <a:bodyPr/>
           <a:lstStyle/>
           <a:p>
-            <a:endParaRPr lang="en-US"/>
+            <a:pPr marL="0" marR="0" lvl="0" indent="0" defTabSz="914400" eaLnBrk="1" fontAlgn="auto" latinLnBrk="0" hangingPunct="1">
+              <a:lnSpc>
+                <a:spcPct val="100000"/>
+              </a:lnSpc>
+              <a:spcBef>
+                <a:spcPts val="0"/>
+              </a:spcBef>
+              <a:spcAft>
+                <a:spcPts val="0"/>
+              </a:spcAft>
+              <a:buClrTx/>
+              <a:buSzTx/>
+              <a:buFontTx/>
+              <a:buNone/>
+              <a:tabLst/>
+              <a:defRPr/>
+            </a:pPr>
+            <a:r>
+              <a:rPr lang="en-US" dirty="0" smtClean="0"/>
+              <a:t>Slim et al., at </a:t>
+            </a:r>
+            <a:r>
+              <a:rPr lang="en-US" dirty="0" smtClean="0"/>
+              <a:t>UNM developed </a:t>
+            </a:r>
+            <a:r>
+              <a:rPr lang="en-US" dirty="0" smtClean="0"/>
+              <a:t>metrics for quantifying the structural complexity of a curriculum with two factors:</a:t>
+            </a:r>
+          </a:p>
+          <a:p>
+            <a:pPr marL="0" marR="0" lvl="0" indent="0" defTabSz="914400" eaLnBrk="1" fontAlgn="auto" latinLnBrk="0" hangingPunct="1">
+              <a:lnSpc>
+                <a:spcPct val="100000"/>
+              </a:lnSpc>
+              <a:spcBef>
+                <a:spcPts val="0"/>
+              </a:spcBef>
+              <a:spcAft>
+                <a:spcPts val="0"/>
+              </a:spcAft>
+              <a:buClrTx/>
+              <a:buSzTx/>
+              <a:buFontTx/>
+              <a:buNone/>
+              <a:tabLst/>
+              <a:defRPr/>
+            </a:pPr>
+            <a:endParaRPr lang="en-US" dirty="0"/>
+          </a:p>
+          <a:p>
+            <a:pPr marL="0" marR="0" lvl="0" indent="0" defTabSz="914400" eaLnBrk="1" fontAlgn="auto" latinLnBrk="0" hangingPunct="1">
+              <a:lnSpc>
+                <a:spcPct val="100000"/>
+              </a:lnSpc>
+              <a:spcBef>
+                <a:spcPts val="0"/>
+              </a:spcBef>
+              <a:spcAft>
+                <a:spcPts val="0"/>
+              </a:spcAft>
+              <a:buClrTx/>
+              <a:buSzTx/>
+              <a:buFontTx/>
+              <a:buNone/>
+              <a:tabLst/>
+              <a:defRPr/>
+            </a:pPr>
+            <a:r>
+              <a:rPr lang="en-US" b="1" dirty="0" smtClean="0"/>
+              <a:t>Delay Factor:</a:t>
+            </a:r>
+            <a:r>
+              <a:rPr lang="en-US" dirty="0" smtClean="0"/>
+              <a:t> characterized by long paths in a curriculum.</a:t>
+            </a:r>
+          </a:p>
+          <a:p>
+            <a:pPr marL="0" marR="0" lvl="0" indent="0" defTabSz="914400" eaLnBrk="1" fontAlgn="auto" latinLnBrk="0" hangingPunct="1">
+              <a:lnSpc>
+                <a:spcPct val="100000"/>
+              </a:lnSpc>
+              <a:spcBef>
+                <a:spcPts val="0"/>
+              </a:spcBef>
+              <a:spcAft>
+                <a:spcPts val="0"/>
+              </a:spcAft>
+              <a:buClrTx/>
+              <a:buSzTx/>
+              <a:buFontTx/>
+              <a:buNone/>
+              <a:tabLst/>
+              <a:defRPr/>
+            </a:pPr>
+            <a:endParaRPr lang="en-US" b="1" dirty="0"/>
+          </a:p>
+          <a:p>
+            <a:pPr marL="0" marR="0" lvl="0" indent="0" defTabSz="914400" eaLnBrk="1" fontAlgn="auto" latinLnBrk="0" hangingPunct="1">
+              <a:lnSpc>
+                <a:spcPct val="100000"/>
+              </a:lnSpc>
+              <a:spcBef>
+                <a:spcPts val="0"/>
+              </a:spcBef>
+              <a:spcAft>
+                <a:spcPts val="0"/>
+              </a:spcAft>
+              <a:buClrTx/>
+              <a:buSzTx/>
+              <a:buFontTx/>
+              <a:buNone/>
+              <a:tabLst/>
+              <a:defRPr/>
+            </a:pPr>
+            <a:r>
+              <a:rPr lang="en-US" b="1" dirty="0" smtClean="0"/>
+              <a:t>Blocking Factor:</a:t>
+            </a:r>
+            <a:r>
+              <a:rPr lang="en-US" dirty="0"/>
+              <a:t> </a:t>
+            </a:r>
+            <a:r>
+              <a:rPr lang="en-US" dirty="0" smtClean="0"/>
+              <a:t>the number of courses that a student cannot take until a certain class has been passed.</a:t>
+            </a:r>
+            <a:endParaRPr lang="en-US" b="1" dirty="0" smtClean="0"/>
           </a:p>
         </p:txBody>
       </p:sp>
     </p:spTree>
     <p:extLst>
       <p:ext uri="{BB962C8B-B14F-4D97-AF65-F5344CB8AC3E}">
-        <p14:creationId xmlns:p14="http://schemas.microsoft.com/office/powerpoint/2010/main" val="864084000"/>
+        <p14:creationId xmlns:p14="http://schemas.microsoft.com/office/powerpoint/2010/main" val="926612202"/>
       </p:ext>
     </p:extLst>
   </p:cSld>
   <p:clrMapOvr>
     <a:masterClrMapping/>
   </p:clrMapOvr>
+  <p:timing>
+    <p:tnLst>
+      <p:par>
+        <p:cTn id="1" dur="indefinite" restart="never" nodeType="tmRoot"/>
+      </p:par>
+    </p:tnLst>
+  </p:timing>
 </p:sld>
 </file>
 
@@ -15021,61 +14543,315 @@
           </a:p>
         </p:txBody>
       </p:sp>
-      <p:sp>
-        <p:nvSpPr>
-          <p:cNvPr id="3" name="Content Placeholder 2"/>
-          <p:cNvSpPr>
-            <a:spLocks noGrp="1"/>
-          </p:cNvSpPr>
-          <p:nvPr>
-            <p:ph idx="1"/>
-          </p:nvPr>
-        </p:nvSpPr>
-        <p:spPr/>
-        <p:txBody>
-          <a:bodyPr/>
-          <a:lstStyle/>
-          <a:p>
-            <a:r>
-              <a:rPr lang="en-US" dirty="0" smtClean="0"/>
-              <a:t>Two main areas of work that influenced the feature set and implementation of CASL:</a:t>
-            </a:r>
-          </a:p>
-          <a:p>
-            <a:endParaRPr lang="en-US" dirty="0" smtClean="0"/>
-          </a:p>
-          <a:p>
-            <a:pPr lvl="1"/>
-            <a:r>
-              <a:rPr lang="en-US" dirty="0" smtClean="0"/>
-              <a:t>Characterizing a curriculum’s structural complexity: Slim, et al. at UNM.</a:t>
-            </a:r>
-          </a:p>
-          <a:p>
-            <a:pPr lvl="1"/>
-            <a:endParaRPr lang="en-US" dirty="0"/>
-          </a:p>
-          <a:p>
-            <a:pPr lvl="1"/>
-            <a:r>
-              <a:rPr lang="en-US" dirty="0" smtClean="0"/>
-              <a:t>Simulating students within a curriculum: </a:t>
-            </a:r>
-            <a:r>
-              <a:rPr lang="en-US" dirty="0"/>
-              <a:t>Saltzman and </a:t>
-            </a:r>
-            <a:r>
-              <a:rPr lang="en-US" dirty="0" smtClean="0"/>
-              <a:t>Roeder at SFSU.</a:t>
-            </a:r>
-          </a:p>
-        </p:txBody>
-      </p:sp>
+      <mc:AlternateContent xmlns:mc="http://schemas.openxmlformats.org/markup-compatibility/2006" xmlns:a14="http://schemas.microsoft.com/office/drawing/2010/main">
+        <mc:Choice Requires="a14">
+          <p:sp>
+            <p:nvSpPr>
+              <p:cNvPr id="3" name="Content Placeholder 2"/>
+              <p:cNvSpPr>
+                <a:spLocks noGrp="1"/>
+              </p:cNvSpPr>
+              <p:nvPr>
+                <p:ph idx="1"/>
+              </p:nvPr>
+            </p:nvSpPr>
+            <p:spPr/>
+            <p:txBody>
+              <a:bodyPr/>
+              <a:lstStyle/>
+              <a:p>
+                <a:pPr marL="0" marR="0" lvl="0" indent="0" defTabSz="914400" eaLnBrk="1" fontAlgn="auto" latinLnBrk="0" hangingPunct="1">
+                  <a:lnSpc>
+                    <a:spcPct val="100000"/>
+                  </a:lnSpc>
+                  <a:spcBef>
+                    <a:spcPts val="0"/>
+                  </a:spcBef>
+                  <a:spcAft>
+                    <a:spcPts val="0"/>
+                  </a:spcAft>
+                  <a:buClrTx/>
+                  <a:buSzTx/>
+                  <a:buFontTx/>
+                  <a:buNone/>
+                  <a:tabLst/>
+                  <a:defRPr/>
+                </a:pPr>
+                <a:r>
+                  <a:rPr lang="en-US" dirty="0" smtClean="0"/>
+                  <a:t>The </a:t>
+                </a:r>
+                <a:r>
+                  <a:rPr lang="en-US" b="1" dirty="0" smtClean="0"/>
+                  <a:t>delay </a:t>
+                </a:r>
+                <a:r>
+                  <a:rPr lang="en-US" b="1" dirty="0"/>
+                  <a:t>f</a:t>
+                </a:r>
+                <a:r>
+                  <a:rPr lang="en-US" b="1" dirty="0" smtClean="0"/>
+                  <a:t>actor </a:t>
+                </a:r>
+                <a:r>
+                  <a:rPr lang="en-US" dirty="0" smtClean="0"/>
+                  <a:t>of course </a:t>
+                </a:r>
+                <a14:m>
+                  <m:oMath xmlns:m="http://schemas.openxmlformats.org/officeDocument/2006/math">
+                    <m:sSub>
+                      <m:sSubPr>
+                        <m:ctrlPr>
+                          <a:rPr lang="en-US" i="1" smtClean="0">
+                            <a:latin typeface="Cambria Math" charset="0"/>
+                          </a:rPr>
+                        </m:ctrlPr>
+                      </m:sSubPr>
+                      <m:e>
+                        <m:r>
+                          <a:rPr lang="en-US" b="0" i="1" smtClean="0">
+                            <a:latin typeface="Cambria Math" charset="0"/>
+                          </a:rPr>
+                          <m:t>𝑣</m:t>
+                        </m:r>
+                      </m:e>
+                      <m:sub>
+                        <m:r>
+                          <a:rPr lang="en-US" b="0" i="1" smtClean="0">
+                            <a:latin typeface="Cambria Math" charset="0"/>
+                          </a:rPr>
+                          <m:t>𝑖</m:t>
+                        </m:r>
+                      </m:sub>
+                    </m:sSub>
+                  </m:oMath>
+                </a14:m>
+                <a:r>
+                  <a:rPr lang="en-US" dirty="0" smtClean="0"/>
+                  <a:t>, denoted </a:t>
+                </a:r>
+                <a14:m>
+                  <m:oMath xmlns:m="http://schemas.openxmlformats.org/officeDocument/2006/math">
+                    <m:r>
+                      <a:rPr lang="en-US" b="0" i="1" smtClean="0">
+                        <a:latin typeface="Cambria Math" charset="0"/>
+                      </a:rPr>
+                      <m:t>𝑑</m:t>
+                    </m:r>
+                    <m:d>
+                      <m:dPr>
+                        <m:ctrlPr>
+                          <a:rPr lang="en-US" b="0" i="1" smtClean="0">
+                            <a:latin typeface="Cambria Math" charset="0"/>
+                          </a:rPr>
+                        </m:ctrlPr>
+                      </m:dPr>
+                      <m:e>
+                        <m:sSub>
+                          <m:sSubPr>
+                            <m:ctrlPr>
+                              <a:rPr lang="en-US" b="0" i="1" smtClean="0">
+                                <a:latin typeface="Cambria Math" charset="0"/>
+                              </a:rPr>
+                            </m:ctrlPr>
+                          </m:sSubPr>
+                          <m:e>
+                            <m:r>
+                              <a:rPr lang="en-US" b="0" i="1" smtClean="0">
+                                <a:latin typeface="Cambria Math" charset="0"/>
+                              </a:rPr>
+                              <m:t>𝑣</m:t>
+                            </m:r>
+                          </m:e>
+                          <m:sub>
+                            <m:r>
+                              <a:rPr lang="en-US" b="0" i="1" smtClean="0">
+                                <a:latin typeface="Cambria Math" charset="0"/>
+                              </a:rPr>
+                              <m:t>𝑖</m:t>
+                            </m:r>
+                          </m:sub>
+                        </m:sSub>
+                      </m:e>
+                    </m:d>
+                  </m:oMath>
+                </a14:m>
+                <a:r>
+                  <a:rPr lang="en-US" dirty="0" smtClean="0"/>
+                  <a:t>, is defined as the number of nodes in the longest path that passes through </a:t>
+                </a:r>
+                <a14:m>
+                  <m:oMath xmlns:m="http://schemas.openxmlformats.org/officeDocument/2006/math">
+                    <m:sSub>
+                      <m:sSubPr>
+                        <m:ctrlPr>
+                          <a:rPr lang="en-US" i="1" smtClean="0">
+                            <a:latin typeface="Cambria Math" charset="0"/>
+                          </a:rPr>
+                        </m:ctrlPr>
+                      </m:sSubPr>
+                      <m:e>
+                        <m:r>
+                          <a:rPr lang="en-US" b="0" i="1" smtClean="0">
+                            <a:latin typeface="Cambria Math" charset="0"/>
+                          </a:rPr>
+                          <m:t>𝑣</m:t>
+                        </m:r>
+                      </m:e>
+                      <m:sub>
+                        <m:r>
+                          <a:rPr lang="en-US" b="0" i="1" smtClean="0">
+                            <a:latin typeface="Cambria Math" charset="0"/>
+                          </a:rPr>
+                          <m:t>𝑖</m:t>
+                        </m:r>
+                      </m:sub>
+                    </m:sSub>
+                    <m:r>
+                      <a:rPr lang="en-US" b="0" i="1" smtClean="0">
+                        <a:latin typeface="Cambria Math" charset="0"/>
+                      </a:rPr>
+                      <m:t>.</m:t>
+                    </m:r>
+                  </m:oMath>
+                </a14:m>
+                <a:endParaRPr lang="en-US" dirty="0" smtClean="0"/>
+              </a:p>
+              <a:p>
+                <a:pPr marL="0" marR="0" lvl="0" indent="0" defTabSz="914400" eaLnBrk="1" fontAlgn="auto" latinLnBrk="0" hangingPunct="1">
+                  <a:lnSpc>
+                    <a:spcPct val="100000"/>
+                  </a:lnSpc>
+                  <a:spcBef>
+                    <a:spcPts val="0"/>
+                  </a:spcBef>
+                  <a:spcAft>
+                    <a:spcPts val="0"/>
+                  </a:spcAft>
+                  <a:buClrTx/>
+                  <a:buSzTx/>
+                  <a:buFontTx/>
+                  <a:buNone/>
+                  <a:tabLst/>
+                  <a:defRPr/>
+                </a:pPr>
+                <a:endParaRPr lang="en-US" dirty="0"/>
+              </a:p>
+              <a:p>
+                <a:pPr marL="0" marR="0" lvl="0" indent="0" defTabSz="914400" eaLnBrk="1" fontAlgn="auto" latinLnBrk="0" hangingPunct="1">
+                  <a:lnSpc>
+                    <a:spcPct val="100000"/>
+                  </a:lnSpc>
+                  <a:spcBef>
+                    <a:spcPts val="0"/>
+                  </a:spcBef>
+                  <a:spcAft>
+                    <a:spcPts val="0"/>
+                  </a:spcAft>
+                  <a:buClrTx/>
+                  <a:buSzTx/>
+                  <a:buFontTx/>
+                  <a:buNone/>
+                  <a:tabLst/>
+                  <a:defRPr/>
+                </a:pPr>
+                <a:r>
+                  <a:rPr lang="en-US" dirty="0" smtClean="0"/>
+                  <a:t>Ex:</a:t>
+                </a:r>
+                <a:endParaRPr lang="en-US" dirty="0"/>
+              </a:p>
+              <a:p>
+                <a:pPr marL="0" marR="0" lvl="0" indent="0" defTabSz="914400" eaLnBrk="1" fontAlgn="auto" latinLnBrk="0" hangingPunct="1">
+                  <a:lnSpc>
+                    <a:spcPct val="100000"/>
+                  </a:lnSpc>
+                  <a:spcBef>
+                    <a:spcPts val="0"/>
+                  </a:spcBef>
+                  <a:spcAft>
+                    <a:spcPts val="0"/>
+                  </a:spcAft>
+                  <a:buClrTx/>
+                  <a:buSzTx/>
+                  <a:buFontTx/>
+                  <a:buNone/>
+                  <a:tabLst/>
+                  <a:defRPr/>
+                </a:pPr>
+                <a:endParaRPr lang="en-US" dirty="0" smtClean="0"/>
+              </a:p>
+            </p:txBody>
+          </p:sp>
+        </mc:Choice>
+        <mc:Fallback xmlns="">
+          <p:sp>
+            <p:nvSpPr>
+              <p:cNvPr id="3" name="Content Placeholder 2"/>
+              <p:cNvSpPr>
+                <a:spLocks noGrp="1" noRot="1" noChangeAspect="1" noMove="1" noResize="1" noEditPoints="1" noAdjustHandles="1" noChangeArrowheads="1" noChangeShapeType="1" noTextEdit="1"/>
+              </p:cNvSpPr>
+              <p:nvPr>
+                <p:ph idx="1"/>
+              </p:nvPr>
+            </p:nvSpPr>
+            <p:spPr>
+              <a:blipFill rotWithShape="0">
+                <a:blip r:embed="rId2"/>
+                <a:stretch>
+                  <a:fillRect l="-1217" t="-1261" r="-696"/>
+                </a:stretch>
+              </a:blipFill>
+            </p:spPr>
+            <p:txBody>
+              <a:bodyPr/>
+              <a:lstStyle/>
+              <a:p>
+                <a:r>
+                  <a:rPr lang="en-US">
+                    <a:noFill/>
+                  </a:rPr>
+                  <a:t> </a:t>
+                </a:r>
+              </a:p>
+            </p:txBody>
+          </p:sp>
+        </mc:Fallback>
+      </mc:AlternateContent>
+      <p:pic>
+        <p:nvPicPr>
+          <p:cNvPr id="4" name="Picture 3"/>
+          <p:cNvPicPr>
+            <a:picLocks noChangeAspect="1"/>
+          </p:cNvPicPr>
+          <p:nvPr/>
+        </p:nvPicPr>
+        <p:blipFill>
+          <a:blip r:embed="rId3">
+            <a:extLst>
+              <a:ext uri="{28A0092B-C50C-407E-A947-70E740481C1C}">
+                <a14:useLocalDpi xmlns:a14="http://schemas.microsoft.com/office/drawing/2010/main" val="0"/>
+              </a:ext>
+            </a:extLst>
+          </a:blip>
+          <a:stretch>
+            <a:fillRect/>
+          </a:stretch>
+        </p:blipFill>
+        <p:spPr>
+          <a:xfrm>
+            <a:off x="971764" y="3922076"/>
+            <a:ext cx="3012611" cy="2119528"/>
+          </a:xfrm>
+          <a:prstGeom prst="rect">
+            <a:avLst/>
+          </a:prstGeom>
+        </p:spPr>
+      </p:pic>
     </p:spTree>
     <p:extLst>
       <p:ext uri="{BB962C8B-B14F-4D97-AF65-F5344CB8AC3E}">
-        <p14:creationId xmlns:p14="http://schemas.microsoft.com/office/powerpoint/2010/main" val="1329385936"/>
+        <p14:creationId xmlns:p14="http://schemas.microsoft.com/office/powerpoint/2010/main" val="599548142"/>
       </p:ext>
     </p:extLst>
   </p:cSld>
